--- a/Reports/Midterm.pptx
+++ b/Reports/Midterm.pptx
@@ -11,16 +11,18 @@
     <p:sldId id="269" r:id="rId5"/>
     <p:sldId id="259" r:id="rId6"/>
     <p:sldId id="260" r:id="rId7"/>
-    <p:sldId id="266" r:id="rId8"/>
-    <p:sldId id="267" r:id="rId9"/>
-    <p:sldId id="270" r:id="rId10"/>
-    <p:sldId id="268" r:id="rId11"/>
-    <p:sldId id="261" r:id="rId12"/>
-    <p:sldId id="262" r:id="rId13"/>
-    <p:sldId id="271" r:id="rId14"/>
-    <p:sldId id="263" r:id="rId15"/>
-    <p:sldId id="264" r:id="rId16"/>
-    <p:sldId id="265" r:id="rId17"/>
+    <p:sldId id="273" r:id="rId8"/>
+    <p:sldId id="266" r:id="rId9"/>
+    <p:sldId id="272" r:id="rId10"/>
+    <p:sldId id="267" r:id="rId11"/>
+    <p:sldId id="270" r:id="rId12"/>
+    <p:sldId id="268" r:id="rId13"/>
+    <p:sldId id="261" r:id="rId14"/>
+    <p:sldId id="262" r:id="rId15"/>
+    <p:sldId id="271" r:id="rId16"/>
+    <p:sldId id="263" r:id="rId17"/>
+    <p:sldId id="264" r:id="rId18"/>
+    <p:sldId id="265" r:id="rId19"/>
   </p:sldIdLst>
   <p:sldSz cx="12192000" cy="6858000"/>
   <p:notesSz cx="6858000" cy="9144000"/>
@@ -345,7 +347,7 @@
           <a:noFill/>
           <a:extLst>
             <a:ext uri="{909E8E84-426E-40dd-AFC4-6F175D3DCCD1}">
-              <a14:hiddenFill xmlns="" xmlns:a14="http://schemas.microsoft.com/office/drawing/2010/main">
+              <a14:hiddenFill xmlns:a14="http://schemas.microsoft.com/office/drawing/2010/main" xmlns="">
                 <a:solidFill>
                   <a:srgbClr val="FFFFFF"/>
                 </a:solidFill>
@@ -405,7 +407,7 @@
             </a:ln>
             <a:extLst>
               <a:ext uri="{91240B29-F687-4f45-9708-019B960494DF}">
-                <a14:hiddenLine xmlns="" xmlns:a14="http://schemas.microsoft.com/office/drawing/2010/main" w="9525">
+                <a14:hiddenLine xmlns:a14="http://schemas.microsoft.com/office/drawing/2010/main" xmlns="" w="9525">
                   <a:solidFill>
                     <a:srgbClr val="000000"/>
                   </a:solidFill>
@@ -495,7 +497,7 @@
             </a:ln>
             <a:extLst>
               <a:ext uri="{91240B29-F687-4f45-9708-019B960494DF}">
-                <a14:hiddenLine xmlns="" xmlns:a14="http://schemas.microsoft.com/office/drawing/2010/main" w="9525">
+                <a14:hiddenLine xmlns:a14="http://schemas.microsoft.com/office/drawing/2010/main" xmlns="" w="9525">
                   <a:solidFill>
                     <a:srgbClr val="000000"/>
                   </a:solidFill>
@@ -585,7 +587,7 @@
             </a:ln>
             <a:extLst>
               <a:ext uri="{91240B29-F687-4f45-9708-019B960494DF}">
-                <a14:hiddenLine xmlns="" xmlns:a14="http://schemas.microsoft.com/office/drawing/2010/main" w="9525">
+                <a14:hiddenLine xmlns:a14="http://schemas.microsoft.com/office/drawing/2010/main" xmlns="" w="9525">
                   <a:solidFill>
                     <a:srgbClr val="000000"/>
                   </a:solidFill>
@@ -619,7 +621,7 @@
             </a:ln>
             <a:extLst>
               <a:ext uri="{91240B29-F687-4f45-9708-019B960494DF}">
-                <a14:hiddenLine xmlns="" xmlns:a14="http://schemas.microsoft.com/office/drawing/2010/main" w="9525">
+                <a14:hiddenLine xmlns:a14="http://schemas.microsoft.com/office/drawing/2010/main" xmlns="" w="9525">
                   <a:solidFill>
                     <a:srgbClr val="000000"/>
                   </a:solidFill>
@@ -709,7 +711,7 @@
             </a:ln>
             <a:extLst>
               <a:ext uri="{91240B29-F687-4f45-9708-019B960494DF}">
-                <a14:hiddenLine xmlns="" xmlns:a14="http://schemas.microsoft.com/office/drawing/2010/main" w="9525">
+                <a14:hiddenLine xmlns:a14="http://schemas.microsoft.com/office/drawing/2010/main" xmlns="" w="9525">
                   <a:solidFill>
                     <a:srgbClr val="000000"/>
                   </a:solidFill>
@@ -771,7 +773,7 @@
             </a:ln>
             <a:extLst>
               <a:ext uri="{91240B29-F687-4f45-9708-019B960494DF}">
-                <a14:hiddenLine xmlns="" xmlns:a14="http://schemas.microsoft.com/office/drawing/2010/main" w="9525">
+                <a14:hiddenLine xmlns:a14="http://schemas.microsoft.com/office/drawing/2010/main" xmlns="" w="9525">
                   <a:solidFill>
                     <a:srgbClr val="000000"/>
                   </a:solidFill>
@@ -833,7 +835,7 @@
             </a:ln>
             <a:extLst>
               <a:ext uri="{91240B29-F687-4f45-9708-019B960494DF}">
-                <a14:hiddenLine xmlns="" xmlns:a14="http://schemas.microsoft.com/office/drawing/2010/main" w="9525">
+                <a14:hiddenLine xmlns:a14="http://schemas.microsoft.com/office/drawing/2010/main" xmlns="" w="9525">
                   <a:solidFill>
                     <a:srgbClr val="000000"/>
                   </a:solidFill>
@@ -923,7 +925,7 @@
             </a:ln>
             <a:extLst>
               <a:ext uri="{91240B29-F687-4f45-9708-019B960494DF}">
-                <a14:hiddenLine xmlns="" xmlns:a14="http://schemas.microsoft.com/office/drawing/2010/main" w="9525">
+                <a14:hiddenLine xmlns:a14="http://schemas.microsoft.com/office/drawing/2010/main" xmlns="" w="9525">
                   <a:solidFill>
                     <a:srgbClr val="000000"/>
                   </a:solidFill>
@@ -985,7 +987,7 @@
             </a:ln>
             <a:extLst>
               <a:ext uri="{91240B29-F687-4f45-9708-019B960494DF}">
-                <a14:hiddenLine xmlns="" xmlns:a14="http://schemas.microsoft.com/office/drawing/2010/main" w="9525">
+                <a14:hiddenLine xmlns:a14="http://schemas.microsoft.com/office/drawing/2010/main" xmlns="" w="9525">
                   <a:solidFill>
                     <a:srgbClr val="000000"/>
                   </a:solidFill>
@@ -1047,7 +1049,7 @@
             </a:ln>
             <a:extLst>
               <a:ext uri="{91240B29-F687-4f45-9708-019B960494DF}">
-                <a14:hiddenLine xmlns="" xmlns:a14="http://schemas.microsoft.com/office/drawing/2010/main" w="9525">
+                <a14:hiddenLine xmlns:a14="http://schemas.microsoft.com/office/drawing/2010/main" xmlns="" w="9525">
                   <a:solidFill>
                     <a:srgbClr val="000000"/>
                   </a:solidFill>
@@ -1137,7 +1139,7 @@
             </a:ln>
             <a:extLst>
               <a:ext uri="{91240B29-F687-4f45-9708-019B960494DF}">
-                <a14:hiddenLine xmlns="" xmlns:a14="http://schemas.microsoft.com/office/drawing/2010/main" w="9525">
+                <a14:hiddenLine xmlns:a14="http://schemas.microsoft.com/office/drawing/2010/main" xmlns="" w="9525">
                   <a:solidFill>
                     <a:srgbClr val="000000"/>
                   </a:solidFill>
@@ -1227,7 +1229,7 @@
             </a:ln>
             <a:extLst>
               <a:ext uri="{91240B29-F687-4f45-9708-019B960494DF}">
-                <a14:hiddenLine xmlns="" xmlns:a14="http://schemas.microsoft.com/office/drawing/2010/main" w="9525">
+                <a14:hiddenLine xmlns:a14="http://schemas.microsoft.com/office/drawing/2010/main" xmlns="" w="9525">
                   <a:solidFill>
                     <a:srgbClr val="000000"/>
                   </a:solidFill>
@@ -1289,7 +1291,7 @@
             </a:ln>
             <a:extLst>
               <a:ext uri="{91240B29-F687-4f45-9708-019B960494DF}">
-                <a14:hiddenLine xmlns="" xmlns:a14="http://schemas.microsoft.com/office/drawing/2010/main" w="9525">
+                <a14:hiddenLine xmlns:a14="http://schemas.microsoft.com/office/drawing/2010/main" xmlns="" w="9525">
                   <a:solidFill>
                     <a:srgbClr val="000000"/>
                   </a:solidFill>
@@ -1399,7 +1401,7 @@
             </a:ln>
             <a:extLst>
               <a:ext uri="{91240B29-F687-4f45-9708-019B960494DF}">
-                <a14:hiddenLine xmlns="" xmlns:a14="http://schemas.microsoft.com/office/drawing/2010/main" w="9525">
+                <a14:hiddenLine xmlns:a14="http://schemas.microsoft.com/office/drawing/2010/main" xmlns="" w="9525">
                   <a:solidFill>
                     <a:srgbClr val="000000"/>
                   </a:solidFill>
@@ -1461,7 +1463,7 @@
             </a:ln>
             <a:extLst>
               <a:ext uri="{91240B29-F687-4f45-9708-019B960494DF}">
-                <a14:hiddenLine xmlns="" xmlns:a14="http://schemas.microsoft.com/office/drawing/2010/main" w="9525">
+                <a14:hiddenLine xmlns:a14="http://schemas.microsoft.com/office/drawing/2010/main" xmlns="" w="9525">
                   <a:solidFill>
                     <a:srgbClr val="000000"/>
                   </a:solidFill>
@@ -1551,7 +1553,7 @@
             </a:ln>
             <a:extLst>
               <a:ext uri="{91240B29-F687-4f45-9708-019B960494DF}">
-                <a14:hiddenLine xmlns="" xmlns:a14="http://schemas.microsoft.com/office/drawing/2010/main" w="9525">
+                <a14:hiddenLine xmlns:a14="http://schemas.microsoft.com/office/drawing/2010/main" xmlns="" w="9525">
                   <a:solidFill>
                     <a:srgbClr val="000000"/>
                   </a:solidFill>
@@ -1641,7 +1643,7 @@
             </a:ln>
             <a:extLst>
               <a:ext uri="{91240B29-F687-4f45-9708-019B960494DF}">
-                <a14:hiddenLine xmlns="" xmlns:a14="http://schemas.microsoft.com/office/drawing/2010/main" w="9525">
+                <a14:hiddenLine xmlns:a14="http://schemas.microsoft.com/office/drawing/2010/main" xmlns="" w="9525">
                   <a:solidFill>
                     <a:srgbClr val="000000"/>
                   </a:solidFill>
@@ -1703,7 +1705,7 @@
             </a:ln>
             <a:extLst>
               <a:ext uri="{91240B29-F687-4f45-9708-019B960494DF}">
-                <a14:hiddenLine xmlns="" xmlns:a14="http://schemas.microsoft.com/office/drawing/2010/main" w="9525">
+                <a14:hiddenLine xmlns:a14="http://schemas.microsoft.com/office/drawing/2010/main" xmlns="" w="9525">
                   <a:solidFill>
                     <a:srgbClr val="000000"/>
                   </a:solidFill>
@@ -1793,7 +1795,7 @@
             </a:ln>
             <a:extLst>
               <a:ext uri="{91240B29-F687-4f45-9708-019B960494DF}">
-                <a14:hiddenLine xmlns="" xmlns:a14="http://schemas.microsoft.com/office/drawing/2010/main" w="9525">
+                <a14:hiddenLine xmlns:a14="http://schemas.microsoft.com/office/drawing/2010/main" xmlns="" w="9525">
                   <a:solidFill>
                     <a:srgbClr val="000000"/>
                   </a:solidFill>
@@ -1883,7 +1885,7 @@
             </a:ln>
             <a:extLst>
               <a:ext uri="{91240B29-F687-4f45-9708-019B960494DF}">
-                <a14:hiddenLine xmlns="" xmlns:a14="http://schemas.microsoft.com/office/drawing/2010/main" w="9525">
+                <a14:hiddenLine xmlns:a14="http://schemas.microsoft.com/office/drawing/2010/main" xmlns="" w="9525">
                   <a:solidFill>
                     <a:srgbClr val="000000"/>
                   </a:solidFill>
@@ -1939,7 +1941,7 @@
             </a:ln>
             <a:extLst>
               <a:ext uri="{91240B29-F687-4f45-9708-019B960494DF}">
-                <a14:hiddenLine xmlns="" xmlns:a14="http://schemas.microsoft.com/office/drawing/2010/main" w="9525">
+                <a14:hiddenLine xmlns:a14="http://schemas.microsoft.com/office/drawing/2010/main" xmlns="" w="9525">
                   <a:solidFill>
                     <a:srgbClr val="000000"/>
                   </a:solidFill>
@@ -2029,7 +2031,7 @@
             </a:ln>
             <a:extLst>
               <a:ext uri="{91240B29-F687-4f45-9708-019B960494DF}">
-                <a14:hiddenLine xmlns="" xmlns:a14="http://schemas.microsoft.com/office/drawing/2010/main" w="9525">
+                <a14:hiddenLine xmlns:a14="http://schemas.microsoft.com/office/drawing/2010/main" xmlns="" w="9525">
                   <a:solidFill>
                     <a:srgbClr val="000000"/>
                   </a:solidFill>
@@ -2085,7 +2087,7 @@
             </a:ln>
             <a:extLst>
               <a:ext uri="{91240B29-F687-4f45-9708-019B960494DF}">
-                <a14:hiddenLine xmlns="" xmlns:a14="http://schemas.microsoft.com/office/drawing/2010/main" w="9525">
+                <a14:hiddenLine xmlns:a14="http://schemas.microsoft.com/office/drawing/2010/main" xmlns="" w="9525">
                   <a:solidFill>
                     <a:srgbClr val="000000"/>
                   </a:solidFill>
@@ -2175,7 +2177,7 @@
             </a:ln>
             <a:extLst>
               <a:ext uri="{91240B29-F687-4f45-9708-019B960494DF}">
-                <a14:hiddenLine xmlns="" xmlns:a14="http://schemas.microsoft.com/office/drawing/2010/main" w="9525">
+                <a14:hiddenLine xmlns:a14="http://schemas.microsoft.com/office/drawing/2010/main" xmlns="" w="9525">
                   <a:solidFill>
                     <a:srgbClr val="000000"/>
                   </a:solidFill>
@@ -2243,7 +2245,7 @@
             </a:ln>
             <a:extLst>
               <a:ext uri="{91240B29-F687-4f45-9708-019B960494DF}">
-                <a14:hiddenLine xmlns="" xmlns:a14="http://schemas.microsoft.com/office/drawing/2010/main" w="9525">
+                <a14:hiddenLine xmlns:a14="http://schemas.microsoft.com/office/drawing/2010/main" xmlns="" w="9525">
                   <a:solidFill>
                     <a:srgbClr val="000000"/>
                   </a:solidFill>
@@ -2333,7 +2335,7 @@
             </a:ln>
             <a:extLst>
               <a:ext uri="{91240B29-F687-4f45-9708-019B960494DF}">
-                <a14:hiddenLine xmlns="" xmlns:a14="http://schemas.microsoft.com/office/drawing/2010/main" w="9525">
+                <a14:hiddenLine xmlns:a14="http://schemas.microsoft.com/office/drawing/2010/main" xmlns="" w="9525">
                   <a:solidFill>
                     <a:srgbClr val="000000"/>
                   </a:solidFill>
@@ -2401,7 +2403,7 @@
             </a:ln>
             <a:extLst>
               <a:ext uri="{91240B29-F687-4f45-9708-019B960494DF}">
-                <a14:hiddenLine xmlns="" xmlns:a14="http://schemas.microsoft.com/office/drawing/2010/main" w="9525">
+                <a14:hiddenLine xmlns:a14="http://schemas.microsoft.com/office/drawing/2010/main" xmlns="" w="9525">
                   <a:solidFill>
                     <a:srgbClr val="000000"/>
                   </a:solidFill>
@@ -2491,7 +2493,7 @@
             </a:ln>
             <a:extLst>
               <a:ext uri="{91240B29-F687-4f45-9708-019B960494DF}">
-                <a14:hiddenLine xmlns="" xmlns:a14="http://schemas.microsoft.com/office/drawing/2010/main" w="9525">
+                <a14:hiddenLine xmlns:a14="http://schemas.microsoft.com/office/drawing/2010/main" xmlns="" w="9525">
                   <a:solidFill>
                     <a:srgbClr val="000000"/>
                   </a:solidFill>
@@ -2525,7 +2527,7 @@
             </a:ln>
             <a:extLst>
               <a:ext uri="{91240B29-F687-4f45-9708-019B960494DF}">
-                <a14:hiddenLine xmlns="" xmlns:a14="http://schemas.microsoft.com/office/drawing/2010/main" w="9525">
+                <a14:hiddenLine xmlns:a14="http://schemas.microsoft.com/office/drawing/2010/main" xmlns="" w="9525">
                   <a:solidFill>
                     <a:srgbClr val="000000"/>
                   </a:solidFill>
@@ -2615,7 +2617,7 @@
             </a:ln>
             <a:extLst>
               <a:ext uri="{91240B29-F687-4f45-9708-019B960494DF}">
-                <a14:hiddenLine xmlns="" xmlns:a14="http://schemas.microsoft.com/office/drawing/2010/main" w="9525">
+                <a14:hiddenLine xmlns:a14="http://schemas.microsoft.com/office/drawing/2010/main" xmlns="" w="9525">
                   <a:solidFill>
                     <a:srgbClr val="000000"/>
                   </a:solidFill>
@@ -2677,7 +2679,7 @@
             </a:ln>
             <a:extLst>
               <a:ext uri="{91240B29-F687-4f45-9708-019B960494DF}">
-                <a14:hiddenLine xmlns="" xmlns:a14="http://schemas.microsoft.com/office/drawing/2010/main" w="9525">
+                <a14:hiddenLine xmlns:a14="http://schemas.microsoft.com/office/drawing/2010/main" xmlns="" w="9525">
                   <a:solidFill>
                     <a:srgbClr val="000000"/>
                   </a:solidFill>
@@ -2739,7 +2741,7 @@
             </a:ln>
             <a:extLst>
               <a:ext uri="{91240B29-F687-4f45-9708-019B960494DF}">
-                <a14:hiddenLine xmlns="" xmlns:a14="http://schemas.microsoft.com/office/drawing/2010/main" w="9525">
+                <a14:hiddenLine xmlns:a14="http://schemas.microsoft.com/office/drawing/2010/main" xmlns="" w="9525">
                   <a:solidFill>
                     <a:srgbClr val="000000"/>
                   </a:solidFill>
@@ -2829,7 +2831,7 @@
             </a:ln>
             <a:extLst>
               <a:ext uri="{91240B29-F687-4f45-9708-019B960494DF}">
-                <a14:hiddenLine xmlns="" xmlns:a14="http://schemas.microsoft.com/office/drawing/2010/main" w="9525">
+                <a14:hiddenLine xmlns:a14="http://schemas.microsoft.com/office/drawing/2010/main" xmlns="" w="9525">
                   <a:solidFill>
                     <a:srgbClr val="000000"/>
                   </a:solidFill>
@@ -2897,7 +2899,7 @@
             </a:ln>
             <a:extLst>
               <a:ext uri="{91240B29-F687-4f45-9708-019B960494DF}">
-                <a14:hiddenLine xmlns="" xmlns:a14="http://schemas.microsoft.com/office/drawing/2010/main" w="9525">
+                <a14:hiddenLine xmlns:a14="http://schemas.microsoft.com/office/drawing/2010/main" xmlns="" w="9525">
                   <a:solidFill>
                     <a:srgbClr val="000000"/>
                   </a:solidFill>
@@ -2959,7 +2961,7 @@
             </a:ln>
             <a:extLst>
               <a:ext uri="{91240B29-F687-4f45-9708-019B960494DF}">
-                <a14:hiddenLine xmlns="" xmlns:a14="http://schemas.microsoft.com/office/drawing/2010/main" w="9525">
+                <a14:hiddenLine xmlns:a14="http://schemas.microsoft.com/office/drawing/2010/main" xmlns="" w="9525">
                   <a:solidFill>
                     <a:srgbClr val="000000"/>
                   </a:solidFill>
@@ -3049,7 +3051,7 @@
             </a:ln>
             <a:extLst>
               <a:ext uri="{91240B29-F687-4f45-9708-019B960494DF}">
-                <a14:hiddenLine xmlns="" xmlns:a14="http://schemas.microsoft.com/office/drawing/2010/main" w="9525">
+                <a14:hiddenLine xmlns:a14="http://schemas.microsoft.com/office/drawing/2010/main" xmlns="" w="9525">
                   <a:solidFill>
                     <a:srgbClr val="000000"/>
                   </a:solidFill>
@@ -3111,7 +3113,7 @@
             </a:ln>
             <a:extLst>
               <a:ext uri="{91240B29-F687-4f45-9708-019B960494DF}">
-                <a14:hiddenLine xmlns="" xmlns:a14="http://schemas.microsoft.com/office/drawing/2010/main" w="9525">
+                <a14:hiddenLine xmlns:a14="http://schemas.microsoft.com/office/drawing/2010/main" xmlns="" w="9525">
                   <a:solidFill>
                     <a:srgbClr val="000000"/>
                   </a:solidFill>
@@ -3201,7 +3203,7 @@
             </a:ln>
             <a:extLst>
               <a:ext uri="{91240B29-F687-4f45-9708-019B960494DF}">
-                <a14:hiddenLine xmlns="" xmlns:a14="http://schemas.microsoft.com/office/drawing/2010/main" w="9525">
+                <a14:hiddenLine xmlns:a14="http://schemas.microsoft.com/office/drawing/2010/main" xmlns="" w="9525">
                   <a:solidFill>
                     <a:srgbClr val="000000"/>
                   </a:solidFill>
@@ -3263,7 +3265,7 @@
             </a:ln>
             <a:extLst>
               <a:ext uri="{91240B29-F687-4f45-9708-019B960494DF}">
-                <a14:hiddenLine xmlns="" xmlns:a14="http://schemas.microsoft.com/office/drawing/2010/main" w="9525">
+                <a14:hiddenLine xmlns:a14="http://schemas.microsoft.com/office/drawing/2010/main" xmlns="" w="9525">
                   <a:solidFill>
                     <a:srgbClr val="000000"/>
                   </a:solidFill>
@@ -3353,7 +3355,7 @@
             </a:ln>
             <a:extLst>
               <a:ext uri="{91240B29-F687-4f45-9708-019B960494DF}">
-                <a14:hiddenLine xmlns="" xmlns:a14="http://schemas.microsoft.com/office/drawing/2010/main" w="9525">
+                <a14:hiddenLine xmlns:a14="http://schemas.microsoft.com/office/drawing/2010/main" xmlns="" w="9525">
                   <a:solidFill>
                     <a:srgbClr val="000000"/>
                   </a:solidFill>
@@ -3387,7 +3389,7 @@
             </a:ln>
             <a:extLst>
               <a:ext uri="{91240B29-F687-4f45-9708-019B960494DF}">
-                <a14:hiddenLine xmlns="" xmlns:a14="http://schemas.microsoft.com/office/drawing/2010/main" w="9525">
+                <a14:hiddenLine xmlns:a14="http://schemas.microsoft.com/office/drawing/2010/main" xmlns="" w="9525">
                   <a:solidFill>
                     <a:srgbClr val="000000"/>
                   </a:solidFill>
@@ -3452,7 +3454,7 @@
             </a:ln>
             <a:extLst>
               <a:ext uri="{91240B29-F687-4f45-9708-019B960494DF}">
-                <a14:hiddenLine xmlns="" xmlns:a14="http://schemas.microsoft.com/office/drawing/2010/main" w="9525">
+                <a14:hiddenLine xmlns:a14="http://schemas.microsoft.com/office/drawing/2010/main" xmlns="" w="9525">
                   <a:solidFill>
                     <a:srgbClr val="000000"/>
                   </a:solidFill>
@@ -3542,7 +3544,7 @@
             </a:ln>
             <a:extLst>
               <a:ext uri="{91240B29-F687-4f45-9708-019B960494DF}">
-                <a14:hiddenLine xmlns="" xmlns:a14="http://schemas.microsoft.com/office/drawing/2010/main" w="9525">
+                <a14:hiddenLine xmlns:a14="http://schemas.microsoft.com/office/drawing/2010/main" xmlns="" w="9525">
                   <a:solidFill>
                     <a:srgbClr val="000000"/>
                   </a:solidFill>
@@ -3604,7 +3606,7 @@
             </a:ln>
             <a:extLst>
               <a:ext uri="{91240B29-F687-4f45-9708-019B960494DF}">
-                <a14:hiddenLine xmlns="" xmlns:a14="http://schemas.microsoft.com/office/drawing/2010/main" w="9525">
+                <a14:hiddenLine xmlns:a14="http://schemas.microsoft.com/office/drawing/2010/main" xmlns="" w="9525">
                   <a:solidFill>
                     <a:srgbClr val="000000"/>
                   </a:solidFill>
@@ -3694,7 +3696,7 @@
             </a:ln>
             <a:extLst>
               <a:ext uri="{91240B29-F687-4f45-9708-019B960494DF}">
-                <a14:hiddenLine xmlns="" xmlns:a14="http://schemas.microsoft.com/office/drawing/2010/main" w="9525">
+                <a14:hiddenLine xmlns:a14="http://schemas.microsoft.com/office/drawing/2010/main" xmlns="" w="9525">
                   <a:solidFill>
                     <a:srgbClr val="000000"/>
                   </a:solidFill>
@@ -3784,7 +3786,7 @@
             </a:ln>
             <a:extLst>
               <a:ext uri="{91240B29-F687-4f45-9708-019B960494DF}">
-                <a14:hiddenLine xmlns="" xmlns:a14="http://schemas.microsoft.com/office/drawing/2010/main" w="9525">
+                <a14:hiddenLine xmlns:a14="http://schemas.microsoft.com/office/drawing/2010/main" xmlns="" w="9525">
                   <a:solidFill>
                     <a:srgbClr val="000000"/>
                   </a:solidFill>
@@ -3849,7 +3851,7 @@
             </a:ln>
             <a:extLst>
               <a:ext uri="{91240B29-F687-4f45-9708-019B960494DF}">
-                <a14:hiddenLine xmlns="" xmlns:a14="http://schemas.microsoft.com/office/drawing/2010/main" w="9525">
+                <a14:hiddenLine xmlns:a14="http://schemas.microsoft.com/office/drawing/2010/main" xmlns="" w="9525">
                   <a:solidFill>
                     <a:srgbClr val="000000"/>
                   </a:solidFill>
@@ -3911,7 +3913,7 @@
             </a:ln>
             <a:extLst>
               <a:ext uri="{91240B29-F687-4f45-9708-019B960494DF}">
-                <a14:hiddenLine xmlns="" xmlns:a14="http://schemas.microsoft.com/office/drawing/2010/main" w="9525">
+                <a14:hiddenLine xmlns:a14="http://schemas.microsoft.com/office/drawing/2010/main" xmlns="" w="9525">
                   <a:solidFill>
                     <a:srgbClr val="000000"/>
                   </a:solidFill>
@@ -4001,7 +4003,7 @@
             </a:ln>
             <a:extLst>
               <a:ext uri="{91240B29-F687-4f45-9708-019B960494DF}">
-                <a14:hiddenLine xmlns="" xmlns:a14="http://schemas.microsoft.com/office/drawing/2010/main" w="9525">
+                <a14:hiddenLine xmlns:a14="http://schemas.microsoft.com/office/drawing/2010/main" xmlns="" w="9525">
                   <a:solidFill>
                     <a:srgbClr val="000000"/>
                   </a:solidFill>
@@ -4091,7 +4093,7 @@
             </a:ln>
             <a:extLst>
               <a:ext uri="{91240B29-F687-4f45-9708-019B960494DF}">
-                <a14:hiddenLine xmlns="" xmlns:a14="http://schemas.microsoft.com/office/drawing/2010/main" w="9525">
+                <a14:hiddenLine xmlns:a14="http://schemas.microsoft.com/office/drawing/2010/main" xmlns="" w="9525">
                   <a:solidFill>
                     <a:srgbClr val="000000"/>
                   </a:solidFill>
@@ -4153,7 +4155,7 @@
             </a:ln>
             <a:extLst>
               <a:ext uri="{91240B29-F687-4f45-9708-019B960494DF}">
-                <a14:hiddenLine xmlns="" xmlns:a14="http://schemas.microsoft.com/office/drawing/2010/main" w="9525">
+                <a14:hiddenLine xmlns:a14="http://schemas.microsoft.com/office/drawing/2010/main" xmlns="" w="9525">
                   <a:solidFill>
                     <a:srgbClr val="000000"/>
                   </a:solidFill>
@@ -4273,7 +4275,7 @@
             </a:ln>
             <a:extLst>
               <a:ext uri="{91240B29-F687-4f45-9708-019B960494DF}">
-                <a14:hiddenLine xmlns="" xmlns:a14="http://schemas.microsoft.com/office/drawing/2010/main" w="9525">
+                <a14:hiddenLine xmlns:a14="http://schemas.microsoft.com/office/drawing/2010/main" xmlns="" w="9525">
                   <a:solidFill>
                     <a:srgbClr val="000000"/>
                   </a:solidFill>
@@ -4341,7 +4343,7 @@
             </a:ln>
             <a:extLst>
               <a:ext uri="{91240B29-F687-4f45-9708-019B960494DF}">
-                <a14:hiddenLine xmlns="" xmlns:a14="http://schemas.microsoft.com/office/drawing/2010/main" w="9525">
+                <a14:hiddenLine xmlns:a14="http://schemas.microsoft.com/office/drawing/2010/main" xmlns="" w="9525">
                   <a:solidFill>
                     <a:srgbClr val="000000"/>
                   </a:solidFill>
@@ -4431,7 +4433,7 @@
             </a:ln>
             <a:extLst>
               <a:ext uri="{91240B29-F687-4f45-9708-019B960494DF}">
-                <a14:hiddenLine xmlns="" xmlns:a14="http://schemas.microsoft.com/office/drawing/2010/main" w="9525">
+                <a14:hiddenLine xmlns:a14="http://schemas.microsoft.com/office/drawing/2010/main" xmlns="" w="9525">
                   <a:solidFill>
                     <a:srgbClr val="000000"/>
                   </a:solidFill>
@@ -4571,7 +4573,7 @@
           <a:p>
             <a:fld id="{48A87A34-81AB-432B-8DAE-1953F412C126}" type="datetimeFigureOut">
               <a:rPr lang="en-US" dirty="0"/>
-              <a:t>5/28/19</a:t>
+              <a:t>5/29/19</a:t>
             </a:fld>
             <a:endParaRPr lang="en-US" dirty="0"/>
           </a:p>
@@ -4833,7 +4835,7 @@
           <a:p>
             <a:fld id="{48A87A34-81AB-432B-8DAE-1953F412C126}" type="datetimeFigureOut">
               <a:rPr lang="en-US" dirty="0"/>
-              <a:t>5/28/19</a:t>
+              <a:t>5/29/19</a:t>
             </a:fld>
             <a:endParaRPr lang="en-US" dirty="0"/>
           </a:p>
@@ -5024,7 +5026,7 @@
           <a:p>
             <a:fld id="{48A87A34-81AB-432B-8DAE-1953F412C126}" type="datetimeFigureOut">
               <a:rPr lang="en-US" dirty="0"/>
-              <a:t>5/28/19</a:t>
+              <a:t>5/29/19</a:t>
             </a:fld>
             <a:endParaRPr lang="en-US" dirty="0"/>
           </a:p>
@@ -5282,7 +5284,7 @@
           <a:p>
             <a:fld id="{48A87A34-81AB-432B-8DAE-1953F412C126}" type="datetimeFigureOut">
               <a:rPr lang="en-US" dirty="0"/>
-              <a:t>5/28/19</a:t>
+              <a:t>5/29/19</a:t>
             </a:fld>
             <a:endParaRPr lang="en-US" dirty="0"/>
           </a:p>
@@ -5711,7 +5713,7 @@
           <a:p>
             <a:fld id="{48A87A34-81AB-432B-8DAE-1953F412C126}" type="datetimeFigureOut">
               <a:rPr lang="en-US" dirty="0"/>
-              <a:t>5/28/19</a:t>
+              <a:t>5/29/19</a:t>
             </a:fld>
             <a:endParaRPr lang="en-US" dirty="0"/>
           </a:p>
@@ -6252,7 +6254,7 @@
           <a:p>
             <a:fld id="{48A87A34-81AB-432B-8DAE-1953F412C126}" type="datetimeFigureOut">
               <a:rPr lang="en-US" dirty="0"/>
-              <a:t>5/28/19</a:t>
+              <a:t>5/29/19</a:t>
             </a:fld>
             <a:endParaRPr lang="en-US" dirty="0"/>
           </a:p>
@@ -6967,7 +6969,7 @@
           <a:p>
             <a:fld id="{48A87A34-81AB-432B-8DAE-1953F412C126}" type="datetimeFigureOut">
               <a:rPr lang="en-US" dirty="0"/>
-              <a:t>5/28/19</a:t>
+              <a:t>5/29/19</a:t>
             </a:fld>
             <a:endParaRPr lang="en-US" dirty="0"/>
           </a:p>
@@ -7164,7 +7166,7 @@
           <a:p>
             <a:fld id="{48A87A34-81AB-432B-8DAE-1953F412C126}" type="datetimeFigureOut">
               <a:rPr lang="en-US" dirty="0"/>
-              <a:t>5/28/19</a:t>
+              <a:t>5/29/19</a:t>
             </a:fld>
             <a:endParaRPr lang="en-US" dirty="0"/>
           </a:p>
@@ -7371,7 +7373,7 @@
           <a:p>
             <a:fld id="{48A87A34-81AB-432B-8DAE-1953F412C126}" type="datetimeFigureOut">
               <a:rPr lang="en-US" dirty="0"/>
-              <a:t>5/28/19</a:t>
+              <a:t>5/29/19</a:t>
             </a:fld>
             <a:endParaRPr lang="en-US" dirty="0"/>
           </a:p>
@@ -7568,7 +7570,7 @@
           <a:p>
             <a:fld id="{48A87A34-81AB-432B-8DAE-1953F412C126}" type="datetimeFigureOut">
               <a:rPr lang="en-US" dirty="0"/>
-              <a:t>5/28/19</a:t>
+              <a:t>5/29/19</a:t>
             </a:fld>
             <a:endParaRPr lang="en-US" dirty="0"/>
           </a:p>
@@ -7813,7 +7815,7 @@
           <a:p>
             <a:fld id="{48A87A34-81AB-432B-8DAE-1953F412C126}" type="datetimeFigureOut">
               <a:rPr lang="en-US" dirty="0"/>
-              <a:t>5/28/19</a:t>
+              <a:t>5/29/19</a:t>
             </a:fld>
             <a:endParaRPr lang="en-US" dirty="0"/>
           </a:p>
@@ -8104,7 +8106,7 @@
           <a:p>
             <a:fld id="{48A87A34-81AB-432B-8DAE-1953F412C126}" type="datetimeFigureOut">
               <a:rPr lang="en-US" dirty="0"/>
-              <a:t>5/28/19</a:t>
+              <a:t>5/29/19</a:t>
             </a:fld>
             <a:endParaRPr lang="en-US" dirty="0"/>
           </a:p>
@@ -8544,7 +8546,7 @@
           <a:p>
             <a:fld id="{48A87A34-81AB-432B-8DAE-1953F412C126}" type="datetimeFigureOut">
               <a:rPr lang="en-US" dirty="0"/>
-              <a:t>5/28/19</a:t>
+              <a:t>5/29/19</a:t>
             </a:fld>
             <a:endParaRPr lang="en-US" dirty="0"/>
           </a:p>
@@ -8657,7 +8659,7 @@
           <a:p>
             <a:fld id="{48A87A34-81AB-432B-8DAE-1953F412C126}" type="datetimeFigureOut">
               <a:rPr lang="en-US" dirty="0"/>
-              <a:t>5/28/19</a:t>
+              <a:t>5/29/19</a:t>
             </a:fld>
             <a:endParaRPr lang="en-US" dirty="0"/>
           </a:p>
@@ -8747,7 +8749,7 @@
           <a:p>
             <a:fld id="{48A87A34-81AB-432B-8DAE-1953F412C126}" type="datetimeFigureOut">
               <a:rPr lang="en-US" dirty="0"/>
-              <a:t>5/28/19</a:t>
+              <a:t>5/29/19</a:t>
             </a:fld>
             <a:endParaRPr lang="en-US" dirty="0"/>
           </a:p>
@@ -9023,7 +9025,7 @@
           <a:p>
             <a:fld id="{48A87A34-81AB-432B-8DAE-1953F412C126}" type="datetimeFigureOut">
               <a:rPr lang="en-US" dirty="0"/>
-              <a:t>5/28/19</a:t>
+              <a:t>5/29/19</a:t>
             </a:fld>
             <a:endParaRPr lang="en-US" dirty="0"/>
           </a:p>
@@ -9298,7 +9300,7 @@
           <a:p>
             <a:fld id="{48A87A34-81AB-432B-8DAE-1953F412C126}" type="datetimeFigureOut">
               <a:rPr lang="en-US" dirty="0"/>
-              <a:t>5/28/19</a:t>
+              <a:t>5/29/19</a:t>
             </a:fld>
             <a:endParaRPr lang="en-US" dirty="0"/>
           </a:p>
@@ -9409,7 +9411,7 @@
           <a:noFill/>
           <a:extLst>
             <a:ext uri="{909E8E84-426E-40dd-AFC4-6F175D3DCCD1}">
-              <a14:hiddenFill xmlns="" xmlns:a14="http://schemas.microsoft.com/office/drawing/2010/main">
+              <a14:hiddenFill xmlns:a14="http://schemas.microsoft.com/office/drawing/2010/main" xmlns="">
                 <a:solidFill>
                   <a:srgbClr val="FFFFFF"/>
                 </a:solidFill>
@@ -9483,7 +9485,7 @@
               </a:ln>
               <a:extLst>
                 <a:ext uri="{91240B29-F687-4f45-9708-019B960494DF}">
-                  <a14:hiddenLine xmlns="" xmlns:a14="http://schemas.microsoft.com/office/drawing/2010/main" w="9525">
+                  <a14:hiddenLine xmlns:a14="http://schemas.microsoft.com/office/drawing/2010/main" xmlns="" w="9525">
                     <a:solidFill>
                       <a:srgbClr val="000000"/>
                     </a:solidFill>
@@ -9573,7 +9575,7 @@
               </a:ln>
               <a:extLst>
                 <a:ext uri="{91240B29-F687-4f45-9708-019B960494DF}">
-                  <a14:hiddenLine xmlns="" xmlns:a14="http://schemas.microsoft.com/office/drawing/2010/main" w="9525">
+                  <a14:hiddenLine xmlns:a14="http://schemas.microsoft.com/office/drawing/2010/main" xmlns="" w="9525">
                     <a:solidFill>
                       <a:srgbClr val="000000"/>
                     </a:solidFill>
@@ -9663,7 +9665,7 @@
               </a:ln>
               <a:extLst>
                 <a:ext uri="{91240B29-F687-4f45-9708-019B960494DF}">
-                  <a14:hiddenLine xmlns="" xmlns:a14="http://schemas.microsoft.com/office/drawing/2010/main" w="9525">
+                  <a14:hiddenLine xmlns:a14="http://schemas.microsoft.com/office/drawing/2010/main" xmlns="" w="9525">
                     <a:solidFill>
                       <a:srgbClr val="000000"/>
                     </a:solidFill>
@@ -9725,7 +9727,7 @@
               </a:ln>
               <a:extLst>
                 <a:ext uri="{91240B29-F687-4f45-9708-019B960494DF}">
-                  <a14:hiddenLine xmlns="" xmlns:a14="http://schemas.microsoft.com/office/drawing/2010/main" w="9525">
+                  <a14:hiddenLine xmlns:a14="http://schemas.microsoft.com/office/drawing/2010/main" xmlns="" w="9525">
                     <a:solidFill>
                       <a:srgbClr val="000000"/>
                     </a:solidFill>
@@ -9815,7 +9817,7 @@
               </a:ln>
               <a:extLst>
                 <a:ext uri="{91240B29-F687-4f45-9708-019B960494DF}">
-                  <a14:hiddenLine xmlns="" xmlns:a14="http://schemas.microsoft.com/office/drawing/2010/main" w="9525">
+                  <a14:hiddenLine xmlns:a14="http://schemas.microsoft.com/office/drawing/2010/main" xmlns="" w="9525">
                     <a:solidFill>
                       <a:srgbClr val="000000"/>
                     </a:solidFill>
@@ -9877,7 +9879,7 @@
               </a:ln>
               <a:extLst>
                 <a:ext uri="{91240B29-F687-4f45-9708-019B960494DF}">
-                  <a14:hiddenLine xmlns="" xmlns:a14="http://schemas.microsoft.com/office/drawing/2010/main" w="9525">
+                  <a14:hiddenLine xmlns:a14="http://schemas.microsoft.com/office/drawing/2010/main" xmlns="" w="9525">
                     <a:solidFill>
                       <a:srgbClr val="000000"/>
                     </a:solidFill>
@@ -9939,7 +9941,7 @@
               </a:ln>
               <a:extLst>
                 <a:ext uri="{91240B29-F687-4f45-9708-019B960494DF}">
-                  <a14:hiddenLine xmlns="" xmlns:a14="http://schemas.microsoft.com/office/drawing/2010/main" w="9525">
+                  <a14:hiddenLine xmlns:a14="http://schemas.microsoft.com/office/drawing/2010/main" xmlns="" w="9525">
                     <a:solidFill>
                       <a:srgbClr val="000000"/>
                     </a:solidFill>
@@ -10029,7 +10031,7 @@
               </a:ln>
               <a:extLst>
                 <a:ext uri="{91240B29-F687-4f45-9708-019B960494DF}">
-                  <a14:hiddenLine xmlns="" xmlns:a14="http://schemas.microsoft.com/office/drawing/2010/main" w="9525">
+                  <a14:hiddenLine xmlns:a14="http://schemas.microsoft.com/office/drawing/2010/main" xmlns="" w="9525">
                     <a:solidFill>
                       <a:srgbClr val="000000"/>
                     </a:solidFill>
@@ -10119,7 +10121,7 @@
               </a:ln>
               <a:extLst>
                 <a:ext uri="{91240B29-F687-4f45-9708-019B960494DF}">
-                  <a14:hiddenLine xmlns="" xmlns:a14="http://schemas.microsoft.com/office/drawing/2010/main" w="9525">
+                  <a14:hiddenLine xmlns:a14="http://schemas.microsoft.com/office/drawing/2010/main" xmlns="" w="9525">
                     <a:solidFill>
                       <a:srgbClr val="000000"/>
                     </a:solidFill>
@@ -10181,7 +10183,7 @@
               </a:ln>
               <a:extLst>
                 <a:ext uri="{91240B29-F687-4f45-9708-019B960494DF}">
-                  <a14:hiddenLine xmlns="" xmlns:a14="http://schemas.microsoft.com/office/drawing/2010/main" w="9525">
+                  <a14:hiddenLine xmlns:a14="http://schemas.microsoft.com/office/drawing/2010/main" xmlns="" w="9525">
                     <a:solidFill>
                       <a:srgbClr val="000000"/>
                     </a:solidFill>
@@ -10291,7 +10293,7 @@
               </a:ln>
               <a:extLst>
                 <a:ext uri="{91240B29-F687-4f45-9708-019B960494DF}">
-                  <a14:hiddenLine xmlns="" xmlns:a14="http://schemas.microsoft.com/office/drawing/2010/main" w="9525">
+                  <a14:hiddenLine xmlns:a14="http://schemas.microsoft.com/office/drawing/2010/main" xmlns="" w="9525">
                     <a:solidFill>
                       <a:srgbClr val="000000"/>
                     </a:solidFill>
@@ -10375,7 +10377,7 @@
               </a:ln>
               <a:extLst>
                 <a:ext uri="{91240B29-F687-4f45-9708-019B960494DF}">
-                  <a14:hiddenLine xmlns="" xmlns:a14="http://schemas.microsoft.com/office/drawing/2010/main" w="9525">
+                  <a14:hiddenLine xmlns:a14="http://schemas.microsoft.com/office/drawing/2010/main" xmlns="" w="9525">
                     <a:solidFill>
                       <a:srgbClr val="000000"/>
                     </a:solidFill>
@@ -10437,7 +10439,7 @@
               </a:ln>
               <a:extLst>
                 <a:ext uri="{91240B29-F687-4f45-9708-019B960494DF}">
-                  <a14:hiddenLine xmlns="" xmlns:a14="http://schemas.microsoft.com/office/drawing/2010/main" w="9525">
+                  <a14:hiddenLine xmlns:a14="http://schemas.microsoft.com/office/drawing/2010/main" xmlns="" w="9525">
                     <a:solidFill>
                       <a:srgbClr val="000000"/>
                     </a:solidFill>
@@ -10499,7 +10501,7 @@
               </a:ln>
               <a:extLst>
                 <a:ext uri="{91240B29-F687-4f45-9708-019B960494DF}">
-                  <a14:hiddenLine xmlns="" xmlns:a14="http://schemas.microsoft.com/office/drawing/2010/main" w="9525">
+                  <a14:hiddenLine xmlns:a14="http://schemas.microsoft.com/office/drawing/2010/main" xmlns="" w="9525">
                     <a:solidFill>
                       <a:srgbClr val="000000"/>
                     </a:solidFill>
@@ -10589,7 +10591,7 @@
               </a:ln>
               <a:extLst>
                 <a:ext uri="{91240B29-F687-4f45-9708-019B960494DF}">
-                  <a14:hiddenLine xmlns="" xmlns:a14="http://schemas.microsoft.com/office/drawing/2010/main" w="9525">
+                  <a14:hiddenLine xmlns:a14="http://schemas.microsoft.com/office/drawing/2010/main" xmlns="" w="9525">
                     <a:solidFill>
                       <a:srgbClr val="000000"/>
                     </a:solidFill>
@@ -10623,7 +10625,7 @@
               </a:ln>
               <a:extLst>
                 <a:ext uri="{91240B29-F687-4f45-9708-019B960494DF}">
-                  <a14:hiddenLine xmlns="" xmlns:a14="http://schemas.microsoft.com/office/drawing/2010/main" w="9525">
+                  <a14:hiddenLine xmlns:a14="http://schemas.microsoft.com/office/drawing/2010/main" xmlns="" w="9525">
                     <a:solidFill>
                       <a:srgbClr val="000000"/>
                     </a:solidFill>
@@ -10688,7 +10690,7 @@
               </a:ln>
               <a:extLst>
                 <a:ext uri="{91240B29-F687-4f45-9708-019B960494DF}">
-                  <a14:hiddenLine xmlns="" xmlns:a14="http://schemas.microsoft.com/office/drawing/2010/main" w="9525">
+                  <a14:hiddenLine xmlns:a14="http://schemas.microsoft.com/office/drawing/2010/main" xmlns="" w="9525">
                     <a:solidFill>
                       <a:srgbClr val="000000"/>
                     </a:solidFill>
@@ -10778,7 +10780,7 @@
               </a:ln>
               <a:extLst>
                 <a:ext uri="{91240B29-F687-4f45-9708-019B960494DF}">
-                  <a14:hiddenLine xmlns="" xmlns:a14="http://schemas.microsoft.com/office/drawing/2010/main" w="9525">
+                  <a14:hiddenLine xmlns:a14="http://schemas.microsoft.com/office/drawing/2010/main" xmlns="" w="9525">
                     <a:solidFill>
                       <a:srgbClr val="000000"/>
                     </a:solidFill>
@@ -10840,7 +10842,7 @@
               </a:ln>
               <a:extLst>
                 <a:ext uri="{91240B29-F687-4f45-9708-019B960494DF}">
-                  <a14:hiddenLine xmlns="" xmlns:a14="http://schemas.microsoft.com/office/drawing/2010/main" w="9525">
+                  <a14:hiddenLine xmlns:a14="http://schemas.microsoft.com/office/drawing/2010/main" xmlns="" w="9525">
                     <a:solidFill>
                       <a:srgbClr val="000000"/>
                     </a:solidFill>
@@ -10930,7 +10932,7 @@
               </a:ln>
               <a:extLst>
                 <a:ext uri="{91240B29-F687-4f45-9708-019B960494DF}">
-                  <a14:hiddenLine xmlns="" xmlns:a14="http://schemas.microsoft.com/office/drawing/2010/main" w="9525">
+                  <a14:hiddenLine xmlns:a14="http://schemas.microsoft.com/office/drawing/2010/main" xmlns="" w="9525">
                     <a:solidFill>
                       <a:srgbClr val="000000"/>
                     </a:solidFill>
@@ -10995,7 +10997,7 @@
               </a:ln>
               <a:extLst>
                 <a:ext uri="{91240B29-F687-4f45-9708-019B960494DF}">
-                  <a14:hiddenLine xmlns="" xmlns:a14="http://schemas.microsoft.com/office/drawing/2010/main" w="9525">
+                  <a14:hiddenLine xmlns:a14="http://schemas.microsoft.com/office/drawing/2010/main" xmlns="" w="9525">
                     <a:solidFill>
                       <a:srgbClr val="000000"/>
                     </a:solidFill>
@@ -11057,7 +11059,7 @@
               </a:ln>
               <a:extLst>
                 <a:ext uri="{91240B29-F687-4f45-9708-019B960494DF}">
-                  <a14:hiddenLine xmlns="" xmlns:a14="http://schemas.microsoft.com/office/drawing/2010/main" w="9525">
+                  <a14:hiddenLine xmlns:a14="http://schemas.microsoft.com/office/drawing/2010/main" xmlns="" w="9525">
                     <a:solidFill>
                       <a:srgbClr val="000000"/>
                     </a:solidFill>
@@ -11147,7 +11149,7 @@
               </a:ln>
               <a:extLst>
                 <a:ext uri="{91240B29-F687-4f45-9708-019B960494DF}">
-                  <a14:hiddenLine xmlns="" xmlns:a14="http://schemas.microsoft.com/office/drawing/2010/main" w="9525">
+                  <a14:hiddenLine xmlns:a14="http://schemas.microsoft.com/office/drawing/2010/main" xmlns="" w="9525">
                     <a:solidFill>
                       <a:srgbClr val="000000"/>
                     </a:solidFill>
@@ -11237,7 +11239,7 @@
               </a:ln>
               <a:extLst>
                 <a:ext uri="{91240B29-F687-4f45-9708-019B960494DF}">
-                  <a14:hiddenLine xmlns="" xmlns:a14="http://schemas.microsoft.com/office/drawing/2010/main" w="9525">
+                  <a14:hiddenLine xmlns:a14="http://schemas.microsoft.com/office/drawing/2010/main" xmlns="" w="9525">
                     <a:solidFill>
                       <a:srgbClr val="000000"/>
                     </a:solidFill>
@@ -11302,7 +11304,7 @@
               </a:ln>
               <a:extLst>
                 <a:ext uri="{91240B29-F687-4f45-9708-019B960494DF}">
-                  <a14:hiddenLine xmlns="" xmlns:a14="http://schemas.microsoft.com/office/drawing/2010/main" w="9525">
+                  <a14:hiddenLine xmlns:a14="http://schemas.microsoft.com/office/drawing/2010/main" xmlns="" w="9525">
                     <a:solidFill>
                       <a:srgbClr val="000000"/>
                     </a:solidFill>
@@ -11422,7 +11424,7 @@
               </a:ln>
               <a:extLst>
                 <a:ext uri="{91240B29-F687-4f45-9708-019B960494DF}">
-                  <a14:hiddenLine xmlns="" xmlns:a14="http://schemas.microsoft.com/office/drawing/2010/main" w="9525">
+                  <a14:hiddenLine xmlns:a14="http://schemas.microsoft.com/office/drawing/2010/main" xmlns="" w="9525">
                     <a:solidFill>
                       <a:srgbClr val="000000"/>
                     </a:solidFill>
@@ -11520,7 +11522,7 @@
               </a:ln>
               <a:extLst>
                 <a:ext uri="{91240B29-F687-4f45-9708-019B960494DF}">
-                  <a14:hiddenLine xmlns="" xmlns:a14="http://schemas.microsoft.com/office/drawing/2010/main" w="9525">
+                  <a14:hiddenLine xmlns:a14="http://schemas.microsoft.com/office/drawing/2010/main" xmlns="" w="9525">
                     <a:solidFill>
                       <a:srgbClr val="000000"/>
                     </a:solidFill>
@@ -11635,7 +11637,7 @@
               </a:ln>
               <a:extLst>
                 <a:ext uri="{91240B29-F687-4f45-9708-019B960494DF}">
-                  <a14:hiddenLine xmlns="" xmlns:a14="http://schemas.microsoft.com/office/drawing/2010/main" w="9525">
+                  <a14:hiddenLine xmlns:a14="http://schemas.microsoft.com/office/drawing/2010/main" xmlns="" w="9525">
                     <a:solidFill>
                       <a:srgbClr val="000000"/>
                     </a:solidFill>
@@ -11725,7 +11727,7 @@
               </a:ln>
               <a:extLst>
                 <a:ext uri="{91240B29-F687-4f45-9708-019B960494DF}">
-                  <a14:hiddenLine xmlns="" xmlns:a14="http://schemas.microsoft.com/office/drawing/2010/main" w="9525">
+                  <a14:hiddenLine xmlns:a14="http://schemas.microsoft.com/office/drawing/2010/main" xmlns="" w="9525">
                     <a:solidFill>
                       <a:srgbClr val="000000"/>
                     </a:solidFill>
@@ -11790,7 +11792,7 @@
               </a:ln>
               <a:extLst>
                 <a:ext uri="{91240B29-F687-4f45-9708-019B960494DF}">
-                  <a14:hiddenLine xmlns="" xmlns:a14="http://schemas.microsoft.com/office/drawing/2010/main" w="9525">
+                  <a14:hiddenLine xmlns:a14="http://schemas.microsoft.com/office/drawing/2010/main" xmlns="" w="9525">
                     <a:solidFill>
                       <a:srgbClr val="000000"/>
                     </a:solidFill>
@@ -11880,7 +11882,7 @@
               </a:ln>
               <a:extLst>
                 <a:ext uri="{91240B29-F687-4f45-9708-019B960494DF}">
-                  <a14:hiddenLine xmlns="" xmlns:a14="http://schemas.microsoft.com/office/drawing/2010/main" w="9525">
+                  <a14:hiddenLine xmlns:a14="http://schemas.microsoft.com/office/drawing/2010/main" xmlns="" w="9525">
                     <a:solidFill>
                       <a:srgbClr val="000000"/>
                     </a:solidFill>
@@ -11948,7 +11950,7 @@
               </a:ln>
               <a:extLst>
                 <a:ext uri="{91240B29-F687-4f45-9708-019B960494DF}">
-                  <a14:hiddenLine xmlns="" xmlns:a14="http://schemas.microsoft.com/office/drawing/2010/main" w="9525">
+                  <a14:hiddenLine xmlns:a14="http://schemas.microsoft.com/office/drawing/2010/main" xmlns="" w="9525">
                     <a:solidFill>
                       <a:srgbClr val="000000"/>
                     </a:solidFill>
@@ -12038,7 +12040,7 @@
               </a:ln>
               <a:extLst>
                 <a:ext uri="{91240B29-F687-4f45-9708-019B960494DF}">
-                  <a14:hiddenLine xmlns="" xmlns:a14="http://schemas.microsoft.com/office/drawing/2010/main" w="9525">
+                  <a14:hiddenLine xmlns:a14="http://schemas.microsoft.com/office/drawing/2010/main" xmlns="" w="9525">
                     <a:solidFill>
                       <a:srgbClr val="000000"/>
                     </a:solidFill>
@@ -12106,7 +12108,7 @@
               </a:ln>
               <a:extLst>
                 <a:ext uri="{91240B29-F687-4f45-9708-019B960494DF}">
-                  <a14:hiddenLine xmlns="" xmlns:a14="http://schemas.microsoft.com/office/drawing/2010/main" w="9525">
+                  <a14:hiddenLine xmlns:a14="http://schemas.microsoft.com/office/drawing/2010/main" xmlns="" w="9525">
                     <a:solidFill>
                       <a:srgbClr val="000000"/>
                     </a:solidFill>
@@ -12196,7 +12198,7 @@
               </a:ln>
               <a:extLst>
                 <a:ext uri="{91240B29-F687-4f45-9708-019B960494DF}">
-                  <a14:hiddenLine xmlns="" xmlns:a14="http://schemas.microsoft.com/office/drawing/2010/main" w="9525">
+                  <a14:hiddenLine xmlns:a14="http://schemas.microsoft.com/office/drawing/2010/main" xmlns="" w="9525">
                     <a:solidFill>
                       <a:srgbClr val="000000"/>
                     </a:solidFill>
@@ -12230,7 +12232,7 @@
               </a:ln>
               <a:extLst>
                 <a:ext uri="{91240B29-F687-4f45-9708-019B960494DF}">
-                  <a14:hiddenLine xmlns="" xmlns:a14="http://schemas.microsoft.com/office/drawing/2010/main" w="9525">
+                  <a14:hiddenLine xmlns:a14="http://schemas.microsoft.com/office/drawing/2010/main" xmlns="" w="9525">
                     <a:solidFill>
                       <a:srgbClr val="000000"/>
                     </a:solidFill>
@@ -12403,7 +12405,7 @@
             <a:fld id="{48A87A34-81AB-432B-8DAE-1953F412C126}" type="datetimeFigureOut">
               <a:rPr lang="en-US" dirty="0"/>
               <a:pPr/>
-              <a:t>5/28/19</a:t>
+              <a:t>5/29/19</a:t>
             </a:fld>
             <a:endParaRPr lang="en-US" dirty="0"/>
           </a:p>
@@ -12923,6 +12925,403 @@
           <p:cNvPr id="2" name="タイトル 1">
             <a:extLst>
               <a:ext uri="{FF2B5EF4-FFF2-40B4-BE49-F238E27FC236}">
+                <a16:creationId xmlns:a16="http://schemas.microsoft.com/office/drawing/2014/main" id="{F7CD0CA3-CA6C-764F-BD0A-7F9C46FE2899}"/>
+              </a:ext>
+            </a:extLst>
+          </p:cNvPr>
+          <p:cNvSpPr>
+            <a:spLocks noGrp="1"/>
+          </p:cNvSpPr>
+          <p:nvPr>
+            <p:ph type="title"/>
+          </p:nvPr>
+        </p:nvSpPr>
+        <p:spPr/>
+        <p:txBody>
+          <a:bodyPr/>
+          <a:lstStyle/>
+          <a:p>
+            <a:r>
+              <a:rPr lang="ja-JP" altLang="en-US"/>
+              <a:t>実装したアルゴリズム</a:t>
+            </a:r>
+            <a:r>
+              <a:rPr lang="en-US" altLang="ja-JP"/>
+              <a:t>⑤:</a:t>
+            </a:r>
+            <a:r>
+              <a:rPr lang="ja-JP" altLang="en-US"/>
+              <a:t> 線分に新たな地点を接続</a:t>
+            </a:r>
+            <a:endParaRPr kumimoji="1" lang="ja-JP" altLang="en-US"/>
+          </a:p>
+        </p:txBody>
+      </p:sp>
+      <p:sp>
+        <p:nvSpPr>
+          <p:cNvPr id="3" name="コンテンツ プレースホルダー 2">
+            <a:extLst>
+              <a:ext uri="{FF2B5EF4-FFF2-40B4-BE49-F238E27FC236}">
+                <a16:creationId xmlns:a16="http://schemas.microsoft.com/office/drawing/2014/main" id="{08089BF9-C33A-2B4D-A1CF-8B4FBAF09322}"/>
+              </a:ext>
+            </a:extLst>
+          </p:cNvPr>
+          <p:cNvSpPr>
+            <a:spLocks noGrp="1"/>
+          </p:cNvSpPr>
+          <p:nvPr>
+            <p:ph idx="1"/>
+          </p:nvPr>
+        </p:nvSpPr>
+        <p:spPr/>
+        <p:txBody>
+          <a:bodyPr>
+            <a:normAutofit/>
+          </a:bodyPr>
+          <a:lstStyle/>
+          <a:p>
+            <a:pPr marL="0" indent="0">
+              <a:buNone/>
+            </a:pPr>
+            <a:r>
+              <a:rPr kumimoji="1" lang="ja-JP" altLang="en-US"/>
+              <a:t>ある線分に追加地点を接続する時のもっとも距離の短い交点を求める</a:t>
+            </a:r>
+            <a:endParaRPr kumimoji="1" lang="en-US" altLang="ja-JP"/>
+          </a:p>
+          <a:p>
+            <a:endParaRPr lang="en-US" altLang="ja-JP"/>
+          </a:p>
+          <a:p>
+            <a:pPr marL="457200" indent="-457200">
+              <a:buFont typeface="+mj-lt"/>
+              <a:buAutoNum type="arabicPeriod"/>
+            </a:pPr>
+            <a:r>
+              <a:rPr lang="ja-JP" altLang="en-US"/>
+              <a:t>直線①</a:t>
+            </a:r>
+            <a:r>
+              <a:rPr lang="en-US" altLang="ja-JP"/>
+              <a:t>: y = ax + b</a:t>
+            </a:r>
+            <a:r>
+              <a:rPr lang="ja-JP" altLang="en-US"/>
+              <a:t> に垂直に接続する直線</a:t>
+            </a:r>
+            <a:r>
+              <a:rPr lang="en-US" altLang="ja-JP"/>
+              <a:t>②:</a:t>
+            </a:r>
+            <a:r>
+              <a:rPr lang="ja-JP" altLang="en-US"/>
+              <a:t> </a:t>
+            </a:r>
+            <a:r>
+              <a:rPr lang="en-US" altLang="ja-JP"/>
+              <a:t>y =</a:t>
+            </a:r>
+            <a:r>
+              <a:rPr lang="ja-JP" altLang="en-US"/>
+              <a:t> </a:t>
+            </a:r>
+            <a:r>
+              <a:rPr lang="en-US" altLang="ja-JP"/>
+              <a:t>α</a:t>
+            </a:r>
+            <a:r>
+              <a:rPr lang="ja-JP" altLang="en-US"/>
+              <a:t> </a:t>
+            </a:r>
+            <a:r>
+              <a:rPr lang="en-US" altLang="ja-JP"/>
+              <a:t>x</a:t>
+            </a:r>
+            <a:r>
+              <a:rPr lang="ja-JP" altLang="en-US"/>
+              <a:t> </a:t>
+            </a:r>
+            <a:r>
+              <a:rPr lang="en-US" altLang="ja-JP"/>
+              <a:t>+</a:t>
+            </a:r>
+            <a:r>
+              <a:rPr lang="ja-JP" altLang="en-US"/>
+              <a:t> </a:t>
+            </a:r>
+            <a:r>
+              <a:rPr lang="en-US" altLang="ja-JP"/>
+              <a:t>β</a:t>
+            </a:r>
+            <a:r>
+              <a:rPr lang="ja-JP" altLang="en-US"/>
+              <a:t> を求める</a:t>
+            </a:r>
+            <a:endParaRPr lang="en-US" altLang="ja-JP"/>
+          </a:p>
+          <a:p>
+            <a:pPr marL="457200" indent="-457200">
+              <a:buFont typeface="+mj-lt"/>
+              <a:buAutoNum type="arabicPeriod"/>
+            </a:pPr>
+            <a:r>
+              <a:rPr lang="ja-JP" altLang="en-US"/>
+              <a:t>直線</a:t>
+            </a:r>
+            <a:r>
+              <a:rPr lang="en-US" altLang="ja-JP"/>
+              <a:t>①</a:t>
+            </a:r>
+            <a:r>
+              <a:rPr lang="ja-JP" altLang="en-US"/>
+              <a:t>と直線</a:t>
+            </a:r>
+            <a:r>
+              <a:rPr lang="en-US" altLang="ja-JP"/>
+              <a:t>②</a:t>
+            </a:r>
+            <a:r>
+              <a:rPr lang="ja-JP" altLang="en-US"/>
+              <a:t>の</a:t>
+            </a:r>
+            <a:r>
+              <a:rPr kumimoji="1" lang="ja-JP" altLang="en-US"/>
+              <a:t>交点</a:t>
+            </a:r>
+            <a:r>
+              <a:rPr kumimoji="1" lang="en-US" altLang="ja-JP"/>
+              <a:t>P</a:t>
+            </a:r>
+            <a:r>
+              <a:rPr kumimoji="1" lang="ja-JP" altLang="en-US"/>
+              <a:t>を求める</a:t>
+            </a:r>
+            <a:endParaRPr kumimoji="1" lang="en-US" altLang="ja-JP"/>
+          </a:p>
+          <a:p>
+            <a:pPr marL="457200" indent="-457200">
+              <a:buFont typeface="+mj-lt"/>
+              <a:buAutoNum type="arabicPeriod"/>
+            </a:pPr>
+            <a:r>
+              <a:rPr lang="ja-JP" altLang="en-US"/>
+              <a:t>交点</a:t>
+            </a:r>
+            <a:r>
+              <a:rPr lang="en-US" altLang="ja-JP"/>
+              <a:t>P</a:t>
+            </a:r>
+            <a:r>
+              <a:rPr lang="ja-JP" altLang="en-US"/>
+              <a:t>が</a:t>
+            </a:r>
+            <a:r>
+              <a:rPr lang="en-US" altLang="ja-JP"/>
+              <a:t> y = ax + b</a:t>
+            </a:r>
+            <a:r>
+              <a:rPr lang="ja-JP" altLang="en-US"/>
+              <a:t>上の点なら交点</a:t>
+            </a:r>
+            <a:r>
+              <a:rPr lang="en-US" altLang="ja-JP"/>
+              <a:t>P</a:t>
+            </a:r>
+            <a:r>
+              <a:rPr lang="ja-JP" altLang="en-US"/>
+              <a:t>が求める交点</a:t>
+            </a:r>
+            <a:r>
+              <a:rPr lang="en-US" altLang="ja-JP"/>
+              <a:t>,</a:t>
+            </a:r>
+            <a:r>
+              <a:rPr lang="ja-JP" altLang="en-US"/>
+              <a:t> 違うなら線分の始点と終点のうち追加点に近い点を交点とする</a:t>
+            </a:r>
+            <a:endParaRPr kumimoji="1" lang="ja-JP" altLang="en-US"/>
+          </a:p>
+        </p:txBody>
+      </p:sp>
+    </p:spTree>
+    <p:extLst>
+      <p:ext uri="{BB962C8B-B14F-4D97-AF65-F5344CB8AC3E}">
+        <p14:creationId xmlns:p14="http://schemas.microsoft.com/office/powerpoint/2010/main" val="2699625581"/>
+      </p:ext>
+    </p:extLst>
+  </p:cSld>
+  <p:clrMapOvr>
+    <a:masterClrMapping/>
+  </p:clrMapOvr>
+</p:sld>
+</file>
+
+<file path=ppt/slides/slide11.xml><?xml version="1.0" encoding="utf-8"?>
+<p:sld xmlns:a="http://schemas.openxmlformats.org/drawingml/2006/main" xmlns:r="http://schemas.openxmlformats.org/officeDocument/2006/relationships" xmlns:p="http://schemas.openxmlformats.org/presentationml/2006/main">
+  <p:cSld>
+    <p:spTree>
+      <p:nvGrpSpPr>
+        <p:cNvPr id="1" name=""/>
+        <p:cNvGrpSpPr/>
+        <p:nvPr/>
+      </p:nvGrpSpPr>
+      <p:grpSpPr>
+        <a:xfrm>
+          <a:off x="0" y="0"/>
+          <a:ext cx="0" cy="0"/>
+          <a:chOff x="0" y="0"/>
+          <a:chExt cx="0" cy="0"/>
+        </a:xfrm>
+      </p:grpSpPr>
+      <p:sp>
+        <p:nvSpPr>
+          <p:cNvPr id="2" name="タイトル 1">
+            <a:extLst>
+              <a:ext uri="{FF2B5EF4-FFF2-40B4-BE49-F238E27FC236}">
+                <a16:creationId xmlns:a16="http://schemas.microsoft.com/office/drawing/2014/main" id="{95365509-37E4-B94C-931B-0AEAD1C0487E}"/>
+              </a:ext>
+            </a:extLst>
+          </p:cNvPr>
+          <p:cNvSpPr>
+            <a:spLocks noGrp="1"/>
+          </p:cNvSpPr>
+          <p:nvPr>
+            <p:ph type="title"/>
+          </p:nvPr>
+        </p:nvSpPr>
+        <p:spPr/>
+        <p:txBody>
+          <a:bodyPr/>
+          <a:lstStyle/>
+          <a:p>
+            <a:r>
+              <a:rPr lang="ja-JP" altLang="en-US"/>
+              <a:t>実装したアルゴリズム</a:t>
+            </a:r>
+            <a:r>
+              <a:rPr lang="en-US" altLang="ja-JP"/>
+              <a:t>⑥:</a:t>
+            </a:r>
+            <a:r>
+              <a:rPr lang="ja-JP" altLang="en-US"/>
+              <a:t> 道路網に新たな地点を接続</a:t>
+            </a:r>
+            <a:endParaRPr kumimoji="1" lang="ja-JP" altLang="en-US"/>
+          </a:p>
+        </p:txBody>
+      </p:sp>
+      <p:sp>
+        <p:nvSpPr>
+          <p:cNvPr id="3" name="コンテンツ プレースホルダー 2">
+            <a:extLst>
+              <a:ext uri="{FF2B5EF4-FFF2-40B4-BE49-F238E27FC236}">
+                <a16:creationId xmlns:a16="http://schemas.microsoft.com/office/drawing/2014/main" id="{65AE14A1-CD03-1548-9C81-A8B7D4E703F8}"/>
+              </a:ext>
+            </a:extLst>
+          </p:cNvPr>
+          <p:cNvSpPr>
+            <a:spLocks noGrp="1"/>
+          </p:cNvSpPr>
+          <p:nvPr>
+            <p:ph idx="1"/>
+          </p:nvPr>
+        </p:nvSpPr>
+        <p:spPr/>
+        <p:txBody>
+          <a:bodyPr/>
+          <a:lstStyle/>
+          <a:p>
+            <a:pPr marL="0" indent="0">
+              <a:buNone/>
+            </a:pPr>
+            <a:r>
+              <a:rPr kumimoji="1" lang="ja-JP" altLang="en-US"/>
+              <a:t>道路網に追加地点を繋ぐときのもっとも距離の短い交点を求める</a:t>
+            </a:r>
+            <a:endParaRPr kumimoji="1" lang="en-US" altLang="ja-JP"/>
+          </a:p>
+          <a:p>
+            <a:pPr marL="457200" indent="-457200">
+              <a:buFont typeface="+mj-lt"/>
+              <a:buAutoNum type="arabicPeriod"/>
+            </a:pPr>
+            <a:endParaRPr lang="en-US" altLang="ja-JP"/>
+          </a:p>
+          <a:p>
+            <a:pPr marL="457200" indent="-457200">
+              <a:buFont typeface="+mj-lt"/>
+              <a:buAutoNum type="arabicPeriod"/>
+            </a:pPr>
+            <a:r>
+              <a:rPr kumimoji="1" lang="ja-JP" altLang="en-US"/>
+              <a:t>全ての線分に対して</a:t>
+            </a:r>
+            <a:r>
+              <a:rPr kumimoji="1" lang="en-US" altLang="ja-JP"/>
+              <a:t>,</a:t>
+            </a:r>
+            <a:r>
+              <a:rPr kumimoji="1" lang="ja-JP" altLang="en-US"/>
+              <a:t> 実装したアルゴリズム</a:t>
+            </a:r>
+            <a:r>
+              <a:rPr kumimoji="1" lang="en-US" altLang="ja-JP"/>
+              <a:t>3</a:t>
+            </a:r>
+            <a:r>
+              <a:rPr kumimoji="1" lang="ja-JP" altLang="en-US"/>
+              <a:t>に基づいて最適な交点を求める</a:t>
+            </a:r>
+            <a:endParaRPr kumimoji="1" lang="en-US" altLang="ja-JP"/>
+          </a:p>
+          <a:p>
+            <a:pPr marL="457200" indent="-457200">
+              <a:buFont typeface="+mj-lt"/>
+              <a:buAutoNum type="arabicPeriod"/>
+            </a:pPr>
+            <a:r>
+              <a:rPr lang="ja-JP" altLang="en-US"/>
+              <a:t>全ての交点の中で追加点に最も近い交点を交点として採用</a:t>
+            </a:r>
+            <a:endParaRPr lang="en-US" altLang="ja-JP"/>
+          </a:p>
+        </p:txBody>
+      </p:sp>
+    </p:spTree>
+    <p:extLst>
+      <p:ext uri="{BB962C8B-B14F-4D97-AF65-F5344CB8AC3E}">
+        <p14:creationId xmlns:p14="http://schemas.microsoft.com/office/powerpoint/2010/main" val="2245308269"/>
+      </p:ext>
+    </p:extLst>
+  </p:cSld>
+  <p:clrMapOvr>
+    <a:masterClrMapping/>
+  </p:clrMapOvr>
+</p:sld>
+</file>
+
+<file path=ppt/slides/slide12.xml><?xml version="1.0" encoding="utf-8"?>
+<p:sld xmlns:a="http://schemas.openxmlformats.org/drawingml/2006/main" xmlns:r="http://schemas.openxmlformats.org/officeDocument/2006/relationships" xmlns:p="http://schemas.openxmlformats.org/presentationml/2006/main">
+  <p:cSld>
+    <p:spTree>
+      <p:nvGrpSpPr>
+        <p:cNvPr id="1" name=""/>
+        <p:cNvGrpSpPr/>
+        <p:nvPr/>
+      </p:nvGrpSpPr>
+      <p:grpSpPr>
+        <a:xfrm>
+          <a:off x="0" y="0"/>
+          <a:ext cx="0" cy="0"/>
+          <a:chOff x="0" y="0"/>
+          <a:chExt cx="0" cy="0"/>
+        </a:xfrm>
+      </p:grpSpPr>
+      <p:sp>
+        <p:nvSpPr>
+          <p:cNvPr id="2" name="タイトル 1">
+            <a:extLst>
+              <a:ext uri="{FF2B5EF4-FFF2-40B4-BE49-F238E27FC236}">
                 <a16:creationId xmlns:a16="http://schemas.microsoft.com/office/drawing/2014/main" id="{37C39465-8CB9-6446-8F53-C6C57547D09F}"/>
               </a:ext>
             </a:extLst>
@@ -12945,7 +13344,7 @@
             </a:r>
             <a:r>
               <a:rPr lang="en-US" altLang="ja-JP"/>
-              <a:t>⑤:</a:t>
+              <a:t>⑦:</a:t>
             </a:r>
             <a:r>
               <a:rPr lang="ja-JP" altLang="en-US"/>
@@ -12976,7 +13375,10 @@
           <a:bodyPr/>
           <a:lstStyle/>
           <a:p>
-            <a:endParaRPr kumimoji="1" lang="ja-JP" altLang="en-US"/>
+            <a:r>
+              <a:rPr kumimoji="1" lang="ja-JP" altLang="en-US"/>
+              <a:t>こしかわがかく</a:t>
+            </a:r>
           </a:p>
         </p:txBody>
       </p:sp>
@@ -12993,7 +13395,7 @@
 </p:sld>
 </file>
 
-<file path=ppt/slides/slide11.xml><?xml version="1.0" encoding="utf-8"?>
+<file path=ppt/slides/slide13.xml><?xml version="1.0" encoding="utf-8"?>
 <p:sld xmlns:a="http://schemas.openxmlformats.org/drawingml/2006/main" xmlns:r="http://schemas.openxmlformats.org/officeDocument/2006/relationships" xmlns:p="http://schemas.openxmlformats.org/presentationml/2006/main">
   <p:cSld>
     <p:spTree>
@@ -13102,7 +13504,7 @@
 </p:sld>
 </file>
 
-<file path=ppt/slides/slide12.xml><?xml version="1.0" encoding="utf-8"?>
+<file path=ppt/slides/slide14.xml><?xml version="1.0" encoding="utf-8"?>
 <p:sld xmlns:a="http://schemas.openxmlformats.org/drawingml/2006/main" xmlns:r="http://schemas.openxmlformats.org/officeDocument/2006/relationships" xmlns:p="http://schemas.openxmlformats.org/presentationml/2006/main">
   <p:cSld>
     <p:spTree>
@@ -13144,14 +13546,6 @@
               <a:rPr kumimoji="1" lang="ja-JP" altLang="en-US"/>
               <a:t>テストコード</a:t>
             </a:r>
-            <a:r>
-              <a:rPr kumimoji="1" lang="en-US" altLang="ja-JP"/>
-              <a:t>,</a:t>
-            </a:r>
-            <a:r>
-              <a:rPr kumimoji="1" lang="ja-JP" altLang="en-US"/>
-              <a:t> ビジュアライザ</a:t>
-            </a:r>
           </a:p>
         </p:txBody>
       </p:sp>
@@ -13193,7 +13587,7 @@
 </p:sld>
 </file>
 
-<file path=ppt/slides/slide13.xml><?xml version="1.0" encoding="utf-8"?>
+<file path=ppt/slides/slide15.xml><?xml version="1.0" encoding="utf-8"?>
 <p:sld xmlns:a="http://schemas.openxmlformats.org/drawingml/2006/main" xmlns:r="http://schemas.openxmlformats.org/officeDocument/2006/relationships" xmlns:p="http://schemas.openxmlformats.org/presentationml/2006/main">
   <p:cSld>
     <p:spTree>
@@ -13226,7 +13620,12 @@
             <p:ph type="title"/>
           </p:nvPr>
         </p:nvSpPr>
-        <p:spPr/>
+        <p:spPr>
+          <a:xfrm>
+            <a:off x="1141413" y="618518"/>
+            <a:ext cx="9905998" cy="1478570"/>
+          </a:xfrm>
+        </p:spPr>
         <p:txBody>
           <a:bodyPr/>
           <a:lstStyle/>
@@ -13254,7 +13653,12 @@
             <p:ph idx="1"/>
           </p:nvPr>
         </p:nvSpPr>
-        <p:spPr/>
+        <p:spPr>
+          <a:xfrm>
+            <a:off x="1141412" y="2249487"/>
+            <a:ext cx="4428115" cy="3541714"/>
+          </a:xfrm>
+        </p:spPr>
         <p:txBody>
           <a:bodyPr/>
           <a:lstStyle/>
@@ -13277,9 +13681,56 @@
             </a:r>
             <a:r>
               <a:rPr lang="ja-JP" altLang="en-US"/>
-              <a:t>図面のプロット図を作成した</a:t>
+              <a:t>図面のプロットするプログラムを作成した</a:t>
+            </a:r>
+            <a:r>
+              <a:rPr lang="en-US" altLang="ja-JP"/>
+              <a:t>.</a:t>
+            </a:r>
+          </a:p>
+          <a:p>
+            <a:r>
+              <a:rPr lang="en-US" altLang="ja-JP"/>
+              <a:t>Point: </a:t>
+            </a:r>
+            <a:r>
+              <a:rPr lang="ja-JP" altLang="en-US"/>
+              <a:t>地点</a:t>
             </a:r>
             <a:endParaRPr lang="en-US" altLang="ja-JP"/>
+          </a:p>
+          <a:p>
+            <a:r>
+              <a:rPr lang="en-US" altLang="ja-JP"/>
+              <a:t>Segment: </a:t>
+            </a:r>
+            <a:r>
+              <a:rPr lang="ja-JP" altLang="en-US"/>
+              <a:t>線分</a:t>
+            </a:r>
+            <a:endParaRPr lang="en-US" altLang="ja-JP"/>
+          </a:p>
+          <a:p>
+            <a:r>
+              <a:rPr lang="en-US" altLang="ja-JP"/>
+              <a:t>Intersection: </a:t>
+            </a:r>
+            <a:r>
+              <a:rPr lang="ja-JP" altLang="en-US"/>
+              <a:t>交点</a:t>
+            </a:r>
+            <a:r>
+              <a:rPr lang="en-US" altLang="ja-JP"/>
+              <a:t>(</a:t>
+            </a:r>
+            <a:r>
+              <a:rPr lang="ja-JP" altLang="en-US"/>
+              <a:t>端点を除く</a:t>
+            </a:r>
+            <a:r>
+              <a:rPr lang="en-US" altLang="ja-JP"/>
+              <a:t>)</a:t>
+            </a:r>
           </a:p>
           <a:p>
             <a:pPr marL="0" indent="0">
@@ -13289,6 +13740,36 @@
           </a:p>
         </p:txBody>
       </p:sp>
+      <p:pic>
+        <p:nvPicPr>
+          <p:cNvPr id="4" name="図 3">
+            <a:extLst>
+              <a:ext uri="{FF2B5EF4-FFF2-40B4-BE49-F238E27FC236}">
+                <a16:creationId xmlns:a16="http://schemas.microsoft.com/office/drawing/2014/main" id="{3AD654B8-AF34-924E-BEA6-BAAE2FA7E96F}"/>
+              </a:ext>
+            </a:extLst>
+          </p:cNvPr>
+          <p:cNvPicPr>
+            <a:picLocks noChangeAspect="1"/>
+          </p:cNvPicPr>
+          <p:nvPr/>
+        </p:nvPicPr>
+        <p:blipFill>
+          <a:blip r:embed="rId2"/>
+          <a:stretch>
+            <a:fillRect/>
+          </a:stretch>
+        </p:blipFill>
+        <p:spPr>
+          <a:xfrm>
+            <a:off x="6348121" y="2097088"/>
+            <a:ext cx="5124513" cy="3853378"/>
+          </a:xfrm>
+          <a:prstGeom prst="rect">
+            <a:avLst/>
+          </a:prstGeom>
+        </p:spPr>
+      </p:pic>
     </p:spTree>
     <p:extLst>
       <p:ext uri="{BB962C8B-B14F-4D97-AF65-F5344CB8AC3E}">
@@ -13302,7 +13783,7 @@
 </p:sld>
 </file>
 
-<file path=ppt/slides/slide14.xml><?xml version="1.0" encoding="utf-8"?>
+<file path=ppt/slides/slide16.xml><?xml version="1.0" encoding="utf-8"?>
 <p:sld xmlns:a="http://schemas.openxmlformats.org/drawingml/2006/main" xmlns:r="http://schemas.openxmlformats.org/officeDocument/2006/relationships" xmlns:p="http://schemas.openxmlformats.org/presentationml/2006/main">
   <p:cSld>
     <p:spTree>
@@ -13385,7 +13866,7 @@
 </p:sld>
 </file>
 
-<file path=ppt/slides/slide15.xml><?xml version="1.0" encoding="utf-8"?>
+<file path=ppt/slides/slide17.xml><?xml version="1.0" encoding="utf-8"?>
 <p:sld xmlns:a="http://schemas.openxmlformats.org/drawingml/2006/main" xmlns:r="http://schemas.openxmlformats.org/officeDocument/2006/relationships" xmlns:p="http://schemas.openxmlformats.org/presentationml/2006/main">
   <p:cSld>
     <p:spTree>
@@ -13451,6 +13932,22 @@
           <a:bodyPr/>
           <a:lstStyle/>
           <a:p>
+            <a:r>
+              <a:rPr lang="ja-JP" altLang="en-US"/>
+              <a:t>木村</a:t>
+            </a:r>
+            <a:r>
+              <a:rPr lang="en-US" altLang="ja-JP"/>
+              <a:t>:</a:t>
+            </a:r>
+            <a:r>
+              <a:rPr lang="ja-JP" altLang="en-US"/>
+              <a:t> アルゴリズム</a:t>
+            </a:r>
+            <a:r>
+              <a:rPr lang="en-US" altLang="ja-JP"/>
+              <a:t>①</a:t>
+            </a:r>
             <a:endParaRPr kumimoji="1" lang="ja-JP" altLang="en-US"/>
           </a:p>
         </p:txBody>
@@ -13468,7 +13965,7 @@
 </p:sld>
 </file>
 
-<file path=ppt/slides/slide16.xml><?xml version="1.0" encoding="utf-8"?>
+<file path=ppt/slides/slide18.xml><?xml version="1.0" encoding="utf-8"?>
 <p:sld xmlns:a="http://schemas.openxmlformats.org/drawingml/2006/main" xmlns:r="http://schemas.openxmlformats.org/officeDocument/2006/relationships" xmlns:p="http://schemas.openxmlformats.org/presentationml/2006/main">
   <p:cSld>
     <p:spTree>
@@ -13534,7 +14031,45 @@
           <a:bodyPr/>
           <a:lstStyle/>
           <a:p>
-            <a:endParaRPr kumimoji="1" lang="ja-JP" altLang="en-US"/>
+            <a:r>
+              <a:rPr kumimoji="1" lang="en-US" altLang="ja-JP"/>
+              <a:t>Phase3</a:t>
+            </a:r>
+            <a:r>
+              <a:rPr kumimoji="1" lang="ja-JP" altLang="en-US"/>
+              <a:t>の</a:t>
+            </a:r>
+            <a:r>
+              <a:rPr lang="ja-JP" altLang="en-US"/>
+              <a:t>完成を目指す</a:t>
+            </a:r>
+            <a:endParaRPr lang="en-US" altLang="ja-JP"/>
+          </a:p>
+          <a:p>
+            <a:r>
+              <a:rPr kumimoji="1" lang="en-US" altLang="ja-JP"/>
+              <a:t>main3.py(</a:t>
+            </a:r>
+            <a:r>
+              <a:rPr kumimoji="1" lang="ja-JP" altLang="en-US"/>
+              <a:t>対話形式で</a:t>
+            </a:r>
+            <a:r>
+              <a:rPr lang="ja-JP" altLang="en-US"/>
+              <a:t>実行していくようなものを想定</a:t>
+            </a:r>
+            <a:r>
+              <a:rPr kumimoji="1" lang="en-US" altLang="ja-JP"/>
+              <a:t>)</a:t>
+            </a:r>
+            <a:r>
+              <a:rPr kumimoji="1" lang="ja-JP" altLang="en-US"/>
+              <a:t>の実装</a:t>
+            </a:r>
+            <a:endParaRPr kumimoji="1" lang="en-US" altLang="ja-JP"/>
+          </a:p>
+          <a:p>
+            <a:endParaRPr kumimoji="1" lang="en-US" altLang="ja-JP"/>
           </a:p>
         </p:txBody>
       </p:sp>
@@ -14051,6 +14586,21 @@
             <a:endParaRPr lang="en-US" altLang="ja-JP"/>
           </a:p>
           <a:p>
+            <a:r>
+              <a:rPr lang="ja-JP" altLang="en-US"/>
+              <a:t>テストデータ生成器</a:t>
+            </a:r>
+            <a:r>
+              <a:rPr lang="en-US" altLang="ja-JP"/>
+              <a:t>:</a:t>
+            </a:r>
+            <a:r>
+              <a:rPr lang="ja-JP" altLang="en-US"/>
+              <a:t> 未完成</a:t>
+            </a:r>
+            <a:endParaRPr lang="en-US" altLang="ja-JP"/>
+          </a:p>
+          <a:p>
             <a:endParaRPr lang="en-US" altLang="ja-JP"/>
           </a:p>
           <a:p>
@@ -14148,24 +14698,137 @@
           <a:bodyPr/>
           <a:lstStyle/>
           <a:p>
-            <a:r>
-              <a:rPr kumimoji="1" lang="en-US" altLang="ja-JP"/>
-              <a:t>2</a:t>
-            </a:r>
-            <a:r>
-              <a:rPr lang="ja-JP" altLang="en-US"/>
-              <a:t>線分の交点を求める関数</a:t>
-            </a:r>
+            <a:pPr marL="457200" indent="-457200">
+              <a:buFont typeface="+mj-lt"/>
+              <a:buAutoNum type="arabicPeriod"/>
+            </a:pPr>
             <a:r>
               <a:rPr lang="en-US" altLang="ja-JP"/>
-              <a:t>: find_intersection(s1, s2)</a:t>
-            </a:r>
-          </a:p>
-          <a:p>
+              <a:t>|A|=(Q1.x-P1.x)(P2.y-Q2.y) + (Q2.x-P2.x)(Q1.y-P1.y)</a:t>
+            </a:r>
+          </a:p>
+          <a:p>
+            <a:pPr marL="457200" indent="-457200">
+              <a:buFont typeface="+mj-lt"/>
+              <a:buAutoNum type="arabicPeriod"/>
+            </a:pPr>
+            <a:r>
+              <a:rPr lang="en-US" altLang="ja-JP"/>
+              <a:t>If |A| == 0 </a:t>
+            </a:r>
+            <a:r>
+              <a:rPr lang="ja-JP" altLang="en-US"/>
+              <a:t>→ 交点なし</a:t>
+            </a:r>
+            <a:r>
+              <a:rPr lang="en-US" altLang="ja-JP"/>
+              <a:t>, break</a:t>
+            </a:r>
+          </a:p>
+          <a:p>
+            <a:pPr marL="457200" indent="-457200">
+              <a:buFont typeface="+mj-lt"/>
+              <a:buAutoNum type="arabicPeriod"/>
+            </a:pPr>
+            <a:r>
+              <a:rPr lang="en-US" altLang="ja-JP"/>
+              <a:t>Else: s, t</a:t>
+            </a:r>
+            <a:r>
+              <a:rPr lang="ja-JP" altLang="en-US"/>
+              <a:t>を求める</a:t>
+            </a:r>
+            <a:endParaRPr lang="en-US" altLang="ja-JP"/>
+          </a:p>
+          <a:p>
+            <a:pPr marL="457200" indent="-457200">
+              <a:buFont typeface="+mj-lt"/>
+              <a:buAutoNum type="arabicPeriod"/>
+            </a:pPr>
+            <a:r>
+              <a:rPr lang="en-US" altLang="ja-JP"/>
+              <a:t>If not (0≦s≦1</a:t>
+            </a:r>
+            <a:r>
+              <a:rPr lang="ja-JP" altLang="en-US"/>
+              <a:t> </a:t>
+            </a:r>
+            <a:r>
+              <a:rPr lang="en-US" altLang="ja-JP"/>
+              <a:t>and 0≦t≦1)</a:t>
+            </a:r>
+            <a:r>
+              <a:rPr lang="ja-JP" altLang="en-US"/>
+              <a:t> →交点なし</a:t>
+            </a:r>
+            <a:r>
+              <a:rPr lang="en-US" altLang="ja-JP"/>
+              <a:t>,</a:t>
+            </a:r>
+            <a:r>
+              <a:rPr lang="ja-JP" altLang="en-US"/>
+              <a:t> </a:t>
+            </a:r>
+            <a:r>
+              <a:rPr lang="en-US" altLang="ja-JP"/>
+              <a:t>break</a:t>
+            </a:r>
+          </a:p>
+          <a:p>
+            <a:pPr marL="457200" indent="-457200">
+              <a:buFont typeface="+mj-lt"/>
+              <a:buAutoNum type="arabicPeriod"/>
+            </a:pPr>
+            <a:r>
+              <a:rPr lang="en-US" altLang="ja-JP"/>
+              <a:t>Else: s</a:t>
+            </a:r>
+            <a:r>
+              <a:rPr lang="ja-JP" altLang="en-US"/>
+              <a:t>と</a:t>
+            </a:r>
+            <a:r>
+              <a:rPr lang="en-US" altLang="ja-JP"/>
+              <a:t>t</a:t>
+            </a:r>
+            <a:r>
+              <a:rPr lang="ja-JP" altLang="en-US"/>
+              <a:t>を代入して交点座標を求める</a:t>
+            </a:r>
             <a:endParaRPr lang="en-US" altLang="ja-JP"/>
           </a:p>
         </p:txBody>
       </p:sp>
+      <p:pic>
+        <p:nvPicPr>
+          <p:cNvPr id="6" name="図 5" descr="テキスト, 地図 が含まれている画像&#10;&#10;自動的に生成された説明">
+            <a:extLst>
+              <a:ext uri="{FF2B5EF4-FFF2-40B4-BE49-F238E27FC236}">
+                <a16:creationId xmlns:a16="http://schemas.microsoft.com/office/drawing/2014/main" id="{6575D446-D115-C147-8240-B42F3DCD6B34}"/>
+              </a:ext>
+            </a:extLst>
+          </p:cNvPr>
+          <p:cNvPicPr>
+            <a:picLocks noChangeAspect="1"/>
+          </p:cNvPicPr>
+          <p:nvPr/>
+        </p:nvPicPr>
+        <p:blipFill>
+          <a:blip r:embed="rId2"/>
+          <a:stretch>
+            <a:fillRect/>
+          </a:stretch>
+        </p:blipFill>
+        <p:spPr>
+          <a:xfrm>
+            <a:off x="8395277" y="3810000"/>
+            <a:ext cx="2882900" cy="2133600"/>
+          </a:xfrm>
+          <a:prstGeom prst="rect">
+            <a:avLst/>
+          </a:prstGeom>
+        </p:spPr>
+      </p:pic>
     </p:spTree>
     <p:extLst>
       <p:ext uri="{BB962C8B-B14F-4D97-AF65-F5344CB8AC3E}">
@@ -14201,7 +14864,7 @@
           <p:cNvPr id="2" name="タイトル 1">
             <a:extLst>
               <a:ext uri="{FF2B5EF4-FFF2-40B4-BE49-F238E27FC236}">
-                <a16:creationId xmlns:a16="http://schemas.microsoft.com/office/drawing/2014/main" id="{9F2E00FB-7F86-E04D-8E28-CD751291ED25}"/>
+                <a16:creationId xmlns:a16="http://schemas.microsoft.com/office/drawing/2014/main" id="{A071F670-B33F-9E41-B082-A194D5F1BD43}"/>
               </a:ext>
             </a:extLst>
           </p:cNvPr>
@@ -14218,12 +14881,167 @@
           <a:lstStyle/>
           <a:p>
             <a:r>
-              <a:rPr lang="ja-JP" altLang="en-US"/>
+              <a:rPr kumimoji="1" lang="ja-JP" altLang="en-US"/>
               <a:t>実装したアルゴリズム</a:t>
             </a:r>
             <a:r>
               <a:rPr lang="en-US" altLang="ja-JP"/>
-              <a:t>②:</a:t>
+              <a:t>②</a:t>
+            </a:r>
+            <a:r>
+              <a:rPr kumimoji="1" lang="en-US" altLang="ja-JP"/>
+              <a:t>:</a:t>
+            </a:r>
+            <a:r>
+              <a:rPr kumimoji="1" lang="ja-JP" altLang="en-US"/>
+              <a:t> 全ての線分の交点を求める</a:t>
+            </a:r>
+          </a:p>
+        </p:txBody>
+      </p:sp>
+      <p:sp>
+        <p:nvSpPr>
+          <p:cNvPr id="3" name="コンテンツ プレースホルダー 2">
+            <a:extLst>
+              <a:ext uri="{FF2B5EF4-FFF2-40B4-BE49-F238E27FC236}">
+                <a16:creationId xmlns:a16="http://schemas.microsoft.com/office/drawing/2014/main" id="{A9518FBE-2731-154B-9DEB-33C2601626A3}"/>
+              </a:ext>
+            </a:extLst>
+          </p:cNvPr>
+          <p:cNvSpPr>
+            <a:spLocks noGrp="1"/>
+          </p:cNvSpPr>
+          <p:nvPr>
+            <p:ph idx="1"/>
+          </p:nvPr>
+        </p:nvSpPr>
+        <p:spPr/>
+        <p:txBody>
+          <a:bodyPr/>
+          <a:lstStyle/>
+          <a:p>
+            <a:pPr marL="0" indent="0">
+              <a:buNone/>
+            </a:pPr>
+            <a:r>
+              <a:rPr lang="en-US" altLang="ja-JP"/>
+              <a:t>for( i=0, i&lt;M, i++ ){</a:t>
+            </a:r>
+          </a:p>
+          <a:p>
+            <a:pPr marL="0" indent="0">
+              <a:buNone/>
+            </a:pPr>
+            <a:r>
+              <a:rPr lang="en-US" altLang="ja-JP"/>
+              <a:t>	for( j = i+1; j &lt; M; j++ ){</a:t>
+            </a:r>
+          </a:p>
+          <a:p>
+            <a:pPr marL="0" indent="0">
+              <a:buNone/>
+            </a:pPr>
+            <a:r>
+              <a:rPr lang="en-US" altLang="ja-JP"/>
+              <a:t>		</a:t>
+            </a:r>
+            <a:r>
+              <a:rPr lang="ja-JP" altLang="en-US"/>
+              <a:t>実装したアルゴリズム</a:t>
+            </a:r>
+            <a:r>
+              <a:rPr lang="en-US" altLang="ja-JP"/>
+              <a:t>①</a:t>
+            </a:r>
+            <a:r>
+              <a:rPr lang="ja-JP" altLang="en-US"/>
+              <a:t>で交点座標を求める</a:t>
+            </a:r>
+            <a:endParaRPr lang="en-US" altLang="ja-JP"/>
+          </a:p>
+          <a:p>
+            <a:pPr marL="0" indent="0">
+              <a:buNone/>
+            </a:pPr>
+            <a:r>
+              <a:rPr lang="en-US" altLang="ja-JP"/>
+              <a:t>	}</a:t>
+            </a:r>
+          </a:p>
+          <a:p>
+            <a:pPr marL="0" indent="0">
+              <a:buNone/>
+            </a:pPr>
+            <a:r>
+              <a:rPr lang="en-US" altLang="ja-JP"/>
+              <a:t>}</a:t>
+            </a:r>
+          </a:p>
+        </p:txBody>
+      </p:sp>
+    </p:spTree>
+    <p:extLst>
+      <p:ext uri="{BB962C8B-B14F-4D97-AF65-F5344CB8AC3E}">
+        <p14:creationId xmlns:p14="http://schemas.microsoft.com/office/powerpoint/2010/main" val="3016717033"/>
+      </p:ext>
+    </p:extLst>
+  </p:cSld>
+  <p:clrMapOvr>
+    <a:masterClrMapping/>
+  </p:clrMapOvr>
+</p:sld>
+</file>
+
+<file path=ppt/slides/slide8.xml><?xml version="1.0" encoding="utf-8"?>
+<p:sld xmlns:a="http://schemas.openxmlformats.org/drawingml/2006/main" xmlns:r="http://schemas.openxmlformats.org/officeDocument/2006/relationships" xmlns:p="http://schemas.openxmlformats.org/presentationml/2006/main">
+  <p:cSld>
+    <p:spTree>
+      <p:nvGrpSpPr>
+        <p:cNvPr id="1" name=""/>
+        <p:cNvGrpSpPr/>
+        <p:nvPr/>
+      </p:nvGrpSpPr>
+      <p:grpSpPr>
+        <a:xfrm>
+          <a:off x="0" y="0"/>
+          <a:ext cx="0" cy="0"/>
+          <a:chOff x="0" y="0"/>
+          <a:chExt cx="0" cy="0"/>
+        </a:xfrm>
+      </p:grpSpPr>
+      <p:sp>
+        <p:nvSpPr>
+          <p:cNvPr id="2" name="タイトル 1">
+            <a:extLst>
+              <a:ext uri="{FF2B5EF4-FFF2-40B4-BE49-F238E27FC236}">
+                <a16:creationId xmlns:a16="http://schemas.microsoft.com/office/drawing/2014/main" id="{9F2E00FB-7F86-E04D-8E28-CD751291ED25}"/>
+              </a:ext>
+            </a:extLst>
+          </p:cNvPr>
+          <p:cNvSpPr>
+            <a:spLocks noGrp="1"/>
+          </p:cNvSpPr>
+          <p:nvPr>
+            <p:ph type="title"/>
+          </p:nvPr>
+        </p:nvSpPr>
+        <p:spPr>
+          <a:xfrm>
+            <a:off x="1141413" y="618518"/>
+            <a:ext cx="9905998" cy="1478570"/>
+          </a:xfrm>
+        </p:spPr>
+        <p:txBody>
+          <a:bodyPr/>
+          <a:lstStyle/>
+          <a:p>
+            <a:r>
+              <a:rPr lang="ja-JP" altLang="en-US"/>
+              <a:t>実装したアルゴリズム</a:t>
+            </a:r>
+            <a:r>
+              <a:rPr lang="en-US" altLang="ja-JP"/>
+              <a:t>③:</a:t>
             </a:r>
             <a:r>
               <a:rPr lang="ja-JP" altLang="en-US"/>
@@ -14251,29 +15069,75 @@
         </p:nvSpPr>
         <p:spPr>
           <a:xfrm>
-            <a:off x="1141412" y="2701955"/>
-            <a:ext cx="9905999" cy="3089245"/>
+            <a:off x="1141413" y="2701956"/>
+            <a:ext cx="9194472" cy="2912924"/>
           </a:xfrm>
         </p:spPr>
         <p:txBody>
           <a:bodyPr>
-            <a:normAutofit/>
+            <a:normAutofit fontScale="92500"/>
           </a:bodyPr>
           <a:lstStyle/>
           <a:p>
+            <a:pPr marL="0" indent="0">
+              <a:buNone/>
+            </a:pPr>
             <a:r>
               <a:rPr lang="ja-JP" altLang="en-US"/>
               <a:t>再帰関数</a:t>
             </a:r>
             <a:r>
               <a:rPr lang="en-US" altLang="ja-JP"/>
-              <a:t>: searching()</a:t>
-            </a:r>
-            <a:r>
-              <a:rPr lang="ja-JP" altLang="en-US"/>
-              <a:t> を使うことで実装</a:t>
-            </a:r>
-            <a:endParaRPr lang="en-US" altLang="ja-JP"/>
+              <a:t>:</a:t>
+            </a:r>
+            <a:r>
+              <a:rPr lang="ja-JP" altLang="en-US"/>
+              <a:t> </a:t>
+            </a:r>
+            <a:r>
+              <a:rPr lang="en-US" altLang="ja-JP"/>
+              <a:t>searching(</a:t>
+            </a:r>
+            <a:r>
+              <a:rPr lang="ja-JP" altLang="en-US"/>
+              <a:t>始点</a:t>
+            </a:r>
+            <a:r>
+              <a:rPr lang="en-US" altLang="ja-JP"/>
+              <a:t>/</a:t>
+            </a:r>
+            <a:r>
+              <a:rPr lang="ja-JP" altLang="en-US"/>
+              <a:t>線</a:t>
+            </a:r>
+            <a:r>
+              <a:rPr lang="en-US" altLang="ja-JP"/>
+              <a:t>,</a:t>
+            </a:r>
+            <a:r>
+              <a:rPr lang="ja-JP" altLang="en-US"/>
+              <a:t> 終点</a:t>
+            </a:r>
+            <a:r>
+              <a:rPr lang="en-US" altLang="ja-JP"/>
+              <a:t>,</a:t>
+            </a:r>
+            <a:r>
+              <a:rPr lang="ja-JP" altLang="en-US"/>
+              <a:t> 経由点リスト</a:t>
+            </a:r>
+            <a:r>
+              <a:rPr lang="en-US" altLang="ja-JP"/>
+              <a:t>,</a:t>
+            </a:r>
+            <a:r>
+              <a:rPr lang="ja-JP" altLang="en-US"/>
+              <a:t> ルートリスト</a:t>
+            </a:r>
+            <a:r>
+              <a:rPr lang="en-US" altLang="ja-JP"/>
+              <a:t>)</a:t>
+            </a:r>
           </a:p>
           <a:p>
             <a:pPr marL="457200" indent="-457200">
@@ -14282,27 +15146,35 @@
             </a:pPr>
             <a:r>
               <a:rPr lang="ja-JP" altLang="en-US"/>
-              <a:t>点</a:t>
+              <a:t>始点に対する全ての接線に対して</a:t>
             </a:r>
             <a:r>
               <a:rPr lang="en-US" altLang="ja-JP"/>
-              <a:t>(</a:t>
-            </a:r>
-            <a:r>
-              <a:rPr lang="ja-JP" altLang="en-US"/>
-              <a:t>現在</a:t>
+              <a:t>searching(</a:t>
+            </a:r>
+            <a:r>
+              <a:rPr lang="ja-JP" altLang="en-US"/>
+              <a:t>始線</a:t>
+            </a:r>
+            <a:r>
+              <a:rPr lang="en-US" altLang="ja-JP"/>
+              <a:t>=</a:t>
+            </a:r>
+            <a:r>
+              <a:rPr lang="ja-JP" altLang="en-US"/>
+              <a:t>接線</a:t>
+            </a:r>
+            <a:r>
+              <a:rPr lang="en-US" altLang="ja-JP"/>
+              <a:t>,</a:t>
+            </a:r>
+            <a:r>
+              <a:rPr lang="ja-JP" altLang="en-US"/>
+              <a:t> 終点</a:t>
             </a:r>
             <a:r>
               <a:rPr lang="en-US" altLang="ja-JP"/>
               <a:t>)</a:t>
-            </a:r>
-            <a:r>
-              <a:rPr lang="ja-JP" altLang="en-US"/>
-              <a:t>に対する全ての接線に対して</a:t>
-            </a:r>
-            <a:r>
-              <a:rPr lang="en-US" altLang="ja-JP"/>
-              <a:t>searching()</a:t>
             </a:r>
           </a:p>
           <a:p>
@@ -14312,43 +15184,59 @@
             </a:pPr>
             <a:r>
               <a:rPr lang="ja-JP" altLang="en-US"/>
-              <a:t>線分</a:t>
+              <a:t>始線に対して</a:t>
             </a:r>
             <a:r>
               <a:rPr lang="en-US" altLang="ja-JP"/>
-              <a:t>(</a:t>
-            </a:r>
-            <a:r>
-              <a:rPr lang="ja-JP" altLang="en-US"/>
-              <a:t>現在</a:t>
+              <a:t>,</a:t>
+            </a:r>
+            <a:r>
+              <a:rPr lang="ja-JP" altLang="en-US"/>
+              <a:t> </a:t>
+            </a:r>
+            <a:r>
+              <a:rPr lang="en-US" altLang="ja-JP"/>
+              <a:t>1</a:t>
+            </a:r>
+            <a:r>
+              <a:rPr lang="ja-JP" altLang="en-US"/>
+              <a:t>の点</a:t>
+            </a:r>
+            <a:r>
+              <a:rPr lang="en-US" altLang="ja-JP"/>
+              <a:t>±1</a:t>
+            </a:r>
+            <a:r>
+              <a:rPr lang="ja-JP" altLang="en-US"/>
+              <a:t>の接点に対して</a:t>
+            </a:r>
+            <a:r>
+              <a:rPr lang="en-US" altLang="ja-JP"/>
+              <a:t>searching(</a:t>
+            </a:r>
+            <a:r>
+              <a:rPr lang="ja-JP" altLang="en-US"/>
+              <a:t>始点</a:t>
+            </a:r>
+            <a:r>
+              <a:rPr lang="en-US" altLang="ja-JP"/>
+              <a:t>=</a:t>
+            </a:r>
+            <a:r>
+              <a:rPr lang="ja-JP" altLang="en-US"/>
+              <a:t>接点</a:t>
+            </a:r>
+            <a:r>
+              <a:rPr lang="en-US" altLang="ja-JP"/>
+              <a:t>,</a:t>
+            </a:r>
+            <a:r>
+              <a:rPr lang="ja-JP" altLang="en-US"/>
+              <a:t> 終点</a:t>
             </a:r>
             <a:r>
               <a:rPr lang="en-US" altLang="ja-JP"/>
               <a:t>)</a:t>
-            </a:r>
-            <a:r>
-              <a:rPr lang="ja-JP" altLang="en-US"/>
-              <a:t>に対して</a:t>
-            </a:r>
-            <a:r>
-              <a:rPr lang="en-US" altLang="ja-JP"/>
-              <a:t>,</a:t>
-            </a:r>
-            <a:r>
-              <a:rPr lang="ja-JP" altLang="en-US"/>
-              <a:t> 直前の点</a:t>
-            </a:r>
-            <a:r>
-              <a:rPr lang="en-US" altLang="ja-JP"/>
-              <a:t>±1</a:t>
-            </a:r>
-            <a:r>
-              <a:rPr lang="ja-JP" altLang="en-US"/>
-              <a:t>の接点に対して</a:t>
-            </a:r>
-            <a:r>
-              <a:rPr lang="en-US" altLang="ja-JP"/>
-              <a:t>searching()</a:t>
             </a:r>
           </a:p>
           <a:p>
@@ -14370,7 +15258,7 @@
             </a:r>
             <a:r>
               <a:rPr lang="ja-JP" altLang="en-US"/>
-              <a:t>を</a:t>
+              <a:t>を繰り返し</a:t>
             </a:r>
             <a:r>
               <a:rPr lang="en-US" altLang="ja-JP"/>
@@ -14378,7 +15266,23 @@
             </a:r>
             <a:r>
               <a:rPr lang="ja-JP" altLang="en-US"/>
-              <a:t> 始点</a:t>
+              <a:t> </a:t>
+            </a:r>
+            <a:r>
+              <a:rPr lang="en-US" altLang="ja-JP"/>
+              <a:t>{ </a:t>
+            </a:r>
+            <a:r>
+              <a:rPr lang="ja-JP" altLang="en-US"/>
+              <a:t>接点なし</a:t>
+            </a:r>
+            <a:r>
+              <a:rPr lang="en-US" altLang="ja-JP"/>
+              <a:t> or </a:t>
+            </a:r>
+            <a:r>
+              <a:rPr lang="ja-JP" altLang="en-US"/>
+              <a:t>終点</a:t>
             </a:r>
             <a:r>
               <a:rPr lang="en-US" altLang="ja-JP"/>
@@ -14386,49 +15290,59 @@
             </a:r>
             <a:r>
               <a:rPr lang="ja-JP" altLang="en-US"/>
-              <a:t>点</a:t>
+              <a:t>始点</a:t>
             </a:r>
             <a:r>
               <a:rPr lang="en-US" altLang="ja-JP"/>
-              <a:t>(</a:t>
-            </a:r>
-            <a:r>
-              <a:rPr lang="ja-JP" altLang="en-US"/>
-              <a:t>現在</a:t>
+              <a:t> or </a:t>
+            </a:r>
+            <a:r>
+              <a:rPr lang="ja-JP" altLang="en-US"/>
+              <a:t>始点</a:t>
             </a:r>
             <a:r>
               <a:rPr lang="en-US" altLang="ja-JP"/>
-              <a:t>)</a:t>
-            </a:r>
-            <a:r>
-              <a:rPr lang="ja-JP" altLang="en-US"/>
-              <a:t>になるか</a:t>
+              <a:t>=</a:t>
+            </a:r>
+            <a:r>
+              <a:rPr lang="ja-JP" altLang="en-US"/>
+              <a:t>通った点</a:t>
             </a:r>
             <a:r>
               <a:rPr lang="en-US" altLang="ja-JP"/>
-              <a:t>,</a:t>
-            </a:r>
-            <a:r>
-              <a:rPr lang="ja-JP" altLang="en-US"/>
-              <a:t> 一度通った点に戻ってきた段階で再帰を終了し</a:t>
-            </a:r>
+              <a:t>}</a:t>
+            </a:r>
+            <a:r>
+              <a:rPr lang="ja-JP" altLang="en-US"/>
+              <a:t> まで再帰</a:t>
+            </a:r>
+            <a:endParaRPr lang="en-US" altLang="ja-JP"/>
+          </a:p>
+          <a:p>
+            <a:pPr marL="457200" indent="-457200">
+              <a:buFont typeface="+mj-lt"/>
+              <a:buAutoNum type="arabicPeriod"/>
+            </a:pPr>
             <a:r>
               <a:rPr lang="en-US" altLang="ja-JP"/>
-              <a:t>,</a:t>
-            </a:r>
-            <a:r>
-              <a:rPr lang="ja-JP" altLang="en-US"/>
-              <a:t> 経由点をリストに追加して</a:t>
+              <a:t>If</a:t>
+            </a:r>
+            <a:r>
+              <a:rPr lang="ja-JP" altLang="en-US"/>
+              <a:t> 始点</a:t>
             </a:r>
             <a:r>
               <a:rPr lang="en-US" altLang="ja-JP"/>
-              <a:t>return</a:t>
-            </a:r>
-            <a:r>
-              <a:rPr lang="ja-JP" altLang="en-US"/>
-              <a:t>する</a:t>
-            </a:r>
-            <a:endParaRPr lang="en-US" altLang="ja-JP"/>
+              <a:t>=</a:t>
+            </a:r>
+            <a:r>
+              <a:rPr lang="ja-JP" altLang="en-US"/>
+              <a:t>終点 → ルートリストに経由点リストを追加し</a:t>
+            </a:r>
+            <a:r>
+              <a:rPr lang="en-US" altLang="ja-JP"/>
+              <a:t>, break</a:t>
+            </a:r>
           </a:p>
         </p:txBody>
       </p:sp>
@@ -14446,7 +15360,7 @@
         </p:nvSpPr>
         <p:spPr>
           <a:xfrm>
-            <a:off x="6708747" y="2312550"/>
+            <a:off x="7810267" y="1905418"/>
             <a:ext cx="693683" cy="693682"/>
           </a:xfrm>
           <a:prstGeom prst="ellipse">
@@ -14495,7 +15409,7 @@
         </p:nvSpPr>
         <p:spPr>
           <a:xfrm>
-            <a:off x="8008882" y="1786759"/>
+            <a:off x="9110402" y="1379627"/>
             <a:ext cx="977463" cy="578070"/>
           </a:xfrm>
           <a:prstGeom prst="rect">
@@ -14578,7 +15492,7 @@
         </p:nvSpPr>
         <p:spPr>
           <a:xfrm>
-            <a:off x="8008882" y="2819400"/>
+            <a:off x="9110402" y="2412268"/>
             <a:ext cx="977463" cy="578070"/>
           </a:xfrm>
           <a:prstGeom prst="rect">
@@ -14627,7 +15541,7 @@
         </p:nvSpPr>
         <p:spPr>
           <a:xfrm>
-            <a:off x="9750452" y="729672"/>
+            <a:off x="10851972" y="322540"/>
             <a:ext cx="788276" cy="674254"/>
           </a:xfrm>
           <a:prstGeom prst="ellipse">
@@ -14657,7 +15571,7 @@
             <a:pPr algn="ctr"/>
             <a:r>
               <a:rPr kumimoji="1" lang="ja-JP" altLang="en-US"/>
-              <a:t>始点</a:t>
+              <a:t>終点</a:t>
             </a:r>
             <a:endParaRPr kumimoji="1" lang="en-US" altLang="ja-JP"/>
           </a:p>
@@ -14677,7 +15591,7 @@
         </p:nvSpPr>
         <p:spPr>
           <a:xfrm>
-            <a:off x="9750452" y="1690575"/>
+            <a:off x="10851972" y="1283443"/>
             <a:ext cx="788276" cy="674254"/>
           </a:xfrm>
           <a:prstGeom prst="ellipse">
@@ -14727,7 +15641,7 @@
         </p:nvSpPr>
         <p:spPr>
           <a:xfrm>
-            <a:off x="9750452" y="2723216"/>
+            <a:off x="10851972" y="2316084"/>
             <a:ext cx="788276" cy="674254"/>
           </a:xfrm>
           <a:prstGeom prst="ellipse">
@@ -14780,7 +15694,7 @@
         </p:nvCxnSpPr>
         <p:spPr>
           <a:xfrm flipV="1">
-            <a:off x="7402430" y="2075794"/>
+            <a:off x="8503950" y="1668662"/>
             <a:ext cx="606452" cy="493453"/>
           </a:xfrm>
           <a:prstGeom prst="straightConnector1">
@@ -14822,7 +15736,7 @@
         </p:nvCxnSpPr>
         <p:spPr>
           <a:xfrm>
-            <a:off x="7402430" y="2585032"/>
+            <a:off x="8503950" y="2177900"/>
             <a:ext cx="606452" cy="523403"/>
           </a:xfrm>
           <a:prstGeom prst="straightConnector1">
@@ -14865,7 +15779,7 @@
         </p:nvCxnSpPr>
         <p:spPr>
           <a:xfrm flipV="1">
-            <a:off x="8986345" y="2027702"/>
+            <a:off x="10087865" y="1620570"/>
             <a:ext cx="764107" cy="48092"/>
           </a:xfrm>
           <a:prstGeom prst="straightConnector1">
@@ -14908,7 +15822,7 @@
         </p:nvCxnSpPr>
         <p:spPr>
           <a:xfrm flipV="1">
-            <a:off x="8986345" y="1066799"/>
+            <a:off x="10087865" y="659667"/>
             <a:ext cx="764107" cy="1008995"/>
           </a:xfrm>
           <a:prstGeom prst="straightConnector1">
@@ -14951,7 +15865,7 @@
         </p:nvCxnSpPr>
         <p:spPr>
           <a:xfrm flipV="1">
-            <a:off x="8986345" y="3060343"/>
+            <a:off x="10087865" y="2653211"/>
             <a:ext cx="764107" cy="48092"/>
           </a:xfrm>
           <a:prstGeom prst="straightConnector1">
@@ -14991,7 +15905,7 @@
               <p14:nvPr/>
             </p14:nvContentPartPr>
             <p14:xfrm>
-              <a:off x="9585761" y="597087"/>
+              <a:off x="10687281" y="189955"/>
               <a:ext cx="1165320" cy="959040"/>
             </p14:xfrm>
           </p:contentPart>
@@ -15017,7 +15931,7 @@
             </p:blipFill>
             <p:spPr>
               <a:xfrm>
-                <a:off x="9577121" y="588087"/>
+                <a:off x="10678281" y="180955"/>
                 <a:ext cx="1182960" cy="976680"/>
               </a:xfrm>
               <a:prstGeom prst="rect">
@@ -15041,7 +15955,7 @@
         </p:nvCxnSpPr>
         <p:spPr>
           <a:xfrm flipV="1">
-            <a:off x="6611007" y="5223641"/>
+            <a:off x="7483696" y="5167405"/>
             <a:ext cx="3783724" cy="1166649"/>
           </a:xfrm>
           <a:prstGeom prst="line">
@@ -15077,7 +15991,7 @@
         </p:nvSpPr>
         <p:spPr>
           <a:xfrm>
-            <a:off x="6484882" y="6295697"/>
+            <a:off x="7382274" y="6239461"/>
             <a:ext cx="202844" cy="189186"/>
           </a:xfrm>
           <a:prstGeom prst="ellipse">
@@ -15123,7 +16037,7 @@
         </p:nvSpPr>
         <p:spPr>
           <a:xfrm>
-            <a:off x="10335884" y="5129048"/>
+            <a:off x="11208573" y="5072812"/>
             <a:ext cx="202844" cy="189186"/>
           </a:xfrm>
           <a:prstGeom prst="ellipse">
@@ -15169,7 +16083,7 @@
         </p:nvSpPr>
         <p:spPr>
           <a:xfrm>
-            <a:off x="7709857" y="5908123"/>
+            <a:off x="8607249" y="5851887"/>
             <a:ext cx="202844" cy="189186"/>
           </a:xfrm>
           <a:prstGeom prst="ellipse">
@@ -15215,7 +16129,7 @@
         </p:nvSpPr>
         <p:spPr>
           <a:xfrm>
-            <a:off x="8986345" y="5535528"/>
+            <a:off x="9883737" y="5479292"/>
             <a:ext cx="202844" cy="189186"/>
           </a:xfrm>
           <a:prstGeom prst="ellipse">
@@ -15262,7 +16176,7 @@
               <p14:nvPr/>
             </p14:nvContentPartPr>
             <p14:xfrm>
-              <a:off x="6372761" y="6115527"/>
+              <a:off x="7245450" y="6059291"/>
               <a:ext cx="462240" cy="496440"/>
             </p14:xfrm>
           </p:contentPart>
@@ -15288,7 +16202,7 @@
             </p:blipFill>
             <p:spPr>
               <a:xfrm>
-                <a:off x="6364121" y="6106887"/>
+                <a:off x="7236450" y="6050291"/>
                 <a:ext cx="479880" cy="514080"/>
               </a:xfrm>
               <a:prstGeom prst="rect">
@@ -15313,7 +16227,7 @@
               <p14:nvPr/>
             </p14:nvContentPartPr>
             <p14:xfrm>
-              <a:off x="8951801" y="5449527"/>
+              <a:off x="9824490" y="5393291"/>
               <a:ext cx="371160" cy="433440"/>
             </p14:xfrm>
           </p:contentPart>
@@ -15339,7 +16253,7 @@
             </p:blipFill>
             <p:spPr>
               <a:xfrm>
-                <a:off x="8942801" y="5440527"/>
+                <a:off x="9815490" y="5384291"/>
                 <a:ext cx="388800" cy="451080"/>
               </a:xfrm>
               <a:prstGeom prst="rect">
@@ -15364,7 +16278,7 @@
               <p14:nvPr/>
             </p14:nvContentPartPr>
             <p14:xfrm>
-              <a:off x="7560401" y="5781087"/>
+              <a:off x="8433090" y="5724851"/>
               <a:ext cx="502920" cy="428760"/>
             </p14:xfrm>
           </p:contentPart>
@@ -15390,7 +16304,7 @@
             </p:blipFill>
             <p:spPr>
               <a:xfrm>
-                <a:off x="7542401" y="5763087"/>
+                <a:off x="8415090" y="5706851"/>
                 <a:ext cx="538560" cy="464400"/>
               </a:xfrm>
               <a:prstGeom prst="rect">
@@ -15415,7 +16329,7 @@
               <p14:nvPr/>
             </p14:nvContentPartPr>
             <p14:xfrm>
-              <a:off x="6792161" y="5752287"/>
+              <a:off x="7664850" y="5696051"/>
               <a:ext cx="833760" cy="251280"/>
             </p14:xfrm>
           </p:contentPart>
@@ -15441,8 +16355,8 @@
             </p:blipFill>
             <p:spPr>
               <a:xfrm>
-                <a:off x="6774529" y="5734287"/>
-                <a:ext cx="869385" cy="286920"/>
+                <a:off x="7646850" y="5678077"/>
+                <a:ext cx="869400" cy="286869"/>
               </a:xfrm>
               <a:prstGeom prst="rect">
                 <a:avLst/>
@@ -15466,7 +16380,7 @@
               <p14:nvPr/>
             </p14:nvContentPartPr>
             <p14:xfrm>
-              <a:off x="7882601" y="5236407"/>
+              <a:off x="8755290" y="5180171"/>
               <a:ext cx="1088640" cy="514080"/>
             </p14:xfrm>
           </p:contentPart>
@@ -15492,8 +16406,8 @@
             </p:blipFill>
             <p:spPr>
               <a:xfrm>
-                <a:off x="7864961" y="5218767"/>
-                <a:ext cx="1124280" cy="549720"/>
+                <a:off x="8737290" y="5162158"/>
+                <a:ext cx="1124280" cy="549745"/>
               </a:xfrm>
               <a:prstGeom prst="rect">
                 <a:avLst/>
@@ -15516,7 +16430,7 @@
         </p:nvSpPr>
         <p:spPr>
           <a:xfrm rot="20947218">
-            <a:off x="6954129" y="5372919"/>
+            <a:off x="7826818" y="5316683"/>
             <a:ext cx="388248" cy="369332"/>
           </a:xfrm>
           <a:prstGeom prst="rect">
@@ -15551,7 +16465,7 @@
         </p:nvSpPr>
         <p:spPr>
           <a:xfrm rot="20100353">
-            <a:off x="7866511" y="4977360"/>
+            <a:off x="8739200" y="4921124"/>
             <a:ext cx="465192" cy="369332"/>
           </a:xfrm>
           <a:prstGeom prst="rect">
@@ -15576,234 +16490,6 @@
     <p:extLst>
       <p:ext uri="{BB962C8B-B14F-4D97-AF65-F5344CB8AC3E}">
         <p14:creationId xmlns:p14="http://schemas.microsoft.com/office/powerpoint/2010/main" val="550695345"/>
-      </p:ext>
-    </p:extLst>
-  </p:cSld>
-  <p:clrMapOvr>
-    <a:masterClrMapping/>
-  </p:clrMapOvr>
-</p:sld>
-</file>
-
-<file path=ppt/slides/slide8.xml><?xml version="1.0" encoding="utf-8"?>
-<p:sld xmlns:a="http://schemas.openxmlformats.org/drawingml/2006/main" xmlns:r="http://schemas.openxmlformats.org/officeDocument/2006/relationships" xmlns:p="http://schemas.openxmlformats.org/presentationml/2006/main">
-  <p:cSld>
-    <p:spTree>
-      <p:nvGrpSpPr>
-        <p:cNvPr id="1" name=""/>
-        <p:cNvGrpSpPr/>
-        <p:nvPr/>
-      </p:nvGrpSpPr>
-      <p:grpSpPr>
-        <a:xfrm>
-          <a:off x="0" y="0"/>
-          <a:ext cx="0" cy="0"/>
-          <a:chOff x="0" y="0"/>
-          <a:chExt cx="0" cy="0"/>
-        </a:xfrm>
-      </p:grpSpPr>
-      <p:sp>
-        <p:nvSpPr>
-          <p:cNvPr id="2" name="タイトル 1">
-            <a:extLst>
-              <a:ext uri="{FF2B5EF4-FFF2-40B4-BE49-F238E27FC236}">
-                <a16:creationId xmlns:a16="http://schemas.microsoft.com/office/drawing/2014/main" id="{F7CD0CA3-CA6C-764F-BD0A-7F9C46FE2899}"/>
-              </a:ext>
-            </a:extLst>
-          </p:cNvPr>
-          <p:cNvSpPr>
-            <a:spLocks noGrp="1"/>
-          </p:cNvSpPr>
-          <p:nvPr>
-            <p:ph type="title"/>
-          </p:nvPr>
-        </p:nvSpPr>
-        <p:spPr/>
-        <p:txBody>
-          <a:bodyPr/>
-          <a:lstStyle/>
-          <a:p>
-            <a:r>
-              <a:rPr lang="ja-JP" altLang="en-US"/>
-              <a:t>実装したアルゴリズム</a:t>
-            </a:r>
-            <a:r>
-              <a:rPr lang="en-US" altLang="ja-JP"/>
-              <a:t>③:</a:t>
-            </a:r>
-            <a:r>
-              <a:rPr lang="ja-JP" altLang="en-US"/>
-              <a:t> 線分に新たな地点を接続</a:t>
-            </a:r>
-            <a:endParaRPr kumimoji="1" lang="ja-JP" altLang="en-US"/>
-          </a:p>
-        </p:txBody>
-      </p:sp>
-      <p:sp>
-        <p:nvSpPr>
-          <p:cNvPr id="3" name="コンテンツ プレースホルダー 2">
-            <a:extLst>
-              <a:ext uri="{FF2B5EF4-FFF2-40B4-BE49-F238E27FC236}">
-                <a16:creationId xmlns:a16="http://schemas.microsoft.com/office/drawing/2014/main" id="{08089BF9-C33A-2B4D-A1CF-8B4FBAF09322}"/>
-              </a:ext>
-            </a:extLst>
-          </p:cNvPr>
-          <p:cNvSpPr>
-            <a:spLocks noGrp="1"/>
-          </p:cNvSpPr>
-          <p:nvPr>
-            <p:ph idx="1"/>
-          </p:nvPr>
-        </p:nvSpPr>
-        <p:spPr/>
-        <p:txBody>
-          <a:bodyPr/>
-          <a:lstStyle/>
-          <a:p>
-            <a:r>
-              <a:rPr kumimoji="1" lang="ja-JP" altLang="en-US"/>
-              <a:t>ある線分に地点を接続する時の交点を求める</a:t>
-            </a:r>
-            <a:endParaRPr kumimoji="1" lang="en-US" altLang="ja-JP"/>
-          </a:p>
-          <a:p>
-            <a:endParaRPr lang="en-US" altLang="ja-JP"/>
-          </a:p>
-          <a:p>
-            <a:pPr marL="457200" indent="-457200">
-              <a:buFont typeface="+mj-lt"/>
-              <a:buAutoNum type="arabicPeriod"/>
-            </a:pPr>
-            <a:r>
-              <a:rPr lang="ja-JP" altLang="en-US"/>
-              <a:t>線分</a:t>
-            </a:r>
-            <a:r>
-              <a:rPr lang="en-US" altLang="ja-JP"/>
-              <a:t>: y = ax + b</a:t>
-            </a:r>
-            <a:r>
-              <a:rPr lang="ja-JP" altLang="en-US"/>
-              <a:t> に垂直に接続する </a:t>
-            </a:r>
-            <a:r>
-              <a:rPr lang="en-US" altLang="ja-JP"/>
-              <a:t>y =</a:t>
-            </a:r>
-            <a:r>
-              <a:rPr lang="ja-JP" altLang="en-US"/>
-              <a:t> </a:t>
-            </a:r>
-            <a:r>
-              <a:rPr lang="en-US" altLang="ja-JP"/>
-              <a:t>α</a:t>
-            </a:r>
-            <a:r>
-              <a:rPr lang="ja-JP" altLang="en-US"/>
-              <a:t> </a:t>
-            </a:r>
-            <a:r>
-              <a:rPr lang="en-US" altLang="ja-JP"/>
-              <a:t>x</a:t>
-            </a:r>
-            <a:r>
-              <a:rPr lang="ja-JP" altLang="en-US"/>
-              <a:t> </a:t>
-            </a:r>
-            <a:r>
-              <a:rPr lang="en-US" altLang="ja-JP"/>
-              <a:t>+</a:t>
-            </a:r>
-            <a:r>
-              <a:rPr lang="ja-JP" altLang="en-US"/>
-              <a:t> </a:t>
-            </a:r>
-            <a:r>
-              <a:rPr lang="en-US" altLang="ja-JP"/>
-              <a:t>β(</a:t>
-            </a:r>
-            <a:r>
-              <a:rPr lang="ja-JP" altLang="en-US"/>
-              <a:t>追加点を通る</a:t>
-            </a:r>
-            <a:r>
-              <a:rPr lang="en-US" altLang="ja-JP"/>
-              <a:t>)</a:t>
-            </a:r>
-            <a:r>
-              <a:rPr lang="ja-JP" altLang="en-US"/>
-              <a:t>を求める</a:t>
-            </a:r>
-            <a:endParaRPr lang="en-US" altLang="ja-JP"/>
-          </a:p>
-          <a:p>
-            <a:pPr marL="457200" indent="-457200">
-              <a:buFont typeface="+mj-lt"/>
-              <a:buAutoNum type="arabicPeriod"/>
-            </a:pPr>
-            <a:r>
-              <a:rPr kumimoji="1" lang="ja-JP" altLang="en-US"/>
-              <a:t>交点</a:t>
-            </a:r>
-            <a:r>
-              <a:rPr kumimoji="1" lang="en-US" altLang="ja-JP"/>
-              <a:t>P</a:t>
-            </a:r>
-            <a:r>
-              <a:rPr kumimoji="1" lang="ja-JP" altLang="en-US"/>
-              <a:t>を求める</a:t>
-            </a:r>
-            <a:endParaRPr kumimoji="1" lang="en-US" altLang="ja-JP"/>
-          </a:p>
-          <a:p>
-            <a:pPr marL="457200" indent="-457200">
-              <a:buFont typeface="+mj-lt"/>
-              <a:buAutoNum type="arabicPeriod"/>
-            </a:pPr>
-            <a:r>
-              <a:rPr lang="ja-JP" altLang="en-US"/>
-              <a:t>交点</a:t>
-            </a:r>
-            <a:r>
-              <a:rPr lang="en-US" altLang="ja-JP"/>
-              <a:t>P</a:t>
-            </a:r>
-            <a:r>
-              <a:rPr lang="ja-JP" altLang="en-US"/>
-              <a:t>が</a:t>
-            </a:r>
-            <a:r>
-              <a:rPr lang="en-US" altLang="ja-JP"/>
-              <a:t> y = ax + b</a:t>
-            </a:r>
-            <a:r>
-              <a:rPr lang="ja-JP" altLang="en-US"/>
-              <a:t>上の点なら</a:t>
-            </a:r>
-            <a:r>
-              <a:rPr lang="en-US" altLang="ja-JP"/>
-              <a:t>P</a:t>
-            </a:r>
-            <a:r>
-              <a:rPr lang="ja-JP" altLang="en-US"/>
-              <a:t>が答え</a:t>
-            </a:r>
-            <a:r>
-              <a:rPr lang="en-US" altLang="ja-JP"/>
-              <a:t>,</a:t>
-            </a:r>
-            <a:r>
-              <a:rPr lang="ja-JP" altLang="en-US"/>
-              <a:t> 違うなら線分の始点と終点のうち追加点に近い点を交点とする</a:t>
-            </a:r>
-            <a:endParaRPr kumimoji="1" lang="ja-JP" altLang="en-US"/>
-          </a:p>
-        </p:txBody>
-      </p:sp>
-    </p:spTree>
-    <p:extLst>
-      <p:ext uri="{BB962C8B-B14F-4D97-AF65-F5344CB8AC3E}">
-        <p14:creationId xmlns:p14="http://schemas.microsoft.com/office/powerpoint/2010/main" val="2699625581"/>
       </p:ext>
     </p:extLst>
   </p:cSld>
@@ -15835,7 +16521,7 @@
           <p:cNvPr id="2" name="タイトル 1">
             <a:extLst>
               <a:ext uri="{FF2B5EF4-FFF2-40B4-BE49-F238E27FC236}">
-                <a16:creationId xmlns:a16="http://schemas.microsoft.com/office/drawing/2014/main" id="{95365509-37E4-B94C-931B-0AEAD1C0487E}"/>
+                <a16:creationId xmlns:a16="http://schemas.microsoft.com/office/drawing/2014/main" id="{A2DF5AC8-5699-5245-B670-A77FAB26601C}"/>
               </a:ext>
             </a:extLst>
           </p:cNvPr>
@@ -15852,18 +16538,29 @@
           <a:lstStyle/>
           <a:p>
             <a:r>
-              <a:rPr lang="ja-JP" altLang="en-US"/>
+              <a:rPr kumimoji="1" lang="ja-JP" altLang="en-US"/>
               <a:t>実装したアルゴリズム</a:t>
             </a:r>
             <a:r>
               <a:rPr lang="en-US" altLang="ja-JP"/>
-              <a:t>④:</a:t>
-            </a:r>
-            <a:r>
-              <a:rPr lang="ja-JP" altLang="en-US"/>
-              <a:t> 道路網に新たな地点を接続</a:t>
-            </a:r>
-            <a:endParaRPr kumimoji="1" lang="ja-JP" altLang="en-US"/>
+              <a:t>④</a:t>
+            </a:r>
+            <a:r>
+              <a:rPr kumimoji="1" lang="en-US" altLang="ja-JP"/>
+              <a:t>:</a:t>
+            </a:r>
+            <a:r>
+              <a:rPr kumimoji="1" lang="ja-JP" altLang="en-US"/>
+              <a:t> </a:t>
+            </a:r>
+            <a:r>
+              <a:rPr kumimoji="1" lang="en-US" altLang="ja-JP"/>
+              <a:t>2</a:t>
+            </a:r>
+            <a:r>
+              <a:rPr kumimoji="1" lang="ja-JP" altLang="en-US"/>
+              <a:t>地点間の直線距離を求める</a:t>
+            </a:r>
           </a:p>
         </p:txBody>
       </p:sp>
@@ -15872,7 +16569,7 @@
           <p:cNvPr id="3" name="コンテンツ プレースホルダー 2">
             <a:extLst>
               <a:ext uri="{FF2B5EF4-FFF2-40B4-BE49-F238E27FC236}">
-                <a16:creationId xmlns:a16="http://schemas.microsoft.com/office/drawing/2014/main" id="{65AE14A1-CD03-1548-9C81-A8B7D4E703F8}"/>
+                <a16:creationId xmlns:a16="http://schemas.microsoft.com/office/drawing/2014/main" id="{5092CDAD-AA7C-864F-9B1A-094AD95E6E1D}"/>
               </a:ext>
             </a:extLst>
           </p:cNvPr>
@@ -15888,60 +16585,17 @@
           <a:bodyPr/>
           <a:lstStyle/>
           <a:p>
-            <a:pPr marL="457200" indent="-457200">
-              <a:buFont typeface="+mj-lt"/>
-              <a:buAutoNum type="arabicPeriod"/>
-            </a:pPr>
             <a:r>
               <a:rPr kumimoji="1" lang="ja-JP" altLang="en-US"/>
-              <a:t>全ての線分に対して</a:t>
-            </a:r>
-            <a:r>
-              <a:rPr kumimoji="1" lang="en-US" altLang="ja-JP"/>
-              <a:t>,</a:t>
-            </a:r>
-            <a:r>
-              <a:rPr kumimoji="1" lang="ja-JP" altLang="en-US"/>
-              <a:t> 実装したアルゴリズム</a:t>
-            </a:r>
-            <a:r>
-              <a:rPr kumimoji="1" lang="en-US" altLang="ja-JP"/>
-              <a:t>3</a:t>
-            </a:r>
-            <a:r>
-              <a:rPr kumimoji="1" lang="ja-JP" altLang="en-US"/>
-              <a:t>に基づいて最適な交点を求める</a:t>
-            </a:r>
-            <a:endParaRPr kumimoji="1" lang="en-US" altLang="ja-JP"/>
-          </a:p>
-          <a:p>
-            <a:pPr marL="457200" indent="-457200">
-              <a:buFont typeface="+mj-lt"/>
-              <a:buAutoNum type="arabicPeriod"/>
-            </a:pPr>
-            <a:r>
-              <a:rPr lang="ja-JP" altLang="en-US"/>
-              <a:t>全ての交点の中で追加点に最も近い交点を交点として採用</a:t>
-            </a:r>
-            <a:endParaRPr lang="en-US" altLang="ja-JP"/>
-          </a:p>
-          <a:p>
-            <a:pPr marL="457200" indent="-457200">
-              <a:buFont typeface="+mj-lt"/>
-              <a:buAutoNum type="arabicPeriod"/>
-            </a:pPr>
-            <a:r>
-              <a:rPr lang="ja-JP" altLang="en-US"/>
-              <a:t>接続する</a:t>
-            </a:r>
-            <a:endParaRPr lang="en-US" altLang="ja-JP"/>
+              <a:t>こしかわがかく</a:t>
+            </a:r>
           </a:p>
         </p:txBody>
       </p:sp>
     </p:spTree>
     <p:extLst>
       <p:ext uri="{BB962C8B-B14F-4D97-AF65-F5344CB8AC3E}">
-        <p14:creationId xmlns:p14="http://schemas.microsoft.com/office/powerpoint/2010/main" val="2245308269"/>
+        <p14:creationId xmlns:p14="http://schemas.microsoft.com/office/powerpoint/2010/main" val="740322772"/>
       </p:ext>
     </p:extLst>
   </p:cSld>

--- a/Reports/Midterm.pptx
+++ b/Reports/Midterm.pptx
@@ -8,17 +8,17 @@
     <p:sldId id="256" r:id="rId2"/>
     <p:sldId id="257" r:id="rId3"/>
     <p:sldId id="258" r:id="rId4"/>
-    <p:sldId id="269" r:id="rId5"/>
-    <p:sldId id="259" r:id="rId6"/>
-    <p:sldId id="260" r:id="rId7"/>
-    <p:sldId id="273" r:id="rId8"/>
-    <p:sldId id="266" r:id="rId9"/>
-    <p:sldId id="272" r:id="rId10"/>
-    <p:sldId id="267" r:id="rId11"/>
-    <p:sldId id="270" r:id="rId12"/>
-    <p:sldId id="268" r:id="rId13"/>
-    <p:sldId id="261" r:id="rId14"/>
-    <p:sldId id="262" r:id="rId15"/>
+    <p:sldId id="259" r:id="rId5"/>
+    <p:sldId id="260" r:id="rId6"/>
+    <p:sldId id="273" r:id="rId7"/>
+    <p:sldId id="266" r:id="rId8"/>
+    <p:sldId id="272" r:id="rId9"/>
+    <p:sldId id="267" r:id="rId10"/>
+    <p:sldId id="270" r:id="rId11"/>
+    <p:sldId id="268" r:id="rId12"/>
+    <p:sldId id="261" r:id="rId13"/>
+    <p:sldId id="262" r:id="rId14"/>
+    <p:sldId id="269" r:id="rId15"/>
     <p:sldId id="271" r:id="rId16"/>
     <p:sldId id="263" r:id="rId17"/>
     <p:sldId id="264" r:id="rId18"/>
@@ -347,7 +347,7 @@
           <a:noFill/>
           <a:extLst>
             <a:ext uri="{909E8E84-426E-40dd-AFC4-6F175D3DCCD1}">
-              <a14:hiddenFill xmlns:a14="http://schemas.microsoft.com/office/drawing/2010/main" xmlns="">
+              <a14:hiddenFill xmlns="" xmlns:a14="http://schemas.microsoft.com/office/drawing/2010/main">
                 <a:solidFill>
                   <a:srgbClr val="FFFFFF"/>
                 </a:solidFill>
@@ -407,7 +407,7 @@
             </a:ln>
             <a:extLst>
               <a:ext uri="{91240B29-F687-4f45-9708-019B960494DF}">
-                <a14:hiddenLine xmlns:a14="http://schemas.microsoft.com/office/drawing/2010/main" xmlns="" w="9525">
+                <a14:hiddenLine xmlns="" xmlns:a14="http://schemas.microsoft.com/office/drawing/2010/main" w="9525">
                   <a:solidFill>
                     <a:srgbClr val="000000"/>
                   </a:solidFill>
@@ -497,7 +497,7 @@
             </a:ln>
             <a:extLst>
               <a:ext uri="{91240B29-F687-4f45-9708-019B960494DF}">
-                <a14:hiddenLine xmlns:a14="http://schemas.microsoft.com/office/drawing/2010/main" xmlns="" w="9525">
+                <a14:hiddenLine xmlns="" xmlns:a14="http://schemas.microsoft.com/office/drawing/2010/main" w="9525">
                   <a:solidFill>
                     <a:srgbClr val="000000"/>
                   </a:solidFill>
@@ -587,7 +587,7 @@
             </a:ln>
             <a:extLst>
               <a:ext uri="{91240B29-F687-4f45-9708-019B960494DF}">
-                <a14:hiddenLine xmlns:a14="http://schemas.microsoft.com/office/drawing/2010/main" xmlns="" w="9525">
+                <a14:hiddenLine xmlns="" xmlns:a14="http://schemas.microsoft.com/office/drawing/2010/main" w="9525">
                   <a:solidFill>
                     <a:srgbClr val="000000"/>
                   </a:solidFill>
@@ -621,7 +621,7 @@
             </a:ln>
             <a:extLst>
               <a:ext uri="{91240B29-F687-4f45-9708-019B960494DF}">
-                <a14:hiddenLine xmlns:a14="http://schemas.microsoft.com/office/drawing/2010/main" xmlns="" w="9525">
+                <a14:hiddenLine xmlns="" xmlns:a14="http://schemas.microsoft.com/office/drawing/2010/main" w="9525">
                   <a:solidFill>
                     <a:srgbClr val="000000"/>
                   </a:solidFill>
@@ -711,7 +711,7 @@
             </a:ln>
             <a:extLst>
               <a:ext uri="{91240B29-F687-4f45-9708-019B960494DF}">
-                <a14:hiddenLine xmlns:a14="http://schemas.microsoft.com/office/drawing/2010/main" xmlns="" w="9525">
+                <a14:hiddenLine xmlns="" xmlns:a14="http://schemas.microsoft.com/office/drawing/2010/main" w="9525">
                   <a:solidFill>
                     <a:srgbClr val="000000"/>
                   </a:solidFill>
@@ -773,7 +773,7 @@
             </a:ln>
             <a:extLst>
               <a:ext uri="{91240B29-F687-4f45-9708-019B960494DF}">
-                <a14:hiddenLine xmlns:a14="http://schemas.microsoft.com/office/drawing/2010/main" xmlns="" w="9525">
+                <a14:hiddenLine xmlns="" xmlns:a14="http://schemas.microsoft.com/office/drawing/2010/main" w="9525">
                   <a:solidFill>
                     <a:srgbClr val="000000"/>
                   </a:solidFill>
@@ -835,7 +835,7 @@
             </a:ln>
             <a:extLst>
               <a:ext uri="{91240B29-F687-4f45-9708-019B960494DF}">
-                <a14:hiddenLine xmlns:a14="http://schemas.microsoft.com/office/drawing/2010/main" xmlns="" w="9525">
+                <a14:hiddenLine xmlns="" xmlns:a14="http://schemas.microsoft.com/office/drawing/2010/main" w="9525">
                   <a:solidFill>
                     <a:srgbClr val="000000"/>
                   </a:solidFill>
@@ -925,7 +925,7 @@
             </a:ln>
             <a:extLst>
               <a:ext uri="{91240B29-F687-4f45-9708-019B960494DF}">
-                <a14:hiddenLine xmlns:a14="http://schemas.microsoft.com/office/drawing/2010/main" xmlns="" w="9525">
+                <a14:hiddenLine xmlns="" xmlns:a14="http://schemas.microsoft.com/office/drawing/2010/main" w="9525">
                   <a:solidFill>
                     <a:srgbClr val="000000"/>
                   </a:solidFill>
@@ -987,7 +987,7 @@
             </a:ln>
             <a:extLst>
               <a:ext uri="{91240B29-F687-4f45-9708-019B960494DF}">
-                <a14:hiddenLine xmlns:a14="http://schemas.microsoft.com/office/drawing/2010/main" xmlns="" w="9525">
+                <a14:hiddenLine xmlns="" xmlns:a14="http://schemas.microsoft.com/office/drawing/2010/main" w="9525">
                   <a:solidFill>
                     <a:srgbClr val="000000"/>
                   </a:solidFill>
@@ -1049,7 +1049,7 @@
             </a:ln>
             <a:extLst>
               <a:ext uri="{91240B29-F687-4f45-9708-019B960494DF}">
-                <a14:hiddenLine xmlns:a14="http://schemas.microsoft.com/office/drawing/2010/main" xmlns="" w="9525">
+                <a14:hiddenLine xmlns="" xmlns:a14="http://schemas.microsoft.com/office/drawing/2010/main" w="9525">
                   <a:solidFill>
                     <a:srgbClr val="000000"/>
                   </a:solidFill>
@@ -1139,7 +1139,7 @@
             </a:ln>
             <a:extLst>
               <a:ext uri="{91240B29-F687-4f45-9708-019B960494DF}">
-                <a14:hiddenLine xmlns:a14="http://schemas.microsoft.com/office/drawing/2010/main" xmlns="" w="9525">
+                <a14:hiddenLine xmlns="" xmlns:a14="http://schemas.microsoft.com/office/drawing/2010/main" w="9525">
                   <a:solidFill>
                     <a:srgbClr val="000000"/>
                   </a:solidFill>
@@ -1229,7 +1229,7 @@
             </a:ln>
             <a:extLst>
               <a:ext uri="{91240B29-F687-4f45-9708-019B960494DF}">
-                <a14:hiddenLine xmlns:a14="http://schemas.microsoft.com/office/drawing/2010/main" xmlns="" w="9525">
+                <a14:hiddenLine xmlns="" xmlns:a14="http://schemas.microsoft.com/office/drawing/2010/main" w="9525">
                   <a:solidFill>
                     <a:srgbClr val="000000"/>
                   </a:solidFill>
@@ -1291,7 +1291,7 @@
             </a:ln>
             <a:extLst>
               <a:ext uri="{91240B29-F687-4f45-9708-019B960494DF}">
-                <a14:hiddenLine xmlns:a14="http://schemas.microsoft.com/office/drawing/2010/main" xmlns="" w="9525">
+                <a14:hiddenLine xmlns="" xmlns:a14="http://schemas.microsoft.com/office/drawing/2010/main" w="9525">
                   <a:solidFill>
                     <a:srgbClr val="000000"/>
                   </a:solidFill>
@@ -1401,7 +1401,7 @@
             </a:ln>
             <a:extLst>
               <a:ext uri="{91240B29-F687-4f45-9708-019B960494DF}">
-                <a14:hiddenLine xmlns:a14="http://schemas.microsoft.com/office/drawing/2010/main" xmlns="" w="9525">
+                <a14:hiddenLine xmlns="" xmlns:a14="http://schemas.microsoft.com/office/drawing/2010/main" w="9525">
                   <a:solidFill>
                     <a:srgbClr val="000000"/>
                   </a:solidFill>
@@ -1463,7 +1463,7 @@
             </a:ln>
             <a:extLst>
               <a:ext uri="{91240B29-F687-4f45-9708-019B960494DF}">
-                <a14:hiddenLine xmlns:a14="http://schemas.microsoft.com/office/drawing/2010/main" xmlns="" w="9525">
+                <a14:hiddenLine xmlns="" xmlns:a14="http://schemas.microsoft.com/office/drawing/2010/main" w="9525">
                   <a:solidFill>
                     <a:srgbClr val="000000"/>
                   </a:solidFill>
@@ -1553,7 +1553,7 @@
             </a:ln>
             <a:extLst>
               <a:ext uri="{91240B29-F687-4f45-9708-019B960494DF}">
-                <a14:hiddenLine xmlns:a14="http://schemas.microsoft.com/office/drawing/2010/main" xmlns="" w="9525">
+                <a14:hiddenLine xmlns="" xmlns:a14="http://schemas.microsoft.com/office/drawing/2010/main" w="9525">
                   <a:solidFill>
                     <a:srgbClr val="000000"/>
                   </a:solidFill>
@@ -1643,7 +1643,7 @@
             </a:ln>
             <a:extLst>
               <a:ext uri="{91240B29-F687-4f45-9708-019B960494DF}">
-                <a14:hiddenLine xmlns:a14="http://schemas.microsoft.com/office/drawing/2010/main" xmlns="" w="9525">
+                <a14:hiddenLine xmlns="" xmlns:a14="http://schemas.microsoft.com/office/drawing/2010/main" w="9525">
                   <a:solidFill>
                     <a:srgbClr val="000000"/>
                   </a:solidFill>
@@ -1705,7 +1705,7 @@
             </a:ln>
             <a:extLst>
               <a:ext uri="{91240B29-F687-4f45-9708-019B960494DF}">
-                <a14:hiddenLine xmlns:a14="http://schemas.microsoft.com/office/drawing/2010/main" xmlns="" w="9525">
+                <a14:hiddenLine xmlns="" xmlns:a14="http://schemas.microsoft.com/office/drawing/2010/main" w="9525">
                   <a:solidFill>
                     <a:srgbClr val="000000"/>
                   </a:solidFill>
@@ -1795,7 +1795,7 @@
             </a:ln>
             <a:extLst>
               <a:ext uri="{91240B29-F687-4f45-9708-019B960494DF}">
-                <a14:hiddenLine xmlns:a14="http://schemas.microsoft.com/office/drawing/2010/main" xmlns="" w="9525">
+                <a14:hiddenLine xmlns="" xmlns:a14="http://schemas.microsoft.com/office/drawing/2010/main" w="9525">
                   <a:solidFill>
                     <a:srgbClr val="000000"/>
                   </a:solidFill>
@@ -1885,7 +1885,7 @@
             </a:ln>
             <a:extLst>
               <a:ext uri="{91240B29-F687-4f45-9708-019B960494DF}">
-                <a14:hiddenLine xmlns:a14="http://schemas.microsoft.com/office/drawing/2010/main" xmlns="" w="9525">
+                <a14:hiddenLine xmlns="" xmlns:a14="http://schemas.microsoft.com/office/drawing/2010/main" w="9525">
                   <a:solidFill>
                     <a:srgbClr val="000000"/>
                   </a:solidFill>
@@ -1941,7 +1941,7 @@
             </a:ln>
             <a:extLst>
               <a:ext uri="{91240B29-F687-4f45-9708-019B960494DF}">
-                <a14:hiddenLine xmlns:a14="http://schemas.microsoft.com/office/drawing/2010/main" xmlns="" w="9525">
+                <a14:hiddenLine xmlns="" xmlns:a14="http://schemas.microsoft.com/office/drawing/2010/main" w="9525">
                   <a:solidFill>
                     <a:srgbClr val="000000"/>
                   </a:solidFill>
@@ -2031,7 +2031,7 @@
             </a:ln>
             <a:extLst>
               <a:ext uri="{91240B29-F687-4f45-9708-019B960494DF}">
-                <a14:hiddenLine xmlns:a14="http://schemas.microsoft.com/office/drawing/2010/main" xmlns="" w="9525">
+                <a14:hiddenLine xmlns="" xmlns:a14="http://schemas.microsoft.com/office/drawing/2010/main" w="9525">
                   <a:solidFill>
                     <a:srgbClr val="000000"/>
                   </a:solidFill>
@@ -2087,7 +2087,7 @@
             </a:ln>
             <a:extLst>
               <a:ext uri="{91240B29-F687-4f45-9708-019B960494DF}">
-                <a14:hiddenLine xmlns:a14="http://schemas.microsoft.com/office/drawing/2010/main" xmlns="" w="9525">
+                <a14:hiddenLine xmlns="" xmlns:a14="http://schemas.microsoft.com/office/drawing/2010/main" w="9525">
                   <a:solidFill>
                     <a:srgbClr val="000000"/>
                   </a:solidFill>
@@ -2177,7 +2177,7 @@
             </a:ln>
             <a:extLst>
               <a:ext uri="{91240B29-F687-4f45-9708-019B960494DF}">
-                <a14:hiddenLine xmlns:a14="http://schemas.microsoft.com/office/drawing/2010/main" xmlns="" w="9525">
+                <a14:hiddenLine xmlns="" xmlns:a14="http://schemas.microsoft.com/office/drawing/2010/main" w="9525">
                   <a:solidFill>
                     <a:srgbClr val="000000"/>
                   </a:solidFill>
@@ -2245,7 +2245,7 @@
             </a:ln>
             <a:extLst>
               <a:ext uri="{91240B29-F687-4f45-9708-019B960494DF}">
-                <a14:hiddenLine xmlns:a14="http://schemas.microsoft.com/office/drawing/2010/main" xmlns="" w="9525">
+                <a14:hiddenLine xmlns="" xmlns:a14="http://schemas.microsoft.com/office/drawing/2010/main" w="9525">
                   <a:solidFill>
                     <a:srgbClr val="000000"/>
                   </a:solidFill>
@@ -2335,7 +2335,7 @@
             </a:ln>
             <a:extLst>
               <a:ext uri="{91240B29-F687-4f45-9708-019B960494DF}">
-                <a14:hiddenLine xmlns:a14="http://schemas.microsoft.com/office/drawing/2010/main" xmlns="" w="9525">
+                <a14:hiddenLine xmlns="" xmlns:a14="http://schemas.microsoft.com/office/drawing/2010/main" w="9525">
                   <a:solidFill>
                     <a:srgbClr val="000000"/>
                   </a:solidFill>
@@ -2403,7 +2403,7 @@
             </a:ln>
             <a:extLst>
               <a:ext uri="{91240B29-F687-4f45-9708-019B960494DF}">
-                <a14:hiddenLine xmlns:a14="http://schemas.microsoft.com/office/drawing/2010/main" xmlns="" w="9525">
+                <a14:hiddenLine xmlns="" xmlns:a14="http://schemas.microsoft.com/office/drawing/2010/main" w="9525">
                   <a:solidFill>
                     <a:srgbClr val="000000"/>
                   </a:solidFill>
@@ -2493,7 +2493,7 @@
             </a:ln>
             <a:extLst>
               <a:ext uri="{91240B29-F687-4f45-9708-019B960494DF}">
-                <a14:hiddenLine xmlns:a14="http://schemas.microsoft.com/office/drawing/2010/main" xmlns="" w="9525">
+                <a14:hiddenLine xmlns="" xmlns:a14="http://schemas.microsoft.com/office/drawing/2010/main" w="9525">
                   <a:solidFill>
                     <a:srgbClr val="000000"/>
                   </a:solidFill>
@@ -2527,7 +2527,7 @@
             </a:ln>
             <a:extLst>
               <a:ext uri="{91240B29-F687-4f45-9708-019B960494DF}">
-                <a14:hiddenLine xmlns:a14="http://schemas.microsoft.com/office/drawing/2010/main" xmlns="" w="9525">
+                <a14:hiddenLine xmlns="" xmlns:a14="http://schemas.microsoft.com/office/drawing/2010/main" w="9525">
                   <a:solidFill>
                     <a:srgbClr val="000000"/>
                   </a:solidFill>
@@ -2617,7 +2617,7 @@
             </a:ln>
             <a:extLst>
               <a:ext uri="{91240B29-F687-4f45-9708-019B960494DF}">
-                <a14:hiddenLine xmlns:a14="http://schemas.microsoft.com/office/drawing/2010/main" xmlns="" w="9525">
+                <a14:hiddenLine xmlns="" xmlns:a14="http://schemas.microsoft.com/office/drawing/2010/main" w="9525">
                   <a:solidFill>
                     <a:srgbClr val="000000"/>
                   </a:solidFill>
@@ -2679,7 +2679,7 @@
             </a:ln>
             <a:extLst>
               <a:ext uri="{91240B29-F687-4f45-9708-019B960494DF}">
-                <a14:hiddenLine xmlns:a14="http://schemas.microsoft.com/office/drawing/2010/main" xmlns="" w="9525">
+                <a14:hiddenLine xmlns="" xmlns:a14="http://schemas.microsoft.com/office/drawing/2010/main" w="9525">
                   <a:solidFill>
                     <a:srgbClr val="000000"/>
                   </a:solidFill>
@@ -2741,7 +2741,7 @@
             </a:ln>
             <a:extLst>
               <a:ext uri="{91240B29-F687-4f45-9708-019B960494DF}">
-                <a14:hiddenLine xmlns:a14="http://schemas.microsoft.com/office/drawing/2010/main" xmlns="" w="9525">
+                <a14:hiddenLine xmlns="" xmlns:a14="http://schemas.microsoft.com/office/drawing/2010/main" w="9525">
                   <a:solidFill>
                     <a:srgbClr val="000000"/>
                   </a:solidFill>
@@ -2831,7 +2831,7 @@
             </a:ln>
             <a:extLst>
               <a:ext uri="{91240B29-F687-4f45-9708-019B960494DF}">
-                <a14:hiddenLine xmlns:a14="http://schemas.microsoft.com/office/drawing/2010/main" xmlns="" w="9525">
+                <a14:hiddenLine xmlns="" xmlns:a14="http://schemas.microsoft.com/office/drawing/2010/main" w="9525">
                   <a:solidFill>
                     <a:srgbClr val="000000"/>
                   </a:solidFill>
@@ -2899,7 +2899,7 @@
             </a:ln>
             <a:extLst>
               <a:ext uri="{91240B29-F687-4f45-9708-019B960494DF}">
-                <a14:hiddenLine xmlns:a14="http://schemas.microsoft.com/office/drawing/2010/main" xmlns="" w="9525">
+                <a14:hiddenLine xmlns="" xmlns:a14="http://schemas.microsoft.com/office/drawing/2010/main" w="9525">
                   <a:solidFill>
                     <a:srgbClr val="000000"/>
                   </a:solidFill>
@@ -2961,7 +2961,7 @@
             </a:ln>
             <a:extLst>
               <a:ext uri="{91240B29-F687-4f45-9708-019B960494DF}">
-                <a14:hiddenLine xmlns:a14="http://schemas.microsoft.com/office/drawing/2010/main" xmlns="" w="9525">
+                <a14:hiddenLine xmlns="" xmlns:a14="http://schemas.microsoft.com/office/drawing/2010/main" w="9525">
                   <a:solidFill>
                     <a:srgbClr val="000000"/>
                   </a:solidFill>
@@ -3051,7 +3051,7 @@
             </a:ln>
             <a:extLst>
               <a:ext uri="{91240B29-F687-4f45-9708-019B960494DF}">
-                <a14:hiddenLine xmlns:a14="http://schemas.microsoft.com/office/drawing/2010/main" xmlns="" w="9525">
+                <a14:hiddenLine xmlns="" xmlns:a14="http://schemas.microsoft.com/office/drawing/2010/main" w="9525">
                   <a:solidFill>
                     <a:srgbClr val="000000"/>
                   </a:solidFill>
@@ -3113,7 +3113,7 @@
             </a:ln>
             <a:extLst>
               <a:ext uri="{91240B29-F687-4f45-9708-019B960494DF}">
-                <a14:hiddenLine xmlns:a14="http://schemas.microsoft.com/office/drawing/2010/main" xmlns="" w="9525">
+                <a14:hiddenLine xmlns="" xmlns:a14="http://schemas.microsoft.com/office/drawing/2010/main" w="9525">
                   <a:solidFill>
                     <a:srgbClr val="000000"/>
                   </a:solidFill>
@@ -3203,7 +3203,7 @@
             </a:ln>
             <a:extLst>
               <a:ext uri="{91240B29-F687-4f45-9708-019B960494DF}">
-                <a14:hiddenLine xmlns:a14="http://schemas.microsoft.com/office/drawing/2010/main" xmlns="" w="9525">
+                <a14:hiddenLine xmlns="" xmlns:a14="http://schemas.microsoft.com/office/drawing/2010/main" w="9525">
                   <a:solidFill>
                     <a:srgbClr val="000000"/>
                   </a:solidFill>
@@ -3265,7 +3265,7 @@
             </a:ln>
             <a:extLst>
               <a:ext uri="{91240B29-F687-4f45-9708-019B960494DF}">
-                <a14:hiddenLine xmlns:a14="http://schemas.microsoft.com/office/drawing/2010/main" xmlns="" w="9525">
+                <a14:hiddenLine xmlns="" xmlns:a14="http://schemas.microsoft.com/office/drawing/2010/main" w="9525">
                   <a:solidFill>
                     <a:srgbClr val="000000"/>
                   </a:solidFill>
@@ -3355,7 +3355,7 @@
             </a:ln>
             <a:extLst>
               <a:ext uri="{91240B29-F687-4f45-9708-019B960494DF}">
-                <a14:hiddenLine xmlns:a14="http://schemas.microsoft.com/office/drawing/2010/main" xmlns="" w="9525">
+                <a14:hiddenLine xmlns="" xmlns:a14="http://schemas.microsoft.com/office/drawing/2010/main" w="9525">
                   <a:solidFill>
                     <a:srgbClr val="000000"/>
                   </a:solidFill>
@@ -3389,7 +3389,7 @@
             </a:ln>
             <a:extLst>
               <a:ext uri="{91240B29-F687-4f45-9708-019B960494DF}">
-                <a14:hiddenLine xmlns:a14="http://schemas.microsoft.com/office/drawing/2010/main" xmlns="" w="9525">
+                <a14:hiddenLine xmlns="" xmlns:a14="http://schemas.microsoft.com/office/drawing/2010/main" w="9525">
                   <a:solidFill>
                     <a:srgbClr val="000000"/>
                   </a:solidFill>
@@ -3454,7 +3454,7 @@
             </a:ln>
             <a:extLst>
               <a:ext uri="{91240B29-F687-4f45-9708-019B960494DF}">
-                <a14:hiddenLine xmlns:a14="http://schemas.microsoft.com/office/drawing/2010/main" xmlns="" w="9525">
+                <a14:hiddenLine xmlns="" xmlns:a14="http://schemas.microsoft.com/office/drawing/2010/main" w="9525">
                   <a:solidFill>
                     <a:srgbClr val="000000"/>
                   </a:solidFill>
@@ -3544,7 +3544,7 @@
             </a:ln>
             <a:extLst>
               <a:ext uri="{91240B29-F687-4f45-9708-019B960494DF}">
-                <a14:hiddenLine xmlns:a14="http://schemas.microsoft.com/office/drawing/2010/main" xmlns="" w="9525">
+                <a14:hiddenLine xmlns="" xmlns:a14="http://schemas.microsoft.com/office/drawing/2010/main" w="9525">
                   <a:solidFill>
                     <a:srgbClr val="000000"/>
                   </a:solidFill>
@@ -3606,7 +3606,7 @@
             </a:ln>
             <a:extLst>
               <a:ext uri="{91240B29-F687-4f45-9708-019B960494DF}">
-                <a14:hiddenLine xmlns:a14="http://schemas.microsoft.com/office/drawing/2010/main" xmlns="" w="9525">
+                <a14:hiddenLine xmlns="" xmlns:a14="http://schemas.microsoft.com/office/drawing/2010/main" w="9525">
                   <a:solidFill>
                     <a:srgbClr val="000000"/>
                   </a:solidFill>
@@ -3696,7 +3696,7 @@
             </a:ln>
             <a:extLst>
               <a:ext uri="{91240B29-F687-4f45-9708-019B960494DF}">
-                <a14:hiddenLine xmlns:a14="http://schemas.microsoft.com/office/drawing/2010/main" xmlns="" w="9525">
+                <a14:hiddenLine xmlns="" xmlns:a14="http://schemas.microsoft.com/office/drawing/2010/main" w="9525">
                   <a:solidFill>
                     <a:srgbClr val="000000"/>
                   </a:solidFill>
@@ -3786,7 +3786,7 @@
             </a:ln>
             <a:extLst>
               <a:ext uri="{91240B29-F687-4f45-9708-019B960494DF}">
-                <a14:hiddenLine xmlns:a14="http://schemas.microsoft.com/office/drawing/2010/main" xmlns="" w="9525">
+                <a14:hiddenLine xmlns="" xmlns:a14="http://schemas.microsoft.com/office/drawing/2010/main" w="9525">
                   <a:solidFill>
                     <a:srgbClr val="000000"/>
                   </a:solidFill>
@@ -3851,7 +3851,7 @@
             </a:ln>
             <a:extLst>
               <a:ext uri="{91240B29-F687-4f45-9708-019B960494DF}">
-                <a14:hiddenLine xmlns:a14="http://schemas.microsoft.com/office/drawing/2010/main" xmlns="" w="9525">
+                <a14:hiddenLine xmlns="" xmlns:a14="http://schemas.microsoft.com/office/drawing/2010/main" w="9525">
                   <a:solidFill>
                     <a:srgbClr val="000000"/>
                   </a:solidFill>
@@ -3913,7 +3913,7 @@
             </a:ln>
             <a:extLst>
               <a:ext uri="{91240B29-F687-4f45-9708-019B960494DF}">
-                <a14:hiddenLine xmlns:a14="http://schemas.microsoft.com/office/drawing/2010/main" xmlns="" w="9525">
+                <a14:hiddenLine xmlns="" xmlns:a14="http://schemas.microsoft.com/office/drawing/2010/main" w="9525">
                   <a:solidFill>
                     <a:srgbClr val="000000"/>
                   </a:solidFill>
@@ -4003,7 +4003,7 @@
             </a:ln>
             <a:extLst>
               <a:ext uri="{91240B29-F687-4f45-9708-019B960494DF}">
-                <a14:hiddenLine xmlns:a14="http://schemas.microsoft.com/office/drawing/2010/main" xmlns="" w="9525">
+                <a14:hiddenLine xmlns="" xmlns:a14="http://schemas.microsoft.com/office/drawing/2010/main" w="9525">
                   <a:solidFill>
                     <a:srgbClr val="000000"/>
                   </a:solidFill>
@@ -4093,7 +4093,7 @@
             </a:ln>
             <a:extLst>
               <a:ext uri="{91240B29-F687-4f45-9708-019B960494DF}">
-                <a14:hiddenLine xmlns:a14="http://schemas.microsoft.com/office/drawing/2010/main" xmlns="" w="9525">
+                <a14:hiddenLine xmlns="" xmlns:a14="http://schemas.microsoft.com/office/drawing/2010/main" w="9525">
                   <a:solidFill>
                     <a:srgbClr val="000000"/>
                   </a:solidFill>
@@ -4155,7 +4155,7 @@
             </a:ln>
             <a:extLst>
               <a:ext uri="{91240B29-F687-4f45-9708-019B960494DF}">
-                <a14:hiddenLine xmlns:a14="http://schemas.microsoft.com/office/drawing/2010/main" xmlns="" w="9525">
+                <a14:hiddenLine xmlns="" xmlns:a14="http://schemas.microsoft.com/office/drawing/2010/main" w="9525">
                   <a:solidFill>
                     <a:srgbClr val="000000"/>
                   </a:solidFill>
@@ -4275,7 +4275,7 @@
             </a:ln>
             <a:extLst>
               <a:ext uri="{91240B29-F687-4f45-9708-019B960494DF}">
-                <a14:hiddenLine xmlns:a14="http://schemas.microsoft.com/office/drawing/2010/main" xmlns="" w="9525">
+                <a14:hiddenLine xmlns="" xmlns:a14="http://schemas.microsoft.com/office/drawing/2010/main" w="9525">
                   <a:solidFill>
                     <a:srgbClr val="000000"/>
                   </a:solidFill>
@@ -4343,7 +4343,7 @@
             </a:ln>
             <a:extLst>
               <a:ext uri="{91240B29-F687-4f45-9708-019B960494DF}">
-                <a14:hiddenLine xmlns:a14="http://schemas.microsoft.com/office/drawing/2010/main" xmlns="" w="9525">
+                <a14:hiddenLine xmlns="" xmlns:a14="http://schemas.microsoft.com/office/drawing/2010/main" w="9525">
                   <a:solidFill>
                     <a:srgbClr val="000000"/>
                   </a:solidFill>
@@ -4433,7 +4433,7 @@
             </a:ln>
             <a:extLst>
               <a:ext uri="{91240B29-F687-4f45-9708-019B960494DF}">
-                <a14:hiddenLine xmlns:a14="http://schemas.microsoft.com/office/drawing/2010/main" xmlns="" w="9525">
+                <a14:hiddenLine xmlns="" xmlns:a14="http://schemas.microsoft.com/office/drawing/2010/main" w="9525">
                   <a:solidFill>
                     <a:srgbClr val="000000"/>
                   </a:solidFill>
@@ -4573,7 +4573,7 @@
           <a:p>
             <a:fld id="{48A87A34-81AB-432B-8DAE-1953F412C126}" type="datetimeFigureOut">
               <a:rPr lang="en-US" dirty="0"/>
-              <a:t>5/29/19</a:t>
+              <a:t>5/31/19</a:t>
             </a:fld>
             <a:endParaRPr lang="en-US" dirty="0"/>
           </a:p>
@@ -4835,7 +4835,7 @@
           <a:p>
             <a:fld id="{48A87A34-81AB-432B-8DAE-1953F412C126}" type="datetimeFigureOut">
               <a:rPr lang="en-US" dirty="0"/>
-              <a:t>5/29/19</a:t>
+              <a:t>5/31/19</a:t>
             </a:fld>
             <a:endParaRPr lang="en-US" dirty="0"/>
           </a:p>
@@ -5026,7 +5026,7 @@
           <a:p>
             <a:fld id="{48A87A34-81AB-432B-8DAE-1953F412C126}" type="datetimeFigureOut">
               <a:rPr lang="en-US" dirty="0"/>
-              <a:t>5/29/19</a:t>
+              <a:t>5/31/19</a:t>
             </a:fld>
             <a:endParaRPr lang="en-US" dirty="0"/>
           </a:p>
@@ -5284,7 +5284,7 @@
           <a:p>
             <a:fld id="{48A87A34-81AB-432B-8DAE-1953F412C126}" type="datetimeFigureOut">
               <a:rPr lang="en-US" dirty="0"/>
-              <a:t>5/29/19</a:t>
+              <a:t>5/31/19</a:t>
             </a:fld>
             <a:endParaRPr lang="en-US" dirty="0"/>
           </a:p>
@@ -5713,7 +5713,7 @@
           <a:p>
             <a:fld id="{48A87A34-81AB-432B-8DAE-1953F412C126}" type="datetimeFigureOut">
               <a:rPr lang="en-US" dirty="0"/>
-              <a:t>5/29/19</a:t>
+              <a:t>5/31/19</a:t>
             </a:fld>
             <a:endParaRPr lang="en-US" dirty="0"/>
           </a:p>
@@ -6254,7 +6254,7 @@
           <a:p>
             <a:fld id="{48A87A34-81AB-432B-8DAE-1953F412C126}" type="datetimeFigureOut">
               <a:rPr lang="en-US" dirty="0"/>
-              <a:t>5/29/19</a:t>
+              <a:t>5/31/19</a:t>
             </a:fld>
             <a:endParaRPr lang="en-US" dirty="0"/>
           </a:p>
@@ -6969,7 +6969,7 @@
           <a:p>
             <a:fld id="{48A87A34-81AB-432B-8DAE-1953F412C126}" type="datetimeFigureOut">
               <a:rPr lang="en-US" dirty="0"/>
-              <a:t>5/29/19</a:t>
+              <a:t>5/31/19</a:t>
             </a:fld>
             <a:endParaRPr lang="en-US" dirty="0"/>
           </a:p>
@@ -7166,7 +7166,7 @@
           <a:p>
             <a:fld id="{48A87A34-81AB-432B-8DAE-1953F412C126}" type="datetimeFigureOut">
               <a:rPr lang="en-US" dirty="0"/>
-              <a:t>5/29/19</a:t>
+              <a:t>5/31/19</a:t>
             </a:fld>
             <a:endParaRPr lang="en-US" dirty="0"/>
           </a:p>
@@ -7373,7 +7373,7 @@
           <a:p>
             <a:fld id="{48A87A34-81AB-432B-8DAE-1953F412C126}" type="datetimeFigureOut">
               <a:rPr lang="en-US" dirty="0"/>
-              <a:t>5/29/19</a:t>
+              <a:t>5/31/19</a:t>
             </a:fld>
             <a:endParaRPr lang="en-US" dirty="0"/>
           </a:p>
@@ -7570,7 +7570,7 @@
           <a:p>
             <a:fld id="{48A87A34-81AB-432B-8DAE-1953F412C126}" type="datetimeFigureOut">
               <a:rPr lang="en-US" dirty="0"/>
-              <a:t>5/29/19</a:t>
+              <a:t>5/31/19</a:t>
             </a:fld>
             <a:endParaRPr lang="en-US" dirty="0"/>
           </a:p>
@@ -7815,7 +7815,7 @@
           <a:p>
             <a:fld id="{48A87A34-81AB-432B-8DAE-1953F412C126}" type="datetimeFigureOut">
               <a:rPr lang="en-US" dirty="0"/>
-              <a:t>5/29/19</a:t>
+              <a:t>5/31/19</a:t>
             </a:fld>
             <a:endParaRPr lang="en-US" dirty="0"/>
           </a:p>
@@ -8106,7 +8106,7 @@
           <a:p>
             <a:fld id="{48A87A34-81AB-432B-8DAE-1953F412C126}" type="datetimeFigureOut">
               <a:rPr lang="en-US" dirty="0"/>
-              <a:t>5/29/19</a:t>
+              <a:t>5/31/19</a:t>
             </a:fld>
             <a:endParaRPr lang="en-US" dirty="0"/>
           </a:p>
@@ -8546,7 +8546,7 @@
           <a:p>
             <a:fld id="{48A87A34-81AB-432B-8DAE-1953F412C126}" type="datetimeFigureOut">
               <a:rPr lang="en-US" dirty="0"/>
-              <a:t>5/29/19</a:t>
+              <a:t>5/31/19</a:t>
             </a:fld>
             <a:endParaRPr lang="en-US" dirty="0"/>
           </a:p>
@@ -8659,7 +8659,7 @@
           <a:p>
             <a:fld id="{48A87A34-81AB-432B-8DAE-1953F412C126}" type="datetimeFigureOut">
               <a:rPr lang="en-US" dirty="0"/>
-              <a:t>5/29/19</a:t>
+              <a:t>5/31/19</a:t>
             </a:fld>
             <a:endParaRPr lang="en-US" dirty="0"/>
           </a:p>
@@ -8749,7 +8749,7 @@
           <a:p>
             <a:fld id="{48A87A34-81AB-432B-8DAE-1953F412C126}" type="datetimeFigureOut">
               <a:rPr lang="en-US" dirty="0"/>
-              <a:t>5/29/19</a:t>
+              <a:t>5/31/19</a:t>
             </a:fld>
             <a:endParaRPr lang="en-US" dirty="0"/>
           </a:p>
@@ -9025,7 +9025,7 @@
           <a:p>
             <a:fld id="{48A87A34-81AB-432B-8DAE-1953F412C126}" type="datetimeFigureOut">
               <a:rPr lang="en-US" dirty="0"/>
-              <a:t>5/29/19</a:t>
+              <a:t>5/31/19</a:t>
             </a:fld>
             <a:endParaRPr lang="en-US" dirty="0"/>
           </a:p>
@@ -9300,7 +9300,7 @@
           <a:p>
             <a:fld id="{48A87A34-81AB-432B-8DAE-1953F412C126}" type="datetimeFigureOut">
               <a:rPr lang="en-US" dirty="0"/>
-              <a:t>5/29/19</a:t>
+              <a:t>5/31/19</a:t>
             </a:fld>
             <a:endParaRPr lang="en-US" dirty="0"/>
           </a:p>
@@ -9411,7 +9411,7 @@
           <a:noFill/>
           <a:extLst>
             <a:ext uri="{909E8E84-426E-40dd-AFC4-6F175D3DCCD1}">
-              <a14:hiddenFill xmlns:a14="http://schemas.microsoft.com/office/drawing/2010/main" xmlns="">
+              <a14:hiddenFill xmlns="" xmlns:a14="http://schemas.microsoft.com/office/drawing/2010/main">
                 <a:solidFill>
                   <a:srgbClr val="FFFFFF"/>
                 </a:solidFill>
@@ -9485,7 +9485,7 @@
               </a:ln>
               <a:extLst>
                 <a:ext uri="{91240B29-F687-4f45-9708-019B960494DF}">
-                  <a14:hiddenLine xmlns:a14="http://schemas.microsoft.com/office/drawing/2010/main" xmlns="" w="9525">
+                  <a14:hiddenLine xmlns="" xmlns:a14="http://schemas.microsoft.com/office/drawing/2010/main" w="9525">
                     <a:solidFill>
                       <a:srgbClr val="000000"/>
                     </a:solidFill>
@@ -9575,7 +9575,7 @@
               </a:ln>
               <a:extLst>
                 <a:ext uri="{91240B29-F687-4f45-9708-019B960494DF}">
-                  <a14:hiddenLine xmlns:a14="http://schemas.microsoft.com/office/drawing/2010/main" xmlns="" w="9525">
+                  <a14:hiddenLine xmlns="" xmlns:a14="http://schemas.microsoft.com/office/drawing/2010/main" w="9525">
                     <a:solidFill>
                       <a:srgbClr val="000000"/>
                     </a:solidFill>
@@ -9665,7 +9665,7 @@
               </a:ln>
               <a:extLst>
                 <a:ext uri="{91240B29-F687-4f45-9708-019B960494DF}">
-                  <a14:hiddenLine xmlns:a14="http://schemas.microsoft.com/office/drawing/2010/main" xmlns="" w="9525">
+                  <a14:hiddenLine xmlns="" xmlns:a14="http://schemas.microsoft.com/office/drawing/2010/main" w="9525">
                     <a:solidFill>
                       <a:srgbClr val="000000"/>
                     </a:solidFill>
@@ -9727,7 +9727,7 @@
               </a:ln>
               <a:extLst>
                 <a:ext uri="{91240B29-F687-4f45-9708-019B960494DF}">
-                  <a14:hiddenLine xmlns:a14="http://schemas.microsoft.com/office/drawing/2010/main" xmlns="" w="9525">
+                  <a14:hiddenLine xmlns="" xmlns:a14="http://schemas.microsoft.com/office/drawing/2010/main" w="9525">
                     <a:solidFill>
                       <a:srgbClr val="000000"/>
                     </a:solidFill>
@@ -9817,7 +9817,7 @@
               </a:ln>
               <a:extLst>
                 <a:ext uri="{91240B29-F687-4f45-9708-019B960494DF}">
-                  <a14:hiddenLine xmlns:a14="http://schemas.microsoft.com/office/drawing/2010/main" xmlns="" w="9525">
+                  <a14:hiddenLine xmlns="" xmlns:a14="http://schemas.microsoft.com/office/drawing/2010/main" w="9525">
                     <a:solidFill>
                       <a:srgbClr val="000000"/>
                     </a:solidFill>
@@ -9879,7 +9879,7 @@
               </a:ln>
               <a:extLst>
                 <a:ext uri="{91240B29-F687-4f45-9708-019B960494DF}">
-                  <a14:hiddenLine xmlns:a14="http://schemas.microsoft.com/office/drawing/2010/main" xmlns="" w="9525">
+                  <a14:hiddenLine xmlns="" xmlns:a14="http://schemas.microsoft.com/office/drawing/2010/main" w="9525">
                     <a:solidFill>
                       <a:srgbClr val="000000"/>
                     </a:solidFill>
@@ -9941,7 +9941,7 @@
               </a:ln>
               <a:extLst>
                 <a:ext uri="{91240B29-F687-4f45-9708-019B960494DF}">
-                  <a14:hiddenLine xmlns:a14="http://schemas.microsoft.com/office/drawing/2010/main" xmlns="" w="9525">
+                  <a14:hiddenLine xmlns="" xmlns:a14="http://schemas.microsoft.com/office/drawing/2010/main" w="9525">
                     <a:solidFill>
                       <a:srgbClr val="000000"/>
                     </a:solidFill>
@@ -10031,7 +10031,7 @@
               </a:ln>
               <a:extLst>
                 <a:ext uri="{91240B29-F687-4f45-9708-019B960494DF}">
-                  <a14:hiddenLine xmlns:a14="http://schemas.microsoft.com/office/drawing/2010/main" xmlns="" w="9525">
+                  <a14:hiddenLine xmlns="" xmlns:a14="http://schemas.microsoft.com/office/drawing/2010/main" w="9525">
                     <a:solidFill>
                       <a:srgbClr val="000000"/>
                     </a:solidFill>
@@ -10121,7 +10121,7 @@
               </a:ln>
               <a:extLst>
                 <a:ext uri="{91240B29-F687-4f45-9708-019B960494DF}">
-                  <a14:hiddenLine xmlns:a14="http://schemas.microsoft.com/office/drawing/2010/main" xmlns="" w="9525">
+                  <a14:hiddenLine xmlns="" xmlns:a14="http://schemas.microsoft.com/office/drawing/2010/main" w="9525">
                     <a:solidFill>
                       <a:srgbClr val="000000"/>
                     </a:solidFill>
@@ -10183,7 +10183,7 @@
               </a:ln>
               <a:extLst>
                 <a:ext uri="{91240B29-F687-4f45-9708-019B960494DF}">
-                  <a14:hiddenLine xmlns:a14="http://schemas.microsoft.com/office/drawing/2010/main" xmlns="" w="9525">
+                  <a14:hiddenLine xmlns="" xmlns:a14="http://schemas.microsoft.com/office/drawing/2010/main" w="9525">
                     <a:solidFill>
                       <a:srgbClr val="000000"/>
                     </a:solidFill>
@@ -10293,7 +10293,7 @@
               </a:ln>
               <a:extLst>
                 <a:ext uri="{91240B29-F687-4f45-9708-019B960494DF}">
-                  <a14:hiddenLine xmlns:a14="http://schemas.microsoft.com/office/drawing/2010/main" xmlns="" w="9525">
+                  <a14:hiddenLine xmlns="" xmlns:a14="http://schemas.microsoft.com/office/drawing/2010/main" w="9525">
                     <a:solidFill>
                       <a:srgbClr val="000000"/>
                     </a:solidFill>
@@ -10377,7 +10377,7 @@
               </a:ln>
               <a:extLst>
                 <a:ext uri="{91240B29-F687-4f45-9708-019B960494DF}">
-                  <a14:hiddenLine xmlns:a14="http://schemas.microsoft.com/office/drawing/2010/main" xmlns="" w="9525">
+                  <a14:hiddenLine xmlns="" xmlns:a14="http://schemas.microsoft.com/office/drawing/2010/main" w="9525">
                     <a:solidFill>
                       <a:srgbClr val="000000"/>
                     </a:solidFill>
@@ -10439,7 +10439,7 @@
               </a:ln>
               <a:extLst>
                 <a:ext uri="{91240B29-F687-4f45-9708-019B960494DF}">
-                  <a14:hiddenLine xmlns:a14="http://schemas.microsoft.com/office/drawing/2010/main" xmlns="" w="9525">
+                  <a14:hiddenLine xmlns="" xmlns:a14="http://schemas.microsoft.com/office/drawing/2010/main" w="9525">
                     <a:solidFill>
                       <a:srgbClr val="000000"/>
                     </a:solidFill>
@@ -10501,7 +10501,7 @@
               </a:ln>
               <a:extLst>
                 <a:ext uri="{91240B29-F687-4f45-9708-019B960494DF}">
-                  <a14:hiddenLine xmlns:a14="http://schemas.microsoft.com/office/drawing/2010/main" xmlns="" w="9525">
+                  <a14:hiddenLine xmlns="" xmlns:a14="http://schemas.microsoft.com/office/drawing/2010/main" w="9525">
                     <a:solidFill>
                       <a:srgbClr val="000000"/>
                     </a:solidFill>
@@ -10591,7 +10591,7 @@
               </a:ln>
               <a:extLst>
                 <a:ext uri="{91240B29-F687-4f45-9708-019B960494DF}">
-                  <a14:hiddenLine xmlns:a14="http://schemas.microsoft.com/office/drawing/2010/main" xmlns="" w="9525">
+                  <a14:hiddenLine xmlns="" xmlns:a14="http://schemas.microsoft.com/office/drawing/2010/main" w="9525">
                     <a:solidFill>
                       <a:srgbClr val="000000"/>
                     </a:solidFill>
@@ -10625,7 +10625,7 @@
               </a:ln>
               <a:extLst>
                 <a:ext uri="{91240B29-F687-4f45-9708-019B960494DF}">
-                  <a14:hiddenLine xmlns:a14="http://schemas.microsoft.com/office/drawing/2010/main" xmlns="" w="9525">
+                  <a14:hiddenLine xmlns="" xmlns:a14="http://schemas.microsoft.com/office/drawing/2010/main" w="9525">
                     <a:solidFill>
                       <a:srgbClr val="000000"/>
                     </a:solidFill>
@@ -10690,7 +10690,7 @@
               </a:ln>
               <a:extLst>
                 <a:ext uri="{91240B29-F687-4f45-9708-019B960494DF}">
-                  <a14:hiddenLine xmlns:a14="http://schemas.microsoft.com/office/drawing/2010/main" xmlns="" w="9525">
+                  <a14:hiddenLine xmlns="" xmlns:a14="http://schemas.microsoft.com/office/drawing/2010/main" w="9525">
                     <a:solidFill>
                       <a:srgbClr val="000000"/>
                     </a:solidFill>
@@ -10780,7 +10780,7 @@
               </a:ln>
               <a:extLst>
                 <a:ext uri="{91240B29-F687-4f45-9708-019B960494DF}">
-                  <a14:hiddenLine xmlns:a14="http://schemas.microsoft.com/office/drawing/2010/main" xmlns="" w="9525">
+                  <a14:hiddenLine xmlns="" xmlns:a14="http://schemas.microsoft.com/office/drawing/2010/main" w="9525">
                     <a:solidFill>
                       <a:srgbClr val="000000"/>
                     </a:solidFill>
@@ -10842,7 +10842,7 @@
               </a:ln>
               <a:extLst>
                 <a:ext uri="{91240B29-F687-4f45-9708-019B960494DF}">
-                  <a14:hiddenLine xmlns:a14="http://schemas.microsoft.com/office/drawing/2010/main" xmlns="" w="9525">
+                  <a14:hiddenLine xmlns="" xmlns:a14="http://schemas.microsoft.com/office/drawing/2010/main" w="9525">
                     <a:solidFill>
                       <a:srgbClr val="000000"/>
                     </a:solidFill>
@@ -10932,7 +10932,7 @@
               </a:ln>
               <a:extLst>
                 <a:ext uri="{91240B29-F687-4f45-9708-019B960494DF}">
-                  <a14:hiddenLine xmlns:a14="http://schemas.microsoft.com/office/drawing/2010/main" xmlns="" w="9525">
+                  <a14:hiddenLine xmlns="" xmlns:a14="http://schemas.microsoft.com/office/drawing/2010/main" w="9525">
                     <a:solidFill>
                       <a:srgbClr val="000000"/>
                     </a:solidFill>
@@ -10997,7 +10997,7 @@
               </a:ln>
               <a:extLst>
                 <a:ext uri="{91240B29-F687-4f45-9708-019B960494DF}">
-                  <a14:hiddenLine xmlns:a14="http://schemas.microsoft.com/office/drawing/2010/main" xmlns="" w="9525">
+                  <a14:hiddenLine xmlns="" xmlns:a14="http://schemas.microsoft.com/office/drawing/2010/main" w="9525">
                     <a:solidFill>
                       <a:srgbClr val="000000"/>
                     </a:solidFill>
@@ -11059,7 +11059,7 @@
               </a:ln>
               <a:extLst>
                 <a:ext uri="{91240B29-F687-4f45-9708-019B960494DF}">
-                  <a14:hiddenLine xmlns:a14="http://schemas.microsoft.com/office/drawing/2010/main" xmlns="" w="9525">
+                  <a14:hiddenLine xmlns="" xmlns:a14="http://schemas.microsoft.com/office/drawing/2010/main" w="9525">
                     <a:solidFill>
                       <a:srgbClr val="000000"/>
                     </a:solidFill>
@@ -11149,7 +11149,7 @@
               </a:ln>
               <a:extLst>
                 <a:ext uri="{91240B29-F687-4f45-9708-019B960494DF}">
-                  <a14:hiddenLine xmlns:a14="http://schemas.microsoft.com/office/drawing/2010/main" xmlns="" w="9525">
+                  <a14:hiddenLine xmlns="" xmlns:a14="http://schemas.microsoft.com/office/drawing/2010/main" w="9525">
                     <a:solidFill>
                       <a:srgbClr val="000000"/>
                     </a:solidFill>
@@ -11239,7 +11239,7 @@
               </a:ln>
               <a:extLst>
                 <a:ext uri="{91240B29-F687-4f45-9708-019B960494DF}">
-                  <a14:hiddenLine xmlns:a14="http://schemas.microsoft.com/office/drawing/2010/main" xmlns="" w="9525">
+                  <a14:hiddenLine xmlns="" xmlns:a14="http://schemas.microsoft.com/office/drawing/2010/main" w="9525">
                     <a:solidFill>
                       <a:srgbClr val="000000"/>
                     </a:solidFill>
@@ -11304,7 +11304,7 @@
               </a:ln>
               <a:extLst>
                 <a:ext uri="{91240B29-F687-4f45-9708-019B960494DF}">
-                  <a14:hiddenLine xmlns:a14="http://schemas.microsoft.com/office/drawing/2010/main" xmlns="" w="9525">
+                  <a14:hiddenLine xmlns="" xmlns:a14="http://schemas.microsoft.com/office/drawing/2010/main" w="9525">
                     <a:solidFill>
                       <a:srgbClr val="000000"/>
                     </a:solidFill>
@@ -11424,7 +11424,7 @@
               </a:ln>
               <a:extLst>
                 <a:ext uri="{91240B29-F687-4f45-9708-019B960494DF}">
-                  <a14:hiddenLine xmlns:a14="http://schemas.microsoft.com/office/drawing/2010/main" xmlns="" w="9525">
+                  <a14:hiddenLine xmlns="" xmlns:a14="http://schemas.microsoft.com/office/drawing/2010/main" w="9525">
                     <a:solidFill>
                       <a:srgbClr val="000000"/>
                     </a:solidFill>
@@ -11522,7 +11522,7 @@
               </a:ln>
               <a:extLst>
                 <a:ext uri="{91240B29-F687-4f45-9708-019B960494DF}">
-                  <a14:hiddenLine xmlns:a14="http://schemas.microsoft.com/office/drawing/2010/main" xmlns="" w="9525">
+                  <a14:hiddenLine xmlns="" xmlns:a14="http://schemas.microsoft.com/office/drawing/2010/main" w="9525">
                     <a:solidFill>
                       <a:srgbClr val="000000"/>
                     </a:solidFill>
@@ -11637,7 +11637,7 @@
               </a:ln>
               <a:extLst>
                 <a:ext uri="{91240B29-F687-4f45-9708-019B960494DF}">
-                  <a14:hiddenLine xmlns:a14="http://schemas.microsoft.com/office/drawing/2010/main" xmlns="" w="9525">
+                  <a14:hiddenLine xmlns="" xmlns:a14="http://schemas.microsoft.com/office/drawing/2010/main" w="9525">
                     <a:solidFill>
                       <a:srgbClr val="000000"/>
                     </a:solidFill>
@@ -11727,7 +11727,7 @@
               </a:ln>
               <a:extLst>
                 <a:ext uri="{91240B29-F687-4f45-9708-019B960494DF}">
-                  <a14:hiddenLine xmlns:a14="http://schemas.microsoft.com/office/drawing/2010/main" xmlns="" w="9525">
+                  <a14:hiddenLine xmlns="" xmlns:a14="http://schemas.microsoft.com/office/drawing/2010/main" w="9525">
                     <a:solidFill>
                       <a:srgbClr val="000000"/>
                     </a:solidFill>
@@ -11792,7 +11792,7 @@
               </a:ln>
               <a:extLst>
                 <a:ext uri="{91240B29-F687-4f45-9708-019B960494DF}">
-                  <a14:hiddenLine xmlns:a14="http://schemas.microsoft.com/office/drawing/2010/main" xmlns="" w="9525">
+                  <a14:hiddenLine xmlns="" xmlns:a14="http://schemas.microsoft.com/office/drawing/2010/main" w="9525">
                     <a:solidFill>
                       <a:srgbClr val="000000"/>
                     </a:solidFill>
@@ -11882,7 +11882,7 @@
               </a:ln>
               <a:extLst>
                 <a:ext uri="{91240B29-F687-4f45-9708-019B960494DF}">
-                  <a14:hiddenLine xmlns:a14="http://schemas.microsoft.com/office/drawing/2010/main" xmlns="" w="9525">
+                  <a14:hiddenLine xmlns="" xmlns:a14="http://schemas.microsoft.com/office/drawing/2010/main" w="9525">
                     <a:solidFill>
                       <a:srgbClr val="000000"/>
                     </a:solidFill>
@@ -11950,7 +11950,7 @@
               </a:ln>
               <a:extLst>
                 <a:ext uri="{91240B29-F687-4f45-9708-019B960494DF}">
-                  <a14:hiddenLine xmlns:a14="http://schemas.microsoft.com/office/drawing/2010/main" xmlns="" w="9525">
+                  <a14:hiddenLine xmlns="" xmlns:a14="http://schemas.microsoft.com/office/drawing/2010/main" w="9525">
                     <a:solidFill>
                       <a:srgbClr val="000000"/>
                     </a:solidFill>
@@ -12040,7 +12040,7 @@
               </a:ln>
               <a:extLst>
                 <a:ext uri="{91240B29-F687-4f45-9708-019B960494DF}">
-                  <a14:hiddenLine xmlns:a14="http://schemas.microsoft.com/office/drawing/2010/main" xmlns="" w="9525">
+                  <a14:hiddenLine xmlns="" xmlns:a14="http://schemas.microsoft.com/office/drawing/2010/main" w="9525">
                     <a:solidFill>
                       <a:srgbClr val="000000"/>
                     </a:solidFill>
@@ -12108,7 +12108,7 @@
               </a:ln>
               <a:extLst>
                 <a:ext uri="{91240B29-F687-4f45-9708-019B960494DF}">
-                  <a14:hiddenLine xmlns:a14="http://schemas.microsoft.com/office/drawing/2010/main" xmlns="" w="9525">
+                  <a14:hiddenLine xmlns="" xmlns:a14="http://schemas.microsoft.com/office/drawing/2010/main" w="9525">
                     <a:solidFill>
                       <a:srgbClr val="000000"/>
                     </a:solidFill>
@@ -12198,7 +12198,7 @@
               </a:ln>
               <a:extLst>
                 <a:ext uri="{91240B29-F687-4f45-9708-019B960494DF}">
-                  <a14:hiddenLine xmlns:a14="http://schemas.microsoft.com/office/drawing/2010/main" xmlns="" w="9525">
+                  <a14:hiddenLine xmlns="" xmlns:a14="http://schemas.microsoft.com/office/drawing/2010/main" w="9525">
                     <a:solidFill>
                       <a:srgbClr val="000000"/>
                     </a:solidFill>
@@ -12232,7 +12232,7 @@
               </a:ln>
               <a:extLst>
                 <a:ext uri="{91240B29-F687-4f45-9708-019B960494DF}">
-                  <a14:hiddenLine xmlns:a14="http://schemas.microsoft.com/office/drawing/2010/main" xmlns="" w="9525">
+                  <a14:hiddenLine xmlns="" xmlns:a14="http://schemas.microsoft.com/office/drawing/2010/main" w="9525">
                     <a:solidFill>
                       <a:srgbClr val="000000"/>
                     </a:solidFill>
@@ -12405,7 +12405,7 @@
             <a:fld id="{48A87A34-81AB-432B-8DAE-1953F412C126}" type="datetimeFigureOut">
               <a:rPr lang="en-US" dirty="0"/>
               <a:pPr/>
-              <a:t>5/29/19</a:t>
+              <a:t>5/31/19</a:t>
             </a:fld>
             <a:endParaRPr lang="en-US" dirty="0"/>
           </a:p>
@@ -12925,259 +12925,6 @@
           <p:cNvPr id="2" name="タイトル 1">
             <a:extLst>
               <a:ext uri="{FF2B5EF4-FFF2-40B4-BE49-F238E27FC236}">
-                <a16:creationId xmlns:a16="http://schemas.microsoft.com/office/drawing/2014/main" id="{F7CD0CA3-CA6C-764F-BD0A-7F9C46FE2899}"/>
-              </a:ext>
-            </a:extLst>
-          </p:cNvPr>
-          <p:cNvSpPr>
-            <a:spLocks noGrp="1"/>
-          </p:cNvSpPr>
-          <p:nvPr>
-            <p:ph type="title"/>
-          </p:nvPr>
-        </p:nvSpPr>
-        <p:spPr/>
-        <p:txBody>
-          <a:bodyPr/>
-          <a:lstStyle/>
-          <a:p>
-            <a:r>
-              <a:rPr lang="ja-JP" altLang="en-US"/>
-              <a:t>実装したアルゴリズム</a:t>
-            </a:r>
-            <a:r>
-              <a:rPr lang="en-US" altLang="ja-JP"/>
-              <a:t>⑤:</a:t>
-            </a:r>
-            <a:r>
-              <a:rPr lang="ja-JP" altLang="en-US"/>
-              <a:t> 線分に新たな地点を接続</a:t>
-            </a:r>
-            <a:endParaRPr kumimoji="1" lang="ja-JP" altLang="en-US"/>
-          </a:p>
-        </p:txBody>
-      </p:sp>
-      <p:sp>
-        <p:nvSpPr>
-          <p:cNvPr id="3" name="コンテンツ プレースホルダー 2">
-            <a:extLst>
-              <a:ext uri="{FF2B5EF4-FFF2-40B4-BE49-F238E27FC236}">
-                <a16:creationId xmlns:a16="http://schemas.microsoft.com/office/drawing/2014/main" id="{08089BF9-C33A-2B4D-A1CF-8B4FBAF09322}"/>
-              </a:ext>
-            </a:extLst>
-          </p:cNvPr>
-          <p:cNvSpPr>
-            <a:spLocks noGrp="1"/>
-          </p:cNvSpPr>
-          <p:nvPr>
-            <p:ph idx="1"/>
-          </p:nvPr>
-        </p:nvSpPr>
-        <p:spPr/>
-        <p:txBody>
-          <a:bodyPr>
-            <a:normAutofit/>
-          </a:bodyPr>
-          <a:lstStyle/>
-          <a:p>
-            <a:pPr marL="0" indent="0">
-              <a:buNone/>
-            </a:pPr>
-            <a:r>
-              <a:rPr kumimoji="1" lang="ja-JP" altLang="en-US"/>
-              <a:t>ある線分に追加地点を接続する時のもっとも距離の短い交点を求める</a:t>
-            </a:r>
-            <a:endParaRPr kumimoji="1" lang="en-US" altLang="ja-JP"/>
-          </a:p>
-          <a:p>
-            <a:endParaRPr lang="en-US" altLang="ja-JP"/>
-          </a:p>
-          <a:p>
-            <a:pPr marL="457200" indent="-457200">
-              <a:buFont typeface="+mj-lt"/>
-              <a:buAutoNum type="arabicPeriod"/>
-            </a:pPr>
-            <a:r>
-              <a:rPr lang="ja-JP" altLang="en-US"/>
-              <a:t>直線①</a:t>
-            </a:r>
-            <a:r>
-              <a:rPr lang="en-US" altLang="ja-JP"/>
-              <a:t>: y = ax + b</a:t>
-            </a:r>
-            <a:r>
-              <a:rPr lang="ja-JP" altLang="en-US"/>
-              <a:t> に垂直に接続する直線</a:t>
-            </a:r>
-            <a:r>
-              <a:rPr lang="en-US" altLang="ja-JP"/>
-              <a:t>②:</a:t>
-            </a:r>
-            <a:r>
-              <a:rPr lang="ja-JP" altLang="en-US"/>
-              <a:t> </a:t>
-            </a:r>
-            <a:r>
-              <a:rPr lang="en-US" altLang="ja-JP"/>
-              <a:t>y =</a:t>
-            </a:r>
-            <a:r>
-              <a:rPr lang="ja-JP" altLang="en-US"/>
-              <a:t> </a:t>
-            </a:r>
-            <a:r>
-              <a:rPr lang="en-US" altLang="ja-JP"/>
-              <a:t>α</a:t>
-            </a:r>
-            <a:r>
-              <a:rPr lang="ja-JP" altLang="en-US"/>
-              <a:t> </a:t>
-            </a:r>
-            <a:r>
-              <a:rPr lang="en-US" altLang="ja-JP"/>
-              <a:t>x</a:t>
-            </a:r>
-            <a:r>
-              <a:rPr lang="ja-JP" altLang="en-US"/>
-              <a:t> </a:t>
-            </a:r>
-            <a:r>
-              <a:rPr lang="en-US" altLang="ja-JP"/>
-              <a:t>+</a:t>
-            </a:r>
-            <a:r>
-              <a:rPr lang="ja-JP" altLang="en-US"/>
-              <a:t> </a:t>
-            </a:r>
-            <a:r>
-              <a:rPr lang="en-US" altLang="ja-JP"/>
-              <a:t>β</a:t>
-            </a:r>
-            <a:r>
-              <a:rPr lang="ja-JP" altLang="en-US"/>
-              <a:t> を求める</a:t>
-            </a:r>
-            <a:endParaRPr lang="en-US" altLang="ja-JP"/>
-          </a:p>
-          <a:p>
-            <a:pPr marL="457200" indent="-457200">
-              <a:buFont typeface="+mj-lt"/>
-              <a:buAutoNum type="arabicPeriod"/>
-            </a:pPr>
-            <a:r>
-              <a:rPr lang="ja-JP" altLang="en-US"/>
-              <a:t>直線</a:t>
-            </a:r>
-            <a:r>
-              <a:rPr lang="en-US" altLang="ja-JP"/>
-              <a:t>①</a:t>
-            </a:r>
-            <a:r>
-              <a:rPr lang="ja-JP" altLang="en-US"/>
-              <a:t>と直線</a:t>
-            </a:r>
-            <a:r>
-              <a:rPr lang="en-US" altLang="ja-JP"/>
-              <a:t>②</a:t>
-            </a:r>
-            <a:r>
-              <a:rPr lang="ja-JP" altLang="en-US"/>
-              <a:t>の</a:t>
-            </a:r>
-            <a:r>
-              <a:rPr kumimoji="1" lang="ja-JP" altLang="en-US"/>
-              <a:t>交点</a:t>
-            </a:r>
-            <a:r>
-              <a:rPr kumimoji="1" lang="en-US" altLang="ja-JP"/>
-              <a:t>P</a:t>
-            </a:r>
-            <a:r>
-              <a:rPr kumimoji="1" lang="ja-JP" altLang="en-US"/>
-              <a:t>を求める</a:t>
-            </a:r>
-            <a:endParaRPr kumimoji="1" lang="en-US" altLang="ja-JP"/>
-          </a:p>
-          <a:p>
-            <a:pPr marL="457200" indent="-457200">
-              <a:buFont typeface="+mj-lt"/>
-              <a:buAutoNum type="arabicPeriod"/>
-            </a:pPr>
-            <a:r>
-              <a:rPr lang="ja-JP" altLang="en-US"/>
-              <a:t>交点</a:t>
-            </a:r>
-            <a:r>
-              <a:rPr lang="en-US" altLang="ja-JP"/>
-              <a:t>P</a:t>
-            </a:r>
-            <a:r>
-              <a:rPr lang="ja-JP" altLang="en-US"/>
-              <a:t>が</a:t>
-            </a:r>
-            <a:r>
-              <a:rPr lang="en-US" altLang="ja-JP"/>
-              <a:t> y = ax + b</a:t>
-            </a:r>
-            <a:r>
-              <a:rPr lang="ja-JP" altLang="en-US"/>
-              <a:t>上の点なら交点</a:t>
-            </a:r>
-            <a:r>
-              <a:rPr lang="en-US" altLang="ja-JP"/>
-              <a:t>P</a:t>
-            </a:r>
-            <a:r>
-              <a:rPr lang="ja-JP" altLang="en-US"/>
-              <a:t>が求める交点</a:t>
-            </a:r>
-            <a:r>
-              <a:rPr lang="en-US" altLang="ja-JP"/>
-              <a:t>,</a:t>
-            </a:r>
-            <a:r>
-              <a:rPr lang="ja-JP" altLang="en-US"/>
-              <a:t> 違うなら線分の始点と終点のうち追加点に近い点を交点とする</a:t>
-            </a:r>
-            <a:endParaRPr kumimoji="1" lang="ja-JP" altLang="en-US"/>
-          </a:p>
-        </p:txBody>
-      </p:sp>
-    </p:spTree>
-    <p:extLst>
-      <p:ext uri="{BB962C8B-B14F-4D97-AF65-F5344CB8AC3E}">
-        <p14:creationId xmlns:p14="http://schemas.microsoft.com/office/powerpoint/2010/main" val="2699625581"/>
-      </p:ext>
-    </p:extLst>
-  </p:cSld>
-  <p:clrMapOvr>
-    <a:masterClrMapping/>
-  </p:clrMapOvr>
-</p:sld>
-</file>
-
-<file path=ppt/slides/slide11.xml><?xml version="1.0" encoding="utf-8"?>
-<p:sld xmlns:a="http://schemas.openxmlformats.org/drawingml/2006/main" xmlns:r="http://schemas.openxmlformats.org/officeDocument/2006/relationships" xmlns:p="http://schemas.openxmlformats.org/presentationml/2006/main">
-  <p:cSld>
-    <p:spTree>
-      <p:nvGrpSpPr>
-        <p:cNvPr id="1" name=""/>
-        <p:cNvGrpSpPr/>
-        <p:nvPr/>
-      </p:nvGrpSpPr>
-      <p:grpSpPr>
-        <a:xfrm>
-          <a:off x="0" y="0"/>
-          <a:ext cx="0" cy="0"/>
-          <a:chOff x="0" y="0"/>
-          <a:chExt cx="0" cy="0"/>
-        </a:xfrm>
-      </p:grpSpPr>
-      <p:sp>
-        <p:nvSpPr>
-          <p:cNvPr id="2" name="タイトル 1">
-            <a:extLst>
-              <a:ext uri="{FF2B5EF4-FFF2-40B4-BE49-F238E27FC236}">
                 <a16:creationId xmlns:a16="http://schemas.microsoft.com/office/drawing/2014/main" id="{95365509-37E4-B94C-931B-0AEAD1C0487E}"/>
               </a:ext>
             </a:extLst>
@@ -13300,7 +13047,7 @@
 </p:sld>
 </file>
 
-<file path=ppt/slides/slide12.xml><?xml version="1.0" encoding="utf-8"?>
+<file path=ppt/slides/slide11.xml><?xml version="1.0" encoding="utf-8"?>
 <p:sld xmlns:a="http://schemas.openxmlformats.org/drawingml/2006/main" xmlns:r="http://schemas.openxmlformats.org/officeDocument/2006/relationships" xmlns:p="http://schemas.openxmlformats.org/presentationml/2006/main">
   <p:cSld>
     <p:spTree>
@@ -13395,7 +13142,7 @@
 </p:sld>
 </file>
 
-<file path=ppt/slides/slide13.xml><?xml version="1.0" encoding="utf-8"?>
+<file path=ppt/slides/slide12.xml><?xml version="1.0" encoding="utf-8"?>
 <p:sld xmlns:a="http://schemas.openxmlformats.org/drawingml/2006/main" xmlns:r="http://schemas.openxmlformats.org/officeDocument/2006/relationships" xmlns:p="http://schemas.openxmlformats.org/presentationml/2006/main">
   <p:cSld>
     <p:spTree>
@@ -13504,7 +13251,7 @@
 </p:sld>
 </file>
 
-<file path=ppt/slides/slide14.xml><?xml version="1.0" encoding="utf-8"?>
+<file path=ppt/slides/slide13.xml><?xml version="1.0" encoding="utf-8"?>
 <p:sld xmlns:a="http://schemas.openxmlformats.org/drawingml/2006/main" xmlns:r="http://schemas.openxmlformats.org/officeDocument/2006/relationships" xmlns:p="http://schemas.openxmlformats.org/presentationml/2006/main">
   <p:cSld>
     <p:spTree>
@@ -13578,6 +13325,131 @@
     <p:extLst>
       <p:ext uri="{BB962C8B-B14F-4D97-AF65-F5344CB8AC3E}">
         <p14:creationId xmlns:p14="http://schemas.microsoft.com/office/powerpoint/2010/main" val="3936080422"/>
+      </p:ext>
+    </p:extLst>
+  </p:cSld>
+  <p:clrMapOvr>
+    <a:masterClrMapping/>
+  </p:clrMapOvr>
+</p:sld>
+</file>
+
+<file path=ppt/slides/slide14.xml><?xml version="1.0" encoding="utf-8"?>
+<p:sld xmlns:a="http://schemas.openxmlformats.org/drawingml/2006/main" xmlns:r="http://schemas.openxmlformats.org/officeDocument/2006/relationships" xmlns:p="http://schemas.openxmlformats.org/presentationml/2006/main">
+  <p:cSld>
+    <p:spTree>
+      <p:nvGrpSpPr>
+        <p:cNvPr id="1" name=""/>
+        <p:cNvGrpSpPr/>
+        <p:nvPr/>
+      </p:nvGrpSpPr>
+      <p:grpSpPr>
+        <a:xfrm>
+          <a:off x="0" y="0"/>
+          <a:ext cx="0" cy="0"/>
+          <a:chOff x="0" y="0"/>
+          <a:chExt cx="0" cy="0"/>
+        </a:xfrm>
+      </p:grpSpPr>
+      <p:sp>
+        <p:nvSpPr>
+          <p:cNvPr id="2" name="タイトル 1">
+            <a:extLst>
+              <a:ext uri="{FF2B5EF4-FFF2-40B4-BE49-F238E27FC236}">
+                <a16:creationId xmlns:a16="http://schemas.microsoft.com/office/drawing/2014/main" id="{080A2321-15F3-3E49-9E27-241C215186BD}"/>
+              </a:ext>
+            </a:extLst>
+          </p:cNvPr>
+          <p:cNvSpPr>
+            <a:spLocks noGrp="1"/>
+          </p:cNvSpPr>
+          <p:nvPr>
+            <p:ph type="title"/>
+          </p:nvPr>
+        </p:nvSpPr>
+        <p:spPr/>
+        <p:txBody>
+          <a:bodyPr/>
+          <a:lstStyle/>
+          <a:p>
+            <a:r>
+              <a:rPr kumimoji="1" lang="ja-JP" altLang="en-US"/>
+              <a:t>ビルド方法</a:t>
+            </a:r>
+          </a:p>
+        </p:txBody>
+      </p:sp>
+      <p:sp>
+        <p:nvSpPr>
+          <p:cNvPr id="3" name="コンテンツ プレースホルダー 2">
+            <a:extLst>
+              <a:ext uri="{FF2B5EF4-FFF2-40B4-BE49-F238E27FC236}">
+                <a16:creationId xmlns:a16="http://schemas.microsoft.com/office/drawing/2014/main" id="{7099D2A5-0A7B-1144-9C8B-B84507DDCF57}"/>
+              </a:ext>
+            </a:extLst>
+          </p:cNvPr>
+          <p:cNvSpPr>
+            <a:spLocks noGrp="1"/>
+          </p:cNvSpPr>
+          <p:nvPr>
+            <p:ph idx="1"/>
+          </p:nvPr>
+        </p:nvSpPr>
+        <p:spPr/>
+        <p:txBody>
+          <a:bodyPr/>
+          <a:lstStyle/>
+          <a:p>
+            <a:r>
+              <a:rPr kumimoji="1" lang="ja-JP" altLang="en-US"/>
+              <a:t>環境構築用</a:t>
+            </a:r>
+            <a:r>
+              <a:rPr lang="ja-JP" altLang="en-US"/>
+              <a:t>の </a:t>
+            </a:r>
+            <a:r>
+              <a:rPr kumimoji="1" lang="en-US" altLang="ja-JP"/>
+              <a:t>setup.py</a:t>
+            </a:r>
+            <a:r>
+              <a:rPr kumimoji="1" lang="ja-JP" altLang="en-US"/>
+              <a:t> を使うことで環境構築ができる</a:t>
+            </a:r>
+            <a:endParaRPr kumimoji="1" lang="en-US" altLang="ja-JP"/>
+          </a:p>
+          <a:p>
+            <a:pPr marL="0" indent="0">
+              <a:buNone/>
+            </a:pPr>
+            <a:endParaRPr lang="en-US" altLang="ja-JP"/>
+          </a:p>
+          <a:p>
+            <a:pPr marL="457200" indent="-457200">
+              <a:buFont typeface="+mj-lt"/>
+              <a:buAutoNum type="arabicPeriod"/>
+            </a:pPr>
+            <a:r>
+              <a:rPr lang="en-US" altLang="ja-JP"/>
+              <a:t>cd ~ProjectDir/source/</a:t>
+            </a:r>
+          </a:p>
+          <a:p>
+            <a:pPr marL="457200" indent="-457200">
+              <a:buFont typeface="+mj-lt"/>
+              <a:buAutoNum type="arabicPeriod"/>
+            </a:pPr>
+            <a:r>
+              <a:rPr lang="en-US" altLang="ja-JP"/>
+              <a:t>python3 setup.py</a:t>
+            </a:r>
+          </a:p>
+        </p:txBody>
+      </p:sp>
+    </p:spTree>
+    <p:extLst>
+      <p:ext uri="{BB962C8B-B14F-4D97-AF65-F5344CB8AC3E}">
+        <p14:creationId xmlns:p14="http://schemas.microsoft.com/office/powerpoint/2010/main" val="1559054916"/>
       </p:ext>
     </p:extLst>
   </p:cSld>
@@ -14312,17 +14184,6 @@
               <a:t>: Github</a:t>
             </a:r>
           </a:p>
-          <a:p>
-            <a:r>
-              <a:rPr lang="ja-JP" altLang="en-US"/>
-              <a:t>図面プロット用モジュール</a:t>
-            </a:r>
-            <a:r>
-              <a:rPr lang="en-US" altLang="ja-JP"/>
-              <a:t>: matplotlib</a:t>
-            </a:r>
-            <a:endParaRPr kumimoji="1" lang="en-US" altLang="ja-JP"/>
-          </a:p>
         </p:txBody>
       </p:sp>
     </p:spTree>
@@ -14360,131 +14221,6 @@
           <p:cNvPr id="2" name="タイトル 1">
             <a:extLst>
               <a:ext uri="{FF2B5EF4-FFF2-40B4-BE49-F238E27FC236}">
-                <a16:creationId xmlns:a16="http://schemas.microsoft.com/office/drawing/2014/main" id="{080A2321-15F3-3E49-9E27-241C215186BD}"/>
-              </a:ext>
-            </a:extLst>
-          </p:cNvPr>
-          <p:cNvSpPr>
-            <a:spLocks noGrp="1"/>
-          </p:cNvSpPr>
-          <p:nvPr>
-            <p:ph type="title"/>
-          </p:nvPr>
-        </p:nvSpPr>
-        <p:spPr/>
-        <p:txBody>
-          <a:bodyPr/>
-          <a:lstStyle/>
-          <a:p>
-            <a:r>
-              <a:rPr kumimoji="1" lang="ja-JP" altLang="en-US"/>
-              <a:t>ビルド方法</a:t>
-            </a:r>
-          </a:p>
-        </p:txBody>
-      </p:sp>
-      <p:sp>
-        <p:nvSpPr>
-          <p:cNvPr id="3" name="コンテンツ プレースホルダー 2">
-            <a:extLst>
-              <a:ext uri="{FF2B5EF4-FFF2-40B4-BE49-F238E27FC236}">
-                <a16:creationId xmlns:a16="http://schemas.microsoft.com/office/drawing/2014/main" id="{7099D2A5-0A7B-1144-9C8B-B84507DDCF57}"/>
-              </a:ext>
-            </a:extLst>
-          </p:cNvPr>
-          <p:cNvSpPr>
-            <a:spLocks noGrp="1"/>
-          </p:cNvSpPr>
-          <p:nvPr>
-            <p:ph idx="1"/>
-          </p:nvPr>
-        </p:nvSpPr>
-        <p:spPr/>
-        <p:txBody>
-          <a:bodyPr/>
-          <a:lstStyle/>
-          <a:p>
-            <a:r>
-              <a:rPr kumimoji="1" lang="ja-JP" altLang="en-US"/>
-              <a:t>環境構築用</a:t>
-            </a:r>
-            <a:r>
-              <a:rPr lang="ja-JP" altLang="en-US"/>
-              <a:t>の </a:t>
-            </a:r>
-            <a:r>
-              <a:rPr kumimoji="1" lang="en-US" altLang="ja-JP"/>
-              <a:t>setup.py</a:t>
-            </a:r>
-            <a:r>
-              <a:rPr kumimoji="1" lang="ja-JP" altLang="en-US"/>
-              <a:t> を使うことで環境構築ができる</a:t>
-            </a:r>
-            <a:endParaRPr kumimoji="1" lang="en-US" altLang="ja-JP"/>
-          </a:p>
-          <a:p>
-            <a:pPr marL="0" indent="0">
-              <a:buNone/>
-            </a:pPr>
-            <a:endParaRPr lang="en-US" altLang="ja-JP"/>
-          </a:p>
-          <a:p>
-            <a:pPr marL="457200" indent="-457200">
-              <a:buFont typeface="+mj-lt"/>
-              <a:buAutoNum type="arabicPeriod"/>
-            </a:pPr>
-            <a:r>
-              <a:rPr lang="en-US" altLang="ja-JP"/>
-              <a:t>cd ~ProjectDir/source/</a:t>
-            </a:r>
-          </a:p>
-          <a:p>
-            <a:pPr marL="457200" indent="-457200">
-              <a:buFont typeface="+mj-lt"/>
-              <a:buAutoNum type="arabicPeriod"/>
-            </a:pPr>
-            <a:r>
-              <a:rPr lang="en-US" altLang="ja-JP"/>
-              <a:t>python3 setup.py</a:t>
-            </a:r>
-          </a:p>
-        </p:txBody>
-      </p:sp>
-    </p:spTree>
-    <p:extLst>
-      <p:ext uri="{BB962C8B-B14F-4D97-AF65-F5344CB8AC3E}">
-        <p14:creationId xmlns:p14="http://schemas.microsoft.com/office/powerpoint/2010/main" val="1559054916"/>
-      </p:ext>
-    </p:extLst>
-  </p:cSld>
-  <p:clrMapOvr>
-    <a:masterClrMapping/>
-  </p:clrMapOvr>
-</p:sld>
-</file>
-
-<file path=ppt/slides/slide5.xml><?xml version="1.0" encoding="utf-8"?>
-<p:sld xmlns:a="http://schemas.openxmlformats.org/drawingml/2006/main" xmlns:r="http://schemas.openxmlformats.org/officeDocument/2006/relationships" xmlns:p="http://schemas.openxmlformats.org/presentationml/2006/main">
-  <p:cSld>
-    <p:spTree>
-      <p:nvGrpSpPr>
-        <p:cNvPr id="1" name=""/>
-        <p:cNvGrpSpPr/>
-        <p:nvPr/>
-      </p:nvGrpSpPr>
-      <p:grpSpPr>
-        <a:xfrm>
-          <a:off x="0" y="0"/>
-          <a:ext cx="0" cy="0"/>
-          <a:chOff x="0" y="0"/>
-          <a:chExt cx="0" cy="0"/>
-        </a:xfrm>
-      </p:grpSpPr>
-      <p:sp>
-        <p:nvSpPr>
-          <p:cNvPr id="2" name="タイトル 1">
-            <a:extLst>
-              <a:ext uri="{FF2B5EF4-FFF2-40B4-BE49-F238E27FC236}">
                 <a16:creationId xmlns:a16="http://schemas.microsoft.com/office/drawing/2014/main" id="{7E830F4C-1D53-8B48-ADAC-648BF3782A95}"/>
               </a:ext>
             </a:extLst>
@@ -14624,7 +14360,7 @@
 </p:sld>
 </file>
 
-<file path=ppt/slides/slide6.xml><?xml version="1.0" encoding="utf-8"?>
+<file path=ppt/slides/slide5.xml><?xml version="1.0" encoding="utf-8"?>
 <p:sld xmlns:a="http://schemas.openxmlformats.org/drawingml/2006/main" xmlns:r="http://schemas.openxmlformats.org/officeDocument/2006/relationships" xmlns:p="http://schemas.openxmlformats.org/presentationml/2006/main">
   <p:cSld>
     <p:spTree>
@@ -14722,7 +14458,7 @@
             </a:r>
             <a:r>
               <a:rPr lang="en-US" altLang="ja-JP"/>
-              <a:t>, break</a:t>
+              <a:t>, Fin</a:t>
             </a:r>
           </a:p>
           <a:p>
@@ -14771,7 +14507,7 @@
             </a:r>
             <a:r>
               <a:rPr lang="en-US" altLang="ja-JP"/>
-              <a:t>break</a:t>
+              <a:t>Fin</a:t>
             </a:r>
           </a:p>
           <a:p>
@@ -14842,7 +14578,7 @@
 </p:sld>
 </file>
 
-<file path=ppt/slides/slide7.xml><?xml version="1.0" encoding="utf-8"?>
+<file path=ppt/slides/slide6.xml><?xml version="1.0" encoding="utf-8"?>
 <p:sld xmlns:a="http://schemas.openxmlformats.org/drawingml/2006/main" xmlns:r="http://schemas.openxmlformats.org/officeDocument/2006/relationships" xmlns:p="http://schemas.openxmlformats.org/presentationml/2006/main">
   <p:cSld>
     <p:spTree>
@@ -14924,58 +14660,114 @@
               <a:buNone/>
             </a:pPr>
             <a:r>
+              <a:rPr lang="ja-JP" altLang="en-US"/>
+              <a:t>◎全ての交差点を求め</a:t>
+            </a:r>
+            <a:r>
               <a:rPr lang="en-US" altLang="ja-JP"/>
-              <a:t>for( i=0, i&lt;M, i++ ){</a:t>
-            </a:r>
+              <a:t>,</a:t>
+            </a:r>
+            <a:r>
+              <a:rPr lang="ja-JP" altLang="en-US"/>
+              <a:t> </a:t>
+            </a:r>
+            <a:r>
+              <a:rPr lang="en-US" altLang="ja-JP"/>
+              <a:t>x</a:t>
+            </a:r>
+            <a:r>
+              <a:rPr lang="ja-JP" altLang="en-US"/>
+              <a:t>順</a:t>
+            </a:r>
+            <a:r>
+              <a:rPr lang="en-US" altLang="ja-JP"/>
+              <a:t>(x=y</a:t>
+            </a:r>
+            <a:r>
+              <a:rPr lang="ja-JP" altLang="en-US"/>
+              <a:t>のときは</a:t>
+            </a:r>
+            <a:r>
+              <a:rPr lang="en-US" altLang="ja-JP"/>
+              <a:t>y</a:t>
+            </a:r>
+            <a:r>
+              <a:rPr lang="ja-JP" altLang="en-US"/>
+              <a:t>順</a:t>
+            </a:r>
+            <a:r>
+              <a:rPr lang="en-US" altLang="ja-JP"/>
+              <a:t>)</a:t>
+            </a:r>
+            <a:r>
+              <a:rPr lang="ja-JP" altLang="en-US"/>
+              <a:t>で並べ替えて添字を順に振る</a:t>
+            </a:r>
+            <a:endParaRPr lang="en-US" altLang="ja-JP"/>
           </a:p>
           <a:p>
             <a:pPr marL="0" indent="0">
               <a:buNone/>
             </a:pPr>
             <a:r>
+              <a:rPr lang="ja-JP" altLang="en-US"/>
+              <a:t>挿入ソートによって実装</a:t>
+            </a:r>
+            <a:endParaRPr lang="en-US" altLang="ja-JP"/>
+          </a:p>
+          <a:p>
+            <a:pPr marL="457200" indent="-457200">
+              <a:buFont typeface="+mj-lt"/>
+              <a:buAutoNum type="arabicPeriod"/>
+            </a:pPr>
+            <a:endParaRPr lang="en-US" altLang="ja-JP"/>
+          </a:p>
+          <a:p>
+            <a:pPr marL="457200" indent="-457200">
+              <a:buFont typeface="+mj-lt"/>
+              <a:buAutoNum type="arabicPeriod"/>
+            </a:pPr>
+            <a:r>
+              <a:rPr lang="ja-JP" altLang="en-US"/>
+              <a:t>交点リスト</a:t>
+            </a:r>
+            <a:r>
               <a:rPr lang="en-US" altLang="ja-JP"/>
-              <a:t>	for( j = i+1; j &lt; M; j++ ){</a:t>
-            </a:r>
-          </a:p>
-          <a:p>
-            <a:pPr marL="0" indent="0">
-              <a:buNone/>
+              <a:t> = []</a:t>
+            </a:r>
+          </a:p>
+          <a:p>
+            <a:pPr marL="457200" indent="-457200">
+              <a:buFont typeface="+mj-lt"/>
+              <a:buAutoNum type="arabicPeriod"/>
             </a:pPr>
             <a:r>
               <a:rPr lang="en-US" altLang="ja-JP"/>
-              <a:t>		</a:t>
-            </a:r>
-            <a:r>
-              <a:rPr lang="ja-JP" altLang="en-US"/>
-              <a:t>実装したアルゴリズム</a:t>
-            </a:r>
-            <a:r>
-              <a:rPr lang="en-US" altLang="ja-JP"/>
-              <a:t>①</a:t>
-            </a:r>
-            <a:r>
-              <a:rPr lang="ja-JP" altLang="en-US"/>
-              <a:t>で交点座標を求める</a:t>
+              <a:t>2</a:t>
+            </a:r>
+            <a:r>
+              <a:rPr lang="ja-JP" altLang="en-US"/>
+              <a:t>分探索を用いて適切な挿入位置を決定</a:t>
             </a:r>
             <a:endParaRPr lang="en-US" altLang="ja-JP"/>
           </a:p>
           <a:p>
-            <a:pPr marL="0" indent="0">
-              <a:buNone/>
+            <a:pPr marL="457200" indent="-457200">
+              <a:buFont typeface="+mj-lt"/>
+              <a:buAutoNum type="arabicPeriod"/>
             </a:pPr>
             <a:r>
-              <a:rPr lang="en-US" altLang="ja-JP"/>
-              <a:t>	}</a:t>
-            </a:r>
-          </a:p>
-          <a:p>
-            <a:pPr marL="0" indent="0">
-              <a:buNone/>
+              <a:rPr lang="ja-JP" altLang="en-US"/>
+              <a:t>挿入</a:t>
+            </a:r>
+            <a:endParaRPr lang="en-US" altLang="ja-JP"/>
+          </a:p>
+          <a:p>
+            <a:pPr marL="457200" indent="-457200">
+              <a:buFont typeface="+mj-lt"/>
+              <a:buAutoNum type="arabicPeriod"/>
             </a:pPr>
-            <a:r>
-              <a:rPr lang="en-US" altLang="ja-JP"/>
-              <a:t>}</a:t>
-            </a:r>
+            <a:endParaRPr lang="en-US" altLang="ja-JP"/>
           </a:p>
         </p:txBody>
       </p:sp>
@@ -14992,7 +14784,7 @@
 </p:sld>
 </file>
 
-<file path=ppt/slides/slide8.xml><?xml version="1.0" encoding="utf-8"?>
+<file path=ppt/slides/slide7.xml><?xml version="1.0" encoding="utf-8"?>
 <p:sld xmlns:a="http://schemas.openxmlformats.org/drawingml/2006/main" xmlns:r="http://schemas.openxmlformats.org/officeDocument/2006/relationships" xmlns:p="http://schemas.openxmlformats.org/presentationml/2006/main">
   <p:cSld>
     <p:spTree>
@@ -15075,7 +14867,7 @@
         </p:spPr>
         <p:txBody>
           <a:bodyPr>
-            <a:normAutofit fontScale="92500"/>
+            <a:normAutofit fontScale="92500" lnSpcReduction="20000"/>
           </a:bodyPr>
           <a:lstStyle/>
           <a:p>
@@ -15124,7 +14916,15 @@
             </a:r>
             <a:r>
               <a:rPr lang="ja-JP" altLang="en-US"/>
-              <a:t> 経由点リスト</a:t>
+              <a:t> 経由点</a:t>
+            </a:r>
+            <a:r>
+              <a:rPr lang="en-US" altLang="ja-JP"/>
+              <a:t>/</a:t>
+            </a:r>
+            <a:r>
+              <a:rPr lang="ja-JP" altLang="en-US"/>
+              <a:t>線リスト</a:t>
             </a:r>
             <a:r>
               <a:rPr lang="en-US" altLang="ja-JP"/>
@@ -15341,7 +15141,17 @@
             </a:r>
             <a:r>
               <a:rPr lang="en-US" altLang="ja-JP"/>
-              <a:t>, break</a:t>
+              <a:t>, Fin</a:t>
+            </a:r>
+          </a:p>
+          <a:p>
+            <a:pPr marL="457200" indent="-457200">
+              <a:buFont typeface="+mj-lt"/>
+              <a:buAutoNum type="arabicPeriod"/>
+            </a:pPr>
+            <a:r>
+              <a:rPr lang="en-US" altLang="ja-JP"/>
+              <a:t>Else: Fin</a:t>
             </a:r>
           </a:p>
         </p:txBody>
@@ -15890,8 +15700,8 @@
           </a:fontRef>
         </p:style>
       </p:cxnSp>
-      <mc:AlternateContent xmlns:mc="http://schemas.openxmlformats.org/markup-compatibility/2006">
-        <mc:Choice xmlns:p14="http://schemas.microsoft.com/office/powerpoint/2010/main" Requires="p14">
+      <mc:AlternateContent xmlns:mc="http://schemas.openxmlformats.org/markup-compatibility/2006" xmlns:p14="http://schemas.microsoft.com/office/powerpoint/2010/main">
+        <mc:Choice Requires="p14">
           <p:contentPart p14:bwMode="auto" r:id="rId2">
             <p14:nvContentPartPr>
               <p14:cNvPr id="37" name="インク 36">
@@ -15910,7 +15720,7 @@
             </p14:xfrm>
           </p:contentPart>
         </mc:Choice>
-        <mc:Fallback>
+        <mc:Fallback xmlns="">
           <p:pic>
             <p:nvPicPr>
               <p:cNvPr id="37" name="インク 36">
@@ -16161,8 +15971,8 @@
           </a:p>
         </p:txBody>
       </p:sp>
-      <mc:AlternateContent xmlns:mc="http://schemas.openxmlformats.org/markup-compatibility/2006">
-        <mc:Choice xmlns:p14="http://schemas.microsoft.com/office/powerpoint/2010/main" Requires="p14">
+      <mc:AlternateContent xmlns:mc="http://schemas.openxmlformats.org/markup-compatibility/2006" xmlns:p14="http://schemas.microsoft.com/office/powerpoint/2010/main">
+        <mc:Choice Requires="p14">
           <p:contentPart p14:bwMode="auto" r:id="rId4">
             <p14:nvContentPartPr>
               <p14:cNvPr id="46" name="インク 45">
@@ -16181,7 +15991,7 @@
             </p14:xfrm>
           </p:contentPart>
         </mc:Choice>
-        <mc:Fallback>
+        <mc:Fallback xmlns="">
           <p:pic>
             <p:nvPicPr>
               <p:cNvPr id="46" name="インク 45">
@@ -16212,8 +16022,8 @@
           </p:pic>
         </mc:Fallback>
       </mc:AlternateContent>
-      <mc:AlternateContent xmlns:mc="http://schemas.openxmlformats.org/markup-compatibility/2006">
-        <mc:Choice xmlns:p14="http://schemas.microsoft.com/office/powerpoint/2010/main" Requires="p14">
+      <mc:AlternateContent xmlns:mc="http://schemas.openxmlformats.org/markup-compatibility/2006" xmlns:p14="http://schemas.microsoft.com/office/powerpoint/2010/main">
+        <mc:Choice Requires="p14">
           <p:contentPart p14:bwMode="auto" r:id="rId6">
             <p14:nvContentPartPr>
               <p14:cNvPr id="48" name="インク 47">
@@ -16232,7 +16042,7 @@
             </p14:xfrm>
           </p:contentPart>
         </mc:Choice>
-        <mc:Fallback>
+        <mc:Fallback xmlns="">
           <p:pic>
             <p:nvPicPr>
               <p:cNvPr id="48" name="インク 47">
@@ -16263,8 +16073,8 @@
           </p:pic>
         </mc:Fallback>
       </mc:AlternateContent>
-      <mc:AlternateContent xmlns:mc="http://schemas.openxmlformats.org/markup-compatibility/2006">
-        <mc:Choice xmlns:p14="http://schemas.microsoft.com/office/powerpoint/2010/main" Requires="p14">
+      <mc:AlternateContent xmlns:mc="http://schemas.openxmlformats.org/markup-compatibility/2006" xmlns:p14="http://schemas.microsoft.com/office/powerpoint/2010/main">
+        <mc:Choice Requires="p14">
           <p:contentPart p14:bwMode="auto" r:id="rId8">
             <p14:nvContentPartPr>
               <p14:cNvPr id="49" name="インク 48">
@@ -16283,7 +16093,7 @@
             </p14:xfrm>
           </p:contentPart>
         </mc:Choice>
-        <mc:Fallback>
+        <mc:Fallback xmlns="">
           <p:pic>
             <p:nvPicPr>
               <p:cNvPr id="49" name="インク 48">
@@ -16314,8 +16124,8 @@
           </p:pic>
         </mc:Fallback>
       </mc:AlternateContent>
-      <mc:AlternateContent xmlns:mc="http://schemas.openxmlformats.org/markup-compatibility/2006">
-        <mc:Choice xmlns:p14="http://schemas.microsoft.com/office/powerpoint/2010/main" Requires="p14">
+      <mc:AlternateContent xmlns:mc="http://schemas.openxmlformats.org/markup-compatibility/2006" xmlns:p14="http://schemas.microsoft.com/office/powerpoint/2010/main">
+        <mc:Choice Requires="p14">
           <p:contentPart p14:bwMode="auto" r:id="rId10">
             <p14:nvContentPartPr>
               <p14:cNvPr id="56" name="インク 55">
@@ -16334,7 +16144,7 @@
             </p14:xfrm>
           </p:contentPart>
         </mc:Choice>
-        <mc:Fallback>
+        <mc:Fallback xmlns="">
           <p:pic>
             <p:nvPicPr>
               <p:cNvPr id="56" name="インク 55">
@@ -16365,8 +16175,8 @@
           </p:pic>
         </mc:Fallback>
       </mc:AlternateContent>
-      <mc:AlternateContent xmlns:mc="http://schemas.openxmlformats.org/markup-compatibility/2006">
-        <mc:Choice xmlns:p14="http://schemas.microsoft.com/office/powerpoint/2010/main" Requires="p14">
+      <mc:AlternateContent xmlns:mc="http://schemas.openxmlformats.org/markup-compatibility/2006" xmlns:p14="http://schemas.microsoft.com/office/powerpoint/2010/main">
+        <mc:Choice Requires="p14">
           <p:contentPart p14:bwMode="auto" r:id="rId12">
             <p14:nvContentPartPr>
               <p14:cNvPr id="61" name="インク 60">
@@ -16385,7 +16195,7 @@
             </p14:xfrm>
           </p:contentPart>
         </mc:Choice>
-        <mc:Fallback>
+        <mc:Fallback xmlns="">
           <p:pic>
             <p:nvPicPr>
               <p:cNvPr id="61" name="インク 60">
@@ -16499,7 +16309,7 @@
 </p:sld>
 </file>
 
-<file path=ppt/slides/slide9.xml><?xml version="1.0" encoding="utf-8"?>
+<file path=ppt/slides/slide8.xml><?xml version="1.0" encoding="utf-8"?>
 <p:sld xmlns:a="http://schemas.openxmlformats.org/drawingml/2006/main" xmlns:r="http://schemas.openxmlformats.org/officeDocument/2006/relationships" xmlns:p="http://schemas.openxmlformats.org/presentationml/2006/main">
   <p:cSld>
     <p:spTree>
@@ -16596,6 +16406,259 @@
     <p:extLst>
       <p:ext uri="{BB962C8B-B14F-4D97-AF65-F5344CB8AC3E}">
         <p14:creationId xmlns:p14="http://schemas.microsoft.com/office/powerpoint/2010/main" val="740322772"/>
+      </p:ext>
+    </p:extLst>
+  </p:cSld>
+  <p:clrMapOvr>
+    <a:masterClrMapping/>
+  </p:clrMapOvr>
+</p:sld>
+</file>
+
+<file path=ppt/slides/slide9.xml><?xml version="1.0" encoding="utf-8"?>
+<p:sld xmlns:a="http://schemas.openxmlformats.org/drawingml/2006/main" xmlns:r="http://schemas.openxmlformats.org/officeDocument/2006/relationships" xmlns:p="http://schemas.openxmlformats.org/presentationml/2006/main">
+  <p:cSld>
+    <p:spTree>
+      <p:nvGrpSpPr>
+        <p:cNvPr id="1" name=""/>
+        <p:cNvGrpSpPr/>
+        <p:nvPr/>
+      </p:nvGrpSpPr>
+      <p:grpSpPr>
+        <a:xfrm>
+          <a:off x="0" y="0"/>
+          <a:ext cx="0" cy="0"/>
+          <a:chOff x="0" y="0"/>
+          <a:chExt cx="0" cy="0"/>
+        </a:xfrm>
+      </p:grpSpPr>
+      <p:sp>
+        <p:nvSpPr>
+          <p:cNvPr id="2" name="タイトル 1">
+            <a:extLst>
+              <a:ext uri="{FF2B5EF4-FFF2-40B4-BE49-F238E27FC236}">
+                <a16:creationId xmlns:a16="http://schemas.microsoft.com/office/drawing/2014/main" id="{F7CD0CA3-CA6C-764F-BD0A-7F9C46FE2899}"/>
+              </a:ext>
+            </a:extLst>
+          </p:cNvPr>
+          <p:cNvSpPr>
+            <a:spLocks noGrp="1"/>
+          </p:cNvSpPr>
+          <p:nvPr>
+            <p:ph type="title"/>
+          </p:nvPr>
+        </p:nvSpPr>
+        <p:spPr/>
+        <p:txBody>
+          <a:bodyPr/>
+          <a:lstStyle/>
+          <a:p>
+            <a:r>
+              <a:rPr lang="ja-JP" altLang="en-US"/>
+              <a:t>実装したアルゴリズム</a:t>
+            </a:r>
+            <a:r>
+              <a:rPr lang="en-US" altLang="ja-JP"/>
+              <a:t>⑤:</a:t>
+            </a:r>
+            <a:r>
+              <a:rPr lang="ja-JP" altLang="en-US"/>
+              <a:t> 線分に新たな地点を接続</a:t>
+            </a:r>
+            <a:endParaRPr kumimoji="1" lang="ja-JP" altLang="en-US"/>
+          </a:p>
+        </p:txBody>
+      </p:sp>
+      <p:sp>
+        <p:nvSpPr>
+          <p:cNvPr id="3" name="コンテンツ プレースホルダー 2">
+            <a:extLst>
+              <a:ext uri="{FF2B5EF4-FFF2-40B4-BE49-F238E27FC236}">
+                <a16:creationId xmlns:a16="http://schemas.microsoft.com/office/drawing/2014/main" id="{08089BF9-C33A-2B4D-A1CF-8B4FBAF09322}"/>
+              </a:ext>
+            </a:extLst>
+          </p:cNvPr>
+          <p:cNvSpPr>
+            <a:spLocks noGrp="1"/>
+          </p:cNvSpPr>
+          <p:nvPr>
+            <p:ph idx="1"/>
+          </p:nvPr>
+        </p:nvSpPr>
+        <p:spPr/>
+        <p:txBody>
+          <a:bodyPr>
+            <a:normAutofit/>
+          </a:bodyPr>
+          <a:lstStyle/>
+          <a:p>
+            <a:pPr marL="0" indent="0">
+              <a:buNone/>
+            </a:pPr>
+            <a:r>
+              <a:rPr kumimoji="1" lang="ja-JP" altLang="en-US"/>
+              <a:t>ある線分に追加地点を接続する時のもっとも距離の短い交点を求める</a:t>
+            </a:r>
+            <a:endParaRPr kumimoji="1" lang="en-US" altLang="ja-JP"/>
+          </a:p>
+          <a:p>
+            <a:endParaRPr lang="en-US" altLang="ja-JP"/>
+          </a:p>
+          <a:p>
+            <a:pPr marL="457200" indent="-457200">
+              <a:buFont typeface="+mj-lt"/>
+              <a:buAutoNum type="arabicPeriod"/>
+            </a:pPr>
+            <a:r>
+              <a:rPr lang="ja-JP" altLang="en-US"/>
+              <a:t>直線①</a:t>
+            </a:r>
+            <a:r>
+              <a:rPr lang="en-US" altLang="ja-JP"/>
+              <a:t>: y = ax + b</a:t>
+            </a:r>
+            <a:r>
+              <a:rPr lang="ja-JP" altLang="en-US"/>
+              <a:t> に垂直に接続する直線</a:t>
+            </a:r>
+            <a:r>
+              <a:rPr lang="en-US" altLang="ja-JP"/>
+              <a:t>②:</a:t>
+            </a:r>
+            <a:r>
+              <a:rPr lang="ja-JP" altLang="en-US"/>
+              <a:t> </a:t>
+            </a:r>
+            <a:r>
+              <a:rPr lang="en-US" altLang="ja-JP"/>
+              <a:t>y =</a:t>
+            </a:r>
+            <a:r>
+              <a:rPr lang="ja-JP" altLang="en-US"/>
+              <a:t> </a:t>
+            </a:r>
+            <a:r>
+              <a:rPr lang="en-US" altLang="ja-JP"/>
+              <a:t>α</a:t>
+            </a:r>
+            <a:r>
+              <a:rPr lang="ja-JP" altLang="en-US"/>
+              <a:t> </a:t>
+            </a:r>
+            <a:r>
+              <a:rPr lang="en-US" altLang="ja-JP"/>
+              <a:t>x</a:t>
+            </a:r>
+            <a:r>
+              <a:rPr lang="ja-JP" altLang="en-US"/>
+              <a:t> </a:t>
+            </a:r>
+            <a:r>
+              <a:rPr lang="en-US" altLang="ja-JP"/>
+              <a:t>+</a:t>
+            </a:r>
+            <a:r>
+              <a:rPr lang="ja-JP" altLang="en-US"/>
+              <a:t> </a:t>
+            </a:r>
+            <a:r>
+              <a:rPr lang="en-US" altLang="ja-JP"/>
+              <a:t>β</a:t>
+            </a:r>
+            <a:r>
+              <a:rPr lang="ja-JP" altLang="en-US"/>
+              <a:t> を求める</a:t>
+            </a:r>
+            <a:endParaRPr lang="en-US" altLang="ja-JP"/>
+          </a:p>
+          <a:p>
+            <a:pPr marL="457200" indent="-457200">
+              <a:buFont typeface="+mj-lt"/>
+              <a:buAutoNum type="arabicPeriod"/>
+            </a:pPr>
+            <a:r>
+              <a:rPr lang="ja-JP" altLang="en-US"/>
+              <a:t>直線</a:t>
+            </a:r>
+            <a:r>
+              <a:rPr lang="en-US" altLang="ja-JP"/>
+              <a:t>①</a:t>
+            </a:r>
+            <a:r>
+              <a:rPr lang="ja-JP" altLang="en-US"/>
+              <a:t>と直線</a:t>
+            </a:r>
+            <a:r>
+              <a:rPr lang="en-US" altLang="ja-JP"/>
+              <a:t>②</a:t>
+            </a:r>
+            <a:r>
+              <a:rPr lang="ja-JP" altLang="en-US"/>
+              <a:t>の</a:t>
+            </a:r>
+            <a:r>
+              <a:rPr kumimoji="1" lang="ja-JP" altLang="en-US"/>
+              <a:t>交点</a:t>
+            </a:r>
+            <a:r>
+              <a:rPr kumimoji="1" lang="en-US" altLang="ja-JP"/>
+              <a:t>P</a:t>
+            </a:r>
+            <a:r>
+              <a:rPr kumimoji="1" lang="ja-JP" altLang="en-US"/>
+              <a:t>を求める</a:t>
+            </a:r>
+            <a:endParaRPr kumimoji="1" lang="en-US" altLang="ja-JP"/>
+          </a:p>
+          <a:p>
+            <a:pPr marL="457200" indent="-457200">
+              <a:buFont typeface="+mj-lt"/>
+              <a:buAutoNum type="arabicPeriod"/>
+            </a:pPr>
+            <a:r>
+              <a:rPr lang="ja-JP" altLang="en-US"/>
+              <a:t>交点</a:t>
+            </a:r>
+            <a:r>
+              <a:rPr lang="en-US" altLang="ja-JP"/>
+              <a:t>P</a:t>
+            </a:r>
+            <a:r>
+              <a:rPr lang="ja-JP" altLang="en-US"/>
+              <a:t>が</a:t>
+            </a:r>
+            <a:r>
+              <a:rPr lang="en-US" altLang="ja-JP"/>
+              <a:t> y = ax + b</a:t>
+            </a:r>
+            <a:r>
+              <a:rPr lang="ja-JP" altLang="en-US"/>
+              <a:t>上の点なら交点</a:t>
+            </a:r>
+            <a:r>
+              <a:rPr lang="en-US" altLang="ja-JP"/>
+              <a:t>P</a:t>
+            </a:r>
+            <a:r>
+              <a:rPr lang="ja-JP" altLang="en-US"/>
+              <a:t>が求める交点</a:t>
+            </a:r>
+            <a:r>
+              <a:rPr lang="en-US" altLang="ja-JP"/>
+              <a:t>,</a:t>
+            </a:r>
+            <a:r>
+              <a:rPr lang="ja-JP" altLang="en-US"/>
+              <a:t> 違うなら線分の始点と終点のうち追加点に近い点を交点とする</a:t>
+            </a:r>
+            <a:endParaRPr kumimoji="1" lang="ja-JP" altLang="en-US"/>
+          </a:p>
+        </p:txBody>
+      </p:sp>
+    </p:spTree>
+    <p:extLst>
+      <p:ext uri="{BB962C8B-B14F-4D97-AF65-F5344CB8AC3E}">
+        <p14:creationId xmlns:p14="http://schemas.microsoft.com/office/powerpoint/2010/main" val="2699625581"/>
       </p:ext>
     </p:extLst>
   </p:cSld>

--- a/Reports/Midterm.pptx
+++ b/Reports/Midterm.pptx
@@ -11,18 +11,17 @@
     <p:sldId id="259" r:id="rId5"/>
     <p:sldId id="260" r:id="rId6"/>
     <p:sldId id="273" r:id="rId7"/>
-    <p:sldId id="266" r:id="rId8"/>
-    <p:sldId id="272" r:id="rId9"/>
+    <p:sldId id="272" r:id="rId8"/>
+    <p:sldId id="266" r:id="rId9"/>
     <p:sldId id="267" r:id="rId10"/>
     <p:sldId id="270" r:id="rId11"/>
     <p:sldId id="268" r:id="rId12"/>
     <p:sldId id="261" r:id="rId13"/>
     <p:sldId id="262" r:id="rId14"/>
-    <p:sldId id="269" r:id="rId15"/>
-    <p:sldId id="271" r:id="rId16"/>
-    <p:sldId id="263" r:id="rId17"/>
-    <p:sldId id="264" r:id="rId18"/>
-    <p:sldId id="265" r:id="rId19"/>
+    <p:sldId id="271" r:id="rId15"/>
+    <p:sldId id="263" r:id="rId16"/>
+    <p:sldId id="264" r:id="rId17"/>
+    <p:sldId id="265" r:id="rId18"/>
   </p:sldIdLst>
   <p:sldSz cx="12192000" cy="6858000"/>
   <p:notesSz cx="6858000" cy="9144000"/>
@@ -347,7 +346,7 @@
           <a:noFill/>
           <a:extLst>
             <a:ext uri="{909E8E84-426E-40dd-AFC4-6F175D3DCCD1}">
-              <a14:hiddenFill xmlns="" xmlns:a14="http://schemas.microsoft.com/office/drawing/2010/main">
+              <a14:hiddenFill xmlns:a14="http://schemas.microsoft.com/office/drawing/2010/main" xmlns="">
                 <a:solidFill>
                   <a:srgbClr val="FFFFFF"/>
                 </a:solidFill>
@@ -407,7 +406,7 @@
             </a:ln>
             <a:extLst>
               <a:ext uri="{91240B29-F687-4f45-9708-019B960494DF}">
-                <a14:hiddenLine xmlns="" xmlns:a14="http://schemas.microsoft.com/office/drawing/2010/main" w="9525">
+                <a14:hiddenLine xmlns:a14="http://schemas.microsoft.com/office/drawing/2010/main" xmlns="" w="9525">
                   <a:solidFill>
                     <a:srgbClr val="000000"/>
                   </a:solidFill>
@@ -497,7 +496,7 @@
             </a:ln>
             <a:extLst>
               <a:ext uri="{91240B29-F687-4f45-9708-019B960494DF}">
-                <a14:hiddenLine xmlns="" xmlns:a14="http://schemas.microsoft.com/office/drawing/2010/main" w="9525">
+                <a14:hiddenLine xmlns:a14="http://schemas.microsoft.com/office/drawing/2010/main" xmlns="" w="9525">
                   <a:solidFill>
                     <a:srgbClr val="000000"/>
                   </a:solidFill>
@@ -587,7 +586,7 @@
             </a:ln>
             <a:extLst>
               <a:ext uri="{91240B29-F687-4f45-9708-019B960494DF}">
-                <a14:hiddenLine xmlns="" xmlns:a14="http://schemas.microsoft.com/office/drawing/2010/main" w="9525">
+                <a14:hiddenLine xmlns:a14="http://schemas.microsoft.com/office/drawing/2010/main" xmlns="" w="9525">
                   <a:solidFill>
                     <a:srgbClr val="000000"/>
                   </a:solidFill>
@@ -621,7 +620,7 @@
             </a:ln>
             <a:extLst>
               <a:ext uri="{91240B29-F687-4f45-9708-019B960494DF}">
-                <a14:hiddenLine xmlns="" xmlns:a14="http://schemas.microsoft.com/office/drawing/2010/main" w="9525">
+                <a14:hiddenLine xmlns:a14="http://schemas.microsoft.com/office/drawing/2010/main" xmlns="" w="9525">
                   <a:solidFill>
                     <a:srgbClr val="000000"/>
                   </a:solidFill>
@@ -711,7 +710,7 @@
             </a:ln>
             <a:extLst>
               <a:ext uri="{91240B29-F687-4f45-9708-019B960494DF}">
-                <a14:hiddenLine xmlns="" xmlns:a14="http://schemas.microsoft.com/office/drawing/2010/main" w="9525">
+                <a14:hiddenLine xmlns:a14="http://schemas.microsoft.com/office/drawing/2010/main" xmlns="" w="9525">
                   <a:solidFill>
                     <a:srgbClr val="000000"/>
                   </a:solidFill>
@@ -773,7 +772,7 @@
             </a:ln>
             <a:extLst>
               <a:ext uri="{91240B29-F687-4f45-9708-019B960494DF}">
-                <a14:hiddenLine xmlns="" xmlns:a14="http://schemas.microsoft.com/office/drawing/2010/main" w="9525">
+                <a14:hiddenLine xmlns:a14="http://schemas.microsoft.com/office/drawing/2010/main" xmlns="" w="9525">
                   <a:solidFill>
                     <a:srgbClr val="000000"/>
                   </a:solidFill>
@@ -835,7 +834,7 @@
             </a:ln>
             <a:extLst>
               <a:ext uri="{91240B29-F687-4f45-9708-019B960494DF}">
-                <a14:hiddenLine xmlns="" xmlns:a14="http://schemas.microsoft.com/office/drawing/2010/main" w="9525">
+                <a14:hiddenLine xmlns:a14="http://schemas.microsoft.com/office/drawing/2010/main" xmlns="" w="9525">
                   <a:solidFill>
                     <a:srgbClr val="000000"/>
                   </a:solidFill>
@@ -925,7 +924,7 @@
             </a:ln>
             <a:extLst>
               <a:ext uri="{91240B29-F687-4f45-9708-019B960494DF}">
-                <a14:hiddenLine xmlns="" xmlns:a14="http://schemas.microsoft.com/office/drawing/2010/main" w="9525">
+                <a14:hiddenLine xmlns:a14="http://schemas.microsoft.com/office/drawing/2010/main" xmlns="" w="9525">
                   <a:solidFill>
                     <a:srgbClr val="000000"/>
                   </a:solidFill>
@@ -987,7 +986,7 @@
             </a:ln>
             <a:extLst>
               <a:ext uri="{91240B29-F687-4f45-9708-019B960494DF}">
-                <a14:hiddenLine xmlns="" xmlns:a14="http://schemas.microsoft.com/office/drawing/2010/main" w="9525">
+                <a14:hiddenLine xmlns:a14="http://schemas.microsoft.com/office/drawing/2010/main" xmlns="" w="9525">
                   <a:solidFill>
                     <a:srgbClr val="000000"/>
                   </a:solidFill>
@@ -1049,7 +1048,7 @@
             </a:ln>
             <a:extLst>
               <a:ext uri="{91240B29-F687-4f45-9708-019B960494DF}">
-                <a14:hiddenLine xmlns="" xmlns:a14="http://schemas.microsoft.com/office/drawing/2010/main" w="9525">
+                <a14:hiddenLine xmlns:a14="http://schemas.microsoft.com/office/drawing/2010/main" xmlns="" w="9525">
                   <a:solidFill>
                     <a:srgbClr val="000000"/>
                   </a:solidFill>
@@ -1139,7 +1138,7 @@
             </a:ln>
             <a:extLst>
               <a:ext uri="{91240B29-F687-4f45-9708-019B960494DF}">
-                <a14:hiddenLine xmlns="" xmlns:a14="http://schemas.microsoft.com/office/drawing/2010/main" w="9525">
+                <a14:hiddenLine xmlns:a14="http://schemas.microsoft.com/office/drawing/2010/main" xmlns="" w="9525">
                   <a:solidFill>
                     <a:srgbClr val="000000"/>
                   </a:solidFill>
@@ -1229,7 +1228,7 @@
             </a:ln>
             <a:extLst>
               <a:ext uri="{91240B29-F687-4f45-9708-019B960494DF}">
-                <a14:hiddenLine xmlns="" xmlns:a14="http://schemas.microsoft.com/office/drawing/2010/main" w="9525">
+                <a14:hiddenLine xmlns:a14="http://schemas.microsoft.com/office/drawing/2010/main" xmlns="" w="9525">
                   <a:solidFill>
                     <a:srgbClr val="000000"/>
                   </a:solidFill>
@@ -1291,7 +1290,7 @@
             </a:ln>
             <a:extLst>
               <a:ext uri="{91240B29-F687-4f45-9708-019B960494DF}">
-                <a14:hiddenLine xmlns="" xmlns:a14="http://schemas.microsoft.com/office/drawing/2010/main" w="9525">
+                <a14:hiddenLine xmlns:a14="http://schemas.microsoft.com/office/drawing/2010/main" xmlns="" w="9525">
                   <a:solidFill>
                     <a:srgbClr val="000000"/>
                   </a:solidFill>
@@ -1401,7 +1400,7 @@
             </a:ln>
             <a:extLst>
               <a:ext uri="{91240B29-F687-4f45-9708-019B960494DF}">
-                <a14:hiddenLine xmlns="" xmlns:a14="http://schemas.microsoft.com/office/drawing/2010/main" w="9525">
+                <a14:hiddenLine xmlns:a14="http://schemas.microsoft.com/office/drawing/2010/main" xmlns="" w="9525">
                   <a:solidFill>
                     <a:srgbClr val="000000"/>
                   </a:solidFill>
@@ -1463,7 +1462,7 @@
             </a:ln>
             <a:extLst>
               <a:ext uri="{91240B29-F687-4f45-9708-019B960494DF}">
-                <a14:hiddenLine xmlns="" xmlns:a14="http://schemas.microsoft.com/office/drawing/2010/main" w="9525">
+                <a14:hiddenLine xmlns:a14="http://schemas.microsoft.com/office/drawing/2010/main" xmlns="" w="9525">
                   <a:solidFill>
                     <a:srgbClr val="000000"/>
                   </a:solidFill>
@@ -1553,7 +1552,7 @@
             </a:ln>
             <a:extLst>
               <a:ext uri="{91240B29-F687-4f45-9708-019B960494DF}">
-                <a14:hiddenLine xmlns="" xmlns:a14="http://schemas.microsoft.com/office/drawing/2010/main" w="9525">
+                <a14:hiddenLine xmlns:a14="http://schemas.microsoft.com/office/drawing/2010/main" xmlns="" w="9525">
                   <a:solidFill>
                     <a:srgbClr val="000000"/>
                   </a:solidFill>
@@ -1643,7 +1642,7 @@
             </a:ln>
             <a:extLst>
               <a:ext uri="{91240B29-F687-4f45-9708-019B960494DF}">
-                <a14:hiddenLine xmlns="" xmlns:a14="http://schemas.microsoft.com/office/drawing/2010/main" w="9525">
+                <a14:hiddenLine xmlns:a14="http://schemas.microsoft.com/office/drawing/2010/main" xmlns="" w="9525">
                   <a:solidFill>
                     <a:srgbClr val="000000"/>
                   </a:solidFill>
@@ -1705,7 +1704,7 @@
             </a:ln>
             <a:extLst>
               <a:ext uri="{91240B29-F687-4f45-9708-019B960494DF}">
-                <a14:hiddenLine xmlns="" xmlns:a14="http://schemas.microsoft.com/office/drawing/2010/main" w="9525">
+                <a14:hiddenLine xmlns:a14="http://schemas.microsoft.com/office/drawing/2010/main" xmlns="" w="9525">
                   <a:solidFill>
                     <a:srgbClr val="000000"/>
                   </a:solidFill>
@@ -1795,7 +1794,7 @@
             </a:ln>
             <a:extLst>
               <a:ext uri="{91240B29-F687-4f45-9708-019B960494DF}">
-                <a14:hiddenLine xmlns="" xmlns:a14="http://schemas.microsoft.com/office/drawing/2010/main" w="9525">
+                <a14:hiddenLine xmlns:a14="http://schemas.microsoft.com/office/drawing/2010/main" xmlns="" w="9525">
                   <a:solidFill>
                     <a:srgbClr val="000000"/>
                   </a:solidFill>
@@ -1885,7 +1884,7 @@
             </a:ln>
             <a:extLst>
               <a:ext uri="{91240B29-F687-4f45-9708-019B960494DF}">
-                <a14:hiddenLine xmlns="" xmlns:a14="http://schemas.microsoft.com/office/drawing/2010/main" w="9525">
+                <a14:hiddenLine xmlns:a14="http://schemas.microsoft.com/office/drawing/2010/main" xmlns="" w="9525">
                   <a:solidFill>
                     <a:srgbClr val="000000"/>
                   </a:solidFill>
@@ -1941,7 +1940,7 @@
             </a:ln>
             <a:extLst>
               <a:ext uri="{91240B29-F687-4f45-9708-019B960494DF}">
-                <a14:hiddenLine xmlns="" xmlns:a14="http://schemas.microsoft.com/office/drawing/2010/main" w="9525">
+                <a14:hiddenLine xmlns:a14="http://schemas.microsoft.com/office/drawing/2010/main" xmlns="" w="9525">
                   <a:solidFill>
                     <a:srgbClr val="000000"/>
                   </a:solidFill>
@@ -2031,7 +2030,7 @@
             </a:ln>
             <a:extLst>
               <a:ext uri="{91240B29-F687-4f45-9708-019B960494DF}">
-                <a14:hiddenLine xmlns="" xmlns:a14="http://schemas.microsoft.com/office/drawing/2010/main" w="9525">
+                <a14:hiddenLine xmlns:a14="http://schemas.microsoft.com/office/drawing/2010/main" xmlns="" w="9525">
                   <a:solidFill>
                     <a:srgbClr val="000000"/>
                   </a:solidFill>
@@ -2087,7 +2086,7 @@
             </a:ln>
             <a:extLst>
               <a:ext uri="{91240B29-F687-4f45-9708-019B960494DF}">
-                <a14:hiddenLine xmlns="" xmlns:a14="http://schemas.microsoft.com/office/drawing/2010/main" w="9525">
+                <a14:hiddenLine xmlns:a14="http://schemas.microsoft.com/office/drawing/2010/main" xmlns="" w="9525">
                   <a:solidFill>
                     <a:srgbClr val="000000"/>
                   </a:solidFill>
@@ -2177,7 +2176,7 @@
             </a:ln>
             <a:extLst>
               <a:ext uri="{91240B29-F687-4f45-9708-019B960494DF}">
-                <a14:hiddenLine xmlns="" xmlns:a14="http://schemas.microsoft.com/office/drawing/2010/main" w="9525">
+                <a14:hiddenLine xmlns:a14="http://schemas.microsoft.com/office/drawing/2010/main" xmlns="" w="9525">
                   <a:solidFill>
                     <a:srgbClr val="000000"/>
                   </a:solidFill>
@@ -2245,7 +2244,7 @@
             </a:ln>
             <a:extLst>
               <a:ext uri="{91240B29-F687-4f45-9708-019B960494DF}">
-                <a14:hiddenLine xmlns="" xmlns:a14="http://schemas.microsoft.com/office/drawing/2010/main" w="9525">
+                <a14:hiddenLine xmlns:a14="http://schemas.microsoft.com/office/drawing/2010/main" xmlns="" w="9525">
                   <a:solidFill>
                     <a:srgbClr val="000000"/>
                   </a:solidFill>
@@ -2335,7 +2334,7 @@
             </a:ln>
             <a:extLst>
               <a:ext uri="{91240B29-F687-4f45-9708-019B960494DF}">
-                <a14:hiddenLine xmlns="" xmlns:a14="http://schemas.microsoft.com/office/drawing/2010/main" w="9525">
+                <a14:hiddenLine xmlns:a14="http://schemas.microsoft.com/office/drawing/2010/main" xmlns="" w="9525">
                   <a:solidFill>
                     <a:srgbClr val="000000"/>
                   </a:solidFill>
@@ -2403,7 +2402,7 @@
             </a:ln>
             <a:extLst>
               <a:ext uri="{91240B29-F687-4f45-9708-019B960494DF}">
-                <a14:hiddenLine xmlns="" xmlns:a14="http://schemas.microsoft.com/office/drawing/2010/main" w="9525">
+                <a14:hiddenLine xmlns:a14="http://schemas.microsoft.com/office/drawing/2010/main" xmlns="" w="9525">
                   <a:solidFill>
                     <a:srgbClr val="000000"/>
                   </a:solidFill>
@@ -2493,7 +2492,7 @@
             </a:ln>
             <a:extLst>
               <a:ext uri="{91240B29-F687-4f45-9708-019B960494DF}">
-                <a14:hiddenLine xmlns="" xmlns:a14="http://schemas.microsoft.com/office/drawing/2010/main" w="9525">
+                <a14:hiddenLine xmlns:a14="http://schemas.microsoft.com/office/drawing/2010/main" xmlns="" w="9525">
                   <a:solidFill>
                     <a:srgbClr val="000000"/>
                   </a:solidFill>
@@ -2527,7 +2526,7 @@
             </a:ln>
             <a:extLst>
               <a:ext uri="{91240B29-F687-4f45-9708-019B960494DF}">
-                <a14:hiddenLine xmlns="" xmlns:a14="http://schemas.microsoft.com/office/drawing/2010/main" w="9525">
+                <a14:hiddenLine xmlns:a14="http://schemas.microsoft.com/office/drawing/2010/main" xmlns="" w="9525">
                   <a:solidFill>
                     <a:srgbClr val="000000"/>
                   </a:solidFill>
@@ -2617,7 +2616,7 @@
             </a:ln>
             <a:extLst>
               <a:ext uri="{91240B29-F687-4f45-9708-019B960494DF}">
-                <a14:hiddenLine xmlns="" xmlns:a14="http://schemas.microsoft.com/office/drawing/2010/main" w="9525">
+                <a14:hiddenLine xmlns:a14="http://schemas.microsoft.com/office/drawing/2010/main" xmlns="" w="9525">
                   <a:solidFill>
                     <a:srgbClr val="000000"/>
                   </a:solidFill>
@@ -2679,7 +2678,7 @@
             </a:ln>
             <a:extLst>
               <a:ext uri="{91240B29-F687-4f45-9708-019B960494DF}">
-                <a14:hiddenLine xmlns="" xmlns:a14="http://schemas.microsoft.com/office/drawing/2010/main" w="9525">
+                <a14:hiddenLine xmlns:a14="http://schemas.microsoft.com/office/drawing/2010/main" xmlns="" w="9525">
                   <a:solidFill>
                     <a:srgbClr val="000000"/>
                   </a:solidFill>
@@ -2741,7 +2740,7 @@
             </a:ln>
             <a:extLst>
               <a:ext uri="{91240B29-F687-4f45-9708-019B960494DF}">
-                <a14:hiddenLine xmlns="" xmlns:a14="http://schemas.microsoft.com/office/drawing/2010/main" w="9525">
+                <a14:hiddenLine xmlns:a14="http://schemas.microsoft.com/office/drawing/2010/main" xmlns="" w="9525">
                   <a:solidFill>
                     <a:srgbClr val="000000"/>
                   </a:solidFill>
@@ -2831,7 +2830,7 @@
             </a:ln>
             <a:extLst>
               <a:ext uri="{91240B29-F687-4f45-9708-019B960494DF}">
-                <a14:hiddenLine xmlns="" xmlns:a14="http://schemas.microsoft.com/office/drawing/2010/main" w="9525">
+                <a14:hiddenLine xmlns:a14="http://schemas.microsoft.com/office/drawing/2010/main" xmlns="" w="9525">
                   <a:solidFill>
                     <a:srgbClr val="000000"/>
                   </a:solidFill>
@@ -2899,7 +2898,7 @@
             </a:ln>
             <a:extLst>
               <a:ext uri="{91240B29-F687-4f45-9708-019B960494DF}">
-                <a14:hiddenLine xmlns="" xmlns:a14="http://schemas.microsoft.com/office/drawing/2010/main" w="9525">
+                <a14:hiddenLine xmlns:a14="http://schemas.microsoft.com/office/drawing/2010/main" xmlns="" w="9525">
                   <a:solidFill>
                     <a:srgbClr val="000000"/>
                   </a:solidFill>
@@ -2961,7 +2960,7 @@
             </a:ln>
             <a:extLst>
               <a:ext uri="{91240B29-F687-4f45-9708-019B960494DF}">
-                <a14:hiddenLine xmlns="" xmlns:a14="http://schemas.microsoft.com/office/drawing/2010/main" w="9525">
+                <a14:hiddenLine xmlns:a14="http://schemas.microsoft.com/office/drawing/2010/main" xmlns="" w="9525">
                   <a:solidFill>
                     <a:srgbClr val="000000"/>
                   </a:solidFill>
@@ -3051,7 +3050,7 @@
             </a:ln>
             <a:extLst>
               <a:ext uri="{91240B29-F687-4f45-9708-019B960494DF}">
-                <a14:hiddenLine xmlns="" xmlns:a14="http://schemas.microsoft.com/office/drawing/2010/main" w="9525">
+                <a14:hiddenLine xmlns:a14="http://schemas.microsoft.com/office/drawing/2010/main" xmlns="" w="9525">
                   <a:solidFill>
                     <a:srgbClr val="000000"/>
                   </a:solidFill>
@@ -3113,7 +3112,7 @@
             </a:ln>
             <a:extLst>
               <a:ext uri="{91240B29-F687-4f45-9708-019B960494DF}">
-                <a14:hiddenLine xmlns="" xmlns:a14="http://schemas.microsoft.com/office/drawing/2010/main" w="9525">
+                <a14:hiddenLine xmlns:a14="http://schemas.microsoft.com/office/drawing/2010/main" xmlns="" w="9525">
                   <a:solidFill>
                     <a:srgbClr val="000000"/>
                   </a:solidFill>
@@ -3203,7 +3202,7 @@
             </a:ln>
             <a:extLst>
               <a:ext uri="{91240B29-F687-4f45-9708-019B960494DF}">
-                <a14:hiddenLine xmlns="" xmlns:a14="http://schemas.microsoft.com/office/drawing/2010/main" w="9525">
+                <a14:hiddenLine xmlns:a14="http://schemas.microsoft.com/office/drawing/2010/main" xmlns="" w="9525">
                   <a:solidFill>
                     <a:srgbClr val="000000"/>
                   </a:solidFill>
@@ -3265,7 +3264,7 @@
             </a:ln>
             <a:extLst>
               <a:ext uri="{91240B29-F687-4f45-9708-019B960494DF}">
-                <a14:hiddenLine xmlns="" xmlns:a14="http://schemas.microsoft.com/office/drawing/2010/main" w="9525">
+                <a14:hiddenLine xmlns:a14="http://schemas.microsoft.com/office/drawing/2010/main" xmlns="" w="9525">
                   <a:solidFill>
                     <a:srgbClr val="000000"/>
                   </a:solidFill>
@@ -3355,7 +3354,7 @@
             </a:ln>
             <a:extLst>
               <a:ext uri="{91240B29-F687-4f45-9708-019B960494DF}">
-                <a14:hiddenLine xmlns="" xmlns:a14="http://schemas.microsoft.com/office/drawing/2010/main" w="9525">
+                <a14:hiddenLine xmlns:a14="http://schemas.microsoft.com/office/drawing/2010/main" xmlns="" w="9525">
                   <a:solidFill>
                     <a:srgbClr val="000000"/>
                   </a:solidFill>
@@ -3389,7 +3388,7 @@
             </a:ln>
             <a:extLst>
               <a:ext uri="{91240B29-F687-4f45-9708-019B960494DF}">
-                <a14:hiddenLine xmlns="" xmlns:a14="http://schemas.microsoft.com/office/drawing/2010/main" w="9525">
+                <a14:hiddenLine xmlns:a14="http://schemas.microsoft.com/office/drawing/2010/main" xmlns="" w="9525">
                   <a:solidFill>
                     <a:srgbClr val="000000"/>
                   </a:solidFill>
@@ -3454,7 +3453,7 @@
             </a:ln>
             <a:extLst>
               <a:ext uri="{91240B29-F687-4f45-9708-019B960494DF}">
-                <a14:hiddenLine xmlns="" xmlns:a14="http://schemas.microsoft.com/office/drawing/2010/main" w="9525">
+                <a14:hiddenLine xmlns:a14="http://schemas.microsoft.com/office/drawing/2010/main" xmlns="" w="9525">
                   <a:solidFill>
                     <a:srgbClr val="000000"/>
                   </a:solidFill>
@@ -3544,7 +3543,7 @@
             </a:ln>
             <a:extLst>
               <a:ext uri="{91240B29-F687-4f45-9708-019B960494DF}">
-                <a14:hiddenLine xmlns="" xmlns:a14="http://schemas.microsoft.com/office/drawing/2010/main" w="9525">
+                <a14:hiddenLine xmlns:a14="http://schemas.microsoft.com/office/drawing/2010/main" xmlns="" w="9525">
                   <a:solidFill>
                     <a:srgbClr val="000000"/>
                   </a:solidFill>
@@ -3606,7 +3605,7 @@
             </a:ln>
             <a:extLst>
               <a:ext uri="{91240B29-F687-4f45-9708-019B960494DF}">
-                <a14:hiddenLine xmlns="" xmlns:a14="http://schemas.microsoft.com/office/drawing/2010/main" w="9525">
+                <a14:hiddenLine xmlns:a14="http://schemas.microsoft.com/office/drawing/2010/main" xmlns="" w="9525">
                   <a:solidFill>
                     <a:srgbClr val="000000"/>
                   </a:solidFill>
@@ -3696,7 +3695,7 @@
             </a:ln>
             <a:extLst>
               <a:ext uri="{91240B29-F687-4f45-9708-019B960494DF}">
-                <a14:hiddenLine xmlns="" xmlns:a14="http://schemas.microsoft.com/office/drawing/2010/main" w="9525">
+                <a14:hiddenLine xmlns:a14="http://schemas.microsoft.com/office/drawing/2010/main" xmlns="" w="9525">
                   <a:solidFill>
                     <a:srgbClr val="000000"/>
                   </a:solidFill>
@@ -3786,7 +3785,7 @@
             </a:ln>
             <a:extLst>
               <a:ext uri="{91240B29-F687-4f45-9708-019B960494DF}">
-                <a14:hiddenLine xmlns="" xmlns:a14="http://schemas.microsoft.com/office/drawing/2010/main" w="9525">
+                <a14:hiddenLine xmlns:a14="http://schemas.microsoft.com/office/drawing/2010/main" xmlns="" w="9525">
                   <a:solidFill>
                     <a:srgbClr val="000000"/>
                   </a:solidFill>
@@ -3851,7 +3850,7 @@
             </a:ln>
             <a:extLst>
               <a:ext uri="{91240B29-F687-4f45-9708-019B960494DF}">
-                <a14:hiddenLine xmlns="" xmlns:a14="http://schemas.microsoft.com/office/drawing/2010/main" w="9525">
+                <a14:hiddenLine xmlns:a14="http://schemas.microsoft.com/office/drawing/2010/main" xmlns="" w="9525">
                   <a:solidFill>
                     <a:srgbClr val="000000"/>
                   </a:solidFill>
@@ -3913,7 +3912,7 @@
             </a:ln>
             <a:extLst>
               <a:ext uri="{91240B29-F687-4f45-9708-019B960494DF}">
-                <a14:hiddenLine xmlns="" xmlns:a14="http://schemas.microsoft.com/office/drawing/2010/main" w="9525">
+                <a14:hiddenLine xmlns:a14="http://schemas.microsoft.com/office/drawing/2010/main" xmlns="" w="9525">
                   <a:solidFill>
                     <a:srgbClr val="000000"/>
                   </a:solidFill>
@@ -4003,7 +4002,7 @@
             </a:ln>
             <a:extLst>
               <a:ext uri="{91240B29-F687-4f45-9708-019B960494DF}">
-                <a14:hiddenLine xmlns="" xmlns:a14="http://schemas.microsoft.com/office/drawing/2010/main" w="9525">
+                <a14:hiddenLine xmlns:a14="http://schemas.microsoft.com/office/drawing/2010/main" xmlns="" w="9525">
                   <a:solidFill>
                     <a:srgbClr val="000000"/>
                   </a:solidFill>
@@ -4093,7 +4092,7 @@
             </a:ln>
             <a:extLst>
               <a:ext uri="{91240B29-F687-4f45-9708-019B960494DF}">
-                <a14:hiddenLine xmlns="" xmlns:a14="http://schemas.microsoft.com/office/drawing/2010/main" w="9525">
+                <a14:hiddenLine xmlns:a14="http://schemas.microsoft.com/office/drawing/2010/main" xmlns="" w="9525">
                   <a:solidFill>
                     <a:srgbClr val="000000"/>
                   </a:solidFill>
@@ -4155,7 +4154,7 @@
             </a:ln>
             <a:extLst>
               <a:ext uri="{91240B29-F687-4f45-9708-019B960494DF}">
-                <a14:hiddenLine xmlns="" xmlns:a14="http://schemas.microsoft.com/office/drawing/2010/main" w="9525">
+                <a14:hiddenLine xmlns:a14="http://schemas.microsoft.com/office/drawing/2010/main" xmlns="" w="9525">
                   <a:solidFill>
                     <a:srgbClr val="000000"/>
                   </a:solidFill>
@@ -4275,7 +4274,7 @@
             </a:ln>
             <a:extLst>
               <a:ext uri="{91240B29-F687-4f45-9708-019B960494DF}">
-                <a14:hiddenLine xmlns="" xmlns:a14="http://schemas.microsoft.com/office/drawing/2010/main" w="9525">
+                <a14:hiddenLine xmlns:a14="http://schemas.microsoft.com/office/drawing/2010/main" xmlns="" w="9525">
                   <a:solidFill>
                     <a:srgbClr val="000000"/>
                   </a:solidFill>
@@ -4343,7 +4342,7 @@
             </a:ln>
             <a:extLst>
               <a:ext uri="{91240B29-F687-4f45-9708-019B960494DF}">
-                <a14:hiddenLine xmlns="" xmlns:a14="http://schemas.microsoft.com/office/drawing/2010/main" w="9525">
+                <a14:hiddenLine xmlns:a14="http://schemas.microsoft.com/office/drawing/2010/main" xmlns="" w="9525">
                   <a:solidFill>
                     <a:srgbClr val="000000"/>
                   </a:solidFill>
@@ -4433,7 +4432,7 @@
             </a:ln>
             <a:extLst>
               <a:ext uri="{91240B29-F687-4f45-9708-019B960494DF}">
-                <a14:hiddenLine xmlns="" xmlns:a14="http://schemas.microsoft.com/office/drawing/2010/main" w="9525">
+                <a14:hiddenLine xmlns:a14="http://schemas.microsoft.com/office/drawing/2010/main" xmlns="" w="9525">
                   <a:solidFill>
                     <a:srgbClr val="000000"/>
                   </a:solidFill>
@@ -4573,7 +4572,7 @@
           <a:p>
             <a:fld id="{48A87A34-81AB-432B-8DAE-1953F412C126}" type="datetimeFigureOut">
               <a:rPr lang="en-US" dirty="0"/>
-              <a:t>5/31/19</a:t>
+              <a:t>6/1/19</a:t>
             </a:fld>
             <a:endParaRPr lang="en-US" dirty="0"/>
           </a:p>
@@ -4835,7 +4834,7 @@
           <a:p>
             <a:fld id="{48A87A34-81AB-432B-8DAE-1953F412C126}" type="datetimeFigureOut">
               <a:rPr lang="en-US" dirty="0"/>
-              <a:t>5/31/19</a:t>
+              <a:t>6/1/19</a:t>
             </a:fld>
             <a:endParaRPr lang="en-US" dirty="0"/>
           </a:p>
@@ -5026,7 +5025,7 @@
           <a:p>
             <a:fld id="{48A87A34-81AB-432B-8DAE-1953F412C126}" type="datetimeFigureOut">
               <a:rPr lang="en-US" dirty="0"/>
-              <a:t>5/31/19</a:t>
+              <a:t>6/1/19</a:t>
             </a:fld>
             <a:endParaRPr lang="en-US" dirty="0"/>
           </a:p>
@@ -5284,7 +5283,7 @@
           <a:p>
             <a:fld id="{48A87A34-81AB-432B-8DAE-1953F412C126}" type="datetimeFigureOut">
               <a:rPr lang="en-US" dirty="0"/>
-              <a:t>5/31/19</a:t>
+              <a:t>6/1/19</a:t>
             </a:fld>
             <a:endParaRPr lang="en-US" dirty="0"/>
           </a:p>
@@ -5713,7 +5712,7 @@
           <a:p>
             <a:fld id="{48A87A34-81AB-432B-8DAE-1953F412C126}" type="datetimeFigureOut">
               <a:rPr lang="en-US" dirty="0"/>
-              <a:t>5/31/19</a:t>
+              <a:t>6/1/19</a:t>
             </a:fld>
             <a:endParaRPr lang="en-US" dirty="0"/>
           </a:p>
@@ -6254,7 +6253,7 @@
           <a:p>
             <a:fld id="{48A87A34-81AB-432B-8DAE-1953F412C126}" type="datetimeFigureOut">
               <a:rPr lang="en-US" dirty="0"/>
-              <a:t>5/31/19</a:t>
+              <a:t>6/1/19</a:t>
             </a:fld>
             <a:endParaRPr lang="en-US" dirty="0"/>
           </a:p>
@@ -6969,7 +6968,7 @@
           <a:p>
             <a:fld id="{48A87A34-81AB-432B-8DAE-1953F412C126}" type="datetimeFigureOut">
               <a:rPr lang="en-US" dirty="0"/>
-              <a:t>5/31/19</a:t>
+              <a:t>6/1/19</a:t>
             </a:fld>
             <a:endParaRPr lang="en-US" dirty="0"/>
           </a:p>
@@ -7166,7 +7165,7 @@
           <a:p>
             <a:fld id="{48A87A34-81AB-432B-8DAE-1953F412C126}" type="datetimeFigureOut">
               <a:rPr lang="en-US" dirty="0"/>
-              <a:t>5/31/19</a:t>
+              <a:t>6/1/19</a:t>
             </a:fld>
             <a:endParaRPr lang="en-US" dirty="0"/>
           </a:p>
@@ -7373,7 +7372,7 @@
           <a:p>
             <a:fld id="{48A87A34-81AB-432B-8DAE-1953F412C126}" type="datetimeFigureOut">
               <a:rPr lang="en-US" dirty="0"/>
-              <a:t>5/31/19</a:t>
+              <a:t>6/1/19</a:t>
             </a:fld>
             <a:endParaRPr lang="en-US" dirty="0"/>
           </a:p>
@@ -7570,7 +7569,7 @@
           <a:p>
             <a:fld id="{48A87A34-81AB-432B-8DAE-1953F412C126}" type="datetimeFigureOut">
               <a:rPr lang="en-US" dirty="0"/>
-              <a:t>5/31/19</a:t>
+              <a:t>6/1/19</a:t>
             </a:fld>
             <a:endParaRPr lang="en-US" dirty="0"/>
           </a:p>
@@ -7815,7 +7814,7 @@
           <a:p>
             <a:fld id="{48A87A34-81AB-432B-8DAE-1953F412C126}" type="datetimeFigureOut">
               <a:rPr lang="en-US" dirty="0"/>
-              <a:t>5/31/19</a:t>
+              <a:t>6/1/19</a:t>
             </a:fld>
             <a:endParaRPr lang="en-US" dirty="0"/>
           </a:p>
@@ -8106,7 +8105,7 @@
           <a:p>
             <a:fld id="{48A87A34-81AB-432B-8DAE-1953F412C126}" type="datetimeFigureOut">
               <a:rPr lang="en-US" dirty="0"/>
-              <a:t>5/31/19</a:t>
+              <a:t>6/1/19</a:t>
             </a:fld>
             <a:endParaRPr lang="en-US" dirty="0"/>
           </a:p>
@@ -8546,7 +8545,7 @@
           <a:p>
             <a:fld id="{48A87A34-81AB-432B-8DAE-1953F412C126}" type="datetimeFigureOut">
               <a:rPr lang="en-US" dirty="0"/>
-              <a:t>5/31/19</a:t>
+              <a:t>6/1/19</a:t>
             </a:fld>
             <a:endParaRPr lang="en-US" dirty="0"/>
           </a:p>
@@ -8659,7 +8658,7 @@
           <a:p>
             <a:fld id="{48A87A34-81AB-432B-8DAE-1953F412C126}" type="datetimeFigureOut">
               <a:rPr lang="en-US" dirty="0"/>
-              <a:t>5/31/19</a:t>
+              <a:t>6/1/19</a:t>
             </a:fld>
             <a:endParaRPr lang="en-US" dirty="0"/>
           </a:p>
@@ -8749,7 +8748,7 @@
           <a:p>
             <a:fld id="{48A87A34-81AB-432B-8DAE-1953F412C126}" type="datetimeFigureOut">
               <a:rPr lang="en-US" dirty="0"/>
-              <a:t>5/31/19</a:t>
+              <a:t>6/1/19</a:t>
             </a:fld>
             <a:endParaRPr lang="en-US" dirty="0"/>
           </a:p>
@@ -9025,7 +9024,7 @@
           <a:p>
             <a:fld id="{48A87A34-81AB-432B-8DAE-1953F412C126}" type="datetimeFigureOut">
               <a:rPr lang="en-US" dirty="0"/>
-              <a:t>5/31/19</a:t>
+              <a:t>6/1/19</a:t>
             </a:fld>
             <a:endParaRPr lang="en-US" dirty="0"/>
           </a:p>
@@ -9300,7 +9299,7 @@
           <a:p>
             <a:fld id="{48A87A34-81AB-432B-8DAE-1953F412C126}" type="datetimeFigureOut">
               <a:rPr lang="en-US" dirty="0"/>
-              <a:t>5/31/19</a:t>
+              <a:t>6/1/19</a:t>
             </a:fld>
             <a:endParaRPr lang="en-US" dirty="0"/>
           </a:p>
@@ -9411,7 +9410,7 @@
           <a:noFill/>
           <a:extLst>
             <a:ext uri="{909E8E84-426E-40dd-AFC4-6F175D3DCCD1}">
-              <a14:hiddenFill xmlns="" xmlns:a14="http://schemas.microsoft.com/office/drawing/2010/main">
+              <a14:hiddenFill xmlns:a14="http://schemas.microsoft.com/office/drawing/2010/main" xmlns="">
                 <a:solidFill>
                   <a:srgbClr val="FFFFFF"/>
                 </a:solidFill>
@@ -9485,7 +9484,7 @@
               </a:ln>
               <a:extLst>
                 <a:ext uri="{91240B29-F687-4f45-9708-019B960494DF}">
-                  <a14:hiddenLine xmlns="" xmlns:a14="http://schemas.microsoft.com/office/drawing/2010/main" w="9525">
+                  <a14:hiddenLine xmlns:a14="http://schemas.microsoft.com/office/drawing/2010/main" xmlns="" w="9525">
                     <a:solidFill>
                       <a:srgbClr val="000000"/>
                     </a:solidFill>
@@ -9575,7 +9574,7 @@
               </a:ln>
               <a:extLst>
                 <a:ext uri="{91240B29-F687-4f45-9708-019B960494DF}">
-                  <a14:hiddenLine xmlns="" xmlns:a14="http://schemas.microsoft.com/office/drawing/2010/main" w="9525">
+                  <a14:hiddenLine xmlns:a14="http://schemas.microsoft.com/office/drawing/2010/main" xmlns="" w="9525">
                     <a:solidFill>
                       <a:srgbClr val="000000"/>
                     </a:solidFill>
@@ -9665,7 +9664,7 @@
               </a:ln>
               <a:extLst>
                 <a:ext uri="{91240B29-F687-4f45-9708-019B960494DF}">
-                  <a14:hiddenLine xmlns="" xmlns:a14="http://schemas.microsoft.com/office/drawing/2010/main" w="9525">
+                  <a14:hiddenLine xmlns:a14="http://schemas.microsoft.com/office/drawing/2010/main" xmlns="" w="9525">
                     <a:solidFill>
                       <a:srgbClr val="000000"/>
                     </a:solidFill>
@@ -9727,7 +9726,7 @@
               </a:ln>
               <a:extLst>
                 <a:ext uri="{91240B29-F687-4f45-9708-019B960494DF}">
-                  <a14:hiddenLine xmlns="" xmlns:a14="http://schemas.microsoft.com/office/drawing/2010/main" w="9525">
+                  <a14:hiddenLine xmlns:a14="http://schemas.microsoft.com/office/drawing/2010/main" xmlns="" w="9525">
                     <a:solidFill>
                       <a:srgbClr val="000000"/>
                     </a:solidFill>
@@ -9817,7 +9816,7 @@
               </a:ln>
               <a:extLst>
                 <a:ext uri="{91240B29-F687-4f45-9708-019B960494DF}">
-                  <a14:hiddenLine xmlns="" xmlns:a14="http://schemas.microsoft.com/office/drawing/2010/main" w="9525">
+                  <a14:hiddenLine xmlns:a14="http://schemas.microsoft.com/office/drawing/2010/main" xmlns="" w="9525">
                     <a:solidFill>
                       <a:srgbClr val="000000"/>
                     </a:solidFill>
@@ -9879,7 +9878,7 @@
               </a:ln>
               <a:extLst>
                 <a:ext uri="{91240B29-F687-4f45-9708-019B960494DF}">
-                  <a14:hiddenLine xmlns="" xmlns:a14="http://schemas.microsoft.com/office/drawing/2010/main" w="9525">
+                  <a14:hiddenLine xmlns:a14="http://schemas.microsoft.com/office/drawing/2010/main" xmlns="" w="9525">
                     <a:solidFill>
                       <a:srgbClr val="000000"/>
                     </a:solidFill>
@@ -9941,7 +9940,7 @@
               </a:ln>
               <a:extLst>
                 <a:ext uri="{91240B29-F687-4f45-9708-019B960494DF}">
-                  <a14:hiddenLine xmlns="" xmlns:a14="http://schemas.microsoft.com/office/drawing/2010/main" w="9525">
+                  <a14:hiddenLine xmlns:a14="http://schemas.microsoft.com/office/drawing/2010/main" xmlns="" w="9525">
                     <a:solidFill>
                       <a:srgbClr val="000000"/>
                     </a:solidFill>
@@ -10031,7 +10030,7 @@
               </a:ln>
               <a:extLst>
                 <a:ext uri="{91240B29-F687-4f45-9708-019B960494DF}">
-                  <a14:hiddenLine xmlns="" xmlns:a14="http://schemas.microsoft.com/office/drawing/2010/main" w="9525">
+                  <a14:hiddenLine xmlns:a14="http://schemas.microsoft.com/office/drawing/2010/main" xmlns="" w="9525">
                     <a:solidFill>
                       <a:srgbClr val="000000"/>
                     </a:solidFill>
@@ -10121,7 +10120,7 @@
               </a:ln>
               <a:extLst>
                 <a:ext uri="{91240B29-F687-4f45-9708-019B960494DF}">
-                  <a14:hiddenLine xmlns="" xmlns:a14="http://schemas.microsoft.com/office/drawing/2010/main" w="9525">
+                  <a14:hiddenLine xmlns:a14="http://schemas.microsoft.com/office/drawing/2010/main" xmlns="" w="9525">
                     <a:solidFill>
                       <a:srgbClr val="000000"/>
                     </a:solidFill>
@@ -10183,7 +10182,7 @@
               </a:ln>
               <a:extLst>
                 <a:ext uri="{91240B29-F687-4f45-9708-019B960494DF}">
-                  <a14:hiddenLine xmlns="" xmlns:a14="http://schemas.microsoft.com/office/drawing/2010/main" w="9525">
+                  <a14:hiddenLine xmlns:a14="http://schemas.microsoft.com/office/drawing/2010/main" xmlns="" w="9525">
                     <a:solidFill>
                       <a:srgbClr val="000000"/>
                     </a:solidFill>
@@ -10293,7 +10292,7 @@
               </a:ln>
               <a:extLst>
                 <a:ext uri="{91240B29-F687-4f45-9708-019B960494DF}">
-                  <a14:hiddenLine xmlns="" xmlns:a14="http://schemas.microsoft.com/office/drawing/2010/main" w="9525">
+                  <a14:hiddenLine xmlns:a14="http://schemas.microsoft.com/office/drawing/2010/main" xmlns="" w="9525">
                     <a:solidFill>
                       <a:srgbClr val="000000"/>
                     </a:solidFill>
@@ -10377,7 +10376,7 @@
               </a:ln>
               <a:extLst>
                 <a:ext uri="{91240B29-F687-4f45-9708-019B960494DF}">
-                  <a14:hiddenLine xmlns="" xmlns:a14="http://schemas.microsoft.com/office/drawing/2010/main" w="9525">
+                  <a14:hiddenLine xmlns:a14="http://schemas.microsoft.com/office/drawing/2010/main" xmlns="" w="9525">
                     <a:solidFill>
                       <a:srgbClr val="000000"/>
                     </a:solidFill>
@@ -10439,7 +10438,7 @@
               </a:ln>
               <a:extLst>
                 <a:ext uri="{91240B29-F687-4f45-9708-019B960494DF}">
-                  <a14:hiddenLine xmlns="" xmlns:a14="http://schemas.microsoft.com/office/drawing/2010/main" w="9525">
+                  <a14:hiddenLine xmlns:a14="http://schemas.microsoft.com/office/drawing/2010/main" xmlns="" w="9525">
                     <a:solidFill>
                       <a:srgbClr val="000000"/>
                     </a:solidFill>
@@ -10501,7 +10500,7 @@
               </a:ln>
               <a:extLst>
                 <a:ext uri="{91240B29-F687-4f45-9708-019B960494DF}">
-                  <a14:hiddenLine xmlns="" xmlns:a14="http://schemas.microsoft.com/office/drawing/2010/main" w="9525">
+                  <a14:hiddenLine xmlns:a14="http://schemas.microsoft.com/office/drawing/2010/main" xmlns="" w="9525">
                     <a:solidFill>
                       <a:srgbClr val="000000"/>
                     </a:solidFill>
@@ -10591,7 +10590,7 @@
               </a:ln>
               <a:extLst>
                 <a:ext uri="{91240B29-F687-4f45-9708-019B960494DF}">
-                  <a14:hiddenLine xmlns="" xmlns:a14="http://schemas.microsoft.com/office/drawing/2010/main" w="9525">
+                  <a14:hiddenLine xmlns:a14="http://schemas.microsoft.com/office/drawing/2010/main" xmlns="" w="9525">
                     <a:solidFill>
                       <a:srgbClr val="000000"/>
                     </a:solidFill>
@@ -10625,7 +10624,7 @@
               </a:ln>
               <a:extLst>
                 <a:ext uri="{91240B29-F687-4f45-9708-019B960494DF}">
-                  <a14:hiddenLine xmlns="" xmlns:a14="http://schemas.microsoft.com/office/drawing/2010/main" w="9525">
+                  <a14:hiddenLine xmlns:a14="http://schemas.microsoft.com/office/drawing/2010/main" xmlns="" w="9525">
                     <a:solidFill>
                       <a:srgbClr val="000000"/>
                     </a:solidFill>
@@ -10690,7 +10689,7 @@
               </a:ln>
               <a:extLst>
                 <a:ext uri="{91240B29-F687-4f45-9708-019B960494DF}">
-                  <a14:hiddenLine xmlns="" xmlns:a14="http://schemas.microsoft.com/office/drawing/2010/main" w="9525">
+                  <a14:hiddenLine xmlns:a14="http://schemas.microsoft.com/office/drawing/2010/main" xmlns="" w="9525">
                     <a:solidFill>
                       <a:srgbClr val="000000"/>
                     </a:solidFill>
@@ -10780,7 +10779,7 @@
               </a:ln>
               <a:extLst>
                 <a:ext uri="{91240B29-F687-4f45-9708-019B960494DF}">
-                  <a14:hiddenLine xmlns="" xmlns:a14="http://schemas.microsoft.com/office/drawing/2010/main" w="9525">
+                  <a14:hiddenLine xmlns:a14="http://schemas.microsoft.com/office/drawing/2010/main" xmlns="" w="9525">
                     <a:solidFill>
                       <a:srgbClr val="000000"/>
                     </a:solidFill>
@@ -10842,7 +10841,7 @@
               </a:ln>
               <a:extLst>
                 <a:ext uri="{91240B29-F687-4f45-9708-019B960494DF}">
-                  <a14:hiddenLine xmlns="" xmlns:a14="http://schemas.microsoft.com/office/drawing/2010/main" w="9525">
+                  <a14:hiddenLine xmlns:a14="http://schemas.microsoft.com/office/drawing/2010/main" xmlns="" w="9525">
                     <a:solidFill>
                       <a:srgbClr val="000000"/>
                     </a:solidFill>
@@ -10932,7 +10931,7 @@
               </a:ln>
               <a:extLst>
                 <a:ext uri="{91240B29-F687-4f45-9708-019B960494DF}">
-                  <a14:hiddenLine xmlns="" xmlns:a14="http://schemas.microsoft.com/office/drawing/2010/main" w="9525">
+                  <a14:hiddenLine xmlns:a14="http://schemas.microsoft.com/office/drawing/2010/main" xmlns="" w="9525">
                     <a:solidFill>
                       <a:srgbClr val="000000"/>
                     </a:solidFill>
@@ -10997,7 +10996,7 @@
               </a:ln>
               <a:extLst>
                 <a:ext uri="{91240B29-F687-4f45-9708-019B960494DF}">
-                  <a14:hiddenLine xmlns="" xmlns:a14="http://schemas.microsoft.com/office/drawing/2010/main" w="9525">
+                  <a14:hiddenLine xmlns:a14="http://schemas.microsoft.com/office/drawing/2010/main" xmlns="" w="9525">
                     <a:solidFill>
                       <a:srgbClr val="000000"/>
                     </a:solidFill>
@@ -11059,7 +11058,7 @@
               </a:ln>
               <a:extLst>
                 <a:ext uri="{91240B29-F687-4f45-9708-019B960494DF}">
-                  <a14:hiddenLine xmlns="" xmlns:a14="http://schemas.microsoft.com/office/drawing/2010/main" w="9525">
+                  <a14:hiddenLine xmlns:a14="http://schemas.microsoft.com/office/drawing/2010/main" xmlns="" w="9525">
                     <a:solidFill>
                       <a:srgbClr val="000000"/>
                     </a:solidFill>
@@ -11149,7 +11148,7 @@
               </a:ln>
               <a:extLst>
                 <a:ext uri="{91240B29-F687-4f45-9708-019B960494DF}">
-                  <a14:hiddenLine xmlns="" xmlns:a14="http://schemas.microsoft.com/office/drawing/2010/main" w="9525">
+                  <a14:hiddenLine xmlns:a14="http://schemas.microsoft.com/office/drawing/2010/main" xmlns="" w="9525">
                     <a:solidFill>
                       <a:srgbClr val="000000"/>
                     </a:solidFill>
@@ -11239,7 +11238,7 @@
               </a:ln>
               <a:extLst>
                 <a:ext uri="{91240B29-F687-4f45-9708-019B960494DF}">
-                  <a14:hiddenLine xmlns="" xmlns:a14="http://schemas.microsoft.com/office/drawing/2010/main" w="9525">
+                  <a14:hiddenLine xmlns:a14="http://schemas.microsoft.com/office/drawing/2010/main" xmlns="" w="9525">
                     <a:solidFill>
                       <a:srgbClr val="000000"/>
                     </a:solidFill>
@@ -11304,7 +11303,7 @@
               </a:ln>
               <a:extLst>
                 <a:ext uri="{91240B29-F687-4f45-9708-019B960494DF}">
-                  <a14:hiddenLine xmlns="" xmlns:a14="http://schemas.microsoft.com/office/drawing/2010/main" w="9525">
+                  <a14:hiddenLine xmlns:a14="http://schemas.microsoft.com/office/drawing/2010/main" xmlns="" w="9525">
                     <a:solidFill>
                       <a:srgbClr val="000000"/>
                     </a:solidFill>
@@ -11424,7 +11423,7 @@
               </a:ln>
               <a:extLst>
                 <a:ext uri="{91240B29-F687-4f45-9708-019B960494DF}">
-                  <a14:hiddenLine xmlns="" xmlns:a14="http://schemas.microsoft.com/office/drawing/2010/main" w="9525">
+                  <a14:hiddenLine xmlns:a14="http://schemas.microsoft.com/office/drawing/2010/main" xmlns="" w="9525">
                     <a:solidFill>
                       <a:srgbClr val="000000"/>
                     </a:solidFill>
@@ -11522,7 +11521,7 @@
               </a:ln>
               <a:extLst>
                 <a:ext uri="{91240B29-F687-4f45-9708-019B960494DF}">
-                  <a14:hiddenLine xmlns="" xmlns:a14="http://schemas.microsoft.com/office/drawing/2010/main" w="9525">
+                  <a14:hiddenLine xmlns:a14="http://schemas.microsoft.com/office/drawing/2010/main" xmlns="" w="9525">
                     <a:solidFill>
                       <a:srgbClr val="000000"/>
                     </a:solidFill>
@@ -11637,7 +11636,7 @@
               </a:ln>
               <a:extLst>
                 <a:ext uri="{91240B29-F687-4f45-9708-019B960494DF}">
-                  <a14:hiddenLine xmlns="" xmlns:a14="http://schemas.microsoft.com/office/drawing/2010/main" w="9525">
+                  <a14:hiddenLine xmlns:a14="http://schemas.microsoft.com/office/drawing/2010/main" xmlns="" w="9525">
                     <a:solidFill>
                       <a:srgbClr val="000000"/>
                     </a:solidFill>
@@ -11727,7 +11726,7 @@
               </a:ln>
               <a:extLst>
                 <a:ext uri="{91240B29-F687-4f45-9708-019B960494DF}">
-                  <a14:hiddenLine xmlns="" xmlns:a14="http://schemas.microsoft.com/office/drawing/2010/main" w="9525">
+                  <a14:hiddenLine xmlns:a14="http://schemas.microsoft.com/office/drawing/2010/main" xmlns="" w="9525">
                     <a:solidFill>
                       <a:srgbClr val="000000"/>
                     </a:solidFill>
@@ -11792,7 +11791,7 @@
               </a:ln>
               <a:extLst>
                 <a:ext uri="{91240B29-F687-4f45-9708-019B960494DF}">
-                  <a14:hiddenLine xmlns="" xmlns:a14="http://schemas.microsoft.com/office/drawing/2010/main" w="9525">
+                  <a14:hiddenLine xmlns:a14="http://schemas.microsoft.com/office/drawing/2010/main" xmlns="" w="9525">
                     <a:solidFill>
                       <a:srgbClr val="000000"/>
                     </a:solidFill>
@@ -11882,7 +11881,7 @@
               </a:ln>
               <a:extLst>
                 <a:ext uri="{91240B29-F687-4f45-9708-019B960494DF}">
-                  <a14:hiddenLine xmlns="" xmlns:a14="http://schemas.microsoft.com/office/drawing/2010/main" w="9525">
+                  <a14:hiddenLine xmlns:a14="http://schemas.microsoft.com/office/drawing/2010/main" xmlns="" w="9525">
                     <a:solidFill>
                       <a:srgbClr val="000000"/>
                     </a:solidFill>
@@ -11950,7 +11949,7 @@
               </a:ln>
               <a:extLst>
                 <a:ext uri="{91240B29-F687-4f45-9708-019B960494DF}">
-                  <a14:hiddenLine xmlns="" xmlns:a14="http://schemas.microsoft.com/office/drawing/2010/main" w="9525">
+                  <a14:hiddenLine xmlns:a14="http://schemas.microsoft.com/office/drawing/2010/main" xmlns="" w="9525">
                     <a:solidFill>
                       <a:srgbClr val="000000"/>
                     </a:solidFill>
@@ -12040,7 +12039,7 @@
               </a:ln>
               <a:extLst>
                 <a:ext uri="{91240B29-F687-4f45-9708-019B960494DF}">
-                  <a14:hiddenLine xmlns="" xmlns:a14="http://schemas.microsoft.com/office/drawing/2010/main" w="9525">
+                  <a14:hiddenLine xmlns:a14="http://schemas.microsoft.com/office/drawing/2010/main" xmlns="" w="9525">
                     <a:solidFill>
                       <a:srgbClr val="000000"/>
                     </a:solidFill>
@@ -12108,7 +12107,7 @@
               </a:ln>
               <a:extLst>
                 <a:ext uri="{91240B29-F687-4f45-9708-019B960494DF}">
-                  <a14:hiddenLine xmlns="" xmlns:a14="http://schemas.microsoft.com/office/drawing/2010/main" w="9525">
+                  <a14:hiddenLine xmlns:a14="http://schemas.microsoft.com/office/drawing/2010/main" xmlns="" w="9525">
                     <a:solidFill>
                       <a:srgbClr val="000000"/>
                     </a:solidFill>
@@ -12198,7 +12197,7 @@
               </a:ln>
               <a:extLst>
                 <a:ext uri="{91240B29-F687-4f45-9708-019B960494DF}">
-                  <a14:hiddenLine xmlns="" xmlns:a14="http://schemas.microsoft.com/office/drawing/2010/main" w="9525">
+                  <a14:hiddenLine xmlns:a14="http://schemas.microsoft.com/office/drawing/2010/main" xmlns="" w="9525">
                     <a:solidFill>
                       <a:srgbClr val="000000"/>
                     </a:solidFill>
@@ -12232,7 +12231,7 @@
               </a:ln>
               <a:extLst>
                 <a:ext uri="{91240B29-F687-4f45-9708-019B960494DF}">
-                  <a14:hiddenLine xmlns="" xmlns:a14="http://schemas.microsoft.com/office/drawing/2010/main" w="9525">
+                  <a14:hiddenLine xmlns:a14="http://schemas.microsoft.com/office/drawing/2010/main" xmlns="" w="9525">
                     <a:solidFill>
                       <a:srgbClr val="000000"/>
                     </a:solidFill>
@@ -12405,7 +12404,7 @@
             <a:fld id="{48A87A34-81AB-432B-8DAE-1953F412C126}" type="datetimeFigureOut">
               <a:rPr lang="en-US" dirty="0"/>
               <a:pPr/>
-              <a:t>5/31/19</a:t>
+              <a:t>6/1/19</a:t>
             </a:fld>
             <a:endParaRPr lang="en-US" dirty="0"/>
           </a:p>
@@ -13182,7 +13181,7 @@
           <a:p>
             <a:r>
               <a:rPr kumimoji="1" lang="ja-JP" altLang="en-US"/>
-              <a:t>ソースコード</a:t>
+              <a:t>クラス図</a:t>
             </a:r>
           </a:p>
         </p:txBody>
@@ -13208,33 +13207,7 @@
           <a:bodyPr/>
           <a:lstStyle/>
           <a:p>
-            <a:r>
-              <a:rPr kumimoji="1" lang="en-US" altLang="ja-JP"/>
-              <a:t>(</a:t>
-            </a:r>
-            <a:r>
-              <a:rPr kumimoji="1" lang="ja-JP" altLang="en-US"/>
-              <a:t>クラス図</a:t>
-            </a:r>
-            <a:r>
-              <a:rPr kumimoji="1" lang="en-US" altLang="ja-JP"/>
-              <a:t>)</a:t>
-            </a:r>
-          </a:p>
-          <a:p>
-            <a:r>
-              <a:rPr lang="en-US" altLang="ja-JP"/>
-              <a:t>(</a:t>
-            </a:r>
-            <a:r>
-              <a:rPr lang="ja-JP" altLang="en-US"/>
-              <a:t>指定された入力を使ったデモンストレーション</a:t>
-            </a:r>
-            <a:r>
-              <a:rPr lang="en-US" altLang="ja-JP"/>
-              <a:t>)</a:t>
-            </a:r>
-            <a:endParaRPr kumimoji="1" lang="ja-JP" altLang="en-US"/>
+            <a:endParaRPr kumimoji="1" lang="en-US" altLang="ja-JP"/>
           </a:p>
         </p:txBody>
       </p:sp>
@@ -13291,7 +13264,7 @@
           <a:p>
             <a:r>
               <a:rPr kumimoji="1" lang="ja-JP" altLang="en-US"/>
-              <a:t>テストコード</a:t>
+              <a:t>テストデータ生成器</a:t>
             </a:r>
           </a:p>
         </p:txBody>
@@ -13317,7 +13290,80 @@
           <a:bodyPr/>
           <a:lstStyle/>
           <a:p>
-            <a:endParaRPr kumimoji="1" lang="ja-JP" altLang="en-US"/>
+            <a:r>
+              <a:rPr kumimoji="1" lang="ja-JP" altLang="en-US"/>
+              <a:t>各小課題の入力制約</a:t>
+            </a:r>
+            <a:r>
+              <a:rPr kumimoji="1" lang="en-US" altLang="ja-JP"/>
+              <a:t>(</a:t>
+            </a:r>
+            <a:r>
+              <a:rPr kumimoji="1" lang="ja-JP" altLang="en-US"/>
+              <a:t>範囲</a:t>
+            </a:r>
+            <a:r>
+              <a:rPr kumimoji="1" lang="en-US" altLang="ja-JP"/>
+              <a:t>)</a:t>
+            </a:r>
+            <a:r>
+              <a:rPr kumimoji="1" lang="ja-JP" altLang="en-US"/>
+              <a:t>を満たすランダムな値を作成</a:t>
+            </a:r>
+            <a:endParaRPr kumimoji="1" lang="en-US" altLang="ja-JP"/>
+          </a:p>
+          <a:p>
+            <a:r>
+              <a:rPr lang="ja-JP" altLang="en-US"/>
+              <a:t>入力用ファイルへ書き込む</a:t>
+            </a:r>
+            <a:endParaRPr lang="en-US" altLang="ja-JP"/>
+          </a:p>
+          <a:p>
+            <a:r>
+              <a:rPr kumimoji="1" lang="ja-JP" altLang="en-US"/>
+              <a:t>各小課題に対応した関数を実行</a:t>
+            </a:r>
+            <a:endParaRPr kumimoji="1" lang="en-US" altLang="ja-JP"/>
+          </a:p>
+          <a:p>
+            <a:r>
+              <a:rPr lang="ja-JP" altLang="en-US"/>
+              <a:t>各フェーズ</a:t>
+            </a:r>
+            <a:r>
+              <a:rPr lang="en-US" altLang="ja-JP"/>
+              <a:t>(</a:t>
+            </a:r>
+            <a:r>
+              <a:rPr lang="ja-JP" altLang="en-US"/>
+              <a:t>入力の取得</a:t>
+            </a:r>
+            <a:r>
+              <a:rPr lang="en-US" altLang="ja-JP"/>
+              <a:t>,</a:t>
+            </a:r>
+            <a:r>
+              <a:rPr lang="ja-JP" altLang="en-US"/>
+              <a:t> 全交差点の算出</a:t>
+            </a:r>
+            <a:r>
+              <a:rPr lang="en-US" altLang="ja-JP"/>
+              <a:t>,</a:t>
+            </a:r>
+            <a:r>
+              <a:rPr lang="ja-JP" altLang="en-US"/>
+              <a:t> 各小課題の実行</a:t>
+            </a:r>
+            <a:r>
+              <a:rPr lang="en-US" altLang="ja-JP"/>
+              <a:t>)</a:t>
+            </a:r>
+            <a:r>
+              <a:rPr lang="ja-JP" altLang="en-US"/>
+              <a:t>の実行にかかった時間を測定して表示する</a:t>
+            </a:r>
+            <a:endParaRPr lang="en-US" altLang="ja-JP"/>
           </a:p>
         </p:txBody>
       </p:sp>
@@ -13335,131 +13381,6 @@
 </file>
 
 <file path=ppt/slides/slide14.xml><?xml version="1.0" encoding="utf-8"?>
-<p:sld xmlns:a="http://schemas.openxmlformats.org/drawingml/2006/main" xmlns:r="http://schemas.openxmlformats.org/officeDocument/2006/relationships" xmlns:p="http://schemas.openxmlformats.org/presentationml/2006/main">
-  <p:cSld>
-    <p:spTree>
-      <p:nvGrpSpPr>
-        <p:cNvPr id="1" name=""/>
-        <p:cNvGrpSpPr/>
-        <p:nvPr/>
-      </p:nvGrpSpPr>
-      <p:grpSpPr>
-        <a:xfrm>
-          <a:off x="0" y="0"/>
-          <a:ext cx="0" cy="0"/>
-          <a:chOff x="0" y="0"/>
-          <a:chExt cx="0" cy="0"/>
-        </a:xfrm>
-      </p:grpSpPr>
-      <p:sp>
-        <p:nvSpPr>
-          <p:cNvPr id="2" name="タイトル 1">
-            <a:extLst>
-              <a:ext uri="{FF2B5EF4-FFF2-40B4-BE49-F238E27FC236}">
-                <a16:creationId xmlns:a16="http://schemas.microsoft.com/office/drawing/2014/main" id="{080A2321-15F3-3E49-9E27-241C215186BD}"/>
-              </a:ext>
-            </a:extLst>
-          </p:cNvPr>
-          <p:cNvSpPr>
-            <a:spLocks noGrp="1"/>
-          </p:cNvSpPr>
-          <p:nvPr>
-            <p:ph type="title"/>
-          </p:nvPr>
-        </p:nvSpPr>
-        <p:spPr/>
-        <p:txBody>
-          <a:bodyPr/>
-          <a:lstStyle/>
-          <a:p>
-            <a:r>
-              <a:rPr kumimoji="1" lang="ja-JP" altLang="en-US"/>
-              <a:t>ビルド方法</a:t>
-            </a:r>
-          </a:p>
-        </p:txBody>
-      </p:sp>
-      <p:sp>
-        <p:nvSpPr>
-          <p:cNvPr id="3" name="コンテンツ プレースホルダー 2">
-            <a:extLst>
-              <a:ext uri="{FF2B5EF4-FFF2-40B4-BE49-F238E27FC236}">
-                <a16:creationId xmlns:a16="http://schemas.microsoft.com/office/drawing/2014/main" id="{7099D2A5-0A7B-1144-9C8B-B84507DDCF57}"/>
-              </a:ext>
-            </a:extLst>
-          </p:cNvPr>
-          <p:cNvSpPr>
-            <a:spLocks noGrp="1"/>
-          </p:cNvSpPr>
-          <p:nvPr>
-            <p:ph idx="1"/>
-          </p:nvPr>
-        </p:nvSpPr>
-        <p:spPr/>
-        <p:txBody>
-          <a:bodyPr/>
-          <a:lstStyle/>
-          <a:p>
-            <a:r>
-              <a:rPr kumimoji="1" lang="ja-JP" altLang="en-US"/>
-              <a:t>環境構築用</a:t>
-            </a:r>
-            <a:r>
-              <a:rPr lang="ja-JP" altLang="en-US"/>
-              <a:t>の </a:t>
-            </a:r>
-            <a:r>
-              <a:rPr kumimoji="1" lang="en-US" altLang="ja-JP"/>
-              <a:t>setup.py</a:t>
-            </a:r>
-            <a:r>
-              <a:rPr kumimoji="1" lang="ja-JP" altLang="en-US"/>
-              <a:t> を使うことで環境構築ができる</a:t>
-            </a:r>
-            <a:endParaRPr kumimoji="1" lang="en-US" altLang="ja-JP"/>
-          </a:p>
-          <a:p>
-            <a:pPr marL="0" indent="0">
-              <a:buNone/>
-            </a:pPr>
-            <a:endParaRPr lang="en-US" altLang="ja-JP"/>
-          </a:p>
-          <a:p>
-            <a:pPr marL="457200" indent="-457200">
-              <a:buFont typeface="+mj-lt"/>
-              <a:buAutoNum type="arabicPeriod"/>
-            </a:pPr>
-            <a:r>
-              <a:rPr lang="en-US" altLang="ja-JP"/>
-              <a:t>cd ~ProjectDir/source/</a:t>
-            </a:r>
-          </a:p>
-          <a:p>
-            <a:pPr marL="457200" indent="-457200">
-              <a:buFont typeface="+mj-lt"/>
-              <a:buAutoNum type="arabicPeriod"/>
-            </a:pPr>
-            <a:r>
-              <a:rPr lang="en-US" altLang="ja-JP"/>
-              <a:t>python3 setup.py</a:t>
-            </a:r>
-          </a:p>
-        </p:txBody>
-      </p:sp>
-    </p:spTree>
-    <p:extLst>
-      <p:ext uri="{BB962C8B-B14F-4D97-AF65-F5344CB8AC3E}">
-        <p14:creationId xmlns:p14="http://schemas.microsoft.com/office/powerpoint/2010/main" val="1559054916"/>
-      </p:ext>
-    </p:extLst>
-  </p:cSld>
-  <p:clrMapOvr>
-    <a:masterClrMapping/>
-  </p:clrMapOvr>
-</p:sld>
-</file>
-
-<file path=ppt/slides/slide15.xml><?xml version="1.0" encoding="utf-8"?>
 <p:sld xmlns:a="http://schemas.openxmlformats.org/drawingml/2006/main" xmlns:r="http://schemas.openxmlformats.org/officeDocument/2006/relationships" xmlns:p="http://schemas.openxmlformats.org/presentationml/2006/main">
   <p:cSld>
     <p:spTree>
@@ -13553,7 +13474,7 @@
             </a:r>
             <a:r>
               <a:rPr lang="ja-JP" altLang="en-US"/>
-              <a:t>図面のプロットするプログラムを作成した</a:t>
+              <a:t>図面のプロットする関数を作成した</a:t>
             </a:r>
             <a:r>
               <a:rPr lang="en-US" altLang="ja-JP"/>
@@ -13655,7 +13576,7 @@
 </p:sld>
 </file>
 
-<file path=ppt/slides/slide16.xml><?xml version="1.0" encoding="utf-8"?>
+<file path=ppt/slides/slide15.xml><?xml version="1.0" encoding="utf-8"?>
 <p:sld xmlns:a="http://schemas.openxmlformats.org/drawingml/2006/main" xmlns:r="http://schemas.openxmlformats.org/officeDocument/2006/relationships" xmlns:p="http://schemas.openxmlformats.org/presentationml/2006/main">
   <p:cSld>
     <p:spTree>
@@ -13694,9 +13615,10 @@
           <a:lstStyle/>
           <a:p>
             <a:r>
-              <a:rPr kumimoji="1" lang="ja-JP" altLang="en-US"/>
-              <a:t>データ</a:t>
-            </a:r>
+              <a:rPr lang="ja-JP" altLang="en-US"/>
+              <a:t>デモンストレーション</a:t>
+            </a:r>
+            <a:endParaRPr kumimoji="1" lang="ja-JP" altLang="en-US"/>
           </a:p>
         </p:txBody>
       </p:sp>
@@ -13721,6 +13643,13 @@
           <a:bodyPr/>
           <a:lstStyle/>
           <a:p>
+            <a:r>
+              <a:rPr kumimoji="1" lang="ja-JP" altLang="en-US"/>
+              <a:t>実際に実行する</a:t>
+            </a:r>
+            <a:endParaRPr kumimoji="1" lang="en-US" altLang="ja-JP"/>
+          </a:p>
+          <a:p>
             <a:endParaRPr kumimoji="1" lang="ja-JP" altLang="en-US"/>
           </a:p>
         </p:txBody>
@@ -13738,7 +13667,7 @@
 </p:sld>
 </file>
 
-<file path=ppt/slides/slide17.xml><?xml version="1.0" encoding="utf-8"?>
+<file path=ppt/slides/slide16.xml><?xml version="1.0" encoding="utf-8"?>
 <p:sld xmlns:a="http://schemas.openxmlformats.org/drawingml/2006/main" xmlns:r="http://schemas.openxmlformats.org/officeDocument/2006/relationships" xmlns:p="http://schemas.openxmlformats.org/presentationml/2006/main">
   <p:cSld>
     <p:spTree>
@@ -13837,7 +13766,7 @@
 </p:sld>
 </file>
 
-<file path=ppt/slides/slide18.xml><?xml version="1.0" encoding="utf-8"?>
+<file path=ppt/slides/slide17.xml><?xml version="1.0" encoding="utf-8"?>
 <p:sld xmlns:a="http://schemas.openxmlformats.org/drawingml/2006/main" xmlns:r="http://schemas.openxmlformats.org/officeDocument/2006/relationships" xmlns:p="http://schemas.openxmlformats.org/presentationml/2006/main">
   <p:cSld>
     <p:spTree>
@@ -13913,7 +13842,7 @@
             </a:r>
             <a:r>
               <a:rPr lang="ja-JP" altLang="en-US"/>
-              <a:t>完成を目指す</a:t>
+              <a:t>完成</a:t>
             </a:r>
             <a:endParaRPr lang="en-US" altLang="ja-JP"/>
           </a:p>
@@ -14029,33 +13958,33 @@
           <a:lstStyle/>
           <a:p>
             <a:r>
+              <a:rPr lang="en-US" altLang="ja-JP"/>
+              <a:t>s1250133: </a:t>
+            </a:r>
+            <a:r>
+              <a:rPr lang="ja-JP" altLang="en-US"/>
+              <a:t>越川空</a:t>
+            </a:r>
+            <a:endParaRPr lang="en-US" altLang="ja-JP"/>
+          </a:p>
+          <a:p>
+            <a:r>
               <a:rPr lang="en-US" altLang="ja-JP" dirty="0"/>
               <a:t>s</a:t>
             </a:r>
             <a:r>
-              <a:rPr kumimoji="1" lang="en-US" altLang="ja-JP"/>
+              <a:rPr lang="en-US" altLang="ja-JP"/>
               <a:t>1250131</a:t>
             </a:r>
             <a:r>
-              <a:rPr kumimoji="1" lang="en-US" altLang="ja-JP" dirty="0"/>
+              <a:rPr lang="en-US" altLang="ja-JP" dirty="0"/>
               <a:t>, </a:t>
             </a:r>
             <a:r>
-              <a:rPr kumimoji="1" lang="ja-JP" altLang="en-US"/>
+              <a:rPr lang="ja-JP" altLang="en-US"/>
               <a:t>木村魁人</a:t>
             </a:r>
-            <a:endParaRPr kumimoji="1" lang="en-US" altLang="ja-JP" dirty="0"/>
-          </a:p>
-          <a:p>
-            <a:r>
-              <a:rPr lang="en-US" altLang="ja-JP"/>
-              <a:t>s1250133: </a:t>
-            </a:r>
-            <a:r>
-              <a:rPr lang="ja-JP" altLang="en-US"/>
-              <a:t>越川空</a:t>
-            </a:r>
-            <a:endParaRPr lang="en-US" altLang="ja-JP"/>
+            <a:endParaRPr lang="en-US" altLang="ja-JP" dirty="0"/>
           </a:p>
         </p:txBody>
       </p:sp>
@@ -14177,7 +14106,7 @@
           <a:p>
             <a:r>
               <a:rPr kumimoji="1" lang="ja-JP" altLang="en-US"/>
-              <a:t>バージョン管理</a:t>
+              <a:t>管理</a:t>
             </a:r>
             <a:r>
               <a:rPr kumimoji="1" lang="en-US" altLang="ja-JP"/>
@@ -14328,11 +14257,11 @@
             </a:r>
             <a:r>
               <a:rPr lang="en-US" altLang="ja-JP"/>
-              <a:t>:</a:t>
-            </a:r>
-            <a:r>
-              <a:rPr lang="ja-JP" altLang="en-US"/>
-              <a:t> 未完成</a:t>
+              <a:t>: </a:t>
+            </a:r>
+            <a:r>
+              <a:rPr lang="ja-JP" altLang="en-US"/>
+              <a:t>完成</a:t>
             </a:r>
             <a:endParaRPr lang="en-US" altLang="ja-JP"/>
           </a:p>
@@ -14653,7 +14582,9 @@
         </p:nvSpPr>
         <p:spPr/>
         <p:txBody>
-          <a:bodyPr/>
+          <a:bodyPr>
+            <a:normAutofit fontScale="85000" lnSpcReduction="20000"/>
+          </a:bodyPr>
           <a:lstStyle/>
           <a:p>
             <a:pPr marL="0" indent="0">
@@ -14681,7 +14612,7 @@
             </a:r>
             <a:r>
               <a:rPr lang="en-US" altLang="ja-JP"/>
-              <a:t>(x=y</a:t>
+              <a:t>(x1=x2</a:t>
             </a:r>
             <a:r>
               <a:rPr lang="ja-JP" altLang="en-US"/>
@@ -14743,11 +14674,19 @@
             </a:pPr>
             <a:r>
               <a:rPr lang="en-US" altLang="ja-JP"/>
-              <a:t>2</a:t>
-            </a:r>
-            <a:r>
-              <a:rPr lang="ja-JP" altLang="en-US"/>
-              <a:t>分探索を用いて適切な挿入位置を決定</a:t>
+              <a:t>①</a:t>
+            </a:r>
+            <a:r>
+              <a:rPr lang="ja-JP" altLang="en-US"/>
+              <a:t>の関数で</a:t>
+            </a:r>
+            <a:r>
+              <a:rPr lang="en-US" altLang="ja-JP"/>
+              <a:t>,</a:t>
+            </a:r>
+            <a:r>
+              <a:rPr lang="ja-JP" altLang="en-US"/>
+              <a:t> 交点を求める</a:t>
             </a:r>
             <a:endParaRPr lang="en-US" altLang="ja-JP"/>
           </a:p>
@@ -14757,8 +14696,34 @@
               <a:buAutoNum type="arabicPeriod"/>
             </a:pPr>
             <a:r>
-              <a:rPr lang="ja-JP" altLang="en-US"/>
-              <a:t>挿入</a:t>
+              <a:rPr lang="en-US" altLang="ja-JP"/>
+              <a:t>2</a:t>
+            </a:r>
+            <a:r>
+              <a:rPr lang="ja-JP" altLang="en-US"/>
+              <a:t>分探索を用いて適切な挿入位置を決定</a:t>
+            </a:r>
+            <a:endParaRPr lang="en-US" altLang="ja-JP"/>
+          </a:p>
+          <a:p>
+            <a:pPr marL="457200" indent="-457200">
+              <a:buFont typeface="+mj-lt"/>
+              <a:buAutoNum type="arabicPeriod"/>
+            </a:pPr>
+            <a:r>
+              <a:rPr lang="ja-JP" altLang="en-US"/>
+              <a:t>交点を挿入</a:t>
+            </a:r>
+            <a:endParaRPr lang="en-US" altLang="ja-JP"/>
+          </a:p>
+          <a:p>
+            <a:pPr marL="457200" indent="-457200">
+              <a:buFont typeface="+mj-lt"/>
+              <a:buAutoNum type="arabicPeriod"/>
+            </a:pPr>
+            <a:r>
+              <a:rPr lang="ja-JP" altLang="en-US"/>
+              <a:t>次のループへ</a:t>
             </a:r>
             <a:endParaRPr lang="en-US" altLang="ja-JP"/>
           </a:p>
@@ -14785,6 +14750,108 @@
 </file>
 
 <file path=ppt/slides/slide7.xml><?xml version="1.0" encoding="utf-8"?>
+<p:sld xmlns:a="http://schemas.openxmlformats.org/drawingml/2006/main" xmlns:r="http://schemas.openxmlformats.org/officeDocument/2006/relationships" xmlns:p="http://schemas.openxmlformats.org/presentationml/2006/main">
+  <p:cSld>
+    <p:spTree>
+      <p:nvGrpSpPr>
+        <p:cNvPr id="1" name=""/>
+        <p:cNvGrpSpPr/>
+        <p:nvPr/>
+      </p:nvGrpSpPr>
+      <p:grpSpPr>
+        <a:xfrm>
+          <a:off x="0" y="0"/>
+          <a:ext cx="0" cy="0"/>
+          <a:chOff x="0" y="0"/>
+          <a:chExt cx="0" cy="0"/>
+        </a:xfrm>
+      </p:grpSpPr>
+      <p:sp>
+        <p:nvSpPr>
+          <p:cNvPr id="2" name="タイトル 1">
+            <a:extLst>
+              <a:ext uri="{FF2B5EF4-FFF2-40B4-BE49-F238E27FC236}">
+                <a16:creationId xmlns:a16="http://schemas.microsoft.com/office/drawing/2014/main" id="{A2DF5AC8-5699-5245-B670-A77FAB26601C}"/>
+              </a:ext>
+            </a:extLst>
+          </p:cNvPr>
+          <p:cNvSpPr>
+            <a:spLocks noGrp="1"/>
+          </p:cNvSpPr>
+          <p:nvPr>
+            <p:ph type="title"/>
+          </p:nvPr>
+        </p:nvSpPr>
+        <p:spPr/>
+        <p:txBody>
+          <a:bodyPr/>
+          <a:lstStyle/>
+          <a:p>
+            <a:r>
+              <a:rPr kumimoji="1" lang="ja-JP" altLang="en-US"/>
+              <a:t>実装したアルゴリズム</a:t>
+            </a:r>
+            <a:r>
+              <a:rPr kumimoji="1" lang="en-US" altLang="ja-JP"/>
+              <a:t>③:</a:t>
+            </a:r>
+            <a:r>
+              <a:rPr kumimoji="1" lang="ja-JP" altLang="en-US"/>
+              <a:t> </a:t>
+            </a:r>
+            <a:r>
+              <a:rPr kumimoji="1" lang="en-US" altLang="ja-JP"/>
+              <a:t>2</a:t>
+            </a:r>
+            <a:r>
+              <a:rPr kumimoji="1" lang="ja-JP" altLang="en-US"/>
+              <a:t>地点間の直線距離を求める</a:t>
+            </a:r>
+          </a:p>
+        </p:txBody>
+      </p:sp>
+      <p:sp>
+        <p:nvSpPr>
+          <p:cNvPr id="3" name="コンテンツ プレースホルダー 2">
+            <a:extLst>
+              <a:ext uri="{FF2B5EF4-FFF2-40B4-BE49-F238E27FC236}">
+                <a16:creationId xmlns:a16="http://schemas.microsoft.com/office/drawing/2014/main" id="{5092CDAD-AA7C-864F-9B1A-094AD95E6E1D}"/>
+              </a:ext>
+            </a:extLst>
+          </p:cNvPr>
+          <p:cNvSpPr>
+            <a:spLocks noGrp="1"/>
+          </p:cNvSpPr>
+          <p:nvPr>
+            <p:ph idx="1"/>
+          </p:nvPr>
+        </p:nvSpPr>
+        <p:spPr/>
+        <p:txBody>
+          <a:bodyPr/>
+          <a:lstStyle/>
+          <a:p>
+            <a:r>
+              <a:rPr kumimoji="1" lang="ja-JP" altLang="en-US"/>
+              <a:t>こしかわがかく</a:t>
+            </a:r>
+          </a:p>
+        </p:txBody>
+      </p:sp>
+    </p:spTree>
+    <p:extLst>
+      <p:ext uri="{BB962C8B-B14F-4D97-AF65-F5344CB8AC3E}">
+        <p14:creationId xmlns:p14="http://schemas.microsoft.com/office/powerpoint/2010/main" val="740322772"/>
+      </p:ext>
+    </p:extLst>
+  </p:cSld>
+  <p:clrMapOvr>
+    <a:masterClrMapping/>
+  </p:clrMapOvr>
+</p:sld>
+</file>
+
+<file path=ppt/slides/slide8.xml><?xml version="1.0" encoding="utf-8"?>
 <p:sld xmlns:a="http://schemas.openxmlformats.org/drawingml/2006/main" xmlns:r="http://schemas.openxmlformats.org/officeDocument/2006/relationships" xmlns:p="http://schemas.openxmlformats.org/presentationml/2006/main">
   <p:cSld>
     <p:spTree>
@@ -14833,7 +14900,7 @@
             </a:r>
             <a:r>
               <a:rPr lang="en-US" altLang="ja-JP"/>
-              <a:t>③:</a:t>
+              <a:t>④:</a:t>
             </a:r>
             <a:r>
               <a:rPr lang="ja-JP" altLang="en-US"/>
@@ -15071,14 +15138,6 @@
             <a:r>
               <a:rPr lang="en-US" altLang="ja-JP"/>
               <a:t>{ </a:t>
-            </a:r>
-            <a:r>
-              <a:rPr lang="ja-JP" altLang="en-US"/>
-              <a:t>接点なし</a:t>
-            </a:r>
-            <a:r>
-              <a:rPr lang="en-US" altLang="ja-JP"/>
-              <a:t> or </a:t>
             </a:r>
             <a:r>
               <a:rPr lang="ja-JP" altLang="en-US"/>
@@ -16309,112 +16368,6 @@
 </p:sld>
 </file>
 
-<file path=ppt/slides/slide8.xml><?xml version="1.0" encoding="utf-8"?>
-<p:sld xmlns:a="http://schemas.openxmlformats.org/drawingml/2006/main" xmlns:r="http://schemas.openxmlformats.org/officeDocument/2006/relationships" xmlns:p="http://schemas.openxmlformats.org/presentationml/2006/main">
-  <p:cSld>
-    <p:spTree>
-      <p:nvGrpSpPr>
-        <p:cNvPr id="1" name=""/>
-        <p:cNvGrpSpPr/>
-        <p:nvPr/>
-      </p:nvGrpSpPr>
-      <p:grpSpPr>
-        <a:xfrm>
-          <a:off x="0" y="0"/>
-          <a:ext cx="0" cy="0"/>
-          <a:chOff x="0" y="0"/>
-          <a:chExt cx="0" cy="0"/>
-        </a:xfrm>
-      </p:grpSpPr>
-      <p:sp>
-        <p:nvSpPr>
-          <p:cNvPr id="2" name="タイトル 1">
-            <a:extLst>
-              <a:ext uri="{FF2B5EF4-FFF2-40B4-BE49-F238E27FC236}">
-                <a16:creationId xmlns:a16="http://schemas.microsoft.com/office/drawing/2014/main" id="{A2DF5AC8-5699-5245-B670-A77FAB26601C}"/>
-              </a:ext>
-            </a:extLst>
-          </p:cNvPr>
-          <p:cNvSpPr>
-            <a:spLocks noGrp="1"/>
-          </p:cNvSpPr>
-          <p:nvPr>
-            <p:ph type="title"/>
-          </p:nvPr>
-        </p:nvSpPr>
-        <p:spPr/>
-        <p:txBody>
-          <a:bodyPr/>
-          <a:lstStyle/>
-          <a:p>
-            <a:r>
-              <a:rPr kumimoji="1" lang="ja-JP" altLang="en-US"/>
-              <a:t>実装したアルゴリズム</a:t>
-            </a:r>
-            <a:r>
-              <a:rPr lang="en-US" altLang="ja-JP"/>
-              <a:t>④</a:t>
-            </a:r>
-            <a:r>
-              <a:rPr kumimoji="1" lang="en-US" altLang="ja-JP"/>
-              <a:t>:</a:t>
-            </a:r>
-            <a:r>
-              <a:rPr kumimoji="1" lang="ja-JP" altLang="en-US"/>
-              <a:t> </a:t>
-            </a:r>
-            <a:r>
-              <a:rPr kumimoji="1" lang="en-US" altLang="ja-JP"/>
-              <a:t>2</a:t>
-            </a:r>
-            <a:r>
-              <a:rPr kumimoji="1" lang="ja-JP" altLang="en-US"/>
-              <a:t>地点間の直線距離を求める</a:t>
-            </a:r>
-          </a:p>
-        </p:txBody>
-      </p:sp>
-      <p:sp>
-        <p:nvSpPr>
-          <p:cNvPr id="3" name="コンテンツ プレースホルダー 2">
-            <a:extLst>
-              <a:ext uri="{FF2B5EF4-FFF2-40B4-BE49-F238E27FC236}">
-                <a16:creationId xmlns:a16="http://schemas.microsoft.com/office/drawing/2014/main" id="{5092CDAD-AA7C-864F-9B1A-094AD95E6E1D}"/>
-              </a:ext>
-            </a:extLst>
-          </p:cNvPr>
-          <p:cNvSpPr>
-            <a:spLocks noGrp="1"/>
-          </p:cNvSpPr>
-          <p:nvPr>
-            <p:ph idx="1"/>
-          </p:nvPr>
-        </p:nvSpPr>
-        <p:spPr/>
-        <p:txBody>
-          <a:bodyPr/>
-          <a:lstStyle/>
-          <a:p>
-            <a:r>
-              <a:rPr kumimoji="1" lang="ja-JP" altLang="en-US"/>
-              <a:t>こしかわがかく</a:t>
-            </a:r>
-          </a:p>
-        </p:txBody>
-      </p:sp>
-    </p:spTree>
-    <p:extLst>
-      <p:ext uri="{BB962C8B-B14F-4D97-AF65-F5344CB8AC3E}">
-        <p14:creationId xmlns:p14="http://schemas.microsoft.com/office/powerpoint/2010/main" val="740322772"/>
-      </p:ext>
-    </p:extLst>
-  </p:cSld>
-  <p:clrMapOvr>
-    <a:masterClrMapping/>
-  </p:clrMapOvr>
-</p:sld>
-</file>
-
 <file path=ppt/slides/slide9.xml><?xml version="1.0" encoding="utf-8"?>
 <p:sld xmlns:a="http://schemas.openxmlformats.org/drawingml/2006/main" xmlns:r="http://schemas.openxmlformats.org/officeDocument/2006/relationships" xmlns:p="http://schemas.openxmlformats.org/presentationml/2006/main">
   <p:cSld>

--- a/Reports/Midterm.pptx
+++ b/Reports/Midterm.pptx
@@ -346,7 +346,7 @@
           <a:noFill/>
           <a:extLst>
             <a:ext uri="{909E8E84-426E-40dd-AFC4-6F175D3DCCD1}">
-              <a14:hiddenFill xmlns:a14="http://schemas.microsoft.com/office/drawing/2010/main" xmlns="">
+              <a14:hiddenFill xmlns="" xmlns:a14="http://schemas.microsoft.com/office/drawing/2010/main">
                 <a:solidFill>
                   <a:srgbClr val="FFFFFF"/>
                 </a:solidFill>
@@ -406,7 +406,7 @@
             </a:ln>
             <a:extLst>
               <a:ext uri="{91240B29-F687-4f45-9708-019B960494DF}">
-                <a14:hiddenLine xmlns:a14="http://schemas.microsoft.com/office/drawing/2010/main" xmlns="" w="9525">
+                <a14:hiddenLine xmlns="" xmlns:a14="http://schemas.microsoft.com/office/drawing/2010/main" w="9525">
                   <a:solidFill>
                     <a:srgbClr val="000000"/>
                   </a:solidFill>
@@ -496,7 +496,7 @@
             </a:ln>
             <a:extLst>
               <a:ext uri="{91240B29-F687-4f45-9708-019B960494DF}">
-                <a14:hiddenLine xmlns:a14="http://schemas.microsoft.com/office/drawing/2010/main" xmlns="" w="9525">
+                <a14:hiddenLine xmlns="" xmlns:a14="http://schemas.microsoft.com/office/drawing/2010/main" w="9525">
                   <a:solidFill>
                     <a:srgbClr val="000000"/>
                   </a:solidFill>
@@ -586,7 +586,7 @@
             </a:ln>
             <a:extLst>
               <a:ext uri="{91240B29-F687-4f45-9708-019B960494DF}">
-                <a14:hiddenLine xmlns:a14="http://schemas.microsoft.com/office/drawing/2010/main" xmlns="" w="9525">
+                <a14:hiddenLine xmlns="" xmlns:a14="http://schemas.microsoft.com/office/drawing/2010/main" w="9525">
                   <a:solidFill>
                     <a:srgbClr val="000000"/>
                   </a:solidFill>
@@ -620,7 +620,7 @@
             </a:ln>
             <a:extLst>
               <a:ext uri="{91240B29-F687-4f45-9708-019B960494DF}">
-                <a14:hiddenLine xmlns:a14="http://schemas.microsoft.com/office/drawing/2010/main" xmlns="" w="9525">
+                <a14:hiddenLine xmlns="" xmlns:a14="http://schemas.microsoft.com/office/drawing/2010/main" w="9525">
                   <a:solidFill>
                     <a:srgbClr val="000000"/>
                   </a:solidFill>
@@ -710,7 +710,7 @@
             </a:ln>
             <a:extLst>
               <a:ext uri="{91240B29-F687-4f45-9708-019B960494DF}">
-                <a14:hiddenLine xmlns:a14="http://schemas.microsoft.com/office/drawing/2010/main" xmlns="" w="9525">
+                <a14:hiddenLine xmlns="" xmlns:a14="http://schemas.microsoft.com/office/drawing/2010/main" w="9525">
                   <a:solidFill>
                     <a:srgbClr val="000000"/>
                   </a:solidFill>
@@ -772,7 +772,7 @@
             </a:ln>
             <a:extLst>
               <a:ext uri="{91240B29-F687-4f45-9708-019B960494DF}">
-                <a14:hiddenLine xmlns:a14="http://schemas.microsoft.com/office/drawing/2010/main" xmlns="" w="9525">
+                <a14:hiddenLine xmlns="" xmlns:a14="http://schemas.microsoft.com/office/drawing/2010/main" w="9525">
                   <a:solidFill>
                     <a:srgbClr val="000000"/>
                   </a:solidFill>
@@ -834,7 +834,7 @@
             </a:ln>
             <a:extLst>
               <a:ext uri="{91240B29-F687-4f45-9708-019B960494DF}">
-                <a14:hiddenLine xmlns:a14="http://schemas.microsoft.com/office/drawing/2010/main" xmlns="" w="9525">
+                <a14:hiddenLine xmlns="" xmlns:a14="http://schemas.microsoft.com/office/drawing/2010/main" w="9525">
                   <a:solidFill>
                     <a:srgbClr val="000000"/>
                   </a:solidFill>
@@ -924,7 +924,7 @@
             </a:ln>
             <a:extLst>
               <a:ext uri="{91240B29-F687-4f45-9708-019B960494DF}">
-                <a14:hiddenLine xmlns:a14="http://schemas.microsoft.com/office/drawing/2010/main" xmlns="" w="9525">
+                <a14:hiddenLine xmlns="" xmlns:a14="http://schemas.microsoft.com/office/drawing/2010/main" w="9525">
                   <a:solidFill>
                     <a:srgbClr val="000000"/>
                   </a:solidFill>
@@ -986,7 +986,7 @@
             </a:ln>
             <a:extLst>
               <a:ext uri="{91240B29-F687-4f45-9708-019B960494DF}">
-                <a14:hiddenLine xmlns:a14="http://schemas.microsoft.com/office/drawing/2010/main" xmlns="" w="9525">
+                <a14:hiddenLine xmlns="" xmlns:a14="http://schemas.microsoft.com/office/drawing/2010/main" w="9525">
                   <a:solidFill>
                     <a:srgbClr val="000000"/>
                   </a:solidFill>
@@ -1048,7 +1048,7 @@
             </a:ln>
             <a:extLst>
               <a:ext uri="{91240B29-F687-4f45-9708-019B960494DF}">
-                <a14:hiddenLine xmlns:a14="http://schemas.microsoft.com/office/drawing/2010/main" xmlns="" w="9525">
+                <a14:hiddenLine xmlns="" xmlns:a14="http://schemas.microsoft.com/office/drawing/2010/main" w="9525">
                   <a:solidFill>
                     <a:srgbClr val="000000"/>
                   </a:solidFill>
@@ -1138,7 +1138,7 @@
             </a:ln>
             <a:extLst>
               <a:ext uri="{91240B29-F687-4f45-9708-019B960494DF}">
-                <a14:hiddenLine xmlns:a14="http://schemas.microsoft.com/office/drawing/2010/main" xmlns="" w="9525">
+                <a14:hiddenLine xmlns="" xmlns:a14="http://schemas.microsoft.com/office/drawing/2010/main" w="9525">
                   <a:solidFill>
                     <a:srgbClr val="000000"/>
                   </a:solidFill>
@@ -1228,7 +1228,7 @@
             </a:ln>
             <a:extLst>
               <a:ext uri="{91240B29-F687-4f45-9708-019B960494DF}">
-                <a14:hiddenLine xmlns:a14="http://schemas.microsoft.com/office/drawing/2010/main" xmlns="" w="9525">
+                <a14:hiddenLine xmlns="" xmlns:a14="http://schemas.microsoft.com/office/drawing/2010/main" w="9525">
                   <a:solidFill>
                     <a:srgbClr val="000000"/>
                   </a:solidFill>
@@ -1290,7 +1290,7 @@
             </a:ln>
             <a:extLst>
               <a:ext uri="{91240B29-F687-4f45-9708-019B960494DF}">
-                <a14:hiddenLine xmlns:a14="http://schemas.microsoft.com/office/drawing/2010/main" xmlns="" w="9525">
+                <a14:hiddenLine xmlns="" xmlns:a14="http://schemas.microsoft.com/office/drawing/2010/main" w="9525">
                   <a:solidFill>
                     <a:srgbClr val="000000"/>
                   </a:solidFill>
@@ -1400,7 +1400,7 @@
             </a:ln>
             <a:extLst>
               <a:ext uri="{91240B29-F687-4f45-9708-019B960494DF}">
-                <a14:hiddenLine xmlns:a14="http://schemas.microsoft.com/office/drawing/2010/main" xmlns="" w="9525">
+                <a14:hiddenLine xmlns="" xmlns:a14="http://schemas.microsoft.com/office/drawing/2010/main" w="9525">
                   <a:solidFill>
                     <a:srgbClr val="000000"/>
                   </a:solidFill>
@@ -1462,7 +1462,7 @@
             </a:ln>
             <a:extLst>
               <a:ext uri="{91240B29-F687-4f45-9708-019B960494DF}">
-                <a14:hiddenLine xmlns:a14="http://schemas.microsoft.com/office/drawing/2010/main" xmlns="" w="9525">
+                <a14:hiddenLine xmlns="" xmlns:a14="http://schemas.microsoft.com/office/drawing/2010/main" w="9525">
                   <a:solidFill>
                     <a:srgbClr val="000000"/>
                   </a:solidFill>
@@ -1552,7 +1552,7 @@
             </a:ln>
             <a:extLst>
               <a:ext uri="{91240B29-F687-4f45-9708-019B960494DF}">
-                <a14:hiddenLine xmlns:a14="http://schemas.microsoft.com/office/drawing/2010/main" xmlns="" w="9525">
+                <a14:hiddenLine xmlns="" xmlns:a14="http://schemas.microsoft.com/office/drawing/2010/main" w="9525">
                   <a:solidFill>
                     <a:srgbClr val="000000"/>
                   </a:solidFill>
@@ -1642,7 +1642,7 @@
             </a:ln>
             <a:extLst>
               <a:ext uri="{91240B29-F687-4f45-9708-019B960494DF}">
-                <a14:hiddenLine xmlns:a14="http://schemas.microsoft.com/office/drawing/2010/main" xmlns="" w="9525">
+                <a14:hiddenLine xmlns="" xmlns:a14="http://schemas.microsoft.com/office/drawing/2010/main" w="9525">
                   <a:solidFill>
                     <a:srgbClr val="000000"/>
                   </a:solidFill>
@@ -1704,7 +1704,7 @@
             </a:ln>
             <a:extLst>
               <a:ext uri="{91240B29-F687-4f45-9708-019B960494DF}">
-                <a14:hiddenLine xmlns:a14="http://schemas.microsoft.com/office/drawing/2010/main" xmlns="" w="9525">
+                <a14:hiddenLine xmlns="" xmlns:a14="http://schemas.microsoft.com/office/drawing/2010/main" w="9525">
                   <a:solidFill>
                     <a:srgbClr val="000000"/>
                   </a:solidFill>
@@ -1794,7 +1794,7 @@
             </a:ln>
             <a:extLst>
               <a:ext uri="{91240B29-F687-4f45-9708-019B960494DF}">
-                <a14:hiddenLine xmlns:a14="http://schemas.microsoft.com/office/drawing/2010/main" xmlns="" w="9525">
+                <a14:hiddenLine xmlns="" xmlns:a14="http://schemas.microsoft.com/office/drawing/2010/main" w="9525">
                   <a:solidFill>
                     <a:srgbClr val="000000"/>
                   </a:solidFill>
@@ -1884,7 +1884,7 @@
             </a:ln>
             <a:extLst>
               <a:ext uri="{91240B29-F687-4f45-9708-019B960494DF}">
-                <a14:hiddenLine xmlns:a14="http://schemas.microsoft.com/office/drawing/2010/main" xmlns="" w="9525">
+                <a14:hiddenLine xmlns="" xmlns:a14="http://schemas.microsoft.com/office/drawing/2010/main" w="9525">
                   <a:solidFill>
                     <a:srgbClr val="000000"/>
                   </a:solidFill>
@@ -1940,7 +1940,7 @@
             </a:ln>
             <a:extLst>
               <a:ext uri="{91240B29-F687-4f45-9708-019B960494DF}">
-                <a14:hiddenLine xmlns:a14="http://schemas.microsoft.com/office/drawing/2010/main" xmlns="" w="9525">
+                <a14:hiddenLine xmlns="" xmlns:a14="http://schemas.microsoft.com/office/drawing/2010/main" w="9525">
                   <a:solidFill>
                     <a:srgbClr val="000000"/>
                   </a:solidFill>
@@ -2030,7 +2030,7 @@
             </a:ln>
             <a:extLst>
               <a:ext uri="{91240B29-F687-4f45-9708-019B960494DF}">
-                <a14:hiddenLine xmlns:a14="http://schemas.microsoft.com/office/drawing/2010/main" xmlns="" w="9525">
+                <a14:hiddenLine xmlns="" xmlns:a14="http://schemas.microsoft.com/office/drawing/2010/main" w="9525">
                   <a:solidFill>
                     <a:srgbClr val="000000"/>
                   </a:solidFill>
@@ -2086,7 +2086,7 @@
             </a:ln>
             <a:extLst>
               <a:ext uri="{91240B29-F687-4f45-9708-019B960494DF}">
-                <a14:hiddenLine xmlns:a14="http://schemas.microsoft.com/office/drawing/2010/main" xmlns="" w="9525">
+                <a14:hiddenLine xmlns="" xmlns:a14="http://schemas.microsoft.com/office/drawing/2010/main" w="9525">
                   <a:solidFill>
                     <a:srgbClr val="000000"/>
                   </a:solidFill>
@@ -2176,7 +2176,7 @@
             </a:ln>
             <a:extLst>
               <a:ext uri="{91240B29-F687-4f45-9708-019B960494DF}">
-                <a14:hiddenLine xmlns:a14="http://schemas.microsoft.com/office/drawing/2010/main" xmlns="" w="9525">
+                <a14:hiddenLine xmlns="" xmlns:a14="http://schemas.microsoft.com/office/drawing/2010/main" w="9525">
                   <a:solidFill>
                     <a:srgbClr val="000000"/>
                   </a:solidFill>
@@ -2244,7 +2244,7 @@
             </a:ln>
             <a:extLst>
               <a:ext uri="{91240B29-F687-4f45-9708-019B960494DF}">
-                <a14:hiddenLine xmlns:a14="http://schemas.microsoft.com/office/drawing/2010/main" xmlns="" w="9525">
+                <a14:hiddenLine xmlns="" xmlns:a14="http://schemas.microsoft.com/office/drawing/2010/main" w="9525">
                   <a:solidFill>
                     <a:srgbClr val="000000"/>
                   </a:solidFill>
@@ -2334,7 +2334,7 @@
             </a:ln>
             <a:extLst>
               <a:ext uri="{91240B29-F687-4f45-9708-019B960494DF}">
-                <a14:hiddenLine xmlns:a14="http://schemas.microsoft.com/office/drawing/2010/main" xmlns="" w="9525">
+                <a14:hiddenLine xmlns="" xmlns:a14="http://schemas.microsoft.com/office/drawing/2010/main" w="9525">
                   <a:solidFill>
                     <a:srgbClr val="000000"/>
                   </a:solidFill>
@@ -2402,7 +2402,7 @@
             </a:ln>
             <a:extLst>
               <a:ext uri="{91240B29-F687-4f45-9708-019B960494DF}">
-                <a14:hiddenLine xmlns:a14="http://schemas.microsoft.com/office/drawing/2010/main" xmlns="" w="9525">
+                <a14:hiddenLine xmlns="" xmlns:a14="http://schemas.microsoft.com/office/drawing/2010/main" w="9525">
                   <a:solidFill>
                     <a:srgbClr val="000000"/>
                   </a:solidFill>
@@ -2492,7 +2492,7 @@
             </a:ln>
             <a:extLst>
               <a:ext uri="{91240B29-F687-4f45-9708-019B960494DF}">
-                <a14:hiddenLine xmlns:a14="http://schemas.microsoft.com/office/drawing/2010/main" xmlns="" w="9525">
+                <a14:hiddenLine xmlns="" xmlns:a14="http://schemas.microsoft.com/office/drawing/2010/main" w="9525">
                   <a:solidFill>
                     <a:srgbClr val="000000"/>
                   </a:solidFill>
@@ -2526,7 +2526,7 @@
             </a:ln>
             <a:extLst>
               <a:ext uri="{91240B29-F687-4f45-9708-019B960494DF}">
-                <a14:hiddenLine xmlns:a14="http://schemas.microsoft.com/office/drawing/2010/main" xmlns="" w="9525">
+                <a14:hiddenLine xmlns="" xmlns:a14="http://schemas.microsoft.com/office/drawing/2010/main" w="9525">
                   <a:solidFill>
                     <a:srgbClr val="000000"/>
                   </a:solidFill>
@@ -2616,7 +2616,7 @@
             </a:ln>
             <a:extLst>
               <a:ext uri="{91240B29-F687-4f45-9708-019B960494DF}">
-                <a14:hiddenLine xmlns:a14="http://schemas.microsoft.com/office/drawing/2010/main" xmlns="" w="9525">
+                <a14:hiddenLine xmlns="" xmlns:a14="http://schemas.microsoft.com/office/drawing/2010/main" w="9525">
                   <a:solidFill>
                     <a:srgbClr val="000000"/>
                   </a:solidFill>
@@ -2678,7 +2678,7 @@
             </a:ln>
             <a:extLst>
               <a:ext uri="{91240B29-F687-4f45-9708-019B960494DF}">
-                <a14:hiddenLine xmlns:a14="http://schemas.microsoft.com/office/drawing/2010/main" xmlns="" w="9525">
+                <a14:hiddenLine xmlns="" xmlns:a14="http://schemas.microsoft.com/office/drawing/2010/main" w="9525">
                   <a:solidFill>
                     <a:srgbClr val="000000"/>
                   </a:solidFill>
@@ -2740,7 +2740,7 @@
             </a:ln>
             <a:extLst>
               <a:ext uri="{91240B29-F687-4f45-9708-019B960494DF}">
-                <a14:hiddenLine xmlns:a14="http://schemas.microsoft.com/office/drawing/2010/main" xmlns="" w="9525">
+                <a14:hiddenLine xmlns="" xmlns:a14="http://schemas.microsoft.com/office/drawing/2010/main" w="9525">
                   <a:solidFill>
                     <a:srgbClr val="000000"/>
                   </a:solidFill>
@@ -2830,7 +2830,7 @@
             </a:ln>
             <a:extLst>
               <a:ext uri="{91240B29-F687-4f45-9708-019B960494DF}">
-                <a14:hiddenLine xmlns:a14="http://schemas.microsoft.com/office/drawing/2010/main" xmlns="" w="9525">
+                <a14:hiddenLine xmlns="" xmlns:a14="http://schemas.microsoft.com/office/drawing/2010/main" w="9525">
                   <a:solidFill>
                     <a:srgbClr val="000000"/>
                   </a:solidFill>
@@ -2898,7 +2898,7 @@
             </a:ln>
             <a:extLst>
               <a:ext uri="{91240B29-F687-4f45-9708-019B960494DF}">
-                <a14:hiddenLine xmlns:a14="http://schemas.microsoft.com/office/drawing/2010/main" xmlns="" w="9525">
+                <a14:hiddenLine xmlns="" xmlns:a14="http://schemas.microsoft.com/office/drawing/2010/main" w="9525">
                   <a:solidFill>
                     <a:srgbClr val="000000"/>
                   </a:solidFill>
@@ -2960,7 +2960,7 @@
             </a:ln>
             <a:extLst>
               <a:ext uri="{91240B29-F687-4f45-9708-019B960494DF}">
-                <a14:hiddenLine xmlns:a14="http://schemas.microsoft.com/office/drawing/2010/main" xmlns="" w="9525">
+                <a14:hiddenLine xmlns="" xmlns:a14="http://schemas.microsoft.com/office/drawing/2010/main" w="9525">
                   <a:solidFill>
                     <a:srgbClr val="000000"/>
                   </a:solidFill>
@@ -3050,7 +3050,7 @@
             </a:ln>
             <a:extLst>
               <a:ext uri="{91240B29-F687-4f45-9708-019B960494DF}">
-                <a14:hiddenLine xmlns:a14="http://schemas.microsoft.com/office/drawing/2010/main" xmlns="" w="9525">
+                <a14:hiddenLine xmlns="" xmlns:a14="http://schemas.microsoft.com/office/drawing/2010/main" w="9525">
                   <a:solidFill>
                     <a:srgbClr val="000000"/>
                   </a:solidFill>
@@ -3112,7 +3112,7 @@
             </a:ln>
             <a:extLst>
               <a:ext uri="{91240B29-F687-4f45-9708-019B960494DF}">
-                <a14:hiddenLine xmlns:a14="http://schemas.microsoft.com/office/drawing/2010/main" xmlns="" w="9525">
+                <a14:hiddenLine xmlns="" xmlns:a14="http://schemas.microsoft.com/office/drawing/2010/main" w="9525">
                   <a:solidFill>
                     <a:srgbClr val="000000"/>
                   </a:solidFill>
@@ -3202,7 +3202,7 @@
             </a:ln>
             <a:extLst>
               <a:ext uri="{91240B29-F687-4f45-9708-019B960494DF}">
-                <a14:hiddenLine xmlns:a14="http://schemas.microsoft.com/office/drawing/2010/main" xmlns="" w="9525">
+                <a14:hiddenLine xmlns="" xmlns:a14="http://schemas.microsoft.com/office/drawing/2010/main" w="9525">
                   <a:solidFill>
                     <a:srgbClr val="000000"/>
                   </a:solidFill>
@@ -3264,7 +3264,7 @@
             </a:ln>
             <a:extLst>
               <a:ext uri="{91240B29-F687-4f45-9708-019B960494DF}">
-                <a14:hiddenLine xmlns:a14="http://schemas.microsoft.com/office/drawing/2010/main" xmlns="" w="9525">
+                <a14:hiddenLine xmlns="" xmlns:a14="http://schemas.microsoft.com/office/drawing/2010/main" w="9525">
                   <a:solidFill>
                     <a:srgbClr val="000000"/>
                   </a:solidFill>
@@ -3354,7 +3354,7 @@
             </a:ln>
             <a:extLst>
               <a:ext uri="{91240B29-F687-4f45-9708-019B960494DF}">
-                <a14:hiddenLine xmlns:a14="http://schemas.microsoft.com/office/drawing/2010/main" xmlns="" w="9525">
+                <a14:hiddenLine xmlns="" xmlns:a14="http://schemas.microsoft.com/office/drawing/2010/main" w="9525">
                   <a:solidFill>
                     <a:srgbClr val="000000"/>
                   </a:solidFill>
@@ -3388,7 +3388,7 @@
             </a:ln>
             <a:extLst>
               <a:ext uri="{91240B29-F687-4f45-9708-019B960494DF}">
-                <a14:hiddenLine xmlns:a14="http://schemas.microsoft.com/office/drawing/2010/main" xmlns="" w="9525">
+                <a14:hiddenLine xmlns="" xmlns:a14="http://schemas.microsoft.com/office/drawing/2010/main" w="9525">
                   <a:solidFill>
                     <a:srgbClr val="000000"/>
                   </a:solidFill>
@@ -3453,7 +3453,7 @@
             </a:ln>
             <a:extLst>
               <a:ext uri="{91240B29-F687-4f45-9708-019B960494DF}">
-                <a14:hiddenLine xmlns:a14="http://schemas.microsoft.com/office/drawing/2010/main" xmlns="" w="9525">
+                <a14:hiddenLine xmlns="" xmlns:a14="http://schemas.microsoft.com/office/drawing/2010/main" w="9525">
                   <a:solidFill>
                     <a:srgbClr val="000000"/>
                   </a:solidFill>
@@ -3543,7 +3543,7 @@
             </a:ln>
             <a:extLst>
               <a:ext uri="{91240B29-F687-4f45-9708-019B960494DF}">
-                <a14:hiddenLine xmlns:a14="http://schemas.microsoft.com/office/drawing/2010/main" xmlns="" w="9525">
+                <a14:hiddenLine xmlns="" xmlns:a14="http://schemas.microsoft.com/office/drawing/2010/main" w="9525">
                   <a:solidFill>
                     <a:srgbClr val="000000"/>
                   </a:solidFill>
@@ -3605,7 +3605,7 @@
             </a:ln>
             <a:extLst>
               <a:ext uri="{91240B29-F687-4f45-9708-019B960494DF}">
-                <a14:hiddenLine xmlns:a14="http://schemas.microsoft.com/office/drawing/2010/main" xmlns="" w="9525">
+                <a14:hiddenLine xmlns="" xmlns:a14="http://schemas.microsoft.com/office/drawing/2010/main" w="9525">
                   <a:solidFill>
                     <a:srgbClr val="000000"/>
                   </a:solidFill>
@@ -3695,7 +3695,7 @@
             </a:ln>
             <a:extLst>
               <a:ext uri="{91240B29-F687-4f45-9708-019B960494DF}">
-                <a14:hiddenLine xmlns:a14="http://schemas.microsoft.com/office/drawing/2010/main" xmlns="" w="9525">
+                <a14:hiddenLine xmlns="" xmlns:a14="http://schemas.microsoft.com/office/drawing/2010/main" w="9525">
                   <a:solidFill>
                     <a:srgbClr val="000000"/>
                   </a:solidFill>
@@ -3785,7 +3785,7 @@
             </a:ln>
             <a:extLst>
               <a:ext uri="{91240B29-F687-4f45-9708-019B960494DF}">
-                <a14:hiddenLine xmlns:a14="http://schemas.microsoft.com/office/drawing/2010/main" xmlns="" w="9525">
+                <a14:hiddenLine xmlns="" xmlns:a14="http://schemas.microsoft.com/office/drawing/2010/main" w="9525">
                   <a:solidFill>
                     <a:srgbClr val="000000"/>
                   </a:solidFill>
@@ -3850,7 +3850,7 @@
             </a:ln>
             <a:extLst>
               <a:ext uri="{91240B29-F687-4f45-9708-019B960494DF}">
-                <a14:hiddenLine xmlns:a14="http://schemas.microsoft.com/office/drawing/2010/main" xmlns="" w="9525">
+                <a14:hiddenLine xmlns="" xmlns:a14="http://schemas.microsoft.com/office/drawing/2010/main" w="9525">
                   <a:solidFill>
                     <a:srgbClr val="000000"/>
                   </a:solidFill>
@@ -3912,7 +3912,7 @@
             </a:ln>
             <a:extLst>
               <a:ext uri="{91240B29-F687-4f45-9708-019B960494DF}">
-                <a14:hiddenLine xmlns:a14="http://schemas.microsoft.com/office/drawing/2010/main" xmlns="" w="9525">
+                <a14:hiddenLine xmlns="" xmlns:a14="http://schemas.microsoft.com/office/drawing/2010/main" w="9525">
                   <a:solidFill>
                     <a:srgbClr val="000000"/>
                   </a:solidFill>
@@ -4002,7 +4002,7 @@
             </a:ln>
             <a:extLst>
               <a:ext uri="{91240B29-F687-4f45-9708-019B960494DF}">
-                <a14:hiddenLine xmlns:a14="http://schemas.microsoft.com/office/drawing/2010/main" xmlns="" w="9525">
+                <a14:hiddenLine xmlns="" xmlns:a14="http://schemas.microsoft.com/office/drawing/2010/main" w="9525">
                   <a:solidFill>
                     <a:srgbClr val="000000"/>
                   </a:solidFill>
@@ -4092,7 +4092,7 @@
             </a:ln>
             <a:extLst>
               <a:ext uri="{91240B29-F687-4f45-9708-019B960494DF}">
-                <a14:hiddenLine xmlns:a14="http://schemas.microsoft.com/office/drawing/2010/main" xmlns="" w="9525">
+                <a14:hiddenLine xmlns="" xmlns:a14="http://schemas.microsoft.com/office/drawing/2010/main" w="9525">
                   <a:solidFill>
                     <a:srgbClr val="000000"/>
                   </a:solidFill>
@@ -4154,7 +4154,7 @@
             </a:ln>
             <a:extLst>
               <a:ext uri="{91240B29-F687-4f45-9708-019B960494DF}">
-                <a14:hiddenLine xmlns:a14="http://schemas.microsoft.com/office/drawing/2010/main" xmlns="" w="9525">
+                <a14:hiddenLine xmlns="" xmlns:a14="http://schemas.microsoft.com/office/drawing/2010/main" w="9525">
                   <a:solidFill>
                     <a:srgbClr val="000000"/>
                   </a:solidFill>
@@ -4274,7 +4274,7 @@
             </a:ln>
             <a:extLst>
               <a:ext uri="{91240B29-F687-4f45-9708-019B960494DF}">
-                <a14:hiddenLine xmlns:a14="http://schemas.microsoft.com/office/drawing/2010/main" xmlns="" w="9525">
+                <a14:hiddenLine xmlns="" xmlns:a14="http://schemas.microsoft.com/office/drawing/2010/main" w="9525">
                   <a:solidFill>
                     <a:srgbClr val="000000"/>
                   </a:solidFill>
@@ -4342,7 +4342,7 @@
             </a:ln>
             <a:extLst>
               <a:ext uri="{91240B29-F687-4f45-9708-019B960494DF}">
-                <a14:hiddenLine xmlns:a14="http://schemas.microsoft.com/office/drawing/2010/main" xmlns="" w="9525">
+                <a14:hiddenLine xmlns="" xmlns:a14="http://schemas.microsoft.com/office/drawing/2010/main" w="9525">
                   <a:solidFill>
                     <a:srgbClr val="000000"/>
                   </a:solidFill>
@@ -4432,7 +4432,7 @@
             </a:ln>
             <a:extLst>
               <a:ext uri="{91240B29-F687-4f45-9708-019B960494DF}">
-                <a14:hiddenLine xmlns:a14="http://schemas.microsoft.com/office/drawing/2010/main" xmlns="" w="9525">
+                <a14:hiddenLine xmlns="" xmlns:a14="http://schemas.microsoft.com/office/drawing/2010/main" w="9525">
                   <a:solidFill>
                     <a:srgbClr val="000000"/>
                   </a:solidFill>
@@ -4572,7 +4572,7 @@
           <a:p>
             <a:fld id="{48A87A34-81AB-432B-8DAE-1953F412C126}" type="datetimeFigureOut">
               <a:rPr lang="en-US" dirty="0"/>
-              <a:t>6/1/19</a:t>
+              <a:t>6/12/19</a:t>
             </a:fld>
             <a:endParaRPr lang="en-US" dirty="0"/>
           </a:p>
@@ -4834,7 +4834,7 @@
           <a:p>
             <a:fld id="{48A87A34-81AB-432B-8DAE-1953F412C126}" type="datetimeFigureOut">
               <a:rPr lang="en-US" dirty="0"/>
-              <a:t>6/1/19</a:t>
+              <a:t>6/12/19</a:t>
             </a:fld>
             <a:endParaRPr lang="en-US" dirty="0"/>
           </a:p>
@@ -5025,7 +5025,7 @@
           <a:p>
             <a:fld id="{48A87A34-81AB-432B-8DAE-1953F412C126}" type="datetimeFigureOut">
               <a:rPr lang="en-US" dirty="0"/>
-              <a:t>6/1/19</a:t>
+              <a:t>6/12/19</a:t>
             </a:fld>
             <a:endParaRPr lang="en-US" dirty="0"/>
           </a:p>
@@ -5283,7 +5283,7 @@
           <a:p>
             <a:fld id="{48A87A34-81AB-432B-8DAE-1953F412C126}" type="datetimeFigureOut">
               <a:rPr lang="en-US" dirty="0"/>
-              <a:t>6/1/19</a:t>
+              <a:t>6/12/19</a:t>
             </a:fld>
             <a:endParaRPr lang="en-US" dirty="0"/>
           </a:p>
@@ -5712,7 +5712,7 @@
           <a:p>
             <a:fld id="{48A87A34-81AB-432B-8DAE-1953F412C126}" type="datetimeFigureOut">
               <a:rPr lang="en-US" dirty="0"/>
-              <a:t>6/1/19</a:t>
+              <a:t>6/12/19</a:t>
             </a:fld>
             <a:endParaRPr lang="en-US" dirty="0"/>
           </a:p>
@@ -6253,7 +6253,7 @@
           <a:p>
             <a:fld id="{48A87A34-81AB-432B-8DAE-1953F412C126}" type="datetimeFigureOut">
               <a:rPr lang="en-US" dirty="0"/>
-              <a:t>6/1/19</a:t>
+              <a:t>6/12/19</a:t>
             </a:fld>
             <a:endParaRPr lang="en-US" dirty="0"/>
           </a:p>
@@ -6968,7 +6968,7 @@
           <a:p>
             <a:fld id="{48A87A34-81AB-432B-8DAE-1953F412C126}" type="datetimeFigureOut">
               <a:rPr lang="en-US" dirty="0"/>
-              <a:t>6/1/19</a:t>
+              <a:t>6/12/19</a:t>
             </a:fld>
             <a:endParaRPr lang="en-US" dirty="0"/>
           </a:p>
@@ -7165,7 +7165,7 @@
           <a:p>
             <a:fld id="{48A87A34-81AB-432B-8DAE-1953F412C126}" type="datetimeFigureOut">
               <a:rPr lang="en-US" dirty="0"/>
-              <a:t>6/1/19</a:t>
+              <a:t>6/12/19</a:t>
             </a:fld>
             <a:endParaRPr lang="en-US" dirty="0"/>
           </a:p>
@@ -7372,7 +7372,7 @@
           <a:p>
             <a:fld id="{48A87A34-81AB-432B-8DAE-1953F412C126}" type="datetimeFigureOut">
               <a:rPr lang="en-US" dirty="0"/>
-              <a:t>6/1/19</a:t>
+              <a:t>6/12/19</a:t>
             </a:fld>
             <a:endParaRPr lang="en-US" dirty="0"/>
           </a:p>
@@ -7569,7 +7569,7 @@
           <a:p>
             <a:fld id="{48A87A34-81AB-432B-8DAE-1953F412C126}" type="datetimeFigureOut">
               <a:rPr lang="en-US" dirty="0"/>
-              <a:t>6/1/19</a:t>
+              <a:t>6/12/19</a:t>
             </a:fld>
             <a:endParaRPr lang="en-US" dirty="0"/>
           </a:p>
@@ -7814,7 +7814,7 @@
           <a:p>
             <a:fld id="{48A87A34-81AB-432B-8DAE-1953F412C126}" type="datetimeFigureOut">
               <a:rPr lang="en-US" dirty="0"/>
-              <a:t>6/1/19</a:t>
+              <a:t>6/12/19</a:t>
             </a:fld>
             <a:endParaRPr lang="en-US" dirty="0"/>
           </a:p>
@@ -8105,7 +8105,7 @@
           <a:p>
             <a:fld id="{48A87A34-81AB-432B-8DAE-1953F412C126}" type="datetimeFigureOut">
               <a:rPr lang="en-US" dirty="0"/>
-              <a:t>6/1/19</a:t>
+              <a:t>6/12/19</a:t>
             </a:fld>
             <a:endParaRPr lang="en-US" dirty="0"/>
           </a:p>
@@ -8545,7 +8545,7 @@
           <a:p>
             <a:fld id="{48A87A34-81AB-432B-8DAE-1953F412C126}" type="datetimeFigureOut">
               <a:rPr lang="en-US" dirty="0"/>
-              <a:t>6/1/19</a:t>
+              <a:t>6/12/19</a:t>
             </a:fld>
             <a:endParaRPr lang="en-US" dirty="0"/>
           </a:p>
@@ -8658,7 +8658,7 @@
           <a:p>
             <a:fld id="{48A87A34-81AB-432B-8DAE-1953F412C126}" type="datetimeFigureOut">
               <a:rPr lang="en-US" dirty="0"/>
-              <a:t>6/1/19</a:t>
+              <a:t>6/12/19</a:t>
             </a:fld>
             <a:endParaRPr lang="en-US" dirty="0"/>
           </a:p>
@@ -8748,7 +8748,7 @@
           <a:p>
             <a:fld id="{48A87A34-81AB-432B-8DAE-1953F412C126}" type="datetimeFigureOut">
               <a:rPr lang="en-US" dirty="0"/>
-              <a:t>6/1/19</a:t>
+              <a:t>6/12/19</a:t>
             </a:fld>
             <a:endParaRPr lang="en-US" dirty="0"/>
           </a:p>
@@ -9024,7 +9024,7 @@
           <a:p>
             <a:fld id="{48A87A34-81AB-432B-8DAE-1953F412C126}" type="datetimeFigureOut">
               <a:rPr lang="en-US" dirty="0"/>
-              <a:t>6/1/19</a:t>
+              <a:t>6/12/19</a:t>
             </a:fld>
             <a:endParaRPr lang="en-US" dirty="0"/>
           </a:p>
@@ -9299,7 +9299,7 @@
           <a:p>
             <a:fld id="{48A87A34-81AB-432B-8DAE-1953F412C126}" type="datetimeFigureOut">
               <a:rPr lang="en-US" dirty="0"/>
-              <a:t>6/1/19</a:t>
+              <a:t>6/12/19</a:t>
             </a:fld>
             <a:endParaRPr lang="en-US" dirty="0"/>
           </a:p>
@@ -9410,7 +9410,7 @@
           <a:noFill/>
           <a:extLst>
             <a:ext uri="{909E8E84-426E-40dd-AFC4-6F175D3DCCD1}">
-              <a14:hiddenFill xmlns:a14="http://schemas.microsoft.com/office/drawing/2010/main" xmlns="">
+              <a14:hiddenFill xmlns="" xmlns:a14="http://schemas.microsoft.com/office/drawing/2010/main">
                 <a:solidFill>
                   <a:srgbClr val="FFFFFF"/>
                 </a:solidFill>
@@ -9484,7 +9484,7 @@
               </a:ln>
               <a:extLst>
                 <a:ext uri="{91240B29-F687-4f45-9708-019B960494DF}">
-                  <a14:hiddenLine xmlns:a14="http://schemas.microsoft.com/office/drawing/2010/main" xmlns="" w="9525">
+                  <a14:hiddenLine xmlns="" xmlns:a14="http://schemas.microsoft.com/office/drawing/2010/main" w="9525">
                     <a:solidFill>
                       <a:srgbClr val="000000"/>
                     </a:solidFill>
@@ -9574,7 +9574,7 @@
               </a:ln>
               <a:extLst>
                 <a:ext uri="{91240B29-F687-4f45-9708-019B960494DF}">
-                  <a14:hiddenLine xmlns:a14="http://schemas.microsoft.com/office/drawing/2010/main" xmlns="" w="9525">
+                  <a14:hiddenLine xmlns="" xmlns:a14="http://schemas.microsoft.com/office/drawing/2010/main" w="9525">
                     <a:solidFill>
                       <a:srgbClr val="000000"/>
                     </a:solidFill>
@@ -9664,7 +9664,7 @@
               </a:ln>
               <a:extLst>
                 <a:ext uri="{91240B29-F687-4f45-9708-019B960494DF}">
-                  <a14:hiddenLine xmlns:a14="http://schemas.microsoft.com/office/drawing/2010/main" xmlns="" w="9525">
+                  <a14:hiddenLine xmlns="" xmlns:a14="http://schemas.microsoft.com/office/drawing/2010/main" w="9525">
                     <a:solidFill>
                       <a:srgbClr val="000000"/>
                     </a:solidFill>
@@ -9726,7 +9726,7 @@
               </a:ln>
               <a:extLst>
                 <a:ext uri="{91240B29-F687-4f45-9708-019B960494DF}">
-                  <a14:hiddenLine xmlns:a14="http://schemas.microsoft.com/office/drawing/2010/main" xmlns="" w="9525">
+                  <a14:hiddenLine xmlns="" xmlns:a14="http://schemas.microsoft.com/office/drawing/2010/main" w="9525">
                     <a:solidFill>
                       <a:srgbClr val="000000"/>
                     </a:solidFill>
@@ -9816,7 +9816,7 @@
               </a:ln>
               <a:extLst>
                 <a:ext uri="{91240B29-F687-4f45-9708-019B960494DF}">
-                  <a14:hiddenLine xmlns:a14="http://schemas.microsoft.com/office/drawing/2010/main" xmlns="" w="9525">
+                  <a14:hiddenLine xmlns="" xmlns:a14="http://schemas.microsoft.com/office/drawing/2010/main" w="9525">
                     <a:solidFill>
                       <a:srgbClr val="000000"/>
                     </a:solidFill>
@@ -9878,7 +9878,7 @@
               </a:ln>
               <a:extLst>
                 <a:ext uri="{91240B29-F687-4f45-9708-019B960494DF}">
-                  <a14:hiddenLine xmlns:a14="http://schemas.microsoft.com/office/drawing/2010/main" xmlns="" w="9525">
+                  <a14:hiddenLine xmlns="" xmlns:a14="http://schemas.microsoft.com/office/drawing/2010/main" w="9525">
                     <a:solidFill>
                       <a:srgbClr val="000000"/>
                     </a:solidFill>
@@ -9940,7 +9940,7 @@
               </a:ln>
               <a:extLst>
                 <a:ext uri="{91240B29-F687-4f45-9708-019B960494DF}">
-                  <a14:hiddenLine xmlns:a14="http://schemas.microsoft.com/office/drawing/2010/main" xmlns="" w="9525">
+                  <a14:hiddenLine xmlns="" xmlns:a14="http://schemas.microsoft.com/office/drawing/2010/main" w="9525">
                     <a:solidFill>
                       <a:srgbClr val="000000"/>
                     </a:solidFill>
@@ -10030,7 +10030,7 @@
               </a:ln>
               <a:extLst>
                 <a:ext uri="{91240B29-F687-4f45-9708-019B960494DF}">
-                  <a14:hiddenLine xmlns:a14="http://schemas.microsoft.com/office/drawing/2010/main" xmlns="" w="9525">
+                  <a14:hiddenLine xmlns="" xmlns:a14="http://schemas.microsoft.com/office/drawing/2010/main" w="9525">
                     <a:solidFill>
                       <a:srgbClr val="000000"/>
                     </a:solidFill>
@@ -10120,7 +10120,7 @@
               </a:ln>
               <a:extLst>
                 <a:ext uri="{91240B29-F687-4f45-9708-019B960494DF}">
-                  <a14:hiddenLine xmlns:a14="http://schemas.microsoft.com/office/drawing/2010/main" xmlns="" w="9525">
+                  <a14:hiddenLine xmlns="" xmlns:a14="http://schemas.microsoft.com/office/drawing/2010/main" w="9525">
                     <a:solidFill>
                       <a:srgbClr val="000000"/>
                     </a:solidFill>
@@ -10182,7 +10182,7 @@
               </a:ln>
               <a:extLst>
                 <a:ext uri="{91240B29-F687-4f45-9708-019B960494DF}">
-                  <a14:hiddenLine xmlns:a14="http://schemas.microsoft.com/office/drawing/2010/main" xmlns="" w="9525">
+                  <a14:hiddenLine xmlns="" xmlns:a14="http://schemas.microsoft.com/office/drawing/2010/main" w="9525">
                     <a:solidFill>
                       <a:srgbClr val="000000"/>
                     </a:solidFill>
@@ -10292,7 +10292,7 @@
               </a:ln>
               <a:extLst>
                 <a:ext uri="{91240B29-F687-4f45-9708-019B960494DF}">
-                  <a14:hiddenLine xmlns:a14="http://schemas.microsoft.com/office/drawing/2010/main" xmlns="" w="9525">
+                  <a14:hiddenLine xmlns="" xmlns:a14="http://schemas.microsoft.com/office/drawing/2010/main" w="9525">
                     <a:solidFill>
                       <a:srgbClr val="000000"/>
                     </a:solidFill>
@@ -10376,7 +10376,7 @@
               </a:ln>
               <a:extLst>
                 <a:ext uri="{91240B29-F687-4f45-9708-019B960494DF}">
-                  <a14:hiddenLine xmlns:a14="http://schemas.microsoft.com/office/drawing/2010/main" xmlns="" w="9525">
+                  <a14:hiddenLine xmlns="" xmlns:a14="http://schemas.microsoft.com/office/drawing/2010/main" w="9525">
                     <a:solidFill>
                       <a:srgbClr val="000000"/>
                     </a:solidFill>
@@ -10438,7 +10438,7 @@
               </a:ln>
               <a:extLst>
                 <a:ext uri="{91240B29-F687-4f45-9708-019B960494DF}">
-                  <a14:hiddenLine xmlns:a14="http://schemas.microsoft.com/office/drawing/2010/main" xmlns="" w="9525">
+                  <a14:hiddenLine xmlns="" xmlns:a14="http://schemas.microsoft.com/office/drawing/2010/main" w="9525">
                     <a:solidFill>
                       <a:srgbClr val="000000"/>
                     </a:solidFill>
@@ -10500,7 +10500,7 @@
               </a:ln>
               <a:extLst>
                 <a:ext uri="{91240B29-F687-4f45-9708-019B960494DF}">
-                  <a14:hiddenLine xmlns:a14="http://schemas.microsoft.com/office/drawing/2010/main" xmlns="" w="9525">
+                  <a14:hiddenLine xmlns="" xmlns:a14="http://schemas.microsoft.com/office/drawing/2010/main" w="9525">
                     <a:solidFill>
                       <a:srgbClr val="000000"/>
                     </a:solidFill>
@@ -10590,7 +10590,7 @@
               </a:ln>
               <a:extLst>
                 <a:ext uri="{91240B29-F687-4f45-9708-019B960494DF}">
-                  <a14:hiddenLine xmlns:a14="http://schemas.microsoft.com/office/drawing/2010/main" xmlns="" w="9525">
+                  <a14:hiddenLine xmlns="" xmlns:a14="http://schemas.microsoft.com/office/drawing/2010/main" w="9525">
                     <a:solidFill>
                       <a:srgbClr val="000000"/>
                     </a:solidFill>
@@ -10624,7 +10624,7 @@
               </a:ln>
               <a:extLst>
                 <a:ext uri="{91240B29-F687-4f45-9708-019B960494DF}">
-                  <a14:hiddenLine xmlns:a14="http://schemas.microsoft.com/office/drawing/2010/main" xmlns="" w="9525">
+                  <a14:hiddenLine xmlns="" xmlns:a14="http://schemas.microsoft.com/office/drawing/2010/main" w="9525">
                     <a:solidFill>
                       <a:srgbClr val="000000"/>
                     </a:solidFill>
@@ -10689,7 +10689,7 @@
               </a:ln>
               <a:extLst>
                 <a:ext uri="{91240B29-F687-4f45-9708-019B960494DF}">
-                  <a14:hiddenLine xmlns:a14="http://schemas.microsoft.com/office/drawing/2010/main" xmlns="" w="9525">
+                  <a14:hiddenLine xmlns="" xmlns:a14="http://schemas.microsoft.com/office/drawing/2010/main" w="9525">
                     <a:solidFill>
                       <a:srgbClr val="000000"/>
                     </a:solidFill>
@@ -10779,7 +10779,7 @@
               </a:ln>
               <a:extLst>
                 <a:ext uri="{91240B29-F687-4f45-9708-019B960494DF}">
-                  <a14:hiddenLine xmlns:a14="http://schemas.microsoft.com/office/drawing/2010/main" xmlns="" w="9525">
+                  <a14:hiddenLine xmlns="" xmlns:a14="http://schemas.microsoft.com/office/drawing/2010/main" w="9525">
                     <a:solidFill>
                       <a:srgbClr val="000000"/>
                     </a:solidFill>
@@ -10841,7 +10841,7 @@
               </a:ln>
               <a:extLst>
                 <a:ext uri="{91240B29-F687-4f45-9708-019B960494DF}">
-                  <a14:hiddenLine xmlns:a14="http://schemas.microsoft.com/office/drawing/2010/main" xmlns="" w="9525">
+                  <a14:hiddenLine xmlns="" xmlns:a14="http://schemas.microsoft.com/office/drawing/2010/main" w="9525">
                     <a:solidFill>
                       <a:srgbClr val="000000"/>
                     </a:solidFill>
@@ -10931,7 +10931,7 @@
               </a:ln>
               <a:extLst>
                 <a:ext uri="{91240B29-F687-4f45-9708-019B960494DF}">
-                  <a14:hiddenLine xmlns:a14="http://schemas.microsoft.com/office/drawing/2010/main" xmlns="" w="9525">
+                  <a14:hiddenLine xmlns="" xmlns:a14="http://schemas.microsoft.com/office/drawing/2010/main" w="9525">
                     <a:solidFill>
                       <a:srgbClr val="000000"/>
                     </a:solidFill>
@@ -10996,7 +10996,7 @@
               </a:ln>
               <a:extLst>
                 <a:ext uri="{91240B29-F687-4f45-9708-019B960494DF}">
-                  <a14:hiddenLine xmlns:a14="http://schemas.microsoft.com/office/drawing/2010/main" xmlns="" w="9525">
+                  <a14:hiddenLine xmlns="" xmlns:a14="http://schemas.microsoft.com/office/drawing/2010/main" w="9525">
                     <a:solidFill>
                       <a:srgbClr val="000000"/>
                     </a:solidFill>
@@ -11058,7 +11058,7 @@
               </a:ln>
               <a:extLst>
                 <a:ext uri="{91240B29-F687-4f45-9708-019B960494DF}">
-                  <a14:hiddenLine xmlns:a14="http://schemas.microsoft.com/office/drawing/2010/main" xmlns="" w="9525">
+                  <a14:hiddenLine xmlns="" xmlns:a14="http://schemas.microsoft.com/office/drawing/2010/main" w="9525">
                     <a:solidFill>
                       <a:srgbClr val="000000"/>
                     </a:solidFill>
@@ -11148,7 +11148,7 @@
               </a:ln>
               <a:extLst>
                 <a:ext uri="{91240B29-F687-4f45-9708-019B960494DF}">
-                  <a14:hiddenLine xmlns:a14="http://schemas.microsoft.com/office/drawing/2010/main" xmlns="" w="9525">
+                  <a14:hiddenLine xmlns="" xmlns:a14="http://schemas.microsoft.com/office/drawing/2010/main" w="9525">
                     <a:solidFill>
                       <a:srgbClr val="000000"/>
                     </a:solidFill>
@@ -11238,7 +11238,7 @@
               </a:ln>
               <a:extLst>
                 <a:ext uri="{91240B29-F687-4f45-9708-019B960494DF}">
-                  <a14:hiddenLine xmlns:a14="http://schemas.microsoft.com/office/drawing/2010/main" xmlns="" w="9525">
+                  <a14:hiddenLine xmlns="" xmlns:a14="http://schemas.microsoft.com/office/drawing/2010/main" w="9525">
                     <a:solidFill>
                       <a:srgbClr val="000000"/>
                     </a:solidFill>
@@ -11303,7 +11303,7 @@
               </a:ln>
               <a:extLst>
                 <a:ext uri="{91240B29-F687-4f45-9708-019B960494DF}">
-                  <a14:hiddenLine xmlns:a14="http://schemas.microsoft.com/office/drawing/2010/main" xmlns="" w="9525">
+                  <a14:hiddenLine xmlns="" xmlns:a14="http://schemas.microsoft.com/office/drawing/2010/main" w="9525">
                     <a:solidFill>
                       <a:srgbClr val="000000"/>
                     </a:solidFill>
@@ -11423,7 +11423,7 @@
               </a:ln>
               <a:extLst>
                 <a:ext uri="{91240B29-F687-4f45-9708-019B960494DF}">
-                  <a14:hiddenLine xmlns:a14="http://schemas.microsoft.com/office/drawing/2010/main" xmlns="" w="9525">
+                  <a14:hiddenLine xmlns="" xmlns:a14="http://schemas.microsoft.com/office/drawing/2010/main" w="9525">
                     <a:solidFill>
                       <a:srgbClr val="000000"/>
                     </a:solidFill>
@@ -11521,7 +11521,7 @@
               </a:ln>
               <a:extLst>
                 <a:ext uri="{91240B29-F687-4f45-9708-019B960494DF}">
-                  <a14:hiddenLine xmlns:a14="http://schemas.microsoft.com/office/drawing/2010/main" xmlns="" w="9525">
+                  <a14:hiddenLine xmlns="" xmlns:a14="http://schemas.microsoft.com/office/drawing/2010/main" w="9525">
                     <a:solidFill>
                       <a:srgbClr val="000000"/>
                     </a:solidFill>
@@ -11636,7 +11636,7 @@
               </a:ln>
               <a:extLst>
                 <a:ext uri="{91240B29-F687-4f45-9708-019B960494DF}">
-                  <a14:hiddenLine xmlns:a14="http://schemas.microsoft.com/office/drawing/2010/main" xmlns="" w="9525">
+                  <a14:hiddenLine xmlns="" xmlns:a14="http://schemas.microsoft.com/office/drawing/2010/main" w="9525">
                     <a:solidFill>
                       <a:srgbClr val="000000"/>
                     </a:solidFill>
@@ -11726,7 +11726,7 @@
               </a:ln>
               <a:extLst>
                 <a:ext uri="{91240B29-F687-4f45-9708-019B960494DF}">
-                  <a14:hiddenLine xmlns:a14="http://schemas.microsoft.com/office/drawing/2010/main" xmlns="" w="9525">
+                  <a14:hiddenLine xmlns="" xmlns:a14="http://schemas.microsoft.com/office/drawing/2010/main" w="9525">
                     <a:solidFill>
                       <a:srgbClr val="000000"/>
                     </a:solidFill>
@@ -11791,7 +11791,7 @@
               </a:ln>
               <a:extLst>
                 <a:ext uri="{91240B29-F687-4f45-9708-019B960494DF}">
-                  <a14:hiddenLine xmlns:a14="http://schemas.microsoft.com/office/drawing/2010/main" xmlns="" w="9525">
+                  <a14:hiddenLine xmlns="" xmlns:a14="http://schemas.microsoft.com/office/drawing/2010/main" w="9525">
                     <a:solidFill>
                       <a:srgbClr val="000000"/>
                     </a:solidFill>
@@ -11881,7 +11881,7 @@
               </a:ln>
               <a:extLst>
                 <a:ext uri="{91240B29-F687-4f45-9708-019B960494DF}">
-                  <a14:hiddenLine xmlns:a14="http://schemas.microsoft.com/office/drawing/2010/main" xmlns="" w="9525">
+                  <a14:hiddenLine xmlns="" xmlns:a14="http://schemas.microsoft.com/office/drawing/2010/main" w="9525">
                     <a:solidFill>
                       <a:srgbClr val="000000"/>
                     </a:solidFill>
@@ -11949,7 +11949,7 @@
               </a:ln>
               <a:extLst>
                 <a:ext uri="{91240B29-F687-4f45-9708-019B960494DF}">
-                  <a14:hiddenLine xmlns:a14="http://schemas.microsoft.com/office/drawing/2010/main" xmlns="" w="9525">
+                  <a14:hiddenLine xmlns="" xmlns:a14="http://schemas.microsoft.com/office/drawing/2010/main" w="9525">
                     <a:solidFill>
                       <a:srgbClr val="000000"/>
                     </a:solidFill>
@@ -12039,7 +12039,7 @@
               </a:ln>
               <a:extLst>
                 <a:ext uri="{91240B29-F687-4f45-9708-019B960494DF}">
-                  <a14:hiddenLine xmlns:a14="http://schemas.microsoft.com/office/drawing/2010/main" xmlns="" w="9525">
+                  <a14:hiddenLine xmlns="" xmlns:a14="http://schemas.microsoft.com/office/drawing/2010/main" w="9525">
                     <a:solidFill>
                       <a:srgbClr val="000000"/>
                     </a:solidFill>
@@ -12107,7 +12107,7 @@
               </a:ln>
               <a:extLst>
                 <a:ext uri="{91240B29-F687-4f45-9708-019B960494DF}">
-                  <a14:hiddenLine xmlns:a14="http://schemas.microsoft.com/office/drawing/2010/main" xmlns="" w="9525">
+                  <a14:hiddenLine xmlns="" xmlns:a14="http://schemas.microsoft.com/office/drawing/2010/main" w="9525">
                     <a:solidFill>
                       <a:srgbClr val="000000"/>
                     </a:solidFill>
@@ -12197,7 +12197,7 @@
               </a:ln>
               <a:extLst>
                 <a:ext uri="{91240B29-F687-4f45-9708-019B960494DF}">
-                  <a14:hiddenLine xmlns:a14="http://schemas.microsoft.com/office/drawing/2010/main" xmlns="" w="9525">
+                  <a14:hiddenLine xmlns="" xmlns:a14="http://schemas.microsoft.com/office/drawing/2010/main" w="9525">
                     <a:solidFill>
                       <a:srgbClr val="000000"/>
                     </a:solidFill>
@@ -12231,7 +12231,7 @@
               </a:ln>
               <a:extLst>
                 <a:ext uri="{91240B29-F687-4f45-9708-019B960494DF}">
-                  <a14:hiddenLine xmlns:a14="http://schemas.microsoft.com/office/drawing/2010/main" xmlns="" w="9525">
+                  <a14:hiddenLine xmlns="" xmlns:a14="http://schemas.microsoft.com/office/drawing/2010/main" w="9525">
                     <a:solidFill>
                       <a:srgbClr val="000000"/>
                     </a:solidFill>
@@ -12404,7 +12404,7 @@
             <a:fld id="{48A87A34-81AB-432B-8DAE-1953F412C126}" type="datetimeFigureOut">
               <a:rPr lang="en-US" dirty="0"/>
               <a:pPr/>
-              <a:t>6/1/19</a:t>
+              <a:t>6/12/19</a:t>
             </a:fld>
             <a:endParaRPr lang="en-US" dirty="0"/>
           </a:p>
@@ -13645,7 +13645,7 @@
           <a:p>
             <a:r>
               <a:rPr kumimoji="1" lang="ja-JP" altLang="en-US"/>
-              <a:t>実際に実行する</a:t>
+              <a:t>実際に実行します</a:t>
             </a:r>
             <a:endParaRPr kumimoji="1" lang="en-US" altLang="ja-JP"/>
           </a:p>
@@ -13845,29 +13845,6 @@
               <a:t>完成</a:t>
             </a:r>
             <a:endParaRPr lang="en-US" altLang="ja-JP"/>
-          </a:p>
-          <a:p>
-            <a:r>
-              <a:rPr kumimoji="1" lang="en-US" altLang="ja-JP"/>
-              <a:t>main3.py(</a:t>
-            </a:r>
-            <a:r>
-              <a:rPr kumimoji="1" lang="ja-JP" altLang="en-US"/>
-              <a:t>対話形式で</a:t>
-            </a:r>
-            <a:r>
-              <a:rPr lang="ja-JP" altLang="en-US"/>
-              <a:t>実行していくようなものを想定</a:t>
-            </a:r>
-            <a:r>
-              <a:rPr kumimoji="1" lang="en-US" altLang="ja-JP"/>
-              <a:t>)</a:t>
-            </a:r>
-            <a:r>
-              <a:rPr kumimoji="1" lang="ja-JP" altLang="en-US"/>
-              <a:t>の実装</a:t>
-            </a:r>
-            <a:endParaRPr kumimoji="1" lang="en-US" altLang="ja-JP"/>
           </a:p>
           <a:p>
             <a:endParaRPr kumimoji="1" lang="en-US" altLang="ja-JP"/>

--- a/Reports/Midterm.pptx
+++ b/Reports/Midterm.pptx
@@ -19,10 +19,11 @@
     <p:sldId id="268" r:id="rId13"/>
     <p:sldId id="261" r:id="rId14"/>
     <p:sldId id="262" r:id="rId15"/>
-    <p:sldId id="271" r:id="rId16"/>
-    <p:sldId id="263" r:id="rId17"/>
-    <p:sldId id="264" r:id="rId18"/>
-    <p:sldId id="265" r:id="rId19"/>
+    <p:sldId id="275" r:id="rId16"/>
+    <p:sldId id="271" r:id="rId17"/>
+    <p:sldId id="263" r:id="rId18"/>
+    <p:sldId id="264" r:id="rId19"/>
+    <p:sldId id="265" r:id="rId20"/>
   </p:sldIdLst>
   <p:sldSz cx="12192000" cy="6858000"/>
   <p:notesSz cx="6858000" cy="9144000"/>
@@ -7205,6 +7206,788 @@
     <dgm:txLinClrLst/>
     <dgm:txFillClrLst meth="repeat">
       <a:schemeClr val="bg1"/>
+    </dgm:txFillClrLst>
+    <dgm:txEffectClrLst/>
+  </dgm:styleLbl>
+</dgm:colorsDef>
+</file>
+
+<file path=ppt/diagrams/colors9.xml><?xml version="1.0" encoding="utf-8"?>
+<dgm:colorsDef xmlns:dgm="http://schemas.openxmlformats.org/drawingml/2006/diagram" xmlns:a="http://schemas.openxmlformats.org/drawingml/2006/main" uniqueId="urn:microsoft.com/office/officeart/2005/8/colors/colorful5">
+  <dgm:title val=""/>
+  <dgm:desc val=""/>
+  <dgm:catLst>
+    <dgm:cat type="colorful" pri="10500"/>
+  </dgm:catLst>
+  <dgm:styleLbl name="node0">
+    <dgm:fillClrLst meth="repeat">
+      <a:schemeClr val="accent4"/>
+    </dgm:fillClrLst>
+    <dgm:linClrLst meth="repeat">
+      <a:schemeClr val="lt1"/>
+    </dgm:linClrLst>
+    <dgm:effectClrLst/>
+    <dgm:txLinClrLst/>
+    <dgm:txFillClrLst/>
+    <dgm:txEffectClrLst/>
+  </dgm:styleLbl>
+  <dgm:styleLbl name="node1">
+    <dgm:fillClrLst>
+      <a:schemeClr val="accent5"/>
+      <a:schemeClr val="accent6"/>
+    </dgm:fillClrLst>
+    <dgm:linClrLst meth="repeat">
+      <a:schemeClr val="lt1"/>
+    </dgm:linClrLst>
+    <dgm:effectClrLst/>
+    <dgm:txLinClrLst/>
+    <dgm:txFillClrLst/>
+    <dgm:txEffectClrLst/>
+  </dgm:styleLbl>
+  <dgm:styleLbl name="alignNode1">
+    <dgm:fillClrLst>
+      <a:schemeClr val="accent5"/>
+      <a:schemeClr val="accent6"/>
+    </dgm:fillClrLst>
+    <dgm:linClrLst>
+      <a:schemeClr val="accent5"/>
+      <a:schemeClr val="accent6"/>
+    </dgm:linClrLst>
+    <dgm:effectClrLst/>
+    <dgm:txLinClrLst/>
+    <dgm:txFillClrLst/>
+    <dgm:txEffectClrLst/>
+  </dgm:styleLbl>
+  <dgm:styleLbl name="lnNode1">
+    <dgm:fillClrLst>
+      <a:schemeClr val="accent5"/>
+      <a:schemeClr val="accent6"/>
+    </dgm:fillClrLst>
+    <dgm:linClrLst meth="repeat">
+      <a:schemeClr val="lt1"/>
+    </dgm:linClrLst>
+    <dgm:effectClrLst/>
+    <dgm:txLinClrLst/>
+    <dgm:txFillClrLst/>
+    <dgm:txEffectClrLst/>
+  </dgm:styleLbl>
+  <dgm:styleLbl name="vennNode1">
+    <dgm:fillClrLst>
+      <a:schemeClr val="accent5">
+        <a:alpha val="50000"/>
+      </a:schemeClr>
+      <a:schemeClr val="accent6">
+        <a:alpha val="50000"/>
+      </a:schemeClr>
+    </dgm:fillClrLst>
+    <dgm:linClrLst meth="repeat">
+      <a:schemeClr val="lt1"/>
+    </dgm:linClrLst>
+    <dgm:effectClrLst/>
+    <dgm:txLinClrLst/>
+    <dgm:txFillClrLst/>
+    <dgm:txEffectClrLst/>
+  </dgm:styleLbl>
+  <dgm:styleLbl name="node2">
+    <dgm:fillClrLst>
+      <a:schemeClr val="accent6"/>
+    </dgm:fillClrLst>
+    <dgm:linClrLst meth="repeat">
+      <a:schemeClr val="lt1"/>
+    </dgm:linClrLst>
+    <dgm:effectClrLst/>
+    <dgm:txLinClrLst/>
+    <dgm:txFillClrLst/>
+    <dgm:txEffectClrLst/>
+  </dgm:styleLbl>
+  <dgm:styleLbl name="node3">
+    <dgm:fillClrLst>
+      <a:schemeClr val="accent1"/>
+    </dgm:fillClrLst>
+    <dgm:linClrLst meth="repeat">
+      <a:schemeClr val="lt1"/>
+    </dgm:linClrLst>
+    <dgm:effectClrLst/>
+    <dgm:txLinClrLst/>
+    <dgm:txFillClrLst/>
+    <dgm:txEffectClrLst/>
+  </dgm:styleLbl>
+  <dgm:styleLbl name="node4">
+    <dgm:fillClrLst>
+      <a:schemeClr val="accent2"/>
+    </dgm:fillClrLst>
+    <dgm:linClrLst meth="repeat">
+      <a:schemeClr val="lt1"/>
+    </dgm:linClrLst>
+    <dgm:effectClrLst/>
+    <dgm:txLinClrLst/>
+    <dgm:txFillClrLst/>
+    <dgm:txEffectClrLst/>
+  </dgm:styleLbl>
+  <dgm:styleLbl name="fgImgPlace1">
+    <dgm:fillClrLst>
+      <a:schemeClr val="accent5">
+        <a:tint val="50000"/>
+      </a:schemeClr>
+      <a:schemeClr val="accent6">
+        <a:tint val="50000"/>
+      </a:schemeClr>
+    </dgm:fillClrLst>
+    <dgm:linClrLst meth="repeat">
+      <a:schemeClr val="lt1"/>
+    </dgm:linClrLst>
+    <dgm:effectClrLst/>
+    <dgm:txLinClrLst/>
+    <dgm:txFillClrLst meth="repeat">
+      <a:schemeClr val="lt1"/>
+    </dgm:txFillClrLst>
+    <dgm:txEffectClrLst/>
+  </dgm:styleLbl>
+  <dgm:styleLbl name="alignImgPlace1">
+    <dgm:fillClrLst>
+      <a:schemeClr val="accent5">
+        <a:tint val="50000"/>
+      </a:schemeClr>
+      <a:schemeClr val="accent6">
+        <a:tint val="20000"/>
+      </a:schemeClr>
+    </dgm:fillClrLst>
+    <dgm:linClrLst meth="repeat">
+      <a:schemeClr val="lt1"/>
+    </dgm:linClrLst>
+    <dgm:effectClrLst/>
+    <dgm:txLinClrLst/>
+    <dgm:txFillClrLst meth="repeat">
+      <a:schemeClr val="lt1"/>
+    </dgm:txFillClrLst>
+    <dgm:txEffectClrLst/>
+  </dgm:styleLbl>
+  <dgm:styleLbl name="bgImgPlace1">
+    <dgm:fillClrLst>
+      <a:schemeClr val="accent5">
+        <a:tint val="50000"/>
+      </a:schemeClr>
+      <a:schemeClr val="accent6">
+        <a:tint val="20000"/>
+      </a:schemeClr>
+    </dgm:fillClrLst>
+    <dgm:linClrLst meth="repeat">
+      <a:schemeClr val="lt1"/>
+    </dgm:linClrLst>
+    <dgm:effectClrLst/>
+    <dgm:txLinClrLst/>
+    <dgm:txFillClrLst meth="repeat">
+      <a:schemeClr val="lt1"/>
+    </dgm:txFillClrLst>
+    <dgm:txEffectClrLst/>
+  </dgm:styleLbl>
+  <dgm:styleLbl name="sibTrans2D1">
+    <dgm:fillClrLst>
+      <a:schemeClr val="accent5"/>
+      <a:schemeClr val="accent6"/>
+    </dgm:fillClrLst>
+    <dgm:linClrLst meth="repeat">
+      <a:schemeClr val="lt1"/>
+    </dgm:linClrLst>
+    <dgm:effectClrLst/>
+    <dgm:txLinClrLst/>
+    <dgm:txFillClrLst/>
+    <dgm:txEffectClrLst/>
+  </dgm:styleLbl>
+  <dgm:styleLbl name="fgSibTrans2D1">
+    <dgm:fillClrLst>
+      <a:schemeClr val="accent5"/>
+      <a:schemeClr val="accent6"/>
+    </dgm:fillClrLst>
+    <dgm:linClrLst meth="repeat">
+      <a:schemeClr val="lt1"/>
+    </dgm:linClrLst>
+    <dgm:effectClrLst/>
+    <dgm:txLinClrLst/>
+    <dgm:txFillClrLst meth="repeat">
+      <a:schemeClr val="lt1"/>
+    </dgm:txFillClrLst>
+    <dgm:txEffectClrLst/>
+  </dgm:styleLbl>
+  <dgm:styleLbl name="bgSibTrans2D1">
+    <dgm:fillClrLst>
+      <a:schemeClr val="accent5"/>
+      <a:schemeClr val="accent6"/>
+    </dgm:fillClrLst>
+    <dgm:linClrLst meth="repeat">
+      <a:schemeClr val="lt1"/>
+    </dgm:linClrLst>
+    <dgm:effectClrLst/>
+    <dgm:txLinClrLst/>
+    <dgm:txFillClrLst meth="repeat">
+      <a:schemeClr val="lt1"/>
+    </dgm:txFillClrLst>
+    <dgm:txEffectClrLst/>
+  </dgm:styleLbl>
+  <dgm:styleLbl name="sibTrans1D1">
+    <dgm:fillClrLst/>
+    <dgm:linClrLst>
+      <a:schemeClr val="accent5"/>
+      <a:schemeClr val="accent6"/>
+    </dgm:linClrLst>
+    <dgm:effectClrLst/>
+    <dgm:txLinClrLst/>
+    <dgm:txFillClrLst meth="repeat">
+      <a:schemeClr val="tx1"/>
+    </dgm:txFillClrLst>
+    <dgm:txEffectClrLst/>
+  </dgm:styleLbl>
+  <dgm:styleLbl name="callout">
+    <dgm:fillClrLst meth="repeat">
+      <a:schemeClr val="accent5"/>
+    </dgm:fillClrLst>
+    <dgm:linClrLst meth="repeat">
+      <a:schemeClr val="accent5">
+        <a:tint val="50000"/>
+      </a:schemeClr>
+    </dgm:linClrLst>
+    <dgm:effectClrLst/>
+    <dgm:txLinClrLst/>
+    <dgm:txFillClrLst meth="repeat">
+      <a:schemeClr val="tx1"/>
+    </dgm:txFillClrLst>
+    <dgm:txEffectClrLst/>
+  </dgm:styleLbl>
+  <dgm:styleLbl name="asst0">
+    <dgm:fillClrLst meth="repeat">
+      <a:schemeClr val="accent5"/>
+    </dgm:fillClrLst>
+    <dgm:linClrLst meth="repeat">
+      <a:schemeClr val="lt1">
+        <a:shade val="80000"/>
+      </a:schemeClr>
+    </dgm:linClrLst>
+    <dgm:effectClrLst/>
+    <dgm:txLinClrLst/>
+    <dgm:txFillClrLst/>
+    <dgm:txEffectClrLst/>
+  </dgm:styleLbl>
+  <dgm:styleLbl name="asst1">
+    <dgm:fillClrLst meth="repeat">
+      <a:schemeClr val="accent6"/>
+    </dgm:fillClrLst>
+    <dgm:linClrLst meth="repeat">
+      <a:schemeClr val="lt1">
+        <a:shade val="80000"/>
+      </a:schemeClr>
+    </dgm:linClrLst>
+    <dgm:effectClrLst/>
+    <dgm:txLinClrLst/>
+    <dgm:txFillClrLst/>
+    <dgm:txEffectClrLst/>
+  </dgm:styleLbl>
+  <dgm:styleLbl name="asst2">
+    <dgm:fillClrLst>
+      <a:schemeClr val="accent1"/>
+    </dgm:fillClrLst>
+    <dgm:linClrLst meth="repeat">
+      <a:schemeClr val="lt1"/>
+    </dgm:linClrLst>
+    <dgm:effectClrLst/>
+    <dgm:txLinClrLst/>
+    <dgm:txFillClrLst/>
+    <dgm:txEffectClrLst/>
+  </dgm:styleLbl>
+  <dgm:styleLbl name="asst3">
+    <dgm:fillClrLst>
+      <a:schemeClr val="accent2"/>
+    </dgm:fillClrLst>
+    <dgm:linClrLst meth="repeat">
+      <a:schemeClr val="lt1"/>
+    </dgm:linClrLst>
+    <dgm:effectClrLst/>
+    <dgm:txLinClrLst/>
+    <dgm:txFillClrLst/>
+    <dgm:txEffectClrLst/>
+  </dgm:styleLbl>
+  <dgm:styleLbl name="asst4">
+    <dgm:fillClrLst>
+      <a:schemeClr val="accent3"/>
+    </dgm:fillClrLst>
+    <dgm:linClrLst meth="repeat">
+      <a:schemeClr val="lt1"/>
+    </dgm:linClrLst>
+    <dgm:effectClrLst/>
+    <dgm:txLinClrLst/>
+    <dgm:txFillClrLst/>
+    <dgm:txEffectClrLst/>
+  </dgm:styleLbl>
+  <dgm:styleLbl name="parChTrans2D1">
+    <dgm:fillClrLst meth="repeat">
+      <a:schemeClr val="accent5"/>
+    </dgm:fillClrLst>
+    <dgm:linClrLst meth="repeat">
+      <a:schemeClr val="lt1"/>
+    </dgm:linClrLst>
+    <dgm:effectClrLst/>
+    <dgm:txLinClrLst/>
+    <dgm:txFillClrLst meth="repeat">
+      <a:schemeClr val="lt1"/>
+    </dgm:txFillClrLst>
+    <dgm:txEffectClrLst/>
+  </dgm:styleLbl>
+  <dgm:styleLbl name="parChTrans2D2">
+    <dgm:fillClrLst meth="repeat">
+      <a:schemeClr val="accent6"/>
+    </dgm:fillClrLst>
+    <dgm:linClrLst meth="repeat">
+      <a:schemeClr val="lt1"/>
+    </dgm:linClrLst>
+    <dgm:effectClrLst/>
+    <dgm:txLinClrLst/>
+    <dgm:txFillClrLst/>
+    <dgm:txEffectClrLst/>
+  </dgm:styleLbl>
+  <dgm:styleLbl name="parChTrans2D3">
+    <dgm:fillClrLst meth="repeat">
+      <a:schemeClr val="accent6"/>
+    </dgm:fillClrLst>
+    <dgm:linClrLst meth="repeat">
+      <a:schemeClr val="lt1"/>
+    </dgm:linClrLst>
+    <dgm:effectClrLst/>
+    <dgm:txLinClrLst/>
+    <dgm:txFillClrLst/>
+    <dgm:txEffectClrLst/>
+  </dgm:styleLbl>
+  <dgm:styleLbl name="parChTrans2D4">
+    <dgm:fillClrLst meth="repeat">
+      <a:schemeClr val="accent1"/>
+    </dgm:fillClrLst>
+    <dgm:linClrLst meth="repeat">
+      <a:schemeClr val="lt1"/>
+    </dgm:linClrLst>
+    <dgm:effectClrLst/>
+    <dgm:txLinClrLst/>
+    <dgm:txFillClrLst meth="repeat">
+      <a:schemeClr val="lt1"/>
+    </dgm:txFillClrLst>
+    <dgm:txEffectClrLst/>
+  </dgm:styleLbl>
+  <dgm:styleLbl name="parChTrans1D1">
+    <dgm:fillClrLst meth="repeat">
+      <a:schemeClr val="accent5"/>
+    </dgm:fillClrLst>
+    <dgm:linClrLst meth="repeat">
+      <a:schemeClr val="accent5"/>
+    </dgm:linClrLst>
+    <dgm:effectClrLst/>
+    <dgm:txLinClrLst/>
+    <dgm:txFillClrLst meth="repeat">
+      <a:schemeClr val="tx1"/>
+    </dgm:txFillClrLst>
+    <dgm:txEffectClrLst/>
+  </dgm:styleLbl>
+  <dgm:styleLbl name="parChTrans1D2">
+    <dgm:fillClrLst meth="repeat">
+      <a:schemeClr val="accent6">
+        <a:tint val="90000"/>
+      </a:schemeClr>
+    </dgm:fillClrLst>
+    <dgm:linClrLst meth="repeat">
+      <a:schemeClr val="accent6"/>
+    </dgm:linClrLst>
+    <dgm:effectClrLst/>
+    <dgm:txLinClrLst/>
+    <dgm:txFillClrLst meth="repeat">
+      <a:schemeClr val="tx1"/>
+    </dgm:txFillClrLst>
+    <dgm:txEffectClrLst/>
+  </dgm:styleLbl>
+  <dgm:styleLbl name="parChTrans1D3">
+    <dgm:fillClrLst meth="repeat">
+      <a:schemeClr val="accent6">
+        <a:tint val="70000"/>
+      </a:schemeClr>
+    </dgm:fillClrLst>
+    <dgm:linClrLst meth="repeat">
+      <a:schemeClr val="accent1"/>
+    </dgm:linClrLst>
+    <dgm:effectClrLst/>
+    <dgm:txLinClrLst/>
+    <dgm:txFillClrLst meth="repeat">
+      <a:schemeClr val="tx1"/>
+    </dgm:txFillClrLst>
+    <dgm:txEffectClrLst/>
+  </dgm:styleLbl>
+  <dgm:styleLbl name="parChTrans1D4">
+    <dgm:fillClrLst meth="repeat">
+      <a:schemeClr val="accent6">
+        <a:tint val="50000"/>
+      </a:schemeClr>
+    </dgm:fillClrLst>
+    <dgm:linClrLst meth="repeat">
+      <a:schemeClr val="accent2"/>
+    </dgm:linClrLst>
+    <dgm:effectClrLst/>
+    <dgm:txLinClrLst/>
+    <dgm:txFillClrLst meth="repeat">
+      <a:schemeClr val="tx1"/>
+    </dgm:txFillClrLst>
+    <dgm:txEffectClrLst/>
+  </dgm:styleLbl>
+  <dgm:styleLbl name="fgAcc1">
+    <dgm:fillClrLst meth="repeat">
+      <a:schemeClr val="lt1">
+        <a:alpha val="90000"/>
+      </a:schemeClr>
+    </dgm:fillClrLst>
+    <dgm:linClrLst>
+      <a:schemeClr val="accent5"/>
+      <a:schemeClr val="accent6"/>
+    </dgm:linClrLst>
+    <dgm:effectClrLst/>
+    <dgm:txLinClrLst/>
+    <dgm:txFillClrLst meth="repeat">
+      <a:schemeClr val="dk1"/>
+    </dgm:txFillClrLst>
+    <dgm:txEffectClrLst/>
+  </dgm:styleLbl>
+  <dgm:styleLbl name="conFgAcc1">
+    <dgm:fillClrLst meth="repeat">
+      <a:schemeClr val="lt1">
+        <a:alpha val="90000"/>
+      </a:schemeClr>
+    </dgm:fillClrLst>
+    <dgm:linClrLst>
+      <a:schemeClr val="accent5"/>
+      <a:schemeClr val="accent6"/>
+    </dgm:linClrLst>
+    <dgm:effectClrLst/>
+    <dgm:txLinClrLst/>
+    <dgm:txFillClrLst meth="repeat">
+      <a:schemeClr val="dk1"/>
+    </dgm:txFillClrLst>
+    <dgm:txEffectClrLst/>
+  </dgm:styleLbl>
+  <dgm:styleLbl name="alignAcc1">
+    <dgm:fillClrLst meth="repeat">
+      <a:schemeClr val="lt1">
+        <a:alpha val="90000"/>
+      </a:schemeClr>
+    </dgm:fillClrLst>
+    <dgm:linClrLst>
+      <a:schemeClr val="accent5"/>
+      <a:schemeClr val="accent6"/>
+    </dgm:linClrLst>
+    <dgm:effectClrLst/>
+    <dgm:txLinClrLst/>
+    <dgm:txFillClrLst meth="repeat">
+      <a:schemeClr val="dk1"/>
+    </dgm:txFillClrLst>
+    <dgm:txEffectClrLst/>
+  </dgm:styleLbl>
+  <dgm:styleLbl name="trAlignAcc1">
+    <dgm:fillClrLst meth="repeat">
+      <a:schemeClr val="lt1">
+        <a:alpha val="40000"/>
+      </a:schemeClr>
+    </dgm:fillClrLst>
+    <dgm:linClrLst meth="repeat">
+      <a:schemeClr val="accent5"/>
+    </dgm:linClrLst>
+    <dgm:effectClrLst/>
+    <dgm:txLinClrLst/>
+    <dgm:txFillClrLst meth="repeat">
+      <a:schemeClr val="dk1"/>
+    </dgm:txFillClrLst>
+    <dgm:txEffectClrLst/>
+  </dgm:styleLbl>
+  <dgm:styleLbl name="bgAcc1">
+    <dgm:fillClrLst meth="repeat">
+      <a:schemeClr val="lt1">
+        <a:alpha val="90000"/>
+      </a:schemeClr>
+    </dgm:fillClrLst>
+    <dgm:linClrLst>
+      <a:schemeClr val="accent5"/>
+      <a:schemeClr val="accent6"/>
+    </dgm:linClrLst>
+    <dgm:effectClrLst/>
+    <dgm:txLinClrLst/>
+    <dgm:txFillClrLst meth="repeat">
+      <a:schemeClr val="dk1"/>
+    </dgm:txFillClrLst>
+    <dgm:txEffectClrLst/>
+  </dgm:styleLbl>
+  <dgm:styleLbl name="solidFgAcc1">
+    <dgm:fillClrLst meth="repeat">
+      <a:schemeClr val="lt1"/>
+    </dgm:fillClrLst>
+    <dgm:linClrLst>
+      <a:schemeClr val="accent5"/>
+      <a:schemeClr val="accent6"/>
+    </dgm:linClrLst>
+    <dgm:effectClrLst/>
+    <dgm:txLinClrLst/>
+    <dgm:txFillClrLst meth="repeat">
+      <a:schemeClr val="dk1"/>
+    </dgm:txFillClrLst>
+    <dgm:txEffectClrLst/>
+  </dgm:styleLbl>
+  <dgm:styleLbl name="solidAlignAcc1">
+    <dgm:fillClrLst meth="repeat">
+      <a:schemeClr val="lt1"/>
+    </dgm:fillClrLst>
+    <dgm:linClrLst>
+      <a:schemeClr val="accent5"/>
+      <a:schemeClr val="accent6"/>
+    </dgm:linClrLst>
+    <dgm:effectClrLst/>
+    <dgm:txLinClrLst/>
+    <dgm:txFillClrLst meth="repeat">
+      <a:schemeClr val="dk1"/>
+    </dgm:txFillClrLst>
+    <dgm:txEffectClrLst/>
+  </dgm:styleLbl>
+  <dgm:styleLbl name="solidBgAcc1">
+    <dgm:fillClrLst meth="repeat">
+      <a:schemeClr val="lt1"/>
+    </dgm:fillClrLst>
+    <dgm:linClrLst>
+      <a:schemeClr val="accent5"/>
+      <a:schemeClr val="accent6"/>
+    </dgm:linClrLst>
+    <dgm:effectClrLst/>
+    <dgm:txLinClrLst/>
+    <dgm:txFillClrLst meth="repeat">
+      <a:schemeClr val="dk1"/>
+    </dgm:txFillClrLst>
+    <dgm:txEffectClrLst/>
+  </dgm:styleLbl>
+  <dgm:styleLbl name="fgAccFollowNode1">
+    <dgm:fillClrLst>
+      <a:schemeClr val="accent5">
+        <a:tint val="40000"/>
+        <a:alpha val="90000"/>
+      </a:schemeClr>
+      <a:schemeClr val="accent6">
+        <a:tint val="40000"/>
+        <a:alpha val="90000"/>
+      </a:schemeClr>
+    </dgm:fillClrLst>
+    <dgm:linClrLst>
+      <a:schemeClr val="accent5">
+        <a:tint val="40000"/>
+        <a:alpha val="90000"/>
+      </a:schemeClr>
+      <a:schemeClr val="accent5">
+        <a:tint val="40000"/>
+        <a:alpha val="90000"/>
+      </a:schemeClr>
+    </dgm:linClrLst>
+    <dgm:effectClrLst/>
+    <dgm:txLinClrLst/>
+    <dgm:txFillClrLst meth="repeat">
+      <a:schemeClr val="dk1"/>
+    </dgm:txFillClrLst>
+    <dgm:txEffectClrLst/>
+  </dgm:styleLbl>
+  <dgm:styleLbl name="alignAccFollowNode1">
+    <dgm:fillClrLst>
+      <a:schemeClr val="accent5">
+        <a:tint val="40000"/>
+        <a:alpha val="90000"/>
+      </a:schemeClr>
+      <a:schemeClr val="accent6">
+        <a:tint val="40000"/>
+        <a:alpha val="90000"/>
+      </a:schemeClr>
+    </dgm:fillClrLst>
+    <dgm:linClrLst>
+      <a:schemeClr val="accent5">
+        <a:tint val="40000"/>
+        <a:alpha val="90000"/>
+      </a:schemeClr>
+      <a:schemeClr val="accent6">
+        <a:tint val="40000"/>
+        <a:alpha val="90000"/>
+      </a:schemeClr>
+    </dgm:linClrLst>
+    <dgm:effectClrLst/>
+    <dgm:txLinClrLst/>
+    <dgm:txFillClrLst meth="repeat">
+      <a:schemeClr val="dk1"/>
+    </dgm:txFillClrLst>
+    <dgm:txEffectClrLst/>
+  </dgm:styleLbl>
+  <dgm:styleLbl name="bgAccFollowNode1">
+    <dgm:fillClrLst>
+      <a:schemeClr val="accent5">
+        <a:tint val="40000"/>
+        <a:alpha val="90000"/>
+      </a:schemeClr>
+      <a:schemeClr val="accent6">
+        <a:tint val="40000"/>
+        <a:alpha val="90000"/>
+      </a:schemeClr>
+    </dgm:fillClrLst>
+    <dgm:linClrLst>
+      <a:schemeClr val="accent5">
+        <a:tint val="40000"/>
+        <a:alpha val="90000"/>
+      </a:schemeClr>
+      <a:schemeClr val="accent6">
+        <a:tint val="40000"/>
+        <a:alpha val="90000"/>
+      </a:schemeClr>
+    </dgm:linClrLst>
+    <dgm:effectClrLst/>
+    <dgm:txLinClrLst/>
+    <dgm:txFillClrLst meth="repeat">
+      <a:schemeClr val="dk1"/>
+    </dgm:txFillClrLst>
+    <dgm:txEffectClrLst/>
+  </dgm:styleLbl>
+  <dgm:styleLbl name="fgAcc0">
+    <dgm:fillClrLst meth="repeat">
+      <a:schemeClr val="lt1">
+        <a:alpha val="90000"/>
+      </a:schemeClr>
+    </dgm:fillClrLst>
+    <dgm:linClrLst>
+      <a:schemeClr val="accent4"/>
+    </dgm:linClrLst>
+    <dgm:effectClrLst/>
+    <dgm:txLinClrLst/>
+    <dgm:txFillClrLst meth="repeat">
+      <a:schemeClr val="dk1"/>
+    </dgm:txFillClrLst>
+    <dgm:txEffectClrLst/>
+  </dgm:styleLbl>
+  <dgm:styleLbl name="fgAcc2">
+    <dgm:fillClrLst meth="repeat">
+      <a:schemeClr val="lt1">
+        <a:alpha val="90000"/>
+      </a:schemeClr>
+    </dgm:fillClrLst>
+    <dgm:linClrLst>
+      <a:schemeClr val="accent6"/>
+    </dgm:linClrLst>
+    <dgm:effectClrLst/>
+    <dgm:txLinClrLst/>
+    <dgm:txFillClrLst meth="repeat">
+      <a:schemeClr val="dk1"/>
+    </dgm:txFillClrLst>
+    <dgm:txEffectClrLst/>
+  </dgm:styleLbl>
+  <dgm:styleLbl name="fgAcc3">
+    <dgm:fillClrLst meth="repeat">
+      <a:schemeClr val="lt1">
+        <a:alpha val="90000"/>
+      </a:schemeClr>
+    </dgm:fillClrLst>
+    <dgm:linClrLst>
+      <a:schemeClr val="accent1"/>
+    </dgm:linClrLst>
+    <dgm:effectClrLst/>
+    <dgm:txLinClrLst/>
+    <dgm:txFillClrLst meth="repeat">
+      <a:schemeClr val="dk1"/>
+    </dgm:txFillClrLst>
+    <dgm:txEffectClrLst/>
+  </dgm:styleLbl>
+  <dgm:styleLbl name="fgAcc4">
+    <dgm:fillClrLst meth="repeat">
+      <a:schemeClr val="lt1">
+        <a:alpha val="90000"/>
+      </a:schemeClr>
+    </dgm:fillClrLst>
+    <dgm:linClrLst>
+      <a:schemeClr val="accent2"/>
+    </dgm:linClrLst>
+    <dgm:effectClrLst/>
+    <dgm:txLinClrLst/>
+    <dgm:txFillClrLst meth="repeat">
+      <a:schemeClr val="dk1"/>
+    </dgm:txFillClrLst>
+    <dgm:txEffectClrLst/>
+  </dgm:styleLbl>
+  <dgm:styleLbl name="bgShp">
+    <dgm:fillClrLst meth="repeat">
+      <a:schemeClr val="accent5">
+        <a:tint val="40000"/>
+      </a:schemeClr>
+    </dgm:fillClrLst>
+    <dgm:linClrLst meth="repeat">
+      <a:schemeClr val="dk1"/>
+    </dgm:linClrLst>
+    <dgm:effectClrLst/>
+    <dgm:txLinClrLst/>
+    <dgm:txFillClrLst meth="repeat">
+      <a:schemeClr val="dk1"/>
+    </dgm:txFillClrLst>
+    <dgm:txEffectClrLst/>
+  </dgm:styleLbl>
+  <dgm:styleLbl name="dkBgShp">
+    <dgm:fillClrLst meth="repeat">
+      <a:schemeClr val="accent5">
+        <a:shade val="90000"/>
+      </a:schemeClr>
+    </dgm:fillClrLst>
+    <dgm:linClrLst meth="repeat">
+      <a:schemeClr val="dk1"/>
+    </dgm:linClrLst>
+    <dgm:effectClrLst/>
+    <dgm:txLinClrLst/>
+    <dgm:txFillClrLst meth="repeat">
+      <a:schemeClr val="lt1"/>
+    </dgm:txFillClrLst>
+    <dgm:txEffectClrLst/>
+  </dgm:styleLbl>
+  <dgm:styleLbl name="trBgShp">
+    <dgm:fillClrLst meth="repeat">
+      <a:schemeClr val="accent5">
+        <a:tint val="50000"/>
+        <a:alpha val="40000"/>
+      </a:schemeClr>
+    </dgm:fillClrLst>
+    <dgm:linClrLst meth="repeat">
+      <a:schemeClr val="accent5"/>
+    </dgm:linClrLst>
+    <dgm:effectClrLst/>
+    <dgm:txLinClrLst/>
+    <dgm:txFillClrLst meth="repeat">
+      <a:schemeClr val="lt1"/>
+    </dgm:txFillClrLst>
+    <dgm:txEffectClrLst/>
+  </dgm:styleLbl>
+  <dgm:styleLbl name="fgShp">
+    <dgm:fillClrLst meth="repeat">
+      <a:schemeClr val="accent5">
+        <a:tint val="40000"/>
+      </a:schemeClr>
+    </dgm:fillClrLst>
+    <dgm:linClrLst meth="repeat">
+      <a:schemeClr val="lt1"/>
+    </dgm:linClrLst>
+    <dgm:effectClrLst/>
+    <dgm:txLinClrLst/>
+    <dgm:txFillClrLst meth="repeat">
+      <a:schemeClr val="dk1"/>
+    </dgm:txFillClrLst>
+    <dgm:txEffectClrLst/>
+  </dgm:styleLbl>
+  <dgm:styleLbl name="revTx">
+    <dgm:fillClrLst meth="repeat">
+      <a:schemeClr val="lt1">
+        <a:alpha val="0"/>
+      </a:schemeClr>
+    </dgm:fillClrLst>
+    <dgm:linClrLst meth="repeat">
+      <a:schemeClr val="dk1">
+        <a:alpha val="0"/>
+      </a:schemeClr>
+    </dgm:linClrLst>
+    <dgm:effectClrLst/>
+    <dgm:txLinClrLst/>
+    <dgm:txFillClrLst meth="repeat">
+      <a:schemeClr val="tx1"/>
     </dgm:txFillClrLst>
     <dgm:txEffectClrLst/>
   </dgm:styleLbl>
@@ -8897,7 +9680,7 @@
 <dgm:dataModel xmlns:dgm="http://schemas.openxmlformats.org/drawingml/2006/diagram" xmlns:a="http://schemas.openxmlformats.org/drawingml/2006/main">
   <dgm:ptLst>
     <dgm:pt modelId="{DBC534A1-C9EE-4F23-B757-DB854903A510}" type="doc">
-      <dgm:prSet loTypeId="urn:microsoft.com/office/officeart/2005/8/layout/vList2" loCatId="list" qsTypeId="urn:microsoft.com/office/officeart/2005/8/quickstyle/simple1" qsCatId="simple" csTypeId="urn:microsoft.com/office/officeart/2005/8/colors/colorful5" csCatId="colorful"/>
+      <dgm:prSet loTypeId="urn:microsoft.com/office/officeart/2005/8/layout/vList2" loCatId="list" qsTypeId="urn:microsoft.com/office/officeart/2005/8/quickstyle/simple1" qsCatId="simple" csTypeId="urn:microsoft.com/office/officeart/2005/8/colors/colorful5" csCatId="colorful" phldr="1"/>
       <dgm:spPr/>
       <dgm:t>
         <a:bodyPr/>
@@ -8980,8 +9763,8 @@
             <a:t> </a:t>
           </a:r>
           <a:r>
-            <a:rPr lang="en-US"/>
-            <a:t>α</a:t>
+            <a:rPr lang="en-US" altLang="ja-JP"/>
+            <a:t>a’</a:t>
           </a:r>
           <a:r>
             <a:rPr lang="ja-JP"/>
@@ -9004,8 +9787,8 @@
             <a:t> </a:t>
           </a:r>
           <a:r>
-            <a:rPr lang="en-US"/>
-            <a:t>β</a:t>
+            <a:rPr lang="en-US" altLang="ja-JP"/>
+            <a:t>b’</a:t>
           </a:r>
           <a:r>
             <a:rPr lang="ja-JP"/>
@@ -9225,7 +10008,7 @@
 <dgm:dataModel xmlns:dgm="http://schemas.openxmlformats.org/drawingml/2006/diagram" xmlns:a="http://schemas.openxmlformats.org/drawingml/2006/main">
   <dgm:ptLst>
     <dgm:pt modelId="{66ED1037-0AE3-4E93-AEFA-0631497ED746}" type="doc">
-      <dgm:prSet loTypeId="urn:microsoft.com/office/officeart/2005/8/layout/vList2" loCatId="list" qsTypeId="urn:microsoft.com/office/officeart/2005/8/quickstyle/simple1" qsCatId="simple" csTypeId="urn:microsoft.com/office/officeart/2005/8/colors/colorful1" csCatId="colorful"/>
+      <dgm:prSet loTypeId="urn:microsoft.com/office/officeart/2005/8/layout/vList2" loCatId="list" qsTypeId="urn:microsoft.com/office/officeart/2005/8/quickstyle/simple1" qsCatId="simple" csTypeId="urn:microsoft.com/office/officeart/2005/8/colors/colorful1" csCatId="colorful" phldr="1"/>
       <dgm:spPr/>
       <dgm:t>
         <a:bodyPr/>
@@ -9292,8 +10075,8 @@
             <a:t> 実装したアルゴリズム</a:t>
           </a:r>
           <a:r>
-            <a:rPr kumimoji="1" lang="en-US"/>
-            <a:t>3</a:t>
+            <a:rPr kumimoji="1" lang="en-US" altLang="ja-JP"/>
+            <a:t>③</a:t>
           </a:r>
           <a:r>
             <a:rPr kumimoji="1" lang="ja-JP"/>
@@ -9334,7 +10117,23 @@
         <a:p>
           <a:r>
             <a:rPr lang="ja-JP"/>
-            <a:t>全ての交点の中で追加点に最も近い交点を交点として採用</a:t>
+            <a:t>全ての交点の中で追加点に最も近い交点</a:t>
+          </a:r>
+          <a:r>
+            <a:rPr lang="en-US" altLang="ja-JP"/>
+            <a:t>(</a:t>
+          </a:r>
+          <a:r>
+            <a:rPr lang="ja-JP" altLang="en-US"/>
+            <a:t>複数ある場合は添字が小さい側</a:t>
+          </a:r>
+          <a:r>
+            <a:rPr lang="en-US" altLang="ja-JP"/>
+            <a:t>)</a:t>
+          </a:r>
+          <a:r>
+            <a:rPr lang="ja-JP"/>
+            <a:t>を交点として採用</a:t>
           </a:r>
           <a:endParaRPr lang="en-US"/>
         </a:p>
@@ -9432,26 +10231,41 @@
         <a:lstStyle/>
         <a:p>
           <a:r>
-            <a:rPr kumimoji="1" lang="ja-JP"/>
-            <a:t>各小課題の入力制約</a:t>
+            <a:rPr kumimoji="1" lang="en-US" altLang="ja-JP"/>
+            <a:t>N,</a:t>
           </a:r>
           <a:r>
-            <a:rPr kumimoji="1" lang="en-US"/>
+            <a:rPr kumimoji="1" lang="ja-JP" altLang="en-US"/>
+            <a:t> </a:t>
+          </a:r>
+          <a:r>
+            <a:rPr kumimoji="1" lang="en-US" altLang="ja-JP"/>
+            <a:t>M</a:t>
+          </a:r>
+          <a:r>
+            <a:rPr kumimoji="1" lang="ja-JP" altLang="en-US"/>
+            <a:t>の制約内の最小値と最大値で</a:t>
+          </a:r>
+          <a:r>
+            <a:rPr kumimoji="1" lang="en-US" altLang="ja-JP"/>
+            <a:t>,</a:t>
+          </a:r>
+          <a:r>
+            <a:rPr kumimoji="1" lang="ja-JP" altLang="en-US"/>
+            <a:t> それぞれ入力例を生成する</a:t>
+          </a:r>
+          <a:r>
+            <a:rPr kumimoji="1" lang="en-US" altLang="ja-JP"/>
             <a:t>(</a:t>
           </a:r>
           <a:r>
-            <a:rPr kumimoji="1" lang="ja-JP"/>
-            <a:t>範囲</a:t>
+            <a:rPr kumimoji="1" lang="ja-JP" altLang="en-US"/>
+            <a:t>その他の値は制約を満たす乱数</a:t>
           </a:r>
           <a:r>
-            <a:rPr kumimoji="1" lang="en-US"/>
+            <a:rPr kumimoji="1" lang="en-US" altLang="ja-JP"/>
             <a:t>)</a:t>
           </a:r>
-          <a:r>
-            <a:rPr kumimoji="1" lang="ja-JP"/>
-            <a:t>を満たすランダムな値を作成</a:t>
-          </a:r>
-          <a:endParaRPr lang="en-US"/>
         </a:p>
       </dgm:t>
     </dgm:pt>
@@ -9871,6 +10685,170 @@
     <dgm:cxn modelId="{B06E1DD8-4BC8-4694-8D69-B67324882AE3}" type="presParOf" srcId="{29AD6548-52BC-44BB-BC35-4F732DCE6FAA}" destId="{1FFB0F01-03D6-4A90-81E8-589513A9729E}" srcOrd="1" destOrd="0" presId="urn:microsoft.com/office/officeart/2018/2/layout/IconVerticalSolidList"/>
     <dgm:cxn modelId="{5D0E01E2-8AFC-4D08-9A30-76E75013CF56}" type="presParOf" srcId="{29AD6548-52BC-44BB-BC35-4F732DCE6FAA}" destId="{B0296153-D50B-4E45-8F10-CDA4DE806BCC}" srcOrd="2" destOrd="0" presId="urn:microsoft.com/office/officeart/2018/2/layout/IconVerticalSolidList"/>
     <dgm:cxn modelId="{67C374C0-0D39-4167-BE8B-F5B9ADD27CDA}" type="presParOf" srcId="{29AD6548-52BC-44BB-BC35-4F732DCE6FAA}" destId="{B0B000B8-164C-41D0-ADB2-7E0587C286AF}" srcOrd="3" destOrd="0" presId="urn:microsoft.com/office/officeart/2018/2/layout/IconVerticalSolidList"/>
+  </dgm:cxnLst>
+  <dgm:bg/>
+  <dgm:whole/>
+  <dgm:extLst>
+    <a:ext uri="http://schemas.microsoft.com/office/drawing/2008/diagram">
+      <dsp:dataModelExt xmlns:dsp="http://schemas.microsoft.com/office/drawing/2008/diagram" relId="rId6" minVer="http://schemas.openxmlformats.org/drawingml/2006/diagram"/>
+    </a:ext>
+  </dgm:extLst>
+</dgm:dataModel>
+</file>
+
+<file path=ppt/diagrams/data9.xml><?xml version="1.0" encoding="utf-8"?>
+<dgm:dataModel xmlns:dgm="http://schemas.openxmlformats.org/drawingml/2006/diagram" xmlns:a="http://schemas.openxmlformats.org/drawingml/2006/main">
+  <dgm:ptLst>
+    <dgm:pt modelId="{258215D4-4572-4889-A8FB-660D5C78C589}" type="doc">
+      <dgm:prSet loTypeId="urn:microsoft.com/office/officeart/2005/8/layout/vList2" loCatId="list" qsTypeId="urn:microsoft.com/office/officeart/2005/8/quickstyle/simple1" qsCatId="simple" csTypeId="urn:microsoft.com/office/officeart/2005/8/colors/colorful5" csCatId="colorful"/>
+      <dgm:spPr/>
+      <dgm:t>
+        <a:bodyPr/>
+        <a:lstStyle/>
+        <a:p>
+          <a:endParaRPr lang="en-US"/>
+        </a:p>
+      </dgm:t>
+    </dgm:pt>
+    <dgm:pt modelId="{BA0B9BEA-8F1F-4FEB-9475-9DFC50701B94}">
+      <dgm:prSet/>
+      <dgm:spPr/>
+      <dgm:t>
+        <a:bodyPr/>
+        <a:lstStyle/>
+        <a:p>
+          <a:r>
+            <a:rPr kumimoji="1" lang="ja-JP"/>
+            <a:t>通常ケースは</a:t>
+          </a:r>
+          <a:r>
+            <a:rPr kumimoji="1" lang="en-US"/>
+            <a:t>,</a:t>
+          </a:r>
+          <a:r>
+            <a:rPr kumimoji="1" lang="ja-JP"/>
+            <a:t> 資料の入力例をそのまま用いた</a:t>
+          </a:r>
+          <a:r>
+            <a:rPr kumimoji="1" lang="en-US"/>
+            <a:t>.</a:t>
+          </a:r>
+          <a:endParaRPr lang="en-US"/>
+        </a:p>
+      </dgm:t>
+    </dgm:pt>
+    <dgm:pt modelId="{18192C5D-9DE3-4FC0-A4A6-74CE0B0E7DCB}" type="parTrans" cxnId="{084E4097-DDEF-4A3D-A2A7-9B46154D2EFB}">
+      <dgm:prSet/>
+      <dgm:spPr/>
+      <dgm:t>
+        <a:bodyPr/>
+        <a:lstStyle/>
+        <a:p>
+          <a:endParaRPr lang="en-US"/>
+        </a:p>
+      </dgm:t>
+    </dgm:pt>
+    <dgm:pt modelId="{4F50697B-9D5A-4E79-BEAE-D54C47E0649B}" type="sibTrans" cxnId="{084E4097-DDEF-4A3D-A2A7-9B46154D2EFB}">
+      <dgm:prSet/>
+      <dgm:spPr/>
+      <dgm:t>
+        <a:bodyPr/>
+        <a:lstStyle/>
+        <a:p>
+          <a:endParaRPr lang="en-US"/>
+        </a:p>
+      </dgm:t>
+    </dgm:pt>
+    <dgm:pt modelId="{74E5E439-91B0-4F70-A67A-E4ED13B1FFDE}">
+      <dgm:prSet/>
+      <dgm:spPr/>
+      <dgm:t>
+        <a:bodyPr/>
+        <a:lstStyle/>
+        <a:p>
+          <a:r>
+            <a:rPr kumimoji="1" lang="ja-JP"/>
+            <a:t>考えうる特殊な入力例については</a:t>
+          </a:r>
+          <a:r>
+            <a:rPr kumimoji="1" lang="en-US"/>
+            <a:t>,</a:t>
+          </a:r>
+          <a:r>
+            <a:rPr kumimoji="1" lang="ja-JP"/>
+            <a:t> 各小課題ごとに手動で作成した</a:t>
+          </a:r>
+          <a:r>
+            <a:rPr kumimoji="1" lang="en-US"/>
+            <a:t>.</a:t>
+          </a:r>
+          <a:endParaRPr lang="en-US"/>
+        </a:p>
+      </dgm:t>
+    </dgm:pt>
+    <dgm:pt modelId="{E30C02AF-1700-4F23-A6BD-D15A9FCCBDFD}" type="parTrans" cxnId="{1EC8ED63-2D2F-45A7-AABA-1931C823DB44}">
+      <dgm:prSet/>
+      <dgm:spPr/>
+      <dgm:t>
+        <a:bodyPr/>
+        <a:lstStyle/>
+        <a:p>
+          <a:endParaRPr lang="en-US"/>
+        </a:p>
+      </dgm:t>
+    </dgm:pt>
+    <dgm:pt modelId="{B014034C-2364-470E-A019-4B6D6075281A}" type="sibTrans" cxnId="{1EC8ED63-2D2F-45A7-AABA-1931C823DB44}">
+      <dgm:prSet/>
+      <dgm:spPr/>
+      <dgm:t>
+        <a:bodyPr/>
+        <a:lstStyle/>
+        <a:p>
+          <a:endParaRPr lang="en-US"/>
+        </a:p>
+      </dgm:t>
+    </dgm:pt>
+    <dgm:pt modelId="{18C391A3-D85A-314D-A294-F3AAD2EA3DA0}" type="pres">
+      <dgm:prSet presAssocID="{258215D4-4572-4889-A8FB-660D5C78C589}" presName="linear" presStyleCnt="0">
+        <dgm:presLayoutVars>
+          <dgm:animLvl val="lvl"/>
+          <dgm:resizeHandles val="exact"/>
+        </dgm:presLayoutVars>
+      </dgm:prSet>
+      <dgm:spPr/>
+    </dgm:pt>
+    <dgm:pt modelId="{CA575008-8955-1C45-9D61-A0F60E9531A1}" type="pres">
+      <dgm:prSet presAssocID="{BA0B9BEA-8F1F-4FEB-9475-9DFC50701B94}" presName="parentText" presStyleLbl="node1" presStyleIdx="0" presStyleCnt="2">
+        <dgm:presLayoutVars>
+          <dgm:chMax val="0"/>
+          <dgm:bulletEnabled val="1"/>
+        </dgm:presLayoutVars>
+      </dgm:prSet>
+      <dgm:spPr/>
+    </dgm:pt>
+    <dgm:pt modelId="{1B40B397-91D0-DD41-AB58-AAC26E3146DA}" type="pres">
+      <dgm:prSet presAssocID="{4F50697B-9D5A-4E79-BEAE-D54C47E0649B}" presName="spacer" presStyleCnt="0"/>
+      <dgm:spPr/>
+    </dgm:pt>
+    <dgm:pt modelId="{EADE96A9-DC37-7949-9867-9EC29B459678}" type="pres">
+      <dgm:prSet presAssocID="{74E5E439-91B0-4F70-A67A-E4ED13B1FFDE}" presName="parentText" presStyleLbl="node1" presStyleIdx="1" presStyleCnt="2">
+        <dgm:presLayoutVars>
+          <dgm:chMax val="0"/>
+          <dgm:bulletEnabled val="1"/>
+        </dgm:presLayoutVars>
+      </dgm:prSet>
+      <dgm:spPr/>
+    </dgm:pt>
+  </dgm:ptLst>
+  <dgm:cxnLst>
+    <dgm:cxn modelId="{A1BDBF0F-8111-024F-A6E1-76A101F3FC88}" type="presOf" srcId="{258215D4-4572-4889-A8FB-660D5C78C589}" destId="{18C391A3-D85A-314D-A294-F3AAD2EA3DA0}" srcOrd="0" destOrd="0" presId="urn:microsoft.com/office/officeart/2005/8/layout/vList2"/>
+    <dgm:cxn modelId="{1EC8ED63-2D2F-45A7-AABA-1931C823DB44}" srcId="{258215D4-4572-4889-A8FB-660D5C78C589}" destId="{74E5E439-91B0-4F70-A67A-E4ED13B1FFDE}" srcOrd="1" destOrd="0" parTransId="{E30C02AF-1700-4F23-A6BD-D15A9FCCBDFD}" sibTransId="{B014034C-2364-470E-A019-4B6D6075281A}"/>
+    <dgm:cxn modelId="{084E4097-DDEF-4A3D-A2A7-9B46154D2EFB}" srcId="{258215D4-4572-4889-A8FB-660D5C78C589}" destId="{BA0B9BEA-8F1F-4FEB-9475-9DFC50701B94}" srcOrd="0" destOrd="0" parTransId="{18192C5D-9DE3-4FC0-A4A6-74CE0B0E7DCB}" sibTransId="{4F50697B-9D5A-4E79-BEAE-D54C47E0649B}"/>
+    <dgm:cxn modelId="{55C8FBB6-DDC0-D84C-8DDB-F0062E083B9E}" type="presOf" srcId="{74E5E439-91B0-4F70-A67A-E4ED13B1FFDE}" destId="{EADE96A9-DC37-7949-9867-9EC29B459678}" srcOrd="0" destOrd="0" presId="urn:microsoft.com/office/officeart/2005/8/layout/vList2"/>
+    <dgm:cxn modelId="{5A6C9ACD-7CC5-5348-B015-D6382778D124}" type="presOf" srcId="{BA0B9BEA-8F1F-4FEB-9475-9DFC50701B94}" destId="{CA575008-8955-1C45-9D61-A0F60E9531A1}" srcOrd="0" destOrd="0" presId="urn:microsoft.com/office/officeart/2005/8/layout/vList2"/>
+    <dgm:cxn modelId="{E6F102B6-0413-7045-ACBE-DD950AE91F7D}" type="presParOf" srcId="{18C391A3-D85A-314D-A294-F3AAD2EA3DA0}" destId="{CA575008-8955-1C45-9D61-A0F60E9531A1}" srcOrd="0" destOrd="0" presId="urn:microsoft.com/office/officeart/2005/8/layout/vList2"/>
+    <dgm:cxn modelId="{E30EA522-BCEE-A74F-A18E-3E6BD4AB55B0}" type="presParOf" srcId="{18C391A3-D85A-314D-A294-F3AAD2EA3DA0}" destId="{1B40B397-91D0-DD41-AB58-AAC26E3146DA}" srcOrd="1" destOrd="0" presId="urn:microsoft.com/office/officeart/2005/8/layout/vList2"/>
+    <dgm:cxn modelId="{E4CF3D55-99D0-0549-8E05-C615B0F5201C}" type="presParOf" srcId="{18C391A3-D85A-314D-A294-F3AAD2EA3DA0}" destId="{EADE96A9-DC37-7949-9867-9EC29B459678}" srcOrd="2" destOrd="0" presId="urn:microsoft.com/office/officeart/2005/8/layout/vList2"/>
   </dgm:cxnLst>
   <dgm:bg/>
   <dgm:whole/>
@@ -11882,8 +12860,8 @@
             <a:t> </a:t>
           </a:r>
           <a:r>
-            <a:rPr lang="en-US" sz="2600" kern="1200"/>
-            <a:t>α</a:t>
+            <a:rPr lang="en-US" altLang="ja-JP" sz="2600" kern="1200"/>
+            <a:t>a’</a:t>
           </a:r>
           <a:r>
             <a:rPr lang="ja-JP" sz="2600" kern="1200"/>
@@ -11906,8 +12884,8 @@
             <a:t> </a:t>
           </a:r>
           <a:r>
-            <a:rPr lang="en-US" sz="2600" kern="1200"/>
-            <a:t>β</a:t>
+            <a:rPr lang="en-US" altLang="ja-JP" sz="2600" kern="1200"/>
+            <a:t>b’</a:t>
           </a:r>
           <a:r>
             <a:rPr lang="ja-JP" sz="2600" kern="1200"/>
@@ -12038,8 +13016,8 @@
       </dsp:nvSpPr>
       <dsp:spPr>
         <a:xfrm>
-          <a:off x="0" y="47277"/>
-          <a:ext cx="6513603" cy="2727270"/>
+          <a:off x="0" y="523"/>
+          <a:ext cx="6513603" cy="2506140"/>
         </a:xfrm>
         <a:prstGeom prst="roundRect">
           <a:avLst/>
@@ -12081,12 +13059,12 @@
         </a:fontRef>
       </dsp:style>
       <dsp:txBody>
-        <a:bodyPr spcFirstLastPara="0" vert="horz" wrap="square" lIns="140970" tIns="140970" rIns="140970" bIns="140970" numCol="1" spcCol="1270" anchor="ctr" anchorCtr="0">
+        <a:bodyPr spcFirstLastPara="0" vert="horz" wrap="square" lIns="129540" tIns="129540" rIns="129540" bIns="129540" numCol="1" spcCol="1270" anchor="ctr" anchorCtr="0">
           <a:noAutofit/>
         </a:bodyPr>
         <a:lstStyle/>
         <a:p>
-          <a:pPr marL="0" lvl="0" indent="0" algn="l" defTabSz="1644650">
+          <a:pPr marL="0" lvl="0" indent="0" algn="l" defTabSz="1511300">
             <a:lnSpc>
               <a:spcPct val="90000"/>
             </a:lnSpc>
@@ -12099,15 +13077,15 @@
             <a:buNone/>
           </a:pPr>
           <a:r>
-            <a:rPr kumimoji="1" lang="ja-JP" sz="3700" kern="1200"/>
+            <a:rPr kumimoji="1" lang="ja-JP" sz="3400" kern="1200"/>
             <a:t>道路網に追加地点を繋ぐときのもっとも距離の短い交点を求める</a:t>
           </a:r>
-          <a:endParaRPr lang="en-US" sz="3700" kern="1200"/>
+          <a:endParaRPr lang="en-US" sz="3400" kern="1200"/>
         </a:p>
       </dsp:txBody>
       <dsp:txXfrm>
-        <a:off x="133134" y="180411"/>
-        <a:ext cx="6247335" cy="2461002"/>
+        <a:off x="122340" y="122863"/>
+        <a:ext cx="6268923" cy="2261460"/>
       </dsp:txXfrm>
     </dsp:sp>
     <dsp:sp modelId="{E02ED743-798B-A648-99F7-7823CE5968B1}">
@@ -12117,8 +13095,8 @@
       </dsp:nvSpPr>
       <dsp:spPr>
         <a:xfrm>
-          <a:off x="0" y="2774548"/>
-          <a:ext cx="6513603" cy="3063600"/>
+          <a:off x="0" y="2506663"/>
+          <a:ext cx="6513603" cy="3378240"/>
         </a:xfrm>
         <a:prstGeom prst="rect">
           <a:avLst/>
@@ -12142,12 +13120,12 @@
         <a:fontRef idx="minor"/>
       </dsp:style>
       <dsp:txBody>
-        <a:bodyPr spcFirstLastPara="0" vert="horz" wrap="square" lIns="206807" tIns="46990" rIns="263144" bIns="46990" numCol="1" spcCol="1270" anchor="t" anchorCtr="0">
+        <a:bodyPr spcFirstLastPara="0" vert="horz" wrap="square" lIns="206807" tIns="43180" rIns="241808" bIns="43180" numCol="1" spcCol="1270" anchor="t" anchorCtr="0">
           <a:noAutofit/>
         </a:bodyPr>
         <a:lstStyle/>
         <a:p>
-          <a:pPr marL="285750" lvl="1" indent="-285750" algn="l" defTabSz="1289050">
+          <a:pPr marL="228600" lvl="1" indent="-228600" algn="l" defTabSz="1200150">
             <a:lnSpc>
               <a:spcPct val="90000"/>
             </a:lnSpc>
@@ -12160,29 +13138,29 @@
             <a:buChar char="•"/>
           </a:pPr>
           <a:r>
-            <a:rPr kumimoji="1" lang="ja-JP" sz="2900" kern="1200"/>
+            <a:rPr kumimoji="1" lang="ja-JP" sz="2700" kern="1200"/>
             <a:t>全ての線分に対して</a:t>
           </a:r>
           <a:r>
-            <a:rPr kumimoji="1" lang="en-US" sz="2900" kern="1200"/>
+            <a:rPr kumimoji="1" lang="en-US" sz="2700" kern="1200"/>
             <a:t>,</a:t>
           </a:r>
           <a:r>
-            <a:rPr kumimoji="1" lang="ja-JP" sz="2900" kern="1200"/>
+            <a:rPr kumimoji="1" lang="ja-JP" sz="2700" kern="1200"/>
             <a:t> 実装したアルゴリズム</a:t>
           </a:r>
           <a:r>
-            <a:rPr kumimoji="1" lang="en-US" sz="2900" kern="1200"/>
-            <a:t>3</a:t>
+            <a:rPr kumimoji="1" lang="en-US" altLang="ja-JP" sz="2700" kern="1200"/>
+            <a:t>③</a:t>
           </a:r>
           <a:r>
-            <a:rPr kumimoji="1" lang="ja-JP" sz="2900" kern="1200"/>
+            <a:rPr kumimoji="1" lang="ja-JP" sz="2700" kern="1200"/>
             <a:t>に基づいて最適な交点を求める</a:t>
           </a:r>
-          <a:endParaRPr lang="en-US" sz="2900" kern="1200"/>
+          <a:endParaRPr lang="en-US" sz="2700" kern="1200"/>
         </a:p>
         <a:p>
-          <a:pPr marL="285750" lvl="1" indent="-285750" algn="l" defTabSz="1289050">
+          <a:pPr marL="228600" lvl="1" indent="-228600" algn="l" defTabSz="1200150">
             <a:lnSpc>
               <a:spcPct val="90000"/>
             </a:lnSpc>
@@ -12195,15 +13173,31 @@
             <a:buChar char="•"/>
           </a:pPr>
           <a:r>
-            <a:rPr lang="ja-JP" sz="2900" kern="1200"/>
-            <a:t>全ての交点の中で追加点に最も近い交点を交点として採用</a:t>
+            <a:rPr lang="ja-JP" sz="2700" kern="1200"/>
+            <a:t>全ての交点の中で追加点に最も近い交点</a:t>
           </a:r>
-          <a:endParaRPr lang="en-US" sz="2900" kern="1200"/>
+          <a:r>
+            <a:rPr lang="en-US" altLang="ja-JP" sz="2700" kern="1200"/>
+            <a:t>(</a:t>
+          </a:r>
+          <a:r>
+            <a:rPr lang="ja-JP" altLang="en-US" sz="2700" kern="1200"/>
+            <a:t>複数ある場合は添字が小さい側</a:t>
+          </a:r>
+          <a:r>
+            <a:rPr lang="en-US" altLang="ja-JP" sz="2700" kern="1200"/>
+            <a:t>)</a:t>
+          </a:r>
+          <a:r>
+            <a:rPr lang="ja-JP" sz="2700" kern="1200"/>
+            <a:t>を交点として採用</a:t>
+          </a:r>
+          <a:endParaRPr lang="en-US" sz="2700" kern="1200"/>
         </a:p>
       </dsp:txBody>
       <dsp:txXfrm>
-        <a:off x="0" y="2774548"/>
-        <a:ext cx="6513603" cy="3063600"/>
+        <a:off x="0" y="2506663"/>
+        <a:ext cx="6513603" cy="3378240"/>
       </dsp:txXfrm>
     </dsp:sp>
   </dsp:spTree>
@@ -12359,26 +13353,41 @@
             <a:buNone/>
           </a:pPr>
           <a:r>
-            <a:rPr kumimoji="1" lang="ja-JP" sz="1700" kern="1200"/>
-            <a:t>各小課題の入力制約</a:t>
+            <a:rPr kumimoji="1" lang="en-US" altLang="ja-JP" sz="1700" kern="1200"/>
+            <a:t>N,</a:t>
           </a:r>
           <a:r>
-            <a:rPr kumimoji="1" lang="en-US" sz="1700" kern="1200"/>
+            <a:rPr kumimoji="1" lang="ja-JP" altLang="en-US" sz="1700" kern="1200"/>
+            <a:t> </a:t>
+          </a:r>
+          <a:r>
+            <a:rPr kumimoji="1" lang="en-US" altLang="ja-JP" sz="1700" kern="1200"/>
+            <a:t>M</a:t>
+          </a:r>
+          <a:r>
+            <a:rPr kumimoji="1" lang="ja-JP" altLang="en-US" sz="1700" kern="1200"/>
+            <a:t>の制約内の最小値と最大値で</a:t>
+          </a:r>
+          <a:r>
+            <a:rPr kumimoji="1" lang="en-US" altLang="ja-JP" sz="1700" kern="1200"/>
+            <a:t>,</a:t>
+          </a:r>
+          <a:r>
+            <a:rPr kumimoji="1" lang="ja-JP" altLang="en-US" sz="1700" kern="1200"/>
+            <a:t> それぞれ入力例を生成する</a:t>
+          </a:r>
+          <a:r>
+            <a:rPr kumimoji="1" lang="en-US" altLang="ja-JP" sz="1700" kern="1200"/>
             <a:t>(</a:t>
           </a:r>
           <a:r>
-            <a:rPr kumimoji="1" lang="ja-JP" sz="1700" kern="1200"/>
-            <a:t>範囲</a:t>
+            <a:rPr kumimoji="1" lang="ja-JP" altLang="en-US" sz="1700" kern="1200"/>
+            <a:t>その他の値は制約を満たす乱数</a:t>
           </a:r>
           <a:r>
-            <a:rPr kumimoji="1" lang="en-US" sz="1700" kern="1200"/>
+            <a:rPr kumimoji="1" lang="en-US" altLang="ja-JP" sz="1700" kern="1200"/>
             <a:t>)</a:t>
           </a:r>
-          <a:r>
-            <a:rPr kumimoji="1" lang="ja-JP" sz="1700" kern="1200"/>
-            <a:t>を満たすランダムな値を作成</a:t>
-          </a:r>
-          <a:endParaRPr lang="en-US" sz="1700" kern="1200"/>
         </a:p>
       </dsp:txBody>
       <dsp:txXfrm>
@@ -12872,6 +13881,200 @@
       <dsp:txXfrm>
         <a:off x="1429899" y="4644974"/>
         <a:ext cx="5083704" cy="1238008"/>
+      </dsp:txXfrm>
+    </dsp:sp>
+  </dsp:spTree>
+</dsp:drawing>
+</file>
+
+<file path=ppt/diagrams/drawing9.xml><?xml version="1.0" encoding="utf-8"?>
+<dsp:drawing xmlns:dgm="http://schemas.openxmlformats.org/drawingml/2006/diagram" xmlns:dsp="http://schemas.microsoft.com/office/drawing/2008/diagram" xmlns:a="http://schemas.openxmlformats.org/drawingml/2006/main">
+  <dsp:spTree>
+    <dsp:nvGrpSpPr>
+      <dsp:cNvPr id="0" name=""/>
+      <dsp:cNvGrpSpPr/>
+    </dsp:nvGrpSpPr>
+    <dsp:grpSpPr/>
+    <dsp:sp modelId="{CA575008-8955-1C45-9D61-A0F60E9531A1}">
+      <dsp:nvSpPr>
+        <dsp:cNvPr id="0" name=""/>
+        <dsp:cNvSpPr/>
+      </dsp:nvSpPr>
+      <dsp:spPr>
+        <a:xfrm>
+          <a:off x="0" y="455"/>
+          <a:ext cx="6513603" cy="2886097"/>
+        </a:xfrm>
+        <a:prstGeom prst="roundRect">
+          <a:avLst/>
+        </a:prstGeom>
+        <a:solidFill>
+          <a:schemeClr val="accent5">
+            <a:hueOff val="0"/>
+            <a:satOff val="0"/>
+            <a:lumOff val="0"/>
+            <a:alphaOff val="0"/>
+          </a:schemeClr>
+        </a:solidFill>
+        <a:ln w="12700" cap="flat" cmpd="sng" algn="ctr">
+          <a:solidFill>
+            <a:schemeClr val="lt1">
+              <a:hueOff val="0"/>
+              <a:satOff val="0"/>
+              <a:lumOff val="0"/>
+              <a:alphaOff val="0"/>
+            </a:schemeClr>
+          </a:solidFill>
+          <a:prstDash val="solid"/>
+          <a:miter lim="800000"/>
+        </a:ln>
+        <a:effectLst/>
+      </dsp:spPr>
+      <dsp:style>
+        <a:lnRef idx="2">
+          <a:scrgbClr r="0" g="0" b="0"/>
+        </a:lnRef>
+        <a:fillRef idx="1">
+          <a:scrgbClr r="0" g="0" b="0"/>
+        </a:fillRef>
+        <a:effectRef idx="0">
+          <a:scrgbClr r="0" g="0" b="0"/>
+        </a:effectRef>
+        <a:fontRef idx="minor">
+          <a:schemeClr val="lt1"/>
+        </a:fontRef>
+      </dsp:style>
+      <dsp:txBody>
+        <a:bodyPr spcFirstLastPara="0" vert="horz" wrap="square" lIns="148590" tIns="148590" rIns="148590" bIns="148590" numCol="1" spcCol="1270" anchor="ctr" anchorCtr="0">
+          <a:noAutofit/>
+        </a:bodyPr>
+        <a:lstStyle/>
+        <a:p>
+          <a:pPr marL="0" lvl="0" indent="0" algn="l" defTabSz="1733550">
+            <a:lnSpc>
+              <a:spcPct val="90000"/>
+            </a:lnSpc>
+            <a:spcBef>
+              <a:spcPct val="0"/>
+            </a:spcBef>
+            <a:spcAft>
+              <a:spcPct val="35000"/>
+            </a:spcAft>
+            <a:buNone/>
+          </a:pPr>
+          <a:r>
+            <a:rPr kumimoji="1" lang="ja-JP" sz="3900" kern="1200"/>
+            <a:t>通常ケースは</a:t>
+          </a:r>
+          <a:r>
+            <a:rPr kumimoji="1" lang="en-US" sz="3900" kern="1200"/>
+            <a:t>,</a:t>
+          </a:r>
+          <a:r>
+            <a:rPr kumimoji="1" lang="ja-JP" sz="3900" kern="1200"/>
+            <a:t> 資料の入力例をそのまま用いた</a:t>
+          </a:r>
+          <a:r>
+            <a:rPr kumimoji="1" lang="en-US" sz="3900" kern="1200"/>
+            <a:t>.</a:t>
+          </a:r>
+          <a:endParaRPr lang="en-US" sz="3900" kern="1200"/>
+        </a:p>
+      </dsp:txBody>
+      <dsp:txXfrm>
+        <a:off x="140888" y="141343"/>
+        <a:ext cx="6231827" cy="2604321"/>
+      </dsp:txXfrm>
+    </dsp:sp>
+    <dsp:sp modelId="{EADE96A9-DC37-7949-9867-9EC29B459678}">
+      <dsp:nvSpPr>
+        <dsp:cNvPr id="0" name=""/>
+        <dsp:cNvSpPr/>
+      </dsp:nvSpPr>
+      <dsp:spPr>
+        <a:xfrm>
+          <a:off x="0" y="2998873"/>
+          <a:ext cx="6513603" cy="2886097"/>
+        </a:xfrm>
+        <a:prstGeom prst="roundRect">
+          <a:avLst/>
+        </a:prstGeom>
+        <a:solidFill>
+          <a:schemeClr val="accent5">
+            <a:hueOff val="1106248"/>
+            <a:satOff val="12561"/>
+            <a:lumOff val="11372"/>
+            <a:alphaOff val="0"/>
+          </a:schemeClr>
+        </a:solidFill>
+        <a:ln w="12700" cap="flat" cmpd="sng" algn="ctr">
+          <a:solidFill>
+            <a:schemeClr val="lt1">
+              <a:hueOff val="0"/>
+              <a:satOff val="0"/>
+              <a:lumOff val="0"/>
+              <a:alphaOff val="0"/>
+            </a:schemeClr>
+          </a:solidFill>
+          <a:prstDash val="solid"/>
+          <a:miter lim="800000"/>
+        </a:ln>
+        <a:effectLst/>
+      </dsp:spPr>
+      <dsp:style>
+        <a:lnRef idx="2">
+          <a:scrgbClr r="0" g="0" b="0"/>
+        </a:lnRef>
+        <a:fillRef idx="1">
+          <a:scrgbClr r="0" g="0" b="0"/>
+        </a:fillRef>
+        <a:effectRef idx="0">
+          <a:scrgbClr r="0" g="0" b="0"/>
+        </a:effectRef>
+        <a:fontRef idx="minor">
+          <a:schemeClr val="lt1"/>
+        </a:fontRef>
+      </dsp:style>
+      <dsp:txBody>
+        <a:bodyPr spcFirstLastPara="0" vert="horz" wrap="square" lIns="148590" tIns="148590" rIns="148590" bIns="148590" numCol="1" spcCol="1270" anchor="ctr" anchorCtr="0">
+          <a:noAutofit/>
+        </a:bodyPr>
+        <a:lstStyle/>
+        <a:p>
+          <a:pPr marL="0" lvl="0" indent="0" algn="l" defTabSz="1733550">
+            <a:lnSpc>
+              <a:spcPct val="90000"/>
+            </a:lnSpc>
+            <a:spcBef>
+              <a:spcPct val="0"/>
+            </a:spcBef>
+            <a:spcAft>
+              <a:spcPct val="35000"/>
+            </a:spcAft>
+            <a:buNone/>
+          </a:pPr>
+          <a:r>
+            <a:rPr kumimoji="1" lang="ja-JP" sz="3900" kern="1200"/>
+            <a:t>考えうる特殊な入力例については</a:t>
+          </a:r>
+          <a:r>
+            <a:rPr kumimoji="1" lang="en-US" sz="3900" kern="1200"/>
+            <a:t>,</a:t>
+          </a:r>
+          <a:r>
+            <a:rPr kumimoji="1" lang="ja-JP" sz="3900" kern="1200"/>
+            <a:t> 各小課題ごとに手動で作成した</a:t>
+          </a:r>
+          <a:r>
+            <a:rPr kumimoji="1" lang="en-US" sz="3900" kern="1200"/>
+            <a:t>.</a:t>
+          </a:r>
+          <a:endParaRPr lang="en-US" sz="3900" kern="1200"/>
+        </a:p>
+      </dsp:txBody>
+      <dsp:txXfrm>
+        <a:off x="140888" y="3139761"/>
+        <a:ext cx="6231827" cy="2604321"/>
       </dsp:txXfrm>
     </dsp:sp>
   </dsp:spTree>
@@ -14468,6 +15671,173 @@
 </dgm:layoutDef>
 </file>
 
+<file path=ppt/diagrams/layout9.xml><?xml version="1.0" encoding="utf-8"?>
+<dgm:layoutDef xmlns:dgm="http://schemas.openxmlformats.org/drawingml/2006/diagram" xmlns:a="http://schemas.openxmlformats.org/drawingml/2006/main" uniqueId="urn:microsoft.com/office/officeart/2005/8/layout/vList2">
+  <dgm:title val=""/>
+  <dgm:desc val=""/>
+  <dgm:catLst>
+    <dgm:cat type="list" pri="3000"/>
+    <dgm:cat type="convert" pri="1000"/>
+  </dgm:catLst>
+  <dgm:sampData>
+    <dgm:dataModel>
+      <dgm:ptLst>
+        <dgm:pt modelId="0" type="doc"/>
+        <dgm:pt modelId="1">
+          <dgm:prSet phldr="1"/>
+        </dgm:pt>
+        <dgm:pt modelId="11">
+          <dgm:prSet phldr="1"/>
+        </dgm:pt>
+        <dgm:pt modelId="2">
+          <dgm:prSet phldr="1"/>
+        </dgm:pt>
+        <dgm:pt modelId="21">
+          <dgm:prSet phldr="1"/>
+        </dgm:pt>
+      </dgm:ptLst>
+      <dgm:cxnLst>
+        <dgm:cxn modelId="4" srcId="0" destId="1" srcOrd="0" destOrd="0"/>
+        <dgm:cxn modelId="5" srcId="0" destId="2" srcOrd="1" destOrd="0"/>
+        <dgm:cxn modelId="12" srcId="1" destId="11" srcOrd="0" destOrd="0"/>
+        <dgm:cxn modelId="23" srcId="2" destId="21" srcOrd="0" destOrd="0"/>
+      </dgm:cxnLst>
+      <dgm:bg/>
+      <dgm:whole/>
+    </dgm:dataModel>
+  </dgm:sampData>
+  <dgm:styleData>
+    <dgm:dataModel>
+      <dgm:ptLst>
+        <dgm:pt modelId="0" type="doc"/>
+        <dgm:pt modelId="1"/>
+        <dgm:pt modelId="2"/>
+      </dgm:ptLst>
+      <dgm:cxnLst>
+        <dgm:cxn modelId="3" srcId="0" destId="1" srcOrd="0" destOrd="0"/>
+        <dgm:cxn modelId="4" srcId="0" destId="2" srcOrd="1" destOrd="0"/>
+      </dgm:cxnLst>
+      <dgm:bg/>
+      <dgm:whole/>
+    </dgm:dataModel>
+  </dgm:styleData>
+  <dgm:clrData>
+    <dgm:dataModel>
+      <dgm:ptLst>
+        <dgm:pt modelId="0" type="doc"/>
+        <dgm:pt modelId="1"/>
+        <dgm:pt modelId="2"/>
+        <dgm:pt modelId="3"/>
+        <dgm:pt modelId="4"/>
+      </dgm:ptLst>
+      <dgm:cxnLst>
+        <dgm:cxn modelId="5" srcId="0" destId="1" srcOrd="0" destOrd="0"/>
+        <dgm:cxn modelId="6" srcId="0" destId="2" srcOrd="1" destOrd="0"/>
+        <dgm:cxn modelId="7" srcId="0" destId="3" srcOrd="2" destOrd="0"/>
+        <dgm:cxn modelId="8" srcId="0" destId="4" srcOrd="3" destOrd="0"/>
+      </dgm:cxnLst>
+      <dgm:bg/>
+      <dgm:whole/>
+    </dgm:dataModel>
+  </dgm:clrData>
+  <dgm:layoutNode name="linear">
+    <dgm:varLst>
+      <dgm:animLvl val="lvl"/>
+      <dgm:resizeHandles val="exact"/>
+    </dgm:varLst>
+    <dgm:alg type="lin">
+      <dgm:param type="linDir" val="fromT"/>
+      <dgm:param type="vertAlign" val="mid"/>
+    </dgm:alg>
+    <dgm:shape xmlns:r="http://schemas.openxmlformats.org/officeDocument/2006/relationships" r:blip="">
+      <dgm:adjLst/>
+    </dgm:shape>
+    <dgm:presOf/>
+    <dgm:constrLst>
+      <dgm:constr type="w" for="ch" forName="parentText" refType="w"/>
+      <dgm:constr type="h" for="ch" forName="parentText" refType="primFontSz" refFor="ch" refForName="parentText" fact="0.52"/>
+      <dgm:constr type="w" for="ch" forName="childText" refType="w"/>
+      <dgm:constr type="h" for="ch" forName="childText" refType="primFontSz" refFor="ch" refForName="parentText" fact="0.46"/>
+      <dgm:constr type="h" for="ch" forName="parentText" op="equ"/>
+      <dgm:constr type="primFontSz" for="ch" forName="parentText" op="equ" val="65"/>
+      <dgm:constr type="primFontSz" for="ch" forName="childText" refType="primFontSz" refFor="ch" refForName="parentText" op="equ"/>
+      <dgm:constr type="h" for="ch" forName="spacer" refType="primFontSz" refFor="ch" refForName="parentText" fact="0.08"/>
+    </dgm:constrLst>
+    <dgm:ruleLst>
+      <dgm:rule type="primFontSz" for="ch" forName="parentText" val="5" fact="NaN" max="NaN"/>
+    </dgm:ruleLst>
+    <dgm:forEach name="Name0" axis="ch" ptType="node">
+      <dgm:layoutNode name="parentText" styleLbl="node1">
+        <dgm:varLst>
+          <dgm:chMax val="0"/>
+          <dgm:bulletEnabled val="1"/>
+        </dgm:varLst>
+        <dgm:alg type="tx">
+          <dgm:param type="parTxLTRAlign" val="l"/>
+          <dgm:param type="parTxRTLAlign" val="r"/>
+        </dgm:alg>
+        <dgm:shape xmlns:r="http://schemas.openxmlformats.org/officeDocument/2006/relationships" type="roundRect" r:blip="">
+          <dgm:adjLst/>
+        </dgm:shape>
+        <dgm:presOf axis="self"/>
+        <dgm:constrLst>
+          <dgm:constr type="tMarg" refType="primFontSz" fact="0.3"/>
+          <dgm:constr type="bMarg" refType="primFontSz" fact="0.3"/>
+          <dgm:constr type="lMarg" refType="primFontSz" fact="0.3"/>
+          <dgm:constr type="rMarg" refType="primFontSz" fact="0.3"/>
+        </dgm:constrLst>
+        <dgm:ruleLst>
+          <dgm:rule type="h" val="INF" fact="NaN" max="NaN"/>
+        </dgm:ruleLst>
+      </dgm:layoutNode>
+      <dgm:choose name="Name1">
+        <dgm:if name="Name2" axis="ch" ptType="node" func="cnt" op="gte" val="1">
+          <dgm:layoutNode name="childText" styleLbl="revTx">
+            <dgm:varLst>
+              <dgm:bulletEnabled val="1"/>
+            </dgm:varLst>
+            <dgm:alg type="tx">
+              <dgm:param type="stBulletLvl" val="1"/>
+              <dgm:param type="lnSpAfChP" val="20"/>
+            </dgm:alg>
+            <dgm:shape xmlns:r="http://schemas.openxmlformats.org/officeDocument/2006/relationships" type="rect" r:blip="">
+              <dgm:adjLst/>
+            </dgm:shape>
+            <dgm:presOf axis="des" ptType="node"/>
+            <dgm:constrLst>
+              <dgm:constr type="tMarg" refType="primFontSz" fact="0.1"/>
+              <dgm:constr type="bMarg" refType="primFontSz" fact="0.1"/>
+              <dgm:constr type="lMarg" refType="w" fact="0.09"/>
+            </dgm:constrLst>
+            <dgm:ruleLst>
+              <dgm:rule type="h" val="INF" fact="NaN" max="NaN"/>
+            </dgm:ruleLst>
+          </dgm:layoutNode>
+        </dgm:if>
+        <dgm:else name="Name3">
+          <dgm:choose name="Name4">
+            <dgm:if name="Name5" axis="par ch" ptType="doc node" func="cnt" op="gte" val="2">
+              <dgm:forEach name="Name6" axis="followSib" ptType="sibTrans" cnt="1">
+                <dgm:layoutNode name="spacer">
+                  <dgm:alg type="sp"/>
+                  <dgm:shape xmlns:r="http://schemas.openxmlformats.org/officeDocument/2006/relationships" r:blip="">
+                    <dgm:adjLst/>
+                  </dgm:shape>
+                  <dgm:presOf/>
+                  <dgm:constrLst/>
+                  <dgm:ruleLst/>
+                </dgm:layoutNode>
+              </dgm:forEach>
+            </dgm:if>
+            <dgm:else name="Name7"/>
+          </dgm:choose>
+        </dgm:else>
+      </dgm:choose>
+    </dgm:forEach>
+  </dgm:layoutNode>
+</dgm:layoutDef>
+</file>
+
 <file path=ppt/diagrams/quickStyle1.xml><?xml version="1.0" encoding="utf-8"?>
 <dgm:styleDef xmlns:dgm="http://schemas.openxmlformats.org/drawingml/2006/diagram" xmlns:a="http://schemas.openxmlformats.org/drawingml/2006/main" uniqueId="urn:microsoft.com/office/officeart/2005/8/quickstyle/simple1">
   <dgm:title val=""/>
@@ -21707,6 +23077,1040 @@
 </file>
 
 <file path=ppt/diagrams/quickStyle8.xml><?xml version="1.0" encoding="utf-8"?>
+<dgm:styleDef xmlns:dgm="http://schemas.openxmlformats.org/drawingml/2006/diagram" xmlns:a="http://schemas.openxmlformats.org/drawingml/2006/main" uniqueId="urn:microsoft.com/office/officeart/2005/8/quickstyle/simple1">
+  <dgm:title val=""/>
+  <dgm:desc val=""/>
+  <dgm:catLst>
+    <dgm:cat type="simple" pri="10100"/>
+  </dgm:catLst>
+  <dgm:scene3d>
+    <a:camera prst="orthographicFront"/>
+    <a:lightRig rig="threePt" dir="t"/>
+  </dgm:scene3d>
+  <dgm:styleLbl name="node0">
+    <dgm:scene3d>
+      <a:camera prst="orthographicFront"/>
+      <a:lightRig rig="threePt" dir="t"/>
+    </dgm:scene3d>
+    <dgm:sp3d/>
+    <dgm:txPr/>
+    <dgm:style>
+      <a:lnRef idx="2">
+        <a:scrgbClr r="0" g="0" b="0"/>
+      </a:lnRef>
+      <a:fillRef idx="1">
+        <a:scrgbClr r="0" g="0" b="0"/>
+      </a:fillRef>
+      <a:effectRef idx="0">
+        <a:scrgbClr r="0" g="0" b="0"/>
+      </a:effectRef>
+      <a:fontRef idx="minor">
+        <a:schemeClr val="lt1"/>
+      </a:fontRef>
+    </dgm:style>
+  </dgm:styleLbl>
+  <dgm:styleLbl name="lnNode1">
+    <dgm:scene3d>
+      <a:camera prst="orthographicFront"/>
+      <a:lightRig rig="threePt" dir="t"/>
+    </dgm:scene3d>
+    <dgm:sp3d/>
+    <dgm:txPr/>
+    <dgm:style>
+      <a:lnRef idx="2">
+        <a:scrgbClr r="0" g="0" b="0"/>
+      </a:lnRef>
+      <a:fillRef idx="1">
+        <a:scrgbClr r="0" g="0" b="0"/>
+      </a:fillRef>
+      <a:effectRef idx="0">
+        <a:scrgbClr r="0" g="0" b="0"/>
+      </a:effectRef>
+      <a:fontRef idx="minor">
+        <a:schemeClr val="lt1"/>
+      </a:fontRef>
+    </dgm:style>
+  </dgm:styleLbl>
+  <dgm:styleLbl name="vennNode1">
+    <dgm:scene3d>
+      <a:camera prst="orthographicFront"/>
+      <a:lightRig rig="threePt" dir="t"/>
+    </dgm:scene3d>
+    <dgm:sp3d/>
+    <dgm:txPr/>
+    <dgm:style>
+      <a:lnRef idx="2">
+        <a:scrgbClr r="0" g="0" b="0"/>
+      </a:lnRef>
+      <a:fillRef idx="1">
+        <a:scrgbClr r="0" g="0" b="0"/>
+      </a:fillRef>
+      <a:effectRef idx="0">
+        <a:scrgbClr r="0" g="0" b="0"/>
+      </a:effectRef>
+      <a:fontRef idx="minor">
+        <a:schemeClr val="tx1"/>
+      </a:fontRef>
+    </dgm:style>
+  </dgm:styleLbl>
+  <dgm:styleLbl name="alignNode1">
+    <dgm:scene3d>
+      <a:camera prst="orthographicFront"/>
+      <a:lightRig rig="threePt" dir="t"/>
+    </dgm:scene3d>
+    <dgm:sp3d/>
+    <dgm:txPr/>
+    <dgm:style>
+      <a:lnRef idx="2">
+        <a:scrgbClr r="0" g="0" b="0"/>
+      </a:lnRef>
+      <a:fillRef idx="1">
+        <a:scrgbClr r="0" g="0" b="0"/>
+      </a:fillRef>
+      <a:effectRef idx="0">
+        <a:scrgbClr r="0" g="0" b="0"/>
+      </a:effectRef>
+      <a:fontRef idx="minor">
+        <a:schemeClr val="lt1"/>
+      </a:fontRef>
+    </dgm:style>
+  </dgm:styleLbl>
+  <dgm:styleLbl name="node1">
+    <dgm:scene3d>
+      <a:camera prst="orthographicFront"/>
+      <a:lightRig rig="threePt" dir="t"/>
+    </dgm:scene3d>
+    <dgm:sp3d/>
+    <dgm:txPr/>
+    <dgm:style>
+      <a:lnRef idx="2">
+        <a:scrgbClr r="0" g="0" b="0"/>
+      </a:lnRef>
+      <a:fillRef idx="1">
+        <a:scrgbClr r="0" g="0" b="0"/>
+      </a:fillRef>
+      <a:effectRef idx="0">
+        <a:scrgbClr r="0" g="0" b="0"/>
+      </a:effectRef>
+      <a:fontRef idx="minor">
+        <a:schemeClr val="lt1"/>
+      </a:fontRef>
+    </dgm:style>
+  </dgm:styleLbl>
+  <dgm:styleLbl name="node2">
+    <dgm:scene3d>
+      <a:camera prst="orthographicFront"/>
+      <a:lightRig rig="threePt" dir="t"/>
+    </dgm:scene3d>
+    <dgm:sp3d/>
+    <dgm:txPr/>
+    <dgm:style>
+      <a:lnRef idx="2">
+        <a:scrgbClr r="0" g="0" b="0"/>
+      </a:lnRef>
+      <a:fillRef idx="1">
+        <a:scrgbClr r="0" g="0" b="0"/>
+      </a:fillRef>
+      <a:effectRef idx="0">
+        <a:scrgbClr r="0" g="0" b="0"/>
+      </a:effectRef>
+      <a:fontRef idx="minor">
+        <a:schemeClr val="lt1"/>
+      </a:fontRef>
+    </dgm:style>
+  </dgm:styleLbl>
+  <dgm:styleLbl name="node3">
+    <dgm:scene3d>
+      <a:camera prst="orthographicFront"/>
+      <a:lightRig rig="threePt" dir="t"/>
+    </dgm:scene3d>
+    <dgm:sp3d/>
+    <dgm:txPr/>
+    <dgm:style>
+      <a:lnRef idx="2">
+        <a:scrgbClr r="0" g="0" b="0"/>
+      </a:lnRef>
+      <a:fillRef idx="1">
+        <a:scrgbClr r="0" g="0" b="0"/>
+      </a:fillRef>
+      <a:effectRef idx="0">
+        <a:scrgbClr r="0" g="0" b="0"/>
+      </a:effectRef>
+      <a:fontRef idx="minor">
+        <a:schemeClr val="lt1"/>
+      </a:fontRef>
+    </dgm:style>
+  </dgm:styleLbl>
+  <dgm:styleLbl name="node4">
+    <dgm:scene3d>
+      <a:camera prst="orthographicFront"/>
+      <a:lightRig rig="threePt" dir="t"/>
+    </dgm:scene3d>
+    <dgm:sp3d/>
+    <dgm:txPr/>
+    <dgm:style>
+      <a:lnRef idx="2">
+        <a:scrgbClr r="0" g="0" b="0"/>
+      </a:lnRef>
+      <a:fillRef idx="1">
+        <a:scrgbClr r="0" g="0" b="0"/>
+      </a:fillRef>
+      <a:effectRef idx="0">
+        <a:scrgbClr r="0" g="0" b="0"/>
+      </a:effectRef>
+      <a:fontRef idx="minor">
+        <a:schemeClr val="lt1"/>
+      </a:fontRef>
+    </dgm:style>
+  </dgm:styleLbl>
+  <dgm:styleLbl name="fgImgPlace1">
+    <dgm:scene3d>
+      <a:camera prst="orthographicFront"/>
+      <a:lightRig rig="threePt" dir="t"/>
+    </dgm:scene3d>
+    <dgm:sp3d/>
+    <dgm:txPr/>
+    <dgm:style>
+      <a:lnRef idx="2">
+        <a:scrgbClr r="0" g="0" b="0"/>
+      </a:lnRef>
+      <a:fillRef idx="1">
+        <a:scrgbClr r="0" g="0" b="0"/>
+      </a:fillRef>
+      <a:effectRef idx="0">
+        <a:scrgbClr r="0" g="0" b="0"/>
+      </a:effectRef>
+      <a:fontRef idx="minor"/>
+    </dgm:style>
+  </dgm:styleLbl>
+  <dgm:styleLbl name="alignImgPlace1">
+    <dgm:scene3d>
+      <a:camera prst="orthographicFront"/>
+      <a:lightRig rig="threePt" dir="t"/>
+    </dgm:scene3d>
+    <dgm:sp3d/>
+    <dgm:txPr/>
+    <dgm:style>
+      <a:lnRef idx="2">
+        <a:scrgbClr r="0" g="0" b="0"/>
+      </a:lnRef>
+      <a:fillRef idx="1">
+        <a:scrgbClr r="0" g="0" b="0"/>
+      </a:fillRef>
+      <a:effectRef idx="0">
+        <a:scrgbClr r="0" g="0" b="0"/>
+      </a:effectRef>
+      <a:fontRef idx="minor"/>
+    </dgm:style>
+  </dgm:styleLbl>
+  <dgm:styleLbl name="bgImgPlace1">
+    <dgm:scene3d>
+      <a:camera prst="orthographicFront"/>
+      <a:lightRig rig="threePt" dir="t"/>
+    </dgm:scene3d>
+    <dgm:sp3d/>
+    <dgm:txPr/>
+    <dgm:style>
+      <a:lnRef idx="2">
+        <a:scrgbClr r="0" g="0" b="0"/>
+      </a:lnRef>
+      <a:fillRef idx="1">
+        <a:scrgbClr r="0" g="0" b="0"/>
+      </a:fillRef>
+      <a:effectRef idx="0">
+        <a:scrgbClr r="0" g="0" b="0"/>
+      </a:effectRef>
+      <a:fontRef idx="minor"/>
+    </dgm:style>
+  </dgm:styleLbl>
+  <dgm:styleLbl name="sibTrans2D1">
+    <dgm:scene3d>
+      <a:camera prst="orthographicFront"/>
+      <a:lightRig rig="threePt" dir="t"/>
+    </dgm:scene3d>
+    <dgm:sp3d/>
+    <dgm:txPr/>
+    <dgm:style>
+      <a:lnRef idx="0">
+        <a:scrgbClr r="0" g="0" b="0"/>
+      </a:lnRef>
+      <a:fillRef idx="1">
+        <a:scrgbClr r="0" g="0" b="0"/>
+      </a:fillRef>
+      <a:effectRef idx="0">
+        <a:scrgbClr r="0" g="0" b="0"/>
+      </a:effectRef>
+      <a:fontRef idx="minor">
+        <a:schemeClr val="lt1"/>
+      </a:fontRef>
+    </dgm:style>
+  </dgm:styleLbl>
+  <dgm:styleLbl name="fgSibTrans2D1">
+    <dgm:scene3d>
+      <a:camera prst="orthographicFront"/>
+      <a:lightRig rig="threePt" dir="t"/>
+    </dgm:scene3d>
+    <dgm:sp3d/>
+    <dgm:txPr/>
+    <dgm:style>
+      <a:lnRef idx="0">
+        <a:scrgbClr r="0" g="0" b="0"/>
+      </a:lnRef>
+      <a:fillRef idx="1">
+        <a:scrgbClr r="0" g="0" b="0"/>
+      </a:fillRef>
+      <a:effectRef idx="0">
+        <a:scrgbClr r="0" g="0" b="0"/>
+      </a:effectRef>
+      <a:fontRef idx="minor">
+        <a:schemeClr val="lt1"/>
+      </a:fontRef>
+    </dgm:style>
+  </dgm:styleLbl>
+  <dgm:styleLbl name="bgSibTrans2D1">
+    <dgm:scene3d>
+      <a:camera prst="orthographicFront"/>
+      <a:lightRig rig="threePt" dir="t"/>
+    </dgm:scene3d>
+    <dgm:sp3d/>
+    <dgm:txPr/>
+    <dgm:style>
+      <a:lnRef idx="0">
+        <a:scrgbClr r="0" g="0" b="0"/>
+      </a:lnRef>
+      <a:fillRef idx="1">
+        <a:scrgbClr r="0" g="0" b="0"/>
+      </a:fillRef>
+      <a:effectRef idx="0">
+        <a:scrgbClr r="0" g="0" b="0"/>
+      </a:effectRef>
+      <a:fontRef idx="minor">
+        <a:schemeClr val="lt1"/>
+      </a:fontRef>
+    </dgm:style>
+  </dgm:styleLbl>
+  <dgm:styleLbl name="sibTrans1D1">
+    <dgm:scene3d>
+      <a:camera prst="orthographicFront"/>
+      <a:lightRig rig="threePt" dir="t"/>
+    </dgm:scene3d>
+    <dgm:sp3d/>
+    <dgm:txPr/>
+    <dgm:style>
+      <a:lnRef idx="1">
+        <a:scrgbClr r="0" g="0" b="0"/>
+      </a:lnRef>
+      <a:fillRef idx="0">
+        <a:scrgbClr r="0" g="0" b="0"/>
+      </a:fillRef>
+      <a:effectRef idx="0">
+        <a:scrgbClr r="0" g="0" b="0"/>
+      </a:effectRef>
+      <a:fontRef idx="minor"/>
+    </dgm:style>
+  </dgm:styleLbl>
+  <dgm:styleLbl name="callout">
+    <dgm:scene3d>
+      <a:camera prst="orthographicFront"/>
+      <a:lightRig rig="threePt" dir="t"/>
+    </dgm:scene3d>
+    <dgm:sp3d/>
+    <dgm:txPr/>
+    <dgm:style>
+      <a:lnRef idx="2">
+        <a:scrgbClr r="0" g="0" b="0"/>
+      </a:lnRef>
+      <a:fillRef idx="1">
+        <a:scrgbClr r="0" g="0" b="0"/>
+      </a:fillRef>
+      <a:effectRef idx="0">
+        <a:scrgbClr r="0" g="0" b="0"/>
+      </a:effectRef>
+      <a:fontRef idx="minor"/>
+    </dgm:style>
+  </dgm:styleLbl>
+  <dgm:styleLbl name="asst0">
+    <dgm:scene3d>
+      <a:camera prst="orthographicFront"/>
+      <a:lightRig rig="threePt" dir="t"/>
+    </dgm:scene3d>
+    <dgm:sp3d/>
+    <dgm:txPr/>
+    <dgm:style>
+      <a:lnRef idx="2">
+        <a:scrgbClr r="0" g="0" b="0"/>
+      </a:lnRef>
+      <a:fillRef idx="1">
+        <a:scrgbClr r="0" g="0" b="0"/>
+      </a:fillRef>
+      <a:effectRef idx="0">
+        <a:scrgbClr r="0" g="0" b="0"/>
+      </a:effectRef>
+      <a:fontRef idx="minor">
+        <a:schemeClr val="lt1"/>
+      </a:fontRef>
+    </dgm:style>
+  </dgm:styleLbl>
+  <dgm:styleLbl name="asst1">
+    <dgm:scene3d>
+      <a:camera prst="orthographicFront"/>
+      <a:lightRig rig="threePt" dir="t"/>
+    </dgm:scene3d>
+    <dgm:sp3d/>
+    <dgm:txPr/>
+    <dgm:style>
+      <a:lnRef idx="2">
+        <a:scrgbClr r="0" g="0" b="0"/>
+      </a:lnRef>
+      <a:fillRef idx="1">
+        <a:scrgbClr r="0" g="0" b="0"/>
+      </a:fillRef>
+      <a:effectRef idx="0">
+        <a:scrgbClr r="0" g="0" b="0"/>
+      </a:effectRef>
+      <a:fontRef idx="minor">
+        <a:schemeClr val="lt1"/>
+      </a:fontRef>
+    </dgm:style>
+  </dgm:styleLbl>
+  <dgm:styleLbl name="asst2">
+    <dgm:scene3d>
+      <a:camera prst="orthographicFront"/>
+      <a:lightRig rig="threePt" dir="t"/>
+    </dgm:scene3d>
+    <dgm:sp3d/>
+    <dgm:txPr/>
+    <dgm:style>
+      <a:lnRef idx="2">
+        <a:scrgbClr r="0" g="0" b="0"/>
+      </a:lnRef>
+      <a:fillRef idx="1">
+        <a:scrgbClr r="0" g="0" b="0"/>
+      </a:fillRef>
+      <a:effectRef idx="0">
+        <a:scrgbClr r="0" g="0" b="0"/>
+      </a:effectRef>
+      <a:fontRef idx="minor">
+        <a:schemeClr val="lt1"/>
+      </a:fontRef>
+    </dgm:style>
+  </dgm:styleLbl>
+  <dgm:styleLbl name="asst3">
+    <dgm:scene3d>
+      <a:camera prst="orthographicFront"/>
+      <a:lightRig rig="threePt" dir="t"/>
+    </dgm:scene3d>
+    <dgm:sp3d/>
+    <dgm:txPr/>
+    <dgm:style>
+      <a:lnRef idx="2">
+        <a:scrgbClr r="0" g="0" b="0"/>
+      </a:lnRef>
+      <a:fillRef idx="1">
+        <a:scrgbClr r="0" g="0" b="0"/>
+      </a:fillRef>
+      <a:effectRef idx="0">
+        <a:scrgbClr r="0" g="0" b="0"/>
+      </a:effectRef>
+      <a:fontRef idx="minor">
+        <a:schemeClr val="lt1"/>
+      </a:fontRef>
+    </dgm:style>
+  </dgm:styleLbl>
+  <dgm:styleLbl name="asst4">
+    <dgm:scene3d>
+      <a:camera prst="orthographicFront"/>
+      <a:lightRig rig="threePt" dir="t"/>
+    </dgm:scene3d>
+    <dgm:sp3d/>
+    <dgm:txPr/>
+    <dgm:style>
+      <a:lnRef idx="2">
+        <a:scrgbClr r="0" g="0" b="0"/>
+      </a:lnRef>
+      <a:fillRef idx="1">
+        <a:scrgbClr r="0" g="0" b="0"/>
+      </a:fillRef>
+      <a:effectRef idx="0">
+        <a:scrgbClr r="0" g="0" b="0"/>
+      </a:effectRef>
+      <a:fontRef idx="minor">
+        <a:schemeClr val="lt1"/>
+      </a:fontRef>
+    </dgm:style>
+  </dgm:styleLbl>
+  <dgm:styleLbl name="parChTrans2D1">
+    <dgm:scene3d>
+      <a:camera prst="orthographicFront"/>
+      <a:lightRig rig="threePt" dir="t"/>
+    </dgm:scene3d>
+    <dgm:sp3d/>
+    <dgm:txPr/>
+    <dgm:style>
+      <a:lnRef idx="2">
+        <a:scrgbClr r="0" g="0" b="0"/>
+      </a:lnRef>
+      <a:fillRef idx="1">
+        <a:scrgbClr r="0" g="0" b="0"/>
+      </a:fillRef>
+      <a:effectRef idx="0">
+        <a:scrgbClr r="0" g="0" b="0"/>
+      </a:effectRef>
+      <a:fontRef idx="minor">
+        <a:schemeClr val="lt1"/>
+      </a:fontRef>
+    </dgm:style>
+  </dgm:styleLbl>
+  <dgm:styleLbl name="parChTrans2D2">
+    <dgm:scene3d>
+      <a:camera prst="orthographicFront"/>
+      <a:lightRig rig="threePt" dir="t"/>
+    </dgm:scene3d>
+    <dgm:sp3d/>
+    <dgm:txPr/>
+    <dgm:style>
+      <a:lnRef idx="2">
+        <a:scrgbClr r="0" g="0" b="0"/>
+      </a:lnRef>
+      <a:fillRef idx="1">
+        <a:scrgbClr r="0" g="0" b="0"/>
+      </a:fillRef>
+      <a:effectRef idx="0">
+        <a:scrgbClr r="0" g="0" b="0"/>
+      </a:effectRef>
+      <a:fontRef idx="minor">
+        <a:schemeClr val="lt1"/>
+      </a:fontRef>
+    </dgm:style>
+  </dgm:styleLbl>
+  <dgm:styleLbl name="parChTrans2D3">
+    <dgm:scene3d>
+      <a:camera prst="orthographicFront"/>
+      <a:lightRig rig="threePt" dir="t"/>
+    </dgm:scene3d>
+    <dgm:sp3d/>
+    <dgm:txPr/>
+    <dgm:style>
+      <a:lnRef idx="2">
+        <a:scrgbClr r="0" g="0" b="0"/>
+      </a:lnRef>
+      <a:fillRef idx="1">
+        <a:scrgbClr r="0" g="0" b="0"/>
+      </a:fillRef>
+      <a:effectRef idx="0">
+        <a:scrgbClr r="0" g="0" b="0"/>
+      </a:effectRef>
+      <a:fontRef idx="minor">
+        <a:schemeClr val="lt1"/>
+      </a:fontRef>
+    </dgm:style>
+  </dgm:styleLbl>
+  <dgm:styleLbl name="parChTrans2D4">
+    <dgm:scene3d>
+      <a:camera prst="orthographicFront"/>
+      <a:lightRig rig="threePt" dir="t"/>
+    </dgm:scene3d>
+    <dgm:sp3d/>
+    <dgm:txPr/>
+    <dgm:style>
+      <a:lnRef idx="2">
+        <a:scrgbClr r="0" g="0" b="0"/>
+      </a:lnRef>
+      <a:fillRef idx="1">
+        <a:scrgbClr r="0" g="0" b="0"/>
+      </a:fillRef>
+      <a:effectRef idx="0">
+        <a:scrgbClr r="0" g="0" b="0"/>
+      </a:effectRef>
+      <a:fontRef idx="minor">
+        <a:schemeClr val="lt1"/>
+      </a:fontRef>
+    </dgm:style>
+  </dgm:styleLbl>
+  <dgm:styleLbl name="parChTrans1D1">
+    <dgm:scene3d>
+      <a:camera prst="orthographicFront"/>
+      <a:lightRig rig="threePt" dir="t"/>
+    </dgm:scene3d>
+    <dgm:sp3d/>
+    <dgm:txPr/>
+    <dgm:style>
+      <a:lnRef idx="2">
+        <a:scrgbClr r="0" g="0" b="0"/>
+      </a:lnRef>
+      <a:fillRef idx="0">
+        <a:scrgbClr r="0" g="0" b="0"/>
+      </a:fillRef>
+      <a:effectRef idx="0">
+        <a:scrgbClr r="0" g="0" b="0"/>
+      </a:effectRef>
+      <a:fontRef idx="minor"/>
+    </dgm:style>
+  </dgm:styleLbl>
+  <dgm:styleLbl name="parChTrans1D2">
+    <dgm:scene3d>
+      <a:camera prst="orthographicFront"/>
+      <a:lightRig rig="threePt" dir="t"/>
+    </dgm:scene3d>
+    <dgm:sp3d/>
+    <dgm:txPr/>
+    <dgm:style>
+      <a:lnRef idx="2">
+        <a:scrgbClr r="0" g="0" b="0"/>
+      </a:lnRef>
+      <a:fillRef idx="0">
+        <a:scrgbClr r="0" g="0" b="0"/>
+      </a:fillRef>
+      <a:effectRef idx="0">
+        <a:scrgbClr r="0" g="0" b="0"/>
+      </a:effectRef>
+      <a:fontRef idx="minor"/>
+    </dgm:style>
+  </dgm:styleLbl>
+  <dgm:styleLbl name="parChTrans1D3">
+    <dgm:scene3d>
+      <a:camera prst="orthographicFront"/>
+      <a:lightRig rig="threePt" dir="t"/>
+    </dgm:scene3d>
+    <dgm:sp3d/>
+    <dgm:txPr/>
+    <dgm:style>
+      <a:lnRef idx="2">
+        <a:scrgbClr r="0" g="0" b="0"/>
+      </a:lnRef>
+      <a:fillRef idx="0">
+        <a:scrgbClr r="0" g="0" b="0"/>
+      </a:fillRef>
+      <a:effectRef idx="0">
+        <a:scrgbClr r="0" g="0" b="0"/>
+      </a:effectRef>
+      <a:fontRef idx="minor"/>
+    </dgm:style>
+  </dgm:styleLbl>
+  <dgm:styleLbl name="parChTrans1D4">
+    <dgm:scene3d>
+      <a:camera prst="orthographicFront"/>
+      <a:lightRig rig="threePt" dir="t"/>
+    </dgm:scene3d>
+    <dgm:sp3d/>
+    <dgm:txPr/>
+    <dgm:style>
+      <a:lnRef idx="2">
+        <a:scrgbClr r="0" g="0" b="0"/>
+      </a:lnRef>
+      <a:fillRef idx="0">
+        <a:scrgbClr r="0" g="0" b="0"/>
+      </a:fillRef>
+      <a:effectRef idx="0">
+        <a:scrgbClr r="0" g="0" b="0"/>
+      </a:effectRef>
+      <a:fontRef idx="minor"/>
+    </dgm:style>
+  </dgm:styleLbl>
+  <dgm:styleLbl name="fgAcc1">
+    <dgm:scene3d>
+      <a:camera prst="orthographicFront"/>
+      <a:lightRig rig="threePt" dir="t"/>
+    </dgm:scene3d>
+    <dgm:sp3d/>
+    <dgm:txPr/>
+    <dgm:style>
+      <a:lnRef idx="2">
+        <a:scrgbClr r="0" g="0" b="0"/>
+      </a:lnRef>
+      <a:fillRef idx="1">
+        <a:scrgbClr r="0" g="0" b="0"/>
+      </a:fillRef>
+      <a:effectRef idx="0">
+        <a:scrgbClr r="0" g="0" b="0"/>
+      </a:effectRef>
+      <a:fontRef idx="minor"/>
+    </dgm:style>
+  </dgm:styleLbl>
+  <dgm:styleLbl name="conFgAcc1">
+    <dgm:scene3d>
+      <a:camera prst="orthographicFront"/>
+      <a:lightRig rig="threePt" dir="t"/>
+    </dgm:scene3d>
+    <dgm:sp3d/>
+    <dgm:txPr/>
+    <dgm:style>
+      <a:lnRef idx="2">
+        <a:scrgbClr r="0" g="0" b="0"/>
+      </a:lnRef>
+      <a:fillRef idx="1">
+        <a:scrgbClr r="0" g="0" b="0"/>
+      </a:fillRef>
+      <a:effectRef idx="0">
+        <a:scrgbClr r="0" g="0" b="0"/>
+      </a:effectRef>
+      <a:fontRef idx="minor"/>
+    </dgm:style>
+  </dgm:styleLbl>
+  <dgm:styleLbl name="alignAcc1">
+    <dgm:scene3d>
+      <a:camera prst="orthographicFront"/>
+      <a:lightRig rig="threePt" dir="t"/>
+    </dgm:scene3d>
+    <dgm:sp3d/>
+    <dgm:txPr/>
+    <dgm:style>
+      <a:lnRef idx="2">
+        <a:scrgbClr r="0" g="0" b="0"/>
+      </a:lnRef>
+      <a:fillRef idx="1">
+        <a:scrgbClr r="0" g="0" b="0"/>
+      </a:fillRef>
+      <a:effectRef idx="0">
+        <a:scrgbClr r="0" g="0" b="0"/>
+      </a:effectRef>
+      <a:fontRef idx="minor"/>
+    </dgm:style>
+  </dgm:styleLbl>
+  <dgm:styleLbl name="trAlignAcc1">
+    <dgm:scene3d>
+      <a:camera prst="orthographicFront"/>
+      <a:lightRig rig="threePt" dir="t"/>
+    </dgm:scene3d>
+    <dgm:sp3d/>
+    <dgm:txPr/>
+    <dgm:style>
+      <a:lnRef idx="1">
+        <a:scrgbClr r="0" g="0" b="0"/>
+      </a:lnRef>
+      <a:fillRef idx="1">
+        <a:scrgbClr r="0" g="0" b="0"/>
+      </a:fillRef>
+      <a:effectRef idx="0">
+        <a:scrgbClr r="0" g="0" b="0"/>
+      </a:effectRef>
+      <a:fontRef idx="minor"/>
+    </dgm:style>
+  </dgm:styleLbl>
+  <dgm:styleLbl name="bgAcc1">
+    <dgm:scene3d>
+      <a:camera prst="orthographicFront"/>
+      <a:lightRig rig="threePt" dir="t"/>
+    </dgm:scene3d>
+    <dgm:sp3d/>
+    <dgm:txPr/>
+    <dgm:style>
+      <a:lnRef idx="2">
+        <a:scrgbClr r="0" g="0" b="0"/>
+      </a:lnRef>
+      <a:fillRef idx="1">
+        <a:scrgbClr r="0" g="0" b="0"/>
+      </a:fillRef>
+      <a:effectRef idx="0">
+        <a:scrgbClr r="0" g="0" b="0"/>
+      </a:effectRef>
+      <a:fontRef idx="minor"/>
+    </dgm:style>
+  </dgm:styleLbl>
+  <dgm:styleLbl name="solidFgAcc1">
+    <dgm:scene3d>
+      <a:camera prst="orthographicFront"/>
+      <a:lightRig rig="threePt" dir="t"/>
+    </dgm:scene3d>
+    <dgm:sp3d/>
+    <dgm:txPr/>
+    <dgm:style>
+      <a:lnRef idx="2">
+        <a:scrgbClr r="0" g="0" b="0"/>
+      </a:lnRef>
+      <a:fillRef idx="1">
+        <a:scrgbClr r="0" g="0" b="0"/>
+      </a:fillRef>
+      <a:effectRef idx="0">
+        <a:scrgbClr r="0" g="0" b="0"/>
+      </a:effectRef>
+      <a:fontRef idx="minor"/>
+    </dgm:style>
+  </dgm:styleLbl>
+  <dgm:styleLbl name="solidAlignAcc1">
+    <dgm:scene3d>
+      <a:camera prst="orthographicFront"/>
+      <a:lightRig rig="threePt" dir="t"/>
+    </dgm:scene3d>
+    <dgm:sp3d/>
+    <dgm:txPr/>
+    <dgm:style>
+      <a:lnRef idx="2">
+        <a:scrgbClr r="0" g="0" b="0"/>
+      </a:lnRef>
+      <a:fillRef idx="1">
+        <a:scrgbClr r="0" g="0" b="0"/>
+      </a:fillRef>
+      <a:effectRef idx="0">
+        <a:scrgbClr r="0" g="0" b="0"/>
+      </a:effectRef>
+      <a:fontRef idx="minor"/>
+    </dgm:style>
+  </dgm:styleLbl>
+  <dgm:styleLbl name="solidBgAcc1">
+    <dgm:scene3d>
+      <a:camera prst="orthographicFront"/>
+      <a:lightRig rig="threePt" dir="t"/>
+    </dgm:scene3d>
+    <dgm:sp3d/>
+    <dgm:txPr/>
+    <dgm:style>
+      <a:lnRef idx="2">
+        <a:scrgbClr r="0" g="0" b="0"/>
+      </a:lnRef>
+      <a:fillRef idx="1">
+        <a:scrgbClr r="0" g="0" b="0"/>
+      </a:fillRef>
+      <a:effectRef idx="0">
+        <a:scrgbClr r="0" g="0" b="0"/>
+      </a:effectRef>
+      <a:fontRef idx="minor"/>
+    </dgm:style>
+  </dgm:styleLbl>
+  <dgm:styleLbl name="fgAccFollowNode1">
+    <dgm:scene3d>
+      <a:camera prst="orthographicFront"/>
+      <a:lightRig rig="threePt" dir="t"/>
+    </dgm:scene3d>
+    <dgm:sp3d/>
+    <dgm:txPr/>
+    <dgm:style>
+      <a:lnRef idx="2">
+        <a:scrgbClr r="0" g="0" b="0"/>
+      </a:lnRef>
+      <a:fillRef idx="1">
+        <a:scrgbClr r="0" g="0" b="0"/>
+      </a:fillRef>
+      <a:effectRef idx="0">
+        <a:scrgbClr r="0" g="0" b="0"/>
+      </a:effectRef>
+      <a:fontRef idx="minor"/>
+    </dgm:style>
+  </dgm:styleLbl>
+  <dgm:styleLbl name="alignAccFollowNode1">
+    <dgm:scene3d>
+      <a:camera prst="orthographicFront"/>
+      <a:lightRig rig="threePt" dir="t"/>
+    </dgm:scene3d>
+    <dgm:sp3d/>
+    <dgm:txPr/>
+    <dgm:style>
+      <a:lnRef idx="2">
+        <a:scrgbClr r="0" g="0" b="0"/>
+      </a:lnRef>
+      <a:fillRef idx="1">
+        <a:scrgbClr r="0" g="0" b="0"/>
+      </a:fillRef>
+      <a:effectRef idx="0">
+        <a:scrgbClr r="0" g="0" b="0"/>
+      </a:effectRef>
+      <a:fontRef idx="minor"/>
+    </dgm:style>
+  </dgm:styleLbl>
+  <dgm:styleLbl name="bgAccFollowNode1">
+    <dgm:scene3d>
+      <a:camera prst="orthographicFront"/>
+      <a:lightRig rig="threePt" dir="t"/>
+    </dgm:scene3d>
+    <dgm:sp3d/>
+    <dgm:txPr/>
+    <dgm:style>
+      <a:lnRef idx="2">
+        <a:scrgbClr r="0" g="0" b="0"/>
+      </a:lnRef>
+      <a:fillRef idx="1">
+        <a:scrgbClr r="0" g="0" b="0"/>
+      </a:fillRef>
+      <a:effectRef idx="0">
+        <a:scrgbClr r="0" g="0" b="0"/>
+      </a:effectRef>
+      <a:fontRef idx="minor"/>
+    </dgm:style>
+  </dgm:styleLbl>
+  <dgm:styleLbl name="fgAcc0">
+    <dgm:scene3d>
+      <a:camera prst="orthographicFront"/>
+      <a:lightRig rig="threePt" dir="t"/>
+    </dgm:scene3d>
+    <dgm:sp3d/>
+    <dgm:txPr/>
+    <dgm:style>
+      <a:lnRef idx="2">
+        <a:scrgbClr r="0" g="0" b="0"/>
+      </a:lnRef>
+      <a:fillRef idx="1">
+        <a:scrgbClr r="0" g="0" b="0"/>
+      </a:fillRef>
+      <a:effectRef idx="0">
+        <a:scrgbClr r="0" g="0" b="0"/>
+      </a:effectRef>
+      <a:fontRef idx="minor"/>
+    </dgm:style>
+  </dgm:styleLbl>
+  <dgm:styleLbl name="fgAcc2">
+    <dgm:scene3d>
+      <a:camera prst="orthographicFront"/>
+      <a:lightRig rig="threePt" dir="t"/>
+    </dgm:scene3d>
+    <dgm:sp3d/>
+    <dgm:txPr/>
+    <dgm:style>
+      <a:lnRef idx="2">
+        <a:scrgbClr r="0" g="0" b="0"/>
+      </a:lnRef>
+      <a:fillRef idx="1">
+        <a:scrgbClr r="0" g="0" b="0"/>
+      </a:fillRef>
+      <a:effectRef idx="0">
+        <a:scrgbClr r="0" g="0" b="0"/>
+      </a:effectRef>
+      <a:fontRef idx="minor"/>
+    </dgm:style>
+  </dgm:styleLbl>
+  <dgm:styleLbl name="fgAcc3">
+    <dgm:scene3d>
+      <a:camera prst="orthographicFront"/>
+      <a:lightRig rig="threePt" dir="t"/>
+    </dgm:scene3d>
+    <dgm:sp3d/>
+    <dgm:txPr/>
+    <dgm:style>
+      <a:lnRef idx="2">
+        <a:scrgbClr r="0" g="0" b="0"/>
+      </a:lnRef>
+      <a:fillRef idx="1">
+        <a:scrgbClr r="0" g="0" b="0"/>
+      </a:fillRef>
+      <a:effectRef idx="0">
+        <a:scrgbClr r="0" g="0" b="0"/>
+      </a:effectRef>
+      <a:fontRef idx="minor"/>
+    </dgm:style>
+  </dgm:styleLbl>
+  <dgm:styleLbl name="fgAcc4">
+    <dgm:scene3d>
+      <a:camera prst="orthographicFront"/>
+      <a:lightRig rig="threePt" dir="t"/>
+    </dgm:scene3d>
+    <dgm:sp3d/>
+    <dgm:txPr/>
+    <dgm:style>
+      <a:lnRef idx="2">
+        <a:scrgbClr r="0" g="0" b="0"/>
+      </a:lnRef>
+      <a:fillRef idx="1">
+        <a:scrgbClr r="0" g="0" b="0"/>
+      </a:fillRef>
+      <a:effectRef idx="0">
+        <a:scrgbClr r="0" g="0" b="0"/>
+      </a:effectRef>
+      <a:fontRef idx="minor"/>
+    </dgm:style>
+  </dgm:styleLbl>
+  <dgm:styleLbl name="bgShp">
+    <dgm:scene3d>
+      <a:camera prst="orthographicFront"/>
+      <a:lightRig rig="threePt" dir="t"/>
+    </dgm:scene3d>
+    <dgm:sp3d/>
+    <dgm:txPr/>
+    <dgm:style>
+      <a:lnRef idx="0">
+        <a:scrgbClr r="0" g="0" b="0"/>
+      </a:lnRef>
+      <a:fillRef idx="1">
+        <a:scrgbClr r="0" g="0" b="0"/>
+      </a:fillRef>
+      <a:effectRef idx="0">
+        <a:scrgbClr r="0" g="0" b="0"/>
+      </a:effectRef>
+      <a:fontRef idx="minor"/>
+    </dgm:style>
+  </dgm:styleLbl>
+  <dgm:styleLbl name="dkBgShp">
+    <dgm:scene3d>
+      <a:camera prst="orthographicFront"/>
+      <a:lightRig rig="threePt" dir="t"/>
+    </dgm:scene3d>
+    <dgm:sp3d/>
+    <dgm:txPr/>
+    <dgm:style>
+      <a:lnRef idx="0">
+        <a:scrgbClr r="0" g="0" b="0"/>
+      </a:lnRef>
+      <a:fillRef idx="1">
+        <a:scrgbClr r="0" g="0" b="0"/>
+      </a:fillRef>
+      <a:effectRef idx="0">
+        <a:scrgbClr r="0" g="0" b="0"/>
+      </a:effectRef>
+      <a:fontRef idx="minor"/>
+    </dgm:style>
+  </dgm:styleLbl>
+  <dgm:styleLbl name="trBgShp">
+    <dgm:scene3d>
+      <a:camera prst="orthographicFront"/>
+      <a:lightRig rig="threePt" dir="t"/>
+    </dgm:scene3d>
+    <dgm:sp3d/>
+    <dgm:txPr/>
+    <dgm:style>
+      <a:lnRef idx="0">
+        <a:scrgbClr r="0" g="0" b="0"/>
+      </a:lnRef>
+      <a:fillRef idx="1">
+        <a:scrgbClr r="0" g="0" b="0"/>
+      </a:fillRef>
+      <a:effectRef idx="0">
+        <a:scrgbClr r="0" g="0" b="0"/>
+      </a:effectRef>
+      <a:fontRef idx="minor"/>
+    </dgm:style>
+  </dgm:styleLbl>
+  <dgm:styleLbl name="fgShp">
+    <dgm:scene3d>
+      <a:camera prst="orthographicFront"/>
+      <a:lightRig rig="threePt" dir="t"/>
+    </dgm:scene3d>
+    <dgm:sp3d/>
+    <dgm:txPr/>
+    <dgm:style>
+      <a:lnRef idx="2">
+        <a:scrgbClr r="0" g="0" b="0"/>
+      </a:lnRef>
+      <a:fillRef idx="1">
+        <a:scrgbClr r="0" g="0" b="0"/>
+      </a:fillRef>
+      <a:effectRef idx="0">
+        <a:scrgbClr r="0" g="0" b="0"/>
+      </a:effectRef>
+      <a:fontRef idx="minor"/>
+    </dgm:style>
+  </dgm:styleLbl>
+  <dgm:styleLbl name="revTx">
+    <dgm:scene3d>
+      <a:camera prst="orthographicFront"/>
+      <a:lightRig rig="threePt" dir="t"/>
+    </dgm:scene3d>
+    <dgm:sp3d/>
+    <dgm:txPr/>
+    <dgm:style>
+      <a:lnRef idx="0">
+        <a:scrgbClr r="0" g="0" b="0"/>
+      </a:lnRef>
+      <a:fillRef idx="0">
+        <a:scrgbClr r="0" g="0" b="0"/>
+      </a:fillRef>
+      <a:effectRef idx="0">
+        <a:scrgbClr r="0" g="0" b="0"/>
+      </a:effectRef>
+      <a:fontRef idx="minor"/>
+    </dgm:style>
+  </dgm:styleLbl>
+</dgm:styleDef>
+</file>
+
+<file path=ppt/diagrams/quickStyle9.xml><?xml version="1.0" encoding="utf-8"?>
 <dgm:styleDef xmlns:dgm="http://schemas.openxmlformats.org/drawingml/2006/diagram" xmlns:a="http://schemas.openxmlformats.org/drawingml/2006/main" uniqueId="urn:microsoft.com/office/officeart/2005/8/quickstyle/simple1">
   <dgm:title val=""/>
   <dgm:desc val=""/>
@@ -23039,7 +25443,7 @@
           <a:p>
             <a:fld id="{48A87A34-81AB-432B-8DAE-1953F412C126}" type="datetimeFigureOut">
               <a:rPr lang="en-US" dirty="0"/>
-              <a:t>6/14/19</a:t>
+              <a:t>6/17/19</a:t>
             </a:fld>
             <a:endParaRPr lang="en-US" dirty="0"/>
           </a:p>
@@ -23241,7 +25645,7 @@
           <a:p>
             <a:fld id="{48A87A34-81AB-432B-8DAE-1953F412C126}" type="datetimeFigureOut">
               <a:rPr lang="en-US" dirty="0"/>
-              <a:t>6/14/19</a:t>
+              <a:t>6/17/19</a:t>
             </a:fld>
             <a:endParaRPr lang="en-US" dirty="0"/>
           </a:p>
@@ -23453,7 +25857,7 @@
           <a:p>
             <a:fld id="{48A87A34-81AB-432B-8DAE-1953F412C126}" type="datetimeFigureOut">
               <a:rPr lang="en-US" dirty="0"/>
-              <a:t>6/14/19</a:t>
+              <a:t>6/17/19</a:t>
             </a:fld>
             <a:endParaRPr lang="en-US" dirty="0"/>
           </a:p>
@@ -23655,7 +26059,7 @@
           <a:p>
             <a:fld id="{48A87A34-81AB-432B-8DAE-1953F412C126}" type="datetimeFigureOut">
               <a:rPr lang="en-US" dirty="0"/>
-              <a:t>6/14/19</a:t>
+              <a:t>6/17/19</a:t>
             </a:fld>
             <a:endParaRPr lang="en-US" dirty="0"/>
           </a:p>
@@ -23901,7 +26305,7 @@
           <a:p>
             <a:fld id="{48A87A34-81AB-432B-8DAE-1953F412C126}" type="datetimeFigureOut">
               <a:rPr lang="en-US" dirty="0"/>
-              <a:t>6/14/19</a:t>
+              <a:t>6/17/19</a:t>
             </a:fld>
             <a:endParaRPr lang="en-US" dirty="0"/>
           </a:p>
@@ -24197,7 +26601,7 @@
           <a:p>
             <a:fld id="{48A87A34-81AB-432B-8DAE-1953F412C126}" type="datetimeFigureOut">
               <a:rPr lang="en-US" dirty="0"/>
-              <a:t>6/14/19</a:t>
+              <a:t>6/17/19</a:t>
             </a:fld>
             <a:endParaRPr lang="en-US" dirty="0"/>
           </a:p>
@@ -24628,7 +27032,7 @@
           <a:p>
             <a:fld id="{48A87A34-81AB-432B-8DAE-1953F412C126}" type="datetimeFigureOut">
               <a:rPr lang="en-US" dirty="0"/>
-              <a:t>6/14/19</a:t>
+              <a:t>6/17/19</a:t>
             </a:fld>
             <a:endParaRPr lang="en-US" dirty="0"/>
           </a:p>
@@ -24746,7 +27150,7 @@
           <a:p>
             <a:fld id="{48A87A34-81AB-432B-8DAE-1953F412C126}" type="datetimeFigureOut">
               <a:rPr lang="en-US" dirty="0"/>
-              <a:t>6/14/19</a:t>
+              <a:t>6/17/19</a:t>
             </a:fld>
             <a:endParaRPr lang="en-US" dirty="0"/>
           </a:p>
@@ -24841,7 +27245,7 @@
           <a:p>
             <a:fld id="{48A87A34-81AB-432B-8DAE-1953F412C126}" type="datetimeFigureOut">
               <a:rPr lang="en-US" dirty="0"/>
-              <a:t>6/14/19</a:t>
+              <a:t>6/17/19</a:t>
             </a:fld>
             <a:endParaRPr lang="en-US" dirty="0"/>
           </a:p>
@@ -25150,7 +27554,7 @@
           <a:p>
             <a:fld id="{48A87A34-81AB-432B-8DAE-1953F412C126}" type="datetimeFigureOut">
               <a:rPr lang="en-US" dirty="0"/>
-              <a:t>6/14/19</a:t>
+              <a:t>6/17/19</a:t>
             </a:fld>
             <a:endParaRPr lang="en-US" dirty="0"/>
           </a:p>
@@ -25407,7 +27811,7 @@
           <a:p>
             <a:fld id="{48A87A34-81AB-432B-8DAE-1953F412C126}" type="datetimeFigureOut">
               <a:rPr lang="en-US" dirty="0"/>
-              <a:t>6/14/19</a:t>
+              <a:t>6/17/19</a:t>
             </a:fld>
             <a:endParaRPr lang="en-US" dirty="0"/>
           </a:p>
@@ -25653,7 +28057,7 @@
             <a:fld id="{48A87A34-81AB-432B-8DAE-1953F412C126}" type="datetimeFigureOut">
               <a:rPr lang="en-US" dirty="0"/>
               <a:pPr/>
-              <a:t>6/14/19</a:t>
+              <a:t>6/17/19</a:t>
             </a:fld>
             <a:endParaRPr lang="en-US" dirty="0"/>
           </a:p>
@@ -26871,7 +29275,7 @@
             <p:ph idx="1"/>
             <p:extLst>
               <p:ext uri="{D42A27DB-BD31-4B8C-83A1-F6EECF244321}">
-                <p14:modId xmlns:p14="http://schemas.microsoft.com/office/powerpoint/2010/main" val="2893612810"/>
+                <p14:modId xmlns:p14="http://schemas.microsoft.com/office/powerpoint/2010/main" val="399176957"/>
               </p:ext>
             </p:extLst>
           </p:nvPr>
@@ -27473,7 +29877,7 @@
             <p:ph idx="1"/>
             <p:extLst>
               <p:ext uri="{D42A27DB-BD31-4B8C-83A1-F6EECF244321}">
-                <p14:modId xmlns:p14="http://schemas.microsoft.com/office/powerpoint/2010/main" val="620056254"/>
+                <p14:modId xmlns:p14="http://schemas.microsoft.com/office/powerpoint/2010/main" val="1316492140"/>
               </p:ext>
             </p:extLst>
           </p:nvPr>
@@ -28205,7 +30609,7 @@
         </p:spPr>
         <p:txBody>
           <a:bodyPr>
-            <a:normAutofit/>
+            <a:normAutofit fontScale="90000"/>
           </a:bodyPr>
           <a:lstStyle/>
           <a:p>
@@ -28252,6 +30656,58 @@
               </a:rPr>
               <a:t>生成器</a:t>
             </a:r>
+            <a:br>
+              <a:rPr kumimoji="1" lang="en-US" altLang="ja-JP">
+                <a:solidFill>
+                  <a:srgbClr val="FFFFFF"/>
+                </a:solidFill>
+              </a:rPr>
+            </a:br>
+            <a:r>
+              <a:rPr kumimoji="1" lang="en-US" altLang="ja-JP">
+                <a:solidFill>
+                  <a:srgbClr val="FFFFFF"/>
+                </a:solidFill>
+              </a:rPr>
+              <a:t>(</a:t>
+            </a:r>
+            <a:r>
+              <a:rPr kumimoji="1" lang="ja-JP" altLang="en-US">
+                <a:solidFill>
+                  <a:srgbClr val="FFFFFF"/>
+                </a:solidFill>
+              </a:rPr>
+              <a:t>最小ケース</a:t>
+            </a:r>
+            <a:r>
+              <a:rPr kumimoji="1" lang="en-US" altLang="ja-JP">
+                <a:solidFill>
+                  <a:srgbClr val="FFFFFF"/>
+                </a:solidFill>
+              </a:rPr>
+              <a:t>,</a:t>
+            </a:r>
+            <a:r>
+              <a:rPr kumimoji="1" lang="ja-JP" altLang="en-US">
+                <a:solidFill>
+                  <a:srgbClr val="FFFFFF"/>
+                </a:solidFill>
+              </a:rPr>
+              <a:t> 最大ケース</a:t>
+            </a:r>
+            <a:r>
+              <a:rPr kumimoji="1" lang="en-US" altLang="ja-JP">
+                <a:solidFill>
+                  <a:srgbClr val="FFFFFF"/>
+                </a:solidFill>
+              </a:rPr>
+              <a:t>)</a:t>
+            </a:r>
+            <a:endParaRPr kumimoji="1" lang="ja-JP" altLang="en-US">
+              <a:solidFill>
+                <a:srgbClr val="FFFFFF"/>
+              </a:solidFill>
+            </a:endParaRPr>
           </a:p>
         </p:txBody>
       </p:sp>
@@ -28271,7 +30727,7 @@
             <p:ph idx="1"/>
             <p:extLst>
               <p:ext uri="{D42A27DB-BD31-4B8C-83A1-F6EECF244321}">
-                <p14:modId xmlns:p14="http://schemas.microsoft.com/office/powerpoint/2010/main" val="1281625015"/>
+                <p14:modId xmlns:p14="http://schemas.microsoft.com/office/powerpoint/2010/main" val="3784477992"/>
               </p:ext>
             </p:extLst>
           </p:nvPr>
@@ -28300,6 +30756,640 @@
 </file>
 
 <file path=ppt/slides/slide15.xml><?xml version="1.0" encoding="utf-8"?>
+<p:sld xmlns:a="http://schemas.openxmlformats.org/drawingml/2006/main" xmlns:r="http://schemas.openxmlformats.org/officeDocument/2006/relationships" xmlns:p="http://schemas.openxmlformats.org/presentationml/2006/main">
+  <p:cSld>
+    <p:bg>
+      <p:bgPr>
+        <a:solidFill>
+          <a:schemeClr val="bg1"/>
+        </a:solidFill>
+        <a:effectLst/>
+      </p:bgPr>
+    </p:bg>
+    <p:spTree>
+      <p:nvGrpSpPr>
+        <p:cNvPr id="1" name=""/>
+        <p:cNvGrpSpPr/>
+        <p:nvPr/>
+      </p:nvGrpSpPr>
+      <p:grpSpPr>
+        <a:xfrm>
+          <a:off x="0" y="0"/>
+          <a:ext cx="0" cy="0"/>
+          <a:chOff x="0" y="0"/>
+          <a:chExt cx="0" cy="0"/>
+        </a:xfrm>
+      </p:grpSpPr>
+      <p:sp>
+        <p:nvSpPr>
+          <p:cNvPr id="10" name="Freeform: Shape 9">
+            <a:extLst>
+              <a:ext uri="{FF2B5EF4-FFF2-40B4-BE49-F238E27FC236}">
+                <a16:creationId xmlns:a16="http://schemas.microsoft.com/office/drawing/2014/main" id="{46C2E80F-49A6-4372-B103-219D417A55ED}"/>
+              </a:ext>
+              <a:ext uri="{C183D7F6-B498-43B3-948B-1728B52AA6E4}">
+                <adec:decorative xmlns:adec="http://schemas.microsoft.com/office/drawing/2017/decorative" val="1"/>
+              </a:ext>
+            </a:extLst>
+          </p:cNvPr>
+          <p:cNvSpPr>
+            <a:spLocks noGrp="1" noRot="1" noChangeAspect="1" noMove="1" noResize="1" noEditPoints="1" noAdjustHandles="1" noChangeArrowheads="1" noChangeShapeType="1" noTextEdit="1"/>
+          </p:cNvSpPr>
+          <p:nvPr>
+            <p:extLst>
+              <p:ext uri="{386F3935-93C4-4BCD-93E2-E3B085C9AB24}">
+                <p16:designElem xmlns:p16="http://schemas.microsoft.com/office/powerpoint/2015/main" val="1"/>
+              </p:ext>
+            </p:extLst>
+          </p:nvPr>
+        </p:nvSpPr>
+        <p:spPr>
+          <a:xfrm>
+            <a:off x="484096" y="470925"/>
+            <a:ext cx="4381009" cy="5892104"/>
+          </a:xfrm>
+          <a:custGeom>
+            <a:avLst/>
+            <a:gdLst>
+              <a:gd name="connsiteX0" fmla="*/ 0 w 4381009"/>
+              <a:gd name="connsiteY0" fmla="*/ 0 h 5892104"/>
+              <a:gd name="connsiteX1" fmla="*/ 4157628 w 4381009"/>
+              <a:gd name="connsiteY1" fmla="*/ 0 h 5892104"/>
+              <a:gd name="connsiteX2" fmla="*/ 4169302 w 4381009"/>
+              <a:gd name="connsiteY2" fmla="*/ 68659 h 5892104"/>
+              <a:gd name="connsiteX3" fmla="*/ 4191571 w 4381009"/>
+              <a:gd name="connsiteY3" fmla="*/ 205472 h 5892104"/>
+              <a:gd name="connsiteX4" fmla="*/ 4213368 w 4381009"/>
+              <a:gd name="connsiteY4" fmla="*/ 342890 h 5892104"/>
+              <a:gd name="connsiteX5" fmla="*/ 4232030 w 4381009"/>
+              <a:gd name="connsiteY5" fmla="*/ 480913 h 5892104"/>
+              <a:gd name="connsiteX6" fmla="*/ 4250848 w 4381009"/>
+              <a:gd name="connsiteY6" fmla="*/ 618332 h 5892104"/>
+              <a:gd name="connsiteX7" fmla="*/ 4268412 w 4381009"/>
+              <a:gd name="connsiteY7" fmla="*/ 756355 h 5892104"/>
+              <a:gd name="connsiteX8" fmla="*/ 4283467 w 4381009"/>
+              <a:gd name="connsiteY8" fmla="*/ 892563 h 5892104"/>
+              <a:gd name="connsiteX9" fmla="*/ 4297737 w 4381009"/>
+              <a:gd name="connsiteY9" fmla="*/ 1030587 h 5892104"/>
+              <a:gd name="connsiteX10" fmla="*/ 4310754 w 4381009"/>
+              <a:gd name="connsiteY10" fmla="*/ 1168005 h 5892104"/>
+              <a:gd name="connsiteX11" fmla="*/ 4322045 w 4381009"/>
+              <a:gd name="connsiteY11" fmla="*/ 1303002 h 5892104"/>
+              <a:gd name="connsiteX12" fmla="*/ 4333336 w 4381009"/>
+              <a:gd name="connsiteY12" fmla="*/ 1439815 h 5892104"/>
+              <a:gd name="connsiteX13" fmla="*/ 4342745 w 4381009"/>
+              <a:gd name="connsiteY13" fmla="*/ 1574812 h 5892104"/>
+              <a:gd name="connsiteX14" fmla="*/ 4350115 w 4381009"/>
+              <a:gd name="connsiteY14" fmla="*/ 1709808 h 5892104"/>
+              <a:gd name="connsiteX15" fmla="*/ 4357799 w 4381009"/>
+              <a:gd name="connsiteY15" fmla="*/ 1844200 h 5892104"/>
+              <a:gd name="connsiteX16" fmla="*/ 4364229 w 4381009"/>
+              <a:gd name="connsiteY16" fmla="*/ 1977381 h 5892104"/>
+              <a:gd name="connsiteX17" fmla="*/ 4368777 w 4381009"/>
+              <a:gd name="connsiteY17" fmla="*/ 2109351 h 5892104"/>
+              <a:gd name="connsiteX18" fmla="*/ 4372697 w 4381009"/>
+              <a:gd name="connsiteY18" fmla="*/ 2241321 h 5892104"/>
+              <a:gd name="connsiteX19" fmla="*/ 4376461 w 4381009"/>
+              <a:gd name="connsiteY19" fmla="*/ 2372080 h 5892104"/>
+              <a:gd name="connsiteX20" fmla="*/ 4378186 w 4381009"/>
+              <a:gd name="connsiteY20" fmla="*/ 2501023 h 5892104"/>
+              <a:gd name="connsiteX21" fmla="*/ 4380068 w 4381009"/>
+              <a:gd name="connsiteY21" fmla="*/ 2629966 h 5892104"/>
+              <a:gd name="connsiteX22" fmla="*/ 4381009 w 4381009"/>
+              <a:gd name="connsiteY22" fmla="*/ 2757093 h 5892104"/>
+              <a:gd name="connsiteX23" fmla="*/ 4380068 w 4381009"/>
+              <a:gd name="connsiteY23" fmla="*/ 2883010 h 5892104"/>
+              <a:gd name="connsiteX24" fmla="*/ 4380068 w 4381009"/>
+              <a:gd name="connsiteY24" fmla="*/ 3007715 h 5892104"/>
+              <a:gd name="connsiteX25" fmla="*/ 4378186 w 4381009"/>
+              <a:gd name="connsiteY25" fmla="*/ 3131210 h 5892104"/>
+              <a:gd name="connsiteX26" fmla="*/ 4375363 w 4381009"/>
+              <a:gd name="connsiteY26" fmla="*/ 3252283 h 5892104"/>
+              <a:gd name="connsiteX27" fmla="*/ 4372697 w 4381009"/>
+              <a:gd name="connsiteY27" fmla="*/ 3372146 h 5892104"/>
+              <a:gd name="connsiteX28" fmla="*/ 4369718 w 4381009"/>
+              <a:gd name="connsiteY28" fmla="*/ 3489587 h 5892104"/>
+              <a:gd name="connsiteX29" fmla="*/ 4365170 w 4381009"/>
+              <a:gd name="connsiteY29" fmla="*/ 3606423 h 5892104"/>
+              <a:gd name="connsiteX30" fmla="*/ 4360309 w 4381009"/>
+              <a:gd name="connsiteY30" fmla="*/ 3721443 h 5892104"/>
+              <a:gd name="connsiteX31" fmla="*/ 4355918 w 4381009"/>
+              <a:gd name="connsiteY31" fmla="*/ 3834041 h 5892104"/>
+              <a:gd name="connsiteX32" fmla="*/ 4343529 w 4381009"/>
+              <a:gd name="connsiteY32" fmla="*/ 4053789 h 5892104"/>
+              <a:gd name="connsiteX33" fmla="*/ 4330356 w 4381009"/>
+              <a:gd name="connsiteY33" fmla="*/ 4264457 h 5892104"/>
+              <a:gd name="connsiteX34" fmla="*/ 4316556 w 4381009"/>
+              <a:gd name="connsiteY34" fmla="*/ 4466650 h 5892104"/>
+              <a:gd name="connsiteX35" fmla="*/ 4301344 w 4381009"/>
+              <a:gd name="connsiteY35" fmla="*/ 4657946 h 5892104"/>
+              <a:gd name="connsiteX36" fmla="*/ 4285506 w 4381009"/>
+              <a:gd name="connsiteY36" fmla="*/ 4840767 h 5892104"/>
+              <a:gd name="connsiteX37" fmla="*/ 4268412 w 4381009"/>
+              <a:gd name="connsiteY37" fmla="*/ 5010269 h 5892104"/>
+              <a:gd name="connsiteX38" fmla="*/ 4251633 w 4381009"/>
+              <a:gd name="connsiteY38" fmla="*/ 5169481 h 5892104"/>
+              <a:gd name="connsiteX39" fmla="*/ 4234853 w 4381009"/>
+              <a:gd name="connsiteY39" fmla="*/ 5315980 h 5892104"/>
+              <a:gd name="connsiteX40" fmla="*/ 4219014 w 4381009"/>
+              <a:gd name="connsiteY40" fmla="*/ 5450371 h 5892104"/>
+              <a:gd name="connsiteX41" fmla="*/ 4203959 w 4381009"/>
+              <a:gd name="connsiteY41" fmla="*/ 5569628 h 5892104"/>
+              <a:gd name="connsiteX42" fmla="*/ 4189689 w 4381009"/>
+              <a:gd name="connsiteY42" fmla="*/ 5677384 h 5892104"/>
+              <a:gd name="connsiteX43" fmla="*/ 4177770 w 4381009"/>
+              <a:gd name="connsiteY43" fmla="*/ 5768189 h 5892104"/>
+              <a:gd name="connsiteX44" fmla="*/ 4166479 w 4381009"/>
+              <a:gd name="connsiteY44" fmla="*/ 5844465 h 5892104"/>
+              <a:gd name="connsiteX45" fmla="*/ 4159132 w 4381009"/>
+              <a:gd name="connsiteY45" fmla="*/ 5892104 h 5892104"/>
+              <a:gd name="connsiteX46" fmla="*/ 0 w 4381009"/>
+              <a:gd name="connsiteY46" fmla="*/ 5892104 h 5892104"/>
+            </a:gdLst>
+            <a:ahLst/>
+            <a:cxnLst>
+              <a:cxn ang="0">
+                <a:pos x="connsiteX0" y="connsiteY0"/>
+              </a:cxn>
+              <a:cxn ang="0">
+                <a:pos x="connsiteX1" y="connsiteY1"/>
+              </a:cxn>
+              <a:cxn ang="0">
+                <a:pos x="connsiteX2" y="connsiteY2"/>
+              </a:cxn>
+              <a:cxn ang="0">
+                <a:pos x="connsiteX3" y="connsiteY3"/>
+              </a:cxn>
+              <a:cxn ang="0">
+                <a:pos x="connsiteX4" y="connsiteY4"/>
+              </a:cxn>
+              <a:cxn ang="0">
+                <a:pos x="connsiteX5" y="connsiteY5"/>
+              </a:cxn>
+              <a:cxn ang="0">
+                <a:pos x="connsiteX6" y="connsiteY6"/>
+              </a:cxn>
+              <a:cxn ang="0">
+                <a:pos x="connsiteX7" y="connsiteY7"/>
+              </a:cxn>
+              <a:cxn ang="0">
+                <a:pos x="connsiteX8" y="connsiteY8"/>
+              </a:cxn>
+              <a:cxn ang="0">
+                <a:pos x="connsiteX9" y="connsiteY9"/>
+              </a:cxn>
+              <a:cxn ang="0">
+                <a:pos x="connsiteX10" y="connsiteY10"/>
+              </a:cxn>
+              <a:cxn ang="0">
+                <a:pos x="connsiteX11" y="connsiteY11"/>
+              </a:cxn>
+              <a:cxn ang="0">
+                <a:pos x="connsiteX12" y="connsiteY12"/>
+              </a:cxn>
+              <a:cxn ang="0">
+                <a:pos x="connsiteX13" y="connsiteY13"/>
+              </a:cxn>
+              <a:cxn ang="0">
+                <a:pos x="connsiteX14" y="connsiteY14"/>
+              </a:cxn>
+              <a:cxn ang="0">
+                <a:pos x="connsiteX15" y="connsiteY15"/>
+              </a:cxn>
+              <a:cxn ang="0">
+                <a:pos x="connsiteX16" y="connsiteY16"/>
+              </a:cxn>
+              <a:cxn ang="0">
+                <a:pos x="connsiteX17" y="connsiteY17"/>
+              </a:cxn>
+              <a:cxn ang="0">
+                <a:pos x="connsiteX18" y="connsiteY18"/>
+              </a:cxn>
+              <a:cxn ang="0">
+                <a:pos x="connsiteX19" y="connsiteY19"/>
+              </a:cxn>
+              <a:cxn ang="0">
+                <a:pos x="connsiteX20" y="connsiteY20"/>
+              </a:cxn>
+              <a:cxn ang="0">
+                <a:pos x="connsiteX21" y="connsiteY21"/>
+              </a:cxn>
+              <a:cxn ang="0">
+                <a:pos x="connsiteX22" y="connsiteY22"/>
+              </a:cxn>
+              <a:cxn ang="0">
+                <a:pos x="connsiteX23" y="connsiteY23"/>
+              </a:cxn>
+              <a:cxn ang="0">
+                <a:pos x="connsiteX24" y="connsiteY24"/>
+              </a:cxn>
+              <a:cxn ang="0">
+                <a:pos x="connsiteX25" y="connsiteY25"/>
+              </a:cxn>
+              <a:cxn ang="0">
+                <a:pos x="connsiteX26" y="connsiteY26"/>
+              </a:cxn>
+              <a:cxn ang="0">
+                <a:pos x="connsiteX27" y="connsiteY27"/>
+              </a:cxn>
+              <a:cxn ang="0">
+                <a:pos x="connsiteX28" y="connsiteY28"/>
+              </a:cxn>
+              <a:cxn ang="0">
+                <a:pos x="connsiteX29" y="connsiteY29"/>
+              </a:cxn>
+              <a:cxn ang="0">
+                <a:pos x="connsiteX30" y="connsiteY30"/>
+              </a:cxn>
+              <a:cxn ang="0">
+                <a:pos x="connsiteX31" y="connsiteY31"/>
+              </a:cxn>
+              <a:cxn ang="0">
+                <a:pos x="connsiteX32" y="connsiteY32"/>
+              </a:cxn>
+              <a:cxn ang="0">
+                <a:pos x="connsiteX33" y="connsiteY33"/>
+              </a:cxn>
+              <a:cxn ang="0">
+                <a:pos x="connsiteX34" y="connsiteY34"/>
+              </a:cxn>
+              <a:cxn ang="0">
+                <a:pos x="connsiteX35" y="connsiteY35"/>
+              </a:cxn>
+              <a:cxn ang="0">
+                <a:pos x="connsiteX36" y="connsiteY36"/>
+              </a:cxn>
+              <a:cxn ang="0">
+                <a:pos x="connsiteX37" y="connsiteY37"/>
+              </a:cxn>
+              <a:cxn ang="0">
+                <a:pos x="connsiteX38" y="connsiteY38"/>
+              </a:cxn>
+              <a:cxn ang="0">
+                <a:pos x="connsiteX39" y="connsiteY39"/>
+              </a:cxn>
+              <a:cxn ang="0">
+                <a:pos x="connsiteX40" y="connsiteY40"/>
+              </a:cxn>
+              <a:cxn ang="0">
+                <a:pos x="connsiteX41" y="connsiteY41"/>
+              </a:cxn>
+              <a:cxn ang="0">
+                <a:pos x="connsiteX42" y="connsiteY42"/>
+              </a:cxn>
+              <a:cxn ang="0">
+                <a:pos x="connsiteX43" y="connsiteY43"/>
+              </a:cxn>
+              <a:cxn ang="0">
+                <a:pos x="connsiteX44" y="connsiteY44"/>
+              </a:cxn>
+              <a:cxn ang="0">
+                <a:pos x="connsiteX45" y="connsiteY45"/>
+              </a:cxn>
+              <a:cxn ang="0">
+                <a:pos x="connsiteX46" y="connsiteY46"/>
+              </a:cxn>
+            </a:cxnLst>
+            <a:rect l="l" t="t" r="r" b="b"/>
+            <a:pathLst>
+              <a:path w="4381009" h="5892104">
+                <a:moveTo>
+                  <a:pt x="0" y="0"/>
+                </a:moveTo>
+                <a:lnTo>
+                  <a:pt x="4157628" y="0"/>
+                </a:lnTo>
+                <a:lnTo>
+                  <a:pt x="4169302" y="68659"/>
+                </a:lnTo>
+                <a:lnTo>
+                  <a:pt x="4191571" y="205472"/>
+                </a:lnTo>
+                <a:lnTo>
+                  <a:pt x="4213368" y="342890"/>
+                </a:lnTo>
+                <a:lnTo>
+                  <a:pt x="4232030" y="480913"/>
+                </a:lnTo>
+                <a:lnTo>
+                  <a:pt x="4250848" y="618332"/>
+                </a:lnTo>
+                <a:lnTo>
+                  <a:pt x="4268412" y="756355"/>
+                </a:lnTo>
+                <a:lnTo>
+                  <a:pt x="4283467" y="892563"/>
+                </a:lnTo>
+                <a:lnTo>
+                  <a:pt x="4297737" y="1030587"/>
+                </a:lnTo>
+                <a:lnTo>
+                  <a:pt x="4310754" y="1168005"/>
+                </a:lnTo>
+                <a:lnTo>
+                  <a:pt x="4322045" y="1303002"/>
+                </a:lnTo>
+                <a:lnTo>
+                  <a:pt x="4333336" y="1439815"/>
+                </a:lnTo>
+                <a:lnTo>
+                  <a:pt x="4342745" y="1574812"/>
+                </a:lnTo>
+                <a:lnTo>
+                  <a:pt x="4350115" y="1709808"/>
+                </a:lnTo>
+                <a:lnTo>
+                  <a:pt x="4357799" y="1844200"/>
+                </a:lnTo>
+                <a:lnTo>
+                  <a:pt x="4364229" y="1977381"/>
+                </a:lnTo>
+                <a:lnTo>
+                  <a:pt x="4368777" y="2109351"/>
+                </a:lnTo>
+                <a:lnTo>
+                  <a:pt x="4372697" y="2241321"/>
+                </a:lnTo>
+                <a:lnTo>
+                  <a:pt x="4376461" y="2372080"/>
+                </a:lnTo>
+                <a:lnTo>
+                  <a:pt x="4378186" y="2501023"/>
+                </a:lnTo>
+                <a:lnTo>
+                  <a:pt x="4380068" y="2629966"/>
+                </a:lnTo>
+                <a:lnTo>
+                  <a:pt x="4381009" y="2757093"/>
+                </a:lnTo>
+                <a:lnTo>
+                  <a:pt x="4380068" y="2883010"/>
+                </a:lnTo>
+                <a:lnTo>
+                  <a:pt x="4380068" y="3007715"/>
+                </a:lnTo>
+                <a:lnTo>
+                  <a:pt x="4378186" y="3131210"/>
+                </a:lnTo>
+                <a:lnTo>
+                  <a:pt x="4375363" y="3252283"/>
+                </a:lnTo>
+                <a:lnTo>
+                  <a:pt x="4372697" y="3372146"/>
+                </a:lnTo>
+                <a:lnTo>
+                  <a:pt x="4369718" y="3489587"/>
+                </a:lnTo>
+                <a:lnTo>
+                  <a:pt x="4365170" y="3606423"/>
+                </a:lnTo>
+                <a:lnTo>
+                  <a:pt x="4360309" y="3721443"/>
+                </a:lnTo>
+                <a:lnTo>
+                  <a:pt x="4355918" y="3834041"/>
+                </a:lnTo>
+                <a:lnTo>
+                  <a:pt x="4343529" y="4053789"/>
+                </a:lnTo>
+                <a:lnTo>
+                  <a:pt x="4330356" y="4264457"/>
+                </a:lnTo>
+                <a:lnTo>
+                  <a:pt x="4316556" y="4466650"/>
+                </a:lnTo>
+                <a:lnTo>
+                  <a:pt x="4301344" y="4657946"/>
+                </a:lnTo>
+                <a:lnTo>
+                  <a:pt x="4285506" y="4840767"/>
+                </a:lnTo>
+                <a:lnTo>
+                  <a:pt x="4268412" y="5010269"/>
+                </a:lnTo>
+                <a:lnTo>
+                  <a:pt x="4251633" y="5169481"/>
+                </a:lnTo>
+                <a:lnTo>
+                  <a:pt x="4234853" y="5315980"/>
+                </a:lnTo>
+                <a:lnTo>
+                  <a:pt x="4219014" y="5450371"/>
+                </a:lnTo>
+                <a:lnTo>
+                  <a:pt x="4203959" y="5569628"/>
+                </a:lnTo>
+                <a:lnTo>
+                  <a:pt x="4189689" y="5677384"/>
+                </a:lnTo>
+                <a:lnTo>
+                  <a:pt x="4177770" y="5768189"/>
+                </a:lnTo>
+                <a:lnTo>
+                  <a:pt x="4166479" y="5844465"/>
+                </a:lnTo>
+                <a:lnTo>
+                  <a:pt x="4159132" y="5892104"/>
+                </a:lnTo>
+                <a:lnTo>
+                  <a:pt x="0" y="5892104"/>
+                </a:lnTo>
+                <a:close/>
+              </a:path>
+            </a:pathLst>
+          </a:custGeom>
+          <a:solidFill>
+            <a:srgbClr val="404040"/>
+          </a:solidFill>
+          <a:ln>
+            <a:noFill/>
+          </a:ln>
+        </p:spPr>
+        <p:style>
+          <a:lnRef idx="2">
+            <a:schemeClr val="accent1">
+              <a:shade val="50000"/>
+            </a:schemeClr>
+          </a:lnRef>
+          <a:fillRef idx="1">
+            <a:schemeClr val="accent1"/>
+          </a:fillRef>
+          <a:effectRef idx="0">
+            <a:schemeClr val="accent1"/>
+          </a:effectRef>
+          <a:fontRef idx="minor">
+            <a:schemeClr val="lt1"/>
+          </a:fontRef>
+        </p:style>
+        <p:txBody>
+          <a:bodyPr wrap="square" rtlCol="0" anchor="ctr">
+            <a:noAutofit/>
+          </a:bodyPr>
+          <a:lstStyle/>
+          <a:p>
+            <a:pPr marL="0" marR="0" lvl="0" indent="0" algn="ctr" defTabSz="457200" rtl="0" eaLnBrk="1" fontAlgn="auto" latinLnBrk="0" hangingPunct="1">
+              <a:lnSpc>
+                <a:spcPct val="100000"/>
+              </a:lnSpc>
+              <a:spcBef>
+                <a:spcPts val="0"/>
+              </a:spcBef>
+              <a:spcAft>
+                <a:spcPts val="0"/>
+              </a:spcAft>
+              <a:buClrTx/>
+              <a:buSzTx/>
+              <a:buFontTx/>
+              <a:buNone/>
+              <a:tabLst/>
+              <a:defRPr/>
+            </a:pPr>
+            <a:endParaRPr kumimoji="0" lang="en-US" sz="1800" b="0" i="0" u="none" strike="noStrike" kern="1200" cap="none" spc="0" normalizeH="0" baseline="0" noProof="0">
+              <a:ln>
+                <a:noFill/>
+              </a:ln>
+              <a:solidFill>
+                <a:prstClr val="white"/>
+              </a:solidFill>
+              <a:effectLst/>
+              <a:uLnTx/>
+              <a:uFillTx/>
+              <a:latin typeface="Calibri" panose="020F0502020204030204"/>
+              <a:ea typeface="+mn-ea"/>
+              <a:cs typeface="+mn-cs"/>
+            </a:endParaRPr>
+          </a:p>
+        </p:txBody>
+      </p:sp>
+      <p:sp>
+        <p:nvSpPr>
+          <p:cNvPr id="2" name="タイトル 1">
+            <a:extLst>
+              <a:ext uri="{FF2B5EF4-FFF2-40B4-BE49-F238E27FC236}">
+                <a16:creationId xmlns:a16="http://schemas.microsoft.com/office/drawing/2014/main" id="{18A9EC25-EF4C-C140-8E7C-0546E4AAD4F1}"/>
+              </a:ext>
+            </a:extLst>
+          </p:cNvPr>
+          <p:cNvSpPr>
+            <a:spLocks noGrp="1"/>
+          </p:cNvSpPr>
+          <p:nvPr>
+            <p:ph type="title"/>
+          </p:nvPr>
+        </p:nvSpPr>
+        <p:spPr>
+          <a:xfrm>
+            <a:off x="863029" y="1012004"/>
+            <a:ext cx="3416158" cy="4795408"/>
+          </a:xfrm>
+        </p:spPr>
+        <p:txBody>
+          <a:bodyPr>
+            <a:normAutofit/>
+          </a:bodyPr>
+          <a:lstStyle/>
+          <a:p>
+            <a:r>
+              <a:rPr lang="ja-JP" altLang="en-US">
+                <a:solidFill>
+                  <a:srgbClr val="FFFFFF"/>
+                </a:solidFill>
+              </a:rPr>
+              <a:t>テストケース</a:t>
+            </a:r>
+            <a:r>
+              <a:rPr lang="en-US" altLang="ja-JP">
+                <a:solidFill>
+                  <a:srgbClr val="FFFFFF"/>
+                </a:solidFill>
+              </a:rPr>
+              <a:t>(</a:t>
+            </a:r>
+            <a:r>
+              <a:rPr lang="ja-JP" altLang="en-US">
+                <a:solidFill>
+                  <a:srgbClr val="FFFFFF"/>
+                </a:solidFill>
+              </a:rPr>
+              <a:t>通常ケース</a:t>
+            </a:r>
+            <a:r>
+              <a:rPr lang="en-US" altLang="ja-JP">
+                <a:solidFill>
+                  <a:srgbClr val="FFFFFF"/>
+                </a:solidFill>
+              </a:rPr>
+              <a:t>,</a:t>
+            </a:r>
+            <a:r>
+              <a:rPr lang="ja-JP" altLang="en-US">
+                <a:solidFill>
+                  <a:srgbClr val="FFFFFF"/>
+                </a:solidFill>
+              </a:rPr>
+              <a:t> 特殊ケース</a:t>
+            </a:r>
+            <a:r>
+              <a:rPr lang="en-US" altLang="ja-JP">
+                <a:solidFill>
+                  <a:srgbClr val="FFFFFF"/>
+                </a:solidFill>
+              </a:rPr>
+              <a:t>)</a:t>
+            </a:r>
+            <a:endParaRPr kumimoji="1" lang="ja-JP" altLang="en-US">
+              <a:solidFill>
+                <a:srgbClr val="FFFFFF"/>
+              </a:solidFill>
+            </a:endParaRPr>
+          </a:p>
+        </p:txBody>
+      </p:sp>
+      <p:graphicFrame>
+        <p:nvGraphicFramePr>
+          <p:cNvPr id="5" name="コンテンツ プレースホルダー 2">
+            <a:extLst>
+              <a:ext uri="{FF2B5EF4-FFF2-40B4-BE49-F238E27FC236}">
+                <a16:creationId xmlns:a16="http://schemas.microsoft.com/office/drawing/2014/main" id="{CB518726-DEA7-4BC3-9059-26A44264D171}"/>
+              </a:ext>
+            </a:extLst>
+          </p:cNvPr>
+          <p:cNvGraphicFramePr>
+            <a:graphicFrameLocks noGrp="1"/>
+          </p:cNvGraphicFramePr>
+          <p:nvPr>
+            <p:ph idx="1"/>
+            <p:extLst>
+              <p:ext uri="{D42A27DB-BD31-4B8C-83A1-F6EECF244321}">
+                <p14:modId xmlns:p14="http://schemas.microsoft.com/office/powerpoint/2010/main" val="129939370"/>
+              </p:ext>
+            </p:extLst>
+          </p:nvPr>
+        </p:nvGraphicFramePr>
+        <p:xfrm>
+          <a:off x="5194300" y="470924"/>
+          <a:ext cx="6513604" cy="5885426"/>
+        </p:xfrm>
+        <a:graphic>
+          <a:graphicData uri="http://schemas.openxmlformats.org/drawingml/2006/diagram">
+            <dgm:relIds xmlns:dgm="http://schemas.openxmlformats.org/drawingml/2006/diagram" xmlns:r="http://schemas.openxmlformats.org/officeDocument/2006/relationships" r:dm="rId2" r:lo="rId3" r:qs="rId4" r:cs="rId5"/>
+          </a:graphicData>
+        </a:graphic>
+      </p:graphicFrame>
+    </p:spTree>
+    <p:extLst>
+      <p:ext uri="{BB962C8B-B14F-4D97-AF65-F5344CB8AC3E}">
+        <p14:creationId xmlns:p14="http://schemas.microsoft.com/office/powerpoint/2010/main" val="1774493533"/>
+      </p:ext>
+    </p:extLst>
+  </p:cSld>
+  <p:clrMapOvr>
+    <a:masterClrMapping/>
+  </p:clrMapOvr>
+</p:sld>
+</file>
+
+<file path=ppt/slides/slide16.xml><?xml version="1.0" encoding="utf-8"?>
 <p:sld xmlns:a="http://schemas.openxmlformats.org/drawingml/2006/main" xmlns:r="http://schemas.openxmlformats.org/officeDocument/2006/relationships" xmlns:p="http://schemas.openxmlformats.org/presentationml/2006/main">
   <p:cSld>
     <p:bg>
@@ -28654,7 +31744,7 @@
 </p:sld>
 </file>
 
-<file path=ppt/slides/slide16.xml><?xml version="1.0" encoding="utf-8"?>
+<file path=ppt/slides/slide17.xml><?xml version="1.0" encoding="utf-8"?>
 <p:sld xmlns:a="http://schemas.openxmlformats.org/drawingml/2006/main" xmlns:r="http://schemas.openxmlformats.org/officeDocument/2006/relationships" xmlns:p="http://schemas.openxmlformats.org/presentationml/2006/main">
   <p:cSld>
     <p:spTree>
@@ -28745,7 +31835,7 @@
 </p:sld>
 </file>
 
-<file path=ppt/slides/slide17.xml><?xml version="1.0" encoding="utf-8"?>
+<file path=ppt/slides/slide18.xml><?xml version="1.0" encoding="utf-8"?>
 <p:sld xmlns:a="http://schemas.openxmlformats.org/drawingml/2006/main" xmlns:r="http://schemas.openxmlformats.org/officeDocument/2006/relationships" xmlns:p="http://schemas.openxmlformats.org/presentationml/2006/main">
   <p:cSld>
     <p:spTree>
@@ -28821,11 +31911,85 @@
             </a:r>
             <a:r>
               <a:rPr lang="ja-JP" altLang="en-US"/>
-              <a:t> アルゴリズム</a:t>
+              <a:t> 小課題</a:t>
             </a:r>
             <a:r>
               <a:rPr lang="en-US" altLang="ja-JP"/>
-              <a:t>①</a:t>
+              <a:t>1~7</a:t>
+            </a:r>
+            <a:r>
+              <a:rPr lang="ja-JP" altLang="en-US"/>
+              <a:t>の主要なアルゴリズム</a:t>
+            </a:r>
+            <a:r>
+              <a:rPr lang="en-US" altLang="ja-JP"/>
+              <a:t>,</a:t>
+            </a:r>
+            <a:r>
+              <a:rPr lang="ja-JP" altLang="en-US"/>
+              <a:t> 制御部</a:t>
+            </a:r>
+            <a:r>
+              <a:rPr lang="en-US" altLang="ja-JP"/>
+              <a:t>,</a:t>
+            </a:r>
+            <a:r>
+              <a:rPr lang="ja-JP" altLang="en-US"/>
+              <a:t> ファイルからの入力</a:t>
+            </a:r>
+            <a:r>
+              <a:rPr lang="en-US" altLang="ja-JP"/>
+              <a:t>,</a:t>
+            </a:r>
+            <a:r>
+              <a:rPr lang="ja-JP" altLang="en-US"/>
+              <a:t> グラフ描写の実装と</a:t>
+            </a:r>
+            <a:r>
+              <a:rPr lang="en-US" altLang="ja-JP"/>
+              <a:t>,</a:t>
+            </a:r>
+            <a:r>
+              <a:rPr lang="ja-JP" altLang="en-US"/>
+              <a:t> ビルド用スクリプト</a:t>
+            </a:r>
+            <a:r>
+              <a:rPr lang="en-US" altLang="ja-JP"/>
+              <a:t>,</a:t>
+            </a:r>
+            <a:r>
+              <a:rPr lang="ja-JP" altLang="en-US"/>
+              <a:t> ドキュメント</a:t>
+            </a:r>
+            <a:r>
+              <a:rPr lang="en-US" altLang="ja-JP"/>
+              <a:t>,</a:t>
+            </a:r>
+            <a:r>
+              <a:rPr lang="ja-JP" altLang="en-US"/>
+              <a:t> 通常・最小・最大ケースのテストデータ生成</a:t>
+            </a:r>
+            <a:r>
+              <a:rPr lang="en-US" altLang="ja-JP"/>
+              <a:t>.</a:t>
+            </a:r>
+            <a:r>
+              <a:rPr lang="ja-JP" altLang="en-US"/>
+              <a:t> </a:t>
+            </a:r>
+            <a:endParaRPr lang="en-US" altLang="ja-JP"/>
+          </a:p>
+          <a:p>
+            <a:endParaRPr kumimoji="1" lang="en-US" altLang="ja-JP"/>
+          </a:p>
+          <a:p>
+            <a:r>
+              <a:rPr lang="ja-JP" altLang="en-US"/>
+              <a:t>越川</a:t>
+            </a:r>
+            <a:r>
+              <a:rPr lang="en-US" altLang="ja-JP"/>
+              <a:t>:</a:t>
             </a:r>
             <a:endParaRPr kumimoji="1" lang="ja-JP" altLang="en-US"/>
           </a:p>
@@ -28844,7 +32008,7 @@
 </p:sld>
 </file>
 
-<file path=ppt/slides/slide18.xml><?xml version="1.0" encoding="utf-8"?>
+<file path=ppt/slides/slide19.xml><?xml version="1.0" encoding="utf-8"?>
 <p:sld xmlns:a="http://schemas.openxmlformats.org/drawingml/2006/main" xmlns:r="http://schemas.openxmlformats.org/officeDocument/2006/relationships" xmlns:p="http://schemas.openxmlformats.org/presentationml/2006/main">
   <p:cSld>
     <p:spTree>
@@ -28920,7 +32084,40 @@
             </a:r>
             <a:r>
               <a:rPr lang="ja-JP" altLang="en-US"/>
-              <a:t>完成</a:t>
+              <a:t>完成とテストデータの準備</a:t>
+            </a:r>
+            <a:endParaRPr lang="en-US" altLang="ja-JP"/>
+          </a:p>
+          <a:p>
+            <a:r>
+              <a:rPr lang="ja-JP" altLang="en-US"/>
+              <a:t>小課題</a:t>
+            </a:r>
+            <a:r>
+              <a:rPr lang="en-US" altLang="ja-JP"/>
+              <a:t>3-6</a:t>
+            </a:r>
+            <a:r>
+              <a:rPr lang="ja-JP" altLang="en-US"/>
+              <a:t>の経路探索アルゴリズムの改善</a:t>
+            </a:r>
+            <a:r>
+              <a:rPr lang="en-US" altLang="ja-JP"/>
+              <a:t>(</a:t>
+            </a:r>
+            <a:r>
+              <a:rPr lang="ja-JP" altLang="en-US"/>
+              <a:t>現状だと最大入力のときに終了までものすごく時間がかかる</a:t>
+            </a:r>
+            <a:r>
+              <a:rPr lang="en-US" altLang="ja-JP"/>
+              <a:t>)</a:t>
+            </a:r>
+          </a:p>
+          <a:p>
+            <a:r>
+              <a:rPr lang="ja-JP" altLang="en-US"/>
+              <a:t>ドキュメントの完成</a:t>
             </a:r>
             <a:endParaRPr lang="en-US" altLang="ja-JP"/>
           </a:p>
@@ -32815,8 +36012,8 @@
             </a:fontRef>
           </p:style>
         </p:cxnSp>
-        <mc:AlternateContent xmlns:mc="http://schemas.openxmlformats.org/markup-compatibility/2006">
-          <mc:Choice xmlns:p14="http://schemas.microsoft.com/office/powerpoint/2010/main" Requires="p14">
+        <mc:AlternateContent xmlns:mc="http://schemas.openxmlformats.org/markup-compatibility/2006" xmlns:p14="http://schemas.microsoft.com/office/powerpoint/2010/main">
+          <mc:Choice Requires="p14">
             <p:contentPart p14:bwMode="auto" r:id="rId2">
               <p14:nvContentPartPr>
                 <p14:cNvPr id="37" name="インク 36">
@@ -32835,7 +36032,7 @@
               </p14:xfrm>
             </p:contentPart>
           </mc:Choice>
-          <mc:Fallback>
+          <mc:Fallback xmlns="">
             <p:pic>
               <p:nvPicPr>
                 <p:cNvPr id="37" name="インク 36">
@@ -33081,8 +36278,8 @@
               </a:p>
             </p:txBody>
           </p:sp>
-          <mc:AlternateContent xmlns:mc="http://schemas.openxmlformats.org/markup-compatibility/2006">
-            <mc:Choice xmlns:p14="http://schemas.microsoft.com/office/powerpoint/2010/main" Requires="p14">
+          <mc:AlternateContent xmlns:mc="http://schemas.openxmlformats.org/markup-compatibility/2006" xmlns:p14="http://schemas.microsoft.com/office/powerpoint/2010/main">
+            <mc:Choice Requires="p14">
               <p:contentPart p14:bwMode="auto" r:id="rId4">
                 <p14:nvContentPartPr>
                   <p14:cNvPr id="44" name="インク 43">
@@ -33101,7 +36298,7 @@
                 </p14:xfrm>
               </p:contentPart>
             </mc:Choice>
-            <mc:Fallback>
+            <mc:Fallback xmlns="">
               <p:pic>
                 <p:nvPicPr>
                   <p:cNvPr id="44" name="インク 43">
@@ -33132,8 +36329,8 @@
               </p:pic>
             </mc:Fallback>
           </mc:AlternateContent>
-          <mc:AlternateContent xmlns:mc="http://schemas.openxmlformats.org/markup-compatibility/2006">
-            <mc:Choice xmlns:p14="http://schemas.microsoft.com/office/powerpoint/2010/main" Requires="p14">
+          <mc:AlternateContent xmlns:mc="http://schemas.openxmlformats.org/markup-compatibility/2006" xmlns:p14="http://schemas.microsoft.com/office/powerpoint/2010/main">
+            <mc:Choice Requires="p14">
               <p:contentPart p14:bwMode="auto" r:id="rId6">
                 <p14:nvContentPartPr>
                   <p14:cNvPr id="45" name="インク 44">
@@ -33152,7 +36349,7 @@
                 </p14:xfrm>
               </p:contentPart>
             </mc:Choice>
-            <mc:Fallback>
+            <mc:Fallback xmlns="">
               <p:pic>
                 <p:nvPicPr>
                   <p:cNvPr id="45" name="インク 44">
@@ -33183,8 +36380,8 @@
               </p:pic>
             </mc:Fallback>
           </mc:AlternateContent>
-          <mc:AlternateContent xmlns:mc="http://schemas.openxmlformats.org/markup-compatibility/2006">
-            <mc:Choice xmlns:p14="http://schemas.microsoft.com/office/powerpoint/2010/main" Requires="p14">
+          <mc:AlternateContent xmlns:mc="http://schemas.openxmlformats.org/markup-compatibility/2006" xmlns:p14="http://schemas.microsoft.com/office/powerpoint/2010/main">
+            <mc:Choice Requires="p14">
               <p:contentPart p14:bwMode="auto" r:id="rId8">
                 <p14:nvContentPartPr>
                   <p14:cNvPr id="47" name="インク 46">
@@ -33203,7 +36400,7 @@
                 </p14:xfrm>
               </p:contentPart>
             </mc:Choice>
-            <mc:Fallback>
+            <mc:Fallback xmlns="">
               <p:pic>
                 <p:nvPicPr>
                   <p:cNvPr id="47" name="インク 46">
@@ -33234,8 +36431,8 @@
               </p:pic>
             </mc:Fallback>
           </mc:AlternateContent>
-          <mc:AlternateContent xmlns:mc="http://schemas.openxmlformats.org/markup-compatibility/2006">
-            <mc:Choice xmlns:p14="http://schemas.microsoft.com/office/powerpoint/2010/main" Requires="p14">
+          <mc:AlternateContent xmlns:mc="http://schemas.openxmlformats.org/markup-compatibility/2006" xmlns:p14="http://schemas.microsoft.com/office/powerpoint/2010/main">
+            <mc:Choice Requires="p14">
               <p:contentPart p14:bwMode="auto" r:id="rId10">
                 <p14:nvContentPartPr>
                   <p14:cNvPr id="50" name="インク 49">
@@ -33254,7 +36451,7 @@
                 </p14:xfrm>
               </p:contentPart>
             </mc:Choice>
-            <mc:Fallback>
+            <mc:Fallback xmlns="">
               <p:pic>
                 <p:nvPicPr>
                   <p:cNvPr id="50" name="インク 49">
@@ -33285,8 +36482,8 @@
               </p:pic>
             </mc:Fallback>
           </mc:AlternateContent>
-          <mc:AlternateContent xmlns:mc="http://schemas.openxmlformats.org/markup-compatibility/2006">
-            <mc:Choice xmlns:p14="http://schemas.microsoft.com/office/powerpoint/2010/main" Requires="p14">
+          <mc:AlternateContent xmlns:mc="http://schemas.openxmlformats.org/markup-compatibility/2006" xmlns:p14="http://schemas.microsoft.com/office/powerpoint/2010/main">
+            <mc:Choice Requires="p14">
               <p:contentPart p14:bwMode="auto" r:id="rId12">
                 <p14:nvContentPartPr>
                   <p14:cNvPr id="51" name="インク 50">
@@ -33305,7 +36502,7 @@
                 </p14:xfrm>
               </p:contentPart>
             </mc:Choice>
-            <mc:Fallback>
+            <mc:Fallback xmlns="">
               <p:pic>
                 <p:nvPicPr>
                   <p:cNvPr id="51" name="インク 50">

--- a/Reports/Midterm.pptx
+++ b/Reports/Midterm.pptx
@@ -4,6 +4,9 @@
   <p:sldMasterIdLst>
     <p:sldMasterId id="2147483693" r:id="rId1"/>
   </p:sldMasterIdLst>
+  <p:notesMasterIdLst>
+    <p:notesMasterId r:id="rId20"/>
+  </p:notesMasterIdLst>
   <p:sldIdLst>
     <p:sldId id="256" r:id="rId2"/>
     <p:sldId id="257" r:id="rId3"/>
@@ -13,17 +16,16 @@
     <p:sldId id="273" r:id="rId7"/>
     <p:sldId id="272" r:id="rId8"/>
     <p:sldId id="266" r:id="rId9"/>
-    <p:sldId id="274" r:id="rId10"/>
-    <p:sldId id="267" r:id="rId11"/>
-    <p:sldId id="270" r:id="rId12"/>
-    <p:sldId id="268" r:id="rId13"/>
-    <p:sldId id="261" r:id="rId14"/>
-    <p:sldId id="262" r:id="rId15"/>
-    <p:sldId id="275" r:id="rId16"/>
-    <p:sldId id="271" r:id="rId17"/>
-    <p:sldId id="263" r:id="rId18"/>
-    <p:sldId id="264" r:id="rId19"/>
-    <p:sldId id="265" r:id="rId20"/>
+    <p:sldId id="267" r:id="rId10"/>
+    <p:sldId id="270" r:id="rId11"/>
+    <p:sldId id="268" r:id="rId12"/>
+    <p:sldId id="261" r:id="rId13"/>
+    <p:sldId id="262" r:id="rId14"/>
+    <p:sldId id="275" r:id="rId15"/>
+    <p:sldId id="271" r:id="rId16"/>
+    <p:sldId id="263" r:id="rId17"/>
+    <p:sldId id="264" r:id="rId18"/>
+    <p:sldId id="265" r:id="rId19"/>
   </p:sldIdLst>
   <p:sldSz cx="12192000" cy="6858000"/>
   <p:notesSz cx="6858000" cy="9144000"/>
@@ -3672,6 +3674,788 @@
 </file>
 
 <file path=ppt/diagrams/colors5.xml><?xml version="1.0" encoding="utf-8"?>
+<dgm:colorsDef xmlns:dgm="http://schemas.openxmlformats.org/drawingml/2006/diagram" xmlns:a="http://schemas.openxmlformats.org/drawingml/2006/main" uniqueId="urn:microsoft.com/office/officeart/2005/8/colors/colorful5">
+  <dgm:title val=""/>
+  <dgm:desc val=""/>
+  <dgm:catLst>
+    <dgm:cat type="colorful" pri="10500"/>
+  </dgm:catLst>
+  <dgm:styleLbl name="node0">
+    <dgm:fillClrLst meth="repeat">
+      <a:schemeClr val="accent4"/>
+    </dgm:fillClrLst>
+    <dgm:linClrLst meth="repeat">
+      <a:schemeClr val="lt1"/>
+    </dgm:linClrLst>
+    <dgm:effectClrLst/>
+    <dgm:txLinClrLst/>
+    <dgm:txFillClrLst/>
+    <dgm:txEffectClrLst/>
+  </dgm:styleLbl>
+  <dgm:styleLbl name="node1">
+    <dgm:fillClrLst>
+      <a:schemeClr val="accent5"/>
+      <a:schemeClr val="accent6"/>
+    </dgm:fillClrLst>
+    <dgm:linClrLst meth="repeat">
+      <a:schemeClr val="lt1"/>
+    </dgm:linClrLst>
+    <dgm:effectClrLst/>
+    <dgm:txLinClrLst/>
+    <dgm:txFillClrLst/>
+    <dgm:txEffectClrLst/>
+  </dgm:styleLbl>
+  <dgm:styleLbl name="alignNode1">
+    <dgm:fillClrLst>
+      <a:schemeClr val="accent5"/>
+      <a:schemeClr val="accent6"/>
+    </dgm:fillClrLst>
+    <dgm:linClrLst>
+      <a:schemeClr val="accent5"/>
+      <a:schemeClr val="accent6"/>
+    </dgm:linClrLst>
+    <dgm:effectClrLst/>
+    <dgm:txLinClrLst/>
+    <dgm:txFillClrLst/>
+    <dgm:txEffectClrLst/>
+  </dgm:styleLbl>
+  <dgm:styleLbl name="lnNode1">
+    <dgm:fillClrLst>
+      <a:schemeClr val="accent5"/>
+      <a:schemeClr val="accent6"/>
+    </dgm:fillClrLst>
+    <dgm:linClrLst meth="repeat">
+      <a:schemeClr val="lt1"/>
+    </dgm:linClrLst>
+    <dgm:effectClrLst/>
+    <dgm:txLinClrLst/>
+    <dgm:txFillClrLst/>
+    <dgm:txEffectClrLst/>
+  </dgm:styleLbl>
+  <dgm:styleLbl name="vennNode1">
+    <dgm:fillClrLst>
+      <a:schemeClr val="accent5">
+        <a:alpha val="50000"/>
+      </a:schemeClr>
+      <a:schemeClr val="accent6">
+        <a:alpha val="50000"/>
+      </a:schemeClr>
+    </dgm:fillClrLst>
+    <dgm:linClrLst meth="repeat">
+      <a:schemeClr val="lt1"/>
+    </dgm:linClrLst>
+    <dgm:effectClrLst/>
+    <dgm:txLinClrLst/>
+    <dgm:txFillClrLst/>
+    <dgm:txEffectClrLst/>
+  </dgm:styleLbl>
+  <dgm:styleLbl name="node2">
+    <dgm:fillClrLst>
+      <a:schemeClr val="accent6"/>
+    </dgm:fillClrLst>
+    <dgm:linClrLst meth="repeat">
+      <a:schemeClr val="lt1"/>
+    </dgm:linClrLst>
+    <dgm:effectClrLst/>
+    <dgm:txLinClrLst/>
+    <dgm:txFillClrLst/>
+    <dgm:txEffectClrLst/>
+  </dgm:styleLbl>
+  <dgm:styleLbl name="node3">
+    <dgm:fillClrLst>
+      <a:schemeClr val="accent1"/>
+    </dgm:fillClrLst>
+    <dgm:linClrLst meth="repeat">
+      <a:schemeClr val="lt1"/>
+    </dgm:linClrLst>
+    <dgm:effectClrLst/>
+    <dgm:txLinClrLst/>
+    <dgm:txFillClrLst/>
+    <dgm:txEffectClrLst/>
+  </dgm:styleLbl>
+  <dgm:styleLbl name="node4">
+    <dgm:fillClrLst>
+      <a:schemeClr val="accent2"/>
+    </dgm:fillClrLst>
+    <dgm:linClrLst meth="repeat">
+      <a:schemeClr val="lt1"/>
+    </dgm:linClrLst>
+    <dgm:effectClrLst/>
+    <dgm:txLinClrLst/>
+    <dgm:txFillClrLst/>
+    <dgm:txEffectClrLst/>
+  </dgm:styleLbl>
+  <dgm:styleLbl name="fgImgPlace1">
+    <dgm:fillClrLst>
+      <a:schemeClr val="accent5">
+        <a:tint val="50000"/>
+      </a:schemeClr>
+      <a:schemeClr val="accent6">
+        <a:tint val="50000"/>
+      </a:schemeClr>
+    </dgm:fillClrLst>
+    <dgm:linClrLst meth="repeat">
+      <a:schemeClr val="lt1"/>
+    </dgm:linClrLst>
+    <dgm:effectClrLst/>
+    <dgm:txLinClrLst/>
+    <dgm:txFillClrLst meth="repeat">
+      <a:schemeClr val="lt1"/>
+    </dgm:txFillClrLst>
+    <dgm:txEffectClrLst/>
+  </dgm:styleLbl>
+  <dgm:styleLbl name="alignImgPlace1">
+    <dgm:fillClrLst>
+      <a:schemeClr val="accent5">
+        <a:tint val="50000"/>
+      </a:schemeClr>
+      <a:schemeClr val="accent6">
+        <a:tint val="20000"/>
+      </a:schemeClr>
+    </dgm:fillClrLst>
+    <dgm:linClrLst meth="repeat">
+      <a:schemeClr val="lt1"/>
+    </dgm:linClrLst>
+    <dgm:effectClrLst/>
+    <dgm:txLinClrLst/>
+    <dgm:txFillClrLst meth="repeat">
+      <a:schemeClr val="lt1"/>
+    </dgm:txFillClrLst>
+    <dgm:txEffectClrLst/>
+  </dgm:styleLbl>
+  <dgm:styleLbl name="bgImgPlace1">
+    <dgm:fillClrLst>
+      <a:schemeClr val="accent5">
+        <a:tint val="50000"/>
+      </a:schemeClr>
+      <a:schemeClr val="accent6">
+        <a:tint val="20000"/>
+      </a:schemeClr>
+    </dgm:fillClrLst>
+    <dgm:linClrLst meth="repeat">
+      <a:schemeClr val="lt1"/>
+    </dgm:linClrLst>
+    <dgm:effectClrLst/>
+    <dgm:txLinClrLst/>
+    <dgm:txFillClrLst meth="repeat">
+      <a:schemeClr val="lt1"/>
+    </dgm:txFillClrLst>
+    <dgm:txEffectClrLst/>
+  </dgm:styleLbl>
+  <dgm:styleLbl name="sibTrans2D1">
+    <dgm:fillClrLst>
+      <a:schemeClr val="accent5"/>
+      <a:schemeClr val="accent6"/>
+    </dgm:fillClrLst>
+    <dgm:linClrLst meth="repeat">
+      <a:schemeClr val="lt1"/>
+    </dgm:linClrLst>
+    <dgm:effectClrLst/>
+    <dgm:txLinClrLst/>
+    <dgm:txFillClrLst/>
+    <dgm:txEffectClrLst/>
+  </dgm:styleLbl>
+  <dgm:styleLbl name="fgSibTrans2D1">
+    <dgm:fillClrLst>
+      <a:schemeClr val="accent5"/>
+      <a:schemeClr val="accent6"/>
+    </dgm:fillClrLst>
+    <dgm:linClrLst meth="repeat">
+      <a:schemeClr val="lt1"/>
+    </dgm:linClrLst>
+    <dgm:effectClrLst/>
+    <dgm:txLinClrLst/>
+    <dgm:txFillClrLst meth="repeat">
+      <a:schemeClr val="lt1"/>
+    </dgm:txFillClrLst>
+    <dgm:txEffectClrLst/>
+  </dgm:styleLbl>
+  <dgm:styleLbl name="bgSibTrans2D1">
+    <dgm:fillClrLst>
+      <a:schemeClr val="accent5"/>
+      <a:schemeClr val="accent6"/>
+    </dgm:fillClrLst>
+    <dgm:linClrLst meth="repeat">
+      <a:schemeClr val="lt1"/>
+    </dgm:linClrLst>
+    <dgm:effectClrLst/>
+    <dgm:txLinClrLst/>
+    <dgm:txFillClrLst meth="repeat">
+      <a:schemeClr val="lt1"/>
+    </dgm:txFillClrLst>
+    <dgm:txEffectClrLst/>
+  </dgm:styleLbl>
+  <dgm:styleLbl name="sibTrans1D1">
+    <dgm:fillClrLst/>
+    <dgm:linClrLst>
+      <a:schemeClr val="accent5"/>
+      <a:schemeClr val="accent6"/>
+    </dgm:linClrLst>
+    <dgm:effectClrLst/>
+    <dgm:txLinClrLst/>
+    <dgm:txFillClrLst meth="repeat">
+      <a:schemeClr val="tx1"/>
+    </dgm:txFillClrLst>
+    <dgm:txEffectClrLst/>
+  </dgm:styleLbl>
+  <dgm:styleLbl name="callout">
+    <dgm:fillClrLst meth="repeat">
+      <a:schemeClr val="accent5"/>
+    </dgm:fillClrLst>
+    <dgm:linClrLst meth="repeat">
+      <a:schemeClr val="accent5">
+        <a:tint val="50000"/>
+      </a:schemeClr>
+    </dgm:linClrLst>
+    <dgm:effectClrLst/>
+    <dgm:txLinClrLst/>
+    <dgm:txFillClrLst meth="repeat">
+      <a:schemeClr val="tx1"/>
+    </dgm:txFillClrLst>
+    <dgm:txEffectClrLst/>
+  </dgm:styleLbl>
+  <dgm:styleLbl name="asst0">
+    <dgm:fillClrLst meth="repeat">
+      <a:schemeClr val="accent5"/>
+    </dgm:fillClrLst>
+    <dgm:linClrLst meth="repeat">
+      <a:schemeClr val="lt1">
+        <a:shade val="80000"/>
+      </a:schemeClr>
+    </dgm:linClrLst>
+    <dgm:effectClrLst/>
+    <dgm:txLinClrLst/>
+    <dgm:txFillClrLst/>
+    <dgm:txEffectClrLst/>
+  </dgm:styleLbl>
+  <dgm:styleLbl name="asst1">
+    <dgm:fillClrLst meth="repeat">
+      <a:schemeClr val="accent6"/>
+    </dgm:fillClrLst>
+    <dgm:linClrLst meth="repeat">
+      <a:schemeClr val="lt1">
+        <a:shade val="80000"/>
+      </a:schemeClr>
+    </dgm:linClrLst>
+    <dgm:effectClrLst/>
+    <dgm:txLinClrLst/>
+    <dgm:txFillClrLst/>
+    <dgm:txEffectClrLst/>
+  </dgm:styleLbl>
+  <dgm:styleLbl name="asst2">
+    <dgm:fillClrLst>
+      <a:schemeClr val="accent1"/>
+    </dgm:fillClrLst>
+    <dgm:linClrLst meth="repeat">
+      <a:schemeClr val="lt1"/>
+    </dgm:linClrLst>
+    <dgm:effectClrLst/>
+    <dgm:txLinClrLst/>
+    <dgm:txFillClrLst/>
+    <dgm:txEffectClrLst/>
+  </dgm:styleLbl>
+  <dgm:styleLbl name="asst3">
+    <dgm:fillClrLst>
+      <a:schemeClr val="accent2"/>
+    </dgm:fillClrLst>
+    <dgm:linClrLst meth="repeat">
+      <a:schemeClr val="lt1"/>
+    </dgm:linClrLst>
+    <dgm:effectClrLst/>
+    <dgm:txLinClrLst/>
+    <dgm:txFillClrLst/>
+    <dgm:txEffectClrLst/>
+  </dgm:styleLbl>
+  <dgm:styleLbl name="asst4">
+    <dgm:fillClrLst>
+      <a:schemeClr val="accent3"/>
+    </dgm:fillClrLst>
+    <dgm:linClrLst meth="repeat">
+      <a:schemeClr val="lt1"/>
+    </dgm:linClrLst>
+    <dgm:effectClrLst/>
+    <dgm:txLinClrLst/>
+    <dgm:txFillClrLst/>
+    <dgm:txEffectClrLst/>
+  </dgm:styleLbl>
+  <dgm:styleLbl name="parChTrans2D1">
+    <dgm:fillClrLst meth="repeat">
+      <a:schemeClr val="accent5"/>
+    </dgm:fillClrLst>
+    <dgm:linClrLst meth="repeat">
+      <a:schemeClr val="lt1"/>
+    </dgm:linClrLst>
+    <dgm:effectClrLst/>
+    <dgm:txLinClrLst/>
+    <dgm:txFillClrLst meth="repeat">
+      <a:schemeClr val="lt1"/>
+    </dgm:txFillClrLst>
+    <dgm:txEffectClrLst/>
+  </dgm:styleLbl>
+  <dgm:styleLbl name="parChTrans2D2">
+    <dgm:fillClrLst meth="repeat">
+      <a:schemeClr val="accent6"/>
+    </dgm:fillClrLst>
+    <dgm:linClrLst meth="repeat">
+      <a:schemeClr val="lt1"/>
+    </dgm:linClrLst>
+    <dgm:effectClrLst/>
+    <dgm:txLinClrLst/>
+    <dgm:txFillClrLst/>
+    <dgm:txEffectClrLst/>
+  </dgm:styleLbl>
+  <dgm:styleLbl name="parChTrans2D3">
+    <dgm:fillClrLst meth="repeat">
+      <a:schemeClr val="accent6"/>
+    </dgm:fillClrLst>
+    <dgm:linClrLst meth="repeat">
+      <a:schemeClr val="lt1"/>
+    </dgm:linClrLst>
+    <dgm:effectClrLst/>
+    <dgm:txLinClrLst/>
+    <dgm:txFillClrLst/>
+    <dgm:txEffectClrLst/>
+  </dgm:styleLbl>
+  <dgm:styleLbl name="parChTrans2D4">
+    <dgm:fillClrLst meth="repeat">
+      <a:schemeClr val="accent1"/>
+    </dgm:fillClrLst>
+    <dgm:linClrLst meth="repeat">
+      <a:schemeClr val="lt1"/>
+    </dgm:linClrLst>
+    <dgm:effectClrLst/>
+    <dgm:txLinClrLst/>
+    <dgm:txFillClrLst meth="repeat">
+      <a:schemeClr val="lt1"/>
+    </dgm:txFillClrLst>
+    <dgm:txEffectClrLst/>
+  </dgm:styleLbl>
+  <dgm:styleLbl name="parChTrans1D1">
+    <dgm:fillClrLst meth="repeat">
+      <a:schemeClr val="accent5"/>
+    </dgm:fillClrLst>
+    <dgm:linClrLst meth="repeat">
+      <a:schemeClr val="accent5"/>
+    </dgm:linClrLst>
+    <dgm:effectClrLst/>
+    <dgm:txLinClrLst/>
+    <dgm:txFillClrLst meth="repeat">
+      <a:schemeClr val="tx1"/>
+    </dgm:txFillClrLst>
+    <dgm:txEffectClrLst/>
+  </dgm:styleLbl>
+  <dgm:styleLbl name="parChTrans1D2">
+    <dgm:fillClrLst meth="repeat">
+      <a:schemeClr val="accent6">
+        <a:tint val="90000"/>
+      </a:schemeClr>
+    </dgm:fillClrLst>
+    <dgm:linClrLst meth="repeat">
+      <a:schemeClr val="accent6"/>
+    </dgm:linClrLst>
+    <dgm:effectClrLst/>
+    <dgm:txLinClrLst/>
+    <dgm:txFillClrLst meth="repeat">
+      <a:schemeClr val="tx1"/>
+    </dgm:txFillClrLst>
+    <dgm:txEffectClrLst/>
+  </dgm:styleLbl>
+  <dgm:styleLbl name="parChTrans1D3">
+    <dgm:fillClrLst meth="repeat">
+      <a:schemeClr val="accent6">
+        <a:tint val="70000"/>
+      </a:schemeClr>
+    </dgm:fillClrLst>
+    <dgm:linClrLst meth="repeat">
+      <a:schemeClr val="accent1"/>
+    </dgm:linClrLst>
+    <dgm:effectClrLst/>
+    <dgm:txLinClrLst/>
+    <dgm:txFillClrLst meth="repeat">
+      <a:schemeClr val="tx1"/>
+    </dgm:txFillClrLst>
+    <dgm:txEffectClrLst/>
+  </dgm:styleLbl>
+  <dgm:styleLbl name="parChTrans1D4">
+    <dgm:fillClrLst meth="repeat">
+      <a:schemeClr val="accent6">
+        <a:tint val="50000"/>
+      </a:schemeClr>
+    </dgm:fillClrLst>
+    <dgm:linClrLst meth="repeat">
+      <a:schemeClr val="accent2"/>
+    </dgm:linClrLst>
+    <dgm:effectClrLst/>
+    <dgm:txLinClrLst/>
+    <dgm:txFillClrLst meth="repeat">
+      <a:schemeClr val="tx1"/>
+    </dgm:txFillClrLst>
+    <dgm:txEffectClrLst/>
+  </dgm:styleLbl>
+  <dgm:styleLbl name="fgAcc1">
+    <dgm:fillClrLst meth="repeat">
+      <a:schemeClr val="lt1">
+        <a:alpha val="90000"/>
+      </a:schemeClr>
+    </dgm:fillClrLst>
+    <dgm:linClrLst>
+      <a:schemeClr val="accent5"/>
+      <a:schemeClr val="accent6"/>
+    </dgm:linClrLst>
+    <dgm:effectClrLst/>
+    <dgm:txLinClrLst/>
+    <dgm:txFillClrLst meth="repeat">
+      <a:schemeClr val="dk1"/>
+    </dgm:txFillClrLst>
+    <dgm:txEffectClrLst/>
+  </dgm:styleLbl>
+  <dgm:styleLbl name="conFgAcc1">
+    <dgm:fillClrLst meth="repeat">
+      <a:schemeClr val="lt1">
+        <a:alpha val="90000"/>
+      </a:schemeClr>
+    </dgm:fillClrLst>
+    <dgm:linClrLst>
+      <a:schemeClr val="accent5"/>
+      <a:schemeClr val="accent6"/>
+    </dgm:linClrLst>
+    <dgm:effectClrLst/>
+    <dgm:txLinClrLst/>
+    <dgm:txFillClrLst meth="repeat">
+      <a:schemeClr val="dk1"/>
+    </dgm:txFillClrLst>
+    <dgm:txEffectClrLst/>
+  </dgm:styleLbl>
+  <dgm:styleLbl name="alignAcc1">
+    <dgm:fillClrLst meth="repeat">
+      <a:schemeClr val="lt1">
+        <a:alpha val="90000"/>
+      </a:schemeClr>
+    </dgm:fillClrLst>
+    <dgm:linClrLst>
+      <a:schemeClr val="accent5"/>
+      <a:schemeClr val="accent6"/>
+    </dgm:linClrLst>
+    <dgm:effectClrLst/>
+    <dgm:txLinClrLst/>
+    <dgm:txFillClrLst meth="repeat">
+      <a:schemeClr val="dk1"/>
+    </dgm:txFillClrLst>
+    <dgm:txEffectClrLst/>
+  </dgm:styleLbl>
+  <dgm:styleLbl name="trAlignAcc1">
+    <dgm:fillClrLst meth="repeat">
+      <a:schemeClr val="lt1">
+        <a:alpha val="40000"/>
+      </a:schemeClr>
+    </dgm:fillClrLst>
+    <dgm:linClrLst meth="repeat">
+      <a:schemeClr val="accent5"/>
+    </dgm:linClrLst>
+    <dgm:effectClrLst/>
+    <dgm:txLinClrLst/>
+    <dgm:txFillClrLst meth="repeat">
+      <a:schemeClr val="dk1"/>
+    </dgm:txFillClrLst>
+    <dgm:txEffectClrLst/>
+  </dgm:styleLbl>
+  <dgm:styleLbl name="bgAcc1">
+    <dgm:fillClrLst meth="repeat">
+      <a:schemeClr val="lt1">
+        <a:alpha val="90000"/>
+      </a:schemeClr>
+    </dgm:fillClrLst>
+    <dgm:linClrLst>
+      <a:schemeClr val="accent5"/>
+      <a:schemeClr val="accent6"/>
+    </dgm:linClrLst>
+    <dgm:effectClrLst/>
+    <dgm:txLinClrLst/>
+    <dgm:txFillClrLst meth="repeat">
+      <a:schemeClr val="dk1"/>
+    </dgm:txFillClrLst>
+    <dgm:txEffectClrLst/>
+  </dgm:styleLbl>
+  <dgm:styleLbl name="solidFgAcc1">
+    <dgm:fillClrLst meth="repeat">
+      <a:schemeClr val="lt1"/>
+    </dgm:fillClrLst>
+    <dgm:linClrLst>
+      <a:schemeClr val="accent5"/>
+      <a:schemeClr val="accent6"/>
+    </dgm:linClrLst>
+    <dgm:effectClrLst/>
+    <dgm:txLinClrLst/>
+    <dgm:txFillClrLst meth="repeat">
+      <a:schemeClr val="dk1"/>
+    </dgm:txFillClrLst>
+    <dgm:txEffectClrLst/>
+  </dgm:styleLbl>
+  <dgm:styleLbl name="solidAlignAcc1">
+    <dgm:fillClrLst meth="repeat">
+      <a:schemeClr val="lt1"/>
+    </dgm:fillClrLst>
+    <dgm:linClrLst>
+      <a:schemeClr val="accent5"/>
+      <a:schemeClr val="accent6"/>
+    </dgm:linClrLst>
+    <dgm:effectClrLst/>
+    <dgm:txLinClrLst/>
+    <dgm:txFillClrLst meth="repeat">
+      <a:schemeClr val="dk1"/>
+    </dgm:txFillClrLst>
+    <dgm:txEffectClrLst/>
+  </dgm:styleLbl>
+  <dgm:styleLbl name="solidBgAcc1">
+    <dgm:fillClrLst meth="repeat">
+      <a:schemeClr val="lt1"/>
+    </dgm:fillClrLst>
+    <dgm:linClrLst>
+      <a:schemeClr val="accent5"/>
+      <a:schemeClr val="accent6"/>
+    </dgm:linClrLst>
+    <dgm:effectClrLst/>
+    <dgm:txLinClrLst/>
+    <dgm:txFillClrLst meth="repeat">
+      <a:schemeClr val="dk1"/>
+    </dgm:txFillClrLst>
+    <dgm:txEffectClrLst/>
+  </dgm:styleLbl>
+  <dgm:styleLbl name="fgAccFollowNode1">
+    <dgm:fillClrLst>
+      <a:schemeClr val="accent5">
+        <a:tint val="40000"/>
+        <a:alpha val="90000"/>
+      </a:schemeClr>
+      <a:schemeClr val="accent6">
+        <a:tint val="40000"/>
+        <a:alpha val="90000"/>
+      </a:schemeClr>
+    </dgm:fillClrLst>
+    <dgm:linClrLst>
+      <a:schemeClr val="accent5">
+        <a:tint val="40000"/>
+        <a:alpha val="90000"/>
+      </a:schemeClr>
+      <a:schemeClr val="accent5">
+        <a:tint val="40000"/>
+        <a:alpha val="90000"/>
+      </a:schemeClr>
+    </dgm:linClrLst>
+    <dgm:effectClrLst/>
+    <dgm:txLinClrLst/>
+    <dgm:txFillClrLst meth="repeat">
+      <a:schemeClr val="dk1"/>
+    </dgm:txFillClrLst>
+    <dgm:txEffectClrLst/>
+  </dgm:styleLbl>
+  <dgm:styleLbl name="alignAccFollowNode1">
+    <dgm:fillClrLst>
+      <a:schemeClr val="accent5">
+        <a:tint val="40000"/>
+        <a:alpha val="90000"/>
+      </a:schemeClr>
+      <a:schemeClr val="accent6">
+        <a:tint val="40000"/>
+        <a:alpha val="90000"/>
+      </a:schemeClr>
+    </dgm:fillClrLst>
+    <dgm:linClrLst>
+      <a:schemeClr val="accent5">
+        <a:tint val="40000"/>
+        <a:alpha val="90000"/>
+      </a:schemeClr>
+      <a:schemeClr val="accent6">
+        <a:tint val="40000"/>
+        <a:alpha val="90000"/>
+      </a:schemeClr>
+    </dgm:linClrLst>
+    <dgm:effectClrLst/>
+    <dgm:txLinClrLst/>
+    <dgm:txFillClrLst meth="repeat">
+      <a:schemeClr val="dk1"/>
+    </dgm:txFillClrLst>
+    <dgm:txEffectClrLst/>
+  </dgm:styleLbl>
+  <dgm:styleLbl name="bgAccFollowNode1">
+    <dgm:fillClrLst>
+      <a:schemeClr val="accent5">
+        <a:tint val="40000"/>
+        <a:alpha val="90000"/>
+      </a:schemeClr>
+      <a:schemeClr val="accent6">
+        <a:tint val="40000"/>
+        <a:alpha val="90000"/>
+      </a:schemeClr>
+    </dgm:fillClrLst>
+    <dgm:linClrLst>
+      <a:schemeClr val="accent5">
+        <a:tint val="40000"/>
+        <a:alpha val="90000"/>
+      </a:schemeClr>
+      <a:schemeClr val="accent6">
+        <a:tint val="40000"/>
+        <a:alpha val="90000"/>
+      </a:schemeClr>
+    </dgm:linClrLst>
+    <dgm:effectClrLst/>
+    <dgm:txLinClrLst/>
+    <dgm:txFillClrLst meth="repeat">
+      <a:schemeClr val="dk1"/>
+    </dgm:txFillClrLst>
+    <dgm:txEffectClrLst/>
+  </dgm:styleLbl>
+  <dgm:styleLbl name="fgAcc0">
+    <dgm:fillClrLst meth="repeat">
+      <a:schemeClr val="lt1">
+        <a:alpha val="90000"/>
+      </a:schemeClr>
+    </dgm:fillClrLst>
+    <dgm:linClrLst>
+      <a:schemeClr val="accent4"/>
+    </dgm:linClrLst>
+    <dgm:effectClrLst/>
+    <dgm:txLinClrLst/>
+    <dgm:txFillClrLst meth="repeat">
+      <a:schemeClr val="dk1"/>
+    </dgm:txFillClrLst>
+    <dgm:txEffectClrLst/>
+  </dgm:styleLbl>
+  <dgm:styleLbl name="fgAcc2">
+    <dgm:fillClrLst meth="repeat">
+      <a:schemeClr val="lt1">
+        <a:alpha val="90000"/>
+      </a:schemeClr>
+    </dgm:fillClrLst>
+    <dgm:linClrLst>
+      <a:schemeClr val="accent6"/>
+    </dgm:linClrLst>
+    <dgm:effectClrLst/>
+    <dgm:txLinClrLst/>
+    <dgm:txFillClrLst meth="repeat">
+      <a:schemeClr val="dk1"/>
+    </dgm:txFillClrLst>
+    <dgm:txEffectClrLst/>
+  </dgm:styleLbl>
+  <dgm:styleLbl name="fgAcc3">
+    <dgm:fillClrLst meth="repeat">
+      <a:schemeClr val="lt1">
+        <a:alpha val="90000"/>
+      </a:schemeClr>
+    </dgm:fillClrLst>
+    <dgm:linClrLst>
+      <a:schemeClr val="accent1"/>
+    </dgm:linClrLst>
+    <dgm:effectClrLst/>
+    <dgm:txLinClrLst/>
+    <dgm:txFillClrLst meth="repeat">
+      <a:schemeClr val="dk1"/>
+    </dgm:txFillClrLst>
+    <dgm:txEffectClrLst/>
+  </dgm:styleLbl>
+  <dgm:styleLbl name="fgAcc4">
+    <dgm:fillClrLst meth="repeat">
+      <a:schemeClr val="lt1">
+        <a:alpha val="90000"/>
+      </a:schemeClr>
+    </dgm:fillClrLst>
+    <dgm:linClrLst>
+      <a:schemeClr val="accent2"/>
+    </dgm:linClrLst>
+    <dgm:effectClrLst/>
+    <dgm:txLinClrLst/>
+    <dgm:txFillClrLst meth="repeat">
+      <a:schemeClr val="dk1"/>
+    </dgm:txFillClrLst>
+    <dgm:txEffectClrLst/>
+  </dgm:styleLbl>
+  <dgm:styleLbl name="bgShp">
+    <dgm:fillClrLst meth="repeat">
+      <a:schemeClr val="accent5">
+        <a:tint val="40000"/>
+      </a:schemeClr>
+    </dgm:fillClrLst>
+    <dgm:linClrLst meth="repeat">
+      <a:schemeClr val="dk1"/>
+    </dgm:linClrLst>
+    <dgm:effectClrLst/>
+    <dgm:txLinClrLst/>
+    <dgm:txFillClrLst meth="repeat">
+      <a:schemeClr val="dk1"/>
+    </dgm:txFillClrLst>
+    <dgm:txEffectClrLst/>
+  </dgm:styleLbl>
+  <dgm:styleLbl name="dkBgShp">
+    <dgm:fillClrLst meth="repeat">
+      <a:schemeClr val="accent5">
+        <a:shade val="90000"/>
+      </a:schemeClr>
+    </dgm:fillClrLst>
+    <dgm:linClrLst meth="repeat">
+      <a:schemeClr val="dk1"/>
+    </dgm:linClrLst>
+    <dgm:effectClrLst/>
+    <dgm:txLinClrLst/>
+    <dgm:txFillClrLst meth="repeat">
+      <a:schemeClr val="lt1"/>
+    </dgm:txFillClrLst>
+    <dgm:txEffectClrLst/>
+  </dgm:styleLbl>
+  <dgm:styleLbl name="trBgShp">
+    <dgm:fillClrLst meth="repeat">
+      <a:schemeClr val="accent5">
+        <a:tint val="50000"/>
+        <a:alpha val="40000"/>
+      </a:schemeClr>
+    </dgm:fillClrLst>
+    <dgm:linClrLst meth="repeat">
+      <a:schemeClr val="accent5"/>
+    </dgm:linClrLst>
+    <dgm:effectClrLst/>
+    <dgm:txLinClrLst/>
+    <dgm:txFillClrLst meth="repeat">
+      <a:schemeClr val="lt1"/>
+    </dgm:txFillClrLst>
+    <dgm:txEffectClrLst/>
+  </dgm:styleLbl>
+  <dgm:styleLbl name="fgShp">
+    <dgm:fillClrLst meth="repeat">
+      <a:schemeClr val="accent5">
+        <a:tint val="40000"/>
+      </a:schemeClr>
+    </dgm:fillClrLst>
+    <dgm:linClrLst meth="repeat">
+      <a:schemeClr val="lt1"/>
+    </dgm:linClrLst>
+    <dgm:effectClrLst/>
+    <dgm:txLinClrLst/>
+    <dgm:txFillClrLst meth="repeat">
+      <a:schemeClr val="dk1"/>
+    </dgm:txFillClrLst>
+    <dgm:txEffectClrLst/>
+  </dgm:styleLbl>
+  <dgm:styleLbl name="revTx">
+    <dgm:fillClrLst meth="repeat">
+      <a:schemeClr val="lt1">
+        <a:alpha val="0"/>
+      </a:schemeClr>
+    </dgm:fillClrLst>
+    <dgm:linClrLst meth="repeat">
+      <a:schemeClr val="dk1">
+        <a:alpha val="0"/>
+      </a:schemeClr>
+    </dgm:linClrLst>
+    <dgm:effectClrLst/>
+    <dgm:txLinClrLst/>
+    <dgm:txFillClrLst meth="repeat">
+      <a:schemeClr val="tx1"/>
+    </dgm:txFillClrLst>
+    <dgm:txEffectClrLst/>
+  </dgm:styleLbl>
+</dgm:colorsDef>
+</file>
+
+<file path=ppt/diagrams/colors6.xml><?xml version="1.0" encoding="utf-8"?>
 <dgm:colorsDef xmlns:dgm="http://schemas.openxmlformats.org/drawingml/2006/diagram" xmlns:a="http://schemas.openxmlformats.org/drawingml/2006/main" uniqueId="urn:microsoft.com/office/officeart/2005/8/colors/colorful1">
   <dgm:title val=""/>
   <dgm:desc val=""/>
@@ -4590,1708 +5374,7 @@
 </dgm:colorsDef>
 </file>
 
-<file path=ppt/diagrams/colors6.xml><?xml version="1.0" encoding="utf-8"?>
-<dgm:colorsDef xmlns:dgm="http://schemas.openxmlformats.org/drawingml/2006/diagram" xmlns:a="http://schemas.openxmlformats.org/drawingml/2006/main" uniqueId="urn:microsoft.com/office/officeart/2005/8/colors/colorful5">
-  <dgm:title val=""/>
-  <dgm:desc val=""/>
-  <dgm:catLst>
-    <dgm:cat type="colorful" pri="10500"/>
-  </dgm:catLst>
-  <dgm:styleLbl name="node0">
-    <dgm:fillClrLst meth="repeat">
-      <a:schemeClr val="accent4"/>
-    </dgm:fillClrLst>
-    <dgm:linClrLst meth="repeat">
-      <a:schemeClr val="lt1"/>
-    </dgm:linClrLst>
-    <dgm:effectClrLst/>
-    <dgm:txLinClrLst/>
-    <dgm:txFillClrLst/>
-    <dgm:txEffectClrLst/>
-  </dgm:styleLbl>
-  <dgm:styleLbl name="node1">
-    <dgm:fillClrLst>
-      <a:schemeClr val="accent5"/>
-      <a:schemeClr val="accent6"/>
-    </dgm:fillClrLst>
-    <dgm:linClrLst meth="repeat">
-      <a:schemeClr val="lt1"/>
-    </dgm:linClrLst>
-    <dgm:effectClrLst/>
-    <dgm:txLinClrLst/>
-    <dgm:txFillClrLst/>
-    <dgm:txEffectClrLst/>
-  </dgm:styleLbl>
-  <dgm:styleLbl name="alignNode1">
-    <dgm:fillClrLst>
-      <a:schemeClr val="accent5"/>
-      <a:schemeClr val="accent6"/>
-    </dgm:fillClrLst>
-    <dgm:linClrLst>
-      <a:schemeClr val="accent5"/>
-      <a:schemeClr val="accent6"/>
-    </dgm:linClrLst>
-    <dgm:effectClrLst/>
-    <dgm:txLinClrLst/>
-    <dgm:txFillClrLst/>
-    <dgm:txEffectClrLst/>
-  </dgm:styleLbl>
-  <dgm:styleLbl name="lnNode1">
-    <dgm:fillClrLst>
-      <a:schemeClr val="accent5"/>
-      <a:schemeClr val="accent6"/>
-    </dgm:fillClrLst>
-    <dgm:linClrLst meth="repeat">
-      <a:schemeClr val="lt1"/>
-    </dgm:linClrLst>
-    <dgm:effectClrLst/>
-    <dgm:txLinClrLst/>
-    <dgm:txFillClrLst/>
-    <dgm:txEffectClrLst/>
-  </dgm:styleLbl>
-  <dgm:styleLbl name="vennNode1">
-    <dgm:fillClrLst>
-      <a:schemeClr val="accent5">
-        <a:alpha val="50000"/>
-      </a:schemeClr>
-      <a:schemeClr val="accent6">
-        <a:alpha val="50000"/>
-      </a:schemeClr>
-    </dgm:fillClrLst>
-    <dgm:linClrLst meth="repeat">
-      <a:schemeClr val="lt1"/>
-    </dgm:linClrLst>
-    <dgm:effectClrLst/>
-    <dgm:txLinClrLst/>
-    <dgm:txFillClrLst/>
-    <dgm:txEffectClrLst/>
-  </dgm:styleLbl>
-  <dgm:styleLbl name="node2">
-    <dgm:fillClrLst>
-      <a:schemeClr val="accent6"/>
-    </dgm:fillClrLst>
-    <dgm:linClrLst meth="repeat">
-      <a:schemeClr val="lt1"/>
-    </dgm:linClrLst>
-    <dgm:effectClrLst/>
-    <dgm:txLinClrLst/>
-    <dgm:txFillClrLst/>
-    <dgm:txEffectClrLst/>
-  </dgm:styleLbl>
-  <dgm:styleLbl name="node3">
-    <dgm:fillClrLst>
-      <a:schemeClr val="accent1"/>
-    </dgm:fillClrLst>
-    <dgm:linClrLst meth="repeat">
-      <a:schemeClr val="lt1"/>
-    </dgm:linClrLst>
-    <dgm:effectClrLst/>
-    <dgm:txLinClrLst/>
-    <dgm:txFillClrLst/>
-    <dgm:txEffectClrLst/>
-  </dgm:styleLbl>
-  <dgm:styleLbl name="node4">
-    <dgm:fillClrLst>
-      <a:schemeClr val="accent2"/>
-    </dgm:fillClrLst>
-    <dgm:linClrLst meth="repeat">
-      <a:schemeClr val="lt1"/>
-    </dgm:linClrLst>
-    <dgm:effectClrLst/>
-    <dgm:txLinClrLst/>
-    <dgm:txFillClrLst/>
-    <dgm:txEffectClrLst/>
-  </dgm:styleLbl>
-  <dgm:styleLbl name="fgImgPlace1">
-    <dgm:fillClrLst>
-      <a:schemeClr val="accent5">
-        <a:tint val="50000"/>
-      </a:schemeClr>
-      <a:schemeClr val="accent6">
-        <a:tint val="50000"/>
-      </a:schemeClr>
-    </dgm:fillClrLst>
-    <dgm:linClrLst meth="repeat">
-      <a:schemeClr val="lt1"/>
-    </dgm:linClrLst>
-    <dgm:effectClrLst/>
-    <dgm:txLinClrLst/>
-    <dgm:txFillClrLst meth="repeat">
-      <a:schemeClr val="lt1"/>
-    </dgm:txFillClrLst>
-    <dgm:txEffectClrLst/>
-  </dgm:styleLbl>
-  <dgm:styleLbl name="alignImgPlace1">
-    <dgm:fillClrLst>
-      <a:schemeClr val="accent5">
-        <a:tint val="50000"/>
-      </a:schemeClr>
-      <a:schemeClr val="accent6">
-        <a:tint val="20000"/>
-      </a:schemeClr>
-    </dgm:fillClrLst>
-    <dgm:linClrLst meth="repeat">
-      <a:schemeClr val="lt1"/>
-    </dgm:linClrLst>
-    <dgm:effectClrLst/>
-    <dgm:txLinClrLst/>
-    <dgm:txFillClrLst meth="repeat">
-      <a:schemeClr val="lt1"/>
-    </dgm:txFillClrLst>
-    <dgm:txEffectClrLst/>
-  </dgm:styleLbl>
-  <dgm:styleLbl name="bgImgPlace1">
-    <dgm:fillClrLst>
-      <a:schemeClr val="accent5">
-        <a:tint val="50000"/>
-      </a:schemeClr>
-      <a:schemeClr val="accent6">
-        <a:tint val="20000"/>
-      </a:schemeClr>
-    </dgm:fillClrLst>
-    <dgm:linClrLst meth="repeat">
-      <a:schemeClr val="lt1"/>
-    </dgm:linClrLst>
-    <dgm:effectClrLst/>
-    <dgm:txLinClrLst/>
-    <dgm:txFillClrLst meth="repeat">
-      <a:schemeClr val="lt1"/>
-    </dgm:txFillClrLst>
-    <dgm:txEffectClrLst/>
-  </dgm:styleLbl>
-  <dgm:styleLbl name="sibTrans2D1">
-    <dgm:fillClrLst>
-      <a:schemeClr val="accent5"/>
-      <a:schemeClr val="accent6"/>
-    </dgm:fillClrLst>
-    <dgm:linClrLst meth="repeat">
-      <a:schemeClr val="lt1"/>
-    </dgm:linClrLst>
-    <dgm:effectClrLst/>
-    <dgm:txLinClrLst/>
-    <dgm:txFillClrLst/>
-    <dgm:txEffectClrLst/>
-  </dgm:styleLbl>
-  <dgm:styleLbl name="fgSibTrans2D1">
-    <dgm:fillClrLst>
-      <a:schemeClr val="accent5"/>
-      <a:schemeClr val="accent6"/>
-    </dgm:fillClrLst>
-    <dgm:linClrLst meth="repeat">
-      <a:schemeClr val="lt1"/>
-    </dgm:linClrLst>
-    <dgm:effectClrLst/>
-    <dgm:txLinClrLst/>
-    <dgm:txFillClrLst meth="repeat">
-      <a:schemeClr val="lt1"/>
-    </dgm:txFillClrLst>
-    <dgm:txEffectClrLst/>
-  </dgm:styleLbl>
-  <dgm:styleLbl name="bgSibTrans2D1">
-    <dgm:fillClrLst>
-      <a:schemeClr val="accent5"/>
-      <a:schemeClr val="accent6"/>
-    </dgm:fillClrLst>
-    <dgm:linClrLst meth="repeat">
-      <a:schemeClr val="lt1"/>
-    </dgm:linClrLst>
-    <dgm:effectClrLst/>
-    <dgm:txLinClrLst/>
-    <dgm:txFillClrLst meth="repeat">
-      <a:schemeClr val="lt1"/>
-    </dgm:txFillClrLst>
-    <dgm:txEffectClrLst/>
-  </dgm:styleLbl>
-  <dgm:styleLbl name="sibTrans1D1">
-    <dgm:fillClrLst/>
-    <dgm:linClrLst>
-      <a:schemeClr val="accent5"/>
-      <a:schemeClr val="accent6"/>
-    </dgm:linClrLst>
-    <dgm:effectClrLst/>
-    <dgm:txLinClrLst/>
-    <dgm:txFillClrLst meth="repeat">
-      <a:schemeClr val="tx1"/>
-    </dgm:txFillClrLst>
-    <dgm:txEffectClrLst/>
-  </dgm:styleLbl>
-  <dgm:styleLbl name="callout">
-    <dgm:fillClrLst meth="repeat">
-      <a:schemeClr val="accent5"/>
-    </dgm:fillClrLst>
-    <dgm:linClrLst meth="repeat">
-      <a:schemeClr val="accent5">
-        <a:tint val="50000"/>
-      </a:schemeClr>
-    </dgm:linClrLst>
-    <dgm:effectClrLst/>
-    <dgm:txLinClrLst/>
-    <dgm:txFillClrLst meth="repeat">
-      <a:schemeClr val="tx1"/>
-    </dgm:txFillClrLst>
-    <dgm:txEffectClrLst/>
-  </dgm:styleLbl>
-  <dgm:styleLbl name="asst0">
-    <dgm:fillClrLst meth="repeat">
-      <a:schemeClr val="accent5"/>
-    </dgm:fillClrLst>
-    <dgm:linClrLst meth="repeat">
-      <a:schemeClr val="lt1">
-        <a:shade val="80000"/>
-      </a:schemeClr>
-    </dgm:linClrLst>
-    <dgm:effectClrLst/>
-    <dgm:txLinClrLst/>
-    <dgm:txFillClrLst/>
-    <dgm:txEffectClrLst/>
-  </dgm:styleLbl>
-  <dgm:styleLbl name="asst1">
-    <dgm:fillClrLst meth="repeat">
-      <a:schemeClr val="accent6"/>
-    </dgm:fillClrLst>
-    <dgm:linClrLst meth="repeat">
-      <a:schemeClr val="lt1">
-        <a:shade val="80000"/>
-      </a:schemeClr>
-    </dgm:linClrLst>
-    <dgm:effectClrLst/>
-    <dgm:txLinClrLst/>
-    <dgm:txFillClrLst/>
-    <dgm:txEffectClrLst/>
-  </dgm:styleLbl>
-  <dgm:styleLbl name="asst2">
-    <dgm:fillClrLst>
-      <a:schemeClr val="accent1"/>
-    </dgm:fillClrLst>
-    <dgm:linClrLst meth="repeat">
-      <a:schemeClr val="lt1"/>
-    </dgm:linClrLst>
-    <dgm:effectClrLst/>
-    <dgm:txLinClrLst/>
-    <dgm:txFillClrLst/>
-    <dgm:txEffectClrLst/>
-  </dgm:styleLbl>
-  <dgm:styleLbl name="asst3">
-    <dgm:fillClrLst>
-      <a:schemeClr val="accent2"/>
-    </dgm:fillClrLst>
-    <dgm:linClrLst meth="repeat">
-      <a:schemeClr val="lt1"/>
-    </dgm:linClrLst>
-    <dgm:effectClrLst/>
-    <dgm:txLinClrLst/>
-    <dgm:txFillClrLst/>
-    <dgm:txEffectClrLst/>
-  </dgm:styleLbl>
-  <dgm:styleLbl name="asst4">
-    <dgm:fillClrLst>
-      <a:schemeClr val="accent3"/>
-    </dgm:fillClrLst>
-    <dgm:linClrLst meth="repeat">
-      <a:schemeClr val="lt1"/>
-    </dgm:linClrLst>
-    <dgm:effectClrLst/>
-    <dgm:txLinClrLst/>
-    <dgm:txFillClrLst/>
-    <dgm:txEffectClrLst/>
-  </dgm:styleLbl>
-  <dgm:styleLbl name="parChTrans2D1">
-    <dgm:fillClrLst meth="repeat">
-      <a:schemeClr val="accent5"/>
-    </dgm:fillClrLst>
-    <dgm:linClrLst meth="repeat">
-      <a:schemeClr val="lt1"/>
-    </dgm:linClrLst>
-    <dgm:effectClrLst/>
-    <dgm:txLinClrLst/>
-    <dgm:txFillClrLst meth="repeat">
-      <a:schemeClr val="lt1"/>
-    </dgm:txFillClrLst>
-    <dgm:txEffectClrLst/>
-  </dgm:styleLbl>
-  <dgm:styleLbl name="parChTrans2D2">
-    <dgm:fillClrLst meth="repeat">
-      <a:schemeClr val="accent6"/>
-    </dgm:fillClrLst>
-    <dgm:linClrLst meth="repeat">
-      <a:schemeClr val="lt1"/>
-    </dgm:linClrLst>
-    <dgm:effectClrLst/>
-    <dgm:txLinClrLst/>
-    <dgm:txFillClrLst/>
-    <dgm:txEffectClrLst/>
-  </dgm:styleLbl>
-  <dgm:styleLbl name="parChTrans2D3">
-    <dgm:fillClrLst meth="repeat">
-      <a:schemeClr val="accent6"/>
-    </dgm:fillClrLst>
-    <dgm:linClrLst meth="repeat">
-      <a:schemeClr val="lt1"/>
-    </dgm:linClrLst>
-    <dgm:effectClrLst/>
-    <dgm:txLinClrLst/>
-    <dgm:txFillClrLst/>
-    <dgm:txEffectClrLst/>
-  </dgm:styleLbl>
-  <dgm:styleLbl name="parChTrans2D4">
-    <dgm:fillClrLst meth="repeat">
-      <a:schemeClr val="accent1"/>
-    </dgm:fillClrLst>
-    <dgm:linClrLst meth="repeat">
-      <a:schemeClr val="lt1"/>
-    </dgm:linClrLst>
-    <dgm:effectClrLst/>
-    <dgm:txLinClrLst/>
-    <dgm:txFillClrLst meth="repeat">
-      <a:schemeClr val="lt1"/>
-    </dgm:txFillClrLst>
-    <dgm:txEffectClrLst/>
-  </dgm:styleLbl>
-  <dgm:styleLbl name="parChTrans1D1">
-    <dgm:fillClrLst meth="repeat">
-      <a:schemeClr val="accent5"/>
-    </dgm:fillClrLst>
-    <dgm:linClrLst meth="repeat">
-      <a:schemeClr val="accent5"/>
-    </dgm:linClrLst>
-    <dgm:effectClrLst/>
-    <dgm:txLinClrLst/>
-    <dgm:txFillClrLst meth="repeat">
-      <a:schemeClr val="tx1"/>
-    </dgm:txFillClrLst>
-    <dgm:txEffectClrLst/>
-  </dgm:styleLbl>
-  <dgm:styleLbl name="parChTrans1D2">
-    <dgm:fillClrLst meth="repeat">
-      <a:schemeClr val="accent6">
-        <a:tint val="90000"/>
-      </a:schemeClr>
-    </dgm:fillClrLst>
-    <dgm:linClrLst meth="repeat">
-      <a:schemeClr val="accent6"/>
-    </dgm:linClrLst>
-    <dgm:effectClrLst/>
-    <dgm:txLinClrLst/>
-    <dgm:txFillClrLst meth="repeat">
-      <a:schemeClr val="tx1"/>
-    </dgm:txFillClrLst>
-    <dgm:txEffectClrLst/>
-  </dgm:styleLbl>
-  <dgm:styleLbl name="parChTrans1D3">
-    <dgm:fillClrLst meth="repeat">
-      <a:schemeClr val="accent6">
-        <a:tint val="70000"/>
-      </a:schemeClr>
-    </dgm:fillClrLst>
-    <dgm:linClrLst meth="repeat">
-      <a:schemeClr val="accent1"/>
-    </dgm:linClrLst>
-    <dgm:effectClrLst/>
-    <dgm:txLinClrLst/>
-    <dgm:txFillClrLst meth="repeat">
-      <a:schemeClr val="tx1"/>
-    </dgm:txFillClrLst>
-    <dgm:txEffectClrLst/>
-  </dgm:styleLbl>
-  <dgm:styleLbl name="parChTrans1D4">
-    <dgm:fillClrLst meth="repeat">
-      <a:schemeClr val="accent6">
-        <a:tint val="50000"/>
-      </a:schemeClr>
-    </dgm:fillClrLst>
-    <dgm:linClrLst meth="repeat">
-      <a:schemeClr val="accent2"/>
-    </dgm:linClrLst>
-    <dgm:effectClrLst/>
-    <dgm:txLinClrLst/>
-    <dgm:txFillClrLst meth="repeat">
-      <a:schemeClr val="tx1"/>
-    </dgm:txFillClrLst>
-    <dgm:txEffectClrLst/>
-  </dgm:styleLbl>
-  <dgm:styleLbl name="fgAcc1">
-    <dgm:fillClrLst meth="repeat">
-      <a:schemeClr val="lt1">
-        <a:alpha val="90000"/>
-      </a:schemeClr>
-    </dgm:fillClrLst>
-    <dgm:linClrLst>
-      <a:schemeClr val="accent5"/>
-      <a:schemeClr val="accent6"/>
-    </dgm:linClrLst>
-    <dgm:effectClrLst/>
-    <dgm:txLinClrLst/>
-    <dgm:txFillClrLst meth="repeat">
-      <a:schemeClr val="dk1"/>
-    </dgm:txFillClrLst>
-    <dgm:txEffectClrLst/>
-  </dgm:styleLbl>
-  <dgm:styleLbl name="conFgAcc1">
-    <dgm:fillClrLst meth="repeat">
-      <a:schemeClr val="lt1">
-        <a:alpha val="90000"/>
-      </a:schemeClr>
-    </dgm:fillClrLst>
-    <dgm:linClrLst>
-      <a:schemeClr val="accent5"/>
-      <a:schemeClr val="accent6"/>
-    </dgm:linClrLst>
-    <dgm:effectClrLst/>
-    <dgm:txLinClrLst/>
-    <dgm:txFillClrLst meth="repeat">
-      <a:schemeClr val="dk1"/>
-    </dgm:txFillClrLst>
-    <dgm:txEffectClrLst/>
-  </dgm:styleLbl>
-  <dgm:styleLbl name="alignAcc1">
-    <dgm:fillClrLst meth="repeat">
-      <a:schemeClr val="lt1">
-        <a:alpha val="90000"/>
-      </a:schemeClr>
-    </dgm:fillClrLst>
-    <dgm:linClrLst>
-      <a:schemeClr val="accent5"/>
-      <a:schemeClr val="accent6"/>
-    </dgm:linClrLst>
-    <dgm:effectClrLst/>
-    <dgm:txLinClrLst/>
-    <dgm:txFillClrLst meth="repeat">
-      <a:schemeClr val="dk1"/>
-    </dgm:txFillClrLst>
-    <dgm:txEffectClrLst/>
-  </dgm:styleLbl>
-  <dgm:styleLbl name="trAlignAcc1">
-    <dgm:fillClrLst meth="repeat">
-      <a:schemeClr val="lt1">
-        <a:alpha val="40000"/>
-      </a:schemeClr>
-    </dgm:fillClrLst>
-    <dgm:linClrLst meth="repeat">
-      <a:schemeClr val="accent5"/>
-    </dgm:linClrLst>
-    <dgm:effectClrLst/>
-    <dgm:txLinClrLst/>
-    <dgm:txFillClrLst meth="repeat">
-      <a:schemeClr val="dk1"/>
-    </dgm:txFillClrLst>
-    <dgm:txEffectClrLst/>
-  </dgm:styleLbl>
-  <dgm:styleLbl name="bgAcc1">
-    <dgm:fillClrLst meth="repeat">
-      <a:schemeClr val="lt1">
-        <a:alpha val="90000"/>
-      </a:schemeClr>
-    </dgm:fillClrLst>
-    <dgm:linClrLst>
-      <a:schemeClr val="accent5"/>
-      <a:schemeClr val="accent6"/>
-    </dgm:linClrLst>
-    <dgm:effectClrLst/>
-    <dgm:txLinClrLst/>
-    <dgm:txFillClrLst meth="repeat">
-      <a:schemeClr val="dk1"/>
-    </dgm:txFillClrLst>
-    <dgm:txEffectClrLst/>
-  </dgm:styleLbl>
-  <dgm:styleLbl name="solidFgAcc1">
-    <dgm:fillClrLst meth="repeat">
-      <a:schemeClr val="lt1"/>
-    </dgm:fillClrLst>
-    <dgm:linClrLst>
-      <a:schemeClr val="accent5"/>
-      <a:schemeClr val="accent6"/>
-    </dgm:linClrLst>
-    <dgm:effectClrLst/>
-    <dgm:txLinClrLst/>
-    <dgm:txFillClrLst meth="repeat">
-      <a:schemeClr val="dk1"/>
-    </dgm:txFillClrLst>
-    <dgm:txEffectClrLst/>
-  </dgm:styleLbl>
-  <dgm:styleLbl name="solidAlignAcc1">
-    <dgm:fillClrLst meth="repeat">
-      <a:schemeClr val="lt1"/>
-    </dgm:fillClrLst>
-    <dgm:linClrLst>
-      <a:schemeClr val="accent5"/>
-      <a:schemeClr val="accent6"/>
-    </dgm:linClrLst>
-    <dgm:effectClrLst/>
-    <dgm:txLinClrLst/>
-    <dgm:txFillClrLst meth="repeat">
-      <a:schemeClr val="dk1"/>
-    </dgm:txFillClrLst>
-    <dgm:txEffectClrLst/>
-  </dgm:styleLbl>
-  <dgm:styleLbl name="solidBgAcc1">
-    <dgm:fillClrLst meth="repeat">
-      <a:schemeClr val="lt1"/>
-    </dgm:fillClrLst>
-    <dgm:linClrLst>
-      <a:schemeClr val="accent5"/>
-      <a:schemeClr val="accent6"/>
-    </dgm:linClrLst>
-    <dgm:effectClrLst/>
-    <dgm:txLinClrLst/>
-    <dgm:txFillClrLst meth="repeat">
-      <a:schemeClr val="dk1"/>
-    </dgm:txFillClrLst>
-    <dgm:txEffectClrLst/>
-  </dgm:styleLbl>
-  <dgm:styleLbl name="fgAccFollowNode1">
-    <dgm:fillClrLst>
-      <a:schemeClr val="accent5">
-        <a:tint val="40000"/>
-        <a:alpha val="90000"/>
-      </a:schemeClr>
-      <a:schemeClr val="accent6">
-        <a:tint val="40000"/>
-        <a:alpha val="90000"/>
-      </a:schemeClr>
-    </dgm:fillClrLst>
-    <dgm:linClrLst>
-      <a:schemeClr val="accent5">
-        <a:tint val="40000"/>
-        <a:alpha val="90000"/>
-      </a:schemeClr>
-      <a:schemeClr val="accent5">
-        <a:tint val="40000"/>
-        <a:alpha val="90000"/>
-      </a:schemeClr>
-    </dgm:linClrLst>
-    <dgm:effectClrLst/>
-    <dgm:txLinClrLst/>
-    <dgm:txFillClrLst meth="repeat">
-      <a:schemeClr val="dk1"/>
-    </dgm:txFillClrLst>
-    <dgm:txEffectClrLst/>
-  </dgm:styleLbl>
-  <dgm:styleLbl name="alignAccFollowNode1">
-    <dgm:fillClrLst>
-      <a:schemeClr val="accent5">
-        <a:tint val="40000"/>
-        <a:alpha val="90000"/>
-      </a:schemeClr>
-      <a:schemeClr val="accent6">
-        <a:tint val="40000"/>
-        <a:alpha val="90000"/>
-      </a:schemeClr>
-    </dgm:fillClrLst>
-    <dgm:linClrLst>
-      <a:schemeClr val="accent5">
-        <a:tint val="40000"/>
-        <a:alpha val="90000"/>
-      </a:schemeClr>
-      <a:schemeClr val="accent6">
-        <a:tint val="40000"/>
-        <a:alpha val="90000"/>
-      </a:schemeClr>
-    </dgm:linClrLst>
-    <dgm:effectClrLst/>
-    <dgm:txLinClrLst/>
-    <dgm:txFillClrLst meth="repeat">
-      <a:schemeClr val="dk1"/>
-    </dgm:txFillClrLst>
-    <dgm:txEffectClrLst/>
-  </dgm:styleLbl>
-  <dgm:styleLbl name="bgAccFollowNode1">
-    <dgm:fillClrLst>
-      <a:schemeClr val="accent5">
-        <a:tint val="40000"/>
-        <a:alpha val="90000"/>
-      </a:schemeClr>
-      <a:schemeClr val="accent6">
-        <a:tint val="40000"/>
-        <a:alpha val="90000"/>
-      </a:schemeClr>
-    </dgm:fillClrLst>
-    <dgm:linClrLst>
-      <a:schemeClr val="accent5">
-        <a:tint val="40000"/>
-        <a:alpha val="90000"/>
-      </a:schemeClr>
-      <a:schemeClr val="accent6">
-        <a:tint val="40000"/>
-        <a:alpha val="90000"/>
-      </a:schemeClr>
-    </dgm:linClrLst>
-    <dgm:effectClrLst/>
-    <dgm:txLinClrLst/>
-    <dgm:txFillClrLst meth="repeat">
-      <a:schemeClr val="dk1"/>
-    </dgm:txFillClrLst>
-    <dgm:txEffectClrLst/>
-  </dgm:styleLbl>
-  <dgm:styleLbl name="fgAcc0">
-    <dgm:fillClrLst meth="repeat">
-      <a:schemeClr val="lt1">
-        <a:alpha val="90000"/>
-      </a:schemeClr>
-    </dgm:fillClrLst>
-    <dgm:linClrLst>
-      <a:schemeClr val="accent4"/>
-    </dgm:linClrLst>
-    <dgm:effectClrLst/>
-    <dgm:txLinClrLst/>
-    <dgm:txFillClrLst meth="repeat">
-      <a:schemeClr val="dk1"/>
-    </dgm:txFillClrLst>
-    <dgm:txEffectClrLst/>
-  </dgm:styleLbl>
-  <dgm:styleLbl name="fgAcc2">
-    <dgm:fillClrLst meth="repeat">
-      <a:schemeClr val="lt1">
-        <a:alpha val="90000"/>
-      </a:schemeClr>
-    </dgm:fillClrLst>
-    <dgm:linClrLst>
-      <a:schemeClr val="accent6"/>
-    </dgm:linClrLst>
-    <dgm:effectClrLst/>
-    <dgm:txLinClrLst/>
-    <dgm:txFillClrLst meth="repeat">
-      <a:schemeClr val="dk1"/>
-    </dgm:txFillClrLst>
-    <dgm:txEffectClrLst/>
-  </dgm:styleLbl>
-  <dgm:styleLbl name="fgAcc3">
-    <dgm:fillClrLst meth="repeat">
-      <a:schemeClr val="lt1">
-        <a:alpha val="90000"/>
-      </a:schemeClr>
-    </dgm:fillClrLst>
-    <dgm:linClrLst>
-      <a:schemeClr val="accent1"/>
-    </dgm:linClrLst>
-    <dgm:effectClrLst/>
-    <dgm:txLinClrLst/>
-    <dgm:txFillClrLst meth="repeat">
-      <a:schemeClr val="dk1"/>
-    </dgm:txFillClrLst>
-    <dgm:txEffectClrLst/>
-  </dgm:styleLbl>
-  <dgm:styleLbl name="fgAcc4">
-    <dgm:fillClrLst meth="repeat">
-      <a:schemeClr val="lt1">
-        <a:alpha val="90000"/>
-      </a:schemeClr>
-    </dgm:fillClrLst>
-    <dgm:linClrLst>
-      <a:schemeClr val="accent2"/>
-    </dgm:linClrLst>
-    <dgm:effectClrLst/>
-    <dgm:txLinClrLst/>
-    <dgm:txFillClrLst meth="repeat">
-      <a:schemeClr val="dk1"/>
-    </dgm:txFillClrLst>
-    <dgm:txEffectClrLst/>
-  </dgm:styleLbl>
-  <dgm:styleLbl name="bgShp">
-    <dgm:fillClrLst meth="repeat">
-      <a:schemeClr val="accent5">
-        <a:tint val="40000"/>
-      </a:schemeClr>
-    </dgm:fillClrLst>
-    <dgm:linClrLst meth="repeat">
-      <a:schemeClr val="dk1"/>
-    </dgm:linClrLst>
-    <dgm:effectClrLst/>
-    <dgm:txLinClrLst/>
-    <dgm:txFillClrLst meth="repeat">
-      <a:schemeClr val="dk1"/>
-    </dgm:txFillClrLst>
-    <dgm:txEffectClrLst/>
-  </dgm:styleLbl>
-  <dgm:styleLbl name="dkBgShp">
-    <dgm:fillClrLst meth="repeat">
-      <a:schemeClr val="accent5">
-        <a:shade val="90000"/>
-      </a:schemeClr>
-    </dgm:fillClrLst>
-    <dgm:linClrLst meth="repeat">
-      <a:schemeClr val="dk1"/>
-    </dgm:linClrLst>
-    <dgm:effectClrLst/>
-    <dgm:txLinClrLst/>
-    <dgm:txFillClrLst meth="repeat">
-      <a:schemeClr val="lt1"/>
-    </dgm:txFillClrLst>
-    <dgm:txEffectClrLst/>
-  </dgm:styleLbl>
-  <dgm:styleLbl name="trBgShp">
-    <dgm:fillClrLst meth="repeat">
-      <a:schemeClr val="accent5">
-        <a:tint val="50000"/>
-        <a:alpha val="40000"/>
-      </a:schemeClr>
-    </dgm:fillClrLst>
-    <dgm:linClrLst meth="repeat">
-      <a:schemeClr val="accent5"/>
-    </dgm:linClrLst>
-    <dgm:effectClrLst/>
-    <dgm:txLinClrLst/>
-    <dgm:txFillClrLst meth="repeat">
-      <a:schemeClr val="lt1"/>
-    </dgm:txFillClrLst>
-    <dgm:txEffectClrLst/>
-  </dgm:styleLbl>
-  <dgm:styleLbl name="fgShp">
-    <dgm:fillClrLst meth="repeat">
-      <a:schemeClr val="accent5">
-        <a:tint val="40000"/>
-      </a:schemeClr>
-    </dgm:fillClrLst>
-    <dgm:linClrLst meth="repeat">
-      <a:schemeClr val="lt1"/>
-    </dgm:linClrLst>
-    <dgm:effectClrLst/>
-    <dgm:txLinClrLst/>
-    <dgm:txFillClrLst meth="repeat">
-      <a:schemeClr val="dk1"/>
-    </dgm:txFillClrLst>
-    <dgm:txEffectClrLst/>
-  </dgm:styleLbl>
-  <dgm:styleLbl name="revTx">
-    <dgm:fillClrLst meth="repeat">
-      <a:schemeClr val="lt1">
-        <a:alpha val="0"/>
-      </a:schemeClr>
-    </dgm:fillClrLst>
-    <dgm:linClrLst meth="repeat">
-      <a:schemeClr val="dk1">
-        <a:alpha val="0"/>
-      </a:schemeClr>
-    </dgm:linClrLst>
-    <dgm:effectClrLst/>
-    <dgm:txLinClrLst/>
-    <dgm:txFillClrLst meth="repeat">
-      <a:schemeClr val="tx1"/>
-    </dgm:txFillClrLst>
-    <dgm:txEffectClrLst/>
-  </dgm:styleLbl>
-</dgm:colorsDef>
-</file>
-
 <file path=ppt/diagrams/colors7.xml><?xml version="1.0" encoding="utf-8"?>
-<dgm:colorsDef xmlns:dgm="http://schemas.openxmlformats.org/drawingml/2006/diagram" xmlns:a="http://schemas.openxmlformats.org/drawingml/2006/main" uniqueId="urn:microsoft.com/office/officeart/2005/8/colors/colorful1">
-  <dgm:title val=""/>
-  <dgm:desc val=""/>
-  <dgm:catLst>
-    <dgm:cat type="colorful" pri="10100"/>
-  </dgm:catLst>
-  <dgm:styleLbl name="node0">
-    <dgm:fillClrLst meth="repeat">
-      <a:schemeClr val="accent1"/>
-    </dgm:fillClrLst>
-    <dgm:linClrLst meth="repeat">
-      <a:schemeClr val="lt1"/>
-    </dgm:linClrLst>
-    <dgm:effectClrLst/>
-    <dgm:txLinClrLst/>
-    <dgm:txFillClrLst/>
-    <dgm:txEffectClrLst/>
-  </dgm:styleLbl>
-  <dgm:styleLbl name="node1">
-    <dgm:fillClrLst meth="repeat">
-      <a:schemeClr val="accent2"/>
-      <a:schemeClr val="accent3"/>
-      <a:schemeClr val="accent4"/>
-      <a:schemeClr val="accent5"/>
-      <a:schemeClr val="accent6"/>
-    </dgm:fillClrLst>
-    <dgm:linClrLst meth="repeat">
-      <a:schemeClr val="lt1"/>
-    </dgm:linClrLst>
-    <dgm:effectClrLst/>
-    <dgm:txLinClrLst/>
-    <dgm:txFillClrLst/>
-    <dgm:txEffectClrLst/>
-  </dgm:styleLbl>
-  <dgm:styleLbl name="alignNode1">
-    <dgm:fillClrLst meth="repeat">
-      <a:schemeClr val="accent2"/>
-      <a:schemeClr val="accent3"/>
-      <a:schemeClr val="accent4"/>
-      <a:schemeClr val="accent5"/>
-      <a:schemeClr val="accent6"/>
-    </dgm:fillClrLst>
-    <dgm:linClrLst meth="repeat">
-      <a:schemeClr val="accent2"/>
-      <a:schemeClr val="accent3"/>
-      <a:schemeClr val="accent4"/>
-      <a:schemeClr val="accent5"/>
-      <a:schemeClr val="accent6"/>
-    </dgm:linClrLst>
-    <dgm:effectClrLst/>
-    <dgm:txLinClrLst/>
-    <dgm:txFillClrLst/>
-    <dgm:txEffectClrLst/>
-  </dgm:styleLbl>
-  <dgm:styleLbl name="lnNode1">
-    <dgm:fillClrLst meth="repeat">
-      <a:schemeClr val="accent2"/>
-      <a:schemeClr val="accent3"/>
-      <a:schemeClr val="accent4"/>
-      <a:schemeClr val="accent5"/>
-      <a:schemeClr val="accent6"/>
-    </dgm:fillClrLst>
-    <dgm:linClrLst meth="repeat">
-      <a:schemeClr val="lt1"/>
-    </dgm:linClrLst>
-    <dgm:effectClrLst/>
-    <dgm:txLinClrLst/>
-    <dgm:txFillClrLst/>
-    <dgm:txEffectClrLst/>
-  </dgm:styleLbl>
-  <dgm:styleLbl name="vennNode1">
-    <dgm:fillClrLst meth="repeat">
-      <a:schemeClr val="accent2">
-        <a:alpha val="50000"/>
-      </a:schemeClr>
-      <a:schemeClr val="accent3">
-        <a:alpha val="50000"/>
-      </a:schemeClr>
-      <a:schemeClr val="accent4">
-        <a:alpha val="50000"/>
-      </a:schemeClr>
-      <a:schemeClr val="accent5">
-        <a:alpha val="50000"/>
-      </a:schemeClr>
-      <a:schemeClr val="accent6">
-        <a:alpha val="50000"/>
-      </a:schemeClr>
-    </dgm:fillClrLst>
-    <dgm:linClrLst meth="repeat">
-      <a:schemeClr val="lt1"/>
-    </dgm:linClrLst>
-    <dgm:effectClrLst/>
-    <dgm:txLinClrLst/>
-    <dgm:txFillClrLst/>
-    <dgm:txEffectClrLst/>
-  </dgm:styleLbl>
-  <dgm:styleLbl name="node2">
-    <dgm:fillClrLst>
-      <a:schemeClr val="accent2"/>
-    </dgm:fillClrLst>
-    <dgm:linClrLst meth="repeat">
-      <a:schemeClr val="lt1"/>
-    </dgm:linClrLst>
-    <dgm:effectClrLst/>
-    <dgm:txLinClrLst/>
-    <dgm:txFillClrLst/>
-    <dgm:txEffectClrLst/>
-  </dgm:styleLbl>
-  <dgm:styleLbl name="node3">
-    <dgm:fillClrLst>
-      <a:schemeClr val="accent3"/>
-    </dgm:fillClrLst>
-    <dgm:linClrLst meth="repeat">
-      <a:schemeClr val="lt1"/>
-    </dgm:linClrLst>
-    <dgm:effectClrLst/>
-    <dgm:txLinClrLst/>
-    <dgm:txFillClrLst/>
-    <dgm:txEffectClrLst/>
-  </dgm:styleLbl>
-  <dgm:styleLbl name="node4">
-    <dgm:fillClrLst>
-      <a:schemeClr val="accent4"/>
-    </dgm:fillClrLst>
-    <dgm:linClrLst meth="repeat">
-      <a:schemeClr val="lt1"/>
-    </dgm:linClrLst>
-    <dgm:effectClrLst/>
-    <dgm:txLinClrLst/>
-    <dgm:txFillClrLst/>
-    <dgm:txEffectClrLst/>
-  </dgm:styleLbl>
-  <dgm:styleLbl name="fgImgPlace1">
-    <dgm:fillClrLst meth="repeat">
-      <a:schemeClr val="accent2">
-        <a:tint val="50000"/>
-      </a:schemeClr>
-      <a:schemeClr val="accent3">
-        <a:tint val="50000"/>
-      </a:schemeClr>
-      <a:schemeClr val="accent4">
-        <a:tint val="50000"/>
-      </a:schemeClr>
-      <a:schemeClr val="accent5">
-        <a:tint val="50000"/>
-      </a:schemeClr>
-      <a:schemeClr val="accent6">
-        <a:tint val="50000"/>
-      </a:schemeClr>
-    </dgm:fillClrLst>
-    <dgm:linClrLst meth="repeat">
-      <a:schemeClr val="lt1"/>
-    </dgm:linClrLst>
-    <dgm:effectClrLst/>
-    <dgm:txLinClrLst/>
-    <dgm:txFillClrLst meth="repeat">
-      <a:schemeClr val="lt1"/>
-    </dgm:txFillClrLst>
-    <dgm:txEffectClrLst/>
-  </dgm:styleLbl>
-  <dgm:styleLbl name="alignImgPlace1">
-    <dgm:fillClrLst>
-      <a:schemeClr val="accent1">
-        <a:tint val="50000"/>
-      </a:schemeClr>
-      <a:schemeClr val="accent2">
-        <a:tint val="20000"/>
-      </a:schemeClr>
-    </dgm:fillClrLst>
-    <dgm:linClrLst meth="repeat">
-      <a:schemeClr val="lt1"/>
-    </dgm:linClrLst>
-    <dgm:effectClrLst/>
-    <dgm:txLinClrLst/>
-    <dgm:txFillClrLst meth="repeat">
-      <a:schemeClr val="lt1"/>
-    </dgm:txFillClrLst>
-    <dgm:txEffectClrLst/>
-  </dgm:styleLbl>
-  <dgm:styleLbl name="bgImgPlace1">
-    <dgm:fillClrLst>
-      <a:schemeClr val="accent1">
-        <a:tint val="50000"/>
-      </a:schemeClr>
-      <a:schemeClr val="accent2">
-        <a:tint val="20000"/>
-      </a:schemeClr>
-    </dgm:fillClrLst>
-    <dgm:linClrLst meth="repeat">
-      <a:schemeClr val="lt1"/>
-    </dgm:linClrLst>
-    <dgm:effectClrLst/>
-    <dgm:txLinClrLst/>
-    <dgm:txFillClrLst meth="repeat">
-      <a:schemeClr val="lt1"/>
-    </dgm:txFillClrLst>
-    <dgm:txEffectClrLst/>
-  </dgm:styleLbl>
-  <dgm:styleLbl name="sibTrans2D1">
-    <dgm:fillClrLst meth="repeat">
-      <a:schemeClr val="accent2"/>
-      <a:schemeClr val="accent3"/>
-      <a:schemeClr val="accent4"/>
-      <a:schemeClr val="accent5"/>
-      <a:schemeClr val="accent6"/>
-    </dgm:fillClrLst>
-    <dgm:linClrLst meth="cycle">
-      <a:schemeClr val="lt1"/>
-    </dgm:linClrLst>
-    <dgm:effectClrLst/>
-    <dgm:txLinClrLst/>
-    <dgm:txFillClrLst/>
-    <dgm:txEffectClrLst/>
-  </dgm:styleLbl>
-  <dgm:styleLbl name="fgSibTrans2D1">
-    <dgm:fillClrLst meth="repeat">
-      <a:schemeClr val="accent2"/>
-      <a:schemeClr val="accent3"/>
-      <a:schemeClr val="accent4"/>
-      <a:schemeClr val="accent5"/>
-      <a:schemeClr val="accent6"/>
-    </dgm:fillClrLst>
-    <dgm:linClrLst meth="cycle">
-      <a:schemeClr val="lt1"/>
-    </dgm:linClrLst>
-    <dgm:effectClrLst/>
-    <dgm:txLinClrLst/>
-    <dgm:txFillClrLst meth="repeat">
-      <a:schemeClr val="lt1"/>
-    </dgm:txFillClrLst>
-    <dgm:txEffectClrLst/>
-  </dgm:styleLbl>
-  <dgm:styleLbl name="bgSibTrans2D1">
-    <dgm:fillClrLst meth="repeat">
-      <a:schemeClr val="accent2"/>
-      <a:schemeClr val="accent3"/>
-      <a:schemeClr val="accent4"/>
-      <a:schemeClr val="accent5"/>
-      <a:schemeClr val="accent6"/>
-    </dgm:fillClrLst>
-    <dgm:linClrLst meth="cycle">
-      <a:schemeClr val="lt1"/>
-    </dgm:linClrLst>
-    <dgm:effectClrLst/>
-    <dgm:txLinClrLst/>
-    <dgm:txFillClrLst meth="repeat">
-      <a:schemeClr val="lt1"/>
-    </dgm:txFillClrLst>
-    <dgm:txEffectClrLst/>
-  </dgm:styleLbl>
-  <dgm:styleLbl name="sibTrans1D1">
-    <dgm:fillClrLst meth="repeat">
-      <a:schemeClr val="accent2"/>
-      <a:schemeClr val="accent3"/>
-      <a:schemeClr val="accent4"/>
-      <a:schemeClr val="accent5"/>
-      <a:schemeClr val="accent6"/>
-    </dgm:fillClrLst>
-    <dgm:linClrLst meth="repeat">
-      <a:schemeClr val="accent2"/>
-      <a:schemeClr val="accent3"/>
-      <a:schemeClr val="accent4"/>
-      <a:schemeClr val="accent5"/>
-      <a:schemeClr val="accent6"/>
-    </dgm:linClrLst>
-    <dgm:effectClrLst/>
-    <dgm:txLinClrLst/>
-    <dgm:txFillClrLst meth="repeat">
-      <a:schemeClr val="tx1"/>
-    </dgm:txFillClrLst>
-    <dgm:txEffectClrLst/>
-  </dgm:styleLbl>
-  <dgm:styleLbl name="callout">
-    <dgm:fillClrLst meth="repeat">
-      <a:schemeClr val="accent2"/>
-    </dgm:fillClrLst>
-    <dgm:linClrLst meth="repeat">
-      <a:schemeClr val="accent2">
-        <a:tint val="50000"/>
-      </a:schemeClr>
-    </dgm:linClrLst>
-    <dgm:effectClrLst/>
-    <dgm:txLinClrLst/>
-    <dgm:txFillClrLst meth="repeat">
-      <a:schemeClr val="tx1"/>
-    </dgm:txFillClrLst>
-    <dgm:txEffectClrLst/>
-  </dgm:styleLbl>
-  <dgm:styleLbl name="asst0">
-    <dgm:fillClrLst meth="repeat">
-      <a:schemeClr val="accent1"/>
-    </dgm:fillClrLst>
-    <dgm:linClrLst meth="repeat">
-      <a:schemeClr val="lt1"/>
-    </dgm:linClrLst>
-    <dgm:effectClrLst/>
-    <dgm:txLinClrLst/>
-    <dgm:txFillClrLst/>
-    <dgm:txEffectClrLst/>
-  </dgm:styleLbl>
-  <dgm:styleLbl name="asst1">
-    <dgm:fillClrLst meth="repeat">
-      <a:schemeClr val="accent2"/>
-    </dgm:fillClrLst>
-    <dgm:linClrLst meth="repeat">
-      <a:schemeClr val="lt1"/>
-    </dgm:linClrLst>
-    <dgm:effectClrLst/>
-    <dgm:txLinClrLst/>
-    <dgm:txFillClrLst/>
-    <dgm:txEffectClrLst/>
-  </dgm:styleLbl>
-  <dgm:styleLbl name="asst2">
-    <dgm:fillClrLst>
-      <a:schemeClr val="accent3"/>
-    </dgm:fillClrLst>
-    <dgm:linClrLst meth="repeat">
-      <a:schemeClr val="lt1"/>
-    </dgm:linClrLst>
-    <dgm:effectClrLst/>
-    <dgm:txLinClrLst/>
-    <dgm:txFillClrLst/>
-    <dgm:txEffectClrLst/>
-  </dgm:styleLbl>
-  <dgm:styleLbl name="asst3">
-    <dgm:fillClrLst>
-      <a:schemeClr val="accent4"/>
-    </dgm:fillClrLst>
-    <dgm:linClrLst meth="repeat">
-      <a:schemeClr val="lt1"/>
-    </dgm:linClrLst>
-    <dgm:effectClrLst/>
-    <dgm:txLinClrLst/>
-    <dgm:txFillClrLst/>
-    <dgm:txEffectClrLst/>
-  </dgm:styleLbl>
-  <dgm:styleLbl name="asst4">
-    <dgm:fillClrLst>
-      <a:schemeClr val="accent5"/>
-    </dgm:fillClrLst>
-    <dgm:linClrLst meth="repeat">
-      <a:schemeClr val="lt1"/>
-    </dgm:linClrLst>
-    <dgm:effectClrLst/>
-    <dgm:txLinClrLst/>
-    <dgm:txFillClrLst/>
-    <dgm:txEffectClrLst/>
-  </dgm:styleLbl>
-  <dgm:styleLbl name="parChTrans2D1">
-    <dgm:fillClrLst meth="repeat">
-      <a:schemeClr val="accent2"/>
-    </dgm:fillClrLst>
-    <dgm:linClrLst meth="repeat">
-      <a:schemeClr val="lt1"/>
-    </dgm:linClrLst>
-    <dgm:effectClrLst/>
-    <dgm:txLinClrLst/>
-    <dgm:txFillClrLst meth="repeat">
-      <a:schemeClr val="lt1"/>
-    </dgm:txFillClrLst>
-    <dgm:txEffectClrLst/>
-  </dgm:styleLbl>
-  <dgm:styleLbl name="parChTrans2D2">
-    <dgm:fillClrLst meth="repeat">
-      <a:schemeClr val="accent3"/>
-    </dgm:fillClrLst>
-    <dgm:linClrLst meth="repeat">
-      <a:schemeClr val="lt1"/>
-    </dgm:linClrLst>
-    <dgm:effectClrLst/>
-    <dgm:txLinClrLst/>
-    <dgm:txFillClrLst/>
-    <dgm:txEffectClrLst/>
-  </dgm:styleLbl>
-  <dgm:styleLbl name="parChTrans2D3">
-    <dgm:fillClrLst meth="repeat">
-      <a:schemeClr val="accent4"/>
-    </dgm:fillClrLst>
-    <dgm:linClrLst meth="repeat">
-      <a:schemeClr val="lt1"/>
-    </dgm:linClrLst>
-    <dgm:effectClrLst/>
-    <dgm:txLinClrLst/>
-    <dgm:txFillClrLst/>
-    <dgm:txEffectClrLst/>
-  </dgm:styleLbl>
-  <dgm:styleLbl name="parChTrans2D4">
-    <dgm:fillClrLst meth="repeat">
-      <a:schemeClr val="accent5"/>
-    </dgm:fillClrLst>
-    <dgm:linClrLst meth="repeat">
-      <a:schemeClr val="lt1"/>
-    </dgm:linClrLst>
-    <dgm:effectClrLst/>
-    <dgm:txLinClrLst/>
-    <dgm:txFillClrLst meth="repeat">
-      <a:schemeClr val="lt1"/>
-    </dgm:txFillClrLst>
-    <dgm:txEffectClrLst/>
-  </dgm:styleLbl>
-  <dgm:styleLbl name="parChTrans1D1">
-    <dgm:fillClrLst meth="repeat">
-      <a:schemeClr val="accent2"/>
-    </dgm:fillClrLst>
-    <dgm:linClrLst meth="repeat">
-      <a:schemeClr val="accent1"/>
-    </dgm:linClrLst>
-    <dgm:effectClrLst/>
-    <dgm:txLinClrLst/>
-    <dgm:txFillClrLst meth="repeat">
-      <a:schemeClr val="tx1"/>
-    </dgm:txFillClrLst>
-    <dgm:txEffectClrLst/>
-  </dgm:styleLbl>
-  <dgm:styleLbl name="parChTrans1D2">
-    <dgm:fillClrLst meth="repeat">
-      <a:schemeClr val="accent3">
-        <a:tint val="90000"/>
-      </a:schemeClr>
-    </dgm:fillClrLst>
-    <dgm:linClrLst meth="repeat">
-      <a:schemeClr val="accent2"/>
-    </dgm:linClrLst>
-    <dgm:effectClrLst/>
-    <dgm:txLinClrLst/>
-    <dgm:txFillClrLst meth="repeat">
-      <a:schemeClr val="tx1"/>
-    </dgm:txFillClrLst>
-    <dgm:txEffectClrLst/>
-  </dgm:styleLbl>
-  <dgm:styleLbl name="parChTrans1D3">
-    <dgm:fillClrLst meth="repeat">
-      <a:schemeClr val="accent4">
-        <a:tint val="70000"/>
-      </a:schemeClr>
-    </dgm:fillClrLst>
-    <dgm:linClrLst meth="repeat">
-      <a:schemeClr val="accent3"/>
-    </dgm:linClrLst>
-    <dgm:effectClrLst/>
-    <dgm:txLinClrLst/>
-    <dgm:txFillClrLst meth="repeat">
-      <a:schemeClr val="tx1"/>
-    </dgm:txFillClrLst>
-    <dgm:txEffectClrLst/>
-  </dgm:styleLbl>
-  <dgm:styleLbl name="parChTrans1D4">
-    <dgm:fillClrLst meth="repeat">
-      <a:schemeClr val="accent5">
-        <a:tint val="50000"/>
-      </a:schemeClr>
-    </dgm:fillClrLst>
-    <dgm:linClrLst meth="repeat">
-      <a:schemeClr val="accent4"/>
-    </dgm:linClrLst>
-    <dgm:effectClrLst/>
-    <dgm:txLinClrLst/>
-    <dgm:txFillClrLst meth="repeat">
-      <a:schemeClr val="tx1"/>
-    </dgm:txFillClrLst>
-    <dgm:txEffectClrLst/>
-  </dgm:styleLbl>
-  <dgm:styleLbl name="fgAcc1">
-    <dgm:fillClrLst meth="repeat">
-      <a:schemeClr val="lt1">
-        <a:alpha val="90000"/>
-      </a:schemeClr>
-    </dgm:fillClrLst>
-    <dgm:linClrLst meth="repeat">
-      <a:schemeClr val="accent2"/>
-      <a:schemeClr val="accent3"/>
-      <a:schemeClr val="accent4"/>
-      <a:schemeClr val="accent5"/>
-      <a:schemeClr val="accent6"/>
-    </dgm:linClrLst>
-    <dgm:effectClrLst/>
-    <dgm:txLinClrLst/>
-    <dgm:txFillClrLst meth="repeat">
-      <a:schemeClr val="dk1"/>
-    </dgm:txFillClrLst>
-    <dgm:txEffectClrLst/>
-  </dgm:styleLbl>
-  <dgm:styleLbl name="conFgAcc1">
-    <dgm:fillClrLst meth="repeat">
-      <a:schemeClr val="lt1">
-        <a:alpha val="90000"/>
-      </a:schemeClr>
-    </dgm:fillClrLst>
-    <dgm:linClrLst meth="repeat">
-      <a:schemeClr val="accent2"/>
-      <a:schemeClr val="accent3"/>
-      <a:schemeClr val="accent4"/>
-      <a:schemeClr val="accent5"/>
-      <a:schemeClr val="accent6"/>
-    </dgm:linClrLst>
-    <dgm:effectClrLst/>
-    <dgm:txLinClrLst/>
-    <dgm:txFillClrLst meth="repeat">
-      <a:schemeClr val="dk1"/>
-    </dgm:txFillClrLst>
-    <dgm:txEffectClrLst/>
-  </dgm:styleLbl>
-  <dgm:styleLbl name="alignAcc1">
-    <dgm:fillClrLst meth="repeat">
-      <a:schemeClr val="lt1">
-        <a:alpha val="90000"/>
-      </a:schemeClr>
-    </dgm:fillClrLst>
-    <dgm:linClrLst meth="repeat">
-      <a:schemeClr val="accent2"/>
-      <a:schemeClr val="accent3"/>
-      <a:schemeClr val="accent4"/>
-      <a:schemeClr val="accent5"/>
-      <a:schemeClr val="accent6"/>
-    </dgm:linClrLst>
-    <dgm:effectClrLst/>
-    <dgm:txLinClrLst/>
-    <dgm:txFillClrLst meth="repeat">
-      <a:schemeClr val="dk1"/>
-    </dgm:txFillClrLst>
-    <dgm:txEffectClrLst/>
-  </dgm:styleLbl>
-  <dgm:styleLbl name="trAlignAcc1">
-    <dgm:fillClrLst meth="repeat">
-      <a:schemeClr val="lt1">
-        <a:alpha val="40000"/>
-      </a:schemeClr>
-    </dgm:fillClrLst>
-    <dgm:linClrLst meth="repeat">
-      <a:schemeClr val="accent1"/>
-    </dgm:linClrLst>
-    <dgm:effectClrLst/>
-    <dgm:txLinClrLst/>
-    <dgm:txFillClrLst meth="repeat">
-      <a:schemeClr val="dk1"/>
-    </dgm:txFillClrLst>
-    <dgm:txEffectClrLst/>
-  </dgm:styleLbl>
-  <dgm:styleLbl name="bgAcc1">
-    <dgm:fillClrLst meth="repeat">
-      <a:schemeClr val="lt1">
-        <a:alpha val="90000"/>
-      </a:schemeClr>
-    </dgm:fillClrLst>
-    <dgm:linClrLst meth="repeat">
-      <a:schemeClr val="accent2"/>
-      <a:schemeClr val="accent3"/>
-      <a:schemeClr val="accent4"/>
-      <a:schemeClr val="accent5"/>
-      <a:schemeClr val="accent6"/>
-    </dgm:linClrLst>
-    <dgm:effectClrLst/>
-    <dgm:txLinClrLst/>
-    <dgm:txFillClrLst meth="repeat">
-      <a:schemeClr val="dk1"/>
-    </dgm:txFillClrLst>
-    <dgm:txEffectClrLst/>
-  </dgm:styleLbl>
-  <dgm:styleLbl name="solidFgAcc1">
-    <dgm:fillClrLst meth="repeat">
-      <a:schemeClr val="lt1"/>
-    </dgm:fillClrLst>
-    <dgm:linClrLst meth="repeat">
-      <a:schemeClr val="accent2"/>
-      <a:schemeClr val="accent3"/>
-      <a:schemeClr val="accent4"/>
-      <a:schemeClr val="accent5"/>
-      <a:schemeClr val="accent6"/>
-    </dgm:linClrLst>
-    <dgm:effectClrLst/>
-    <dgm:txLinClrLst/>
-    <dgm:txFillClrLst meth="repeat">
-      <a:schemeClr val="dk1"/>
-    </dgm:txFillClrLst>
-    <dgm:txEffectClrLst/>
-  </dgm:styleLbl>
-  <dgm:styleLbl name="solidAlignAcc1">
-    <dgm:fillClrLst meth="repeat">
-      <a:schemeClr val="lt1"/>
-    </dgm:fillClrLst>
-    <dgm:linClrLst meth="repeat">
-      <a:schemeClr val="accent2"/>
-      <a:schemeClr val="accent3"/>
-      <a:schemeClr val="accent4"/>
-      <a:schemeClr val="accent5"/>
-      <a:schemeClr val="accent6"/>
-    </dgm:linClrLst>
-    <dgm:effectClrLst/>
-    <dgm:txLinClrLst/>
-    <dgm:txFillClrLst meth="repeat">
-      <a:schemeClr val="dk1"/>
-    </dgm:txFillClrLst>
-    <dgm:txEffectClrLst/>
-  </dgm:styleLbl>
-  <dgm:styleLbl name="solidBgAcc1">
-    <dgm:fillClrLst meth="repeat">
-      <a:schemeClr val="lt1"/>
-    </dgm:fillClrLst>
-    <dgm:linClrLst meth="repeat">
-      <a:schemeClr val="accent2"/>
-      <a:schemeClr val="accent3"/>
-      <a:schemeClr val="accent4"/>
-      <a:schemeClr val="accent5"/>
-      <a:schemeClr val="accent6"/>
-    </dgm:linClrLst>
-    <dgm:effectClrLst/>
-    <dgm:txLinClrLst/>
-    <dgm:txFillClrLst meth="repeat">
-      <a:schemeClr val="dk1"/>
-    </dgm:txFillClrLst>
-    <dgm:txEffectClrLst/>
-  </dgm:styleLbl>
-  <dgm:styleLbl name="fgAccFollowNode1">
-    <dgm:fillClrLst meth="repeat">
-      <a:schemeClr val="accent2">
-        <a:tint val="40000"/>
-        <a:alpha val="90000"/>
-      </a:schemeClr>
-      <a:schemeClr val="accent3">
-        <a:tint val="40000"/>
-        <a:alpha val="90000"/>
-      </a:schemeClr>
-      <a:schemeClr val="accent4">
-        <a:tint val="40000"/>
-        <a:alpha val="90000"/>
-      </a:schemeClr>
-      <a:schemeClr val="accent5">
-        <a:tint val="40000"/>
-        <a:alpha val="90000"/>
-      </a:schemeClr>
-      <a:schemeClr val="accent6">
-        <a:tint val="40000"/>
-        <a:alpha val="90000"/>
-      </a:schemeClr>
-    </dgm:fillClrLst>
-    <dgm:linClrLst meth="repeat">
-      <a:schemeClr val="accent2">
-        <a:tint val="40000"/>
-        <a:alpha val="90000"/>
-      </a:schemeClr>
-      <a:schemeClr val="accent3">
-        <a:tint val="40000"/>
-        <a:alpha val="90000"/>
-      </a:schemeClr>
-      <a:schemeClr val="accent4">
-        <a:tint val="40000"/>
-        <a:alpha val="90000"/>
-      </a:schemeClr>
-      <a:schemeClr val="accent5">
-        <a:tint val="40000"/>
-        <a:alpha val="90000"/>
-      </a:schemeClr>
-      <a:schemeClr val="accent6">
-        <a:tint val="40000"/>
-        <a:alpha val="90000"/>
-      </a:schemeClr>
-    </dgm:linClrLst>
-    <dgm:effectClrLst/>
-    <dgm:txLinClrLst/>
-    <dgm:txFillClrLst meth="repeat">
-      <a:schemeClr val="dk1"/>
-    </dgm:txFillClrLst>
-    <dgm:txEffectClrLst/>
-  </dgm:styleLbl>
-  <dgm:styleLbl name="alignAccFollowNode1">
-    <dgm:fillClrLst meth="repeat">
-      <a:schemeClr val="accent2">
-        <a:tint val="40000"/>
-        <a:alpha val="90000"/>
-      </a:schemeClr>
-      <a:schemeClr val="accent3">
-        <a:tint val="40000"/>
-        <a:alpha val="90000"/>
-      </a:schemeClr>
-      <a:schemeClr val="accent4">
-        <a:tint val="40000"/>
-        <a:alpha val="90000"/>
-      </a:schemeClr>
-      <a:schemeClr val="accent5">
-        <a:tint val="40000"/>
-        <a:alpha val="90000"/>
-      </a:schemeClr>
-      <a:schemeClr val="accent6">
-        <a:tint val="40000"/>
-        <a:alpha val="90000"/>
-      </a:schemeClr>
-    </dgm:fillClrLst>
-    <dgm:linClrLst meth="repeat">
-      <a:schemeClr val="accent2">
-        <a:tint val="40000"/>
-        <a:alpha val="90000"/>
-      </a:schemeClr>
-      <a:schemeClr val="accent3">
-        <a:tint val="40000"/>
-        <a:alpha val="90000"/>
-      </a:schemeClr>
-      <a:schemeClr val="accent4">
-        <a:tint val="40000"/>
-        <a:alpha val="90000"/>
-      </a:schemeClr>
-      <a:schemeClr val="accent5">
-        <a:tint val="40000"/>
-        <a:alpha val="90000"/>
-      </a:schemeClr>
-      <a:schemeClr val="accent6">
-        <a:tint val="40000"/>
-        <a:alpha val="90000"/>
-      </a:schemeClr>
-    </dgm:linClrLst>
-    <dgm:effectClrLst/>
-    <dgm:txLinClrLst/>
-    <dgm:txFillClrLst meth="repeat">
-      <a:schemeClr val="dk1"/>
-    </dgm:txFillClrLst>
-    <dgm:txEffectClrLst/>
-  </dgm:styleLbl>
-  <dgm:styleLbl name="bgAccFollowNode1">
-    <dgm:fillClrLst meth="repeat">
-      <a:schemeClr val="accent2">
-        <a:tint val="40000"/>
-        <a:alpha val="90000"/>
-      </a:schemeClr>
-      <a:schemeClr val="accent3">
-        <a:tint val="40000"/>
-        <a:alpha val="90000"/>
-      </a:schemeClr>
-      <a:schemeClr val="accent4">
-        <a:tint val="40000"/>
-        <a:alpha val="90000"/>
-      </a:schemeClr>
-      <a:schemeClr val="accent5">
-        <a:tint val="40000"/>
-        <a:alpha val="90000"/>
-      </a:schemeClr>
-      <a:schemeClr val="accent6">
-        <a:tint val="40000"/>
-        <a:alpha val="90000"/>
-      </a:schemeClr>
-    </dgm:fillClrLst>
-    <dgm:linClrLst meth="repeat">
-      <a:schemeClr val="accent2">
-        <a:tint val="40000"/>
-        <a:alpha val="90000"/>
-      </a:schemeClr>
-      <a:schemeClr val="accent3">
-        <a:tint val="40000"/>
-        <a:alpha val="90000"/>
-      </a:schemeClr>
-      <a:schemeClr val="accent4">
-        <a:tint val="40000"/>
-        <a:alpha val="90000"/>
-      </a:schemeClr>
-      <a:schemeClr val="accent5">
-        <a:tint val="40000"/>
-        <a:alpha val="90000"/>
-      </a:schemeClr>
-      <a:schemeClr val="accent6">
-        <a:tint val="40000"/>
-        <a:alpha val="90000"/>
-      </a:schemeClr>
-    </dgm:linClrLst>
-    <dgm:effectClrLst/>
-    <dgm:txLinClrLst/>
-    <dgm:txFillClrLst meth="repeat">
-      <a:schemeClr val="dk1"/>
-    </dgm:txFillClrLst>
-    <dgm:txEffectClrLst/>
-  </dgm:styleLbl>
-  <dgm:styleLbl name="fgAcc0">
-    <dgm:fillClrLst meth="repeat">
-      <a:schemeClr val="lt1">
-        <a:alpha val="90000"/>
-      </a:schemeClr>
-    </dgm:fillClrLst>
-    <dgm:linClrLst>
-      <a:schemeClr val="accent1"/>
-    </dgm:linClrLst>
-    <dgm:effectClrLst/>
-    <dgm:txLinClrLst/>
-    <dgm:txFillClrLst meth="repeat">
-      <a:schemeClr val="dk1"/>
-    </dgm:txFillClrLst>
-    <dgm:txEffectClrLst/>
-  </dgm:styleLbl>
-  <dgm:styleLbl name="fgAcc2">
-    <dgm:fillClrLst meth="repeat">
-      <a:schemeClr val="lt1">
-        <a:alpha val="90000"/>
-      </a:schemeClr>
-    </dgm:fillClrLst>
-    <dgm:linClrLst>
-      <a:schemeClr val="accent2"/>
-    </dgm:linClrLst>
-    <dgm:effectClrLst/>
-    <dgm:txLinClrLst/>
-    <dgm:txFillClrLst meth="repeat">
-      <a:schemeClr val="dk1"/>
-    </dgm:txFillClrLst>
-    <dgm:txEffectClrLst/>
-  </dgm:styleLbl>
-  <dgm:styleLbl name="fgAcc3">
-    <dgm:fillClrLst meth="repeat">
-      <a:schemeClr val="lt1">
-        <a:alpha val="90000"/>
-      </a:schemeClr>
-    </dgm:fillClrLst>
-    <dgm:linClrLst>
-      <a:schemeClr val="accent3"/>
-    </dgm:linClrLst>
-    <dgm:effectClrLst/>
-    <dgm:txLinClrLst/>
-    <dgm:txFillClrLst meth="repeat">
-      <a:schemeClr val="dk1"/>
-    </dgm:txFillClrLst>
-    <dgm:txEffectClrLst/>
-  </dgm:styleLbl>
-  <dgm:styleLbl name="fgAcc4">
-    <dgm:fillClrLst meth="repeat">
-      <a:schemeClr val="lt1">
-        <a:alpha val="90000"/>
-      </a:schemeClr>
-    </dgm:fillClrLst>
-    <dgm:linClrLst>
-      <a:schemeClr val="accent4"/>
-    </dgm:linClrLst>
-    <dgm:effectClrLst/>
-    <dgm:txLinClrLst/>
-    <dgm:txFillClrLst meth="repeat">
-      <a:schemeClr val="dk1"/>
-    </dgm:txFillClrLst>
-    <dgm:txEffectClrLst/>
-  </dgm:styleLbl>
-  <dgm:styleLbl name="bgShp">
-    <dgm:fillClrLst meth="repeat">
-      <a:schemeClr val="accent2">
-        <a:tint val="40000"/>
-      </a:schemeClr>
-    </dgm:fillClrLst>
-    <dgm:linClrLst meth="repeat">
-      <a:schemeClr val="dk1"/>
-    </dgm:linClrLst>
-    <dgm:effectClrLst/>
-    <dgm:txLinClrLst/>
-    <dgm:txFillClrLst meth="repeat">
-      <a:schemeClr val="dk1"/>
-    </dgm:txFillClrLst>
-    <dgm:txEffectClrLst/>
-  </dgm:styleLbl>
-  <dgm:styleLbl name="dkBgShp">
-    <dgm:fillClrLst meth="repeat">
-      <a:schemeClr val="accent2">
-        <a:shade val="90000"/>
-      </a:schemeClr>
-    </dgm:fillClrLst>
-    <dgm:linClrLst meth="repeat">
-      <a:schemeClr val="dk1"/>
-    </dgm:linClrLst>
-    <dgm:effectClrLst/>
-    <dgm:txLinClrLst/>
-    <dgm:txFillClrLst meth="repeat">
-      <a:schemeClr val="lt1"/>
-    </dgm:txFillClrLst>
-    <dgm:txEffectClrLst/>
-  </dgm:styleLbl>
-  <dgm:styleLbl name="trBgShp">
-    <dgm:fillClrLst meth="repeat">
-      <a:schemeClr val="accent1">
-        <a:tint val="50000"/>
-        <a:alpha val="40000"/>
-      </a:schemeClr>
-    </dgm:fillClrLst>
-    <dgm:linClrLst meth="repeat">
-      <a:schemeClr val="accent2"/>
-    </dgm:linClrLst>
-    <dgm:effectClrLst/>
-    <dgm:txLinClrLst/>
-    <dgm:txFillClrLst meth="repeat">
-      <a:schemeClr val="lt1"/>
-    </dgm:txFillClrLst>
-    <dgm:txEffectClrLst/>
-  </dgm:styleLbl>
-  <dgm:styleLbl name="fgShp">
-    <dgm:fillClrLst meth="repeat">
-      <a:schemeClr val="accent2">
-        <a:tint val="40000"/>
-      </a:schemeClr>
-    </dgm:fillClrLst>
-    <dgm:linClrLst meth="repeat">
-      <a:schemeClr val="lt1"/>
-    </dgm:linClrLst>
-    <dgm:effectClrLst/>
-    <dgm:txLinClrLst/>
-    <dgm:txFillClrLst meth="repeat">
-      <a:schemeClr val="dk1"/>
-    </dgm:txFillClrLst>
-    <dgm:txEffectClrLst/>
-  </dgm:styleLbl>
-  <dgm:styleLbl name="revTx">
-    <dgm:fillClrLst meth="repeat">
-      <a:schemeClr val="lt1">
-        <a:alpha val="0"/>
-      </a:schemeClr>
-    </dgm:fillClrLst>
-    <dgm:linClrLst meth="repeat">
-      <a:schemeClr val="dk1">
-        <a:alpha val="0"/>
-      </a:schemeClr>
-    </dgm:linClrLst>
-    <dgm:effectClrLst/>
-    <dgm:txLinClrLst/>
-    <dgm:txFillClrLst meth="repeat">
-      <a:schemeClr val="tx1"/>
-    </dgm:txFillClrLst>
-    <dgm:txEffectClrLst/>
-  </dgm:styleLbl>
-</dgm:colorsDef>
-</file>
-
-<file path=ppt/diagrams/colors8.xml><?xml version="1.0" encoding="utf-8"?>
 <dgm:colorsDef xmlns:dgm="http://schemas.openxmlformats.org/drawingml/2006/diagram" xmlns:a="http://schemas.openxmlformats.org/drawingml/2006/main" uniqueId="urn:microsoft.com/office/officeart/2018/5/colors/Iconchunking_neutralicontext_colorful1">
   <dgm:title val=""/>
   <dgm:desc val=""/>
@@ -7212,7 +6295,7 @@
 </dgm:colorsDef>
 </file>
 
-<file path=ppt/diagrams/colors9.xml><?xml version="1.0" encoding="utf-8"?>
+<file path=ppt/diagrams/colors8.xml><?xml version="1.0" encoding="utf-8"?>
 <dgm:colorsDef xmlns:dgm="http://schemas.openxmlformats.org/drawingml/2006/diagram" xmlns:a="http://schemas.openxmlformats.org/drawingml/2006/main" uniqueId="urn:microsoft.com/office/officeart/2005/8/colors/colorful5">
   <dgm:title val=""/>
   <dgm:desc val=""/>
@@ -8136,7 +7219,7 @@
   <dgm:whole/>
   <dgm:extLst>
     <a:ext uri="http://schemas.microsoft.com/office/drawing/2008/diagram">
-      <dsp:dataModelExt xmlns:dsp="http://schemas.microsoft.com/office/drawing/2008/diagram" relId="rId6" minVer="http://schemas.openxmlformats.org/drawingml/2006/diagram"/>
+      <dsp:dataModelExt xmlns:dsp="http://schemas.microsoft.com/office/drawing/2008/diagram" relId="rId7" minVer="http://schemas.openxmlformats.org/drawingml/2006/diagram"/>
     </a:ext>
   </dgm:extLst>
 </dgm:dataModel>
@@ -8470,7 +7553,7 @@
   <dgm:whole/>
   <dgm:extLst>
     <a:ext uri="http://schemas.microsoft.com/office/drawing/2008/diagram">
-      <dsp:dataModelExt xmlns:dsp="http://schemas.microsoft.com/office/drawing/2008/diagram" relId="rId6" minVer="http://schemas.openxmlformats.org/drawingml/2006/diagram"/>
+      <dsp:dataModelExt xmlns:dsp="http://schemas.microsoft.com/office/drawing/2008/diagram" relId="rId7" minVer="http://schemas.openxmlformats.org/drawingml/2006/diagram"/>
     </a:ext>
   </dgm:extLst>
 </dgm:dataModel>
@@ -8761,7 +7844,7 @@
   <dgm:whole/>
   <dgm:extLst>
     <a:ext uri="http://schemas.microsoft.com/office/drawing/2008/diagram">
-      <dsp:dataModelExt xmlns:dsp="http://schemas.microsoft.com/office/drawing/2008/diagram" relId="rId6" minVer="http://schemas.openxmlformats.org/drawingml/2006/diagram"/>
+      <dsp:dataModelExt xmlns:dsp="http://schemas.microsoft.com/office/drawing/2008/diagram" relId="rId7" minVer="http://schemas.openxmlformats.org/drawingml/2006/diagram"/>
     </a:ext>
   </dgm:extLst>
 </dgm:dataModel>
@@ -9164,519 +8247,13 @@
   <dgm:whole/>
   <dgm:extLst>
     <a:ext uri="http://schemas.microsoft.com/office/drawing/2008/diagram">
-      <dsp:dataModelExt xmlns:dsp="http://schemas.microsoft.com/office/drawing/2008/diagram" relId="rId6" minVer="http://schemas.openxmlformats.org/drawingml/2006/diagram"/>
+      <dsp:dataModelExt xmlns:dsp="http://schemas.microsoft.com/office/drawing/2008/diagram" relId="rId7" minVer="http://schemas.openxmlformats.org/drawingml/2006/diagram"/>
     </a:ext>
   </dgm:extLst>
 </dgm:dataModel>
 </file>
 
 <file path=ppt/diagrams/data5.xml><?xml version="1.0" encoding="utf-8"?>
-<dgm:dataModel xmlns:dgm="http://schemas.openxmlformats.org/drawingml/2006/diagram" xmlns:a="http://schemas.openxmlformats.org/drawingml/2006/main">
-  <dgm:ptLst>
-    <dgm:pt modelId="{44CF9D09-9395-41DF-ABBE-AB0F53831969}" type="doc">
-      <dgm:prSet loTypeId="urn:microsoft.com/office/officeart/2005/8/layout/vList2" loCatId="list" qsTypeId="urn:microsoft.com/office/officeart/2005/8/quickstyle/simple1" qsCatId="simple" csTypeId="urn:microsoft.com/office/officeart/2005/8/colors/colorful1" csCatId="colorful"/>
-      <dgm:spPr/>
-      <dgm:t>
-        <a:bodyPr/>
-        <a:lstStyle/>
-        <a:p>
-          <a:endParaRPr lang="en-US"/>
-        </a:p>
-      </dgm:t>
-    </dgm:pt>
-    <dgm:pt modelId="{9BAF4733-02CE-4E86-A99D-7E6540AE3930}">
-      <dgm:prSet/>
-      <dgm:spPr/>
-      <dgm:t>
-        <a:bodyPr/>
-        <a:lstStyle/>
-        <a:p>
-          <a:r>
-            <a:rPr kumimoji="1" lang="ja-JP"/>
-            <a:t>再帰関数</a:t>
-          </a:r>
-          <a:r>
-            <a:rPr kumimoji="1" lang="en-US"/>
-            <a:t>:</a:t>
-          </a:r>
-          <a:r>
-            <a:rPr kumimoji="1" lang="ja-JP"/>
-            <a:t> </a:t>
-          </a:r>
-          <a:r>
-            <a:rPr kumimoji="1" lang="en-US"/>
-            <a:t>searching(</a:t>
-          </a:r>
-          <a:r>
-            <a:rPr kumimoji="1" lang="ja-JP"/>
-            <a:t>始点</a:t>
-          </a:r>
-          <a:r>
-            <a:rPr kumimoji="1" lang="en-US"/>
-            <a:t>/</a:t>
-          </a:r>
-          <a:r>
-            <a:rPr kumimoji="1" lang="ja-JP"/>
-            <a:t>線</a:t>
-          </a:r>
-          <a:r>
-            <a:rPr kumimoji="1" lang="en-US"/>
-            <a:t>,</a:t>
-          </a:r>
-          <a:r>
-            <a:rPr kumimoji="1" lang="ja-JP"/>
-            <a:t> 終点</a:t>
-          </a:r>
-          <a:r>
-            <a:rPr kumimoji="1" lang="en-US"/>
-            <a:t>,</a:t>
-          </a:r>
-          <a:r>
-            <a:rPr kumimoji="1" lang="ja-JP"/>
-            <a:t> 経由点</a:t>
-          </a:r>
-          <a:r>
-            <a:rPr kumimoji="1" lang="en-US"/>
-            <a:t>/</a:t>
-          </a:r>
-          <a:r>
-            <a:rPr kumimoji="1" lang="ja-JP"/>
-            <a:t>線リスト</a:t>
-          </a:r>
-          <a:r>
-            <a:rPr kumimoji="1" lang="en-US"/>
-            <a:t>,</a:t>
-          </a:r>
-          <a:r>
-            <a:rPr kumimoji="1" lang="ja-JP"/>
-            <a:t> ルートリスト</a:t>
-          </a:r>
-          <a:r>
-            <a:rPr kumimoji="1" lang="en-US"/>
-            <a:t>)</a:t>
-          </a:r>
-          <a:endParaRPr lang="en-US"/>
-        </a:p>
-      </dgm:t>
-    </dgm:pt>
-    <dgm:pt modelId="{776E9D3C-3441-4BFB-BEFC-9DC01045E648}" type="parTrans" cxnId="{C82DD4EF-F1E1-432B-ADA9-BD0E75B68F92}">
-      <dgm:prSet/>
-      <dgm:spPr/>
-      <dgm:t>
-        <a:bodyPr/>
-        <a:lstStyle/>
-        <a:p>
-          <a:endParaRPr lang="en-US"/>
-        </a:p>
-      </dgm:t>
-    </dgm:pt>
-    <dgm:pt modelId="{1D722672-78C5-4B71-A2E1-3EBC8FAC42D5}" type="sibTrans" cxnId="{C82DD4EF-F1E1-432B-ADA9-BD0E75B68F92}">
-      <dgm:prSet/>
-      <dgm:spPr/>
-      <dgm:t>
-        <a:bodyPr/>
-        <a:lstStyle/>
-        <a:p>
-          <a:endParaRPr lang="en-US"/>
-        </a:p>
-      </dgm:t>
-    </dgm:pt>
-    <dgm:pt modelId="{160938E7-5092-496A-80E4-0314CB391D2D}">
-      <dgm:prSet/>
-      <dgm:spPr/>
-      <dgm:t>
-        <a:bodyPr/>
-        <a:lstStyle/>
-        <a:p>
-          <a:r>
-            <a:rPr kumimoji="1" lang="ja-JP"/>
-            <a:t>始点に対する全ての接線に対して</a:t>
-          </a:r>
-          <a:r>
-            <a:rPr kumimoji="1" lang="en-US"/>
-            <a:t>searching(</a:t>
-          </a:r>
-          <a:r>
-            <a:rPr kumimoji="1" lang="ja-JP"/>
-            <a:t>始線</a:t>
-          </a:r>
-          <a:r>
-            <a:rPr kumimoji="1" lang="en-US"/>
-            <a:t>=</a:t>
-          </a:r>
-          <a:r>
-            <a:rPr kumimoji="1" lang="ja-JP"/>
-            <a:t>接線</a:t>
-          </a:r>
-          <a:r>
-            <a:rPr kumimoji="1" lang="en-US"/>
-            <a:t>,</a:t>
-          </a:r>
-          <a:r>
-            <a:rPr kumimoji="1" lang="ja-JP"/>
-            <a:t> 終点</a:t>
-          </a:r>
-          <a:r>
-            <a:rPr kumimoji="1" lang="en-US"/>
-            <a:t>)</a:t>
-          </a:r>
-          <a:endParaRPr lang="en-US"/>
-        </a:p>
-      </dgm:t>
-    </dgm:pt>
-    <dgm:pt modelId="{97AC5B70-089C-4933-9494-CCDB0AED0167}" type="parTrans" cxnId="{4AEDD5D0-14EB-4453-8395-AE8476E043EF}">
-      <dgm:prSet/>
-      <dgm:spPr/>
-      <dgm:t>
-        <a:bodyPr/>
-        <a:lstStyle/>
-        <a:p>
-          <a:endParaRPr lang="en-US"/>
-        </a:p>
-      </dgm:t>
-    </dgm:pt>
-    <dgm:pt modelId="{B5A32468-90C4-4645-9115-E899901B2D2D}" type="sibTrans" cxnId="{4AEDD5D0-14EB-4453-8395-AE8476E043EF}">
-      <dgm:prSet/>
-      <dgm:spPr/>
-      <dgm:t>
-        <a:bodyPr/>
-        <a:lstStyle/>
-        <a:p>
-          <a:endParaRPr lang="en-US"/>
-        </a:p>
-      </dgm:t>
-    </dgm:pt>
-    <dgm:pt modelId="{B1E3E61D-B425-496F-92E7-EA7A6FFA19E7}">
-      <dgm:prSet/>
-      <dgm:spPr/>
-      <dgm:t>
-        <a:bodyPr/>
-        <a:lstStyle/>
-        <a:p>
-          <a:r>
-            <a:rPr kumimoji="1" lang="ja-JP"/>
-            <a:t>始線に対して</a:t>
-          </a:r>
-          <a:r>
-            <a:rPr kumimoji="1" lang="en-US"/>
-            <a:t>,</a:t>
-          </a:r>
-          <a:r>
-            <a:rPr kumimoji="1" lang="ja-JP"/>
-            <a:t> </a:t>
-          </a:r>
-          <a:r>
-            <a:rPr kumimoji="1" lang="en-US"/>
-            <a:t>1</a:t>
-          </a:r>
-          <a:r>
-            <a:rPr kumimoji="1" lang="ja-JP"/>
-            <a:t>の点</a:t>
-          </a:r>
-          <a:r>
-            <a:rPr kumimoji="1" lang="en-US"/>
-            <a:t>±1</a:t>
-          </a:r>
-          <a:r>
-            <a:rPr kumimoji="1" lang="ja-JP"/>
-            <a:t>の接点に対して</a:t>
-          </a:r>
-          <a:r>
-            <a:rPr kumimoji="1" lang="en-US"/>
-            <a:t>searching(</a:t>
-          </a:r>
-          <a:r>
-            <a:rPr kumimoji="1" lang="ja-JP"/>
-            <a:t>始点</a:t>
-          </a:r>
-          <a:r>
-            <a:rPr kumimoji="1" lang="en-US"/>
-            <a:t>=</a:t>
-          </a:r>
-          <a:r>
-            <a:rPr kumimoji="1" lang="ja-JP"/>
-            <a:t>接点</a:t>
-          </a:r>
-          <a:r>
-            <a:rPr kumimoji="1" lang="en-US"/>
-            <a:t>,</a:t>
-          </a:r>
-          <a:r>
-            <a:rPr kumimoji="1" lang="ja-JP"/>
-            <a:t> 終点</a:t>
-          </a:r>
-          <a:r>
-            <a:rPr kumimoji="1" lang="en-US"/>
-            <a:t>)</a:t>
-          </a:r>
-          <a:endParaRPr lang="en-US"/>
-        </a:p>
-      </dgm:t>
-    </dgm:pt>
-    <dgm:pt modelId="{92F63B06-E5BF-4576-885C-A6FF8BCB47C3}" type="parTrans" cxnId="{B9EADCFA-5EC8-49E9-AD93-7874AD4087EC}">
-      <dgm:prSet/>
-      <dgm:spPr/>
-      <dgm:t>
-        <a:bodyPr/>
-        <a:lstStyle/>
-        <a:p>
-          <a:endParaRPr lang="en-US"/>
-        </a:p>
-      </dgm:t>
-    </dgm:pt>
-    <dgm:pt modelId="{9CB5A483-4706-4F75-8FB2-C7AC89FA8DFF}" type="sibTrans" cxnId="{B9EADCFA-5EC8-49E9-AD93-7874AD4087EC}">
-      <dgm:prSet/>
-      <dgm:spPr/>
-      <dgm:t>
-        <a:bodyPr/>
-        <a:lstStyle/>
-        <a:p>
-          <a:endParaRPr lang="en-US"/>
-        </a:p>
-      </dgm:t>
-    </dgm:pt>
-    <dgm:pt modelId="{5DE6D9DF-1A25-46F1-BE14-FAAAA190AA41}">
-      <dgm:prSet/>
-      <dgm:spPr/>
-      <dgm:t>
-        <a:bodyPr/>
-        <a:lstStyle/>
-        <a:p>
-          <a:r>
-            <a:rPr kumimoji="1" lang="en-US"/>
-            <a:t>1</a:t>
-          </a:r>
-          <a:r>
-            <a:rPr kumimoji="1" lang="ja-JP"/>
-            <a:t>と</a:t>
-          </a:r>
-          <a:r>
-            <a:rPr kumimoji="1" lang="en-US"/>
-            <a:t>2</a:t>
-          </a:r>
-          <a:r>
-            <a:rPr kumimoji="1" lang="ja-JP"/>
-            <a:t>を繰り返し</a:t>
-          </a:r>
-          <a:r>
-            <a:rPr kumimoji="1" lang="en-US"/>
-            <a:t>,</a:t>
-          </a:r>
-          <a:r>
-            <a:rPr kumimoji="1" lang="ja-JP"/>
-            <a:t> </a:t>
-          </a:r>
-          <a:r>
-            <a:rPr kumimoji="1" lang="en-US"/>
-            <a:t>{ </a:t>
-          </a:r>
-          <a:r>
-            <a:rPr kumimoji="1" lang="ja-JP"/>
-            <a:t>終点</a:t>
-          </a:r>
-          <a:r>
-            <a:rPr kumimoji="1" lang="en-US"/>
-            <a:t>=</a:t>
-          </a:r>
-          <a:r>
-            <a:rPr kumimoji="1" lang="ja-JP"/>
-            <a:t>始点</a:t>
-          </a:r>
-          <a:r>
-            <a:rPr kumimoji="1" lang="en-US"/>
-            <a:t> or </a:t>
-          </a:r>
-          <a:r>
-            <a:rPr kumimoji="1" lang="ja-JP"/>
-            <a:t>始点</a:t>
-          </a:r>
-          <a:r>
-            <a:rPr kumimoji="1" lang="en-US"/>
-            <a:t>=</a:t>
-          </a:r>
-          <a:r>
-            <a:rPr kumimoji="1" lang="ja-JP"/>
-            <a:t>通った点</a:t>
-          </a:r>
-          <a:r>
-            <a:rPr kumimoji="1" lang="en-US"/>
-            <a:t>}</a:t>
-          </a:r>
-          <a:r>
-            <a:rPr kumimoji="1" lang="ja-JP"/>
-            <a:t> まで再帰</a:t>
-          </a:r>
-          <a:endParaRPr lang="en-US"/>
-        </a:p>
-      </dgm:t>
-    </dgm:pt>
-    <dgm:pt modelId="{732DEA81-352F-4814-A428-E9A4407BC287}" type="parTrans" cxnId="{7C8F4873-0E7C-4023-9E15-C204DBF89BBD}">
-      <dgm:prSet/>
-      <dgm:spPr/>
-      <dgm:t>
-        <a:bodyPr/>
-        <a:lstStyle/>
-        <a:p>
-          <a:endParaRPr lang="en-US"/>
-        </a:p>
-      </dgm:t>
-    </dgm:pt>
-    <dgm:pt modelId="{B6E021AA-FF8A-4546-AE91-AB5583B43307}" type="sibTrans" cxnId="{7C8F4873-0E7C-4023-9E15-C204DBF89BBD}">
-      <dgm:prSet/>
-      <dgm:spPr/>
-      <dgm:t>
-        <a:bodyPr/>
-        <a:lstStyle/>
-        <a:p>
-          <a:endParaRPr lang="en-US"/>
-        </a:p>
-      </dgm:t>
-    </dgm:pt>
-    <dgm:pt modelId="{B2DF2A45-0F23-4034-ADAF-EFFAF10FD041}">
-      <dgm:prSet/>
-      <dgm:spPr/>
-      <dgm:t>
-        <a:bodyPr/>
-        <a:lstStyle/>
-        <a:p>
-          <a:r>
-            <a:rPr kumimoji="1" lang="en-US"/>
-            <a:t>If</a:t>
-          </a:r>
-          <a:r>
-            <a:rPr kumimoji="1" lang="ja-JP"/>
-            <a:t> 始点</a:t>
-          </a:r>
-          <a:r>
-            <a:rPr kumimoji="1" lang="en-US"/>
-            <a:t>=</a:t>
-          </a:r>
-          <a:r>
-            <a:rPr kumimoji="1" lang="ja-JP"/>
-            <a:t>終点 → ルートリストに経由点リストを追加し</a:t>
-          </a:r>
-          <a:r>
-            <a:rPr kumimoji="1" lang="en-US"/>
-            <a:t>, Fin</a:t>
-          </a:r>
-          <a:endParaRPr lang="en-US"/>
-        </a:p>
-      </dgm:t>
-    </dgm:pt>
-    <dgm:pt modelId="{FDF9A57D-2879-418D-9099-40870280DD16}" type="parTrans" cxnId="{3A2F9F23-5C00-4C43-88EC-A1CD10289CB7}">
-      <dgm:prSet/>
-      <dgm:spPr/>
-      <dgm:t>
-        <a:bodyPr/>
-        <a:lstStyle/>
-        <a:p>
-          <a:endParaRPr lang="en-US"/>
-        </a:p>
-      </dgm:t>
-    </dgm:pt>
-    <dgm:pt modelId="{67AC941F-BAE7-46B4-955E-424E4B0EEC3B}" type="sibTrans" cxnId="{3A2F9F23-5C00-4C43-88EC-A1CD10289CB7}">
-      <dgm:prSet/>
-      <dgm:spPr/>
-      <dgm:t>
-        <a:bodyPr/>
-        <a:lstStyle/>
-        <a:p>
-          <a:endParaRPr lang="en-US"/>
-        </a:p>
-      </dgm:t>
-    </dgm:pt>
-    <dgm:pt modelId="{9B194D22-04AC-40A7-9633-9F6259D3D84A}">
-      <dgm:prSet/>
-      <dgm:spPr/>
-      <dgm:t>
-        <a:bodyPr/>
-        <a:lstStyle/>
-        <a:p>
-          <a:r>
-            <a:rPr kumimoji="1" lang="en-US"/>
-            <a:t>Else: Fin</a:t>
-          </a:r>
-          <a:endParaRPr lang="en-US"/>
-        </a:p>
-      </dgm:t>
-    </dgm:pt>
-    <dgm:pt modelId="{1989FB5F-56D3-4199-94A8-409D131A83C5}" type="parTrans" cxnId="{B1CB54CA-0E63-4E47-BD8D-956D113FE2AE}">
-      <dgm:prSet/>
-      <dgm:spPr/>
-      <dgm:t>
-        <a:bodyPr/>
-        <a:lstStyle/>
-        <a:p>
-          <a:endParaRPr lang="en-US"/>
-        </a:p>
-      </dgm:t>
-    </dgm:pt>
-    <dgm:pt modelId="{405CAC48-A32D-41F9-B5E4-00BF1B978CBA}" type="sibTrans" cxnId="{B1CB54CA-0E63-4E47-BD8D-956D113FE2AE}">
-      <dgm:prSet/>
-      <dgm:spPr/>
-      <dgm:t>
-        <a:bodyPr/>
-        <a:lstStyle/>
-        <a:p>
-          <a:endParaRPr lang="en-US"/>
-        </a:p>
-      </dgm:t>
-    </dgm:pt>
-    <dgm:pt modelId="{503E6E5D-63C2-C741-BE39-0806843E8E1E}" type="pres">
-      <dgm:prSet presAssocID="{44CF9D09-9395-41DF-ABBE-AB0F53831969}" presName="linear" presStyleCnt="0">
-        <dgm:presLayoutVars>
-          <dgm:animLvl val="lvl"/>
-          <dgm:resizeHandles val="exact"/>
-        </dgm:presLayoutVars>
-      </dgm:prSet>
-      <dgm:spPr/>
-    </dgm:pt>
-    <dgm:pt modelId="{A9C46D8F-DA10-874C-B46A-4FDB0C9E3F66}" type="pres">
-      <dgm:prSet presAssocID="{9BAF4733-02CE-4E86-A99D-7E6540AE3930}" presName="parentText" presStyleLbl="node1" presStyleIdx="0" presStyleCnt="1">
-        <dgm:presLayoutVars>
-          <dgm:chMax val="0"/>
-          <dgm:bulletEnabled val="1"/>
-        </dgm:presLayoutVars>
-      </dgm:prSet>
-      <dgm:spPr/>
-    </dgm:pt>
-    <dgm:pt modelId="{9A9D22DF-F515-F240-8B22-F5DA7E1EDA5D}" type="pres">
-      <dgm:prSet presAssocID="{9BAF4733-02CE-4E86-A99D-7E6540AE3930}" presName="childText" presStyleLbl="revTx" presStyleIdx="0" presStyleCnt="1">
-        <dgm:presLayoutVars>
-          <dgm:bulletEnabled val="1"/>
-        </dgm:presLayoutVars>
-      </dgm:prSet>
-      <dgm:spPr/>
-    </dgm:pt>
-  </dgm:ptLst>
-  <dgm:cxnLst>
-    <dgm:cxn modelId="{C9D26C09-5D2F-6A43-BBF2-D16D325012F4}" type="presOf" srcId="{B1E3E61D-B425-496F-92E7-EA7A6FFA19E7}" destId="{9A9D22DF-F515-F240-8B22-F5DA7E1EDA5D}" srcOrd="0" destOrd="1" presId="urn:microsoft.com/office/officeart/2005/8/layout/vList2"/>
-    <dgm:cxn modelId="{3A2F9F23-5C00-4C43-88EC-A1CD10289CB7}" srcId="{9BAF4733-02CE-4E86-A99D-7E6540AE3930}" destId="{B2DF2A45-0F23-4034-ADAF-EFFAF10FD041}" srcOrd="3" destOrd="0" parTransId="{FDF9A57D-2879-418D-9099-40870280DD16}" sibTransId="{67AC941F-BAE7-46B4-955E-424E4B0EEC3B}"/>
-    <dgm:cxn modelId="{6DFFD131-1223-824B-91D4-3742306B3C0E}" type="presOf" srcId="{5DE6D9DF-1A25-46F1-BE14-FAAAA190AA41}" destId="{9A9D22DF-F515-F240-8B22-F5DA7E1EDA5D}" srcOrd="0" destOrd="2" presId="urn:microsoft.com/office/officeart/2005/8/layout/vList2"/>
-    <dgm:cxn modelId="{F60CE949-2B79-2144-BF84-98C76B0EC98B}" type="presOf" srcId="{9BAF4733-02CE-4E86-A99D-7E6540AE3930}" destId="{A9C46D8F-DA10-874C-B46A-4FDB0C9E3F66}" srcOrd="0" destOrd="0" presId="urn:microsoft.com/office/officeart/2005/8/layout/vList2"/>
-    <dgm:cxn modelId="{C609B44C-290E-DC49-ADBF-F091CF9B9F42}" type="presOf" srcId="{160938E7-5092-496A-80E4-0314CB391D2D}" destId="{9A9D22DF-F515-F240-8B22-F5DA7E1EDA5D}" srcOrd="0" destOrd="0" presId="urn:microsoft.com/office/officeart/2005/8/layout/vList2"/>
-    <dgm:cxn modelId="{7C8F4873-0E7C-4023-9E15-C204DBF89BBD}" srcId="{9BAF4733-02CE-4E86-A99D-7E6540AE3930}" destId="{5DE6D9DF-1A25-46F1-BE14-FAAAA190AA41}" srcOrd="2" destOrd="0" parTransId="{732DEA81-352F-4814-A428-E9A4407BC287}" sibTransId="{B6E021AA-FF8A-4546-AE91-AB5583B43307}"/>
-    <dgm:cxn modelId="{2715139A-3D6D-DE46-BA03-81783BF39ACE}" type="presOf" srcId="{44CF9D09-9395-41DF-ABBE-AB0F53831969}" destId="{503E6E5D-63C2-C741-BE39-0806843E8E1E}" srcOrd="0" destOrd="0" presId="urn:microsoft.com/office/officeart/2005/8/layout/vList2"/>
-    <dgm:cxn modelId="{7C7FEFA9-A5FE-D447-A955-D72563814593}" type="presOf" srcId="{B2DF2A45-0F23-4034-ADAF-EFFAF10FD041}" destId="{9A9D22DF-F515-F240-8B22-F5DA7E1EDA5D}" srcOrd="0" destOrd="3" presId="urn:microsoft.com/office/officeart/2005/8/layout/vList2"/>
-    <dgm:cxn modelId="{B1CB54CA-0E63-4E47-BD8D-956D113FE2AE}" srcId="{9BAF4733-02CE-4E86-A99D-7E6540AE3930}" destId="{9B194D22-04AC-40A7-9633-9F6259D3D84A}" srcOrd="4" destOrd="0" parTransId="{1989FB5F-56D3-4199-94A8-409D131A83C5}" sibTransId="{405CAC48-A32D-41F9-B5E4-00BF1B978CBA}"/>
-    <dgm:cxn modelId="{4AEDD5D0-14EB-4453-8395-AE8476E043EF}" srcId="{9BAF4733-02CE-4E86-A99D-7E6540AE3930}" destId="{160938E7-5092-496A-80E4-0314CB391D2D}" srcOrd="0" destOrd="0" parTransId="{97AC5B70-089C-4933-9494-CCDB0AED0167}" sibTransId="{B5A32468-90C4-4645-9115-E899901B2D2D}"/>
-    <dgm:cxn modelId="{73FDCFD1-4029-8149-B780-0C721ADBAA64}" type="presOf" srcId="{9B194D22-04AC-40A7-9633-9F6259D3D84A}" destId="{9A9D22DF-F515-F240-8B22-F5DA7E1EDA5D}" srcOrd="0" destOrd="4" presId="urn:microsoft.com/office/officeart/2005/8/layout/vList2"/>
-    <dgm:cxn modelId="{C82DD4EF-F1E1-432B-ADA9-BD0E75B68F92}" srcId="{44CF9D09-9395-41DF-ABBE-AB0F53831969}" destId="{9BAF4733-02CE-4E86-A99D-7E6540AE3930}" srcOrd="0" destOrd="0" parTransId="{776E9D3C-3441-4BFB-BEFC-9DC01045E648}" sibTransId="{1D722672-78C5-4B71-A2E1-3EBC8FAC42D5}"/>
-    <dgm:cxn modelId="{B9EADCFA-5EC8-49E9-AD93-7874AD4087EC}" srcId="{9BAF4733-02CE-4E86-A99D-7E6540AE3930}" destId="{B1E3E61D-B425-496F-92E7-EA7A6FFA19E7}" srcOrd="1" destOrd="0" parTransId="{92F63B06-E5BF-4576-885C-A6FF8BCB47C3}" sibTransId="{9CB5A483-4706-4F75-8FB2-C7AC89FA8DFF}"/>
-    <dgm:cxn modelId="{C461D288-1798-7445-A96D-87CE415DC205}" type="presParOf" srcId="{503E6E5D-63C2-C741-BE39-0806843E8E1E}" destId="{A9C46D8F-DA10-874C-B46A-4FDB0C9E3F66}" srcOrd="0" destOrd="0" presId="urn:microsoft.com/office/officeart/2005/8/layout/vList2"/>
-    <dgm:cxn modelId="{16F938EF-FD35-354B-9963-AF4BA40193AF}" type="presParOf" srcId="{503E6E5D-63C2-C741-BE39-0806843E8E1E}" destId="{9A9D22DF-F515-F240-8B22-F5DA7E1EDA5D}" srcOrd="1" destOrd="0" presId="urn:microsoft.com/office/officeart/2005/8/layout/vList2"/>
-  </dgm:cxnLst>
-  <dgm:bg/>
-  <dgm:whole/>
-  <dgm:extLst>
-    <a:ext uri="http://schemas.microsoft.com/office/drawing/2008/diagram">
-      <dsp:dataModelExt xmlns:dsp="http://schemas.microsoft.com/office/drawing/2008/diagram" relId="rId6" minVer="http://schemas.openxmlformats.org/drawingml/2006/diagram"/>
-    </a:ext>
-  </dgm:extLst>
-</dgm:dataModel>
-</file>
-
-<file path=ppt/diagrams/data6.xml><?xml version="1.0" encoding="utf-8"?>
 <dgm:dataModel xmlns:dgm="http://schemas.openxmlformats.org/drawingml/2006/diagram" xmlns:a="http://schemas.openxmlformats.org/drawingml/2006/main">
   <dgm:ptLst>
     <dgm:pt modelId="{DBC534A1-C9EE-4F23-B757-DB854903A510}" type="doc">
@@ -9998,13 +8575,13 @@
   <dgm:whole/>
   <dgm:extLst>
     <a:ext uri="http://schemas.microsoft.com/office/drawing/2008/diagram">
-      <dsp:dataModelExt xmlns:dsp="http://schemas.microsoft.com/office/drawing/2008/diagram" relId="rId6" minVer="http://schemas.openxmlformats.org/drawingml/2006/diagram"/>
+      <dsp:dataModelExt xmlns:dsp="http://schemas.microsoft.com/office/drawing/2008/diagram" relId="rId7" minVer="http://schemas.openxmlformats.org/drawingml/2006/diagram"/>
     </a:ext>
   </dgm:extLst>
 </dgm:dataModel>
 </file>
 
-<file path=ppt/diagrams/data7.xml><?xml version="1.0" encoding="utf-8"?>
+<file path=ppt/diagrams/data6.xml><?xml version="1.0" encoding="utf-8"?>
 <dgm:dataModel xmlns:dgm="http://schemas.openxmlformats.org/drawingml/2006/diagram" xmlns:a="http://schemas.openxmlformats.org/drawingml/2006/main">
   <dgm:ptLst>
     <dgm:pt modelId="{66ED1037-0AE3-4E93-AEFA-0631497ED746}" type="doc">
@@ -10203,13 +8780,13 @@
   <dgm:whole/>
   <dgm:extLst>
     <a:ext uri="http://schemas.microsoft.com/office/drawing/2008/diagram">
-      <dsp:dataModelExt xmlns:dsp="http://schemas.microsoft.com/office/drawing/2008/diagram" relId="rId6" minVer="http://schemas.openxmlformats.org/drawingml/2006/diagram"/>
+      <dsp:dataModelExt xmlns:dsp="http://schemas.microsoft.com/office/drawing/2008/diagram" relId="rId7" minVer="http://schemas.openxmlformats.org/drawingml/2006/diagram"/>
     </a:ext>
   </dgm:extLst>
 </dgm:dataModel>
 </file>
 
-<file path=ppt/diagrams/data8.xml><?xml version="1.0" encoding="utf-8"?>
+<file path=ppt/diagrams/data7.xml><?xml version="1.0" encoding="utf-8"?>
 <dgm:dataModel xmlns:dgm="http://schemas.openxmlformats.org/drawingml/2006/diagram" xmlns:a="http://schemas.openxmlformats.org/drawingml/2006/main">
   <dgm:ptLst>
     <dgm:pt modelId="{4990FF3F-2D9A-44E5-8480-8403CB27EA69}" type="doc">
@@ -10690,13 +9267,13 @@
   <dgm:whole/>
   <dgm:extLst>
     <a:ext uri="http://schemas.microsoft.com/office/drawing/2008/diagram">
-      <dsp:dataModelExt xmlns:dsp="http://schemas.microsoft.com/office/drawing/2008/diagram" relId="rId6" minVer="http://schemas.openxmlformats.org/drawingml/2006/diagram"/>
+      <dsp:dataModelExt xmlns:dsp="http://schemas.microsoft.com/office/drawing/2008/diagram" relId="rId7" minVer="http://schemas.openxmlformats.org/drawingml/2006/diagram"/>
     </a:ext>
   </dgm:extLst>
 </dgm:dataModel>
 </file>
 
-<file path=ppt/diagrams/data9.xml><?xml version="1.0" encoding="utf-8"?>
+<file path=ppt/diagrams/data8.xml><?xml version="1.0" encoding="utf-8"?>
 <dgm:dataModel xmlns:dgm="http://schemas.openxmlformats.org/drawingml/2006/diagram" xmlns:a="http://schemas.openxmlformats.org/drawingml/2006/main">
   <dgm:ptLst>
     <dgm:pt modelId="{258215D4-4572-4889-A8FB-660D5C78C589}" type="doc">
@@ -10854,7 +9431,7 @@
   <dgm:whole/>
   <dgm:extLst>
     <a:ext uri="http://schemas.microsoft.com/office/drawing/2008/diagram">
-      <dsp:dataModelExt xmlns:dsp="http://schemas.microsoft.com/office/drawing/2008/diagram" relId="rId6" minVer="http://schemas.openxmlformats.org/drawingml/2006/diagram"/>
+      <dsp:dataModelExt xmlns:dsp="http://schemas.microsoft.com/office/drawing/2008/diagram" relId="rId7" minVer="http://schemas.openxmlformats.org/drawingml/2006/diagram"/>
     </a:ext>
   </dgm:extLst>
 </dgm:dataModel>
@@ -12259,450 +10836,6 @@
       <dsp:cNvGrpSpPr/>
     </dsp:nvGrpSpPr>
     <dsp:grpSpPr/>
-    <dsp:sp modelId="{A9C46D8F-DA10-874C-B46A-4FDB0C9E3F66}">
-      <dsp:nvSpPr>
-        <dsp:cNvPr id="0" name=""/>
-        <dsp:cNvSpPr/>
-      </dsp:nvSpPr>
-      <dsp:spPr>
-        <a:xfrm>
-          <a:off x="0" y="35173"/>
-          <a:ext cx="6513603" cy="1492920"/>
-        </a:xfrm>
-        <a:prstGeom prst="roundRect">
-          <a:avLst/>
-        </a:prstGeom>
-        <a:solidFill>
-          <a:schemeClr val="accent2">
-            <a:hueOff val="0"/>
-            <a:satOff val="0"/>
-            <a:lumOff val="0"/>
-            <a:alphaOff val="0"/>
-          </a:schemeClr>
-        </a:solidFill>
-        <a:ln w="12700" cap="flat" cmpd="sng" algn="ctr">
-          <a:solidFill>
-            <a:schemeClr val="lt1">
-              <a:hueOff val="0"/>
-              <a:satOff val="0"/>
-              <a:lumOff val="0"/>
-              <a:alphaOff val="0"/>
-            </a:schemeClr>
-          </a:solidFill>
-          <a:prstDash val="solid"/>
-          <a:miter lim="800000"/>
-        </a:ln>
-        <a:effectLst/>
-      </dsp:spPr>
-      <dsp:style>
-        <a:lnRef idx="2">
-          <a:scrgbClr r="0" g="0" b="0"/>
-        </a:lnRef>
-        <a:fillRef idx="1">
-          <a:scrgbClr r="0" g="0" b="0"/>
-        </a:fillRef>
-        <a:effectRef idx="0">
-          <a:scrgbClr r="0" g="0" b="0"/>
-        </a:effectRef>
-        <a:fontRef idx="minor">
-          <a:schemeClr val="lt1"/>
-        </a:fontRef>
-      </dsp:style>
-      <dsp:txBody>
-        <a:bodyPr spcFirstLastPara="0" vert="horz" wrap="square" lIns="110490" tIns="110490" rIns="110490" bIns="110490" numCol="1" spcCol="1270" anchor="ctr" anchorCtr="0">
-          <a:noAutofit/>
-        </a:bodyPr>
-        <a:lstStyle/>
-        <a:p>
-          <a:pPr marL="0" lvl="0" indent="0" algn="l" defTabSz="1289050">
-            <a:lnSpc>
-              <a:spcPct val="90000"/>
-            </a:lnSpc>
-            <a:spcBef>
-              <a:spcPct val="0"/>
-            </a:spcBef>
-            <a:spcAft>
-              <a:spcPct val="35000"/>
-            </a:spcAft>
-            <a:buNone/>
-          </a:pPr>
-          <a:r>
-            <a:rPr kumimoji="1" lang="ja-JP" sz="2900" kern="1200"/>
-            <a:t>再帰関数</a:t>
-          </a:r>
-          <a:r>
-            <a:rPr kumimoji="1" lang="en-US" sz="2900" kern="1200"/>
-            <a:t>:</a:t>
-          </a:r>
-          <a:r>
-            <a:rPr kumimoji="1" lang="ja-JP" sz="2900" kern="1200"/>
-            <a:t> </a:t>
-          </a:r>
-          <a:r>
-            <a:rPr kumimoji="1" lang="en-US" sz="2900" kern="1200"/>
-            <a:t>searching(</a:t>
-          </a:r>
-          <a:r>
-            <a:rPr kumimoji="1" lang="ja-JP" sz="2900" kern="1200"/>
-            <a:t>始点</a:t>
-          </a:r>
-          <a:r>
-            <a:rPr kumimoji="1" lang="en-US" sz="2900" kern="1200"/>
-            <a:t>/</a:t>
-          </a:r>
-          <a:r>
-            <a:rPr kumimoji="1" lang="ja-JP" sz="2900" kern="1200"/>
-            <a:t>線</a:t>
-          </a:r>
-          <a:r>
-            <a:rPr kumimoji="1" lang="en-US" sz="2900" kern="1200"/>
-            <a:t>,</a:t>
-          </a:r>
-          <a:r>
-            <a:rPr kumimoji="1" lang="ja-JP" sz="2900" kern="1200"/>
-            <a:t> 終点</a:t>
-          </a:r>
-          <a:r>
-            <a:rPr kumimoji="1" lang="en-US" sz="2900" kern="1200"/>
-            <a:t>,</a:t>
-          </a:r>
-          <a:r>
-            <a:rPr kumimoji="1" lang="ja-JP" sz="2900" kern="1200"/>
-            <a:t> 経由点</a:t>
-          </a:r>
-          <a:r>
-            <a:rPr kumimoji="1" lang="en-US" sz="2900" kern="1200"/>
-            <a:t>/</a:t>
-          </a:r>
-          <a:r>
-            <a:rPr kumimoji="1" lang="ja-JP" sz="2900" kern="1200"/>
-            <a:t>線リスト</a:t>
-          </a:r>
-          <a:r>
-            <a:rPr kumimoji="1" lang="en-US" sz="2900" kern="1200"/>
-            <a:t>,</a:t>
-          </a:r>
-          <a:r>
-            <a:rPr kumimoji="1" lang="ja-JP" sz="2900" kern="1200"/>
-            <a:t> ルートリスト</a:t>
-          </a:r>
-          <a:r>
-            <a:rPr kumimoji="1" lang="en-US" sz="2900" kern="1200"/>
-            <a:t>)</a:t>
-          </a:r>
-          <a:endParaRPr lang="en-US" sz="2900" kern="1200"/>
-        </a:p>
-      </dsp:txBody>
-      <dsp:txXfrm>
-        <a:off x="72878" y="108051"/>
-        <a:ext cx="6367847" cy="1347164"/>
-      </dsp:txXfrm>
-    </dsp:sp>
-    <dsp:sp modelId="{9A9D22DF-F515-F240-8B22-F5DA7E1EDA5D}">
-      <dsp:nvSpPr>
-        <dsp:cNvPr id="0" name=""/>
-        <dsp:cNvSpPr/>
-      </dsp:nvSpPr>
-      <dsp:spPr>
-        <a:xfrm>
-          <a:off x="0" y="1528093"/>
-          <a:ext cx="6513603" cy="4322159"/>
-        </a:xfrm>
-        <a:prstGeom prst="rect">
-          <a:avLst/>
-        </a:prstGeom>
-        <a:noFill/>
-        <a:ln>
-          <a:noFill/>
-        </a:ln>
-        <a:effectLst/>
-      </dsp:spPr>
-      <dsp:style>
-        <a:lnRef idx="0">
-          <a:scrgbClr r="0" g="0" b="0"/>
-        </a:lnRef>
-        <a:fillRef idx="0">
-          <a:scrgbClr r="0" g="0" b="0"/>
-        </a:fillRef>
-        <a:effectRef idx="0">
-          <a:scrgbClr r="0" g="0" b="0"/>
-        </a:effectRef>
-        <a:fontRef idx="minor"/>
-      </dsp:style>
-      <dsp:txBody>
-        <a:bodyPr spcFirstLastPara="0" vert="horz" wrap="square" lIns="206807" tIns="36830" rIns="206248" bIns="36830" numCol="1" spcCol="1270" anchor="t" anchorCtr="0">
-          <a:noAutofit/>
-        </a:bodyPr>
-        <a:lstStyle/>
-        <a:p>
-          <a:pPr marL="228600" lvl="1" indent="-228600" algn="l" defTabSz="1022350">
-            <a:lnSpc>
-              <a:spcPct val="90000"/>
-            </a:lnSpc>
-            <a:spcBef>
-              <a:spcPct val="0"/>
-            </a:spcBef>
-            <a:spcAft>
-              <a:spcPct val="20000"/>
-            </a:spcAft>
-            <a:buChar char="•"/>
-          </a:pPr>
-          <a:r>
-            <a:rPr kumimoji="1" lang="ja-JP" sz="2300" kern="1200"/>
-            <a:t>始点に対する全ての接線に対して</a:t>
-          </a:r>
-          <a:r>
-            <a:rPr kumimoji="1" lang="en-US" sz="2300" kern="1200"/>
-            <a:t>searching(</a:t>
-          </a:r>
-          <a:r>
-            <a:rPr kumimoji="1" lang="ja-JP" sz="2300" kern="1200"/>
-            <a:t>始線</a:t>
-          </a:r>
-          <a:r>
-            <a:rPr kumimoji="1" lang="en-US" sz="2300" kern="1200"/>
-            <a:t>=</a:t>
-          </a:r>
-          <a:r>
-            <a:rPr kumimoji="1" lang="ja-JP" sz="2300" kern="1200"/>
-            <a:t>接線</a:t>
-          </a:r>
-          <a:r>
-            <a:rPr kumimoji="1" lang="en-US" sz="2300" kern="1200"/>
-            <a:t>,</a:t>
-          </a:r>
-          <a:r>
-            <a:rPr kumimoji="1" lang="ja-JP" sz="2300" kern="1200"/>
-            <a:t> 終点</a:t>
-          </a:r>
-          <a:r>
-            <a:rPr kumimoji="1" lang="en-US" sz="2300" kern="1200"/>
-            <a:t>)</a:t>
-          </a:r>
-          <a:endParaRPr lang="en-US" sz="2300" kern="1200"/>
-        </a:p>
-        <a:p>
-          <a:pPr marL="228600" lvl="1" indent="-228600" algn="l" defTabSz="1022350">
-            <a:lnSpc>
-              <a:spcPct val="90000"/>
-            </a:lnSpc>
-            <a:spcBef>
-              <a:spcPct val="0"/>
-            </a:spcBef>
-            <a:spcAft>
-              <a:spcPct val="20000"/>
-            </a:spcAft>
-            <a:buChar char="•"/>
-          </a:pPr>
-          <a:r>
-            <a:rPr kumimoji="1" lang="ja-JP" sz="2300" kern="1200"/>
-            <a:t>始線に対して</a:t>
-          </a:r>
-          <a:r>
-            <a:rPr kumimoji="1" lang="en-US" sz="2300" kern="1200"/>
-            <a:t>,</a:t>
-          </a:r>
-          <a:r>
-            <a:rPr kumimoji="1" lang="ja-JP" sz="2300" kern="1200"/>
-            <a:t> </a:t>
-          </a:r>
-          <a:r>
-            <a:rPr kumimoji="1" lang="en-US" sz="2300" kern="1200"/>
-            <a:t>1</a:t>
-          </a:r>
-          <a:r>
-            <a:rPr kumimoji="1" lang="ja-JP" sz="2300" kern="1200"/>
-            <a:t>の点</a:t>
-          </a:r>
-          <a:r>
-            <a:rPr kumimoji="1" lang="en-US" sz="2300" kern="1200"/>
-            <a:t>±1</a:t>
-          </a:r>
-          <a:r>
-            <a:rPr kumimoji="1" lang="ja-JP" sz="2300" kern="1200"/>
-            <a:t>の接点に対して</a:t>
-          </a:r>
-          <a:r>
-            <a:rPr kumimoji="1" lang="en-US" sz="2300" kern="1200"/>
-            <a:t>searching(</a:t>
-          </a:r>
-          <a:r>
-            <a:rPr kumimoji="1" lang="ja-JP" sz="2300" kern="1200"/>
-            <a:t>始点</a:t>
-          </a:r>
-          <a:r>
-            <a:rPr kumimoji="1" lang="en-US" sz="2300" kern="1200"/>
-            <a:t>=</a:t>
-          </a:r>
-          <a:r>
-            <a:rPr kumimoji="1" lang="ja-JP" sz="2300" kern="1200"/>
-            <a:t>接点</a:t>
-          </a:r>
-          <a:r>
-            <a:rPr kumimoji="1" lang="en-US" sz="2300" kern="1200"/>
-            <a:t>,</a:t>
-          </a:r>
-          <a:r>
-            <a:rPr kumimoji="1" lang="ja-JP" sz="2300" kern="1200"/>
-            <a:t> 終点</a:t>
-          </a:r>
-          <a:r>
-            <a:rPr kumimoji="1" lang="en-US" sz="2300" kern="1200"/>
-            <a:t>)</a:t>
-          </a:r>
-          <a:endParaRPr lang="en-US" sz="2300" kern="1200"/>
-        </a:p>
-        <a:p>
-          <a:pPr marL="228600" lvl="1" indent="-228600" algn="l" defTabSz="1022350">
-            <a:lnSpc>
-              <a:spcPct val="90000"/>
-            </a:lnSpc>
-            <a:spcBef>
-              <a:spcPct val="0"/>
-            </a:spcBef>
-            <a:spcAft>
-              <a:spcPct val="20000"/>
-            </a:spcAft>
-            <a:buChar char="•"/>
-          </a:pPr>
-          <a:r>
-            <a:rPr kumimoji="1" lang="en-US" sz="2300" kern="1200"/>
-            <a:t>1</a:t>
-          </a:r>
-          <a:r>
-            <a:rPr kumimoji="1" lang="ja-JP" sz="2300" kern="1200"/>
-            <a:t>と</a:t>
-          </a:r>
-          <a:r>
-            <a:rPr kumimoji="1" lang="en-US" sz="2300" kern="1200"/>
-            <a:t>2</a:t>
-          </a:r>
-          <a:r>
-            <a:rPr kumimoji="1" lang="ja-JP" sz="2300" kern="1200"/>
-            <a:t>を繰り返し</a:t>
-          </a:r>
-          <a:r>
-            <a:rPr kumimoji="1" lang="en-US" sz="2300" kern="1200"/>
-            <a:t>,</a:t>
-          </a:r>
-          <a:r>
-            <a:rPr kumimoji="1" lang="ja-JP" sz="2300" kern="1200"/>
-            <a:t> </a:t>
-          </a:r>
-          <a:r>
-            <a:rPr kumimoji="1" lang="en-US" sz="2300" kern="1200"/>
-            <a:t>{ </a:t>
-          </a:r>
-          <a:r>
-            <a:rPr kumimoji="1" lang="ja-JP" sz="2300" kern="1200"/>
-            <a:t>終点</a:t>
-          </a:r>
-          <a:r>
-            <a:rPr kumimoji="1" lang="en-US" sz="2300" kern="1200"/>
-            <a:t>=</a:t>
-          </a:r>
-          <a:r>
-            <a:rPr kumimoji="1" lang="ja-JP" sz="2300" kern="1200"/>
-            <a:t>始点</a:t>
-          </a:r>
-          <a:r>
-            <a:rPr kumimoji="1" lang="en-US" sz="2300" kern="1200"/>
-            <a:t> or </a:t>
-          </a:r>
-          <a:r>
-            <a:rPr kumimoji="1" lang="ja-JP" sz="2300" kern="1200"/>
-            <a:t>始点</a:t>
-          </a:r>
-          <a:r>
-            <a:rPr kumimoji="1" lang="en-US" sz="2300" kern="1200"/>
-            <a:t>=</a:t>
-          </a:r>
-          <a:r>
-            <a:rPr kumimoji="1" lang="ja-JP" sz="2300" kern="1200"/>
-            <a:t>通った点</a:t>
-          </a:r>
-          <a:r>
-            <a:rPr kumimoji="1" lang="en-US" sz="2300" kern="1200"/>
-            <a:t>}</a:t>
-          </a:r>
-          <a:r>
-            <a:rPr kumimoji="1" lang="ja-JP" sz="2300" kern="1200"/>
-            <a:t> まで再帰</a:t>
-          </a:r>
-          <a:endParaRPr lang="en-US" sz="2300" kern="1200"/>
-        </a:p>
-        <a:p>
-          <a:pPr marL="228600" lvl="1" indent="-228600" algn="l" defTabSz="1022350">
-            <a:lnSpc>
-              <a:spcPct val="90000"/>
-            </a:lnSpc>
-            <a:spcBef>
-              <a:spcPct val="0"/>
-            </a:spcBef>
-            <a:spcAft>
-              <a:spcPct val="20000"/>
-            </a:spcAft>
-            <a:buChar char="•"/>
-          </a:pPr>
-          <a:r>
-            <a:rPr kumimoji="1" lang="en-US" sz="2300" kern="1200"/>
-            <a:t>If</a:t>
-          </a:r>
-          <a:r>
-            <a:rPr kumimoji="1" lang="ja-JP" sz="2300" kern="1200"/>
-            <a:t> 始点</a:t>
-          </a:r>
-          <a:r>
-            <a:rPr kumimoji="1" lang="en-US" sz="2300" kern="1200"/>
-            <a:t>=</a:t>
-          </a:r>
-          <a:r>
-            <a:rPr kumimoji="1" lang="ja-JP" sz="2300" kern="1200"/>
-            <a:t>終点 → ルートリストに経由点リストを追加し</a:t>
-          </a:r>
-          <a:r>
-            <a:rPr kumimoji="1" lang="en-US" sz="2300" kern="1200"/>
-            <a:t>, Fin</a:t>
-          </a:r>
-          <a:endParaRPr lang="en-US" sz="2300" kern="1200"/>
-        </a:p>
-        <a:p>
-          <a:pPr marL="228600" lvl="1" indent="-228600" algn="l" defTabSz="1022350">
-            <a:lnSpc>
-              <a:spcPct val="90000"/>
-            </a:lnSpc>
-            <a:spcBef>
-              <a:spcPct val="0"/>
-            </a:spcBef>
-            <a:spcAft>
-              <a:spcPct val="20000"/>
-            </a:spcAft>
-            <a:buChar char="•"/>
-          </a:pPr>
-          <a:r>
-            <a:rPr kumimoji="1" lang="en-US" sz="2300" kern="1200"/>
-            <a:t>Else: Fin</a:t>
-          </a:r>
-          <a:endParaRPr lang="en-US" sz="2300" kern="1200"/>
-        </a:p>
-      </dsp:txBody>
-      <dsp:txXfrm>
-        <a:off x="0" y="1528093"/>
-        <a:ext cx="6513603" cy="4322159"/>
-      </dsp:txXfrm>
-    </dsp:sp>
-  </dsp:spTree>
-</dsp:drawing>
-</file>
-
-<file path=ppt/diagrams/drawing6.xml><?xml version="1.0" encoding="utf-8"?>
-<dsp:drawing xmlns:dgm="http://schemas.openxmlformats.org/drawingml/2006/diagram" xmlns:dsp="http://schemas.microsoft.com/office/drawing/2008/diagram" xmlns:a="http://schemas.openxmlformats.org/drawingml/2006/main">
-  <dsp:spTree>
-    <dsp:nvGrpSpPr>
-      <dsp:cNvPr id="0" name=""/>
-      <dsp:cNvGrpSpPr/>
-    </dsp:nvGrpSpPr>
-    <dsp:grpSpPr/>
     <dsp:sp modelId="{CC477045-3844-B54C-8750-135143403458}">
       <dsp:nvSpPr>
         <dsp:cNvPr id="0" name=""/>
@@ -13001,7 +11134,7 @@
 </dsp:drawing>
 </file>
 
-<file path=ppt/diagrams/drawing7.xml><?xml version="1.0" encoding="utf-8"?>
+<file path=ppt/diagrams/drawing6.xml><?xml version="1.0" encoding="utf-8"?>
 <dsp:drawing xmlns:dgm="http://schemas.openxmlformats.org/drawingml/2006/diagram" xmlns:dsp="http://schemas.microsoft.com/office/drawing/2008/diagram" xmlns:a="http://schemas.openxmlformats.org/drawingml/2006/main">
   <dsp:spTree>
     <dsp:nvGrpSpPr>
@@ -13204,7 +11337,7 @@
 </dsp:drawing>
 </file>
 
-<file path=ppt/diagrams/drawing8.xml><?xml version="1.0" encoding="utf-8"?>
+<file path=ppt/diagrams/drawing7.xml><?xml version="1.0" encoding="utf-8"?>
 <dsp:drawing xmlns:dgm="http://schemas.openxmlformats.org/drawingml/2006/diagram" xmlns:dsp="http://schemas.microsoft.com/office/drawing/2008/diagram" xmlns:a="http://schemas.openxmlformats.org/drawingml/2006/main">
   <dsp:spTree>
     <dsp:nvGrpSpPr>
@@ -13887,7 +12020,7 @@
 </dsp:drawing>
 </file>
 
-<file path=ppt/diagrams/drawing9.xml><?xml version="1.0" encoding="utf-8"?>
+<file path=ppt/diagrams/drawing8.xml><?xml version="1.0" encoding="utf-8"?>
 <dsp:drawing xmlns:dgm="http://schemas.openxmlformats.org/drawingml/2006/diagram" xmlns:dsp="http://schemas.microsoft.com/office/drawing/2008/diagram" xmlns:a="http://schemas.openxmlformats.org/drawingml/2006/main">
   <dsp:spTree>
     <dsp:nvGrpSpPr>
@@ -15211,173 +13344,6 @@
 </file>
 
 <file path=ppt/diagrams/layout7.xml><?xml version="1.0" encoding="utf-8"?>
-<dgm:layoutDef xmlns:dgm="http://schemas.openxmlformats.org/drawingml/2006/diagram" xmlns:a="http://schemas.openxmlformats.org/drawingml/2006/main" uniqueId="urn:microsoft.com/office/officeart/2005/8/layout/vList2">
-  <dgm:title val=""/>
-  <dgm:desc val=""/>
-  <dgm:catLst>
-    <dgm:cat type="list" pri="3000"/>
-    <dgm:cat type="convert" pri="1000"/>
-  </dgm:catLst>
-  <dgm:sampData>
-    <dgm:dataModel>
-      <dgm:ptLst>
-        <dgm:pt modelId="0" type="doc"/>
-        <dgm:pt modelId="1">
-          <dgm:prSet phldr="1"/>
-        </dgm:pt>
-        <dgm:pt modelId="11">
-          <dgm:prSet phldr="1"/>
-        </dgm:pt>
-        <dgm:pt modelId="2">
-          <dgm:prSet phldr="1"/>
-        </dgm:pt>
-        <dgm:pt modelId="21">
-          <dgm:prSet phldr="1"/>
-        </dgm:pt>
-      </dgm:ptLst>
-      <dgm:cxnLst>
-        <dgm:cxn modelId="4" srcId="0" destId="1" srcOrd="0" destOrd="0"/>
-        <dgm:cxn modelId="5" srcId="0" destId="2" srcOrd="1" destOrd="0"/>
-        <dgm:cxn modelId="12" srcId="1" destId="11" srcOrd="0" destOrd="0"/>
-        <dgm:cxn modelId="23" srcId="2" destId="21" srcOrd="0" destOrd="0"/>
-      </dgm:cxnLst>
-      <dgm:bg/>
-      <dgm:whole/>
-    </dgm:dataModel>
-  </dgm:sampData>
-  <dgm:styleData>
-    <dgm:dataModel>
-      <dgm:ptLst>
-        <dgm:pt modelId="0" type="doc"/>
-        <dgm:pt modelId="1"/>
-        <dgm:pt modelId="2"/>
-      </dgm:ptLst>
-      <dgm:cxnLst>
-        <dgm:cxn modelId="3" srcId="0" destId="1" srcOrd="0" destOrd="0"/>
-        <dgm:cxn modelId="4" srcId="0" destId="2" srcOrd="1" destOrd="0"/>
-      </dgm:cxnLst>
-      <dgm:bg/>
-      <dgm:whole/>
-    </dgm:dataModel>
-  </dgm:styleData>
-  <dgm:clrData>
-    <dgm:dataModel>
-      <dgm:ptLst>
-        <dgm:pt modelId="0" type="doc"/>
-        <dgm:pt modelId="1"/>
-        <dgm:pt modelId="2"/>
-        <dgm:pt modelId="3"/>
-        <dgm:pt modelId="4"/>
-      </dgm:ptLst>
-      <dgm:cxnLst>
-        <dgm:cxn modelId="5" srcId="0" destId="1" srcOrd="0" destOrd="0"/>
-        <dgm:cxn modelId="6" srcId="0" destId="2" srcOrd="1" destOrd="0"/>
-        <dgm:cxn modelId="7" srcId="0" destId="3" srcOrd="2" destOrd="0"/>
-        <dgm:cxn modelId="8" srcId="0" destId="4" srcOrd="3" destOrd="0"/>
-      </dgm:cxnLst>
-      <dgm:bg/>
-      <dgm:whole/>
-    </dgm:dataModel>
-  </dgm:clrData>
-  <dgm:layoutNode name="linear">
-    <dgm:varLst>
-      <dgm:animLvl val="lvl"/>
-      <dgm:resizeHandles val="exact"/>
-    </dgm:varLst>
-    <dgm:alg type="lin">
-      <dgm:param type="linDir" val="fromT"/>
-      <dgm:param type="vertAlign" val="mid"/>
-    </dgm:alg>
-    <dgm:shape xmlns:r="http://schemas.openxmlformats.org/officeDocument/2006/relationships" r:blip="">
-      <dgm:adjLst/>
-    </dgm:shape>
-    <dgm:presOf/>
-    <dgm:constrLst>
-      <dgm:constr type="w" for="ch" forName="parentText" refType="w"/>
-      <dgm:constr type="h" for="ch" forName="parentText" refType="primFontSz" refFor="ch" refForName="parentText" fact="0.52"/>
-      <dgm:constr type="w" for="ch" forName="childText" refType="w"/>
-      <dgm:constr type="h" for="ch" forName="childText" refType="primFontSz" refFor="ch" refForName="parentText" fact="0.46"/>
-      <dgm:constr type="h" for="ch" forName="parentText" op="equ"/>
-      <dgm:constr type="primFontSz" for="ch" forName="parentText" op="equ" val="65"/>
-      <dgm:constr type="primFontSz" for="ch" forName="childText" refType="primFontSz" refFor="ch" refForName="parentText" op="equ"/>
-      <dgm:constr type="h" for="ch" forName="spacer" refType="primFontSz" refFor="ch" refForName="parentText" fact="0.08"/>
-    </dgm:constrLst>
-    <dgm:ruleLst>
-      <dgm:rule type="primFontSz" for="ch" forName="parentText" val="5" fact="NaN" max="NaN"/>
-    </dgm:ruleLst>
-    <dgm:forEach name="Name0" axis="ch" ptType="node">
-      <dgm:layoutNode name="parentText" styleLbl="node1">
-        <dgm:varLst>
-          <dgm:chMax val="0"/>
-          <dgm:bulletEnabled val="1"/>
-        </dgm:varLst>
-        <dgm:alg type="tx">
-          <dgm:param type="parTxLTRAlign" val="l"/>
-          <dgm:param type="parTxRTLAlign" val="r"/>
-        </dgm:alg>
-        <dgm:shape xmlns:r="http://schemas.openxmlformats.org/officeDocument/2006/relationships" type="roundRect" r:blip="">
-          <dgm:adjLst/>
-        </dgm:shape>
-        <dgm:presOf axis="self"/>
-        <dgm:constrLst>
-          <dgm:constr type="tMarg" refType="primFontSz" fact="0.3"/>
-          <dgm:constr type="bMarg" refType="primFontSz" fact="0.3"/>
-          <dgm:constr type="lMarg" refType="primFontSz" fact="0.3"/>
-          <dgm:constr type="rMarg" refType="primFontSz" fact="0.3"/>
-        </dgm:constrLst>
-        <dgm:ruleLst>
-          <dgm:rule type="h" val="INF" fact="NaN" max="NaN"/>
-        </dgm:ruleLst>
-      </dgm:layoutNode>
-      <dgm:choose name="Name1">
-        <dgm:if name="Name2" axis="ch" ptType="node" func="cnt" op="gte" val="1">
-          <dgm:layoutNode name="childText" styleLbl="revTx">
-            <dgm:varLst>
-              <dgm:bulletEnabled val="1"/>
-            </dgm:varLst>
-            <dgm:alg type="tx">
-              <dgm:param type="stBulletLvl" val="1"/>
-              <dgm:param type="lnSpAfChP" val="20"/>
-            </dgm:alg>
-            <dgm:shape xmlns:r="http://schemas.openxmlformats.org/officeDocument/2006/relationships" type="rect" r:blip="">
-              <dgm:adjLst/>
-            </dgm:shape>
-            <dgm:presOf axis="des" ptType="node"/>
-            <dgm:constrLst>
-              <dgm:constr type="tMarg" refType="primFontSz" fact="0.1"/>
-              <dgm:constr type="bMarg" refType="primFontSz" fact="0.1"/>
-              <dgm:constr type="lMarg" refType="w" fact="0.09"/>
-            </dgm:constrLst>
-            <dgm:ruleLst>
-              <dgm:rule type="h" val="INF" fact="NaN" max="NaN"/>
-            </dgm:ruleLst>
-          </dgm:layoutNode>
-        </dgm:if>
-        <dgm:else name="Name3">
-          <dgm:choose name="Name4">
-            <dgm:if name="Name5" axis="par ch" ptType="doc node" func="cnt" op="gte" val="2">
-              <dgm:forEach name="Name6" axis="followSib" ptType="sibTrans" cnt="1">
-                <dgm:layoutNode name="spacer">
-                  <dgm:alg type="sp"/>
-                  <dgm:shape xmlns:r="http://schemas.openxmlformats.org/officeDocument/2006/relationships" r:blip="">
-                    <dgm:adjLst/>
-                  </dgm:shape>
-                  <dgm:presOf/>
-                  <dgm:constrLst/>
-                  <dgm:ruleLst/>
-                </dgm:layoutNode>
-              </dgm:forEach>
-            </dgm:if>
-            <dgm:else name="Name7"/>
-          </dgm:choose>
-        </dgm:else>
-      </dgm:choose>
-    </dgm:forEach>
-  </dgm:layoutNode>
-</dgm:layoutDef>
-</file>
-
-<file path=ppt/diagrams/layout8.xml><?xml version="1.0" encoding="utf-8"?>
 <dgm:layoutDef xmlns:dgm="http://schemas.openxmlformats.org/drawingml/2006/diagram" xmlns:a="http://schemas.openxmlformats.org/drawingml/2006/main" uniqueId="urn:microsoft.com/office/officeart/2018/2/layout/IconVerticalSolidList">
   <dgm:title val="Icon Vertical Solid List"/>
   <dgm:desc val="Use to show a series of visuals from top to bottom with Level 1 or Level 1 and Level 2 text grouped in a shape. Works best with icons or small pictures with lengthier descriptions."/>
@@ -15671,7 +13637,7 @@
 </dgm:layoutDef>
 </file>
 
-<file path=ppt/diagrams/layout9.xml><?xml version="1.0" encoding="utf-8"?>
+<file path=ppt/diagrams/layout8.xml><?xml version="1.0" encoding="utf-8"?>
 <dgm:layoutDef xmlns:dgm="http://schemas.openxmlformats.org/drawingml/2006/diagram" xmlns:a="http://schemas.openxmlformats.org/drawingml/2006/main" uniqueId="urn:microsoft.com/office/officeart/2005/8/layout/vList2">
   <dgm:title val=""/>
   <dgm:desc val=""/>
@@ -24110,1040 +22076,6 @@
 </dgm:styleDef>
 </file>
 
-<file path=ppt/diagrams/quickStyle9.xml><?xml version="1.0" encoding="utf-8"?>
-<dgm:styleDef xmlns:dgm="http://schemas.openxmlformats.org/drawingml/2006/diagram" xmlns:a="http://schemas.openxmlformats.org/drawingml/2006/main" uniqueId="urn:microsoft.com/office/officeart/2005/8/quickstyle/simple1">
-  <dgm:title val=""/>
-  <dgm:desc val=""/>
-  <dgm:catLst>
-    <dgm:cat type="simple" pri="10100"/>
-  </dgm:catLst>
-  <dgm:scene3d>
-    <a:camera prst="orthographicFront"/>
-    <a:lightRig rig="threePt" dir="t"/>
-  </dgm:scene3d>
-  <dgm:styleLbl name="node0">
-    <dgm:scene3d>
-      <a:camera prst="orthographicFront"/>
-      <a:lightRig rig="threePt" dir="t"/>
-    </dgm:scene3d>
-    <dgm:sp3d/>
-    <dgm:txPr/>
-    <dgm:style>
-      <a:lnRef idx="2">
-        <a:scrgbClr r="0" g="0" b="0"/>
-      </a:lnRef>
-      <a:fillRef idx="1">
-        <a:scrgbClr r="0" g="0" b="0"/>
-      </a:fillRef>
-      <a:effectRef idx="0">
-        <a:scrgbClr r="0" g="0" b="0"/>
-      </a:effectRef>
-      <a:fontRef idx="minor">
-        <a:schemeClr val="lt1"/>
-      </a:fontRef>
-    </dgm:style>
-  </dgm:styleLbl>
-  <dgm:styleLbl name="lnNode1">
-    <dgm:scene3d>
-      <a:camera prst="orthographicFront"/>
-      <a:lightRig rig="threePt" dir="t"/>
-    </dgm:scene3d>
-    <dgm:sp3d/>
-    <dgm:txPr/>
-    <dgm:style>
-      <a:lnRef idx="2">
-        <a:scrgbClr r="0" g="0" b="0"/>
-      </a:lnRef>
-      <a:fillRef idx="1">
-        <a:scrgbClr r="0" g="0" b="0"/>
-      </a:fillRef>
-      <a:effectRef idx="0">
-        <a:scrgbClr r="0" g="0" b="0"/>
-      </a:effectRef>
-      <a:fontRef idx="minor">
-        <a:schemeClr val="lt1"/>
-      </a:fontRef>
-    </dgm:style>
-  </dgm:styleLbl>
-  <dgm:styleLbl name="vennNode1">
-    <dgm:scene3d>
-      <a:camera prst="orthographicFront"/>
-      <a:lightRig rig="threePt" dir="t"/>
-    </dgm:scene3d>
-    <dgm:sp3d/>
-    <dgm:txPr/>
-    <dgm:style>
-      <a:lnRef idx="2">
-        <a:scrgbClr r="0" g="0" b="0"/>
-      </a:lnRef>
-      <a:fillRef idx="1">
-        <a:scrgbClr r="0" g="0" b="0"/>
-      </a:fillRef>
-      <a:effectRef idx="0">
-        <a:scrgbClr r="0" g="0" b="0"/>
-      </a:effectRef>
-      <a:fontRef idx="minor">
-        <a:schemeClr val="tx1"/>
-      </a:fontRef>
-    </dgm:style>
-  </dgm:styleLbl>
-  <dgm:styleLbl name="alignNode1">
-    <dgm:scene3d>
-      <a:camera prst="orthographicFront"/>
-      <a:lightRig rig="threePt" dir="t"/>
-    </dgm:scene3d>
-    <dgm:sp3d/>
-    <dgm:txPr/>
-    <dgm:style>
-      <a:lnRef idx="2">
-        <a:scrgbClr r="0" g="0" b="0"/>
-      </a:lnRef>
-      <a:fillRef idx="1">
-        <a:scrgbClr r="0" g="0" b="0"/>
-      </a:fillRef>
-      <a:effectRef idx="0">
-        <a:scrgbClr r="0" g="0" b="0"/>
-      </a:effectRef>
-      <a:fontRef idx="minor">
-        <a:schemeClr val="lt1"/>
-      </a:fontRef>
-    </dgm:style>
-  </dgm:styleLbl>
-  <dgm:styleLbl name="node1">
-    <dgm:scene3d>
-      <a:camera prst="orthographicFront"/>
-      <a:lightRig rig="threePt" dir="t"/>
-    </dgm:scene3d>
-    <dgm:sp3d/>
-    <dgm:txPr/>
-    <dgm:style>
-      <a:lnRef idx="2">
-        <a:scrgbClr r="0" g="0" b="0"/>
-      </a:lnRef>
-      <a:fillRef idx="1">
-        <a:scrgbClr r="0" g="0" b="0"/>
-      </a:fillRef>
-      <a:effectRef idx="0">
-        <a:scrgbClr r="0" g="0" b="0"/>
-      </a:effectRef>
-      <a:fontRef idx="minor">
-        <a:schemeClr val="lt1"/>
-      </a:fontRef>
-    </dgm:style>
-  </dgm:styleLbl>
-  <dgm:styleLbl name="node2">
-    <dgm:scene3d>
-      <a:camera prst="orthographicFront"/>
-      <a:lightRig rig="threePt" dir="t"/>
-    </dgm:scene3d>
-    <dgm:sp3d/>
-    <dgm:txPr/>
-    <dgm:style>
-      <a:lnRef idx="2">
-        <a:scrgbClr r="0" g="0" b="0"/>
-      </a:lnRef>
-      <a:fillRef idx="1">
-        <a:scrgbClr r="0" g="0" b="0"/>
-      </a:fillRef>
-      <a:effectRef idx="0">
-        <a:scrgbClr r="0" g="0" b="0"/>
-      </a:effectRef>
-      <a:fontRef idx="minor">
-        <a:schemeClr val="lt1"/>
-      </a:fontRef>
-    </dgm:style>
-  </dgm:styleLbl>
-  <dgm:styleLbl name="node3">
-    <dgm:scene3d>
-      <a:camera prst="orthographicFront"/>
-      <a:lightRig rig="threePt" dir="t"/>
-    </dgm:scene3d>
-    <dgm:sp3d/>
-    <dgm:txPr/>
-    <dgm:style>
-      <a:lnRef idx="2">
-        <a:scrgbClr r="0" g="0" b="0"/>
-      </a:lnRef>
-      <a:fillRef idx="1">
-        <a:scrgbClr r="0" g="0" b="0"/>
-      </a:fillRef>
-      <a:effectRef idx="0">
-        <a:scrgbClr r="0" g="0" b="0"/>
-      </a:effectRef>
-      <a:fontRef idx="minor">
-        <a:schemeClr val="lt1"/>
-      </a:fontRef>
-    </dgm:style>
-  </dgm:styleLbl>
-  <dgm:styleLbl name="node4">
-    <dgm:scene3d>
-      <a:camera prst="orthographicFront"/>
-      <a:lightRig rig="threePt" dir="t"/>
-    </dgm:scene3d>
-    <dgm:sp3d/>
-    <dgm:txPr/>
-    <dgm:style>
-      <a:lnRef idx="2">
-        <a:scrgbClr r="0" g="0" b="0"/>
-      </a:lnRef>
-      <a:fillRef idx="1">
-        <a:scrgbClr r="0" g="0" b="0"/>
-      </a:fillRef>
-      <a:effectRef idx="0">
-        <a:scrgbClr r="0" g="0" b="0"/>
-      </a:effectRef>
-      <a:fontRef idx="minor">
-        <a:schemeClr val="lt1"/>
-      </a:fontRef>
-    </dgm:style>
-  </dgm:styleLbl>
-  <dgm:styleLbl name="fgImgPlace1">
-    <dgm:scene3d>
-      <a:camera prst="orthographicFront"/>
-      <a:lightRig rig="threePt" dir="t"/>
-    </dgm:scene3d>
-    <dgm:sp3d/>
-    <dgm:txPr/>
-    <dgm:style>
-      <a:lnRef idx="2">
-        <a:scrgbClr r="0" g="0" b="0"/>
-      </a:lnRef>
-      <a:fillRef idx="1">
-        <a:scrgbClr r="0" g="0" b="0"/>
-      </a:fillRef>
-      <a:effectRef idx="0">
-        <a:scrgbClr r="0" g="0" b="0"/>
-      </a:effectRef>
-      <a:fontRef idx="minor"/>
-    </dgm:style>
-  </dgm:styleLbl>
-  <dgm:styleLbl name="alignImgPlace1">
-    <dgm:scene3d>
-      <a:camera prst="orthographicFront"/>
-      <a:lightRig rig="threePt" dir="t"/>
-    </dgm:scene3d>
-    <dgm:sp3d/>
-    <dgm:txPr/>
-    <dgm:style>
-      <a:lnRef idx="2">
-        <a:scrgbClr r="0" g="0" b="0"/>
-      </a:lnRef>
-      <a:fillRef idx="1">
-        <a:scrgbClr r="0" g="0" b="0"/>
-      </a:fillRef>
-      <a:effectRef idx="0">
-        <a:scrgbClr r="0" g="0" b="0"/>
-      </a:effectRef>
-      <a:fontRef idx="minor"/>
-    </dgm:style>
-  </dgm:styleLbl>
-  <dgm:styleLbl name="bgImgPlace1">
-    <dgm:scene3d>
-      <a:camera prst="orthographicFront"/>
-      <a:lightRig rig="threePt" dir="t"/>
-    </dgm:scene3d>
-    <dgm:sp3d/>
-    <dgm:txPr/>
-    <dgm:style>
-      <a:lnRef idx="2">
-        <a:scrgbClr r="0" g="0" b="0"/>
-      </a:lnRef>
-      <a:fillRef idx="1">
-        <a:scrgbClr r="0" g="0" b="0"/>
-      </a:fillRef>
-      <a:effectRef idx="0">
-        <a:scrgbClr r="0" g="0" b="0"/>
-      </a:effectRef>
-      <a:fontRef idx="minor"/>
-    </dgm:style>
-  </dgm:styleLbl>
-  <dgm:styleLbl name="sibTrans2D1">
-    <dgm:scene3d>
-      <a:camera prst="orthographicFront"/>
-      <a:lightRig rig="threePt" dir="t"/>
-    </dgm:scene3d>
-    <dgm:sp3d/>
-    <dgm:txPr/>
-    <dgm:style>
-      <a:lnRef idx="0">
-        <a:scrgbClr r="0" g="0" b="0"/>
-      </a:lnRef>
-      <a:fillRef idx="1">
-        <a:scrgbClr r="0" g="0" b="0"/>
-      </a:fillRef>
-      <a:effectRef idx="0">
-        <a:scrgbClr r="0" g="0" b="0"/>
-      </a:effectRef>
-      <a:fontRef idx="minor">
-        <a:schemeClr val="lt1"/>
-      </a:fontRef>
-    </dgm:style>
-  </dgm:styleLbl>
-  <dgm:styleLbl name="fgSibTrans2D1">
-    <dgm:scene3d>
-      <a:camera prst="orthographicFront"/>
-      <a:lightRig rig="threePt" dir="t"/>
-    </dgm:scene3d>
-    <dgm:sp3d/>
-    <dgm:txPr/>
-    <dgm:style>
-      <a:lnRef idx="0">
-        <a:scrgbClr r="0" g="0" b="0"/>
-      </a:lnRef>
-      <a:fillRef idx="1">
-        <a:scrgbClr r="0" g="0" b="0"/>
-      </a:fillRef>
-      <a:effectRef idx="0">
-        <a:scrgbClr r="0" g="0" b="0"/>
-      </a:effectRef>
-      <a:fontRef idx="minor">
-        <a:schemeClr val="lt1"/>
-      </a:fontRef>
-    </dgm:style>
-  </dgm:styleLbl>
-  <dgm:styleLbl name="bgSibTrans2D1">
-    <dgm:scene3d>
-      <a:camera prst="orthographicFront"/>
-      <a:lightRig rig="threePt" dir="t"/>
-    </dgm:scene3d>
-    <dgm:sp3d/>
-    <dgm:txPr/>
-    <dgm:style>
-      <a:lnRef idx="0">
-        <a:scrgbClr r="0" g="0" b="0"/>
-      </a:lnRef>
-      <a:fillRef idx="1">
-        <a:scrgbClr r="0" g="0" b="0"/>
-      </a:fillRef>
-      <a:effectRef idx="0">
-        <a:scrgbClr r="0" g="0" b="0"/>
-      </a:effectRef>
-      <a:fontRef idx="minor">
-        <a:schemeClr val="lt1"/>
-      </a:fontRef>
-    </dgm:style>
-  </dgm:styleLbl>
-  <dgm:styleLbl name="sibTrans1D1">
-    <dgm:scene3d>
-      <a:camera prst="orthographicFront"/>
-      <a:lightRig rig="threePt" dir="t"/>
-    </dgm:scene3d>
-    <dgm:sp3d/>
-    <dgm:txPr/>
-    <dgm:style>
-      <a:lnRef idx="1">
-        <a:scrgbClr r="0" g="0" b="0"/>
-      </a:lnRef>
-      <a:fillRef idx="0">
-        <a:scrgbClr r="0" g="0" b="0"/>
-      </a:fillRef>
-      <a:effectRef idx="0">
-        <a:scrgbClr r="0" g="0" b="0"/>
-      </a:effectRef>
-      <a:fontRef idx="minor"/>
-    </dgm:style>
-  </dgm:styleLbl>
-  <dgm:styleLbl name="callout">
-    <dgm:scene3d>
-      <a:camera prst="orthographicFront"/>
-      <a:lightRig rig="threePt" dir="t"/>
-    </dgm:scene3d>
-    <dgm:sp3d/>
-    <dgm:txPr/>
-    <dgm:style>
-      <a:lnRef idx="2">
-        <a:scrgbClr r="0" g="0" b="0"/>
-      </a:lnRef>
-      <a:fillRef idx="1">
-        <a:scrgbClr r="0" g="0" b="0"/>
-      </a:fillRef>
-      <a:effectRef idx="0">
-        <a:scrgbClr r="0" g="0" b="0"/>
-      </a:effectRef>
-      <a:fontRef idx="minor"/>
-    </dgm:style>
-  </dgm:styleLbl>
-  <dgm:styleLbl name="asst0">
-    <dgm:scene3d>
-      <a:camera prst="orthographicFront"/>
-      <a:lightRig rig="threePt" dir="t"/>
-    </dgm:scene3d>
-    <dgm:sp3d/>
-    <dgm:txPr/>
-    <dgm:style>
-      <a:lnRef idx="2">
-        <a:scrgbClr r="0" g="0" b="0"/>
-      </a:lnRef>
-      <a:fillRef idx="1">
-        <a:scrgbClr r="0" g="0" b="0"/>
-      </a:fillRef>
-      <a:effectRef idx="0">
-        <a:scrgbClr r="0" g="0" b="0"/>
-      </a:effectRef>
-      <a:fontRef idx="minor">
-        <a:schemeClr val="lt1"/>
-      </a:fontRef>
-    </dgm:style>
-  </dgm:styleLbl>
-  <dgm:styleLbl name="asst1">
-    <dgm:scene3d>
-      <a:camera prst="orthographicFront"/>
-      <a:lightRig rig="threePt" dir="t"/>
-    </dgm:scene3d>
-    <dgm:sp3d/>
-    <dgm:txPr/>
-    <dgm:style>
-      <a:lnRef idx="2">
-        <a:scrgbClr r="0" g="0" b="0"/>
-      </a:lnRef>
-      <a:fillRef idx="1">
-        <a:scrgbClr r="0" g="0" b="0"/>
-      </a:fillRef>
-      <a:effectRef idx="0">
-        <a:scrgbClr r="0" g="0" b="0"/>
-      </a:effectRef>
-      <a:fontRef idx="minor">
-        <a:schemeClr val="lt1"/>
-      </a:fontRef>
-    </dgm:style>
-  </dgm:styleLbl>
-  <dgm:styleLbl name="asst2">
-    <dgm:scene3d>
-      <a:camera prst="orthographicFront"/>
-      <a:lightRig rig="threePt" dir="t"/>
-    </dgm:scene3d>
-    <dgm:sp3d/>
-    <dgm:txPr/>
-    <dgm:style>
-      <a:lnRef idx="2">
-        <a:scrgbClr r="0" g="0" b="0"/>
-      </a:lnRef>
-      <a:fillRef idx="1">
-        <a:scrgbClr r="0" g="0" b="0"/>
-      </a:fillRef>
-      <a:effectRef idx="0">
-        <a:scrgbClr r="0" g="0" b="0"/>
-      </a:effectRef>
-      <a:fontRef idx="minor">
-        <a:schemeClr val="lt1"/>
-      </a:fontRef>
-    </dgm:style>
-  </dgm:styleLbl>
-  <dgm:styleLbl name="asst3">
-    <dgm:scene3d>
-      <a:camera prst="orthographicFront"/>
-      <a:lightRig rig="threePt" dir="t"/>
-    </dgm:scene3d>
-    <dgm:sp3d/>
-    <dgm:txPr/>
-    <dgm:style>
-      <a:lnRef idx="2">
-        <a:scrgbClr r="0" g="0" b="0"/>
-      </a:lnRef>
-      <a:fillRef idx="1">
-        <a:scrgbClr r="0" g="0" b="0"/>
-      </a:fillRef>
-      <a:effectRef idx="0">
-        <a:scrgbClr r="0" g="0" b="0"/>
-      </a:effectRef>
-      <a:fontRef idx="minor">
-        <a:schemeClr val="lt1"/>
-      </a:fontRef>
-    </dgm:style>
-  </dgm:styleLbl>
-  <dgm:styleLbl name="asst4">
-    <dgm:scene3d>
-      <a:camera prst="orthographicFront"/>
-      <a:lightRig rig="threePt" dir="t"/>
-    </dgm:scene3d>
-    <dgm:sp3d/>
-    <dgm:txPr/>
-    <dgm:style>
-      <a:lnRef idx="2">
-        <a:scrgbClr r="0" g="0" b="0"/>
-      </a:lnRef>
-      <a:fillRef idx="1">
-        <a:scrgbClr r="0" g="0" b="0"/>
-      </a:fillRef>
-      <a:effectRef idx="0">
-        <a:scrgbClr r="0" g="0" b="0"/>
-      </a:effectRef>
-      <a:fontRef idx="minor">
-        <a:schemeClr val="lt1"/>
-      </a:fontRef>
-    </dgm:style>
-  </dgm:styleLbl>
-  <dgm:styleLbl name="parChTrans2D1">
-    <dgm:scene3d>
-      <a:camera prst="orthographicFront"/>
-      <a:lightRig rig="threePt" dir="t"/>
-    </dgm:scene3d>
-    <dgm:sp3d/>
-    <dgm:txPr/>
-    <dgm:style>
-      <a:lnRef idx="2">
-        <a:scrgbClr r="0" g="0" b="0"/>
-      </a:lnRef>
-      <a:fillRef idx="1">
-        <a:scrgbClr r="0" g="0" b="0"/>
-      </a:fillRef>
-      <a:effectRef idx="0">
-        <a:scrgbClr r="0" g="0" b="0"/>
-      </a:effectRef>
-      <a:fontRef idx="minor">
-        <a:schemeClr val="lt1"/>
-      </a:fontRef>
-    </dgm:style>
-  </dgm:styleLbl>
-  <dgm:styleLbl name="parChTrans2D2">
-    <dgm:scene3d>
-      <a:camera prst="orthographicFront"/>
-      <a:lightRig rig="threePt" dir="t"/>
-    </dgm:scene3d>
-    <dgm:sp3d/>
-    <dgm:txPr/>
-    <dgm:style>
-      <a:lnRef idx="2">
-        <a:scrgbClr r="0" g="0" b="0"/>
-      </a:lnRef>
-      <a:fillRef idx="1">
-        <a:scrgbClr r="0" g="0" b="0"/>
-      </a:fillRef>
-      <a:effectRef idx="0">
-        <a:scrgbClr r="0" g="0" b="0"/>
-      </a:effectRef>
-      <a:fontRef idx="minor">
-        <a:schemeClr val="lt1"/>
-      </a:fontRef>
-    </dgm:style>
-  </dgm:styleLbl>
-  <dgm:styleLbl name="parChTrans2D3">
-    <dgm:scene3d>
-      <a:camera prst="orthographicFront"/>
-      <a:lightRig rig="threePt" dir="t"/>
-    </dgm:scene3d>
-    <dgm:sp3d/>
-    <dgm:txPr/>
-    <dgm:style>
-      <a:lnRef idx="2">
-        <a:scrgbClr r="0" g="0" b="0"/>
-      </a:lnRef>
-      <a:fillRef idx="1">
-        <a:scrgbClr r="0" g="0" b="0"/>
-      </a:fillRef>
-      <a:effectRef idx="0">
-        <a:scrgbClr r="0" g="0" b="0"/>
-      </a:effectRef>
-      <a:fontRef idx="minor">
-        <a:schemeClr val="lt1"/>
-      </a:fontRef>
-    </dgm:style>
-  </dgm:styleLbl>
-  <dgm:styleLbl name="parChTrans2D4">
-    <dgm:scene3d>
-      <a:camera prst="orthographicFront"/>
-      <a:lightRig rig="threePt" dir="t"/>
-    </dgm:scene3d>
-    <dgm:sp3d/>
-    <dgm:txPr/>
-    <dgm:style>
-      <a:lnRef idx="2">
-        <a:scrgbClr r="0" g="0" b="0"/>
-      </a:lnRef>
-      <a:fillRef idx="1">
-        <a:scrgbClr r="0" g="0" b="0"/>
-      </a:fillRef>
-      <a:effectRef idx="0">
-        <a:scrgbClr r="0" g="0" b="0"/>
-      </a:effectRef>
-      <a:fontRef idx="minor">
-        <a:schemeClr val="lt1"/>
-      </a:fontRef>
-    </dgm:style>
-  </dgm:styleLbl>
-  <dgm:styleLbl name="parChTrans1D1">
-    <dgm:scene3d>
-      <a:camera prst="orthographicFront"/>
-      <a:lightRig rig="threePt" dir="t"/>
-    </dgm:scene3d>
-    <dgm:sp3d/>
-    <dgm:txPr/>
-    <dgm:style>
-      <a:lnRef idx="2">
-        <a:scrgbClr r="0" g="0" b="0"/>
-      </a:lnRef>
-      <a:fillRef idx="0">
-        <a:scrgbClr r="0" g="0" b="0"/>
-      </a:fillRef>
-      <a:effectRef idx="0">
-        <a:scrgbClr r="0" g="0" b="0"/>
-      </a:effectRef>
-      <a:fontRef idx="minor"/>
-    </dgm:style>
-  </dgm:styleLbl>
-  <dgm:styleLbl name="parChTrans1D2">
-    <dgm:scene3d>
-      <a:camera prst="orthographicFront"/>
-      <a:lightRig rig="threePt" dir="t"/>
-    </dgm:scene3d>
-    <dgm:sp3d/>
-    <dgm:txPr/>
-    <dgm:style>
-      <a:lnRef idx="2">
-        <a:scrgbClr r="0" g="0" b="0"/>
-      </a:lnRef>
-      <a:fillRef idx="0">
-        <a:scrgbClr r="0" g="0" b="0"/>
-      </a:fillRef>
-      <a:effectRef idx="0">
-        <a:scrgbClr r="0" g="0" b="0"/>
-      </a:effectRef>
-      <a:fontRef idx="minor"/>
-    </dgm:style>
-  </dgm:styleLbl>
-  <dgm:styleLbl name="parChTrans1D3">
-    <dgm:scene3d>
-      <a:camera prst="orthographicFront"/>
-      <a:lightRig rig="threePt" dir="t"/>
-    </dgm:scene3d>
-    <dgm:sp3d/>
-    <dgm:txPr/>
-    <dgm:style>
-      <a:lnRef idx="2">
-        <a:scrgbClr r="0" g="0" b="0"/>
-      </a:lnRef>
-      <a:fillRef idx="0">
-        <a:scrgbClr r="0" g="0" b="0"/>
-      </a:fillRef>
-      <a:effectRef idx="0">
-        <a:scrgbClr r="0" g="0" b="0"/>
-      </a:effectRef>
-      <a:fontRef idx="minor"/>
-    </dgm:style>
-  </dgm:styleLbl>
-  <dgm:styleLbl name="parChTrans1D4">
-    <dgm:scene3d>
-      <a:camera prst="orthographicFront"/>
-      <a:lightRig rig="threePt" dir="t"/>
-    </dgm:scene3d>
-    <dgm:sp3d/>
-    <dgm:txPr/>
-    <dgm:style>
-      <a:lnRef idx="2">
-        <a:scrgbClr r="0" g="0" b="0"/>
-      </a:lnRef>
-      <a:fillRef idx="0">
-        <a:scrgbClr r="0" g="0" b="0"/>
-      </a:fillRef>
-      <a:effectRef idx="0">
-        <a:scrgbClr r="0" g="0" b="0"/>
-      </a:effectRef>
-      <a:fontRef idx="minor"/>
-    </dgm:style>
-  </dgm:styleLbl>
-  <dgm:styleLbl name="fgAcc1">
-    <dgm:scene3d>
-      <a:camera prst="orthographicFront"/>
-      <a:lightRig rig="threePt" dir="t"/>
-    </dgm:scene3d>
-    <dgm:sp3d/>
-    <dgm:txPr/>
-    <dgm:style>
-      <a:lnRef idx="2">
-        <a:scrgbClr r="0" g="0" b="0"/>
-      </a:lnRef>
-      <a:fillRef idx="1">
-        <a:scrgbClr r="0" g="0" b="0"/>
-      </a:fillRef>
-      <a:effectRef idx="0">
-        <a:scrgbClr r="0" g="0" b="0"/>
-      </a:effectRef>
-      <a:fontRef idx="minor"/>
-    </dgm:style>
-  </dgm:styleLbl>
-  <dgm:styleLbl name="conFgAcc1">
-    <dgm:scene3d>
-      <a:camera prst="orthographicFront"/>
-      <a:lightRig rig="threePt" dir="t"/>
-    </dgm:scene3d>
-    <dgm:sp3d/>
-    <dgm:txPr/>
-    <dgm:style>
-      <a:lnRef idx="2">
-        <a:scrgbClr r="0" g="0" b="0"/>
-      </a:lnRef>
-      <a:fillRef idx="1">
-        <a:scrgbClr r="0" g="0" b="0"/>
-      </a:fillRef>
-      <a:effectRef idx="0">
-        <a:scrgbClr r="0" g="0" b="0"/>
-      </a:effectRef>
-      <a:fontRef idx="minor"/>
-    </dgm:style>
-  </dgm:styleLbl>
-  <dgm:styleLbl name="alignAcc1">
-    <dgm:scene3d>
-      <a:camera prst="orthographicFront"/>
-      <a:lightRig rig="threePt" dir="t"/>
-    </dgm:scene3d>
-    <dgm:sp3d/>
-    <dgm:txPr/>
-    <dgm:style>
-      <a:lnRef idx="2">
-        <a:scrgbClr r="0" g="0" b="0"/>
-      </a:lnRef>
-      <a:fillRef idx="1">
-        <a:scrgbClr r="0" g="0" b="0"/>
-      </a:fillRef>
-      <a:effectRef idx="0">
-        <a:scrgbClr r="0" g="0" b="0"/>
-      </a:effectRef>
-      <a:fontRef idx="minor"/>
-    </dgm:style>
-  </dgm:styleLbl>
-  <dgm:styleLbl name="trAlignAcc1">
-    <dgm:scene3d>
-      <a:camera prst="orthographicFront"/>
-      <a:lightRig rig="threePt" dir="t"/>
-    </dgm:scene3d>
-    <dgm:sp3d/>
-    <dgm:txPr/>
-    <dgm:style>
-      <a:lnRef idx="1">
-        <a:scrgbClr r="0" g="0" b="0"/>
-      </a:lnRef>
-      <a:fillRef idx="1">
-        <a:scrgbClr r="0" g="0" b="0"/>
-      </a:fillRef>
-      <a:effectRef idx="0">
-        <a:scrgbClr r="0" g="0" b="0"/>
-      </a:effectRef>
-      <a:fontRef idx="minor"/>
-    </dgm:style>
-  </dgm:styleLbl>
-  <dgm:styleLbl name="bgAcc1">
-    <dgm:scene3d>
-      <a:camera prst="orthographicFront"/>
-      <a:lightRig rig="threePt" dir="t"/>
-    </dgm:scene3d>
-    <dgm:sp3d/>
-    <dgm:txPr/>
-    <dgm:style>
-      <a:lnRef idx="2">
-        <a:scrgbClr r="0" g="0" b="0"/>
-      </a:lnRef>
-      <a:fillRef idx="1">
-        <a:scrgbClr r="0" g="0" b="0"/>
-      </a:fillRef>
-      <a:effectRef idx="0">
-        <a:scrgbClr r="0" g="0" b="0"/>
-      </a:effectRef>
-      <a:fontRef idx="minor"/>
-    </dgm:style>
-  </dgm:styleLbl>
-  <dgm:styleLbl name="solidFgAcc1">
-    <dgm:scene3d>
-      <a:camera prst="orthographicFront"/>
-      <a:lightRig rig="threePt" dir="t"/>
-    </dgm:scene3d>
-    <dgm:sp3d/>
-    <dgm:txPr/>
-    <dgm:style>
-      <a:lnRef idx="2">
-        <a:scrgbClr r="0" g="0" b="0"/>
-      </a:lnRef>
-      <a:fillRef idx="1">
-        <a:scrgbClr r="0" g="0" b="0"/>
-      </a:fillRef>
-      <a:effectRef idx="0">
-        <a:scrgbClr r="0" g="0" b="0"/>
-      </a:effectRef>
-      <a:fontRef idx="minor"/>
-    </dgm:style>
-  </dgm:styleLbl>
-  <dgm:styleLbl name="solidAlignAcc1">
-    <dgm:scene3d>
-      <a:camera prst="orthographicFront"/>
-      <a:lightRig rig="threePt" dir="t"/>
-    </dgm:scene3d>
-    <dgm:sp3d/>
-    <dgm:txPr/>
-    <dgm:style>
-      <a:lnRef idx="2">
-        <a:scrgbClr r="0" g="0" b="0"/>
-      </a:lnRef>
-      <a:fillRef idx="1">
-        <a:scrgbClr r="0" g="0" b="0"/>
-      </a:fillRef>
-      <a:effectRef idx="0">
-        <a:scrgbClr r="0" g="0" b="0"/>
-      </a:effectRef>
-      <a:fontRef idx="minor"/>
-    </dgm:style>
-  </dgm:styleLbl>
-  <dgm:styleLbl name="solidBgAcc1">
-    <dgm:scene3d>
-      <a:camera prst="orthographicFront"/>
-      <a:lightRig rig="threePt" dir="t"/>
-    </dgm:scene3d>
-    <dgm:sp3d/>
-    <dgm:txPr/>
-    <dgm:style>
-      <a:lnRef idx="2">
-        <a:scrgbClr r="0" g="0" b="0"/>
-      </a:lnRef>
-      <a:fillRef idx="1">
-        <a:scrgbClr r="0" g="0" b="0"/>
-      </a:fillRef>
-      <a:effectRef idx="0">
-        <a:scrgbClr r="0" g="0" b="0"/>
-      </a:effectRef>
-      <a:fontRef idx="minor"/>
-    </dgm:style>
-  </dgm:styleLbl>
-  <dgm:styleLbl name="fgAccFollowNode1">
-    <dgm:scene3d>
-      <a:camera prst="orthographicFront"/>
-      <a:lightRig rig="threePt" dir="t"/>
-    </dgm:scene3d>
-    <dgm:sp3d/>
-    <dgm:txPr/>
-    <dgm:style>
-      <a:lnRef idx="2">
-        <a:scrgbClr r="0" g="0" b="0"/>
-      </a:lnRef>
-      <a:fillRef idx="1">
-        <a:scrgbClr r="0" g="0" b="0"/>
-      </a:fillRef>
-      <a:effectRef idx="0">
-        <a:scrgbClr r="0" g="0" b="0"/>
-      </a:effectRef>
-      <a:fontRef idx="minor"/>
-    </dgm:style>
-  </dgm:styleLbl>
-  <dgm:styleLbl name="alignAccFollowNode1">
-    <dgm:scene3d>
-      <a:camera prst="orthographicFront"/>
-      <a:lightRig rig="threePt" dir="t"/>
-    </dgm:scene3d>
-    <dgm:sp3d/>
-    <dgm:txPr/>
-    <dgm:style>
-      <a:lnRef idx="2">
-        <a:scrgbClr r="0" g="0" b="0"/>
-      </a:lnRef>
-      <a:fillRef idx="1">
-        <a:scrgbClr r="0" g="0" b="0"/>
-      </a:fillRef>
-      <a:effectRef idx="0">
-        <a:scrgbClr r="0" g="0" b="0"/>
-      </a:effectRef>
-      <a:fontRef idx="minor"/>
-    </dgm:style>
-  </dgm:styleLbl>
-  <dgm:styleLbl name="bgAccFollowNode1">
-    <dgm:scene3d>
-      <a:camera prst="orthographicFront"/>
-      <a:lightRig rig="threePt" dir="t"/>
-    </dgm:scene3d>
-    <dgm:sp3d/>
-    <dgm:txPr/>
-    <dgm:style>
-      <a:lnRef idx="2">
-        <a:scrgbClr r="0" g="0" b="0"/>
-      </a:lnRef>
-      <a:fillRef idx="1">
-        <a:scrgbClr r="0" g="0" b="0"/>
-      </a:fillRef>
-      <a:effectRef idx="0">
-        <a:scrgbClr r="0" g="0" b="0"/>
-      </a:effectRef>
-      <a:fontRef idx="minor"/>
-    </dgm:style>
-  </dgm:styleLbl>
-  <dgm:styleLbl name="fgAcc0">
-    <dgm:scene3d>
-      <a:camera prst="orthographicFront"/>
-      <a:lightRig rig="threePt" dir="t"/>
-    </dgm:scene3d>
-    <dgm:sp3d/>
-    <dgm:txPr/>
-    <dgm:style>
-      <a:lnRef idx="2">
-        <a:scrgbClr r="0" g="0" b="0"/>
-      </a:lnRef>
-      <a:fillRef idx="1">
-        <a:scrgbClr r="0" g="0" b="0"/>
-      </a:fillRef>
-      <a:effectRef idx="0">
-        <a:scrgbClr r="0" g="0" b="0"/>
-      </a:effectRef>
-      <a:fontRef idx="minor"/>
-    </dgm:style>
-  </dgm:styleLbl>
-  <dgm:styleLbl name="fgAcc2">
-    <dgm:scene3d>
-      <a:camera prst="orthographicFront"/>
-      <a:lightRig rig="threePt" dir="t"/>
-    </dgm:scene3d>
-    <dgm:sp3d/>
-    <dgm:txPr/>
-    <dgm:style>
-      <a:lnRef idx="2">
-        <a:scrgbClr r="0" g="0" b="0"/>
-      </a:lnRef>
-      <a:fillRef idx="1">
-        <a:scrgbClr r="0" g="0" b="0"/>
-      </a:fillRef>
-      <a:effectRef idx="0">
-        <a:scrgbClr r="0" g="0" b="0"/>
-      </a:effectRef>
-      <a:fontRef idx="minor"/>
-    </dgm:style>
-  </dgm:styleLbl>
-  <dgm:styleLbl name="fgAcc3">
-    <dgm:scene3d>
-      <a:camera prst="orthographicFront"/>
-      <a:lightRig rig="threePt" dir="t"/>
-    </dgm:scene3d>
-    <dgm:sp3d/>
-    <dgm:txPr/>
-    <dgm:style>
-      <a:lnRef idx="2">
-        <a:scrgbClr r="0" g="0" b="0"/>
-      </a:lnRef>
-      <a:fillRef idx="1">
-        <a:scrgbClr r="0" g="0" b="0"/>
-      </a:fillRef>
-      <a:effectRef idx="0">
-        <a:scrgbClr r="0" g="0" b="0"/>
-      </a:effectRef>
-      <a:fontRef idx="minor"/>
-    </dgm:style>
-  </dgm:styleLbl>
-  <dgm:styleLbl name="fgAcc4">
-    <dgm:scene3d>
-      <a:camera prst="orthographicFront"/>
-      <a:lightRig rig="threePt" dir="t"/>
-    </dgm:scene3d>
-    <dgm:sp3d/>
-    <dgm:txPr/>
-    <dgm:style>
-      <a:lnRef idx="2">
-        <a:scrgbClr r="0" g="0" b="0"/>
-      </a:lnRef>
-      <a:fillRef idx="1">
-        <a:scrgbClr r="0" g="0" b="0"/>
-      </a:fillRef>
-      <a:effectRef idx="0">
-        <a:scrgbClr r="0" g="0" b="0"/>
-      </a:effectRef>
-      <a:fontRef idx="minor"/>
-    </dgm:style>
-  </dgm:styleLbl>
-  <dgm:styleLbl name="bgShp">
-    <dgm:scene3d>
-      <a:camera prst="orthographicFront"/>
-      <a:lightRig rig="threePt" dir="t"/>
-    </dgm:scene3d>
-    <dgm:sp3d/>
-    <dgm:txPr/>
-    <dgm:style>
-      <a:lnRef idx="0">
-        <a:scrgbClr r="0" g="0" b="0"/>
-      </a:lnRef>
-      <a:fillRef idx="1">
-        <a:scrgbClr r="0" g="0" b="0"/>
-      </a:fillRef>
-      <a:effectRef idx="0">
-        <a:scrgbClr r="0" g="0" b="0"/>
-      </a:effectRef>
-      <a:fontRef idx="minor"/>
-    </dgm:style>
-  </dgm:styleLbl>
-  <dgm:styleLbl name="dkBgShp">
-    <dgm:scene3d>
-      <a:camera prst="orthographicFront"/>
-      <a:lightRig rig="threePt" dir="t"/>
-    </dgm:scene3d>
-    <dgm:sp3d/>
-    <dgm:txPr/>
-    <dgm:style>
-      <a:lnRef idx="0">
-        <a:scrgbClr r="0" g="0" b="0"/>
-      </a:lnRef>
-      <a:fillRef idx="1">
-        <a:scrgbClr r="0" g="0" b="0"/>
-      </a:fillRef>
-      <a:effectRef idx="0">
-        <a:scrgbClr r="0" g="0" b="0"/>
-      </a:effectRef>
-      <a:fontRef idx="minor"/>
-    </dgm:style>
-  </dgm:styleLbl>
-  <dgm:styleLbl name="trBgShp">
-    <dgm:scene3d>
-      <a:camera prst="orthographicFront"/>
-      <a:lightRig rig="threePt" dir="t"/>
-    </dgm:scene3d>
-    <dgm:sp3d/>
-    <dgm:txPr/>
-    <dgm:style>
-      <a:lnRef idx="0">
-        <a:scrgbClr r="0" g="0" b="0"/>
-      </a:lnRef>
-      <a:fillRef idx="1">
-        <a:scrgbClr r="0" g="0" b="0"/>
-      </a:fillRef>
-      <a:effectRef idx="0">
-        <a:scrgbClr r="0" g="0" b="0"/>
-      </a:effectRef>
-      <a:fontRef idx="minor"/>
-    </dgm:style>
-  </dgm:styleLbl>
-  <dgm:styleLbl name="fgShp">
-    <dgm:scene3d>
-      <a:camera prst="orthographicFront"/>
-      <a:lightRig rig="threePt" dir="t"/>
-    </dgm:scene3d>
-    <dgm:sp3d/>
-    <dgm:txPr/>
-    <dgm:style>
-      <a:lnRef idx="2">
-        <a:scrgbClr r="0" g="0" b="0"/>
-      </a:lnRef>
-      <a:fillRef idx="1">
-        <a:scrgbClr r="0" g="0" b="0"/>
-      </a:fillRef>
-      <a:effectRef idx="0">
-        <a:scrgbClr r="0" g="0" b="0"/>
-      </a:effectRef>
-      <a:fontRef idx="minor"/>
-    </dgm:style>
-  </dgm:styleLbl>
-  <dgm:styleLbl name="revTx">
-    <dgm:scene3d>
-      <a:camera prst="orthographicFront"/>
-      <a:lightRig rig="threePt" dir="t"/>
-    </dgm:scene3d>
-    <dgm:sp3d/>
-    <dgm:txPr/>
-    <dgm:style>
-      <a:lnRef idx="0">
-        <a:scrgbClr r="0" g="0" b="0"/>
-      </a:lnRef>
-      <a:fillRef idx="0">
-        <a:scrgbClr r="0" g="0" b="0"/>
-      </a:fillRef>
-      <a:effectRef idx="0">
-        <a:scrgbClr r="0" g="0" b="0"/>
-      </a:effectRef>
-      <a:fontRef idx="minor"/>
-    </dgm:style>
-  </dgm:styleLbl>
-</dgm:styleDef>
-</file>
-
 <file path=ppt/ink/ink1.xml><?xml version="1.0" encoding="utf-8"?>
 <inkml:ink xmlns:inkml="http://www.w3.org/2003/InkML">
   <inkml:definitions>
@@ -25310,6 +22242,1958 @@
   <inkml:trace contextRef="#ctx0" brushRef="#br0" timeOffset="1">2971 1048 24575,'18'0'0,"9"-10"0,-3 8 0,6-15 0,-7 15 0,-6-13 0,-3 15 0,-4-13 0,-1 11 0,-1-3 0,0 5 0,0 0 0,-1 0 0,0 0 0,2 0 0,0 0 0,0 0 0,0 0 0,0 0 0,-1 0 0,8 0 0,1 0 0,-1 0 0,0 0 0,-7 0 0,0 0 0,-1 0 0,-2 0 0,-3 0 0</inkml:trace>
   <inkml:trace contextRef="#ctx0" brushRef="#br0" timeOffset="2">3304 1 24575,'0'27'0,"0"-9"0,0 14 0,0-7 0,0 0 0,0 7 0,0-7 0,0 0 0,0-3 0,0-9 0,0 3 0,0-3 0,0 0 0,0 1 0,0-1 0,0 2 0,0-3 0,0 1 0,0 1 0,0-1 0,0 1 0,0-3 0,0 1 0,0 0 0,0-1 0,0 1 0,0 2 0,5-1 0,-5-1 0,4 1 0,-4-1 0,4 1 0,-4-1 0,3 1 0,-3-1 0,4-5 0,-3 4 0,3-4 0,-4 5 0,0 0 0,0-2 0,0 1 0,3-1 0,-2 4 0,7-3 0,-2 13 0,-1-14 0,1 5 0</inkml:trace>
 </inkml:ink>
+</file>
+
+<file path=ppt/notesMasters/notesMaster1.xml><?xml version="1.0" encoding="utf-8"?>
+<p:notesMaster xmlns:a="http://schemas.openxmlformats.org/drawingml/2006/main" xmlns:r="http://schemas.openxmlformats.org/officeDocument/2006/relationships" xmlns:p="http://schemas.openxmlformats.org/presentationml/2006/main">
+  <p:cSld>
+    <p:bg>
+      <p:bgRef idx="1001">
+        <a:schemeClr val="bg1"/>
+      </p:bgRef>
+    </p:bg>
+    <p:spTree>
+      <p:nvGrpSpPr>
+        <p:cNvPr id="1" name=""/>
+        <p:cNvGrpSpPr/>
+        <p:nvPr/>
+      </p:nvGrpSpPr>
+      <p:grpSpPr>
+        <a:xfrm>
+          <a:off x="0" y="0"/>
+          <a:ext cx="0" cy="0"/>
+          <a:chOff x="0" y="0"/>
+          <a:chExt cx="0" cy="0"/>
+        </a:xfrm>
+      </p:grpSpPr>
+      <p:sp>
+        <p:nvSpPr>
+          <p:cNvPr id="2" name="ヘッダー プレースホルダー 1"/>
+          <p:cNvSpPr>
+            <a:spLocks noGrp="1"/>
+          </p:cNvSpPr>
+          <p:nvPr>
+            <p:ph type="hdr" sz="quarter"/>
+          </p:nvPr>
+        </p:nvSpPr>
+        <p:spPr>
+          <a:xfrm>
+            <a:off x="0" y="0"/>
+            <a:ext cx="2971800" cy="458788"/>
+          </a:xfrm>
+          <a:prstGeom prst="rect">
+            <a:avLst/>
+          </a:prstGeom>
+        </p:spPr>
+        <p:txBody>
+          <a:bodyPr vert="horz" lIns="91440" tIns="45720" rIns="91440" bIns="45720" rtlCol="0"/>
+          <a:lstStyle>
+            <a:lvl1pPr algn="l">
+              <a:defRPr sz="1200"/>
+            </a:lvl1pPr>
+          </a:lstStyle>
+          <a:p>
+            <a:endParaRPr kumimoji="1" lang="ja-JP" altLang="en-US"/>
+          </a:p>
+        </p:txBody>
+      </p:sp>
+      <p:sp>
+        <p:nvSpPr>
+          <p:cNvPr id="3" name="日付プレースホルダー 2"/>
+          <p:cNvSpPr>
+            <a:spLocks noGrp="1"/>
+          </p:cNvSpPr>
+          <p:nvPr>
+            <p:ph type="dt" idx="1"/>
+          </p:nvPr>
+        </p:nvSpPr>
+        <p:spPr>
+          <a:xfrm>
+            <a:off x="3884613" y="0"/>
+            <a:ext cx="2971800" cy="458788"/>
+          </a:xfrm>
+          <a:prstGeom prst="rect">
+            <a:avLst/>
+          </a:prstGeom>
+        </p:spPr>
+        <p:txBody>
+          <a:bodyPr vert="horz" lIns="91440" tIns="45720" rIns="91440" bIns="45720" rtlCol="0"/>
+          <a:lstStyle>
+            <a:lvl1pPr algn="r">
+              <a:defRPr sz="1200"/>
+            </a:lvl1pPr>
+          </a:lstStyle>
+          <a:p>
+            <a:fld id="{0672B53C-868C-7949-80D7-CF4527C0C9DC}" type="datetimeFigureOut">
+              <a:t>2019/6/17</a:t>
+            </a:fld>
+            <a:endParaRPr kumimoji="1" lang="ja-JP" altLang="en-US"/>
+          </a:p>
+        </p:txBody>
+      </p:sp>
+      <p:sp>
+        <p:nvSpPr>
+          <p:cNvPr id="4" name="スライド イメージ プレースホルダー 3"/>
+          <p:cNvSpPr>
+            <a:spLocks noGrp="1" noRot="1" noChangeAspect="1"/>
+          </p:cNvSpPr>
+          <p:nvPr>
+            <p:ph type="sldImg" idx="2"/>
+          </p:nvPr>
+        </p:nvSpPr>
+        <p:spPr>
+          <a:xfrm>
+            <a:off x="685800" y="1143000"/>
+            <a:ext cx="5486400" cy="3086100"/>
+          </a:xfrm>
+          <a:prstGeom prst="rect">
+            <a:avLst/>
+          </a:prstGeom>
+          <a:noFill/>
+          <a:ln w="12700">
+            <a:solidFill>
+              <a:prstClr val="black"/>
+            </a:solidFill>
+          </a:ln>
+        </p:spPr>
+        <p:txBody>
+          <a:bodyPr vert="horz" lIns="91440" tIns="45720" rIns="91440" bIns="45720" rtlCol="0" anchor="ctr"/>
+          <a:lstStyle/>
+          <a:p>
+            <a:endParaRPr lang="ja-JP" altLang="en-US"/>
+          </a:p>
+        </p:txBody>
+      </p:sp>
+      <p:sp>
+        <p:nvSpPr>
+          <p:cNvPr id="5" name="ノート プレースホルダー 4"/>
+          <p:cNvSpPr>
+            <a:spLocks noGrp="1"/>
+          </p:cNvSpPr>
+          <p:nvPr>
+            <p:ph type="body" sz="quarter" idx="3"/>
+          </p:nvPr>
+        </p:nvSpPr>
+        <p:spPr>
+          <a:xfrm>
+            <a:off x="685800" y="4400550"/>
+            <a:ext cx="5486400" cy="3600450"/>
+          </a:xfrm>
+          <a:prstGeom prst="rect">
+            <a:avLst/>
+          </a:prstGeom>
+        </p:spPr>
+        <p:txBody>
+          <a:bodyPr vert="horz" lIns="91440" tIns="45720" rIns="91440" bIns="45720" rtlCol="0"/>
+          <a:lstStyle/>
+          <a:p>
+            <a:pPr lvl="0"/>
+            <a:r>
+              <a:rPr kumimoji="1" lang="ja-JP" altLang="en-US"/>
+              <a:t>マスター テキストの書式設定</a:t>
+            </a:r>
+          </a:p>
+          <a:p>
+            <a:pPr lvl="1"/>
+            <a:r>
+              <a:rPr kumimoji="1" lang="ja-JP" altLang="en-US"/>
+              <a:t>第 </a:t>
+            </a:r>
+            <a:r>
+              <a:rPr kumimoji="1" lang="en-US" altLang="ja-JP"/>
+              <a:t>2 </a:t>
+            </a:r>
+            <a:r>
+              <a:rPr kumimoji="1" lang="ja-JP" altLang="en-US"/>
+              <a:t>レベル</a:t>
+            </a:r>
+          </a:p>
+          <a:p>
+            <a:pPr lvl="2"/>
+            <a:r>
+              <a:rPr kumimoji="1" lang="ja-JP" altLang="en-US"/>
+              <a:t>第 </a:t>
+            </a:r>
+            <a:r>
+              <a:rPr kumimoji="1" lang="en-US" altLang="ja-JP"/>
+              <a:t>3 </a:t>
+            </a:r>
+            <a:r>
+              <a:rPr kumimoji="1" lang="ja-JP" altLang="en-US"/>
+              <a:t>レベル</a:t>
+            </a:r>
+          </a:p>
+          <a:p>
+            <a:pPr lvl="3"/>
+            <a:r>
+              <a:rPr kumimoji="1" lang="ja-JP" altLang="en-US"/>
+              <a:t>第 </a:t>
+            </a:r>
+            <a:r>
+              <a:rPr kumimoji="1" lang="en-US" altLang="ja-JP"/>
+              <a:t>4 </a:t>
+            </a:r>
+            <a:r>
+              <a:rPr kumimoji="1" lang="ja-JP" altLang="en-US"/>
+              <a:t>レベル</a:t>
+            </a:r>
+          </a:p>
+          <a:p>
+            <a:pPr lvl="4"/>
+            <a:r>
+              <a:rPr kumimoji="1" lang="ja-JP" altLang="en-US"/>
+              <a:t>第 </a:t>
+            </a:r>
+            <a:r>
+              <a:rPr kumimoji="1" lang="en-US" altLang="ja-JP"/>
+              <a:t>5 </a:t>
+            </a:r>
+            <a:r>
+              <a:rPr kumimoji="1" lang="ja-JP" altLang="en-US"/>
+              <a:t>レベル</a:t>
+            </a:r>
+          </a:p>
+        </p:txBody>
+      </p:sp>
+      <p:sp>
+        <p:nvSpPr>
+          <p:cNvPr id="6" name="フッター プレースホルダー 5"/>
+          <p:cNvSpPr>
+            <a:spLocks noGrp="1"/>
+          </p:cNvSpPr>
+          <p:nvPr>
+            <p:ph type="ftr" sz="quarter" idx="4"/>
+          </p:nvPr>
+        </p:nvSpPr>
+        <p:spPr>
+          <a:xfrm>
+            <a:off x="0" y="8685213"/>
+            <a:ext cx="2971800" cy="458787"/>
+          </a:xfrm>
+          <a:prstGeom prst="rect">
+            <a:avLst/>
+          </a:prstGeom>
+        </p:spPr>
+        <p:txBody>
+          <a:bodyPr vert="horz" lIns="91440" tIns="45720" rIns="91440" bIns="45720" rtlCol="0" anchor="b"/>
+          <a:lstStyle>
+            <a:lvl1pPr algn="l">
+              <a:defRPr sz="1200"/>
+            </a:lvl1pPr>
+          </a:lstStyle>
+          <a:p>
+            <a:endParaRPr kumimoji="1" lang="ja-JP" altLang="en-US"/>
+          </a:p>
+        </p:txBody>
+      </p:sp>
+      <p:sp>
+        <p:nvSpPr>
+          <p:cNvPr id="7" name="スライド番号プレースホルダー 6"/>
+          <p:cNvSpPr>
+            <a:spLocks noGrp="1"/>
+          </p:cNvSpPr>
+          <p:nvPr>
+            <p:ph type="sldNum" sz="quarter" idx="5"/>
+          </p:nvPr>
+        </p:nvSpPr>
+        <p:spPr>
+          <a:xfrm>
+            <a:off x="3884613" y="8685213"/>
+            <a:ext cx="2971800" cy="458787"/>
+          </a:xfrm>
+          <a:prstGeom prst="rect">
+            <a:avLst/>
+          </a:prstGeom>
+        </p:spPr>
+        <p:txBody>
+          <a:bodyPr vert="horz" lIns="91440" tIns="45720" rIns="91440" bIns="45720" rtlCol="0" anchor="b"/>
+          <a:lstStyle>
+            <a:lvl1pPr algn="r">
+              <a:defRPr sz="1200"/>
+            </a:lvl1pPr>
+          </a:lstStyle>
+          <a:p>
+            <a:fld id="{3FBE6C9F-4EE6-E544-B62E-AF1E157B9C86}" type="slidenum">
+              <a:t>‹#›</a:t>
+            </a:fld>
+            <a:endParaRPr kumimoji="1" lang="ja-JP" altLang="en-US"/>
+          </a:p>
+        </p:txBody>
+      </p:sp>
+    </p:spTree>
+    <p:extLst>
+      <p:ext uri="{BB962C8B-B14F-4D97-AF65-F5344CB8AC3E}">
+        <p14:creationId xmlns:p14="http://schemas.microsoft.com/office/powerpoint/2010/main" val="4290456349"/>
+      </p:ext>
+    </p:extLst>
+  </p:cSld>
+  <p:clrMap bg1="lt1" tx1="dk1" bg2="lt2" tx2="dk2" accent1="accent1" accent2="accent2" accent3="accent3" accent4="accent4" accent5="accent5" accent6="accent6" hlink="hlink" folHlink="folHlink"/>
+  <p:notesStyle>
+    <a:lvl1pPr marL="0" algn="l" defTabSz="914400" rtl="0" eaLnBrk="1" latinLnBrk="0" hangingPunct="1">
+      <a:defRPr kumimoji="1" sz="1200" kern="1200">
+        <a:solidFill>
+          <a:schemeClr val="tx1"/>
+        </a:solidFill>
+        <a:latin typeface="+mn-lt"/>
+        <a:ea typeface="+mn-ea"/>
+        <a:cs typeface="+mn-cs"/>
+      </a:defRPr>
+    </a:lvl1pPr>
+    <a:lvl2pPr marL="457200" algn="l" defTabSz="914400" rtl="0" eaLnBrk="1" latinLnBrk="0" hangingPunct="1">
+      <a:defRPr kumimoji="1" sz="1200" kern="1200">
+        <a:solidFill>
+          <a:schemeClr val="tx1"/>
+        </a:solidFill>
+        <a:latin typeface="+mn-lt"/>
+        <a:ea typeface="+mn-ea"/>
+        <a:cs typeface="+mn-cs"/>
+      </a:defRPr>
+    </a:lvl2pPr>
+    <a:lvl3pPr marL="914400" algn="l" defTabSz="914400" rtl="0" eaLnBrk="1" latinLnBrk="0" hangingPunct="1">
+      <a:defRPr kumimoji="1" sz="1200" kern="1200">
+        <a:solidFill>
+          <a:schemeClr val="tx1"/>
+        </a:solidFill>
+        <a:latin typeface="+mn-lt"/>
+        <a:ea typeface="+mn-ea"/>
+        <a:cs typeface="+mn-cs"/>
+      </a:defRPr>
+    </a:lvl3pPr>
+    <a:lvl4pPr marL="1371600" algn="l" defTabSz="914400" rtl="0" eaLnBrk="1" latinLnBrk="0" hangingPunct="1">
+      <a:defRPr kumimoji="1" sz="1200" kern="1200">
+        <a:solidFill>
+          <a:schemeClr val="tx1"/>
+        </a:solidFill>
+        <a:latin typeface="+mn-lt"/>
+        <a:ea typeface="+mn-ea"/>
+        <a:cs typeface="+mn-cs"/>
+      </a:defRPr>
+    </a:lvl4pPr>
+    <a:lvl5pPr marL="1828800" algn="l" defTabSz="914400" rtl="0" eaLnBrk="1" latinLnBrk="0" hangingPunct="1">
+      <a:defRPr kumimoji="1" sz="1200" kern="1200">
+        <a:solidFill>
+          <a:schemeClr val="tx1"/>
+        </a:solidFill>
+        <a:latin typeface="+mn-lt"/>
+        <a:ea typeface="+mn-ea"/>
+        <a:cs typeface="+mn-cs"/>
+      </a:defRPr>
+    </a:lvl5pPr>
+    <a:lvl6pPr marL="2286000" algn="l" defTabSz="914400" rtl="0" eaLnBrk="1" latinLnBrk="0" hangingPunct="1">
+      <a:defRPr kumimoji="1" sz="1200" kern="1200">
+        <a:solidFill>
+          <a:schemeClr val="tx1"/>
+        </a:solidFill>
+        <a:latin typeface="+mn-lt"/>
+        <a:ea typeface="+mn-ea"/>
+        <a:cs typeface="+mn-cs"/>
+      </a:defRPr>
+    </a:lvl6pPr>
+    <a:lvl7pPr marL="2743200" algn="l" defTabSz="914400" rtl="0" eaLnBrk="1" latinLnBrk="0" hangingPunct="1">
+      <a:defRPr kumimoji="1" sz="1200" kern="1200">
+        <a:solidFill>
+          <a:schemeClr val="tx1"/>
+        </a:solidFill>
+        <a:latin typeface="+mn-lt"/>
+        <a:ea typeface="+mn-ea"/>
+        <a:cs typeface="+mn-cs"/>
+      </a:defRPr>
+    </a:lvl7pPr>
+    <a:lvl8pPr marL="3200400" algn="l" defTabSz="914400" rtl="0" eaLnBrk="1" latinLnBrk="0" hangingPunct="1">
+      <a:defRPr kumimoji="1" sz="1200" kern="1200">
+        <a:solidFill>
+          <a:schemeClr val="tx1"/>
+        </a:solidFill>
+        <a:latin typeface="+mn-lt"/>
+        <a:ea typeface="+mn-ea"/>
+        <a:cs typeface="+mn-cs"/>
+      </a:defRPr>
+    </a:lvl8pPr>
+    <a:lvl9pPr marL="3657600" algn="l" defTabSz="914400" rtl="0" eaLnBrk="1" latinLnBrk="0" hangingPunct="1">
+      <a:defRPr kumimoji="1" sz="1200" kern="1200">
+        <a:solidFill>
+          <a:schemeClr val="tx1"/>
+        </a:solidFill>
+        <a:latin typeface="+mn-lt"/>
+        <a:ea typeface="+mn-ea"/>
+        <a:cs typeface="+mn-cs"/>
+      </a:defRPr>
+    </a:lvl9pPr>
+  </p:notesStyle>
+</p:notesMaster>
+</file>
+
+<file path=ppt/notesSlides/notesSlide1.xml><?xml version="1.0" encoding="utf-8"?>
+<p:notes xmlns:a="http://schemas.openxmlformats.org/drawingml/2006/main" xmlns:r="http://schemas.openxmlformats.org/officeDocument/2006/relationships" xmlns:p="http://schemas.openxmlformats.org/presentationml/2006/main">
+  <p:cSld>
+    <p:spTree>
+      <p:nvGrpSpPr>
+        <p:cNvPr id="1" name=""/>
+        <p:cNvGrpSpPr/>
+        <p:nvPr/>
+      </p:nvGrpSpPr>
+      <p:grpSpPr>
+        <a:xfrm>
+          <a:off x="0" y="0"/>
+          <a:ext cx="0" cy="0"/>
+          <a:chOff x="0" y="0"/>
+          <a:chExt cx="0" cy="0"/>
+        </a:xfrm>
+      </p:grpSpPr>
+      <p:sp>
+        <p:nvSpPr>
+          <p:cNvPr id="2" name="スライド イメージ プレースホルダー 1"/>
+          <p:cNvSpPr>
+            <a:spLocks noGrp="1" noRot="1" noChangeAspect="1"/>
+          </p:cNvSpPr>
+          <p:nvPr>
+            <p:ph type="sldImg"/>
+          </p:nvPr>
+        </p:nvSpPr>
+        <p:spPr/>
+      </p:sp>
+      <p:sp>
+        <p:nvSpPr>
+          <p:cNvPr id="3" name="ノート プレースホルダー 2"/>
+          <p:cNvSpPr>
+            <a:spLocks noGrp="1"/>
+          </p:cNvSpPr>
+          <p:nvPr>
+            <p:ph type="body" idx="1"/>
+          </p:nvPr>
+        </p:nvSpPr>
+        <p:spPr/>
+        <p:txBody>
+          <a:bodyPr/>
+          <a:lstStyle/>
+          <a:p>
+            <a:r>
+              <a:rPr kumimoji="1" lang="ja-JP" altLang="en-US"/>
+              <a:t>こしかわ</a:t>
+            </a:r>
+            <a:endParaRPr kumimoji="1" lang="en-US" altLang="ja-JP"/>
+          </a:p>
+          <a:p>
+            <a:endParaRPr kumimoji="1" lang="ja-JP" altLang="en-US"/>
+          </a:p>
+        </p:txBody>
+      </p:sp>
+      <p:sp>
+        <p:nvSpPr>
+          <p:cNvPr id="4" name="スライド番号プレースホルダー 3"/>
+          <p:cNvSpPr>
+            <a:spLocks noGrp="1"/>
+          </p:cNvSpPr>
+          <p:nvPr>
+            <p:ph type="sldNum" sz="quarter" idx="5"/>
+          </p:nvPr>
+        </p:nvSpPr>
+        <p:spPr/>
+        <p:txBody>
+          <a:bodyPr/>
+          <a:lstStyle/>
+          <a:p>
+            <a:fld id="{3FBE6C9F-4EE6-E544-B62E-AF1E157B9C86}" type="slidenum">
+              <a:t>1</a:t>
+            </a:fld>
+            <a:endParaRPr kumimoji="1" lang="ja-JP" altLang="en-US"/>
+          </a:p>
+        </p:txBody>
+      </p:sp>
+    </p:spTree>
+    <p:extLst>
+      <p:ext uri="{BB962C8B-B14F-4D97-AF65-F5344CB8AC3E}">
+        <p14:creationId xmlns:p14="http://schemas.microsoft.com/office/powerpoint/2010/main" val="1604324327"/>
+      </p:ext>
+    </p:extLst>
+  </p:cSld>
+  <p:clrMapOvr>
+    <a:masterClrMapping/>
+  </p:clrMapOvr>
+</p:notes>
+</file>
+
+<file path=ppt/notesSlides/notesSlide10.xml><?xml version="1.0" encoding="utf-8"?>
+<p:notes xmlns:a="http://schemas.openxmlformats.org/drawingml/2006/main" xmlns:r="http://schemas.openxmlformats.org/officeDocument/2006/relationships" xmlns:p="http://schemas.openxmlformats.org/presentationml/2006/main">
+  <p:cSld>
+    <p:spTree>
+      <p:nvGrpSpPr>
+        <p:cNvPr id="1" name=""/>
+        <p:cNvGrpSpPr/>
+        <p:nvPr/>
+      </p:nvGrpSpPr>
+      <p:grpSpPr>
+        <a:xfrm>
+          <a:off x="0" y="0"/>
+          <a:ext cx="0" cy="0"/>
+          <a:chOff x="0" y="0"/>
+          <a:chExt cx="0" cy="0"/>
+        </a:xfrm>
+      </p:grpSpPr>
+      <p:sp>
+        <p:nvSpPr>
+          <p:cNvPr id="2" name="スライド イメージ プレースホルダー 1"/>
+          <p:cNvSpPr>
+            <a:spLocks noGrp="1" noRot="1" noChangeAspect="1"/>
+          </p:cNvSpPr>
+          <p:nvPr>
+            <p:ph type="sldImg"/>
+          </p:nvPr>
+        </p:nvSpPr>
+        <p:spPr/>
+      </p:sp>
+      <p:sp>
+        <p:nvSpPr>
+          <p:cNvPr id="3" name="ノート プレースホルダー 2"/>
+          <p:cNvSpPr>
+            <a:spLocks noGrp="1"/>
+          </p:cNvSpPr>
+          <p:nvPr>
+            <p:ph type="body" idx="1"/>
+          </p:nvPr>
+        </p:nvSpPr>
+        <p:spPr/>
+        <p:txBody>
+          <a:bodyPr/>
+          <a:lstStyle/>
+          <a:p>
+            <a:r>
+              <a:rPr kumimoji="1" lang="ja-JP" altLang="en-US"/>
+              <a:t>きむら</a:t>
+            </a:r>
+          </a:p>
+        </p:txBody>
+      </p:sp>
+      <p:sp>
+        <p:nvSpPr>
+          <p:cNvPr id="4" name="スライド番号プレースホルダー 3"/>
+          <p:cNvSpPr>
+            <a:spLocks noGrp="1"/>
+          </p:cNvSpPr>
+          <p:nvPr>
+            <p:ph type="sldNum" sz="quarter" idx="5"/>
+          </p:nvPr>
+        </p:nvSpPr>
+        <p:spPr/>
+        <p:txBody>
+          <a:bodyPr/>
+          <a:lstStyle/>
+          <a:p>
+            <a:fld id="{3FBE6C9F-4EE6-E544-B62E-AF1E157B9C86}" type="slidenum">
+              <a:t>10</a:t>
+            </a:fld>
+            <a:endParaRPr kumimoji="1" lang="ja-JP" altLang="en-US"/>
+          </a:p>
+        </p:txBody>
+      </p:sp>
+    </p:spTree>
+    <p:extLst>
+      <p:ext uri="{BB962C8B-B14F-4D97-AF65-F5344CB8AC3E}">
+        <p14:creationId xmlns:p14="http://schemas.microsoft.com/office/powerpoint/2010/main" val="3449231104"/>
+      </p:ext>
+    </p:extLst>
+  </p:cSld>
+  <p:clrMapOvr>
+    <a:masterClrMapping/>
+  </p:clrMapOvr>
+</p:notes>
+</file>
+
+<file path=ppt/notesSlides/notesSlide11.xml><?xml version="1.0" encoding="utf-8"?>
+<p:notes xmlns:a="http://schemas.openxmlformats.org/drawingml/2006/main" xmlns:r="http://schemas.openxmlformats.org/officeDocument/2006/relationships" xmlns:p="http://schemas.openxmlformats.org/presentationml/2006/main">
+  <p:cSld>
+    <p:spTree>
+      <p:nvGrpSpPr>
+        <p:cNvPr id="1" name=""/>
+        <p:cNvGrpSpPr/>
+        <p:nvPr/>
+      </p:nvGrpSpPr>
+      <p:grpSpPr>
+        <a:xfrm>
+          <a:off x="0" y="0"/>
+          <a:ext cx="0" cy="0"/>
+          <a:chOff x="0" y="0"/>
+          <a:chExt cx="0" cy="0"/>
+        </a:xfrm>
+      </p:grpSpPr>
+      <p:sp>
+        <p:nvSpPr>
+          <p:cNvPr id="2" name="スライド イメージ プレースホルダー 1"/>
+          <p:cNvSpPr>
+            <a:spLocks noGrp="1" noRot="1" noChangeAspect="1"/>
+          </p:cNvSpPr>
+          <p:nvPr>
+            <p:ph type="sldImg"/>
+          </p:nvPr>
+        </p:nvSpPr>
+        <p:spPr/>
+      </p:sp>
+      <p:sp>
+        <p:nvSpPr>
+          <p:cNvPr id="3" name="ノート プレースホルダー 2"/>
+          <p:cNvSpPr>
+            <a:spLocks noGrp="1"/>
+          </p:cNvSpPr>
+          <p:nvPr>
+            <p:ph type="body" idx="1"/>
+          </p:nvPr>
+        </p:nvSpPr>
+        <p:spPr/>
+        <p:txBody>
+          <a:bodyPr/>
+          <a:lstStyle/>
+          <a:p>
+            <a:r>
+              <a:rPr kumimoji="1" lang="ja-JP" altLang="en-US"/>
+              <a:t>すきっぷ</a:t>
+            </a:r>
+          </a:p>
+        </p:txBody>
+      </p:sp>
+      <p:sp>
+        <p:nvSpPr>
+          <p:cNvPr id="4" name="スライド番号プレースホルダー 3"/>
+          <p:cNvSpPr>
+            <a:spLocks noGrp="1"/>
+          </p:cNvSpPr>
+          <p:nvPr>
+            <p:ph type="sldNum" sz="quarter" idx="5"/>
+          </p:nvPr>
+        </p:nvSpPr>
+        <p:spPr/>
+        <p:txBody>
+          <a:bodyPr/>
+          <a:lstStyle/>
+          <a:p>
+            <a:fld id="{3FBE6C9F-4EE6-E544-B62E-AF1E157B9C86}" type="slidenum">
+              <a:t>11</a:t>
+            </a:fld>
+            <a:endParaRPr kumimoji="1" lang="ja-JP" altLang="en-US"/>
+          </a:p>
+        </p:txBody>
+      </p:sp>
+    </p:spTree>
+    <p:extLst>
+      <p:ext uri="{BB962C8B-B14F-4D97-AF65-F5344CB8AC3E}">
+        <p14:creationId xmlns:p14="http://schemas.microsoft.com/office/powerpoint/2010/main" val="3057070197"/>
+      </p:ext>
+    </p:extLst>
+  </p:cSld>
+  <p:clrMapOvr>
+    <a:masterClrMapping/>
+  </p:clrMapOvr>
+</p:notes>
+</file>
+
+<file path=ppt/notesSlides/notesSlide12.xml><?xml version="1.0" encoding="utf-8"?>
+<p:notes xmlns:a="http://schemas.openxmlformats.org/drawingml/2006/main" xmlns:r="http://schemas.openxmlformats.org/officeDocument/2006/relationships" xmlns:p="http://schemas.openxmlformats.org/presentationml/2006/main">
+  <p:cSld>
+    <p:spTree>
+      <p:nvGrpSpPr>
+        <p:cNvPr id="1" name=""/>
+        <p:cNvGrpSpPr/>
+        <p:nvPr/>
+      </p:nvGrpSpPr>
+      <p:grpSpPr>
+        <a:xfrm>
+          <a:off x="0" y="0"/>
+          <a:ext cx="0" cy="0"/>
+          <a:chOff x="0" y="0"/>
+          <a:chExt cx="0" cy="0"/>
+        </a:xfrm>
+      </p:grpSpPr>
+      <p:sp>
+        <p:nvSpPr>
+          <p:cNvPr id="2" name="スライド イメージ プレースホルダー 1"/>
+          <p:cNvSpPr>
+            <a:spLocks noGrp="1" noRot="1" noChangeAspect="1"/>
+          </p:cNvSpPr>
+          <p:nvPr>
+            <p:ph type="sldImg"/>
+          </p:nvPr>
+        </p:nvSpPr>
+        <p:spPr/>
+      </p:sp>
+      <p:sp>
+        <p:nvSpPr>
+          <p:cNvPr id="3" name="ノート プレースホルダー 2"/>
+          <p:cNvSpPr>
+            <a:spLocks noGrp="1"/>
+          </p:cNvSpPr>
+          <p:nvPr>
+            <p:ph type="body" idx="1"/>
+          </p:nvPr>
+        </p:nvSpPr>
+        <p:spPr/>
+        <p:txBody>
+          <a:bodyPr/>
+          <a:lstStyle/>
+          <a:p>
+            <a:r>
+              <a:rPr kumimoji="1" lang="ja-JP" altLang="en-US"/>
+              <a:t>こしかわ</a:t>
+            </a:r>
+            <a:r>
+              <a:rPr kumimoji="1" lang="en-US" altLang="ja-JP"/>
+              <a:t>(</a:t>
+            </a:r>
+            <a:r>
+              <a:rPr kumimoji="1" lang="ja-JP" altLang="en-US"/>
+              <a:t>複数スライドになるかも</a:t>
+            </a:r>
+            <a:r>
+              <a:rPr kumimoji="1" lang="en-US" altLang="ja-JP"/>
+              <a:t>)</a:t>
+            </a:r>
+            <a:endParaRPr kumimoji="1" lang="ja-JP" altLang="en-US"/>
+          </a:p>
+        </p:txBody>
+      </p:sp>
+      <p:sp>
+        <p:nvSpPr>
+          <p:cNvPr id="4" name="スライド番号プレースホルダー 3"/>
+          <p:cNvSpPr>
+            <a:spLocks noGrp="1"/>
+          </p:cNvSpPr>
+          <p:nvPr>
+            <p:ph type="sldNum" sz="quarter" idx="5"/>
+          </p:nvPr>
+        </p:nvSpPr>
+        <p:spPr/>
+        <p:txBody>
+          <a:bodyPr/>
+          <a:lstStyle/>
+          <a:p>
+            <a:fld id="{3FBE6C9F-4EE6-E544-B62E-AF1E157B9C86}" type="slidenum">
+              <a:t>12</a:t>
+            </a:fld>
+            <a:endParaRPr kumimoji="1" lang="ja-JP" altLang="en-US"/>
+          </a:p>
+        </p:txBody>
+      </p:sp>
+    </p:spTree>
+    <p:extLst>
+      <p:ext uri="{BB962C8B-B14F-4D97-AF65-F5344CB8AC3E}">
+        <p14:creationId xmlns:p14="http://schemas.microsoft.com/office/powerpoint/2010/main" val="3323932897"/>
+      </p:ext>
+    </p:extLst>
+  </p:cSld>
+  <p:clrMapOvr>
+    <a:masterClrMapping/>
+  </p:clrMapOvr>
+</p:notes>
+</file>
+
+<file path=ppt/notesSlides/notesSlide13.xml><?xml version="1.0" encoding="utf-8"?>
+<p:notes xmlns:a="http://schemas.openxmlformats.org/drawingml/2006/main" xmlns:r="http://schemas.openxmlformats.org/officeDocument/2006/relationships" xmlns:p="http://schemas.openxmlformats.org/presentationml/2006/main">
+  <p:cSld>
+    <p:spTree>
+      <p:nvGrpSpPr>
+        <p:cNvPr id="1" name=""/>
+        <p:cNvGrpSpPr/>
+        <p:nvPr/>
+      </p:nvGrpSpPr>
+      <p:grpSpPr>
+        <a:xfrm>
+          <a:off x="0" y="0"/>
+          <a:ext cx="0" cy="0"/>
+          <a:chOff x="0" y="0"/>
+          <a:chExt cx="0" cy="0"/>
+        </a:xfrm>
+      </p:grpSpPr>
+      <p:sp>
+        <p:nvSpPr>
+          <p:cNvPr id="2" name="スライド イメージ プレースホルダー 1"/>
+          <p:cNvSpPr>
+            <a:spLocks noGrp="1" noRot="1" noChangeAspect="1"/>
+          </p:cNvSpPr>
+          <p:nvPr>
+            <p:ph type="sldImg"/>
+          </p:nvPr>
+        </p:nvSpPr>
+        <p:spPr/>
+      </p:sp>
+      <p:sp>
+        <p:nvSpPr>
+          <p:cNvPr id="3" name="ノート プレースホルダー 2"/>
+          <p:cNvSpPr>
+            <a:spLocks noGrp="1"/>
+          </p:cNvSpPr>
+          <p:nvPr>
+            <p:ph type="body" idx="1"/>
+          </p:nvPr>
+        </p:nvSpPr>
+        <p:spPr/>
+        <p:txBody>
+          <a:bodyPr/>
+          <a:lstStyle/>
+          <a:p>
+            <a:r>
+              <a:rPr kumimoji="1" lang="ja-JP" altLang="en-US"/>
+              <a:t>きむら</a:t>
+            </a:r>
+          </a:p>
+        </p:txBody>
+      </p:sp>
+      <p:sp>
+        <p:nvSpPr>
+          <p:cNvPr id="4" name="スライド番号プレースホルダー 3"/>
+          <p:cNvSpPr>
+            <a:spLocks noGrp="1"/>
+          </p:cNvSpPr>
+          <p:nvPr>
+            <p:ph type="sldNum" sz="quarter" idx="5"/>
+          </p:nvPr>
+        </p:nvSpPr>
+        <p:spPr/>
+        <p:txBody>
+          <a:bodyPr/>
+          <a:lstStyle/>
+          <a:p>
+            <a:fld id="{3FBE6C9F-4EE6-E544-B62E-AF1E157B9C86}" type="slidenum">
+              <a:t>13</a:t>
+            </a:fld>
+            <a:endParaRPr kumimoji="1" lang="ja-JP" altLang="en-US"/>
+          </a:p>
+        </p:txBody>
+      </p:sp>
+    </p:spTree>
+    <p:extLst>
+      <p:ext uri="{BB962C8B-B14F-4D97-AF65-F5344CB8AC3E}">
+        <p14:creationId xmlns:p14="http://schemas.microsoft.com/office/powerpoint/2010/main" val="2853885243"/>
+      </p:ext>
+    </p:extLst>
+  </p:cSld>
+  <p:clrMapOvr>
+    <a:masterClrMapping/>
+  </p:clrMapOvr>
+</p:notes>
+</file>
+
+<file path=ppt/notesSlides/notesSlide14.xml><?xml version="1.0" encoding="utf-8"?>
+<p:notes xmlns:a="http://schemas.openxmlformats.org/drawingml/2006/main" xmlns:r="http://schemas.openxmlformats.org/officeDocument/2006/relationships" xmlns:p="http://schemas.openxmlformats.org/presentationml/2006/main">
+  <p:cSld>
+    <p:spTree>
+      <p:nvGrpSpPr>
+        <p:cNvPr id="1" name=""/>
+        <p:cNvGrpSpPr/>
+        <p:nvPr/>
+      </p:nvGrpSpPr>
+      <p:grpSpPr>
+        <a:xfrm>
+          <a:off x="0" y="0"/>
+          <a:ext cx="0" cy="0"/>
+          <a:chOff x="0" y="0"/>
+          <a:chExt cx="0" cy="0"/>
+        </a:xfrm>
+      </p:grpSpPr>
+      <p:sp>
+        <p:nvSpPr>
+          <p:cNvPr id="2" name="スライド イメージ プレースホルダー 1"/>
+          <p:cNvSpPr>
+            <a:spLocks noGrp="1" noRot="1" noChangeAspect="1"/>
+          </p:cNvSpPr>
+          <p:nvPr>
+            <p:ph type="sldImg"/>
+          </p:nvPr>
+        </p:nvSpPr>
+        <p:spPr/>
+      </p:sp>
+      <p:sp>
+        <p:nvSpPr>
+          <p:cNvPr id="3" name="ノート プレースホルダー 2"/>
+          <p:cNvSpPr>
+            <a:spLocks noGrp="1"/>
+          </p:cNvSpPr>
+          <p:nvPr>
+            <p:ph type="body" idx="1"/>
+          </p:nvPr>
+        </p:nvSpPr>
+        <p:spPr/>
+        <p:txBody>
+          <a:bodyPr/>
+          <a:lstStyle/>
+          <a:p>
+            <a:r>
+              <a:rPr kumimoji="1" lang="ja-JP" altLang="en-US"/>
+              <a:t>こしかわ</a:t>
+            </a:r>
+          </a:p>
+        </p:txBody>
+      </p:sp>
+      <p:sp>
+        <p:nvSpPr>
+          <p:cNvPr id="4" name="スライド番号プレースホルダー 3"/>
+          <p:cNvSpPr>
+            <a:spLocks noGrp="1"/>
+          </p:cNvSpPr>
+          <p:nvPr>
+            <p:ph type="sldNum" sz="quarter" idx="5"/>
+          </p:nvPr>
+        </p:nvSpPr>
+        <p:spPr/>
+        <p:txBody>
+          <a:bodyPr/>
+          <a:lstStyle/>
+          <a:p>
+            <a:fld id="{3FBE6C9F-4EE6-E544-B62E-AF1E157B9C86}" type="slidenum">
+              <a:t>14</a:t>
+            </a:fld>
+            <a:endParaRPr kumimoji="1" lang="ja-JP" altLang="en-US"/>
+          </a:p>
+        </p:txBody>
+      </p:sp>
+    </p:spTree>
+    <p:extLst>
+      <p:ext uri="{BB962C8B-B14F-4D97-AF65-F5344CB8AC3E}">
+        <p14:creationId xmlns:p14="http://schemas.microsoft.com/office/powerpoint/2010/main" val="2760216479"/>
+      </p:ext>
+    </p:extLst>
+  </p:cSld>
+  <p:clrMapOvr>
+    <a:masterClrMapping/>
+  </p:clrMapOvr>
+</p:notes>
+</file>
+
+<file path=ppt/notesSlides/notesSlide15.xml><?xml version="1.0" encoding="utf-8"?>
+<p:notes xmlns:a="http://schemas.openxmlformats.org/drawingml/2006/main" xmlns:r="http://schemas.openxmlformats.org/officeDocument/2006/relationships" xmlns:p="http://schemas.openxmlformats.org/presentationml/2006/main">
+  <p:cSld>
+    <p:spTree>
+      <p:nvGrpSpPr>
+        <p:cNvPr id="1" name=""/>
+        <p:cNvGrpSpPr/>
+        <p:nvPr/>
+      </p:nvGrpSpPr>
+      <p:grpSpPr>
+        <a:xfrm>
+          <a:off x="0" y="0"/>
+          <a:ext cx="0" cy="0"/>
+          <a:chOff x="0" y="0"/>
+          <a:chExt cx="0" cy="0"/>
+        </a:xfrm>
+      </p:grpSpPr>
+      <p:sp>
+        <p:nvSpPr>
+          <p:cNvPr id="2" name="スライド イメージ プレースホルダー 1"/>
+          <p:cNvSpPr>
+            <a:spLocks noGrp="1" noRot="1" noChangeAspect="1"/>
+          </p:cNvSpPr>
+          <p:nvPr>
+            <p:ph type="sldImg"/>
+          </p:nvPr>
+        </p:nvSpPr>
+        <p:spPr/>
+      </p:sp>
+      <p:sp>
+        <p:nvSpPr>
+          <p:cNvPr id="3" name="ノート プレースホルダー 2"/>
+          <p:cNvSpPr>
+            <a:spLocks noGrp="1"/>
+          </p:cNvSpPr>
+          <p:nvPr>
+            <p:ph type="body" idx="1"/>
+          </p:nvPr>
+        </p:nvSpPr>
+        <p:spPr/>
+        <p:txBody>
+          <a:bodyPr/>
+          <a:lstStyle/>
+          <a:p>
+            <a:r>
+              <a:rPr kumimoji="1" lang="ja-JP" altLang="en-US"/>
+              <a:t>きむら</a:t>
+            </a:r>
+          </a:p>
+        </p:txBody>
+      </p:sp>
+      <p:sp>
+        <p:nvSpPr>
+          <p:cNvPr id="4" name="スライド番号プレースホルダー 3"/>
+          <p:cNvSpPr>
+            <a:spLocks noGrp="1"/>
+          </p:cNvSpPr>
+          <p:nvPr>
+            <p:ph type="sldNum" sz="quarter" idx="5"/>
+          </p:nvPr>
+        </p:nvSpPr>
+        <p:spPr/>
+        <p:txBody>
+          <a:bodyPr/>
+          <a:lstStyle/>
+          <a:p>
+            <a:fld id="{3FBE6C9F-4EE6-E544-B62E-AF1E157B9C86}" type="slidenum">
+              <a:t>15</a:t>
+            </a:fld>
+            <a:endParaRPr kumimoji="1" lang="ja-JP" altLang="en-US"/>
+          </a:p>
+        </p:txBody>
+      </p:sp>
+    </p:spTree>
+    <p:extLst>
+      <p:ext uri="{BB962C8B-B14F-4D97-AF65-F5344CB8AC3E}">
+        <p14:creationId xmlns:p14="http://schemas.microsoft.com/office/powerpoint/2010/main" val="2806800721"/>
+      </p:ext>
+    </p:extLst>
+  </p:cSld>
+  <p:clrMapOvr>
+    <a:masterClrMapping/>
+  </p:clrMapOvr>
+</p:notes>
+</file>
+
+<file path=ppt/notesSlides/notesSlide16.xml><?xml version="1.0" encoding="utf-8"?>
+<p:notes xmlns:a="http://schemas.openxmlformats.org/drawingml/2006/main" xmlns:r="http://schemas.openxmlformats.org/officeDocument/2006/relationships" xmlns:p="http://schemas.openxmlformats.org/presentationml/2006/main">
+  <p:cSld>
+    <p:spTree>
+      <p:nvGrpSpPr>
+        <p:cNvPr id="1" name=""/>
+        <p:cNvGrpSpPr/>
+        <p:nvPr/>
+      </p:nvGrpSpPr>
+      <p:grpSpPr>
+        <a:xfrm>
+          <a:off x="0" y="0"/>
+          <a:ext cx="0" cy="0"/>
+          <a:chOff x="0" y="0"/>
+          <a:chExt cx="0" cy="0"/>
+        </a:xfrm>
+      </p:grpSpPr>
+      <p:sp>
+        <p:nvSpPr>
+          <p:cNvPr id="2" name="スライド イメージ プレースホルダー 1"/>
+          <p:cNvSpPr>
+            <a:spLocks noGrp="1" noRot="1" noChangeAspect="1"/>
+          </p:cNvSpPr>
+          <p:nvPr>
+            <p:ph type="sldImg"/>
+          </p:nvPr>
+        </p:nvSpPr>
+        <p:spPr/>
+      </p:sp>
+      <p:sp>
+        <p:nvSpPr>
+          <p:cNvPr id="3" name="ノート プレースホルダー 2"/>
+          <p:cNvSpPr>
+            <a:spLocks noGrp="1"/>
+          </p:cNvSpPr>
+          <p:nvPr>
+            <p:ph type="body" idx="1"/>
+          </p:nvPr>
+        </p:nvSpPr>
+        <p:spPr/>
+        <p:txBody>
+          <a:bodyPr/>
+          <a:lstStyle/>
+          <a:p>
+            <a:r>
+              <a:rPr kumimoji="1" lang="ja-JP" altLang="en-US"/>
+              <a:t>こしかわ</a:t>
+            </a:r>
+          </a:p>
+        </p:txBody>
+      </p:sp>
+      <p:sp>
+        <p:nvSpPr>
+          <p:cNvPr id="4" name="スライド番号プレースホルダー 3"/>
+          <p:cNvSpPr>
+            <a:spLocks noGrp="1"/>
+          </p:cNvSpPr>
+          <p:nvPr>
+            <p:ph type="sldNum" sz="quarter" idx="5"/>
+          </p:nvPr>
+        </p:nvSpPr>
+        <p:spPr/>
+        <p:txBody>
+          <a:bodyPr/>
+          <a:lstStyle/>
+          <a:p>
+            <a:fld id="{3FBE6C9F-4EE6-E544-B62E-AF1E157B9C86}" type="slidenum">
+              <a:t>16</a:t>
+            </a:fld>
+            <a:endParaRPr kumimoji="1" lang="ja-JP" altLang="en-US"/>
+          </a:p>
+        </p:txBody>
+      </p:sp>
+    </p:spTree>
+    <p:extLst>
+      <p:ext uri="{BB962C8B-B14F-4D97-AF65-F5344CB8AC3E}">
+        <p14:creationId xmlns:p14="http://schemas.microsoft.com/office/powerpoint/2010/main" val="3971770656"/>
+      </p:ext>
+    </p:extLst>
+  </p:cSld>
+  <p:clrMapOvr>
+    <a:masterClrMapping/>
+  </p:clrMapOvr>
+</p:notes>
+</file>
+
+<file path=ppt/notesSlides/notesSlide17.xml><?xml version="1.0" encoding="utf-8"?>
+<p:notes xmlns:a="http://schemas.openxmlformats.org/drawingml/2006/main" xmlns:r="http://schemas.openxmlformats.org/officeDocument/2006/relationships" xmlns:p="http://schemas.openxmlformats.org/presentationml/2006/main">
+  <p:cSld>
+    <p:spTree>
+      <p:nvGrpSpPr>
+        <p:cNvPr id="1" name=""/>
+        <p:cNvGrpSpPr/>
+        <p:nvPr/>
+      </p:nvGrpSpPr>
+      <p:grpSpPr>
+        <a:xfrm>
+          <a:off x="0" y="0"/>
+          <a:ext cx="0" cy="0"/>
+          <a:chOff x="0" y="0"/>
+          <a:chExt cx="0" cy="0"/>
+        </a:xfrm>
+      </p:grpSpPr>
+      <p:sp>
+        <p:nvSpPr>
+          <p:cNvPr id="2" name="スライド イメージ プレースホルダー 1"/>
+          <p:cNvSpPr>
+            <a:spLocks noGrp="1" noRot="1" noChangeAspect="1"/>
+          </p:cNvSpPr>
+          <p:nvPr>
+            <p:ph type="sldImg"/>
+          </p:nvPr>
+        </p:nvSpPr>
+        <p:spPr/>
+      </p:sp>
+      <p:sp>
+        <p:nvSpPr>
+          <p:cNvPr id="3" name="ノート プレースホルダー 2"/>
+          <p:cNvSpPr>
+            <a:spLocks noGrp="1"/>
+          </p:cNvSpPr>
+          <p:nvPr>
+            <p:ph type="body" idx="1"/>
+          </p:nvPr>
+        </p:nvSpPr>
+        <p:spPr/>
+        <p:txBody>
+          <a:bodyPr/>
+          <a:lstStyle/>
+          <a:p>
+            <a:r>
+              <a:rPr kumimoji="1" lang="ja-JP" altLang="en-US"/>
+              <a:t>こしかわ</a:t>
+            </a:r>
+            <a:endParaRPr kumimoji="1" lang="en-US" altLang="ja-JP"/>
+          </a:p>
+          <a:p>
+            <a:endParaRPr kumimoji="1" lang="ja-JP" altLang="en-US"/>
+          </a:p>
+        </p:txBody>
+      </p:sp>
+      <p:sp>
+        <p:nvSpPr>
+          <p:cNvPr id="4" name="スライド番号プレースホルダー 3"/>
+          <p:cNvSpPr>
+            <a:spLocks noGrp="1"/>
+          </p:cNvSpPr>
+          <p:nvPr>
+            <p:ph type="sldNum" sz="quarter" idx="5"/>
+          </p:nvPr>
+        </p:nvSpPr>
+        <p:spPr/>
+        <p:txBody>
+          <a:bodyPr/>
+          <a:lstStyle/>
+          <a:p>
+            <a:fld id="{3FBE6C9F-4EE6-E544-B62E-AF1E157B9C86}" type="slidenum">
+              <a:t>17</a:t>
+            </a:fld>
+            <a:endParaRPr kumimoji="1" lang="ja-JP" altLang="en-US"/>
+          </a:p>
+        </p:txBody>
+      </p:sp>
+    </p:spTree>
+    <p:extLst>
+      <p:ext uri="{BB962C8B-B14F-4D97-AF65-F5344CB8AC3E}">
+        <p14:creationId xmlns:p14="http://schemas.microsoft.com/office/powerpoint/2010/main" val="4145082275"/>
+      </p:ext>
+    </p:extLst>
+  </p:cSld>
+  <p:clrMapOvr>
+    <a:masterClrMapping/>
+  </p:clrMapOvr>
+</p:notes>
+</file>
+
+<file path=ppt/notesSlides/notesSlide18.xml><?xml version="1.0" encoding="utf-8"?>
+<p:notes xmlns:a="http://schemas.openxmlformats.org/drawingml/2006/main" xmlns:r="http://schemas.openxmlformats.org/officeDocument/2006/relationships" xmlns:p="http://schemas.openxmlformats.org/presentationml/2006/main">
+  <p:cSld>
+    <p:spTree>
+      <p:nvGrpSpPr>
+        <p:cNvPr id="1" name=""/>
+        <p:cNvGrpSpPr/>
+        <p:nvPr/>
+      </p:nvGrpSpPr>
+      <p:grpSpPr>
+        <a:xfrm>
+          <a:off x="0" y="0"/>
+          <a:ext cx="0" cy="0"/>
+          <a:chOff x="0" y="0"/>
+          <a:chExt cx="0" cy="0"/>
+        </a:xfrm>
+      </p:grpSpPr>
+      <p:sp>
+        <p:nvSpPr>
+          <p:cNvPr id="2" name="スライド イメージ プレースホルダー 1"/>
+          <p:cNvSpPr>
+            <a:spLocks noGrp="1" noRot="1" noChangeAspect="1"/>
+          </p:cNvSpPr>
+          <p:nvPr>
+            <p:ph type="sldImg"/>
+          </p:nvPr>
+        </p:nvSpPr>
+        <p:spPr/>
+      </p:sp>
+      <p:sp>
+        <p:nvSpPr>
+          <p:cNvPr id="3" name="ノート プレースホルダー 2"/>
+          <p:cNvSpPr>
+            <a:spLocks noGrp="1"/>
+          </p:cNvSpPr>
+          <p:nvPr>
+            <p:ph type="body" idx="1"/>
+          </p:nvPr>
+        </p:nvSpPr>
+        <p:spPr/>
+        <p:txBody>
+          <a:bodyPr/>
+          <a:lstStyle/>
+          <a:p>
+            <a:r>
+              <a:rPr kumimoji="1" lang="ja-JP" altLang="en-US"/>
+              <a:t>こしかわ</a:t>
+            </a:r>
+          </a:p>
+        </p:txBody>
+      </p:sp>
+      <p:sp>
+        <p:nvSpPr>
+          <p:cNvPr id="4" name="スライド番号プレースホルダー 3"/>
+          <p:cNvSpPr>
+            <a:spLocks noGrp="1"/>
+          </p:cNvSpPr>
+          <p:nvPr>
+            <p:ph type="sldNum" sz="quarter" idx="5"/>
+          </p:nvPr>
+        </p:nvSpPr>
+        <p:spPr/>
+        <p:txBody>
+          <a:bodyPr/>
+          <a:lstStyle/>
+          <a:p>
+            <a:fld id="{3FBE6C9F-4EE6-E544-B62E-AF1E157B9C86}" type="slidenum">
+              <a:t>18</a:t>
+            </a:fld>
+            <a:endParaRPr kumimoji="1" lang="ja-JP" altLang="en-US"/>
+          </a:p>
+        </p:txBody>
+      </p:sp>
+    </p:spTree>
+    <p:extLst>
+      <p:ext uri="{BB962C8B-B14F-4D97-AF65-F5344CB8AC3E}">
+        <p14:creationId xmlns:p14="http://schemas.microsoft.com/office/powerpoint/2010/main" val="3537481283"/>
+      </p:ext>
+    </p:extLst>
+  </p:cSld>
+  <p:clrMapOvr>
+    <a:masterClrMapping/>
+  </p:clrMapOvr>
+</p:notes>
+</file>
+
+<file path=ppt/notesSlides/notesSlide2.xml><?xml version="1.0" encoding="utf-8"?>
+<p:notes xmlns:a="http://schemas.openxmlformats.org/drawingml/2006/main" xmlns:r="http://schemas.openxmlformats.org/officeDocument/2006/relationships" xmlns:p="http://schemas.openxmlformats.org/presentationml/2006/main">
+  <p:cSld>
+    <p:spTree>
+      <p:nvGrpSpPr>
+        <p:cNvPr id="1" name=""/>
+        <p:cNvGrpSpPr/>
+        <p:nvPr/>
+      </p:nvGrpSpPr>
+      <p:grpSpPr>
+        <a:xfrm>
+          <a:off x="0" y="0"/>
+          <a:ext cx="0" cy="0"/>
+          <a:chOff x="0" y="0"/>
+          <a:chExt cx="0" cy="0"/>
+        </a:xfrm>
+      </p:grpSpPr>
+      <p:sp>
+        <p:nvSpPr>
+          <p:cNvPr id="2" name="スライド イメージ プレースホルダー 1"/>
+          <p:cNvSpPr>
+            <a:spLocks noGrp="1" noRot="1" noChangeAspect="1"/>
+          </p:cNvSpPr>
+          <p:nvPr>
+            <p:ph type="sldImg"/>
+          </p:nvPr>
+        </p:nvSpPr>
+        <p:spPr/>
+      </p:sp>
+      <p:sp>
+        <p:nvSpPr>
+          <p:cNvPr id="3" name="ノート プレースホルダー 2"/>
+          <p:cNvSpPr>
+            <a:spLocks noGrp="1"/>
+          </p:cNvSpPr>
+          <p:nvPr>
+            <p:ph type="body" idx="1"/>
+          </p:nvPr>
+        </p:nvSpPr>
+        <p:spPr/>
+        <p:txBody>
+          <a:bodyPr/>
+          <a:lstStyle/>
+          <a:p>
+            <a:r>
+              <a:rPr kumimoji="1" lang="ja-JP" altLang="en-US"/>
+              <a:t>こしかわがよむ</a:t>
+            </a:r>
+            <a:endParaRPr kumimoji="1" lang="en-US" altLang="ja-JP"/>
+          </a:p>
+          <a:p>
+            <a:endParaRPr kumimoji="1" lang="ja-JP" altLang="en-US"/>
+          </a:p>
+        </p:txBody>
+      </p:sp>
+      <p:sp>
+        <p:nvSpPr>
+          <p:cNvPr id="4" name="スライド番号プレースホルダー 3"/>
+          <p:cNvSpPr>
+            <a:spLocks noGrp="1"/>
+          </p:cNvSpPr>
+          <p:nvPr>
+            <p:ph type="sldNum" sz="quarter" idx="5"/>
+          </p:nvPr>
+        </p:nvSpPr>
+        <p:spPr/>
+        <p:txBody>
+          <a:bodyPr/>
+          <a:lstStyle/>
+          <a:p>
+            <a:fld id="{3FBE6C9F-4EE6-E544-B62E-AF1E157B9C86}" type="slidenum">
+              <a:t>2</a:t>
+            </a:fld>
+            <a:endParaRPr kumimoji="1" lang="ja-JP" altLang="en-US"/>
+          </a:p>
+        </p:txBody>
+      </p:sp>
+    </p:spTree>
+    <p:extLst>
+      <p:ext uri="{BB962C8B-B14F-4D97-AF65-F5344CB8AC3E}">
+        <p14:creationId xmlns:p14="http://schemas.microsoft.com/office/powerpoint/2010/main" val="2133861702"/>
+      </p:ext>
+    </p:extLst>
+  </p:cSld>
+  <p:clrMapOvr>
+    <a:masterClrMapping/>
+  </p:clrMapOvr>
+</p:notes>
+</file>
+
+<file path=ppt/notesSlides/notesSlide3.xml><?xml version="1.0" encoding="utf-8"?>
+<p:notes xmlns:a="http://schemas.openxmlformats.org/drawingml/2006/main" xmlns:r="http://schemas.openxmlformats.org/officeDocument/2006/relationships" xmlns:p="http://schemas.openxmlformats.org/presentationml/2006/main">
+  <p:cSld>
+    <p:spTree>
+      <p:nvGrpSpPr>
+        <p:cNvPr id="1" name=""/>
+        <p:cNvGrpSpPr/>
+        <p:nvPr/>
+      </p:nvGrpSpPr>
+      <p:grpSpPr>
+        <a:xfrm>
+          <a:off x="0" y="0"/>
+          <a:ext cx="0" cy="0"/>
+          <a:chOff x="0" y="0"/>
+          <a:chExt cx="0" cy="0"/>
+        </a:xfrm>
+      </p:grpSpPr>
+      <p:sp>
+        <p:nvSpPr>
+          <p:cNvPr id="2" name="スライド イメージ プレースホルダー 1"/>
+          <p:cNvSpPr>
+            <a:spLocks noGrp="1" noRot="1" noChangeAspect="1"/>
+          </p:cNvSpPr>
+          <p:nvPr>
+            <p:ph type="sldImg"/>
+          </p:nvPr>
+        </p:nvSpPr>
+        <p:spPr/>
+      </p:sp>
+      <p:sp>
+        <p:nvSpPr>
+          <p:cNvPr id="3" name="ノート プレースホルダー 2"/>
+          <p:cNvSpPr>
+            <a:spLocks noGrp="1"/>
+          </p:cNvSpPr>
+          <p:nvPr>
+            <p:ph type="body" idx="1"/>
+          </p:nvPr>
+        </p:nvSpPr>
+        <p:spPr/>
+        <p:txBody>
+          <a:bodyPr/>
+          <a:lstStyle/>
+          <a:p>
+            <a:r>
+              <a:rPr kumimoji="1" lang="ja-JP" altLang="en-US"/>
+              <a:t>こしかわ</a:t>
+            </a:r>
+          </a:p>
+        </p:txBody>
+      </p:sp>
+      <p:sp>
+        <p:nvSpPr>
+          <p:cNvPr id="4" name="スライド番号プレースホルダー 3"/>
+          <p:cNvSpPr>
+            <a:spLocks noGrp="1"/>
+          </p:cNvSpPr>
+          <p:nvPr>
+            <p:ph type="sldNum" sz="quarter" idx="5"/>
+          </p:nvPr>
+        </p:nvSpPr>
+        <p:spPr/>
+        <p:txBody>
+          <a:bodyPr/>
+          <a:lstStyle/>
+          <a:p>
+            <a:fld id="{3FBE6C9F-4EE6-E544-B62E-AF1E157B9C86}" type="slidenum">
+              <a:t>3</a:t>
+            </a:fld>
+            <a:endParaRPr kumimoji="1" lang="ja-JP" altLang="en-US"/>
+          </a:p>
+        </p:txBody>
+      </p:sp>
+    </p:spTree>
+    <p:extLst>
+      <p:ext uri="{BB962C8B-B14F-4D97-AF65-F5344CB8AC3E}">
+        <p14:creationId xmlns:p14="http://schemas.microsoft.com/office/powerpoint/2010/main" val="3337791999"/>
+      </p:ext>
+    </p:extLst>
+  </p:cSld>
+  <p:clrMapOvr>
+    <a:masterClrMapping/>
+  </p:clrMapOvr>
+</p:notes>
+</file>
+
+<file path=ppt/notesSlides/notesSlide4.xml><?xml version="1.0" encoding="utf-8"?>
+<p:notes xmlns:a="http://schemas.openxmlformats.org/drawingml/2006/main" xmlns:r="http://schemas.openxmlformats.org/officeDocument/2006/relationships" xmlns:p="http://schemas.openxmlformats.org/presentationml/2006/main">
+  <p:cSld>
+    <p:spTree>
+      <p:nvGrpSpPr>
+        <p:cNvPr id="1" name=""/>
+        <p:cNvGrpSpPr/>
+        <p:nvPr/>
+      </p:nvGrpSpPr>
+      <p:grpSpPr>
+        <a:xfrm>
+          <a:off x="0" y="0"/>
+          <a:ext cx="0" cy="0"/>
+          <a:chOff x="0" y="0"/>
+          <a:chExt cx="0" cy="0"/>
+        </a:xfrm>
+      </p:grpSpPr>
+      <p:sp>
+        <p:nvSpPr>
+          <p:cNvPr id="2" name="スライド イメージ プレースホルダー 1"/>
+          <p:cNvSpPr>
+            <a:spLocks noGrp="1" noRot="1" noChangeAspect="1"/>
+          </p:cNvSpPr>
+          <p:nvPr>
+            <p:ph type="sldImg"/>
+          </p:nvPr>
+        </p:nvSpPr>
+        <p:spPr/>
+      </p:sp>
+      <p:sp>
+        <p:nvSpPr>
+          <p:cNvPr id="3" name="ノート プレースホルダー 2"/>
+          <p:cNvSpPr>
+            <a:spLocks noGrp="1"/>
+          </p:cNvSpPr>
+          <p:nvPr>
+            <p:ph type="body" idx="1"/>
+          </p:nvPr>
+        </p:nvSpPr>
+        <p:spPr/>
+        <p:txBody>
+          <a:bodyPr/>
+          <a:lstStyle/>
+          <a:p>
+            <a:r>
+              <a:rPr kumimoji="1" lang="ja-JP" altLang="en-US"/>
+              <a:t>こしかわ</a:t>
+            </a:r>
+          </a:p>
+        </p:txBody>
+      </p:sp>
+      <p:sp>
+        <p:nvSpPr>
+          <p:cNvPr id="4" name="スライド番号プレースホルダー 3"/>
+          <p:cNvSpPr>
+            <a:spLocks noGrp="1"/>
+          </p:cNvSpPr>
+          <p:nvPr>
+            <p:ph type="sldNum" sz="quarter" idx="5"/>
+          </p:nvPr>
+        </p:nvSpPr>
+        <p:spPr/>
+        <p:txBody>
+          <a:bodyPr/>
+          <a:lstStyle/>
+          <a:p>
+            <a:fld id="{3FBE6C9F-4EE6-E544-B62E-AF1E157B9C86}" type="slidenum">
+              <a:t>4</a:t>
+            </a:fld>
+            <a:endParaRPr kumimoji="1" lang="ja-JP" altLang="en-US"/>
+          </a:p>
+        </p:txBody>
+      </p:sp>
+    </p:spTree>
+    <p:extLst>
+      <p:ext uri="{BB962C8B-B14F-4D97-AF65-F5344CB8AC3E}">
+        <p14:creationId xmlns:p14="http://schemas.microsoft.com/office/powerpoint/2010/main" val="8757218"/>
+      </p:ext>
+    </p:extLst>
+  </p:cSld>
+  <p:clrMapOvr>
+    <a:masterClrMapping/>
+  </p:clrMapOvr>
+</p:notes>
+</file>
+
+<file path=ppt/notesSlides/notesSlide5.xml><?xml version="1.0" encoding="utf-8"?>
+<p:notes xmlns:a="http://schemas.openxmlformats.org/drawingml/2006/main" xmlns:r="http://schemas.openxmlformats.org/officeDocument/2006/relationships" xmlns:p="http://schemas.openxmlformats.org/presentationml/2006/main">
+  <p:cSld>
+    <p:spTree>
+      <p:nvGrpSpPr>
+        <p:cNvPr id="1" name=""/>
+        <p:cNvGrpSpPr/>
+        <p:nvPr/>
+      </p:nvGrpSpPr>
+      <p:grpSpPr>
+        <a:xfrm>
+          <a:off x="0" y="0"/>
+          <a:ext cx="0" cy="0"/>
+          <a:chOff x="0" y="0"/>
+          <a:chExt cx="0" cy="0"/>
+        </a:xfrm>
+      </p:grpSpPr>
+      <p:sp>
+        <p:nvSpPr>
+          <p:cNvPr id="2" name="スライド イメージ プレースホルダー 1"/>
+          <p:cNvSpPr>
+            <a:spLocks noGrp="1" noRot="1" noChangeAspect="1"/>
+          </p:cNvSpPr>
+          <p:nvPr>
+            <p:ph type="sldImg"/>
+          </p:nvPr>
+        </p:nvSpPr>
+        <p:spPr/>
+      </p:sp>
+      <p:sp>
+        <p:nvSpPr>
+          <p:cNvPr id="3" name="ノート プレースホルダー 2"/>
+          <p:cNvSpPr>
+            <a:spLocks noGrp="1"/>
+          </p:cNvSpPr>
+          <p:nvPr>
+            <p:ph type="body" idx="1"/>
+          </p:nvPr>
+        </p:nvSpPr>
+        <p:spPr/>
+        <p:txBody>
+          <a:bodyPr/>
+          <a:lstStyle/>
+          <a:p>
+            <a:r>
+              <a:rPr kumimoji="1" lang="ja-JP" altLang="en-US"/>
+              <a:t>こしかわ</a:t>
+            </a:r>
+          </a:p>
+        </p:txBody>
+      </p:sp>
+      <p:sp>
+        <p:nvSpPr>
+          <p:cNvPr id="4" name="スライド番号プレースホルダー 3"/>
+          <p:cNvSpPr>
+            <a:spLocks noGrp="1"/>
+          </p:cNvSpPr>
+          <p:nvPr>
+            <p:ph type="sldNum" sz="quarter" idx="5"/>
+          </p:nvPr>
+        </p:nvSpPr>
+        <p:spPr/>
+        <p:txBody>
+          <a:bodyPr/>
+          <a:lstStyle/>
+          <a:p>
+            <a:fld id="{3FBE6C9F-4EE6-E544-B62E-AF1E157B9C86}" type="slidenum">
+              <a:t>5</a:t>
+            </a:fld>
+            <a:endParaRPr kumimoji="1" lang="ja-JP" altLang="en-US"/>
+          </a:p>
+        </p:txBody>
+      </p:sp>
+    </p:spTree>
+    <p:extLst>
+      <p:ext uri="{BB962C8B-B14F-4D97-AF65-F5344CB8AC3E}">
+        <p14:creationId xmlns:p14="http://schemas.microsoft.com/office/powerpoint/2010/main" val="3829809464"/>
+      </p:ext>
+    </p:extLst>
+  </p:cSld>
+  <p:clrMapOvr>
+    <a:masterClrMapping/>
+  </p:clrMapOvr>
+</p:notes>
+</file>
+
+<file path=ppt/notesSlides/notesSlide6.xml><?xml version="1.0" encoding="utf-8"?>
+<p:notes xmlns:a="http://schemas.openxmlformats.org/drawingml/2006/main" xmlns:r="http://schemas.openxmlformats.org/officeDocument/2006/relationships" xmlns:p="http://schemas.openxmlformats.org/presentationml/2006/main">
+  <p:cSld>
+    <p:spTree>
+      <p:nvGrpSpPr>
+        <p:cNvPr id="1" name=""/>
+        <p:cNvGrpSpPr/>
+        <p:nvPr/>
+      </p:nvGrpSpPr>
+      <p:grpSpPr>
+        <a:xfrm>
+          <a:off x="0" y="0"/>
+          <a:ext cx="0" cy="0"/>
+          <a:chOff x="0" y="0"/>
+          <a:chExt cx="0" cy="0"/>
+        </a:xfrm>
+      </p:grpSpPr>
+      <p:sp>
+        <p:nvSpPr>
+          <p:cNvPr id="2" name="スライド イメージ プレースホルダー 1"/>
+          <p:cNvSpPr>
+            <a:spLocks noGrp="1" noRot="1" noChangeAspect="1"/>
+          </p:cNvSpPr>
+          <p:nvPr>
+            <p:ph type="sldImg"/>
+          </p:nvPr>
+        </p:nvSpPr>
+        <p:spPr/>
+      </p:sp>
+      <p:sp>
+        <p:nvSpPr>
+          <p:cNvPr id="3" name="ノート プレースホルダー 2"/>
+          <p:cNvSpPr>
+            <a:spLocks noGrp="1"/>
+          </p:cNvSpPr>
+          <p:nvPr>
+            <p:ph type="body" idx="1"/>
+          </p:nvPr>
+        </p:nvSpPr>
+        <p:spPr/>
+        <p:txBody>
+          <a:bodyPr/>
+          <a:lstStyle/>
+          <a:p>
+            <a:r>
+              <a:rPr kumimoji="1" lang="ja-JP" altLang="en-US"/>
+              <a:t>きむら</a:t>
+            </a:r>
+          </a:p>
+        </p:txBody>
+      </p:sp>
+      <p:sp>
+        <p:nvSpPr>
+          <p:cNvPr id="4" name="スライド番号プレースホルダー 3"/>
+          <p:cNvSpPr>
+            <a:spLocks noGrp="1"/>
+          </p:cNvSpPr>
+          <p:nvPr>
+            <p:ph type="sldNum" sz="quarter" idx="5"/>
+          </p:nvPr>
+        </p:nvSpPr>
+        <p:spPr/>
+        <p:txBody>
+          <a:bodyPr/>
+          <a:lstStyle/>
+          <a:p>
+            <a:fld id="{3FBE6C9F-4EE6-E544-B62E-AF1E157B9C86}" type="slidenum">
+              <a:t>6</a:t>
+            </a:fld>
+            <a:endParaRPr kumimoji="1" lang="ja-JP" altLang="en-US"/>
+          </a:p>
+        </p:txBody>
+      </p:sp>
+    </p:spTree>
+    <p:extLst>
+      <p:ext uri="{BB962C8B-B14F-4D97-AF65-F5344CB8AC3E}">
+        <p14:creationId xmlns:p14="http://schemas.microsoft.com/office/powerpoint/2010/main" val="2840192870"/>
+      </p:ext>
+    </p:extLst>
+  </p:cSld>
+  <p:clrMapOvr>
+    <a:masterClrMapping/>
+  </p:clrMapOvr>
+</p:notes>
+</file>
+
+<file path=ppt/notesSlides/notesSlide7.xml><?xml version="1.0" encoding="utf-8"?>
+<p:notes xmlns:a="http://schemas.openxmlformats.org/drawingml/2006/main" xmlns:r="http://schemas.openxmlformats.org/officeDocument/2006/relationships" xmlns:p="http://schemas.openxmlformats.org/presentationml/2006/main">
+  <p:cSld>
+    <p:spTree>
+      <p:nvGrpSpPr>
+        <p:cNvPr id="1" name=""/>
+        <p:cNvGrpSpPr/>
+        <p:nvPr/>
+      </p:nvGrpSpPr>
+      <p:grpSpPr>
+        <a:xfrm>
+          <a:off x="0" y="0"/>
+          <a:ext cx="0" cy="0"/>
+          <a:chOff x="0" y="0"/>
+          <a:chExt cx="0" cy="0"/>
+        </a:xfrm>
+      </p:grpSpPr>
+      <p:sp>
+        <p:nvSpPr>
+          <p:cNvPr id="2" name="スライド イメージ プレースホルダー 1"/>
+          <p:cNvSpPr>
+            <a:spLocks noGrp="1" noRot="1" noChangeAspect="1"/>
+          </p:cNvSpPr>
+          <p:nvPr>
+            <p:ph type="sldImg"/>
+          </p:nvPr>
+        </p:nvSpPr>
+        <p:spPr/>
+      </p:sp>
+      <p:sp>
+        <p:nvSpPr>
+          <p:cNvPr id="3" name="ノート プレースホルダー 2"/>
+          <p:cNvSpPr>
+            <a:spLocks noGrp="1"/>
+          </p:cNvSpPr>
+          <p:nvPr>
+            <p:ph type="body" idx="1"/>
+          </p:nvPr>
+        </p:nvSpPr>
+        <p:spPr/>
+        <p:txBody>
+          <a:bodyPr/>
+          <a:lstStyle/>
+          <a:p>
+            <a:r>
+              <a:rPr kumimoji="1" lang="ja-JP" altLang="en-US"/>
+              <a:t>こしかわ</a:t>
+            </a:r>
+          </a:p>
+        </p:txBody>
+      </p:sp>
+      <p:sp>
+        <p:nvSpPr>
+          <p:cNvPr id="4" name="スライド番号プレースホルダー 3"/>
+          <p:cNvSpPr>
+            <a:spLocks noGrp="1"/>
+          </p:cNvSpPr>
+          <p:nvPr>
+            <p:ph type="sldNum" sz="quarter" idx="5"/>
+          </p:nvPr>
+        </p:nvSpPr>
+        <p:spPr/>
+        <p:txBody>
+          <a:bodyPr/>
+          <a:lstStyle/>
+          <a:p>
+            <a:fld id="{3FBE6C9F-4EE6-E544-B62E-AF1E157B9C86}" type="slidenum">
+              <a:t>7</a:t>
+            </a:fld>
+            <a:endParaRPr kumimoji="1" lang="ja-JP" altLang="en-US"/>
+          </a:p>
+        </p:txBody>
+      </p:sp>
+    </p:spTree>
+    <p:extLst>
+      <p:ext uri="{BB962C8B-B14F-4D97-AF65-F5344CB8AC3E}">
+        <p14:creationId xmlns:p14="http://schemas.microsoft.com/office/powerpoint/2010/main" val="4175399474"/>
+      </p:ext>
+    </p:extLst>
+  </p:cSld>
+  <p:clrMapOvr>
+    <a:masterClrMapping/>
+  </p:clrMapOvr>
+</p:notes>
+</file>
+
+<file path=ppt/notesSlides/notesSlide8.xml><?xml version="1.0" encoding="utf-8"?>
+<p:notes xmlns:a="http://schemas.openxmlformats.org/drawingml/2006/main" xmlns:r="http://schemas.openxmlformats.org/officeDocument/2006/relationships" xmlns:p="http://schemas.openxmlformats.org/presentationml/2006/main">
+  <p:cSld>
+    <p:spTree>
+      <p:nvGrpSpPr>
+        <p:cNvPr id="1" name=""/>
+        <p:cNvGrpSpPr/>
+        <p:nvPr/>
+      </p:nvGrpSpPr>
+      <p:grpSpPr>
+        <a:xfrm>
+          <a:off x="0" y="0"/>
+          <a:ext cx="0" cy="0"/>
+          <a:chOff x="0" y="0"/>
+          <a:chExt cx="0" cy="0"/>
+        </a:xfrm>
+      </p:grpSpPr>
+      <p:sp>
+        <p:nvSpPr>
+          <p:cNvPr id="2" name="スライド イメージ プレースホルダー 1"/>
+          <p:cNvSpPr>
+            <a:spLocks noGrp="1" noRot="1" noChangeAspect="1"/>
+          </p:cNvSpPr>
+          <p:nvPr>
+            <p:ph type="sldImg"/>
+          </p:nvPr>
+        </p:nvSpPr>
+        <p:spPr/>
+      </p:sp>
+      <p:sp>
+        <p:nvSpPr>
+          <p:cNvPr id="3" name="ノート プレースホルダー 2"/>
+          <p:cNvSpPr>
+            <a:spLocks noGrp="1"/>
+          </p:cNvSpPr>
+          <p:nvPr>
+            <p:ph type="body" idx="1"/>
+          </p:nvPr>
+        </p:nvSpPr>
+        <p:spPr/>
+        <p:txBody>
+          <a:bodyPr/>
+          <a:lstStyle/>
+          <a:p>
+            <a:r>
+              <a:rPr kumimoji="1" lang="ja-JP" altLang="en-US"/>
+              <a:t>きむら</a:t>
+            </a:r>
+          </a:p>
+        </p:txBody>
+      </p:sp>
+      <p:sp>
+        <p:nvSpPr>
+          <p:cNvPr id="4" name="スライド番号プレースホルダー 3"/>
+          <p:cNvSpPr>
+            <a:spLocks noGrp="1"/>
+          </p:cNvSpPr>
+          <p:nvPr>
+            <p:ph type="sldNum" sz="quarter" idx="5"/>
+          </p:nvPr>
+        </p:nvSpPr>
+        <p:spPr/>
+        <p:txBody>
+          <a:bodyPr/>
+          <a:lstStyle/>
+          <a:p>
+            <a:fld id="{3FBE6C9F-4EE6-E544-B62E-AF1E157B9C86}" type="slidenum">
+              <a:t>8</a:t>
+            </a:fld>
+            <a:endParaRPr kumimoji="1" lang="ja-JP" altLang="en-US"/>
+          </a:p>
+        </p:txBody>
+      </p:sp>
+    </p:spTree>
+    <p:extLst>
+      <p:ext uri="{BB962C8B-B14F-4D97-AF65-F5344CB8AC3E}">
+        <p14:creationId xmlns:p14="http://schemas.microsoft.com/office/powerpoint/2010/main" val="3681456965"/>
+      </p:ext>
+    </p:extLst>
+  </p:cSld>
+  <p:clrMapOvr>
+    <a:masterClrMapping/>
+  </p:clrMapOvr>
+</p:notes>
+</file>
+
+<file path=ppt/notesSlides/notesSlide9.xml><?xml version="1.0" encoding="utf-8"?>
+<p:notes xmlns:a="http://schemas.openxmlformats.org/drawingml/2006/main" xmlns:r="http://schemas.openxmlformats.org/officeDocument/2006/relationships" xmlns:p="http://schemas.openxmlformats.org/presentationml/2006/main">
+  <p:cSld>
+    <p:spTree>
+      <p:nvGrpSpPr>
+        <p:cNvPr id="1" name=""/>
+        <p:cNvGrpSpPr/>
+        <p:nvPr/>
+      </p:nvGrpSpPr>
+      <p:grpSpPr>
+        <a:xfrm>
+          <a:off x="0" y="0"/>
+          <a:ext cx="0" cy="0"/>
+          <a:chOff x="0" y="0"/>
+          <a:chExt cx="0" cy="0"/>
+        </a:xfrm>
+      </p:grpSpPr>
+      <p:sp>
+        <p:nvSpPr>
+          <p:cNvPr id="2" name="スライド イメージ プレースホルダー 1"/>
+          <p:cNvSpPr>
+            <a:spLocks noGrp="1" noRot="1" noChangeAspect="1"/>
+          </p:cNvSpPr>
+          <p:nvPr>
+            <p:ph type="sldImg"/>
+          </p:nvPr>
+        </p:nvSpPr>
+        <p:spPr/>
+      </p:sp>
+      <p:sp>
+        <p:nvSpPr>
+          <p:cNvPr id="3" name="ノート プレースホルダー 2"/>
+          <p:cNvSpPr>
+            <a:spLocks noGrp="1"/>
+          </p:cNvSpPr>
+          <p:nvPr>
+            <p:ph type="body" idx="1"/>
+          </p:nvPr>
+        </p:nvSpPr>
+        <p:spPr/>
+        <p:txBody>
+          <a:bodyPr/>
+          <a:lstStyle/>
+          <a:p>
+            <a:r>
+              <a:rPr kumimoji="1" lang="ja-JP" altLang="en-US"/>
+              <a:t>きむら</a:t>
+            </a:r>
+          </a:p>
+        </p:txBody>
+      </p:sp>
+      <p:sp>
+        <p:nvSpPr>
+          <p:cNvPr id="4" name="スライド番号プレースホルダー 3"/>
+          <p:cNvSpPr>
+            <a:spLocks noGrp="1"/>
+          </p:cNvSpPr>
+          <p:nvPr>
+            <p:ph type="sldNum" sz="quarter" idx="5"/>
+          </p:nvPr>
+        </p:nvSpPr>
+        <p:spPr/>
+        <p:txBody>
+          <a:bodyPr/>
+          <a:lstStyle/>
+          <a:p>
+            <a:fld id="{3FBE6C9F-4EE6-E544-B62E-AF1E157B9C86}" type="slidenum">
+              <a:t>9</a:t>
+            </a:fld>
+            <a:endParaRPr kumimoji="1" lang="ja-JP" altLang="en-US"/>
+          </a:p>
+        </p:txBody>
+      </p:sp>
+    </p:spTree>
+    <p:extLst>
+      <p:ext uri="{BB962C8B-B14F-4D97-AF65-F5344CB8AC3E}">
+        <p14:creationId xmlns:p14="http://schemas.microsoft.com/office/powerpoint/2010/main" val="1522389802"/>
+      </p:ext>
+    </p:extLst>
+  </p:cSld>
+  <p:clrMapOvr>
+    <a:masterClrMapping/>
+  </p:clrMapOvr>
+</p:notes>
 </file>
 
 <file path=ppt/slideLayouts/slideLayout1.xml><?xml version="1.0" encoding="utf-8"?>
@@ -28580,7 +27464,7 @@
           </p:nvPr>
         </p:nvPicPr>
         <p:blipFill>
-          <a:blip r:embed="rId2">
+          <a:blip r:embed="rId3">
             <a:extLst>
               <a:ext uri="{28A0092B-C50C-407E-A947-70E740481C1C}">
                 <a14:useLocalDpi xmlns:a14="http://schemas.microsoft.com/office/drawing/2010/main" val="0"/>
@@ -28702,608 +27586,6 @@
 </file>
 
 <file path=ppt/slides/slide10.xml><?xml version="1.0" encoding="utf-8"?>
-<p:sld xmlns:a="http://schemas.openxmlformats.org/drawingml/2006/main" xmlns:r="http://schemas.openxmlformats.org/officeDocument/2006/relationships" xmlns:p="http://schemas.openxmlformats.org/presentationml/2006/main">
-  <p:cSld>
-    <p:bg>
-      <p:bgPr>
-        <a:solidFill>
-          <a:schemeClr val="bg1"/>
-        </a:solidFill>
-        <a:effectLst/>
-      </p:bgPr>
-    </p:bg>
-    <p:spTree>
-      <p:nvGrpSpPr>
-        <p:cNvPr id="1" name=""/>
-        <p:cNvGrpSpPr/>
-        <p:nvPr/>
-      </p:nvGrpSpPr>
-      <p:grpSpPr>
-        <a:xfrm>
-          <a:off x="0" y="0"/>
-          <a:ext cx="0" cy="0"/>
-          <a:chOff x="0" y="0"/>
-          <a:chExt cx="0" cy="0"/>
-        </a:xfrm>
-      </p:grpSpPr>
-      <p:sp>
-        <p:nvSpPr>
-          <p:cNvPr id="12" name="Freeform: Shape 9">
-            <a:extLst>
-              <a:ext uri="{FF2B5EF4-FFF2-40B4-BE49-F238E27FC236}">
-                <a16:creationId xmlns:a16="http://schemas.microsoft.com/office/drawing/2014/main" id="{46C2E80F-49A6-4372-B103-219D417A55ED}"/>
-              </a:ext>
-              <a:ext uri="{C183D7F6-B498-43B3-948B-1728B52AA6E4}">
-                <adec:decorative xmlns:adec="http://schemas.microsoft.com/office/drawing/2017/decorative" val="1"/>
-              </a:ext>
-            </a:extLst>
-          </p:cNvPr>
-          <p:cNvSpPr>
-            <a:spLocks noGrp="1" noRot="1" noChangeAspect="1" noMove="1" noResize="1" noEditPoints="1" noAdjustHandles="1" noChangeArrowheads="1" noChangeShapeType="1" noTextEdit="1"/>
-          </p:cNvSpPr>
-          <p:nvPr>
-            <p:extLst>
-              <p:ext uri="{386F3935-93C4-4BCD-93E2-E3B085C9AB24}">
-                <p16:designElem xmlns:p16="http://schemas.microsoft.com/office/powerpoint/2015/main" val="1"/>
-              </p:ext>
-            </p:extLst>
-          </p:nvPr>
-        </p:nvSpPr>
-        <p:spPr>
-          <a:xfrm>
-            <a:off x="484096" y="470925"/>
-            <a:ext cx="4381009" cy="5892104"/>
-          </a:xfrm>
-          <a:custGeom>
-            <a:avLst/>
-            <a:gdLst>
-              <a:gd name="connsiteX0" fmla="*/ 0 w 4381009"/>
-              <a:gd name="connsiteY0" fmla="*/ 0 h 5892104"/>
-              <a:gd name="connsiteX1" fmla="*/ 4157628 w 4381009"/>
-              <a:gd name="connsiteY1" fmla="*/ 0 h 5892104"/>
-              <a:gd name="connsiteX2" fmla="*/ 4169302 w 4381009"/>
-              <a:gd name="connsiteY2" fmla="*/ 68659 h 5892104"/>
-              <a:gd name="connsiteX3" fmla="*/ 4191571 w 4381009"/>
-              <a:gd name="connsiteY3" fmla="*/ 205472 h 5892104"/>
-              <a:gd name="connsiteX4" fmla="*/ 4213368 w 4381009"/>
-              <a:gd name="connsiteY4" fmla="*/ 342890 h 5892104"/>
-              <a:gd name="connsiteX5" fmla="*/ 4232030 w 4381009"/>
-              <a:gd name="connsiteY5" fmla="*/ 480913 h 5892104"/>
-              <a:gd name="connsiteX6" fmla="*/ 4250848 w 4381009"/>
-              <a:gd name="connsiteY6" fmla="*/ 618332 h 5892104"/>
-              <a:gd name="connsiteX7" fmla="*/ 4268412 w 4381009"/>
-              <a:gd name="connsiteY7" fmla="*/ 756355 h 5892104"/>
-              <a:gd name="connsiteX8" fmla="*/ 4283467 w 4381009"/>
-              <a:gd name="connsiteY8" fmla="*/ 892563 h 5892104"/>
-              <a:gd name="connsiteX9" fmla="*/ 4297737 w 4381009"/>
-              <a:gd name="connsiteY9" fmla="*/ 1030587 h 5892104"/>
-              <a:gd name="connsiteX10" fmla="*/ 4310754 w 4381009"/>
-              <a:gd name="connsiteY10" fmla="*/ 1168005 h 5892104"/>
-              <a:gd name="connsiteX11" fmla="*/ 4322045 w 4381009"/>
-              <a:gd name="connsiteY11" fmla="*/ 1303002 h 5892104"/>
-              <a:gd name="connsiteX12" fmla="*/ 4333336 w 4381009"/>
-              <a:gd name="connsiteY12" fmla="*/ 1439815 h 5892104"/>
-              <a:gd name="connsiteX13" fmla="*/ 4342745 w 4381009"/>
-              <a:gd name="connsiteY13" fmla="*/ 1574812 h 5892104"/>
-              <a:gd name="connsiteX14" fmla="*/ 4350115 w 4381009"/>
-              <a:gd name="connsiteY14" fmla="*/ 1709808 h 5892104"/>
-              <a:gd name="connsiteX15" fmla="*/ 4357799 w 4381009"/>
-              <a:gd name="connsiteY15" fmla="*/ 1844200 h 5892104"/>
-              <a:gd name="connsiteX16" fmla="*/ 4364229 w 4381009"/>
-              <a:gd name="connsiteY16" fmla="*/ 1977381 h 5892104"/>
-              <a:gd name="connsiteX17" fmla="*/ 4368777 w 4381009"/>
-              <a:gd name="connsiteY17" fmla="*/ 2109351 h 5892104"/>
-              <a:gd name="connsiteX18" fmla="*/ 4372697 w 4381009"/>
-              <a:gd name="connsiteY18" fmla="*/ 2241321 h 5892104"/>
-              <a:gd name="connsiteX19" fmla="*/ 4376461 w 4381009"/>
-              <a:gd name="connsiteY19" fmla="*/ 2372080 h 5892104"/>
-              <a:gd name="connsiteX20" fmla="*/ 4378186 w 4381009"/>
-              <a:gd name="connsiteY20" fmla="*/ 2501023 h 5892104"/>
-              <a:gd name="connsiteX21" fmla="*/ 4380068 w 4381009"/>
-              <a:gd name="connsiteY21" fmla="*/ 2629966 h 5892104"/>
-              <a:gd name="connsiteX22" fmla="*/ 4381009 w 4381009"/>
-              <a:gd name="connsiteY22" fmla="*/ 2757093 h 5892104"/>
-              <a:gd name="connsiteX23" fmla="*/ 4380068 w 4381009"/>
-              <a:gd name="connsiteY23" fmla="*/ 2883010 h 5892104"/>
-              <a:gd name="connsiteX24" fmla="*/ 4380068 w 4381009"/>
-              <a:gd name="connsiteY24" fmla="*/ 3007715 h 5892104"/>
-              <a:gd name="connsiteX25" fmla="*/ 4378186 w 4381009"/>
-              <a:gd name="connsiteY25" fmla="*/ 3131210 h 5892104"/>
-              <a:gd name="connsiteX26" fmla="*/ 4375363 w 4381009"/>
-              <a:gd name="connsiteY26" fmla="*/ 3252283 h 5892104"/>
-              <a:gd name="connsiteX27" fmla="*/ 4372697 w 4381009"/>
-              <a:gd name="connsiteY27" fmla="*/ 3372146 h 5892104"/>
-              <a:gd name="connsiteX28" fmla="*/ 4369718 w 4381009"/>
-              <a:gd name="connsiteY28" fmla="*/ 3489587 h 5892104"/>
-              <a:gd name="connsiteX29" fmla="*/ 4365170 w 4381009"/>
-              <a:gd name="connsiteY29" fmla="*/ 3606423 h 5892104"/>
-              <a:gd name="connsiteX30" fmla="*/ 4360309 w 4381009"/>
-              <a:gd name="connsiteY30" fmla="*/ 3721443 h 5892104"/>
-              <a:gd name="connsiteX31" fmla="*/ 4355918 w 4381009"/>
-              <a:gd name="connsiteY31" fmla="*/ 3834041 h 5892104"/>
-              <a:gd name="connsiteX32" fmla="*/ 4343529 w 4381009"/>
-              <a:gd name="connsiteY32" fmla="*/ 4053789 h 5892104"/>
-              <a:gd name="connsiteX33" fmla="*/ 4330356 w 4381009"/>
-              <a:gd name="connsiteY33" fmla="*/ 4264457 h 5892104"/>
-              <a:gd name="connsiteX34" fmla="*/ 4316556 w 4381009"/>
-              <a:gd name="connsiteY34" fmla="*/ 4466650 h 5892104"/>
-              <a:gd name="connsiteX35" fmla="*/ 4301344 w 4381009"/>
-              <a:gd name="connsiteY35" fmla="*/ 4657946 h 5892104"/>
-              <a:gd name="connsiteX36" fmla="*/ 4285506 w 4381009"/>
-              <a:gd name="connsiteY36" fmla="*/ 4840767 h 5892104"/>
-              <a:gd name="connsiteX37" fmla="*/ 4268412 w 4381009"/>
-              <a:gd name="connsiteY37" fmla="*/ 5010269 h 5892104"/>
-              <a:gd name="connsiteX38" fmla="*/ 4251633 w 4381009"/>
-              <a:gd name="connsiteY38" fmla="*/ 5169481 h 5892104"/>
-              <a:gd name="connsiteX39" fmla="*/ 4234853 w 4381009"/>
-              <a:gd name="connsiteY39" fmla="*/ 5315980 h 5892104"/>
-              <a:gd name="connsiteX40" fmla="*/ 4219014 w 4381009"/>
-              <a:gd name="connsiteY40" fmla="*/ 5450371 h 5892104"/>
-              <a:gd name="connsiteX41" fmla="*/ 4203959 w 4381009"/>
-              <a:gd name="connsiteY41" fmla="*/ 5569628 h 5892104"/>
-              <a:gd name="connsiteX42" fmla="*/ 4189689 w 4381009"/>
-              <a:gd name="connsiteY42" fmla="*/ 5677384 h 5892104"/>
-              <a:gd name="connsiteX43" fmla="*/ 4177770 w 4381009"/>
-              <a:gd name="connsiteY43" fmla="*/ 5768189 h 5892104"/>
-              <a:gd name="connsiteX44" fmla="*/ 4166479 w 4381009"/>
-              <a:gd name="connsiteY44" fmla="*/ 5844465 h 5892104"/>
-              <a:gd name="connsiteX45" fmla="*/ 4159132 w 4381009"/>
-              <a:gd name="connsiteY45" fmla="*/ 5892104 h 5892104"/>
-              <a:gd name="connsiteX46" fmla="*/ 0 w 4381009"/>
-              <a:gd name="connsiteY46" fmla="*/ 5892104 h 5892104"/>
-            </a:gdLst>
-            <a:ahLst/>
-            <a:cxnLst>
-              <a:cxn ang="0">
-                <a:pos x="connsiteX0" y="connsiteY0"/>
-              </a:cxn>
-              <a:cxn ang="0">
-                <a:pos x="connsiteX1" y="connsiteY1"/>
-              </a:cxn>
-              <a:cxn ang="0">
-                <a:pos x="connsiteX2" y="connsiteY2"/>
-              </a:cxn>
-              <a:cxn ang="0">
-                <a:pos x="connsiteX3" y="connsiteY3"/>
-              </a:cxn>
-              <a:cxn ang="0">
-                <a:pos x="connsiteX4" y="connsiteY4"/>
-              </a:cxn>
-              <a:cxn ang="0">
-                <a:pos x="connsiteX5" y="connsiteY5"/>
-              </a:cxn>
-              <a:cxn ang="0">
-                <a:pos x="connsiteX6" y="connsiteY6"/>
-              </a:cxn>
-              <a:cxn ang="0">
-                <a:pos x="connsiteX7" y="connsiteY7"/>
-              </a:cxn>
-              <a:cxn ang="0">
-                <a:pos x="connsiteX8" y="connsiteY8"/>
-              </a:cxn>
-              <a:cxn ang="0">
-                <a:pos x="connsiteX9" y="connsiteY9"/>
-              </a:cxn>
-              <a:cxn ang="0">
-                <a:pos x="connsiteX10" y="connsiteY10"/>
-              </a:cxn>
-              <a:cxn ang="0">
-                <a:pos x="connsiteX11" y="connsiteY11"/>
-              </a:cxn>
-              <a:cxn ang="0">
-                <a:pos x="connsiteX12" y="connsiteY12"/>
-              </a:cxn>
-              <a:cxn ang="0">
-                <a:pos x="connsiteX13" y="connsiteY13"/>
-              </a:cxn>
-              <a:cxn ang="0">
-                <a:pos x="connsiteX14" y="connsiteY14"/>
-              </a:cxn>
-              <a:cxn ang="0">
-                <a:pos x="connsiteX15" y="connsiteY15"/>
-              </a:cxn>
-              <a:cxn ang="0">
-                <a:pos x="connsiteX16" y="connsiteY16"/>
-              </a:cxn>
-              <a:cxn ang="0">
-                <a:pos x="connsiteX17" y="connsiteY17"/>
-              </a:cxn>
-              <a:cxn ang="0">
-                <a:pos x="connsiteX18" y="connsiteY18"/>
-              </a:cxn>
-              <a:cxn ang="0">
-                <a:pos x="connsiteX19" y="connsiteY19"/>
-              </a:cxn>
-              <a:cxn ang="0">
-                <a:pos x="connsiteX20" y="connsiteY20"/>
-              </a:cxn>
-              <a:cxn ang="0">
-                <a:pos x="connsiteX21" y="connsiteY21"/>
-              </a:cxn>
-              <a:cxn ang="0">
-                <a:pos x="connsiteX22" y="connsiteY22"/>
-              </a:cxn>
-              <a:cxn ang="0">
-                <a:pos x="connsiteX23" y="connsiteY23"/>
-              </a:cxn>
-              <a:cxn ang="0">
-                <a:pos x="connsiteX24" y="connsiteY24"/>
-              </a:cxn>
-              <a:cxn ang="0">
-                <a:pos x="connsiteX25" y="connsiteY25"/>
-              </a:cxn>
-              <a:cxn ang="0">
-                <a:pos x="connsiteX26" y="connsiteY26"/>
-              </a:cxn>
-              <a:cxn ang="0">
-                <a:pos x="connsiteX27" y="connsiteY27"/>
-              </a:cxn>
-              <a:cxn ang="0">
-                <a:pos x="connsiteX28" y="connsiteY28"/>
-              </a:cxn>
-              <a:cxn ang="0">
-                <a:pos x="connsiteX29" y="connsiteY29"/>
-              </a:cxn>
-              <a:cxn ang="0">
-                <a:pos x="connsiteX30" y="connsiteY30"/>
-              </a:cxn>
-              <a:cxn ang="0">
-                <a:pos x="connsiteX31" y="connsiteY31"/>
-              </a:cxn>
-              <a:cxn ang="0">
-                <a:pos x="connsiteX32" y="connsiteY32"/>
-              </a:cxn>
-              <a:cxn ang="0">
-                <a:pos x="connsiteX33" y="connsiteY33"/>
-              </a:cxn>
-              <a:cxn ang="0">
-                <a:pos x="connsiteX34" y="connsiteY34"/>
-              </a:cxn>
-              <a:cxn ang="0">
-                <a:pos x="connsiteX35" y="connsiteY35"/>
-              </a:cxn>
-              <a:cxn ang="0">
-                <a:pos x="connsiteX36" y="connsiteY36"/>
-              </a:cxn>
-              <a:cxn ang="0">
-                <a:pos x="connsiteX37" y="connsiteY37"/>
-              </a:cxn>
-              <a:cxn ang="0">
-                <a:pos x="connsiteX38" y="connsiteY38"/>
-              </a:cxn>
-              <a:cxn ang="0">
-                <a:pos x="connsiteX39" y="connsiteY39"/>
-              </a:cxn>
-              <a:cxn ang="0">
-                <a:pos x="connsiteX40" y="connsiteY40"/>
-              </a:cxn>
-              <a:cxn ang="0">
-                <a:pos x="connsiteX41" y="connsiteY41"/>
-              </a:cxn>
-              <a:cxn ang="0">
-                <a:pos x="connsiteX42" y="connsiteY42"/>
-              </a:cxn>
-              <a:cxn ang="0">
-                <a:pos x="connsiteX43" y="connsiteY43"/>
-              </a:cxn>
-              <a:cxn ang="0">
-                <a:pos x="connsiteX44" y="connsiteY44"/>
-              </a:cxn>
-              <a:cxn ang="0">
-                <a:pos x="connsiteX45" y="connsiteY45"/>
-              </a:cxn>
-              <a:cxn ang="0">
-                <a:pos x="connsiteX46" y="connsiteY46"/>
-              </a:cxn>
-            </a:cxnLst>
-            <a:rect l="l" t="t" r="r" b="b"/>
-            <a:pathLst>
-              <a:path w="4381009" h="5892104">
-                <a:moveTo>
-                  <a:pt x="0" y="0"/>
-                </a:moveTo>
-                <a:lnTo>
-                  <a:pt x="4157628" y="0"/>
-                </a:lnTo>
-                <a:lnTo>
-                  <a:pt x="4169302" y="68659"/>
-                </a:lnTo>
-                <a:lnTo>
-                  <a:pt x="4191571" y="205472"/>
-                </a:lnTo>
-                <a:lnTo>
-                  <a:pt x="4213368" y="342890"/>
-                </a:lnTo>
-                <a:lnTo>
-                  <a:pt x="4232030" y="480913"/>
-                </a:lnTo>
-                <a:lnTo>
-                  <a:pt x="4250848" y="618332"/>
-                </a:lnTo>
-                <a:lnTo>
-                  <a:pt x="4268412" y="756355"/>
-                </a:lnTo>
-                <a:lnTo>
-                  <a:pt x="4283467" y="892563"/>
-                </a:lnTo>
-                <a:lnTo>
-                  <a:pt x="4297737" y="1030587"/>
-                </a:lnTo>
-                <a:lnTo>
-                  <a:pt x="4310754" y="1168005"/>
-                </a:lnTo>
-                <a:lnTo>
-                  <a:pt x="4322045" y="1303002"/>
-                </a:lnTo>
-                <a:lnTo>
-                  <a:pt x="4333336" y="1439815"/>
-                </a:lnTo>
-                <a:lnTo>
-                  <a:pt x="4342745" y="1574812"/>
-                </a:lnTo>
-                <a:lnTo>
-                  <a:pt x="4350115" y="1709808"/>
-                </a:lnTo>
-                <a:lnTo>
-                  <a:pt x="4357799" y="1844200"/>
-                </a:lnTo>
-                <a:lnTo>
-                  <a:pt x="4364229" y="1977381"/>
-                </a:lnTo>
-                <a:lnTo>
-                  <a:pt x="4368777" y="2109351"/>
-                </a:lnTo>
-                <a:lnTo>
-                  <a:pt x="4372697" y="2241321"/>
-                </a:lnTo>
-                <a:lnTo>
-                  <a:pt x="4376461" y="2372080"/>
-                </a:lnTo>
-                <a:lnTo>
-                  <a:pt x="4378186" y="2501023"/>
-                </a:lnTo>
-                <a:lnTo>
-                  <a:pt x="4380068" y="2629966"/>
-                </a:lnTo>
-                <a:lnTo>
-                  <a:pt x="4381009" y="2757093"/>
-                </a:lnTo>
-                <a:lnTo>
-                  <a:pt x="4380068" y="2883010"/>
-                </a:lnTo>
-                <a:lnTo>
-                  <a:pt x="4380068" y="3007715"/>
-                </a:lnTo>
-                <a:lnTo>
-                  <a:pt x="4378186" y="3131210"/>
-                </a:lnTo>
-                <a:lnTo>
-                  <a:pt x="4375363" y="3252283"/>
-                </a:lnTo>
-                <a:lnTo>
-                  <a:pt x="4372697" y="3372146"/>
-                </a:lnTo>
-                <a:lnTo>
-                  <a:pt x="4369718" y="3489587"/>
-                </a:lnTo>
-                <a:lnTo>
-                  <a:pt x="4365170" y="3606423"/>
-                </a:lnTo>
-                <a:lnTo>
-                  <a:pt x="4360309" y="3721443"/>
-                </a:lnTo>
-                <a:lnTo>
-                  <a:pt x="4355918" y="3834041"/>
-                </a:lnTo>
-                <a:lnTo>
-                  <a:pt x="4343529" y="4053789"/>
-                </a:lnTo>
-                <a:lnTo>
-                  <a:pt x="4330356" y="4264457"/>
-                </a:lnTo>
-                <a:lnTo>
-                  <a:pt x="4316556" y="4466650"/>
-                </a:lnTo>
-                <a:lnTo>
-                  <a:pt x="4301344" y="4657946"/>
-                </a:lnTo>
-                <a:lnTo>
-                  <a:pt x="4285506" y="4840767"/>
-                </a:lnTo>
-                <a:lnTo>
-                  <a:pt x="4268412" y="5010269"/>
-                </a:lnTo>
-                <a:lnTo>
-                  <a:pt x="4251633" y="5169481"/>
-                </a:lnTo>
-                <a:lnTo>
-                  <a:pt x="4234853" y="5315980"/>
-                </a:lnTo>
-                <a:lnTo>
-                  <a:pt x="4219014" y="5450371"/>
-                </a:lnTo>
-                <a:lnTo>
-                  <a:pt x="4203959" y="5569628"/>
-                </a:lnTo>
-                <a:lnTo>
-                  <a:pt x="4189689" y="5677384"/>
-                </a:lnTo>
-                <a:lnTo>
-                  <a:pt x="4177770" y="5768189"/>
-                </a:lnTo>
-                <a:lnTo>
-                  <a:pt x="4166479" y="5844465"/>
-                </a:lnTo>
-                <a:lnTo>
-                  <a:pt x="4159132" y="5892104"/>
-                </a:lnTo>
-                <a:lnTo>
-                  <a:pt x="0" y="5892104"/>
-                </a:lnTo>
-                <a:close/>
-              </a:path>
-            </a:pathLst>
-          </a:custGeom>
-          <a:solidFill>
-            <a:srgbClr val="404040"/>
-          </a:solidFill>
-          <a:ln>
-            <a:noFill/>
-          </a:ln>
-        </p:spPr>
-        <p:style>
-          <a:lnRef idx="2">
-            <a:schemeClr val="accent1">
-              <a:shade val="50000"/>
-            </a:schemeClr>
-          </a:lnRef>
-          <a:fillRef idx="1">
-            <a:schemeClr val="accent1"/>
-          </a:fillRef>
-          <a:effectRef idx="0">
-            <a:schemeClr val="accent1"/>
-          </a:effectRef>
-          <a:fontRef idx="minor">
-            <a:schemeClr val="lt1"/>
-          </a:fontRef>
-        </p:style>
-        <p:txBody>
-          <a:bodyPr wrap="square" rtlCol="0" anchor="ctr">
-            <a:noAutofit/>
-          </a:bodyPr>
-          <a:lstStyle/>
-          <a:p>
-            <a:pPr marL="0" marR="0" lvl="0" indent="0" algn="ctr" defTabSz="457200" rtl="0" eaLnBrk="1" fontAlgn="auto" latinLnBrk="0" hangingPunct="1">
-              <a:lnSpc>
-                <a:spcPct val="100000"/>
-              </a:lnSpc>
-              <a:spcBef>
-                <a:spcPts val="0"/>
-              </a:spcBef>
-              <a:spcAft>
-                <a:spcPts val="0"/>
-              </a:spcAft>
-              <a:buClrTx/>
-              <a:buSzTx/>
-              <a:buFontTx/>
-              <a:buNone/>
-              <a:tabLst/>
-              <a:defRPr/>
-            </a:pPr>
-            <a:endParaRPr kumimoji="0" lang="en-US" sz="1800" b="0" i="0" u="none" strike="noStrike" kern="1200" cap="none" spc="0" normalizeH="0" baseline="0" noProof="0">
-              <a:ln>
-                <a:noFill/>
-              </a:ln>
-              <a:solidFill>
-                <a:prstClr val="white"/>
-              </a:solidFill>
-              <a:effectLst/>
-              <a:uLnTx/>
-              <a:uFillTx/>
-              <a:latin typeface="Calibri" panose="020F0502020204030204"/>
-              <a:ea typeface="+mn-ea"/>
-              <a:cs typeface="+mn-cs"/>
-            </a:endParaRPr>
-          </a:p>
-        </p:txBody>
-      </p:sp>
-      <p:sp>
-        <p:nvSpPr>
-          <p:cNvPr id="2" name="タイトル 1">
-            <a:extLst>
-              <a:ext uri="{FF2B5EF4-FFF2-40B4-BE49-F238E27FC236}">
-                <a16:creationId xmlns:a16="http://schemas.microsoft.com/office/drawing/2014/main" id="{F7CD0CA3-CA6C-764F-BD0A-7F9C46FE2899}"/>
-              </a:ext>
-            </a:extLst>
-          </p:cNvPr>
-          <p:cNvSpPr>
-            <a:spLocks noGrp="1"/>
-          </p:cNvSpPr>
-          <p:nvPr>
-            <p:ph type="title"/>
-          </p:nvPr>
-        </p:nvSpPr>
-        <p:spPr>
-          <a:xfrm>
-            <a:off x="863029" y="1012004"/>
-            <a:ext cx="3416158" cy="4795408"/>
-          </a:xfrm>
-        </p:spPr>
-        <p:txBody>
-          <a:bodyPr>
-            <a:normAutofit/>
-          </a:bodyPr>
-          <a:lstStyle/>
-          <a:p>
-            <a:r>
-              <a:rPr lang="en-US" altLang="ja-JP">
-                <a:solidFill>
-                  <a:srgbClr val="FFFFFF"/>
-                </a:solidFill>
-              </a:rPr>
-              <a:t>⑤</a:t>
-            </a:r>
-            <a:r>
-              <a:rPr lang="ja-JP" altLang="en-US">
-                <a:solidFill>
-                  <a:srgbClr val="FFFFFF"/>
-                </a:solidFill>
-              </a:rPr>
-              <a:t> 線分に新たな地点を接続</a:t>
-            </a:r>
-            <a:endParaRPr kumimoji="1" lang="ja-JP" altLang="en-US">
-              <a:solidFill>
-                <a:srgbClr val="FFFFFF"/>
-              </a:solidFill>
-            </a:endParaRPr>
-          </a:p>
-        </p:txBody>
-      </p:sp>
-      <p:graphicFrame>
-        <p:nvGraphicFramePr>
-          <p:cNvPr id="13" name="コンテンツ プレースホルダー 2">
-            <a:extLst>
-              <a:ext uri="{FF2B5EF4-FFF2-40B4-BE49-F238E27FC236}">
-                <a16:creationId xmlns:a16="http://schemas.microsoft.com/office/drawing/2014/main" id="{04880513-9B65-4ACB-9D79-6F51FA11C6F6}"/>
-              </a:ext>
-            </a:extLst>
-          </p:cNvPr>
-          <p:cNvGraphicFramePr>
-            <a:graphicFrameLocks noGrp="1"/>
-          </p:cNvGraphicFramePr>
-          <p:nvPr>
-            <p:ph idx="1"/>
-            <p:extLst>
-              <p:ext uri="{D42A27DB-BD31-4B8C-83A1-F6EECF244321}">
-                <p14:modId xmlns:p14="http://schemas.microsoft.com/office/powerpoint/2010/main" val="399176957"/>
-              </p:ext>
-            </p:extLst>
-          </p:nvPr>
-        </p:nvGraphicFramePr>
-        <p:xfrm>
-          <a:off x="5194300" y="470924"/>
-          <a:ext cx="6513604" cy="5885426"/>
-        </p:xfrm>
-        <a:graphic>
-          <a:graphicData uri="http://schemas.openxmlformats.org/drawingml/2006/diagram">
-            <dgm:relIds xmlns:dgm="http://schemas.openxmlformats.org/drawingml/2006/diagram" xmlns:r="http://schemas.openxmlformats.org/officeDocument/2006/relationships" r:dm="rId2" r:lo="rId3" r:qs="rId4" r:cs="rId5"/>
-          </a:graphicData>
-        </a:graphic>
-      </p:graphicFrame>
-    </p:spTree>
-    <p:extLst>
-      <p:ext uri="{BB962C8B-B14F-4D97-AF65-F5344CB8AC3E}">
-        <p14:creationId xmlns:p14="http://schemas.microsoft.com/office/powerpoint/2010/main" val="2699625581"/>
-      </p:ext>
-    </p:extLst>
-  </p:cSld>
-  <p:clrMapOvr>
-    <a:masterClrMapping/>
-  </p:clrMapOvr>
-</p:sld>
-</file>
-
-<file path=ppt/slides/slide11.xml><?xml version="1.0" encoding="utf-8"?>
 <p:sld xmlns:a="http://schemas.openxmlformats.org/drawingml/2006/main" xmlns:r="http://schemas.openxmlformats.org/officeDocument/2006/relationships" xmlns:p="http://schemas.openxmlformats.org/presentationml/2006/main">
   <p:cSld>
     <p:bg>
@@ -29888,7 +28170,7 @@
         </p:xfrm>
         <a:graphic>
           <a:graphicData uri="http://schemas.openxmlformats.org/drawingml/2006/diagram">
-            <dgm:relIds xmlns:dgm="http://schemas.openxmlformats.org/drawingml/2006/diagram" xmlns:r="http://schemas.openxmlformats.org/officeDocument/2006/relationships" r:dm="rId2" r:lo="rId3" r:qs="rId4" r:cs="rId5"/>
+            <dgm:relIds xmlns:dgm="http://schemas.openxmlformats.org/drawingml/2006/diagram" xmlns:r="http://schemas.openxmlformats.org/officeDocument/2006/relationships" r:dm="rId3" r:lo="rId4" r:qs="rId5" r:cs="rId6"/>
           </a:graphicData>
         </a:graphic>
       </p:graphicFrame>
@@ -29905,7 +28187,7 @@
 </p:sld>
 </file>
 
-<file path=ppt/slides/slide12.xml><?xml version="1.0" encoding="utf-8"?>
+<file path=ppt/slides/slide11.xml><?xml version="1.0" encoding="utf-8"?>
 <p:sld xmlns:a="http://schemas.openxmlformats.org/drawingml/2006/main" xmlns:r="http://schemas.openxmlformats.org/officeDocument/2006/relationships" xmlns:p="http://schemas.openxmlformats.org/presentationml/2006/main">
   <p:cSld>
     <p:spTree>
@@ -29996,7 +28278,7 @@
 </p:sld>
 </file>
 
-<file path=ppt/slides/slide13.xml><?xml version="1.0" encoding="utf-8"?>
+<file path=ppt/slides/slide12.xml><?xml version="1.0" encoding="utf-8"?>
 <p:sld xmlns:a="http://schemas.openxmlformats.org/drawingml/2006/main" xmlns:r="http://schemas.openxmlformats.org/officeDocument/2006/relationships" xmlns:p="http://schemas.openxmlformats.org/presentationml/2006/main">
   <p:cSld>
     <p:spTree>
@@ -30079,7 +28361,7 @@
 </p:sld>
 </file>
 
-<file path=ppt/slides/slide14.xml><?xml version="1.0" encoding="utf-8"?>
+<file path=ppt/slides/slide13.xml><?xml version="1.0" encoding="utf-8"?>
 <p:sld xmlns:a="http://schemas.openxmlformats.org/drawingml/2006/main" xmlns:r="http://schemas.openxmlformats.org/officeDocument/2006/relationships" xmlns:p="http://schemas.openxmlformats.org/presentationml/2006/main">
   <p:cSld>
     <p:bg>
@@ -30738,7 +29020,7 @@
         </p:xfrm>
         <a:graphic>
           <a:graphicData uri="http://schemas.openxmlformats.org/drawingml/2006/diagram">
-            <dgm:relIds xmlns:dgm="http://schemas.openxmlformats.org/drawingml/2006/diagram" xmlns:r="http://schemas.openxmlformats.org/officeDocument/2006/relationships" r:dm="rId2" r:lo="rId3" r:qs="rId4" r:cs="rId5"/>
+            <dgm:relIds xmlns:dgm="http://schemas.openxmlformats.org/drawingml/2006/diagram" xmlns:r="http://schemas.openxmlformats.org/officeDocument/2006/relationships" r:dm="rId3" r:lo="rId4" r:qs="rId5" r:cs="rId6"/>
           </a:graphicData>
         </a:graphic>
       </p:graphicFrame>
@@ -30755,7 +29037,7 @@
 </p:sld>
 </file>
 
-<file path=ppt/slides/slide15.xml><?xml version="1.0" encoding="utf-8"?>
+<file path=ppt/slides/slide14.xml><?xml version="1.0" encoding="utf-8"?>
 <p:sld xmlns:a="http://schemas.openxmlformats.org/drawingml/2006/main" xmlns:r="http://schemas.openxmlformats.org/officeDocument/2006/relationships" xmlns:p="http://schemas.openxmlformats.org/presentationml/2006/main">
   <p:cSld>
     <p:bg>
@@ -31372,7 +29654,7 @@
         </p:xfrm>
         <a:graphic>
           <a:graphicData uri="http://schemas.openxmlformats.org/drawingml/2006/diagram">
-            <dgm:relIds xmlns:dgm="http://schemas.openxmlformats.org/drawingml/2006/diagram" xmlns:r="http://schemas.openxmlformats.org/officeDocument/2006/relationships" r:dm="rId2" r:lo="rId3" r:qs="rId4" r:cs="rId5"/>
+            <dgm:relIds xmlns:dgm="http://schemas.openxmlformats.org/drawingml/2006/diagram" xmlns:r="http://schemas.openxmlformats.org/officeDocument/2006/relationships" r:dm="rId3" r:lo="rId4" r:qs="rId5" r:cs="rId6"/>
           </a:graphicData>
         </a:graphic>
       </p:graphicFrame>
@@ -31389,7 +29671,7 @@
 </p:sld>
 </file>
 
-<file path=ppt/slides/slide16.xml><?xml version="1.0" encoding="utf-8"?>
+<file path=ppt/slides/slide15.xml><?xml version="1.0" encoding="utf-8"?>
 <p:sld xmlns:a="http://schemas.openxmlformats.org/drawingml/2006/main" xmlns:r="http://schemas.openxmlformats.org/officeDocument/2006/relationships" xmlns:p="http://schemas.openxmlformats.org/presentationml/2006/main">
   <p:cSld>
     <p:bg>
@@ -31716,7 +29998,7 @@
           <p:nvPr/>
         </p:nvPicPr>
         <p:blipFill>
-          <a:blip r:embed="rId2"/>
+          <a:blip r:embed="rId3"/>
           <a:stretch>
             <a:fillRect/>
           </a:stretch>
@@ -31744,7 +30026,7 @@
 </p:sld>
 </file>
 
-<file path=ppt/slides/slide17.xml><?xml version="1.0" encoding="utf-8"?>
+<file path=ppt/slides/slide16.xml><?xml version="1.0" encoding="utf-8"?>
 <p:sld xmlns:a="http://schemas.openxmlformats.org/drawingml/2006/main" xmlns:r="http://schemas.openxmlformats.org/officeDocument/2006/relationships" xmlns:p="http://schemas.openxmlformats.org/presentationml/2006/main">
   <p:cSld>
     <p:spTree>
@@ -31835,9 +30117,17 @@
 </p:sld>
 </file>
 
-<file path=ppt/slides/slide18.xml><?xml version="1.0" encoding="utf-8"?>
+<file path=ppt/slides/slide17.xml><?xml version="1.0" encoding="utf-8"?>
 <p:sld xmlns:a="http://schemas.openxmlformats.org/drawingml/2006/main" xmlns:r="http://schemas.openxmlformats.org/officeDocument/2006/relationships" xmlns:p="http://schemas.openxmlformats.org/presentationml/2006/main">
   <p:cSld>
+    <p:bg>
+      <p:bgPr>
+        <a:solidFill>
+          <a:schemeClr val="bg1"/>
+        </a:solidFill>
+        <a:effectLst/>
+      </p:bgPr>
+    </p:bg>
     <p:spTree>
       <p:nvGrpSpPr>
         <p:cNvPr id="1" name=""/>
@@ -31854,6 +30144,388 @@
       </p:grpSpPr>
       <p:sp>
         <p:nvSpPr>
+          <p:cNvPr id="9" name="Freeform: Shape 8">
+            <a:extLst>
+              <a:ext uri="{FF2B5EF4-FFF2-40B4-BE49-F238E27FC236}">
+                <a16:creationId xmlns:a16="http://schemas.microsoft.com/office/drawing/2014/main" id="{F60FCA6E-0894-46CD-BD49-5955A51E0084}"/>
+              </a:ext>
+              <a:ext uri="{C183D7F6-B498-43B3-948B-1728B52AA6E4}">
+                <adec:decorative xmlns:adec="http://schemas.microsoft.com/office/drawing/2017/decorative" val="1"/>
+              </a:ext>
+            </a:extLst>
+          </p:cNvPr>
+          <p:cNvSpPr>
+            <a:spLocks noGrp="1" noRot="1" noChangeAspect="1" noMove="1" noResize="1" noEditPoints="1" noAdjustHandles="1" noChangeArrowheads="1" noChangeShapeType="1" noTextEdit="1"/>
+          </p:cNvSpPr>
+          <p:nvPr>
+            <p:extLst>
+              <p:ext uri="{386F3935-93C4-4BCD-93E2-E3B085C9AB24}">
+                <p16:designElem xmlns:p16="http://schemas.microsoft.com/office/powerpoint/2015/main" val="1"/>
+              </p:ext>
+            </p:extLst>
+          </p:nvPr>
+        </p:nvSpPr>
+        <p:spPr>
+          <a:xfrm>
+            <a:off x="6831955" y="5346696"/>
+            <a:ext cx="5360045" cy="1511304"/>
+          </a:xfrm>
+          <a:custGeom>
+            <a:avLst/>
+            <a:gdLst>
+              <a:gd name="connsiteX0" fmla="*/ 4545473 w 5360045"/>
+              <a:gd name="connsiteY0" fmla="*/ 0 h 1511304"/>
+              <a:gd name="connsiteX1" fmla="*/ 5360045 w 5360045"/>
+              <a:gd name="connsiteY1" fmla="*/ 0 h 1511304"/>
+              <a:gd name="connsiteX2" fmla="*/ 5360045 w 5360045"/>
+              <a:gd name="connsiteY2" fmla="*/ 1046730 h 1511304"/>
+              <a:gd name="connsiteX3" fmla="*/ 5360045 w 5360045"/>
+              <a:gd name="connsiteY3" fmla="*/ 1508760 h 1511304"/>
+              <a:gd name="connsiteX4" fmla="*/ 5360045 w 5360045"/>
+              <a:gd name="connsiteY4" fmla="*/ 1511304 h 1511304"/>
+              <a:gd name="connsiteX5" fmla="*/ 4545474 w 5360045"/>
+              <a:gd name="connsiteY5" fmla="*/ 1511304 h 1511304"/>
+              <a:gd name="connsiteX6" fmla="*/ 2525897 w 5360045"/>
+              <a:gd name="connsiteY6" fmla="*/ 1511304 h 1511304"/>
+              <a:gd name="connsiteX7" fmla="*/ 0 w 5360045"/>
+              <a:gd name="connsiteY7" fmla="*/ 1511304 h 1511304"/>
+              <a:gd name="connsiteX8" fmla="*/ 697617 w 5360045"/>
+              <a:gd name="connsiteY8" fmla="*/ 3 h 1511304"/>
+              <a:gd name="connsiteX9" fmla="*/ 4545473 w 5360045"/>
+              <a:gd name="connsiteY9" fmla="*/ 3 h 1511304"/>
+            </a:gdLst>
+            <a:ahLst/>
+            <a:cxnLst>
+              <a:cxn ang="0">
+                <a:pos x="connsiteX0" y="connsiteY0"/>
+              </a:cxn>
+              <a:cxn ang="0">
+                <a:pos x="connsiteX1" y="connsiteY1"/>
+              </a:cxn>
+              <a:cxn ang="0">
+                <a:pos x="connsiteX2" y="connsiteY2"/>
+              </a:cxn>
+              <a:cxn ang="0">
+                <a:pos x="connsiteX3" y="connsiteY3"/>
+              </a:cxn>
+              <a:cxn ang="0">
+                <a:pos x="connsiteX4" y="connsiteY4"/>
+              </a:cxn>
+              <a:cxn ang="0">
+                <a:pos x="connsiteX5" y="connsiteY5"/>
+              </a:cxn>
+              <a:cxn ang="0">
+                <a:pos x="connsiteX6" y="connsiteY6"/>
+              </a:cxn>
+              <a:cxn ang="0">
+                <a:pos x="connsiteX7" y="connsiteY7"/>
+              </a:cxn>
+              <a:cxn ang="0">
+                <a:pos x="connsiteX8" y="connsiteY8"/>
+              </a:cxn>
+              <a:cxn ang="0">
+                <a:pos x="connsiteX9" y="connsiteY9"/>
+              </a:cxn>
+            </a:cxnLst>
+            <a:rect l="l" t="t" r="r" b="b"/>
+            <a:pathLst>
+              <a:path w="5360045" h="1511304">
+                <a:moveTo>
+                  <a:pt x="4545473" y="0"/>
+                </a:moveTo>
+                <a:lnTo>
+                  <a:pt x="5360045" y="0"/>
+                </a:lnTo>
+                <a:lnTo>
+                  <a:pt x="5360045" y="1046730"/>
+                </a:lnTo>
+                <a:lnTo>
+                  <a:pt x="5360045" y="1508760"/>
+                </a:lnTo>
+                <a:lnTo>
+                  <a:pt x="5360045" y="1511304"/>
+                </a:lnTo>
+                <a:lnTo>
+                  <a:pt x="4545474" y="1511304"/>
+                </a:lnTo>
+                <a:lnTo>
+                  <a:pt x="2525897" y="1511304"/>
+                </a:lnTo>
+                <a:lnTo>
+                  <a:pt x="0" y="1511304"/>
+                </a:lnTo>
+                <a:lnTo>
+                  <a:pt x="697617" y="3"/>
+                </a:lnTo>
+                <a:lnTo>
+                  <a:pt x="4545473" y="3"/>
+                </a:lnTo>
+                <a:close/>
+              </a:path>
+            </a:pathLst>
+          </a:custGeom>
+          <a:solidFill>
+            <a:srgbClr val="404040">
+              <a:alpha val="84706"/>
+            </a:srgbClr>
+          </a:solidFill>
+          <a:ln>
+            <a:noFill/>
+          </a:ln>
+        </p:spPr>
+        <p:style>
+          <a:lnRef idx="2">
+            <a:schemeClr val="accent1">
+              <a:shade val="50000"/>
+            </a:schemeClr>
+          </a:lnRef>
+          <a:fillRef idx="1">
+            <a:schemeClr val="accent1"/>
+          </a:fillRef>
+          <a:effectRef idx="0">
+            <a:schemeClr val="accent1"/>
+          </a:effectRef>
+          <a:fontRef idx="minor">
+            <a:schemeClr val="lt1"/>
+          </a:fontRef>
+        </p:style>
+        <p:txBody>
+          <a:bodyPr wrap="square" rtlCol="0" anchor="ctr">
+            <a:noAutofit/>
+          </a:bodyPr>
+          <a:lstStyle/>
+          <a:p>
+            <a:pPr algn="ctr"/>
+            <a:endParaRPr lang="en-US"/>
+          </a:p>
+        </p:txBody>
+      </p:sp>
+      <p:sp>
+        <p:nvSpPr>
+          <p:cNvPr id="11" name="Freeform: Shape 10">
+            <a:extLst>
+              <a:ext uri="{FF2B5EF4-FFF2-40B4-BE49-F238E27FC236}">
+                <a16:creationId xmlns:a16="http://schemas.microsoft.com/office/drawing/2014/main" id="{E78C6E4B-A1F1-4B6C-97EC-BE997495D6AC}"/>
+              </a:ext>
+              <a:ext uri="{C183D7F6-B498-43B3-948B-1728B52AA6E4}">
+                <adec:decorative xmlns:adec="http://schemas.microsoft.com/office/drawing/2017/decorative" val="1"/>
+              </a:ext>
+            </a:extLst>
+          </p:cNvPr>
+          <p:cNvSpPr>
+            <a:spLocks noGrp="1" noRot="1" noChangeAspect="1" noMove="1" noResize="1" noEditPoints="1" noAdjustHandles="1" noChangeArrowheads="1" noChangeShapeType="1" noTextEdit="1"/>
+          </p:cNvSpPr>
+          <p:nvPr>
+            <p:extLst>
+              <p:ext uri="{386F3935-93C4-4BCD-93E2-E3B085C9AB24}">
+                <p16:designElem xmlns:p16="http://schemas.microsoft.com/office/powerpoint/2015/main" val="1"/>
+              </p:ext>
+            </p:extLst>
+          </p:nvPr>
+        </p:nvSpPr>
+        <p:spPr>
+          <a:xfrm>
+            <a:off x="0" y="5346694"/>
+            <a:ext cx="7346605" cy="1511306"/>
+          </a:xfrm>
+          <a:custGeom>
+            <a:avLst/>
+            <a:gdLst>
+              <a:gd name="connsiteX0" fmla="*/ 0 w 7346605"/>
+              <a:gd name="connsiteY0" fmla="*/ 0 h 1511306"/>
+              <a:gd name="connsiteX1" fmla="*/ 239486 w 7346605"/>
+              <a:gd name="connsiteY1" fmla="*/ 0 h 1511306"/>
+              <a:gd name="connsiteX2" fmla="*/ 1209568 w 7346605"/>
+              <a:gd name="connsiteY2" fmla="*/ 0 h 1511306"/>
+              <a:gd name="connsiteX3" fmla="*/ 2405743 w 7346605"/>
+              <a:gd name="connsiteY3" fmla="*/ 0 h 1511306"/>
+              <a:gd name="connsiteX4" fmla="*/ 2405743 w 7346605"/>
+              <a:gd name="connsiteY4" fmla="*/ 2544 h 1511306"/>
+              <a:gd name="connsiteX5" fmla="*/ 2801131 w 7346605"/>
+              <a:gd name="connsiteY5" fmla="*/ 2544 h 1511306"/>
+              <a:gd name="connsiteX6" fmla="*/ 2801131 w 7346605"/>
+              <a:gd name="connsiteY6" fmla="*/ 0 h 1511306"/>
+              <a:gd name="connsiteX7" fmla="*/ 7346605 w 7346605"/>
+              <a:gd name="connsiteY7" fmla="*/ 0 h 1511306"/>
+              <a:gd name="connsiteX8" fmla="*/ 6648988 w 7346605"/>
+              <a:gd name="connsiteY8" fmla="*/ 1511301 h 1511306"/>
+              <a:gd name="connsiteX9" fmla="*/ 2801132 w 7346605"/>
+              <a:gd name="connsiteY9" fmla="*/ 1511301 h 1511306"/>
+              <a:gd name="connsiteX10" fmla="*/ 2801132 w 7346605"/>
+              <a:gd name="connsiteY10" fmla="*/ 1511304 h 1511306"/>
+              <a:gd name="connsiteX11" fmla="*/ 2405743 w 7346605"/>
+              <a:gd name="connsiteY11" fmla="*/ 1511304 h 1511306"/>
+              <a:gd name="connsiteX12" fmla="*/ 2405743 w 7346605"/>
+              <a:gd name="connsiteY12" fmla="*/ 1511306 h 1511306"/>
+              <a:gd name="connsiteX13" fmla="*/ 1333411 w 7346605"/>
+              <a:gd name="connsiteY13" fmla="*/ 1511306 h 1511306"/>
+              <a:gd name="connsiteX14" fmla="*/ 1219208 w 7346605"/>
+              <a:gd name="connsiteY14" fmla="*/ 1511306 h 1511306"/>
+              <a:gd name="connsiteX15" fmla="*/ 1209568 w 7346605"/>
+              <a:gd name="connsiteY15" fmla="*/ 1511306 h 1511306"/>
+              <a:gd name="connsiteX16" fmla="*/ 239486 w 7346605"/>
+              <a:gd name="connsiteY16" fmla="*/ 1511306 h 1511306"/>
+              <a:gd name="connsiteX17" fmla="*/ 0 w 7346605"/>
+              <a:gd name="connsiteY17" fmla="*/ 1511306 h 1511306"/>
+            </a:gdLst>
+            <a:ahLst/>
+            <a:cxnLst>
+              <a:cxn ang="0">
+                <a:pos x="connsiteX0" y="connsiteY0"/>
+              </a:cxn>
+              <a:cxn ang="0">
+                <a:pos x="connsiteX1" y="connsiteY1"/>
+              </a:cxn>
+              <a:cxn ang="0">
+                <a:pos x="connsiteX2" y="connsiteY2"/>
+              </a:cxn>
+              <a:cxn ang="0">
+                <a:pos x="connsiteX3" y="connsiteY3"/>
+              </a:cxn>
+              <a:cxn ang="0">
+                <a:pos x="connsiteX4" y="connsiteY4"/>
+              </a:cxn>
+              <a:cxn ang="0">
+                <a:pos x="connsiteX5" y="connsiteY5"/>
+              </a:cxn>
+              <a:cxn ang="0">
+                <a:pos x="connsiteX6" y="connsiteY6"/>
+              </a:cxn>
+              <a:cxn ang="0">
+                <a:pos x="connsiteX7" y="connsiteY7"/>
+              </a:cxn>
+              <a:cxn ang="0">
+                <a:pos x="connsiteX8" y="connsiteY8"/>
+              </a:cxn>
+              <a:cxn ang="0">
+                <a:pos x="connsiteX9" y="connsiteY9"/>
+              </a:cxn>
+              <a:cxn ang="0">
+                <a:pos x="connsiteX10" y="connsiteY10"/>
+              </a:cxn>
+              <a:cxn ang="0">
+                <a:pos x="connsiteX11" y="connsiteY11"/>
+              </a:cxn>
+              <a:cxn ang="0">
+                <a:pos x="connsiteX12" y="connsiteY12"/>
+              </a:cxn>
+              <a:cxn ang="0">
+                <a:pos x="connsiteX13" y="connsiteY13"/>
+              </a:cxn>
+              <a:cxn ang="0">
+                <a:pos x="connsiteX14" y="connsiteY14"/>
+              </a:cxn>
+              <a:cxn ang="0">
+                <a:pos x="connsiteX15" y="connsiteY15"/>
+              </a:cxn>
+              <a:cxn ang="0">
+                <a:pos x="connsiteX16" y="connsiteY16"/>
+              </a:cxn>
+              <a:cxn ang="0">
+                <a:pos x="connsiteX17" y="connsiteY17"/>
+              </a:cxn>
+            </a:cxnLst>
+            <a:rect l="l" t="t" r="r" b="b"/>
+            <a:pathLst>
+              <a:path w="7346605" h="1511306">
+                <a:moveTo>
+                  <a:pt x="0" y="0"/>
+                </a:moveTo>
+                <a:lnTo>
+                  <a:pt x="239486" y="0"/>
+                </a:lnTo>
+                <a:lnTo>
+                  <a:pt x="1209568" y="0"/>
+                </a:lnTo>
+                <a:lnTo>
+                  <a:pt x="2405743" y="0"/>
+                </a:lnTo>
+                <a:lnTo>
+                  <a:pt x="2405743" y="2544"/>
+                </a:lnTo>
+                <a:lnTo>
+                  <a:pt x="2801131" y="2544"/>
+                </a:lnTo>
+                <a:lnTo>
+                  <a:pt x="2801131" y="0"/>
+                </a:lnTo>
+                <a:lnTo>
+                  <a:pt x="7346605" y="0"/>
+                </a:lnTo>
+                <a:lnTo>
+                  <a:pt x="6648988" y="1511301"/>
+                </a:lnTo>
+                <a:lnTo>
+                  <a:pt x="2801132" y="1511301"/>
+                </a:lnTo>
+                <a:lnTo>
+                  <a:pt x="2801132" y="1511304"/>
+                </a:lnTo>
+                <a:lnTo>
+                  <a:pt x="2405743" y="1511304"/>
+                </a:lnTo>
+                <a:lnTo>
+                  <a:pt x="2405743" y="1511306"/>
+                </a:lnTo>
+                <a:lnTo>
+                  <a:pt x="1333411" y="1511306"/>
+                </a:lnTo>
+                <a:lnTo>
+                  <a:pt x="1219208" y="1511306"/>
+                </a:lnTo>
+                <a:lnTo>
+                  <a:pt x="1209568" y="1511306"/>
+                </a:lnTo>
+                <a:lnTo>
+                  <a:pt x="239486" y="1511306"/>
+                </a:lnTo>
+                <a:lnTo>
+                  <a:pt x="0" y="1511306"/>
+                </a:lnTo>
+                <a:close/>
+              </a:path>
+            </a:pathLst>
+          </a:custGeom>
+          <a:solidFill>
+            <a:srgbClr val="D0CECE"/>
+          </a:solidFill>
+          <a:ln>
+            <a:noFill/>
+          </a:ln>
+        </p:spPr>
+        <p:style>
+          <a:lnRef idx="2">
+            <a:schemeClr val="accent1">
+              <a:shade val="50000"/>
+            </a:schemeClr>
+          </a:lnRef>
+          <a:fillRef idx="1">
+            <a:schemeClr val="accent1"/>
+          </a:fillRef>
+          <a:effectRef idx="0">
+            <a:schemeClr val="accent1"/>
+          </a:effectRef>
+          <a:fontRef idx="minor">
+            <a:schemeClr val="lt1"/>
+          </a:fontRef>
+        </p:style>
+        <p:txBody>
+          <a:bodyPr rtlCol="0" anchor="ctr"/>
+          <a:lstStyle/>
+          <a:p>
+            <a:pPr algn="ctr"/>
+            <a:endParaRPr lang="en-US">
+              <a:solidFill>
+                <a:schemeClr val="bg1">
+                  <a:lumMod val="95000"/>
+                </a:schemeClr>
+              </a:solidFill>
+            </a:endParaRPr>
+          </a:p>
+        </p:txBody>
+      </p:sp>
+      <p:sp>
+        <p:nvSpPr>
           <p:cNvPr id="2" name="タイトル 1">
             <a:extLst>
               <a:ext uri="{FF2B5EF4-FFF2-40B4-BE49-F238E27FC236}">
@@ -31868,18 +30540,59 @@
             <p:ph type="title"/>
           </p:nvPr>
         </p:nvSpPr>
-        <p:spPr/>
+        <p:spPr>
+          <a:xfrm>
+            <a:off x="950121" y="5529884"/>
+            <a:ext cx="5693783" cy="1096331"/>
+          </a:xfrm>
+        </p:spPr>
         <p:txBody>
-          <a:bodyPr/>
+          <a:bodyPr>
+            <a:normAutofit/>
+          </a:bodyPr>
           <a:lstStyle/>
           <a:p>
             <a:r>
-              <a:rPr kumimoji="1" lang="ja-JP" altLang="en-US"/>
+              <a:rPr kumimoji="1" lang="ja-JP" altLang="en-US" sz="3400">
+                <a:solidFill>
+                  <a:srgbClr val="303030"/>
+                </a:solidFill>
+              </a:rPr>
               <a:t>各メンバーの役割と貢献度</a:t>
             </a:r>
           </a:p>
         </p:txBody>
       </p:sp>
+      <p:pic>
+        <p:nvPicPr>
+          <p:cNvPr id="4" name="図 3">
+            <a:extLst>
+              <a:ext uri="{FF2B5EF4-FFF2-40B4-BE49-F238E27FC236}">
+                <a16:creationId xmlns:a16="http://schemas.microsoft.com/office/drawing/2014/main" id="{75556453-BB8B-AE48-92BC-CA09230248E4}"/>
+              </a:ext>
+            </a:extLst>
+          </p:cNvPr>
+          <p:cNvPicPr>
+            <a:picLocks noChangeAspect="1"/>
+          </p:cNvPicPr>
+          <p:nvPr/>
+        </p:nvPicPr>
+        <p:blipFill>
+          <a:blip r:embed="rId3"/>
+          <a:stretch>
+            <a:fillRect/>
+          </a:stretch>
+        </p:blipFill>
+        <p:spPr>
+          <a:xfrm>
+            <a:off x="702768" y="1052172"/>
+            <a:ext cx="5941068" cy="3416113"/>
+          </a:xfrm>
+          <a:prstGeom prst="rect">
+            <a:avLst/>
+          </a:prstGeom>
+        </p:spPr>
+      </p:pic>
       <p:sp>
         <p:nvSpPr>
           <p:cNvPr id="3" name="コンテンツ プレースホルダー 2">
@@ -31896,102 +30609,109 @@
             <p:ph idx="1"/>
           </p:nvPr>
         </p:nvSpPr>
-        <p:spPr/>
+        <p:spPr>
+          <a:xfrm>
+            <a:off x="7132320" y="282633"/>
+            <a:ext cx="4804755" cy="4703024"/>
+          </a:xfrm>
+        </p:spPr>
         <p:txBody>
-          <a:bodyPr/>
+          <a:bodyPr anchor="ctr">
+            <a:normAutofit/>
+          </a:bodyPr>
           <a:lstStyle/>
           <a:p>
             <a:r>
-              <a:rPr lang="ja-JP" altLang="en-US"/>
+              <a:rPr lang="ja-JP" altLang="en-US" sz="2000"/>
               <a:t>木村</a:t>
             </a:r>
             <a:r>
-              <a:rPr lang="en-US" altLang="ja-JP"/>
+              <a:rPr lang="en-US" altLang="ja-JP" sz="2000"/>
               <a:t>:</a:t>
             </a:r>
             <a:r>
-              <a:rPr lang="ja-JP" altLang="en-US"/>
+              <a:rPr lang="ja-JP" altLang="en-US" sz="2000"/>
               <a:t> 小課題</a:t>
             </a:r>
             <a:r>
-              <a:rPr lang="en-US" altLang="ja-JP"/>
+              <a:rPr lang="en-US" altLang="ja-JP" sz="2000"/>
               <a:t>1~7</a:t>
             </a:r>
             <a:r>
-              <a:rPr lang="ja-JP" altLang="en-US"/>
+              <a:rPr lang="ja-JP" altLang="en-US" sz="2000"/>
               <a:t>の主要なアルゴリズム</a:t>
             </a:r>
             <a:r>
-              <a:rPr lang="en-US" altLang="ja-JP"/>
+              <a:rPr lang="en-US" altLang="ja-JP" sz="2000"/>
               <a:t>,</a:t>
             </a:r>
             <a:r>
-              <a:rPr lang="ja-JP" altLang="en-US"/>
+              <a:rPr lang="ja-JP" altLang="en-US" sz="2000"/>
               <a:t> 制御部</a:t>
             </a:r>
             <a:r>
-              <a:rPr lang="en-US" altLang="ja-JP"/>
+              <a:rPr lang="en-US" altLang="ja-JP" sz="2000"/>
               <a:t>,</a:t>
             </a:r>
             <a:r>
-              <a:rPr lang="ja-JP" altLang="en-US"/>
+              <a:rPr lang="ja-JP" altLang="en-US" sz="2000"/>
               <a:t> ファイルからの入力</a:t>
             </a:r>
             <a:r>
-              <a:rPr lang="en-US" altLang="ja-JP"/>
+              <a:rPr lang="en-US" altLang="ja-JP" sz="2000"/>
               <a:t>,</a:t>
             </a:r>
             <a:r>
-              <a:rPr lang="ja-JP" altLang="en-US"/>
+              <a:rPr lang="ja-JP" altLang="en-US" sz="2000"/>
               <a:t> グラフ描写の実装と</a:t>
             </a:r>
             <a:r>
-              <a:rPr lang="en-US" altLang="ja-JP"/>
+              <a:rPr lang="en-US" altLang="ja-JP" sz="2000"/>
               <a:t>,</a:t>
             </a:r>
             <a:r>
-              <a:rPr lang="ja-JP" altLang="en-US"/>
+              <a:rPr lang="ja-JP" altLang="en-US" sz="2000"/>
               <a:t> ビルド用スクリプト</a:t>
             </a:r>
             <a:r>
-              <a:rPr lang="en-US" altLang="ja-JP"/>
+              <a:rPr lang="en-US" altLang="ja-JP" sz="2000"/>
               <a:t>,</a:t>
             </a:r>
             <a:r>
-              <a:rPr lang="ja-JP" altLang="en-US"/>
+              <a:rPr lang="ja-JP" altLang="en-US" sz="2000"/>
               <a:t> ドキュメント</a:t>
             </a:r>
             <a:r>
-              <a:rPr lang="en-US" altLang="ja-JP"/>
+              <a:rPr lang="en-US" altLang="ja-JP" sz="2000"/>
               <a:t>,</a:t>
             </a:r>
             <a:r>
-              <a:rPr lang="ja-JP" altLang="en-US"/>
+              <a:rPr lang="ja-JP" altLang="en-US" sz="2000"/>
               <a:t> 通常・最小・最大ケースのテストデータ生成</a:t>
             </a:r>
             <a:r>
-              <a:rPr lang="en-US" altLang="ja-JP"/>
+              <a:rPr lang="en-US" altLang="ja-JP" sz="2000"/>
               <a:t>.</a:t>
             </a:r>
             <a:r>
-              <a:rPr lang="ja-JP" altLang="en-US"/>
+              <a:rPr lang="ja-JP" altLang="en-US" sz="2000"/>
               <a:t> </a:t>
             </a:r>
-            <a:endParaRPr lang="en-US" altLang="ja-JP"/>
+            <a:endParaRPr lang="en-US" altLang="ja-JP" sz="2000"/>
           </a:p>
           <a:p>
-            <a:endParaRPr kumimoji="1" lang="en-US" altLang="ja-JP"/>
+            <a:endParaRPr kumimoji="1" lang="en-US" altLang="ja-JP" sz="2000"/>
           </a:p>
           <a:p>
             <a:r>
-              <a:rPr lang="ja-JP" altLang="en-US"/>
+              <a:rPr lang="ja-JP" altLang="en-US" sz="2000"/>
               <a:t>越川</a:t>
             </a:r>
             <a:r>
-              <a:rPr lang="en-US" altLang="ja-JP"/>
-              <a:t>:</a:t>
+              <a:rPr lang="en-US" altLang="ja-JP" sz="2000"/>
+              <a:t>: </a:t>
             </a:r>
-            <a:endParaRPr kumimoji="1" lang="ja-JP" altLang="en-US"/>
+            <a:endParaRPr kumimoji="1" lang="ja-JP" altLang="en-US" sz="2000"/>
           </a:p>
         </p:txBody>
       </p:sp>
@@ -32008,7 +30728,7 @@
 </p:sld>
 </file>
 
-<file path=ppt/slides/slide19.xml><?xml version="1.0" encoding="utf-8"?>
+<file path=ppt/slides/slide18.xml><?xml version="1.0" encoding="utf-8"?>
 <p:sld xmlns:a="http://schemas.openxmlformats.org/drawingml/2006/main" xmlns:r="http://schemas.openxmlformats.org/officeDocument/2006/relationships" xmlns:p="http://schemas.openxmlformats.org/presentationml/2006/main">
   <p:cSld>
     <p:spTree>
@@ -32731,7 +31451,7 @@
         </p:xfrm>
         <a:graphic>
           <a:graphicData uri="http://schemas.openxmlformats.org/drawingml/2006/diagram">
-            <dgm:relIds xmlns:dgm="http://schemas.openxmlformats.org/drawingml/2006/diagram" xmlns:r="http://schemas.openxmlformats.org/officeDocument/2006/relationships" r:dm="rId2" r:lo="rId3" r:qs="rId4" r:cs="rId5"/>
+            <dgm:relIds xmlns:dgm="http://schemas.openxmlformats.org/drawingml/2006/diagram" xmlns:r="http://schemas.openxmlformats.org/officeDocument/2006/relationships" r:dm="rId3" r:lo="rId4" r:qs="rId5" r:cs="rId6"/>
           </a:graphicData>
         </a:graphic>
       </p:graphicFrame>
@@ -33360,7 +32080,7 @@
         </p:xfrm>
         <a:graphic>
           <a:graphicData uri="http://schemas.openxmlformats.org/drawingml/2006/diagram">
-            <dgm:relIds xmlns:dgm="http://schemas.openxmlformats.org/drawingml/2006/diagram" xmlns:r="http://schemas.openxmlformats.org/officeDocument/2006/relationships" r:dm="rId2" r:lo="rId3" r:qs="rId4" r:cs="rId5"/>
+            <dgm:relIds xmlns:dgm="http://schemas.openxmlformats.org/drawingml/2006/diagram" xmlns:r="http://schemas.openxmlformats.org/officeDocument/2006/relationships" r:dm="rId3" r:lo="rId4" r:qs="rId5" r:cs="rId6"/>
           </a:graphicData>
         </a:graphic>
       </p:graphicFrame>
@@ -33954,7 +32674,7 @@
         </p:xfrm>
         <a:graphic>
           <a:graphicData uri="http://schemas.openxmlformats.org/drawingml/2006/diagram">
-            <dgm:relIds xmlns:dgm="http://schemas.openxmlformats.org/drawingml/2006/diagram" xmlns:r="http://schemas.openxmlformats.org/officeDocument/2006/relationships" r:dm="rId2" r:lo="rId3" r:qs="rId4" r:cs="rId5"/>
+            <dgm:relIds xmlns:dgm="http://schemas.openxmlformats.org/drawingml/2006/diagram" xmlns:r="http://schemas.openxmlformats.org/officeDocument/2006/relationships" r:dm="rId3" r:lo="rId4" r:qs="rId5" r:cs="rId6"/>
           </a:graphicData>
         </a:graphic>
       </p:graphicFrame>
@@ -34349,7 +33069,7 @@
           <p:nvPr/>
         </p:nvPicPr>
         <p:blipFill>
-          <a:blip r:embed="rId2"/>
+          <a:blip r:embed="rId3"/>
           <a:stretch>
             <a:fillRect/>
           </a:stretch>
@@ -34972,7 +33692,7 @@
         </p:xfrm>
         <a:graphic>
           <a:graphicData uri="http://schemas.openxmlformats.org/drawingml/2006/diagram">
-            <dgm:relIds xmlns:dgm="http://schemas.openxmlformats.org/drawingml/2006/diagram" xmlns:r="http://schemas.openxmlformats.org/officeDocument/2006/relationships" r:dm="rId2" r:lo="rId3" r:qs="rId4" r:cs="rId5"/>
+            <dgm:relIds xmlns:dgm="http://schemas.openxmlformats.org/drawingml/2006/diagram" xmlns:r="http://schemas.openxmlformats.org/officeDocument/2006/relationships" r:dm="rId3" r:lo="rId4" r:qs="rId5" r:cs="rId6"/>
           </a:graphicData>
         </a:graphic>
       </p:graphicFrame>
@@ -36014,7 +34734,7 @@
         </p:cxnSp>
         <mc:AlternateContent xmlns:mc="http://schemas.openxmlformats.org/markup-compatibility/2006" xmlns:p14="http://schemas.microsoft.com/office/powerpoint/2010/main">
           <mc:Choice Requires="p14">
-            <p:contentPart p14:bwMode="auto" r:id="rId2">
+            <p:contentPart p14:bwMode="auto" r:id="rId3">
               <p14:nvContentPartPr>
                 <p14:cNvPr id="37" name="インク 36">
                   <a:extLst>
@@ -36046,7 +34766,7 @@
                 <p:nvPr/>
               </p:nvPicPr>
               <p:blipFill>
-                <a:blip r:embed="rId3"/>
+                <a:blip r:embed="rId4"/>
                 <a:stretch>
                   <a:fillRect/>
                 </a:stretch>
@@ -36280,7 +35000,7 @@
           </p:sp>
           <mc:AlternateContent xmlns:mc="http://schemas.openxmlformats.org/markup-compatibility/2006" xmlns:p14="http://schemas.microsoft.com/office/powerpoint/2010/main">
             <mc:Choice Requires="p14">
-              <p:contentPart p14:bwMode="auto" r:id="rId4">
+              <p:contentPart p14:bwMode="auto" r:id="rId5">
                 <p14:nvContentPartPr>
                   <p14:cNvPr id="44" name="インク 43">
                     <a:extLst>
@@ -36312,7 +35032,7 @@
                   <p:nvPr/>
                 </p:nvPicPr>
                 <p:blipFill>
-                  <a:blip r:embed="rId5"/>
+                  <a:blip r:embed="rId6"/>
                   <a:stretch>
                     <a:fillRect/>
                   </a:stretch>
@@ -36331,7 +35051,7 @@
           </mc:AlternateContent>
           <mc:AlternateContent xmlns:mc="http://schemas.openxmlformats.org/markup-compatibility/2006" xmlns:p14="http://schemas.microsoft.com/office/powerpoint/2010/main">
             <mc:Choice Requires="p14">
-              <p:contentPart p14:bwMode="auto" r:id="rId6">
+              <p:contentPart p14:bwMode="auto" r:id="rId7">
                 <p14:nvContentPartPr>
                   <p14:cNvPr id="45" name="インク 44">
                     <a:extLst>
@@ -36363,7 +35083,7 @@
                   <p:nvPr/>
                 </p:nvPicPr>
                 <p:blipFill>
-                  <a:blip r:embed="rId7"/>
+                  <a:blip r:embed="rId8"/>
                   <a:stretch>
                     <a:fillRect/>
                   </a:stretch>
@@ -36382,7 +35102,7 @@
           </mc:AlternateContent>
           <mc:AlternateContent xmlns:mc="http://schemas.openxmlformats.org/markup-compatibility/2006" xmlns:p14="http://schemas.microsoft.com/office/powerpoint/2010/main">
             <mc:Choice Requires="p14">
-              <p:contentPart p14:bwMode="auto" r:id="rId8">
+              <p:contentPart p14:bwMode="auto" r:id="rId9">
                 <p14:nvContentPartPr>
                   <p14:cNvPr id="47" name="インク 46">
                     <a:extLst>
@@ -36414,7 +35134,7 @@
                   <p:nvPr/>
                 </p:nvPicPr>
                 <p:blipFill>
-                  <a:blip r:embed="rId9"/>
+                  <a:blip r:embed="rId10"/>
                   <a:stretch>
                     <a:fillRect/>
                   </a:stretch>
@@ -36433,7 +35153,7 @@
           </mc:AlternateContent>
           <mc:AlternateContent xmlns:mc="http://schemas.openxmlformats.org/markup-compatibility/2006" xmlns:p14="http://schemas.microsoft.com/office/powerpoint/2010/main">
             <mc:Choice Requires="p14">
-              <p:contentPart p14:bwMode="auto" r:id="rId10">
+              <p:contentPart p14:bwMode="auto" r:id="rId11">
                 <p14:nvContentPartPr>
                   <p14:cNvPr id="50" name="インク 49">
                     <a:extLst>
@@ -36465,7 +35185,7 @@
                   <p:nvPr/>
                 </p:nvPicPr>
                 <p:blipFill>
-                  <a:blip r:embed="rId11"/>
+                  <a:blip r:embed="rId12"/>
                   <a:stretch>
                     <a:fillRect/>
                   </a:stretch>
@@ -36484,7 +35204,7 @@
           </mc:AlternateContent>
           <mc:AlternateContent xmlns:mc="http://schemas.openxmlformats.org/markup-compatibility/2006" xmlns:p14="http://schemas.microsoft.com/office/powerpoint/2010/main">
             <mc:Choice Requires="p14">
-              <p:contentPart p14:bwMode="auto" r:id="rId12">
+              <p:contentPart p14:bwMode="auto" r:id="rId13">
                 <p14:nvContentPartPr>
                   <p14:cNvPr id="51" name="インク 50">
                     <a:extLst>
@@ -36516,7 +35236,7 @@
                   <p:nvPr/>
                 </p:nvPicPr>
                 <p:blipFill>
-                  <a:blip r:embed="rId13"/>
+                  <a:blip r:embed="rId14"/>
                   <a:stretch>
                     <a:fillRect/>
                   </a:stretch>
@@ -36781,7 +35501,7 @@
       </p:grpSpPr>
       <p:sp>
         <p:nvSpPr>
-          <p:cNvPr id="10" name="Freeform: Shape 9">
+          <p:cNvPr id="12" name="Freeform: Shape 9">
             <a:extLst>
               <a:ext uri="{FF2B5EF4-FFF2-40B4-BE49-F238E27FC236}">
                 <a16:creationId xmlns:a16="http://schemas.microsoft.com/office/drawing/2014/main" id="{46C2E80F-49A6-4372-B103-219D417A55ED}"/>
@@ -37265,7 +35985,7 @@
           <p:cNvPr id="2" name="タイトル 1">
             <a:extLst>
               <a:ext uri="{FF2B5EF4-FFF2-40B4-BE49-F238E27FC236}">
-                <a16:creationId xmlns:a16="http://schemas.microsoft.com/office/drawing/2014/main" id="{9F2E00FB-7F86-E04D-8E28-CD751291ED25}"/>
+                <a16:creationId xmlns:a16="http://schemas.microsoft.com/office/drawing/2014/main" id="{F7CD0CA3-CA6C-764F-BD0A-7F9C46FE2899}"/>
               </a:ext>
             </a:extLst>
           </p:cNvPr>
@@ -37294,7 +36014,7 @@
                   <a:srgbClr val="FFFFFF"/>
                 </a:solidFill>
               </a:rPr>
-              <a:t>④</a:t>
+              <a:t>⑤</a:t>
             </a:r>
             <a:r>
               <a:rPr lang="ja-JP" altLang="en-US">
@@ -37302,7 +36022,7 @@
                   <a:srgbClr val="FFFFFF"/>
                 </a:solidFill>
               </a:rPr>
-              <a:t>最短経路の探索</a:t>
+              <a:t> 線分に新たな地点を接続</a:t>
             </a:r>
             <a:endParaRPr kumimoji="1" lang="ja-JP" altLang="en-US">
               <a:solidFill>
@@ -37314,10 +36034,10 @@
       </p:sp>
       <p:graphicFrame>
         <p:nvGraphicFramePr>
-          <p:cNvPr id="5" name="コンテンツ プレースホルダー 2">
+          <p:cNvPr id="13" name="コンテンツ プレースホルダー 2">
             <a:extLst>
               <a:ext uri="{FF2B5EF4-FFF2-40B4-BE49-F238E27FC236}">
-                <a16:creationId xmlns:a16="http://schemas.microsoft.com/office/drawing/2014/main" id="{8C4F44D2-4095-4F1B-90DA-B6C88B2E1677}"/>
+                <a16:creationId xmlns:a16="http://schemas.microsoft.com/office/drawing/2014/main" id="{04880513-9B65-4ACB-9D79-6F51FA11C6F6}"/>
               </a:ext>
             </a:extLst>
           </p:cNvPr>
@@ -37328,7 +36048,7 @@
             <p:ph idx="1"/>
             <p:extLst>
               <p:ext uri="{D42A27DB-BD31-4B8C-83A1-F6EECF244321}">
-                <p14:modId xmlns:p14="http://schemas.microsoft.com/office/powerpoint/2010/main" val="2222487964"/>
+                <p14:modId xmlns:p14="http://schemas.microsoft.com/office/powerpoint/2010/main" val="399176957"/>
               </p:ext>
             </p:extLst>
           </p:nvPr>
@@ -37339,14 +36059,14 @@
         </p:xfrm>
         <a:graphic>
           <a:graphicData uri="http://schemas.openxmlformats.org/drawingml/2006/diagram">
-            <dgm:relIds xmlns:dgm="http://schemas.openxmlformats.org/drawingml/2006/diagram" xmlns:r="http://schemas.openxmlformats.org/officeDocument/2006/relationships" r:dm="rId2" r:lo="rId3" r:qs="rId4" r:cs="rId5"/>
+            <dgm:relIds xmlns:dgm="http://schemas.openxmlformats.org/drawingml/2006/diagram" xmlns:r="http://schemas.openxmlformats.org/officeDocument/2006/relationships" r:dm="rId3" r:lo="rId4" r:qs="rId5" r:cs="rId6"/>
           </a:graphicData>
         </a:graphic>
       </p:graphicFrame>
     </p:spTree>
     <p:extLst>
       <p:ext uri="{BB962C8B-B14F-4D97-AF65-F5344CB8AC3E}">
-        <p14:creationId xmlns:p14="http://schemas.microsoft.com/office/powerpoint/2010/main" val="2858482302"/>
+        <p14:creationId xmlns:p14="http://schemas.microsoft.com/office/powerpoint/2010/main" val="2699625581"/>
       </p:ext>
     </p:extLst>
   </p:cSld>
@@ -37615,4 +36335,299 @@
     </a:ext>
   </a:extLst>
 </a:theme>
+</file>
+
+<file path=ppt/theme/theme2.xml><?xml version="1.0" encoding="utf-8"?>
+<a:theme xmlns:a="http://schemas.openxmlformats.org/drawingml/2006/main" name="Office テーマ">
+  <a:themeElements>
+    <a:clrScheme name="Office">
+      <a:dk1>
+        <a:sysClr val="windowText" lastClr="000000"/>
+      </a:dk1>
+      <a:lt1>
+        <a:sysClr val="window" lastClr="FFFFFF"/>
+      </a:lt1>
+      <a:dk2>
+        <a:srgbClr val="44546A"/>
+      </a:dk2>
+      <a:lt2>
+        <a:srgbClr val="E7E6E6"/>
+      </a:lt2>
+      <a:accent1>
+        <a:srgbClr val="4472C4"/>
+      </a:accent1>
+      <a:accent2>
+        <a:srgbClr val="ED7D31"/>
+      </a:accent2>
+      <a:accent3>
+        <a:srgbClr val="A5A5A5"/>
+      </a:accent3>
+      <a:accent4>
+        <a:srgbClr val="FFC000"/>
+      </a:accent4>
+      <a:accent5>
+        <a:srgbClr val="5B9BD5"/>
+      </a:accent5>
+      <a:accent6>
+        <a:srgbClr val="70AD47"/>
+      </a:accent6>
+      <a:hlink>
+        <a:srgbClr val="0563C1"/>
+      </a:hlink>
+      <a:folHlink>
+        <a:srgbClr val="954F72"/>
+      </a:folHlink>
+    </a:clrScheme>
+    <a:fontScheme name="Office">
+      <a:majorFont>
+        <a:latin typeface="游ゴシック Light" panose="020F0302020204030204"/>
+        <a:ea typeface=""/>
+        <a:cs typeface=""/>
+        <a:font script="Jpan" typeface="游ゴシック Light"/>
+        <a:font script="Hang" typeface="맑은 고딕"/>
+        <a:font script="Hans" typeface="等线 Light"/>
+        <a:font script="Hant" typeface="新細明體"/>
+        <a:font script="Arab" typeface="Times New Roman"/>
+        <a:font script="Hebr" typeface="Times New Roman"/>
+        <a:font script="Thai" typeface="Angsana New"/>
+        <a:font script="Ethi" typeface="Nyala"/>
+        <a:font script="Beng" typeface="Vrinda"/>
+        <a:font script="Gujr" typeface="Shruti"/>
+        <a:font script="Khmr" typeface="MoolBoran"/>
+        <a:font script="Knda" typeface="Tunga"/>
+        <a:font script="Guru" typeface="Raavi"/>
+        <a:font script="Cans" typeface="Euphemia"/>
+        <a:font script="Cher" typeface="Plantagenet Cherokee"/>
+        <a:font script="Yiii" typeface="Microsoft Yi Baiti"/>
+        <a:font script="Tibt" typeface="Microsoft Himalaya"/>
+        <a:font script="Thaa" typeface="MV Boli"/>
+        <a:font script="Deva" typeface="Mangal"/>
+        <a:font script="Telu" typeface="Gautami"/>
+        <a:font script="Taml" typeface="Latha"/>
+        <a:font script="Syrc" typeface="Estrangelo Edessa"/>
+        <a:font script="Orya" typeface="Kalinga"/>
+        <a:font script="Mlym" typeface="Kartika"/>
+        <a:font script="Laoo" typeface="DokChampa"/>
+        <a:font script="Sinh" typeface="Iskoola Pota"/>
+        <a:font script="Mong" typeface="Mongolian Baiti"/>
+        <a:font script="Viet" typeface="Times New Roman"/>
+        <a:font script="Uigh" typeface="Microsoft Uighur"/>
+        <a:font script="Geor" typeface="Sylfaen"/>
+        <a:font script="Armn" typeface="Arial"/>
+        <a:font script="Bugi" typeface="Leelawadee UI"/>
+        <a:font script="Bopo" typeface="Microsoft JhengHei"/>
+        <a:font script="Java" typeface="Javanese Text"/>
+        <a:font script="Lisu" typeface="Segoe UI"/>
+        <a:font script="Mymr" typeface="Myanmar Text"/>
+        <a:font script="Nkoo" typeface="Ebrima"/>
+        <a:font script="Olck" typeface="Nirmala UI"/>
+        <a:font script="Osma" typeface="Ebrima"/>
+        <a:font script="Phag" typeface="Phagspa"/>
+        <a:font script="Syrn" typeface="Estrangelo Edessa"/>
+        <a:font script="Syrj" typeface="Estrangelo Edessa"/>
+        <a:font script="Syre" typeface="Estrangelo Edessa"/>
+        <a:font script="Sora" typeface="Nirmala UI"/>
+        <a:font script="Tale" typeface="Microsoft Tai Le"/>
+        <a:font script="Talu" typeface="Microsoft New Tai Lue"/>
+        <a:font script="Tfng" typeface="Ebrima"/>
+      </a:majorFont>
+      <a:minorFont>
+        <a:latin typeface="游ゴシック" panose="020F0502020204030204"/>
+        <a:ea typeface=""/>
+        <a:cs typeface=""/>
+        <a:font script="Jpan" typeface="游ゴシック"/>
+        <a:font script="Hang" typeface="맑은 고딕"/>
+        <a:font script="Hans" typeface="等线"/>
+        <a:font script="Hant" typeface="新細明體"/>
+        <a:font script="Arab" typeface="Arial"/>
+        <a:font script="Hebr" typeface="Arial"/>
+        <a:font script="Thai" typeface="Cordia New"/>
+        <a:font script="Ethi" typeface="Nyala"/>
+        <a:font script="Beng" typeface="Vrinda"/>
+        <a:font script="Gujr" typeface="Shruti"/>
+        <a:font script="Khmr" typeface="DaunPenh"/>
+        <a:font script="Knda" typeface="Tunga"/>
+        <a:font script="Guru" typeface="Raavi"/>
+        <a:font script="Cans" typeface="Euphemia"/>
+        <a:font script="Cher" typeface="Plantagenet Cherokee"/>
+        <a:font script="Yiii" typeface="Microsoft Yi Baiti"/>
+        <a:font script="Tibt" typeface="Microsoft Himalaya"/>
+        <a:font script="Thaa" typeface="MV Boli"/>
+        <a:font script="Deva" typeface="Mangal"/>
+        <a:font script="Telu" typeface="Gautami"/>
+        <a:font script="Taml" typeface="Latha"/>
+        <a:font script="Syrc" typeface="Estrangelo Edessa"/>
+        <a:font script="Orya" typeface="Kalinga"/>
+        <a:font script="Mlym" typeface="Kartika"/>
+        <a:font script="Laoo" typeface="DokChampa"/>
+        <a:font script="Sinh" typeface="Iskoola Pota"/>
+        <a:font script="Mong" typeface="Mongolian Baiti"/>
+        <a:font script="Viet" typeface="Arial"/>
+        <a:font script="Uigh" typeface="Microsoft Uighur"/>
+        <a:font script="Geor" typeface="Sylfaen"/>
+        <a:font script="Armn" typeface="Arial"/>
+        <a:font script="Bugi" typeface="Leelawadee UI"/>
+        <a:font script="Bopo" typeface="Microsoft JhengHei"/>
+        <a:font script="Java" typeface="Javanese Text"/>
+        <a:font script="Lisu" typeface="Segoe UI"/>
+        <a:font script="Mymr" typeface="Myanmar Text"/>
+        <a:font script="Nkoo" typeface="Ebrima"/>
+        <a:font script="Olck" typeface="Nirmala UI"/>
+        <a:font script="Osma" typeface="Ebrima"/>
+        <a:font script="Phag" typeface="Phagspa"/>
+        <a:font script="Syrn" typeface="Estrangelo Edessa"/>
+        <a:font script="Syrj" typeface="Estrangelo Edessa"/>
+        <a:font script="Syre" typeface="Estrangelo Edessa"/>
+        <a:font script="Sora" typeface="Nirmala UI"/>
+        <a:font script="Tale" typeface="Microsoft Tai Le"/>
+        <a:font script="Talu" typeface="Microsoft New Tai Lue"/>
+        <a:font script="Tfng" typeface="Ebrima"/>
+      </a:minorFont>
+    </a:fontScheme>
+    <a:fmtScheme name="Office">
+      <a:fillStyleLst>
+        <a:solidFill>
+          <a:schemeClr val="phClr"/>
+        </a:solidFill>
+        <a:gradFill rotWithShape="1">
+          <a:gsLst>
+            <a:gs pos="0">
+              <a:schemeClr val="phClr">
+                <a:lumMod val="110000"/>
+                <a:satMod val="105000"/>
+                <a:tint val="67000"/>
+              </a:schemeClr>
+            </a:gs>
+            <a:gs pos="50000">
+              <a:schemeClr val="phClr">
+                <a:lumMod val="105000"/>
+                <a:satMod val="103000"/>
+                <a:tint val="73000"/>
+              </a:schemeClr>
+            </a:gs>
+            <a:gs pos="100000">
+              <a:schemeClr val="phClr">
+                <a:lumMod val="105000"/>
+                <a:satMod val="109000"/>
+                <a:tint val="81000"/>
+              </a:schemeClr>
+            </a:gs>
+          </a:gsLst>
+          <a:lin ang="5400000" scaled="0"/>
+        </a:gradFill>
+        <a:gradFill rotWithShape="1">
+          <a:gsLst>
+            <a:gs pos="0">
+              <a:schemeClr val="phClr">
+                <a:satMod val="103000"/>
+                <a:lumMod val="102000"/>
+                <a:tint val="94000"/>
+              </a:schemeClr>
+            </a:gs>
+            <a:gs pos="50000">
+              <a:schemeClr val="phClr">
+                <a:satMod val="110000"/>
+                <a:lumMod val="100000"/>
+                <a:shade val="100000"/>
+              </a:schemeClr>
+            </a:gs>
+            <a:gs pos="100000">
+              <a:schemeClr val="phClr">
+                <a:lumMod val="99000"/>
+                <a:satMod val="120000"/>
+                <a:shade val="78000"/>
+              </a:schemeClr>
+            </a:gs>
+          </a:gsLst>
+          <a:lin ang="5400000" scaled="0"/>
+        </a:gradFill>
+      </a:fillStyleLst>
+      <a:lnStyleLst>
+        <a:ln w="6350" cap="flat" cmpd="sng" algn="ctr">
+          <a:solidFill>
+            <a:schemeClr val="phClr"/>
+          </a:solidFill>
+          <a:prstDash val="solid"/>
+          <a:miter lim="800000"/>
+        </a:ln>
+        <a:ln w="12700" cap="flat" cmpd="sng" algn="ctr">
+          <a:solidFill>
+            <a:schemeClr val="phClr"/>
+          </a:solidFill>
+          <a:prstDash val="solid"/>
+          <a:miter lim="800000"/>
+        </a:ln>
+        <a:ln w="19050" cap="flat" cmpd="sng" algn="ctr">
+          <a:solidFill>
+            <a:schemeClr val="phClr"/>
+          </a:solidFill>
+          <a:prstDash val="solid"/>
+          <a:miter lim="800000"/>
+        </a:ln>
+      </a:lnStyleLst>
+      <a:effectStyleLst>
+        <a:effectStyle>
+          <a:effectLst/>
+        </a:effectStyle>
+        <a:effectStyle>
+          <a:effectLst/>
+        </a:effectStyle>
+        <a:effectStyle>
+          <a:effectLst>
+            <a:outerShdw blurRad="57150" dist="19050" dir="5400000" algn="ctr" rotWithShape="0">
+              <a:srgbClr val="000000">
+                <a:alpha val="63000"/>
+              </a:srgbClr>
+            </a:outerShdw>
+          </a:effectLst>
+        </a:effectStyle>
+      </a:effectStyleLst>
+      <a:bgFillStyleLst>
+        <a:solidFill>
+          <a:schemeClr val="phClr"/>
+        </a:solidFill>
+        <a:solidFill>
+          <a:schemeClr val="phClr">
+            <a:tint val="95000"/>
+            <a:satMod val="170000"/>
+          </a:schemeClr>
+        </a:solidFill>
+        <a:gradFill rotWithShape="1">
+          <a:gsLst>
+            <a:gs pos="0">
+              <a:schemeClr val="phClr">
+                <a:tint val="93000"/>
+                <a:satMod val="150000"/>
+                <a:shade val="98000"/>
+                <a:lumMod val="102000"/>
+              </a:schemeClr>
+            </a:gs>
+            <a:gs pos="50000">
+              <a:schemeClr val="phClr">
+                <a:tint val="98000"/>
+                <a:satMod val="130000"/>
+                <a:shade val="90000"/>
+                <a:lumMod val="103000"/>
+              </a:schemeClr>
+            </a:gs>
+            <a:gs pos="100000">
+              <a:schemeClr val="phClr">
+                <a:shade val="63000"/>
+                <a:satMod val="120000"/>
+              </a:schemeClr>
+            </a:gs>
+          </a:gsLst>
+          <a:lin ang="5400000" scaled="0"/>
+        </a:gradFill>
+      </a:bgFillStyleLst>
+    </a:fmtScheme>
+  </a:themeElements>
+  <a:objectDefaults/>
+  <a:extraClrSchemeLst/>
+  <a:extLst>
+    <a:ext uri="{05A4C25C-085E-4340-85A3-A5531E510DB2}">
+      <thm15:themeFamily xmlns:thm15="http://schemas.microsoft.com/office/thememl/2012/main" name="Office Theme" id="{62F939B6-93AF-4DB8-9C6B-D6C7DFDC589F}" vid="{4A3C46E8-61CC-4603-A589-7422A47A8E4A}"/>
+    </a:ext>
+  </a:extLst>
+</a:theme>
 </file>
--- a/Reports/Midterm.pptx
+++ b/Reports/Midterm.pptx
@@ -7563,7 +7563,7 @@
 <dgm:dataModel xmlns:dgm="http://schemas.openxmlformats.org/drawingml/2006/diagram" xmlns:a="http://schemas.openxmlformats.org/drawingml/2006/main">
   <dgm:ptLst>
     <dgm:pt modelId="{31E1FB76-24F4-4140-9AA5-BF90BEF353F2}" type="doc">
-      <dgm:prSet loTypeId="urn:microsoft.com/office/officeart/2005/8/layout/vList2" loCatId="list" qsTypeId="urn:microsoft.com/office/officeart/2005/8/quickstyle/simple1" qsCatId="simple" csTypeId="urn:microsoft.com/office/officeart/2005/8/colors/colorful1" csCatId="colorful"/>
+      <dgm:prSet loTypeId="urn:microsoft.com/office/officeart/2005/8/layout/vList2" loCatId="list" qsTypeId="urn:microsoft.com/office/officeart/2005/8/quickstyle/simple1" qsCatId="simple" csTypeId="urn:microsoft.com/office/officeart/2005/8/colors/colorful1" csCatId="colorful" phldr="1"/>
       <dgm:spPr/>
       <dgm:t>
         <a:bodyPr/>
@@ -7627,28 +7627,9 @@
           </a:r>
           <a:r>
             <a:rPr lang="ja-JP"/>
-            <a:t>未完成</a:t>
+            <a:t>完成</a:t>
           </a:r>
-          <a:r>
-            <a:rPr lang="en-US"/>
-            <a:t>(</a:t>
-          </a:r>
-          <a:r>
-            <a:rPr lang="ja-JP"/>
-            <a:t>小課題</a:t>
-          </a:r>
-          <a:r>
-            <a:rPr lang="en-US"/>
-            <a:t>7</a:t>
-          </a:r>
-          <a:r>
-            <a:rPr lang="ja-JP"/>
-            <a:t>まで完成</a:t>
-          </a:r>
-          <a:r>
-            <a:rPr lang="en-US"/>
-            <a:t>)</a:t>
-          </a:r>
+          <a:endParaRPr lang="en-US"/>
         </a:p>
       </dgm:t>
     </dgm:pt>
@@ -7691,7 +7672,7 @@
           </a:r>
           <a:r>
             <a:rPr lang="ja-JP"/>
-            <a:t>実装完了部分まで完成</a:t>
+            <a:t>実装部分まで完成</a:t>
           </a:r>
           <a:endParaRPr lang="en-US"/>
         </a:p>
@@ -7728,11 +7709,11 @@
         <a:p>
           <a:r>
             <a:rPr lang="ja-JP"/>
-            <a:t>テストデータ生成器</a:t>
+            <a:t>テストデータ</a:t>
           </a:r>
           <a:r>
             <a:rPr lang="en-US"/>
-            <a:t>: </a:t>
+            <a:t>: 実装部分まで</a:t>
           </a:r>
           <a:r>
             <a:rPr lang="ja-JP"/>
@@ -7764,6 +7745,47 @@
         </a:p>
       </dgm:t>
     </dgm:pt>
+    <dgm:pt modelId="{9578728F-3A7C-3A4B-876F-94AF989C94E0}">
+      <dgm:prSet/>
+      <dgm:spPr/>
+      <dgm:t>
+        <a:bodyPr/>
+        <a:lstStyle/>
+        <a:p>
+          <a:r>
+            <a:rPr lang="en-US"/>
+            <a:t>Phase3:</a:t>
+          </a:r>
+          <a:r>
+            <a:rPr lang="ja-JP" altLang="en-US"/>
+            <a:t> 未完成</a:t>
+          </a:r>
+          <a:endParaRPr lang="en-US"/>
+        </a:p>
+      </dgm:t>
+    </dgm:pt>
+    <dgm:pt modelId="{07380FE8-DCE9-864A-BFEE-9C5A1AFFC16A}" type="parTrans" cxnId="{C24C02F3-720E-3145-AD57-6C266F49A0AE}">
+      <dgm:prSet/>
+      <dgm:spPr/>
+      <dgm:t>
+        <a:bodyPr/>
+        <a:lstStyle/>
+        <a:p>
+          <a:endParaRPr kumimoji="1" lang="ja-JP" altLang="en-US"/>
+        </a:p>
+      </dgm:t>
+    </dgm:pt>
+    <dgm:pt modelId="{47B1FEBA-B8ED-BC47-8EF8-9DBD84FE0804}" type="sibTrans" cxnId="{C24C02F3-720E-3145-AD57-6C266F49A0AE}">
+      <dgm:prSet/>
+      <dgm:spPr/>
+      <dgm:t>
+        <a:bodyPr/>
+        <a:lstStyle/>
+        <a:p>
+          <a:endParaRPr kumimoji="1" lang="ja-JP" altLang="en-US"/>
+        </a:p>
+      </dgm:t>
+    </dgm:pt>
     <dgm:pt modelId="{C3B16BAA-A9E0-044E-94EB-6FF208972120}" type="pres">
       <dgm:prSet presAssocID="{31E1FB76-24F4-4140-9AA5-BF90BEF353F2}" presName="linear" presStyleCnt="0">
         <dgm:presLayoutVars>
@@ -7774,7 +7796,7 @@
       <dgm:spPr/>
     </dgm:pt>
     <dgm:pt modelId="{EF8944F1-B228-9541-B24A-69F87913643F}" type="pres">
-      <dgm:prSet presAssocID="{31D9EBDA-62FE-40A4-A9B5-36033EDDEDD7}" presName="parentText" presStyleLbl="node1" presStyleIdx="0" presStyleCnt="4">
+      <dgm:prSet presAssocID="{31D9EBDA-62FE-40A4-A9B5-36033EDDEDD7}" presName="parentText" presStyleLbl="node1" presStyleIdx="0" presStyleCnt="5">
         <dgm:presLayoutVars>
           <dgm:chMax val="0"/>
           <dgm:bulletEnabled val="1"/>
@@ -7787,7 +7809,7 @@
       <dgm:spPr/>
     </dgm:pt>
     <dgm:pt modelId="{84937036-A9EB-054B-AC31-1C713C20DBBA}" type="pres">
-      <dgm:prSet presAssocID="{FE5DB016-F8B3-4B0E-A474-BA36D75777E3}" presName="parentText" presStyleLbl="node1" presStyleIdx="1" presStyleCnt="4">
+      <dgm:prSet presAssocID="{FE5DB016-F8B3-4B0E-A474-BA36D75777E3}" presName="parentText" presStyleLbl="node1" presStyleIdx="1" presStyleCnt="5">
         <dgm:presLayoutVars>
           <dgm:chMax val="0"/>
           <dgm:bulletEnabled val="1"/>
@@ -7799,8 +7821,21 @@
       <dgm:prSet presAssocID="{9A2086EB-2F2A-4BBD-A094-D4AB6FE9E006}" presName="spacer" presStyleCnt="0"/>
       <dgm:spPr/>
     </dgm:pt>
+    <dgm:pt modelId="{6865FB80-7D66-2D4B-8336-359E6966BC7B}" type="pres">
+      <dgm:prSet presAssocID="{9578728F-3A7C-3A4B-876F-94AF989C94E0}" presName="parentText" presStyleLbl="node1" presStyleIdx="2" presStyleCnt="5">
+        <dgm:presLayoutVars>
+          <dgm:chMax val="0"/>
+          <dgm:bulletEnabled val="1"/>
+        </dgm:presLayoutVars>
+      </dgm:prSet>
+      <dgm:spPr/>
+    </dgm:pt>
+    <dgm:pt modelId="{504963F0-BA43-844C-B634-C9FDD015E8D2}" type="pres">
+      <dgm:prSet presAssocID="{47B1FEBA-B8ED-BC47-8EF8-9DBD84FE0804}" presName="spacer" presStyleCnt="0"/>
+      <dgm:spPr/>
+    </dgm:pt>
     <dgm:pt modelId="{530398AD-C7C4-254A-9399-35168E2C3FF0}" type="pres">
-      <dgm:prSet presAssocID="{CB33F4AA-AE30-49E6-86C3-431C25991D28}" presName="parentText" presStyleLbl="node1" presStyleIdx="2" presStyleCnt="4">
+      <dgm:prSet presAssocID="{CB33F4AA-AE30-49E6-86C3-431C25991D28}" presName="parentText" presStyleLbl="node1" presStyleIdx="3" presStyleCnt="5">
         <dgm:presLayoutVars>
           <dgm:chMax val="0"/>
           <dgm:bulletEnabled val="1"/>
@@ -7813,7 +7848,7 @@
       <dgm:spPr/>
     </dgm:pt>
     <dgm:pt modelId="{61280423-458B-8444-A836-3FEA4E67188F}" type="pres">
-      <dgm:prSet presAssocID="{1C53AD32-F7AA-4160-9A16-8C6D41F1EB13}" presName="parentText" presStyleLbl="node1" presStyleIdx="3" presStyleCnt="4">
+      <dgm:prSet presAssocID="{1C53AD32-F7AA-4160-9A16-8C6D41F1EB13}" presName="parentText" presStyleLbl="node1" presStyleIdx="4" presStyleCnt="5">
         <dgm:presLayoutVars>
           <dgm:chMax val="0"/>
           <dgm:bulletEnabled val="1"/>
@@ -7825,20 +7860,24 @@
   <dgm:cxnLst>
     <dgm:cxn modelId="{000E820C-6FB8-6D4A-B99A-B1CACC9709C6}" type="presOf" srcId="{31D9EBDA-62FE-40A4-A9B5-36033EDDEDD7}" destId="{EF8944F1-B228-9541-B24A-69F87913643F}" srcOrd="0" destOrd="0" presId="urn:microsoft.com/office/officeart/2005/8/layout/vList2"/>
     <dgm:cxn modelId="{04D8E40C-BA83-48B1-B9BA-2A7562425847}" srcId="{31E1FB76-24F4-4140-9AA5-BF90BEF353F2}" destId="{FE5DB016-F8B3-4B0E-A474-BA36D75777E3}" srcOrd="1" destOrd="0" parTransId="{CC6D108B-1E7A-4523-A6E0-60400BB0ABB2}" sibTransId="{9A2086EB-2F2A-4BBD-A094-D4AB6FE9E006}"/>
-    <dgm:cxn modelId="{4D148163-E4C8-4650-91D3-9BA77F30BABA}" srcId="{31E1FB76-24F4-4140-9AA5-BF90BEF353F2}" destId="{1C53AD32-F7AA-4160-9A16-8C6D41F1EB13}" srcOrd="3" destOrd="0" parTransId="{A4C1ADAC-D417-4D13-B952-EF07887CD6B8}" sibTransId="{603A750A-8FEE-4FB2-80AE-DBC140360638}"/>
-    <dgm:cxn modelId="{E7FA1E66-3C49-471D-B1E1-F9F984BA9887}" srcId="{31E1FB76-24F4-4140-9AA5-BF90BEF353F2}" destId="{CB33F4AA-AE30-49E6-86C3-431C25991D28}" srcOrd="2" destOrd="0" parTransId="{F5BBD433-CDFF-4F37-A368-D624AC6C6D30}" sibTransId="{00849AD8-50AD-4F4C-A2CA-A827CF06D80C}"/>
+    <dgm:cxn modelId="{16002918-E2A4-E646-B503-8841520EA1C3}" type="presOf" srcId="{9578728F-3A7C-3A4B-876F-94AF989C94E0}" destId="{6865FB80-7D66-2D4B-8336-359E6966BC7B}" srcOrd="0" destOrd="0" presId="urn:microsoft.com/office/officeart/2005/8/layout/vList2"/>
+    <dgm:cxn modelId="{4D148163-E4C8-4650-91D3-9BA77F30BABA}" srcId="{31E1FB76-24F4-4140-9AA5-BF90BEF353F2}" destId="{1C53AD32-F7AA-4160-9A16-8C6D41F1EB13}" srcOrd="4" destOrd="0" parTransId="{A4C1ADAC-D417-4D13-B952-EF07887CD6B8}" sibTransId="{603A750A-8FEE-4FB2-80AE-DBC140360638}"/>
+    <dgm:cxn modelId="{E7FA1E66-3C49-471D-B1E1-F9F984BA9887}" srcId="{31E1FB76-24F4-4140-9AA5-BF90BEF353F2}" destId="{CB33F4AA-AE30-49E6-86C3-431C25991D28}" srcOrd="3" destOrd="0" parTransId="{F5BBD433-CDFF-4F37-A368-D624AC6C6D30}" sibTransId="{00849AD8-50AD-4F4C-A2CA-A827CF06D80C}"/>
     <dgm:cxn modelId="{11FD8B66-DFF2-AA4D-97D1-078518D16089}" type="presOf" srcId="{FE5DB016-F8B3-4B0E-A474-BA36D75777E3}" destId="{84937036-A9EB-054B-AC31-1C713C20DBBA}" srcOrd="0" destOrd="0" presId="urn:microsoft.com/office/officeart/2005/8/layout/vList2"/>
     <dgm:cxn modelId="{43A45167-6139-AA45-86B4-8A27DC96FACC}" type="presOf" srcId="{31E1FB76-24F4-4140-9AA5-BF90BEF353F2}" destId="{C3B16BAA-A9E0-044E-94EB-6FF208972120}" srcOrd="0" destOrd="0" presId="urn:microsoft.com/office/officeart/2005/8/layout/vList2"/>
     <dgm:cxn modelId="{A05ECD6E-5F3C-8241-9D97-693F4FD3639F}" type="presOf" srcId="{CB33F4AA-AE30-49E6-86C3-431C25991D28}" destId="{530398AD-C7C4-254A-9399-35168E2C3FF0}" srcOrd="0" destOrd="0" presId="urn:microsoft.com/office/officeart/2005/8/layout/vList2"/>
     <dgm:cxn modelId="{511EC4A3-C1E2-5548-80E5-07E22681E3EE}" type="presOf" srcId="{1C53AD32-F7AA-4160-9A16-8C6D41F1EB13}" destId="{61280423-458B-8444-A836-3FEA4E67188F}" srcOrd="0" destOrd="0" presId="urn:microsoft.com/office/officeart/2005/8/layout/vList2"/>
     <dgm:cxn modelId="{234A6FC2-2A2E-46E0-B4D5-2D8A1B8B9E97}" srcId="{31E1FB76-24F4-4140-9AA5-BF90BEF353F2}" destId="{31D9EBDA-62FE-40A4-A9B5-36033EDDEDD7}" srcOrd="0" destOrd="0" parTransId="{87A6E945-C0EC-49D1-870B-9EBFCBF0EA9D}" sibTransId="{CDDE8F90-ADA7-4646-A829-F6EC24F87A9C}"/>
+    <dgm:cxn modelId="{C24C02F3-720E-3145-AD57-6C266F49A0AE}" srcId="{31E1FB76-24F4-4140-9AA5-BF90BEF353F2}" destId="{9578728F-3A7C-3A4B-876F-94AF989C94E0}" srcOrd="2" destOrd="0" parTransId="{07380FE8-DCE9-864A-BFEE-9C5A1AFFC16A}" sibTransId="{47B1FEBA-B8ED-BC47-8EF8-9DBD84FE0804}"/>
     <dgm:cxn modelId="{7D7208C2-5B61-C546-862D-86CE0318BB1B}" type="presParOf" srcId="{C3B16BAA-A9E0-044E-94EB-6FF208972120}" destId="{EF8944F1-B228-9541-B24A-69F87913643F}" srcOrd="0" destOrd="0" presId="urn:microsoft.com/office/officeart/2005/8/layout/vList2"/>
     <dgm:cxn modelId="{C8C842F1-A8E2-944B-9EBB-D3155C66ABA9}" type="presParOf" srcId="{C3B16BAA-A9E0-044E-94EB-6FF208972120}" destId="{9797FB34-C0CA-0E49-9445-428F408B5E70}" srcOrd="1" destOrd="0" presId="urn:microsoft.com/office/officeart/2005/8/layout/vList2"/>
     <dgm:cxn modelId="{9434DA57-F52F-B94B-9724-DA001AC4D70C}" type="presParOf" srcId="{C3B16BAA-A9E0-044E-94EB-6FF208972120}" destId="{84937036-A9EB-054B-AC31-1C713C20DBBA}" srcOrd="2" destOrd="0" presId="urn:microsoft.com/office/officeart/2005/8/layout/vList2"/>
     <dgm:cxn modelId="{DB299376-34F0-214D-9387-B5BF72894FCB}" type="presParOf" srcId="{C3B16BAA-A9E0-044E-94EB-6FF208972120}" destId="{A6F81A4B-28C5-324B-84F9-0BB311D62F56}" srcOrd="3" destOrd="0" presId="urn:microsoft.com/office/officeart/2005/8/layout/vList2"/>
-    <dgm:cxn modelId="{CFF7AA7E-C8B0-A14E-A5CE-97BE59B967B3}" type="presParOf" srcId="{C3B16BAA-A9E0-044E-94EB-6FF208972120}" destId="{530398AD-C7C4-254A-9399-35168E2C3FF0}" srcOrd="4" destOrd="0" presId="urn:microsoft.com/office/officeart/2005/8/layout/vList2"/>
-    <dgm:cxn modelId="{B2E7233C-2D24-FB4D-AF90-28D93EA58E78}" type="presParOf" srcId="{C3B16BAA-A9E0-044E-94EB-6FF208972120}" destId="{C88869D1-AC01-9B40-AB83-0A61106AFDE6}" srcOrd="5" destOrd="0" presId="urn:microsoft.com/office/officeart/2005/8/layout/vList2"/>
-    <dgm:cxn modelId="{6B0F8642-C3F4-D64F-B695-5719B9ACD47D}" type="presParOf" srcId="{C3B16BAA-A9E0-044E-94EB-6FF208972120}" destId="{61280423-458B-8444-A836-3FEA4E67188F}" srcOrd="6" destOrd="0" presId="urn:microsoft.com/office/officeart/2005/8/layout/vList2"/>
+    <dgm:cxn modelId="{8365B856-62FD-6141-A6A7-A7C0299C10E7}" type="presParOf" srcId="{C3B16BAA-A9E0-044E-94EB-6FF208972120}" destId="{6865FB80-7D66-2D4B-8336-359E6966BC7B}" srcOrd="4" destOrd="0" presId="urn:microsoft.com/office/officeart/2005/8/layout/vList2"/>
+    <dgm:cxn modelId="{A7628F4C-0FEC-4145-A77F-21015FB1AEF6}" type="presParOf" srcId="{C3B16BAA-A9E0-044E-94EB-6FF208972120}" destId="{504963F0-BA43-844C-B634-C9FDD015E8D2}" srcOrd="5" destOrd="0" presId="urn:microsoft.com/office/officeart/2005/8/layout/vList2"/>
+    <dgm:cxn modelId="{CFF7AA7E-C8B0-A14E-A5CE-97BE59B967B3}" type="presParOf" srcId="{C3B16BAA-A9E0-044E-94EB-6FF208972120}" destId="{530398AD-C7C4-254A-9399-35168E2C3FF0}" srcOrd="6" destOrd="0" presId="urn:microsoft.com/office/officeart/2005/8/layout/vList2"/>
+    <dgm:cxn modelId="{B2E7233C-2D24-FB4D-AF90-28D93EA58E78}" type="presParOf" srcId="{C3B16BAA-A9E0-044E-94EB-6FF208972120}" destId="{C88869D1-AC01-9B40-AB83-0A61106AFDE6}" srcOrd="7" destOrd="0" presId="urn:microsoft.com/office/officeart/2005/8/layout/vList2"/>
+    <dgm:cxn modelId="{6B0F8642-C3F4-D64F-B695-5719B9ACD47D}" type="presParOf" srcId="{C3B16BAA-A9E0-044E-94EB-6FF208972120}" destId="{61280423-458B-8444-A836-3FEA4E67188F}" srcOrd="8" destOrd="0" presId="urn:microsoft.com/office/officeart/2005/8/layout/vList2"/>
   </dgm:cxnLst>
   <dgm:bg/>
   <dgm:whole/>
@@ -10106,8 +10145,8 @@
       </dsp:nvSpPr>
       <dsp:spPr>
         <a:xfrm>
-          <a:off x="0" y="1053073"/>
-          <a:ext cx="6513603" cy="882180"/>
+          <a:off x="0" y="242982"/>
+          <a:ext cx="6513603" cy="1003860"/>
         </a:xfrm>
         <a:prstGeom prst="roundRect">
           <a:avLst/>
@@ -10149,12 +10188,12 @@
         </a:fontRef>
       </dsp:style>
       <dsp:txBody>
-        <a:bodyPr spcFirstLastPara="0" vert="horz" wrap="square" lIns="110490" tIns="110490" rIns="110490" bIns="110490" numCol="1" spcCol="1270" anchor="ctr" anchorCtr="0">
+        <a:bodyPr spcFirstLastPara="0" vert="horz" wrap="square" lIns="125730" tIns="125730" rIns="125730" bIns="125730" numCol="1" spcCol="1270" anchor="ctr" anchorCtr="0">
           <a:noAutofit/>
         </a:bodyPr>
         <a:lstStyle/>
         <a:p>
-          <a:pPr marL="0" lvl="0" indent="0" algn="l" defTabSz="1289050">
+          <a:pPr marL="0" lvl="0" indent="0" algn="l" defTabSz="1466850">
             <a:lnSpc>
               <a:spcPct val="90000"/>
             </a:lnSpc>
@@ -10167,19 +10206,19 @@
             <a:buNone/>
           </a:pPr>
           <a:r>
-            <a:rPr kumimoji="1" lang="en-US" sz="2900" kern="1200"/>
+            <a:rPr kumimoji="1" lang="en-US" sz="3300" kern="1200"/>
             <a:t>Phase1: </a:t>
           </a:r>
           <a:r>
-            <a:rPr kumimoji="1" lang="ja-JP" sz="2900" kern="1200"/>
+            <a:rPr kumimoji="1" lang="ja-JP" sz="3300" kern="1200"/>
             <a:t>完成</a:t>
           </a:r>
-          <a:endParaRPr lang="en-US" sz="2900" kern="1200"/>
+          <a:endParaRPr lang="en-US" sz="3300" kern="1200"/>
         </a:p>
       </dsp:txBody>
       <dsp:txXfrm>
-        <a:off x="43064" y="1096137"/>
-        <a:ext cx="6427475" cy="796052"/>
+        <a:off x="49004" y="291986"/>
+        <a:ext cx="6415595" cy="905852"/>
       </dsp:txXfrm>
     </dsp:sp>
     <dsp:sp modelId="{84937036-A9EB-054B-AC31-1C713C20DBBA}">
@@ -10189,8 +10228,8 @@
       </dsp:nvSpPr>
       <dsp:spPr>
         <a:xfrm>
-          <a:off x="0" y="2018773"/>
-          <a:ext cx="6513603" cy="882180"/>
+          <a:off x="0" y="1341883"/>
+          <a:ext cx="6513603" cy="1003860"/>
         </a:xfrm>
         <a:prstGeom prst="roundRect">
           <a:avLst/>
@@ -10232,12 +10271,12 @@
         </a:fontRef>
       </dsp:style>
       <dsp:txBody>
-        <a:bodyPr spcFirstLastPara="0" vert="horz" wrap="square" lIns="110490" tIns="110490" rIns="110490" bIns="110490" numCol="1" spcCol="1270" anchor="ctr" anchorCtr="0">
+        <a:bodyPr spcFirstLastPara="0" vert="horz" wrap="square" lIns="125730" tIns="125730" rIns="125730" bIns="125730" numCol="1" spcCol="1270" anchor="ctr" anchorCtr="0">
           <a:noAutofit/>
         </a:bodyPr>
         <a:lstStyle/>
         <a:p>
-          <a:pPr marL="0" lvl="0" indent="0" algn="l" defTabSz="1289050">
+          <a:pPr marL="0" lvl="0" indent="0" algn="l" defTabSz="1466850">
             <a:lnSpc>
               <a:spcPct val="90000"/>
             </a:lnSpc>
@@ -10250,49 +10289,30 @@
             <a:buNone/>
           </a:pPr>
           <a:r>
-            <a:rPr lang="en-US" sz="2900" kern="1200"/>
+            <a:rPr lang="en-US" sz="3300" kern="1200"/>
             <a:t>Phase2: </a:t>
           </a:r>
           <a:r>
-            <a:rPr lang="ja-JP" sz="2900" kern="1200"/>
-            <a:t>未完成</a:t>
+            <a:rPr lang="ja-JP" sz="3300" kern="1200"/>
+            <a:t>完成</a:t>
           </a:r>
-          <a:r>
-            <a:rPr lang="en-US" sz="2900" kern="1200"/>
-            <a:t>(</a:t>
-          </a:r>
-          <a:r>
-            <a:rPr lang="ja-JP" sz="2900" kern="1200"/>
-            <a:t>小課題</a:t>
-          </a:r>
-          <a:r>
-            <a:rPr lang="en-US" sz="2900" kern="1200"/>
-            <a:t>7</a:t>
-          </a:r>
-          <a:r>
-            <a:rPr lang="ja-JP" sz="2900" kern="1200"/>
-            <a:t>まで完成</a:t>
-          </a:r>
-          <a:r>
-            <a:rPr lang="en-US" sz="2900" kern="1200"/>
-            <a:t>)</a:t>
-          </a:r>
+          <a:endParaRPr lang="en-US" sz="3300" kern="1200"/>
         </a:p>
       </dsp:txBody>
       <dsp:txXfrm>
-        <a:off x="43064" y="2061837"/>
-        <a:ext cx="6427475" cy="796052"/>
+        <a:off x="49004" y="1390887"/>
+        <a:ext cx="6415595" cy="905852"/>
       </dsp:txXfrm>
     </dsp:sp>
-    <dsp:sp modelId="{530398AD-C7C4-254A-9399-35168E2C3FF0}">
+    <dsp:sp modelId="{6865FB80-7D66-2D4B-8336-359E6966BC7B}">
       <dsp:nvSpPr>
         <dsp:cNvPr id="0" name=""/>
         <dsp:cNvSpPr/>
       </dsp:nvSpPr>
       <dsp:spPr>
         <a:xfrm>
-          <a:off x="0" y="2984473"/>
-          <a:ext cx="6513603" cy="882180"/>
+          <a:off x="0" y="2440782"/>
+          <a:ext cx="6513603" cy="1003860"/>
         </a:xfrm>
         <a:prstGeom prst="roundRect">
           <a:avLst/>
@@ -10334,12 +10354,12 @@
         </a:fontRef>
       </dsp:style>
       <dsp:txBody>
-        <a:bodyPr spcFirstLastPara="0" vert="horz" wrap="square" lIns="110490" tIns="110490" rIns="110490" bIns="110490" numCol="1" spcCol="1270" anchor="ctr" anchorCtr="0">
+        <a:bodyPr spcFirstLastPara="0" vert="horz" wrap="square" lIns="125730" tIns="125730" rIns="125730" bIns="125730" numCol="1" spcCol="1270" anchor="ctr" anchorCtr="0">
           <a:noAutofit/>
         </a:bodyPr>
         <a:lstStyle/>
         <a:p>
-          <a:pPr marL="0" lvl="0" indent="0" algn="l" defTabSz="1289050">
+          <a:pPr marL="0" lvl="0" indent="0" algn="l" defTabSz="1466850">
             <a:lnSpc>
               <a:spcPct val="90000"/>
             </a:lnSpc>
@@ -10352,34 +10372,30 @@
             <a:buNone/>
           </a:pPr>
           <a:r>
-            <a:rPr lang="ja-JP" sz="2900" kern="1200"/>
-            <a:t>ドキュメント</a:t>
+            <a:rPr lang="en-US" sz="3300" kern="1200"/>
+            <a:t>Phase3:</a:t>
           </a:r>
           <a:r>
-            <a:rPr lang="en-US" sz="2900" kern="1200"/>
-            <a:t>: </a:t>
+            <a:rPr lang="ja-JP" altLang="en-US" sz="3300" kern="1200"/>
+            <a:t> 未完成</a:t>
           </a:r>
-          <a:r>
-            <a:rPr lang="ja-JP" sz="2900" kern="1200"/>
-            <a:t>実装完了部分まで完成</a:t>
-          </a:r>
-          <a:endParaRPr lang="en-US" sz="2900" kern="1200"/>
+          <a:endParaRPr lang="en-US" sz="3300" kern="1200"/>
         </a:p>
       </dsp:txBody>
       <dsp:txXfrm>
-        <a:off x="43064" y="3027537"/>
-        <a:ext cx="6427475" cy="796052"/>
+        <a:off x="49004" y="2489786"/>
+        <a:ext cx="6415595" cy="905852"/>
       </dsp:txXfrm>
     </dsp:sp>
-    <dsp:sp modelId="{61280423-458B-8444-A836-3FEA4E67188F}">
+    <dsp:sp modelId="{530398AD-C7C4-254A-9399-35168E2C3FF0}">
       <dsp:nvSpPr>
         <dsp:cNvPr id="0" name=""/>
         <dsp:cNvSpPr/>
       </dsp:nvSpPr>
       <dsp:spPr>
         <a:xfrm>
-          <a:off x="0" y="3950173"/>
-          <a:ext cx="6513603" cy="882180"/>
+          <a:off x="0" y="3539683"/>
+          <a:ext cx="6513603" cy="1003860"/>
         </a:xfrm>
         <a:prstGeom prst="roundRect">
           <a:avLst/>
@@ -10421,12 +10437,12 @@
         </a:fontRef>
       </dsp:style>
       <dsp:txBody>
-        <a:bodyPr spcFirstLastPara="0" vert="horz" wrap="square" lIns="110490" tIns="110490" rIns="110490" bIns="110490" numCol="1" spcCol="1270" anchor="ctr" anchorCtr="0">
+        <a:bodyPr spcFirstLastPara="0" vert="horz" wrap="square" lIns="125730" tIns="125730" rIns="125730" bIns="125730" numCol="1" spcCol="1270" anchor="ctr" anchorCtr="0">
           <a:noAutofit/>
         </a:bodyPr>
         <a:lstStyle/>
         <a:p>
-          <a:pPr marL="0" lvl="0" indent="0" algn="l" defTabSz="1289050">
+          <a:pPr marL="0" lvl="0" indent="0" algn="l" defTabSz="1466850">
             <a:lnSpc>
               <a:spcPct val="90000"/>
             </a:lnSpc>
@@ -10439,23 +10455,110 @@
             <a:buNone/>
           </a:pPr>
           <a:r>
-            <a:rPr lang="ja-JP" sz="2900" kern="1200"/>
-            <a:t>テストデータ生成器</a:t>
+            <a:rPr lang="ja-JP" sz="3300" kern="1200"/>
+            <a:t>ドキュメント</a:t>
           </a:r>
           <a:r>
-            <a:rPr lang="en-US" sz="2900" kern="1200"/>
+            <a:rPr lang="en-US" sz="3300" kern="1200"/>
             <a:t>: </a:t>
           </a:r>
           <a:r>
-            <a:rPr lang="ja-JP" sz="2900" kern="1200"/>
-            <a:t>完成</a:t>
+            <a:rPr lang="ja-JP" sz="3300" kern="1200"/>
+            <a:t>実装部分まで完成</a:t>
           </a:r>
-          <a:endParaRPr lang="en-US" sz="2900" kern="1200"/>
+          <a:endParaRPr lang="en-US" sz="3300" kern="1200"/>
         </a:p>
       </dsp:txBody>
       <dsp:txXfrm>
-        <a:off x="43064" y="3993237"/>
-        <a:ext cx="6427475" cy="796052"/>
+        <a:off x="49004" y="3588687"/>
+        <a:ext cx="6415595" cy="905852"/>
+      </dsp:txXfrm>
+    </dsp:sp>
+    <dsp:sp modelId="{61280423-458B-8444-A836-3FEA4E67188F}">
+      <dsp:nvSpPr>
+        <dsp:cNvPr id="0" name=""/>
+        <dsp:cNvSpPr/>
+      </dsp:nvSpPr>
+      <dsp:spPr>
+        <a:xfrm>
+          <a:off x="0" y="4638583"/>
+          <a:ext cx="6513603" cy="1003860"/>
+        </a:xfrm>
+        <a:prstGeom prst="roundRect">
+          <a:avLst/>
+        </a:prstGeom>
+        <a:solidFill>
+          <a:schemeClr val="accent6">
+            <a:hueOff val="0"/>
+            <a:satOff val="0"/>
+            <a:lumOff val="0"/>
+            <a:alphaOff val="0"/>
+          </a:schemeClr>
+        </a:solidFill>
+        <a:ln w="12700" cap="flat" cmpd="sng" algn="ctr">
+          <a:solidFill>
+            <a:schemeClr val="lt1">
+              <a:hueOff val="0"/>
+              <a:satOff val="0"/>
+              <a:lumOff val="0"/>
+              <a:alphaOff val="0"/>
+            </a:schemeClr>
+          </a:solidFill>
+          <a:prstDash val="solid"/>
+          <a:miter lim="800000"/>
+        </a:ln>
+        <a:effectLst/>
+      </dsp:spPr>
+      <dsp:style>
+        <a:lnRef idx="2">
+          <a:scrgbClr r="0" g="0" b="0"/>
+        </a:lnRef>
+        <a:fillRef idx="1">
+          <a:scrgbClr r="0" g="0" b="0"/>
+        </a:fillRef>
+        <a:effectRef idx="0">
+          <a:scrgbClr r="0" g="0" b="0"/>
+        </a:effectRef>
+        <a:fontRef idx="minor">
+          <a:schemeClr val="lt1"/>
+        </a:fontRef>
+      </dsp:style>
+      <dsp:txBody>
+        <a:bodyPr spcFirstLastPara="0" vert="horz" wrap="square" lIns="125730" tIns="125730" rIns="125730" bIns="125730" numCol="1" spcCol="1270" anchor="ctr" anchorCtr="0">
+          <a:noAutofit/>
+        </a:bodyPr>
+        <a:lstStyle/>
+        <a:p>
+          <a:pPr marL="0" lvl="0" indent="0" algn="l" defTabSz="1466850">
+            <a:lnSpc>
+              <a:spcPct val="90000"/>
+            </a:lnSpc>
+            <a:spcBef>
+              <a:spcPct val="0"/>
+            </a:spcBef>
+            <a:spcAft>
+              <a:spcPct val="35000"/>
+            </a:spcAft>
+            <a:buNone/>
+          </a:pPr>
+          <a:r>
+            <a:rPr lang="ja-JP" sz="3300" kern="1200"/>
+            <a:t>テストデータ</a:t>
+          </a:r>
+          <a:r>
+            <a:rPr lang="en-US" sz="3300" kern="1200"/>
+            <a:t>: 実装部分まで</a:t>
+          </a:r>
+          <a:r>
+            <a:rPr lang="ja-JP" sz="3300" kern="1200"/>
+            <a:t>完成</a:t>
+          </a:r>
+          <a:endParaRPr lang="en-US" sz="3300" kern="1200"/>
+        </a:p>
+      </dsp:txBody>
+      <dsp:txXfrm>
+        <a:off x="49004" y="4687587"/>
+        <a:ext cx="6415595" cy="905852"/>
       </dsp:txXfrm>
     </dsp:sp>
   </dsp:spTree>
@@ -22325,7 +22428,7 @@
           </a:lstStyle>
           <a:p>
             <a:fld id="{0672B53C-868C-7949-80D7-CF4527C0C9DC}" type="datetimeFigureOut">
-              <a:t>2019/6/17</a:t>
+              <a:t>2019/6/18</a:t>
             </a:fld>
             <a:endParaRPr kumimoji="1" lang="ja-JP" altLang="en-US"/>
           </a:p>
@@ -22844,9 +22947,12 @@
           <a:lstStyle/>
           <a:p>
             <a:r>
-              <a:rPr kumimoji="1" lang="ja-JP" altLang="en-US"/>
-              <a:t>すきっぷ</a:t>
+              <a:rPr kumimoji="1" lang="en-US" altLang="ja-JP"/>
+              <a:t>koshikawa</a:t>
             </a:r>
+          </a:p>
+          <a:p>
+            <a:endParaRPr kumimoji="1" lang="ja-JP" altLang="en-US"/>
           </a:p>
         </p:txBody>
       </p:sp>
@@ -23811,9 +23917,10 @@
           <a:lstStyle/>
           <a:p>
             <a:r>
-              <a:rPr kumimoji="1" lang="ja-JP" altLang="en-US"/>
-              <a:t>こしかわ</a:t>
+              <a:rPr kumimoji="1" lang="en-US" altLang="ja-JP"/>
+              <a:t>Kimuson</a:t>
             </a:r>
+            <a:endParaRPr kumimoji="1" lang="ja-JP" altLang="en-US"/>
           </a:p>
         </p:txBody>
       </p:sp>
@@ -24327,7 +24434,7 @@
           <a:p>
             <a:fld id="{48A87A34-81AB-432B-8DAE-1953F412C126}" type="datetimeFigureOut">
               <a:rPr lang="en-US" dirty="0"/>
-              <a:t>6/17/19</a:t>
+              <a:t>6/18/19</a:t>
             </a:fld>
             <a:endParaRPr lang="en-US" dirty="0"/>
           </a:p>
@@ -24529,7 +24636,7 @@
           <a:p>
             <a:fld id="{48A87A34-81AB-432B-8DAE-1953F412C126}" type="datetimeFigureOut">
               <a:rPr lang="en-US" dirty="0"/>
-              <a:t>6/17/19</a:t>
+              <a:t>6/18/19</a:t>
             </a:fld>
             <a:endParaRPr lang="en-US" dirty="0"/>
           </a:p>
@@ -24741,7 +24848,7 @@
           <a:p>
             <a:fld id="{48A87A34-81AB-432B-8DAE-1953F412C126}" type="datetimeFigureOut">
               <a:rPr lang="en-US" dirty="0"/>
-              <a:t>6/17/19</a:t>
+              <a:t>6/18/19</a:t>
             </a:fld>
             <a:endParaRPr lang="en-US" dirty="0"/>
           </a:p>
@@ -24943,7 +25050,7 @@
           <a:p>
             <a:fld id="{48A87A34-81AB-432B-8DAE-1953F412C126}" type="datetimeFigureOut">
               <a:rPr lang="en-US" dirty="0"/>
-              <a:t>6/17/19</a:t>
+              <a:t>6/18/19</a:t>
             </a:fld>
             <a:endParaRPr lang="en-US" dirty="0"/>
           </a:p>
@@ -25189,7 +25296,7 @@
           <a:p>
             <a:fld id="{48A87A34-81AB-432B-8DAE-1953F412C126}" type="datetimeFigureOut">
               <a:rPr lang="en-US" dirty="0"/>
-              <a:t>6/17/19</a:t>
+              <a:t>6/18/19</a:t>
             </a:fld>
             <a:endParaRPr lang="en-US" dirty="0"/>
           </a:p>
@@ -25485,7 +25592,7 @@
           <a:p>
             <a:fld id="{48A87A34-81AB-432B-8DAE-1953F412C126}" type="datetimeFigureOut">
               <a:rPr lang="en-US" dirty="0"/>
-              <a:t>6/17/19</a:t>
+              <a:t>6/18/19</a:t>
             </a:fld>
             <a:endParaRPr lang="en-US" dirty="0"/>
           </a:p>
@@ -25916,7 +26023,7 @@
           <a:p>
             <a:fld id="{48A87A34-81AB-432B-8DAE-1953F412C126}" type="datetimeFigureOut">
               <a:rPr lang="en-US" dirty="0"/>
-              <a:t>6/17/19</a:t>
+              <a:t>6/18/19</a:t>
             </a:fld>
             <a:endParaRPr lang="en-US" dirty="0"/>
           </a:p>
@@ -26034,7 +26141,7 @@
           <a:p>
             <a:fld id="{48A87A34-81AB-432B-8DAE-1953F412C126}" type="datetimeFigureOut">
               <a:rPr lang="en-US" dirty="0"/>
-              <a:t>6/17/19</a:t>
+              <a:t>6/18/19</a:t>
             </a:fld>
             <a:endParaRPr lang="en-US" dirty="0"/>
           </a:p>
@@ -26129,7 +26236,7 @@
           <a:p>
             <a:fld id="{48A87A34-81AB-432B-8DAE-1953F412C126}" type="datetimeFigureOut">
               <a:rPr lang="en-US" dirty="0"/>
-              <a:t>6/17/19</a:t>
+              <a:t>6/18/19</a:t>
             </a:fld>
             <a:endParaRPr lang="en-US" dirty="0"/>
           </a:p>
@@ -26438,7 +26545,7 @@
           <a:p>
             <a:fld id="{48A87A34-81AB-432B-8DAE-1953F412C126}" type="datetimeFigureOut">
               <a:rPr lang="en-US" dirty="0"/>
-              <a:t>6/17/19</a:t>
+              <a:t>6/18/19</a:t>
             </a:fld>
             <a:endParaRPr lang="en-US" dirty="0"/>
           </a:p>
@@ -26695,7 +26802,7 @@
           <a:p>
             <a:fld id="{48A87A34-81AB-432B-8DAE-1953F412C126}" type="datetimeFigureOut">
               <a:rPr lang="en-US" dirty="0"/>
-              <a:t>6/17/19</a:t>
+              <a:t>6/18/19</a:t>
             </a:fld>
             <a:endParaRPr lang="en-US" dirty="0"/>
           </a:p>
@@ -26941,7 +27048,7 @@
             <a:fld id="{48A87A34-81AB-432B-8DAE-1953F412C126}" type="datetimeFigureOut">
               <a:rPr lang="en-US" dirty="0"/>
               <a:pPr/>
-              <a:t>6/17/19</a:t>
+              <a:t>6/18/19</a:t>
             </a:fld>
             <a:endParaRPr lang="en-US" dirty="0"/>
           </a:p>
@@ -32663,7 +32770,7 @@
             <p:ph idx="1"/>
             <p:extLst>
               <p:ext uri="{D42A27DB-BD31-4B8C-83A1-F6EECF244321}">
-                <p14:modId xmlns:p14="http://schemas.microsoft.com/office/powerpoint/2010/main" val="3377202101"/>
+                <p14:modId xmlns:p14="http://schemas.microsoft.com/office/powerpoint/2010/main" val="1228801162"/>
               </p:ext>
             </p:extLst>
           </p:nvPr>
